--- a/slides.pptx
+++ b/slides.pptx
@@ -14,13 +14,25 @@
     <p:sldId id="263" r:id="rId8"/>
     <p:sldId id="264" r:id="rId9"/>
     <p:sldId id="267" r:id="rId10"/>
-    <p:sldId id="268" r:id="rId11"/>
-    <p:sldId id="269" r:id="rId12"/>
-    <p:sldId id="270" r:id="rId13"/>
-    <p:sldId id="271" r:id="rId14"/>
-    <p:sldId id="272" r:id="rId15"/>
-    <p:sldId id="273" r:id="rId16"/>
-    <p:sldId id="274" r:id="rId17"/>
+    <p:sldId id="269" r:id="rId11"/>
+    <p:sldId id="270" r:id="rId12"/>
+    <p:sldId id="271" r:id="rId13"/>
+    <p:sldId id="272" r:id="rId14"/>
+    <p:sldId id="273" r:id="rId15"/>
+    <p:sldId id="274" r:id="rId16"/>
+    <p:sldId id="275" r:id="rId17"/>
+    <p:sldId id="276" r:id="rId18"/>
+    <p:sldId id="277" r:id="rId19"/>
+    <p:sldId id="278" r:id="rId20"/>
+    <p:sldId id="279" r:id="rId21"/>
+    <p:sldId id="280" r:id="rId22"/>
+    <p:sldId id="281" r:id="rId23"/>
+    <p:sldId id="282" r:id="rId24"/>
+    <p:sldId id="284" r:id="rId25"/>
+    <p:sldId id="285" r:id="rId26"/>
+    <p:sldId id="287" r:id="rId27"/>
+    <p:sldId id="286" r:id="rId28"/>
+    <p:sldId id="288" r:id="rId29"/>
   </p:sldIdLst>
   <p:sldSz cx="12192000" cy="6858000"/>
   <p:notesSz cx="6858000" cy="9144000"/>
@@ -119,794 +131,15 @@
       </a:defRPr>
     </a:lvl9pPr>
   </p:defaultTextStyle>
+  <p:extLst>
+    <p:ext uri="{EFAFB233-063F-42B5-8137-9DF3F51BA10A}">
+      <p15:sldGuideLst xmlns:p15="http://schemas.microsoft.com/office/powerpoint/2012/main"/>
+    </p:ext>
+  </p:extLst>
 </p:presentation>
 </file>
 
 <file path=ppt/diagrams/colors1.xml><?xml version="1.0" encoding="utf-8"?>
-<dgm:colorsDef xmlns:dgm="http://schemas.openxmlformats.org/drawingml/2006/diagram" xmlns:a="http://schemas.openxmlformats.org/drawingml/2006/main" uniqueId="urn:microsoft.com/office/officeart/2018/5/colors/Iconchunking_neutralicon_colorful5">
-  <dgm:title val=""/>
-  <dgm:desc val=""/>
-  <dgm:catLst>
-    <dgm:cat type="colorful" pri="10500"/>
-  </dgm:catLst>
-  <dgm:styleLbl name="node0">
-    <dgm:fillClrLst meth="repeat">
-      <a:schemeClr val="accent4"/>
-    </dgm:fillClrLst>
-    <dgm:linClrLst meth="repeat">
-      <a:schemeClr val="lt1"/>
-    </dgm:linClrLst>
-    <dgm:effectClrLst/>
-    <dgm:txLinClrLst/>
-    <dgm:txFillClrLst/>
-    <dgm:txEffectClrLst/>
-  </dgm:styleLbl>
-  <dgm:styleLbl name="node1">
-    <dgm:fillClrLst meth="repeat">
-      <a:schemeClr val="bg1"/>
-    </dgm:fillClrLst>
-    <dgm:linClrLst meth="repeat">
-      <a:schemeClr val="lt1">
-        <a:alpha val="0"/>
-      </a:schemeClr>
-    </dgm:linClrLst>
-    <dgm:effectClrLst/>
-    <dgm:txLinClrLst/>
-    <dgm:txFillClrLst meth="repeat">
-      <a:schemeClr val="dk1"/>
-    </dgm:txFillClrLst>
-    <dgm:txEffectClrLst/>
-  </dgm:styleLbl>
-  <dgm:styleLbl name="alignNode1">
-    <dgm:fillClrLst>
-      <a:schemeClr val="accent5"/>
-      <a:schemeClr val="accent6"/>
-    </dgm:fillClrLst>
-    <dgm:linClrLst>
-      <a:schemeClr val="accent5"/>
-      <a:schemeClr val="accent6"/>
-    </dgm:linClrLst>
-    <dgm:effectClrLst/>
-    <dgm:txLinClrLst/>
-    <dgm:txFillClrLst/>
-    <dgm:txEffectClrLst/>
-  </dgm:styleLbl>
-  <dgm:styleLbl name="lnNode1">
-    <dgm:fillClrLst>
-      <a:schemeClr val="accent5"/>
-      <a:schemeClr val="accent6"/>
-    </dgm:fillClrLst>
-    <dgm:linClrLst meth="repeat">
-      <a:schemeClr val="lt1"/>
-    </dgm:linClrLst>
-    <dgm:effectClrLst/>
-    <dgm:txLinClrLst/>
-    <dgm:txFillClrLst/>
-    <dgm:txEffectClrLst/>
-  </dgm:styleLbl>
-  <dgm:styleLbl name="vennNode1">
-    <dgm:fillClrLst>
-      <a:schemeClr val="accent5">
-        <a:alpha val="50000"/>
-      </a:schemeClr>
-      <a:schemeClr val="accent6">
-        <a:alpha val="50000"/>
-      </a:schemeClr>
-    </dgm:fillClrLst>
-    <dgm:linClrLst meth="repeat">
-      <a:schemeClr val="lt1"/>
-    </dgm:linClrLst>
-    <dgm:effectClrLst/>
-    <dgm:txLinClrLst/>
-    <dgm:txFillClrLst/>
-    <dgm:txEffectClrLst/>
-  </dgm:styleLbl>
-  <dgm:styleLbl name="node2">
-    <dgm:fillClrLst>
-      <a:schemeClr val="accent6"/>
-    </dgm:fillClrLst>
-    <dgm:linClrLst meth="repeat">
-      <a:schemeClr val="lt1"/>
-    </dgm:linClrLst>
-    <dgm:effectClrLst/>
-    <dgm:txLinClrLst/>
-    <dgm:txFillClrLst/>
-    <dgm:txEffectClrLst/>
-  </dgm:styleLbl>
-  <dgm:styleLbl name="node3">
-    <dgm:fillClrLst>
-      <a:schemeClr val="accent1"/>
-    </dgm:fillClrLst>
-    <dgm:linClrLst meth="repeat">
-      <a:schemeClr val="lt1"/>
-    </dgm:linClrLst>
-    <dgm:effectClrLst/>
-    <dgm:txLinClrLst/>
-    <dgm:txFillClrLst/>
-    <dgm:txEffectClrLst/>
-  </dgm:styleLbl>
-  <dgm:styleLbl name="node4">
-    <dgm:fillClrLst>
-      <a:schemeClr val="accent2"/>
-    </dgm:fillClrLst>
-    <dgm:linClrLst meth="repeat">
-      <a:schemeClr val="lt1"/>
-    </dgm:linClrLst>
-    <dgm:effectClrLst/>
-    <dgm:txLinClrLst/>
-    <dgm:txFillClrLst/>
-    <dgm:txEffectClrLst/>
-  </dgm:styleLbl>
-  <dgm:styleLbl name="fgImgPlace1">
-    <dgm:fillClrLst>
-      <a:schemeClr val="accent5">
-        <a:tint val="50000"/>
-      </a:schemeClr>
-      <a:schemeClr val="accent6">
-        <a:tint val="50000"/>
-      </a:schemeClr>
-    </dgm:fillClrLst>
-    <dgm:linClrLst meth="repeat">
-      <a:schemeClr val="lt1"/>
-    </dgm:linClrLst>
-    <dgm:effectClrLst/>
-    <dgm:txLinClrLst/>
-    <dgm:txFillClrLst meth="repeat">
-      <a:schemeClr val="lt1"/>
-    </dgm:txFillClrLst>
-    <dgm:txEffectClrLst/>
-  </dgm:styleLbl>
-  <dgm:styleLbl name="alignImgPlace1">
-    <dgm:fillClrLst>
-      <a:schemeClr val="accent5">
-        <a:tint val="50000"/>
-      </a:schemeClr>
-      <a:schemeClr val="accent6">
-        <a:tint val="20000"/>
-      </a:schemeClr>
-    </dgm:fillClrLst>
-    <dgm:linClrLst meth="repeat">
-      <a:schemeClr val="lt1"/>
-    </dgm:linClrLst>
-    <dgm:effectClrLst/>
-    <dgm:txLinClrLst/>
-    <dgm:txFillClrLst meth="repeat">
-      <a:schemeClr val="lt1"/>
-    </dgm:txFillClrLst>
-    <dgm:txEffectClrLst/>
-  </dgm:styleLbl>
-  <dgm:styleLbl name="bgImgPlace1">
-    <dgm:fillClrLst>
-      <a:schemeClr val="accent5">
-        <a:tint val="50000"/>
-      </a:schemeClr>
-      <a:schemeClr val="accent6">
-        <a:tint val="20000"/>
-      </a:schemeClr>
-    </dgm:fillClrLst>
-    <dgm:linClrLst meth="repeat">
-      <a:schemeClr val="lt1"/>
-    </dgm:linClrLst>
-    <dgm:effectClrLst/>
-    <dgm:txLinClrLst/>
-    <dgm:txFillClrLst meth="repeat">
-      <a:schemeClr val="lt1"/>
-    </dgm:txFillClrLst>
-    <dgm:txEffectClrLst/>
-  </dgm:styleLbl>
-  <dgm:styleLbl name="sibTrans2D1">
-    <dgm:fillClrLst>
-      <a:schemeClr val="accent5"/>
-      <a:schemeClr val="accent6"/>
-    </dgm:fillClrLst>
-    <dgm:linClrLst meth="repeat">
-      <a:schemeClr val="lt1"/>
-    </dgm:linClrLst>
-    <dgm:effectClrLst/>
-    <dgm:txLinClrLst/>
-    <dgm:txFillClrLst/>
-    <dgm:txEffectClrLst/>
-  </dgm:styleLbl>
-  <dgm:styleLbl name="fgSibTrans2D1">
-    <dgm:fillClrLst>
-      <a:schemeClr val="accent5"/>
-      <a:schemeClr val="accent6"/>
-    </dgm:fillClrLst>
-    <dgm:linClrLst meth="repeat">
-      <a:schemeClr val="lt1"/>
-    </dgm:linClrLst>
-    <dgm:effectClrLst/>
-    <dgm:txLinClrLst/>
-    <dgm:txFillClrLst meth="repeat">
-      <a:schemeClr val="lt1"/>
-    </dgm:txFillClrLst>
-    <dgm:txEffectClrLst/>
-  </dgm:styleLbl>
-  <dgm:styleLbl name="bgSibTrans2D1">
-    <dgm:fillClrLst>
-      <a:schemeClr val="accent5"/>
-      <a:schemeClr val="accent6"/>
-    </dgm:fillClrLst>
-    <dgm:linClrLst meth="repeat">
-      <a:schemeClr val="lt1"/>
-    </dgm:linClrLst>
-    <dgm:effectClrLst/>
-    <dgm:txLinClrLst/>
-    <dgm:txFillClrLst meth="repeat">
-      <a:schemeClr val="lt1"/>
-    </dgm:txFillClrLst>
-    <dgm:txEffectClrLst/>
-  </dgm:styleLbl>
-  <dgm:styleLbl name="sibTrans1D1">
-    <dgm:fillClrLst/>
-    <dgm:linClrLst>
-      <a:schemeClr val="accent5"/>
-      <a:schemeClr val="accent6"/>
-    </dgm:linClrLst>
-    <dgm:effectClrLst/>
-    <dgm:txLinClrLst/>
-    <dgm:txFillClrLst meth="repeat">
-      <a:schemeClr val="tx1"/>
-    </dgm:txFillClrLst>
-    <dgm:txEffectClrLst/>
-  </dgm:styleLbl>
-  <dgm:styleLbl name="callout">
-    <dgm:fillClrLst meth="repeat">
-      <a:schemeClr val="accent5"/>
-    </dgm:fillClrLst>
-    <dgm:linClrLst meth="repeat">
-      <a:schemeClr val="accent5">
-        <a:tint val="50000"/>
-      </a:schemeClr>
-    </dgm:linClrLst>
-    <dgm:effectClrLst/>
-    <dgm:txLinClrLst/>
-    <dgm:txFillClrLst meth="repeat">
-      <a:schemeClr val="tx1"/>
-    </dgm:txFillClrLst>
-    <dgm:txEffectClrLst/>
-  </dgm:styleLbl>
-  <dgm:styleLbl name="asst0">
-    <dgm:fillClrLst meth="repeat">
-      <a:schemeClr val="accent5"/>
-    </dgm:fillClrLst>
-    <dgm:linClrLst meth="repeat">
-      <a:schemeClr val="lt1">
-        <a:shade val="80000"/>
-      </a:schemeClr>
-    </dgm:linClrLst>
-    <dgm:effectClrLst/>
-    <dgm:txLinClrLst/>
-    <dgm:txFillClrLst/>
-    <dgm:txEffectClrLst/>
-  </dgm:styleLbl>
-  <dgm:styleLbl name="asst1">
-    <dgm:fillClrLst meth="repeat">
-      <a:schemeClr val="accent6"/>
-    </dgm:fillClrLst>
-    <dgm:linClrLst meth="repeat">
-      <a:schemeClr val="lt1">
-        <a:shade val="80000"/>
-      </a:schemeClr>
-    </dgm:linClrLst>
-    <dgm:effectClrLst/>
-    <dgm:txLinClrLst/>
-    <dgm:txFillClrLst/>
-    <dgm:txEffectClrLst/>
-  </dgm:styleLbl>
-  <dgm:styleLbl name="asst2">
-    <dgm:fillClrLst>
-      <a:schemeClr val="accent1"/>
-    </dgm:fillClrLst>
-    <dgm:linClrLst meth="repeat">
-      <a:schemeClr val="lt1"/>
-    </dgm:linClrLst>
-    <dgm:effectClrLst/>
-    <dgm:txLinClrLst/>
-    <dgm:txFillClrLst/>
-    <dgm:txEffectClrLst/>
-  </dgm:styleLbl>
-  <dgm:styleLbl name="asst3">
-    <dgm:fillClrLst>
-      <a:schemeClr val="accent2"/>
-    </dgm:fillClrLst>
-    <dgm:linClrLst meth="repeat">
-      <a:schemeClr val="lt1"/>
-    </dgm:linClrLst>
-    <dgm:effectClrLst/>
-    <dgm:txLinClrLst/>
-    <dgm:txFillClrLst/>
-    <dgm:txEffectClrLst/>
-  </dgm:styleLbl>
-  <dgm:styleLbl name="asst4">
-    <dgm:fillClrLst>
-      <a:schemeClr val="accent3"/>
-    </dgm:fillClrLst>
-    <dgm:linClrLst meth="repeat">
-      <a:schemeClr val="lt1"/>
-    </dgm:linClrLst>
-    <dgm:effectClrLst/>
-    <dgm:txLinClrLst/>
-    <dgm:txFillClrLst/>
-    <dgm:txEffectClrLst/>
-  </dgm:styleLbl>
-  <dgm:styleLbl name="parChTrans2D1">
-    <dgm:fillClrLst meth="repeat">
-      <a:schemeClr val="accent5"/>
-    </dgm:fillClrLst>
-    <dgm:linClrLst meth="repeat">
-      <a:schemeClr val="lt1"/>
-    </dgm:linClrLst>
-    <dgm:effectClrLst/>
-    <dgm:txLinClrLst/>
-    <dgm:txFillClrLst meth="repeat">
-      <a:schemeClr val="lt1"/>
-    </dgm:txFillClrLst>
-    <dgm:txEffectClrLst/>
-  </dgm:styleLbl>
-  <dgm:styleLbl name="parChTrans2D2">
-    <dgm:fillClrLst meth="repeat">
-      <a:schemeClr val="accent6"/>
-    </dgm:fillClrLst>
-    <dgm:linClrLst meth="repeat">
-      <a:schemeClr val="lt1"/>
-    </dgm:linClrLst>
-    <dgm:effectClrLst/>
-    <dgm:txLinClrLst/>
-    <dgm:txFillClrLst/>
-    <dgm:txEffectClrLst/>
-  </dgm:styleLbl>
-  <dgm:styleLbl name="parChTrans2D3">
-    <dgm:fillClrLst meth="repeat">
-      <a:schemeClr val="accent6"/>
-    </dgm:fillClrLst>
-    <dgm:linClrLst meth="repeat">
-      <a:schemeClr val="lt1"/>
-    </dgm:linClrLst>
-    <dgm:effectClrLst/>
-    <dgm:txLinClrLst/>
-    <dgm:txFillClrLst/>
-    <dgm:txEffectClrLst/>
-  </dgm:styleLbl>
-  <dgm:styleLbl name="parChTrans2D4">
-    <dgm:fillClrLst meth="repeat">
-      <a:schemeClr val="accent1"/>
-    </dgm:fillClrLst>
-    <dgm:linClrLst meth="repeat">
-      <a:schemeClr val="lt1"/>
-    </dgm:linClrLst>
-    <dgm:effectClrLst/>
-    <dgm:txLinClrLst/>
-    <dgm:txFillClrLst meth="repeat">
-      <a:schemeClr val="lt1"/>
-    </dgm:txFillClrLst>
-    <dgm:txEffectClrLst/>
-  </dgm:styleLbl>
-  <dgm:styleLbl name="parChTrans1D1">
-    <dgm:fillClrLst meth="repeat">
-      <a:schemeClr val="accent5"/>
-    </dgm:fillClrLst>
-    <dgm:linClrLst meth="repeat">
-      <a:schemeClr val="accent5"/>
-    </dgm:linClrLst>
-    <dgm:effectClrLst/>
-    <dgm:txLinClrLst/>
-    <dgm:txFillClrLst meth="repeat">
-      <a:schemeClr val="tx1"/>
-    </dgm:txFillClrLst>
-    <dgm:txEffectClrLst/>
-  </dgm:styleLbl>
-  <dgm:styleLbl name="parChTrans1D2">
-    <dgm:fillClrLst meth="repeat">
-      <a:schemeClr val="accent6">
-        <a:tint val="90000"/>
-      </a:schemeClr>
-    </dgm:fillClrLst>
-    <dgm:linClrLst meth="repeat">
-      <a:schemeClr val="accent6"/>
-    </dgm:linClrLst>
-    <dgm:effectClrLst/>
-    <dgm:txLinClrLst/>
-    <dgm:txFillClrLst meth="repeat">
-      <a:schemeClr val="tx1"/>
-    </dgm:txFillClrLst>
-    <dgm:txEffectClrLst/>
-  </dgm:styleLbl>
-  <dgm:styleLbl name="parChTrans1D3">
-    <dgm:fillClrLst meth="repeat">
-      <a:schemeClr val="accent6">
-        <a:tint val="70000"/>
-      </a:schemeClr>
-    </dgm:fillClrLst>
-    <dgm:linClrLst meth="repeat">
-      <a:schemeClr val="accent1"/>
-    </dgm:linClrLst>
-    <dgm:effectClrLst/>
-    <dgm:txLinClrLst/>
-    <dgm:txFillClrLst meth="repeat">
-      <a:schemeClr val="tx1"/>
-    </dgm:txFillClrLst>
-    <dgm:txEffectClrLst/>
-  </dgm:styleLbl>
-  <dgm:styleLbl name="parChTrans1D4">
-    <dgm:fillClrLst meth="repeat">
-      <a:schemeClr val="accent6">
-        <a:tint val="50000"/>
-      </a:schemeClr>
-    </dgm:fillClrLst>
-    <dgm:linClrLst meth="repeat">
-      <a:schemeClr val="accent2"/>
-    </dgm:linClrLst>
-    <dgm:effectClrLst/>
-    <dgm:txLinClrLst/>
-    <dgm:txFillClrLst meth="repeat">
-      <a:schemeClr val="tx1"/>
-    </dgm:txFillClrLst>
-    <dgm:txEffectClrLst/>
-  </dgm:styleLbl>
-  <dgm:styleLbl name="fgAcc1">
-    <dgm:fillClrLst meth="repeat">
-      <a:schemeClr val="lt1">
-        <a:alpha val="90000"/>
-      </a:schemeClr>
-    </dgm:fillClrLst>
-    <dgm:linClrLst>
-      <a:schemeClr val="accent5"/>
-      <a:schemeClr val="accent6"/>
-    </dgm:linClrLst>
-    <dgm:effectClrLst/>
-    <dgm:txLinClrLst/>
-    <dgm:txFillClrLst meth="repeat">
-      <a:schemeClr val="dk1"/>
-    </dgm:txFillClrLst>
-    <dgm:txEffectClrLst/>
-  </dgm:styleLbl>
-  <dgm:styleLbl name="conFgAcc1">
-    <dgm:fillClrLst meth="repeat">
-      <a:schemeClr val="lt1">
-        <a:alpha val="90000"/>
-      </a:schemeClr>
-    </dgm:fillClrLst>
-    <dgm:linClrLst>
-      <a:schemeClr val="accent5"/>
-      <a:schemeClr val="accent6"/>
-    </dgm:linClrLst>
-    <dgm:effectClrLst/>
-    <dgm:txLinClrLst/>
-    <dgm:txFillClrLst meth="repeat">
-      <a:schemeClr val="dk1"/>
-    </dgm:txFillClrLst>
-    <dgm:txEffectClrLst/>
-  </dgm:styleLbl>
-  <dgm:styleLbl name="alignAcc1">
-    <dgm:fillClrLst meth="repeat">
-      <a:schemeClr val="lt1">
-        <a:alpha val="90000"/>
-      </a:schemeClr>
-    </dgm:fillClrLst>
-    <dgm:linClrLst>
-      <a:schemeClr val="accent5"/>
-      <a:schemeClr val="accent6"/>
-    </dgm:linClrLst>
-    <dgm:effectClrLst/>
-    <dgm:txLinClrLst/>
-    <dgm:txFillClrLst meth="repeat">
-      <a:schemeClr val="dk1"/>
-    </dgm:txFillClrLst>
-    <dgm:txEffectClrLst/>
-  </dgm:styleLbl>
-  <dgm:styleLbl name="trAlignAcc1">
-    <dgm:fillClrLst meth="repeat">
-      <a:schemeClr val="lt1">
-        <a:alpha val="40000"/>
-      </a:schemeClr>
-    </dgm:fillClrLst>
-    <dgm:linClrLst meth="repeat">
-      <a:schemeClr val="accent5"/>
-    </dgm:linClrLst>
-    <dgm:effectClrLst/>
-    <dgm:txLinClrLst/>
-    <dgm:txFillClrLst meth="repeat">
-      <a:schemeClr val="dk1"/>
-    </dgm:txFillClrLst>
-    <dgm:txEffectClrLst/>
-  </dgm:styleLbl>
-  <dgm:styleLbl name="bgAcc1">
-    <dgm:fillClrLst meth="repeat">
-      <a:schemeClr val="lt1">
-        <a:alpha val="90000"/>
-      </a:schemeClr>
-    </dgm:fillClrLst>
-    <dgm:linClrLst>
-      <a:schemeClr val="accent5"/>
-      <a:schemeClr val="accent6"/>
-    </dgm:linClrLst>
-    <dgm:effectClrLst/>
-    <dgm:txLinClrLst/>
-    <dgm:txFillClrLst meth="repeat">
-      <a:schemeClr val="dk1"/>
-    </dgm:txFillClrLst>
-    <dgm:txEffectClrLst/>
-  </dgm:styleLbl>
-  <dgm:styleLbl name="solidFgAcc1">
-    <dgm:fillClrLst meth="repeat">
-      <a:schemeClr val="lt1"/>
-    </dgm:fillClrLst>
-    <dgm:linClrLst>
-      <a:schemeClr val="accent5"/>
-      <a:schemeClr val="accent6"/>
-    </dgm:linClrLst>
-    <dgm:effectClrLst/>
-    <dgm:txLinClrLst/>
-    <dgm:txFillClrLst meth="repeat">
-      <a:schemeClr val="dk1"/>
-    </dgm:txFillClrLst>
-    <dgm:txEffectClrLst/>
-  </dgm:styleLbl>
-  <dgm:styleLbl name="solidAlignAcc1">
-    <dgm:fillClrLst meth="repeat">
-      <a:schemeClr val="lt1"/>
-    </dgm:fillClrLst>
-    <dgm:linClrLst>
-      <a:schemeClr val="accent5"/>
-      <a:schemeClr val="accent6"/>
-    </dgm:linClrLst>
-    <dgm:effectClrLst/>
-    <dgm:txLinClrLst/>
-    <dgm:txFillClrLst meth="repeat">
-      <a:schemeClr val="dk1"/>
-    </dgm:txFillClrLst>
-    <dgm:txEffectClrLst/>
-  </dgm:styleLbl>
-  <dgm:styleLbl name="solidBgAcc1">
-    <dgm:fillClrLst meth="repeat">
-      <a:schemeClr val="lt1"/>
-    </dgm:fillClrLst>
-    <dgm:linClrLst>
-      <a:schemeClr val="accent5"/>
-      <a:schemeClr val="accent6"/>
-    </dgm:linClrLst>
-    <dgm:effectClrLst/>
-    <dgm:txLinClrLst/>
-    <dgm:txFillClrLst meth="repeat">
-      <a:schemeClr val="dk1"/>
-    </dgm:txFillClrLst>
-    <dgm:txEffectClrLst/>
-  </dgm:styleLbl>
-  <dgm:styleLbl name="fgAccFollowNode1">
-    <dgm:fillClrLst>
-      <a:schemeClr val="accent5">
-        <a:tint val="40000"/>
-        <a:alpha val="90000"/>
-      </a:schemeClr>
-      <a:schemeClr val="accent6">
-        <a:tint val="40000"/>
-        <a:alpha val="90000"/>
-      </a:schemeClr>
-    </dgm:fillClrLst>
-    <dgm:linClrLst>
-      <a:schemeClr val="accent5">
-        <a:tint val="40000"/>
-        <a:alpha val="90000"/>
-      </a:schemeClr>
-      <a:schemeClr val="accent5">
-        <a:tint val="40000"/>
-        <a:alpha val="90000"/>
-      </a:schemeClr>
-    </dgm:linClrLst>
-    <dgm:effectClrLst/>
-    <dgm:txLinClrLst/>
-    <dgm:txFillClrLst meth="repeat">
-      <a:schemeClr val="dk1"/>
-    </dgm:txFillClrLst>
-    <dgm:txEffectClrLst/>
-  </dgm:styleLbl>
-  <dgm:styleLbl name="alignAccFollowNode1">
-    <dgm:fillClrLst>
-      <a:schemeClr val="accent5">
-        <a:tint val="40000"/>
-        <a:alpha val="90000"/>
-      </a:schemeClr>
-      <a:schemeClr val="accent6">
-        <a:tint val="40000"/>
-        <a:alpha val="90000"/>
-      </a:schemeClr>
-    </dgm:fillClrLst>
-    <dgm:linClrLst>
-      <a:schemeClr val="accent5">
-        <a:tint val="40000"/>
-        <a:alpha val="90000"/>
-      </a:schemeClr>
-      <a:schemeClr val="accent6">
-        <a:tint val="40000"/>
-        <a:alpha val="90000"/>
-      </a:schemeClr>
-    </dgm:linClrLst>
-    <dgm:effectClrLst/>
-    <dgm:txLinClrLst/>
-    <dgm:txFillClrLst meth="repeat">
-      <a:schemeClr val="dk1"/>
-    </dgm:txFillClrLst>
-    <dgm:txEffectClrLst/>
-  </dgm:styleLbl>
-  <dgm:styleLbl name="bgAccFollowNode1">
-    <dgm:fillClrLst>
-      <a:schemeClr val="accent5">
-        <a:tint val="40000"/>
-        <a:alpha val="90000"/>
-      </a:schemeClr>
-      <a:schemeClr val="accent6">
-        <a:tint val="40000"/>
-        <a:alpha val="90000"/>
-      </a:schemeClr>
-    </dgm:fillClrLst>
-    <dgm:linClrLst>
-      <a:schemeClr val="accent5">
-        <a:tint val="40000"/>
-        <a:alpha val="90000"/>
-      </a:schemeClr>
-      <a:schemeClr val="accent6">
-        <a:tint val="40000"/>
-        <a:alpha val="90000"/>
-      </a:schemeClr>
-    </dgm:linClrLst>
-    <dgm:effectClrLst/>
-    <dgm:txLinClrLst/>
-    <dgm:txFillClrLst meth="repeat">
-      <a:schemeClr val="dk1"/>
-    </dgm:txFillClrLst>
-    <dgm:txEffectClrLst/>
-  </dgm:styleLbl>
-  <dgm:styleLbl name="fgAcc0">
-    <dgm:fillClrLst meth="repeat">
-      <a:schemeClr val="lt1">
-        <a:alpha val="90000"/>
-      </a:schemeClr>
-    </dgm:fillClrLst>
-    <dgm:linClrLst>
-      <a:schemeClr val="accent4"/>
-    </dgm:linClrLst>
-    <dgm:effectClrLst/>
-    <dgm:txLinClrLst/>
-    <dgm:txFillClrLst meth="repeat">
-      <a:schemeClr val="dk1"/>
-    </dgm:txFillClrLst>
-    <dgm:txEffectClrLst/>
-  </dgm:styleLbl>
-  <dgm:styleLbl name="fgAcc2">
-    <dgm:fillClrLst meth="repeat">
-      <a:schemeClr val="lt1">
-        <a:alpha val="90000"/>
-      </a:schemeClr>
-    </dgm:fillClrLst>
-    <dgm:linClrLst>
-      <a:schemeClr val="accent6"/>
-    </dgm:linClrLst>
-    <dgm:effectClrLst/>
-    <dgm:txLinClrLst/>
-    <dgm:txFillClrLst meth="repeat">
-      <a:schemeClr val="dk1"/>
-    </dgm:txFillClrLst>
-    <dgm:txEffectClrLst/>
-  </dgm:styleLbl>
-  <dgm:styleLbl name="fgAcc3">
-    <dgm:fillClrLst meth="repeat">
-      <a:schemeClr val="lt1">
-        <a:alpha val="90000"/>
-      </a:schemeClr>
-    </dgm:fillClrLst>
-    <dgm:linClrLst>
-      <a:schemeClr val="accent1"/>
-    </dgm:linClrLst>
-    <dgm:effectClrLst/>
-    <dgm:txLinClrLst/>
-    <dgm:txFillClrLst meth="repeat">
-      <a:schemeClr val="dk1"/>
-    </dgm:txFillClrLst>
-    <dgm:txEffectClrLst/>
-  </dgm:styleLbl>
-  <dgm:styleLbl name="fgAcc4">
-    <dgm:fillClrLst meth="repeat">
-      <a:schemeClr val="lt1">
-        <a:alpha val="90000"/>
-      </a:schemeClr>
-    </dgm:fillClrLst>
-    <dgm:linClrLst>
-      <a:schemeClr val="accent2"/>
-    </dgm:linClrLst>
-    <dgm:effectClrLst/>
-    <dgm:txLinClrLst/>
-    <dgm:txFillClrLst meth="repeat">
-      <a:schemeClr val="dk1"/>
-    </dgm:txFillClrLst>
-    <dgm:txEffectClrLst/>
-  </dgm:styleLbl>
-  <dgm:styleLbl name="bgShp">
-    <dgm:fillClrLst>
-      <a:schemeClr val="accent5"/>
-      <a:schemeClr val="accent6"/>
-    </dgm:fillClrLst>
-    <dgm:linClrLst meth="repeat">
-      <a:schemeClr val="lt1">
-        <a:alpha val="0"/>
-      </a:schemeClr>
-    </dgm:linClrLst>
-    <dgm:effectClrLst/>
-    <dgm:txLinClrLst/>
-    <dgm:txFillClrLst/>
-    <dgm:txEffectClrLst/>
-  </dgm:styleLbl>
-  <dgm:styleLbl name="dkBgShp">
-    <dgm:fillClrLst meth="repeat">
-      <a:schemeClr val="accent5">
-        <a:shade val="90000"/>
-      </a:schemeClr>
-    </dgm:fillClrLst>
-    <dgm:linClrLst meth="repeat">
-      <a:schemeClr val="dk1"/>
-    </dgm:linClrLst>
-    <dgm:effectClrLst/>
-    <dgm:txLinClrLst/>
-    <dgm:txFillClrLst meth="repeat">
-      <a:schemeClr val="lt1"/>
-    </dgm:txFillClrLst>
-    <dgm:txEffectClrLst/>
-  </dgm:styleLbl>
-  <dgm:styleLbl name="trBgShp">
-    <dgm:fillClrLst meth="repeat">
-      <a:schemeClr val="accent5">
-        <a:tint val="50000"/>
-        <a:alpha val="40000"/>
-      </a:schemeClr>
-    </dgm:fillClrLst>
-    <dgm:linClrLst meth="repeat">
-      <a:schemeClr val="accent5"/>
-    </dgm:linClrLst>
-    <dgm:effectClrLst/>
-    <dgm:txLinClrLst/>
-    <dgm:txFillClrLst meth="repeat">
-      <a:schemeClr val="lt1"/>
-    </dgm:txFillClrLst>
-    <dgm:txEffectClrLst/>
-  </dgm:styleLbl>
-  <dgm:styleLbl name="fgShp">
-    <dgm:fillClrLst meth="repeat">
-      <a:schemeClr val="accent5">
-        <a:tint val="40000"/>
-      </a:schemeClr>
-    </dgm:fillClrLst>
-    <dgm:linClrLst meth="repeat">
-      <a:schemeClr val="lt1"/>
-    </dgm:linClrLst>
-    <dgm:effectClrLst/>
-    <dgm:txLinClrLst/>
-    <dgm:txFillClrLst meth="repeat">
-      <a:schemeClr val="dk1"/>
-    </dgm:txFillClrLst>
-    <dgm:txEffectClrLst/>
-  </dgm:styleLbl>
-  <dgm:styleLbl name="revTx">
-    <dgm:fillClrLst meth="repeat">
-      <a:schemeClr val="lt1">
-        <a:alpha val="0"/>
-      </a:schemeClr>
-    </dgm:fillClrLst>
-    <dgm:linClrLst meth="repeat">
-      <a:schemeClr val="dk1">
-        <a:alpha val="0"/>
-      </a:schemeClr>
-    </dgm:linClrLst>
-    <dgm:effectClrLst/>
-    <dgm:txLinClrLst/>
-    <dgm:txFillClrLst meth="repeat">
-      <a:schemeClr val="tx1"/>
-    </dgm:txFillClrLst>
-    <dgm:txEffectClrLst/>
-  </dgm:styleLbl>
-</dgm:colorsDef>
-</file>
-
-<file path=ppt/diagrams/colors2.xml><?xml version="1.0" encoding="utf-8"?>
 <dgm:colorsDef xmlns:dgm="http://schemas.openxmlformats.org/drawingml/2006/diagram" xmlns:a="http://schemas.openxmlformats.org/drawingml/2006/main" uniqueId="urn:microsoft.com/office/officeart/2018/5/colors/Iconchunking_neutralicon_colorful5">
   <dgm:title val=""/>
   <dgm:desc val=""/>
@@ -2158,474 +1391,6 @@
 </dgm:dataModel>
 </file>
 
-<file path=ppt/diagrams/data2.xml><?xml version="1.0" encoding="utf-8"?>
-<dgm:dataModel xmlns:dgm="http://schemas.openxmlformats.org/drawingml/2006/diagram" xmlns:a="http://schemas.openxmlformats.org/drawingml/2006/main">
-  <dgm:ptLst>
-    <dgm:pt modelId="{4AACC275-FBE5-4C1E-8FBE-E67C739DDABB}" type="doc">
-      <dgm:prSet loTypeId="urn:microsoft.com/office/officeart/2018/2/layout/IconCircleList" loCatId="icon" qsTypeId="urn:microsoft.com/office/officeart/2005/8/quickstyle/simple1" qsCatId="simple" csTypeId="urn:microsoft.com/office/officeart/2018/5/colors/Iconchunking_neutralicon_colorful5" csCatId="colorful" phldr="1"/>
-      <dgm:spPr/>
-      <dgm:t>
-        <a:bodyPr/>
-        <a:lstStyle/>
-        <a:p>
-          <a:endParaRPr lang="en-US"/>
-        </a:p>
-      </dgm:t>
-    </dgm:pt>
-    <dgm:pt modelId="{640A2598-162E-49A3-B305-4F79068004EF}">
-      <dgm:prSet/>
-      <dgm:spPr/>
-      <dgm:t>
-        <a:bodyPr/>
-        <a:lstStyle/>
-        <a:p>
-          <a:pPr>
-            <a:lnSpc>
-              <a:spcPct val="100000"/>
-            </a:lnSpc>
-          </a:pPr>
-          <a:r>
-            <a:rPr lang="en-US"/>
-            <a:t>Text / Graphic: Instructions</a:t>
-          </a:r>
-        </a:p>
-      </dgm:t>
-    </dgm:pt>
-    <dgm:pt modelId="{0022BE07-6188-4D93-BACB-B31531704263}" type="parTrans" cxnId="{954B073D-406F-4FD0-906D-63392ABF7626}">
-      <dgm:prSet/>
-      <dgm:spPr/>
-      <dgm:t>
-        <a:bodyPr/>
-        <a:lstStyle/>
-        <a:p>
-          <a:endParaRPr lang="en-US"/>
-        </a:p>
-      </dgm:t>
-    </dgm:pt>
-    <dgm:pt modelId="{4F2F543B-E27B-4D99-9176-414C5A1EEB9C}" type="sibTrans" cxnId="{954B073D-406F-4FD0-906D-63392ABF7626}">
-      <dgm:prSet/>
-      <dgm:spPr/>
-      <dgm:t>
-        <a:bodyPr/>
-        <a:lstStyle/>
-        <a:p>
-          <a:pPr>
-            <a:lnSpc>
-              <a:spcPct val="100000"/>
-            </a:lnSpc>
-          </a:pPr>
-          <a:endParaRPr lang="en-US"/>
-        </a:p>
-      </dgm:t>
-    </dgm:pt>
-    <dgm:pt modelId="{9ACC9DB1-C812-4CA0-8BB4-8C88A72450F8}">
-      <dgm:prSet/>
-      <dgm:spPr/>
-      <dgm:t>
-        <a:bodyPr/>
-        <a:lstStyle/>
-        <a:p>
-          <a:pPr>
-            <a:lnSpc>
-              <a:spcPct val="100000"/>
-            </a:lnSpc>
-          </a:pPr>
-          <a:r>
-            <a:rPr lang="en-US"/>
-            <a:t>Slider: Ratings</a:t>
-          </a:r>
-        </a:p>
-      </dgm:t>
-    </dgm:pt>
-    <dgm:pt modelId="{71F37887-A74C-48F8-A673-726CA89C38E7}" type="parTrans" cxnId="{A0DA9200-0BC8-4132-93D4-EDF61C04A68A}">
-      <dgm:prSet/>
-      <dgm:spPr/>
-      <dgm:t>
-        <a:bodyPr/>
-        <a:lstStyle/>
-        <a:p>
-          <a:endParaRPr lang="en-US"/>
-        </a:p>
-      </dgm:t>
-    </dgm:pt>
-    <dgm:pt modelId="{21BD2D7E-F40E-40F3-9B50-44811B9BA85C}" type="sibTrans" cxnId="{A0DA9200-0BC8-4132-93D4-EDF61C04A68A}">
-      <dgm:prSet/>
-      <dgm:spPr/>
-      <dgm:t>
-        <a:bodyPr/>
-        <a:lstStyle/>
-        <a:p>
-          <a:pPr>
-            <a:lnSpc>
-              <a:spcPct val="100000"/>
-            </a:lnSpc>
-          </a:pPr>
-          <a:endParaRPr lang="en-US"/>
-        </a:p>
-      </dgm:t>
-    </dgm:pt>
-    <dgm:pt modelId="{AE414197-E532-4FE2-AC96-30BA3FF16456}">
-      <dgm:prSet/>
-      <dgm:spPr/>
-      <dgm:t>
-        <a:bodyPr/>
-        <a:lstStyle/>
-        <a:p>
-          <a:pPr>
-            <a:lnSpc>
-              <a:spcPct val="100000"/>
-            </a:lnSpc>
-          </a:pPr>
-          <a:r>
-            <a:rPr lang="en-US"/>
-            <a:t>Rank order: Instead of rating choices, rank them</a:t>
-          </a:r>
-        </a:p>
-      </dgm:t>
-    </dgm:pt>
-    <dgm:pt modelId="{210DB005-C868-4E11-B870-F514BC6C8380}" type="parTrans" cxnId="{E0B97925-DA57-4F2E-B7EA-AB28E3253044}">
-      <dgm:prSet/>
-      <dgm:spPr/>
-      <dgm:t>
-        <a:bodyPr/>
-        <a:lstStyle/>
-        <a:p>
-          <a:endParaRPr lang="en-US"/>
-        </a:p>
-      </dgm:t>
-    </dgm:pt>
-    <dgm:pt modelId="{9C139B1C-FFD6-4D12-A70B-C44274B7544B}" type="sibTrans" cxnId="{E0B97925-DA57-4F2E-B7EA-AB28E3253044}">
-      <dgm:prSet/>
-      <dgm:spPr/>
-      <dgm:t>
-        <a:bodyPr/>
-        <a:lstStyle/>
-        <a:p>
-          <a:pPr>
-            <a:lnSpc>
-              <a:spcPct val="100000"/>
-            </a:lnSpc>
-          </a:pPr>
-          <a:endParaRPr lang="en-US"/>
-        </a:p>
-      </dgm:t>
-    </dgm:pt>
-    <dgm:pt modelId="{D0C79213-88DD-427A-8EE4-A2B828AED40F}">
-      <dgm:prSet/>
-      <dgm:spPr/>
-      <dgm:t>
-        <a:bodyPr/>
-        <a:lstStyle/>
-        <a:p>
-          <a:pPr>
-            <a:lnSpc>
-              <a:spcPct val="100000"/>
-            </a:lnSpc>
-          </a:pPr>
-          <a:r>
-            <a:rPr lang="en-US"/>
-            <a:t>Qualtrics not enough for you? Add your own (&amp; save as embedded data with JavaScript)</a:t>
-          </a:r>
-        </a:p>
-      </dgm:t>
-    </dgm:pt>
-    <dgm:pt modelId="{F2A329D8-835A-4BF2-9619-A4DD14FC9708}" type="parTrans" cxnId="{C7BEEDE9-51AA-40D5-A858-0372844D5E0D}">
-      <dgm:prSet/>
-      <dgm:spPr/>
-      <dgm:t>
-        <a:bodyPr/>
-        <a:lstStyle/>
-        <a:p>
-          <a:endParaRPr lang="en-US"/>
-        </a:p>
-      </dgm:t>
-    </dgm:pt>
-    <dgm:pt modelId="{0B7F1610-BBF8-4E8D-BB12-C26E20350EF1}" type="sibTrans" cxnId="{C7BEEDE9-51AA-40D5-A858-0372844D5E0D}">
-      <dgm:prSet/>
-      <dgm:spPr/>
-      <dgm:t>
-        <a:bodyPr/>
-        <a:lstStyle/>
-        <a:p>
-          <a:endParaRPr lang="en-US"/>
-        </a:p>
-      </dgm:t>
-    </dgm:pt>
-    <dgm:pt modelId="{37E3B43A-E718-4CF6-947A-4F01F3B94EBC}" type="pres">
-      <dgm:prSet presAssocID="{4AACC275-FBE5-4C1E-8FBE-E67C739DDABB}" presName="root" presStyleCnt="0">
-        <dgm:presLayoutVars>
-          <dgm:dir/>
-          <dgm:resizeHandles val="exact"/>
-        </dgm:presLayoutVars>
-      </dgm:prSet>
-      <dgm:spPr/>
-    </dgm:pt>
-    <dgm:pt modelId="{EB79FE74-9451-4846-8FEC-9B76D51756D2}" type="pres">
-      <dgm:prSet presAssocID="{4AACC275-FBE5-4C1E-8FBE-E67C739DDABB}" presName="container" presStyleCnt="0">
-        <dgm:presLayoutVars>
-          <dgm:dir/>
-          <dgm:resizeHandles val="exact"/>
-        </dgm:presLayoutVars>
-      </dgm:prSet>
-      <dgm:spPr/>
-    </dgm:pt>
-    <dgm:pt modelId="{F5C46546-87DE-4245-A9C3-1F59D6DF4A79}" type="pres">
-      <dgm:prSet presAssocID="{640A2598-162E-49A3-B305-4F79068004EF}" presName="compNode" presStyleCnt="0"/>
-      <dgm:spPr/>
-    </dgm:pt>
-    <dgm:pt modelId="{916D3799-5F36-4E68-878A-CD221522D71D}" type="pres">
-      <dgm:prSet presAssocID="{640A2598-162E-49A3-B305-4F79068004EF}" presName="iconBgRect" presStyleLbl="bgShp" presStyleIdx="0" presStyleCnt="4"/>
-      <dgm:spPr/>
-    </dgm:pt>
-    <dgm:pt modelId="{63FB0D77-B17C-4534-B23B-3898B9DD83BE}" type="pres">
-      <dgm:prSet presAssocID="{640A2598-162E-49A3-B305-4F79068004EF}" presName="iconRect" presStyleLbl="node1" presStyleIdx="0" presStyleCnt="4"/>
-      <dgm:spPr>
-        <a:blipFill>
-          <a:blip xmlns:r="http://schemas.openxmlformats.org/officeDocument/2006/relationships" r:embed="rId1">
-            <a:extLst>
-              <a:ext uri="{28A0092B-C50C-407E-A947-70E740481C1C}">
-                <a14:useLocalDpi xmlns:a14="http://schemas.microsoft.com/office/drawing/2010/main" val="0"/>
-              </a:ext>
-              <a:ext uri="{96DAC541-7B7A-43D3-8B79-37D633B846F1}">
-                <asvg:svgBlip xmlns:asvg="http://schemas.microsoft.com/office/drawing/2016/SVG/main" r:embed="rId2"/>
-              </a:ext>
-            </a:extLst>
-          </a:blip>
-          <a:stretch>
-            <a:fillRect/>
-          </a:stretch>
-        </a:blipFill>
-        <a:ln>
-          <a:noFill/>
-        </a:ln>
-      </dgm:spPr>
-      <dgm:extLst>
-        <a:ext uri="{E40237B7-FDA0-4F09-8148-C483321AD2D9}">
-          <dgm14:cNvPr xmlns:dgm14="http://schemas.microsoft.com/office/drawing/2010/diagram" id="0" name="" descr="Open Book"/>
-        </a:ext>
-      </dgm:extLst>
-    </dgm:pt>
-    <dgm:pt modelId="{58AE8DEF-FFEE-4190-89A7-17FE103F42D8}" type="pres">
-      <dgm:prSet presAssocID="{640A2598-162E-49A3-B305-4F79068004EF}" presName="spaceRect" presStyleCnt="0"/>
-      <dgm:spPr/>
-    </dgm:pt>
-    <dgm:pt modelId="{10848DB6-1CB6-4F12-B26E-2FBF68E9386E}" type="pres">
-      <dgm:prSet presAssocID="{640A2598-162E-49A3-B305-4F79068004EF}" presName="textRect" presStyleLbl="revTx" presStyleIdx="0" presStyleCnt="4">
-        <dgm:presLayoutVars>
-          <dgm:chMax val="1"/>
-          <dgm:chPref val="1"/>
-        </dgm:presLayoutVars>
-      </dgm:prSet>
-      <dgm:spPr/>
-    </dgm:pt>
-    <dgm:pt modelId="{E68B931F-85A3-4FD2-9ADE-681250E4BCBD}" type="pres">
-      <dgm:prSet presAssocID="{4F2F543B-E27B-4D99-9176-414C5A1EEB9C}" presName="sibTrans" presStyleLbl="sibTrans2D1" presStyleIdx="0" presStyleCnt="0"/>
-      <dgm:spPr/>
-    </dgm:pt>
-    <dgm:pt modelId="{09F60D05-AD7F-4E17-B203-7964E02D9FD9}" type="pres">
-      <dgm:prSet presAssocID="{9ACC9DB1-C812-4CA0-8BB4-8C88A72450F8}" presName="compNode" presStyleCnt="0"/>
-      <dgm:spPr/>
-    </dgm:pt>
-    <dgm:pt modelId="{EA28ADAB-E12E-42D1-A25E-A3C823AB0392}" type="pres">
-      <dgm:prSet presAssocID="{9ACC9DB1-C812-4CA0-8BB4-8C88A72450F8}" presName="iconBgRect" presStyleLbl="bgShp" presStyleIdx="1" presStyleCnt="4"/>
-      <dgm:spPr/>
-    </dgm:pt>
-    <dgm:pt modelId="{AB08D2C9-06D6-403A-A4A0-DA79F0930825}" type="pres">
-      <dgm:prSet presAssocID="{9ACC9DB1-C812-4CA0-8BB4-8C88A72450F8}" presName="iconRect" presStyleLbl="node1" presStyleIdx="1" presStyleCnt="4"/>
-      <dgm:spPr>
-        <a:blipFill>
-          <a:blip xmlns:r="http://schemas.openxmlformats.org/officeDocument/2006/relationships" r:embed="rId3">
-            <a:extLst>
-              <a:ext uri="{28A0092B-C50C-407E-A947-70E740481C1C}">
-                <a14:useLocalDpi xmlns:a14="http://schemas.microsoft.com/office/drawing/2010/main" val="0"/>
-              </a:ext>
-              <a:ext uri="{96DAC541-7B7A-43D3-8B79-37D633B846F1}">
-                <asvg:svgBlip xmlns:asvg="http://schemas.microsoft.com/office/drawing/2016/SVG/main" r:embed="rId4"/>
-              </a:ext>
-            </a:extLst>
-          </a:blip>
-          <a:stretch>
-            <a:fillRect/>
-          </a:stretch>
-        </a:blipFill>
-        <a:ln>
-          <a:noFill/>
-        </a:ln>
-      </dgm:spPr>
-      <dgm:extLst>
-        <a:ext uri="{E40237B7-FDA0-4F09-8148-C483321AD2D9}">
-          <dgm14:cNvPr xmlns:dgm14="http://schemas.microsoft.com/office/drawing/2010/diagram" id="0" name="" descr="Projector screen"/>
-        </a:ext>
-      </dgm:extLst>
-    </dgm:pt>
-    <dgm:pt modelId="{5ADA5FBA-D48A-4E2D-8BC4-CD709A4238EC}" type="pres">
-      <dgm:prSet presAssocID="{9ACC9DB1-C812-4CA0-8BB4-8C88A72450F8}" presName="spaceRect" presStyleCnt="0"/>
-      <dgm:spPr/>
-    </dgm:pt>
-    <dgm:pt modelId="{9AADB1F2-4829-4772-8CCC-04C4CD89CA9E}" type="pres">
-      <dgm:prSet presAssocID="{9ACC9DB1-C812-4CA0-8BB4-8C88A72450F8}" presName="textRect" presStyleLbl="revTx" presStyleIdx="1" presStyleCnt="4">
-        <dgm:presLayoutVars>
-          <dgm:chMax val="1"/>
-          <dgm:chPref val="1"/>
-        </dgm:presLayoutVars>
-      </dgm:prSet>
-      <dgm:spPr/>
-    </dgm:pt>
-    <dgm:pt modelId="{19CFE6C4-6A6A-4526-9510-ED5BAD913EE6}" type="pres">
-      <dgm:prSet presAssocID="{21BD2D7E-F40E-40F3-9B50-44811B9BA85C}" presName="sibTrans" presStyleLbl="sibTrans2D1" presStyleIdx="0" presStyleCnt="0"/>
-      <dgm:spPr/>
-    </dgm:pt>
-    <dgm:pt modelId="{442155B4-8475-4EE2-B434-C3B1BD325CDE}" type="pres">
-      <dgm:prSet presAssocID="{AE414197-E532-4FE2-AC96-30BA3FF16456}" presName="compNode" presStyleCnt="0"/>
-      <dgm:spPr/>
-    </dgm:pt>
-    <dgm:pt modelId="{603D870D-B803-4310-B6CC-07A9471B20F4}" type="pres">
-      <dgm:prSet presAssocID="{AE414197-E532-4FE2-AC96-30BA3FF16456}" presName="iconBgRect" presStyleLbl="bgShp" presStyleIdx="2" presStyleCnt="4"/>
-      <dgm:spPr/>
-    </dgm:pt>
-    <dgm:pt modelId="{02A7071A-1EEA-407C-A09D-AEDFCC88F489}" type="pres">
-      <dgm:prSet presAssocID="{AE414197-E532-4FE2-AC96-30BA3FF16456}" presName="iconRect" presStyleLbl="node1" presStyleIdx="2" presStyleCnt="4"/>
-      <dgm:spPr>
-        <a:blipFill>
-          <a:blip xmlns:r="http://schemas.openxmlformats.org/officeDocument/2006/relationships" r:embed="rId5">
-            <a:extLst>
-              <a:ext uri="{28A0092B-C50C-407E-A947-70E740481C1C}">
-                <a14:useLocalDpi xmlns:a14="http://schemas.microsoft.com/office/drawing/2010/main" val="0"/>
-              </a:ext>
-              <a:ext uri="{96DAC541-7B7A-43D3-8B79-37D633B846F1}">
-                <asvg:svgBlip xmlns:asvg="http://schemas.microsoft.com/office/drawing/2016/SVG/main" r:embed="rId6"/>
-              </a:ext>
-            </a:extLst>
-          </a:blip>
-          <a:stretch>
-            <a:fillRect/>
-          </a:stretch>
-        </a:blipFill>
-        <a:ln>
-          <a:noFill/>
-        </a:ln>
-      </dgm:spPr>
-      <dgm:extLst>
-        <a:ext uri="{E40237B7-FDA0-4F09-8148-C483321AD2D9}">
-          <dgm14:cNvPr xmlns:dgm14="http://schemas.microsoft.com/office/drawing/2010/diagram" id="0" name="" descr="緞帶"/>
-        </a:ext>
-      </dgm:extLst>
-    </dgm:pt>
-    <dgm:pt modelId="{FE9A0B06-20F4-43B3-AC53-2D25653C2C7C}" type="pres">
-      <dgm:prSet presAssocID="{AE414197-E532-4FE2-AC96-30BA3FF16456}" presName="spaceRect" presStyleCnt="0"/>
-      <dgm:spPr/>
-    </dgm:pt>
-    <dgm:pt modelId="{89E0F0E8-5222-4A11-B59E-0AA1511CE924}" type="pres">
-      <dgm:prSet presAssocID="{AE414197-E532-4FE2-AC96-30BA3FF16456}" presName="textRect" presStyleLbl="revTx" presStyleIdx="2" presStyleCnt="4">
-        <dgm:presLayoutVars>
-          <dgm:chMax val="1"/>
-          <dgm:chPref val="1"/>
-        </dgm:presLayoutVars>
-      </dgm:prSet>
-      <dgm:spPr/>
-    </dgm:pt>
-    <dgm:pt modelId="{DE65D826-1E79-4F96-BCBE-099900D2231E}" type="pres">
-      <dgm:prSet presAssocID="{9C139B1C-FFD6-4D12-A70B-C44274B7544B}" presName="sibTrans" presStyleLbl="sibTrans2D1" presStyleIdx="0" presStyleCnt="0"/>
-      <dgm:spPr/>
-    </dgm:pt>
-    <dgm:pt modelId="{0186B8BC-51EA-43AB-BF4E-F3D5FA25C11E}" type="pres">
-      <dgm:prSet presAssocID="{D0C79213-88DD-427A-8EE4-A2B828AED40F}" presName="compNode" presStyleCnt="0"/>
-      <dgm:spPr/>
-    </dgm:pt>
-    <dgm:pt modelId="{43650B07-F43D-4732-B001-9AA616EE2E4D}" type="pres">
-      <dgm:prSet presAssocID="{D0C79213-88DD-427A-8EE4-A2B828AED40F}" presName="iconBgRect" presStyleLbl="bgShp" presStyleIdx="3" presStyleCnt="4"/>
-      <dgm:spPr/>
-    </dgm:pt>
-    <dgm:pt modelId="{1F730F30-8855-4B1B-8AFC-5C5970188898}" type="pres">
-      <dgm:prSet presAssocID="{D0C79213-88DD-427A-8EE4-A2B828AED40F}" presName="iconRect" presStyleLbl="node1" presStyleIdx="3" presStyleCnt="4"/>
-      <dgm:spPr>
-        <a:blipFill>
-          <a:blip xmlns:r="http://schemas.openxmlformats.org/officeDocument/2006/relationships" r:embed="rId7">
-            <a:extLst>
-              <a:ext uri="{28A0092B-C50C-407E-A947-70E740481C1C}">
-                <a14:useLocalDpi xmlns:a14="http://schemas.microsoft.com/office/drawing/2010/main" val="0"/>
-              </a:ext>
-              <a:ext uri="{96DAC541-7B7A-43D3-8B79-37D633B846F1}">
-                <asvg:svgBlip xmlns:asvg="http://schemas.microsoft.com/office/drawing/2016/SVG/main" r:embed="rId8"/>
-              </a:ext>
-            </a:extLst>
-          </a:blip>
-          <a:stretch>
-            <a:fillRect/>
-          </a:stretch>
-        </a:blipFill>
-        <a:ln>
-          <a:noFill/>
-        </a:ln>
-      </dgm:spPr>
-      <dgm:extLst>
-        <a:ext uri="{E40237B7-FDA0-4F09-8148-C483321AD2D9}">
-          <dgm14:cNvPr xmlns:dgm14="http://schemas.microsoft.com/office/drawing/2010/diagram" id="0" name="" descr="Web Design"/>
-        </a:ext>
-      </dgm:extLst>
-    </dgm:pt>
-    <dgm:pt modelId="{9124643F-B00D-42CA-8955-580BF867B45D}" type="pres">
-      <dgm:prSet presAssocID="{D0C79213-88DD-427A-8EE4-A2B828AED40F}" presName="spaceRect" presStyleCnt="0"/>
-      <dgm:spPr/>
-    </dgm:pt>
-    <dgm:pt modelId="{608C90BC-D97F-4135-987D-E9BC72AA950B}" type="pres">
-      <dgm:prSet presAssocID="{D0C79213-88DD-427A-8EE4-A2B828AED40F}" presName="textRect" presStyleLbl="revTx" presStyleIdx="3" presStyleCnt="4">
-        <dgm:presLayoutVars>
-          <dgm:chMax val="1"/>
-          <dgm:chPref val="1"/>
-        </dgm:presLayoutVars>
-      </dgm:prSet>
-      <dgm:spPr/>
-    </dgm:pt>
-  </dgm:ptLst>
-  <dgm:cxnLst>
-    <dgm:cxn modelId="{A0DA9200-0BC8-4132-93D4-EDF61C04A68A}" srcId="{4AACC275-FBE5-4C1E-8FBE-E67C739DDABB}" destId="{9ACC9DB1-C812-4CA0-8BB4-8C88A72450F8}" srcOrd="1" destOrd="0" parTransId="{71F37887-A74C-48F8-A673-726CA89C38E7}" sibTransId="{21BD2D7E-F40E-40F3-9B50-44811B9BA85C}"/>
-    <dgm:cxn modelId="{D6C5221C-DBAB-4FC2-9AF1-BFA2A3205FB5}" type="presOf" srcId="{4F2F543B-E27B-4D99-9176-414C5A1EEB9C}" destId="{E68B931F-85A3-4FD2-9ADE-681250E4BCBD}" srcOrd="0" destOrd="0" presId="urn:microsoft.com/office/officeart/2018/2/layout/IconCircleList"/>
-    <dgm:cxn modelId="{E0B97925-DA57-4F2E-B7EA-AB28E3253044}" srcId="{4AACC275-FBE5-4C1E-8FBE-E67C739DDABB}" destId="{AE414197-E532-4FE2-AC96-30BA3FF16456}" srcOrd="2" destOrd="0" parTransId="{210DB005-C868-4E11-B870-F514BC6C8380}" sibTransId="{9C139B1C-FFD6-4D12-A70B-C44274B7544B}"/>
-    <dgm:cxn modelId="{B8846736-3DB7-4D72-AE15-E04D3382AA29}" type="presOf" srcId="{9ACC9DB1-C812-4CA0-8BB4-8C88A72450F8}" destId="{9AADB1F2-4829-4772-8CCC-04C4CD89CA9E}" srcOrd="0" destOrd="0" presId="urn:microsoft.com/office/officeart/2018/2/layout/IconCircleList"/>
-    <dgm:cxn modelId="{954B073D-406F-4FD0-906D-63392ABF7626}" srcId="{4AACC275-FBE5-4C1E-8FBE-E67C739DDABB}" destId="{640A2598-162E-49A3-B305-4F79068004EF}" srcOrd="0" destOrd="0" parTransId="{0022BE07-6188-4D93-BACB-B31531704263}" sibTransId="{4F2F543B-E27B-4D99-9176-414C5A1EEB9C}"/>
-    <dgm:cxn modelId="{38701E5D-CC33-49CF-9BC8-97603F83FF08}" type="presOf" srcId="{640A2598-162E-49A3-B305-4F79068004EF}" destId="{10848DB6-1CB6-4F12-B26E-2FBF68E9386E}" srcOrd="0" destOrd="0" presId="urn:microsoft.com/office/officeart/2018/2/layout/IconCircleList"/>
-    <dgm:cxn modelId="{06CB4C7A-F9AE-4983-8131-DBBACD41DBD5}" type="presOf" srcId="{21BD2D7E-F40E-40F3-9B50-44811B9BA85C}" destId="{19CFE6C4-6A6A-4526-9510-ED5BAD913EE6}" srcOrd="0" destOrd="0" presId="urn:microsoft.com/office/officeart/2018/2/layout/IconCircleList"/>
-    <dgm:cxn modelId="{C481E7AC-1F9B-4CDF-8AA6-0D6831D5992B}" type="presOf" srcId="{AE414197-E532-4FE2-AC96-30BA3FF16456}" destId="{89E0F0E8-5222-4A11-B59E-0AA1511CE924}" srcOrd="0" destOrd="0" presId="urn:microsoft.com/office/officeart/2018/2/layout/IconCircleList"/>
-    <dgm:cxn modelId="{439A16B2-2FC3-4557-BA54-579F7DD10B2C}" type="presOf" srcId="{9C139B1C-FFD6-4D12-A70B-C44274B7544B}" destId="{DE65D826-1E79-4F96-BCBE-099900D2231E}" srcOrd="0" destOrd="0" presId="urn:microsoft.com/office/officeart/2018/2/layout/IconCircleList"/>
-    <dgm:cxn modelId="{B19DA4E5-B90B-483B-8459-16B9CF9DB15C}" type="presOf" srcId="{4AACC275-FBE5-4C1E-8FBE-E67C739DDABB}" destId="{37E3B43A-E718-4CF6-947A-4F01F3B94EBC}" srcOrd="0" destOrd="0" presId="urn:microsoft.com/office/officeart/2018/2/layout/IconCircleList"/>
-    <dgm:cxn modelId="{C7BEEDE9-51AA-40D5-A858-0372844D5E0D}" srcId="{4AACC275-FBE5-4C1E-8FBE-E67C739DDABB}" destId="{D0C79213-88DD-427A-8EE4-A2B828AED40F}" srcOrd="3" destOrd="0" parTransId="{F2A329D8-835A-4BF2-9619-A4DD14FC9708}" sibTransId="{0B7F1610-BBF8-4E8D-BB12-C26E20350EF1}"/>
-    <dgm:cxn modelId="{3629FFF9-0822-48B8-90EE-C22CEF16FD3E}" type="presOf" srcId="{D0C79213-88DD-427A-8EE4-A2B828AED40F}" destId="{608C90BC-D97F-4135-987D-E9BC72AA950B}" srcOrd="0" destOrd="0" presId="urn:microsoft.com/office/officeart/2018/2/layout/IconCircleList"/>
-    <dgm:cxn modelId="{95BB3973-60C0-4B88-B1B5-D20DF8DBE7E8}" type="presParOf" srcId="{37E3B43A-E718-4CF6-947A-4F01F3B94EBC}" destId="{EB79FE74-9451-4846-8FEC-9B76D51756D2}" srcOrd="0" destOrd="0" presId="urn:microsoft.com/office/officeart/2018/2/layout/IconCircleList"/>
-    <dgm:cxn modelId="{F4B3E6E8-A368-4F67-B72A-19B896463CCA}" type="presParOf" srcId="{EB79FE74-9451-4846-8FEC-9B76D51756D2}" destId="{F5C46546-87DE-4245-A9C3-1F59D6DF4A79}" srcOrd="0" destOrd="0" presId="urn:microsoft.com/office/officeart/2018/2/layout/IconCircleList"/>
-    <dgm:cxn modelId="{A26CB8C4-EB34-410D-AF6A-972E7EADC55E}" type="presParOf" srcId="{F5C46546-87DE-4245-A9C3-1F59D6DF4A79}" destId="{916D3799-5F36-4E68-878A-CD221522D71D}" srcOrd="0" destOrd="0" presId="urn:microsoft.com/office/officeart/2018/2/layout/IconCircleList"/>
-    <dgm:cxn modelId="{A74797AB-4326-4E26-A78A-E45DBADDCD79}" type="presParOf" srcId="{F5C46546-87DE-4245-A9C3-1F59D6DF4A79}" destId="{63FB0D77-B17C-4534-B23B-3898B9DD83BE}" srcOrd="1" destOrd="0" presId="urn:microsoft.com/office/officeart/2018/2/layout/IconCircleList"/>
-    <dgm:cxn modelId="{7A8ADE44-24E7-43AB-A157-D77D1DD90217}" type="presParOf" srcId="{F5C46546-87DE-4245-A9C3-1F59D6DF4A79}" destId="{58AE8DEF-FFEE-4190-89A7-17FE103F42D8}" srcOrd="2" destOrd="0" presId="urn:microsoft.com/office/officeart/2018/2/layout/IconCircleList"/>
-    <dgm:cxn modelId="{4F687865-97AF-49FB-B681-F40A04C6F95E}" type="presParOf" srcId="{F5C46546-87DE-4245-A9C3-1F59D6DF4A79}" destId="{10848DB6-1CB6-4F12-B26E-2FBF68E9386E}" srcOrd="3" destOrd="0" presId="urn:microsoft.com/office/officeart/2018/2/layout/IconCircleList"/>
-    <dgm:cxn modelId="{17047EAC-3965-4608-895B-76C2B345AB69}" type="presParOf" srcId="{EB79FE74-9451-4846-8FEC-9B76D51756D2}" destId="{E68B931F-85A3-4FD2-9ADE-681250E4BCBD}" srcOrd="1" destOrd="0" presId="urn:microsoft.com/office/officeart/2018/2/layout/IconCircleList"/>
-    <dgm:cxn modelId="{5A6EAF69-41FD-4609-8F4E-A4D58D227203}" type="presParOf" srcId="{EB79FE74-9451-4846-8FEC-9B76D51756D2}" destId="{09F60D05-AD7F-4E17-B203-7964E02D9FD9}" srcOrd="2" destOrd="0" presId="urn:microsoft.com/office/officeart/2018/2/layout/IconCircleList"/>
-    <dgm:cxn modelId="{40C931B3-26CB-41E0-8EC0-B4830817EAB1}" type="presParOf" srcId="{09F60D05-AD7F-4E17-B203-7964E02D9FD9}" destId="{EA28ADAB-E12E-42D1-A25E-A3C823AB0392}" srcOrd="0" destOrd="0" presId="urn:microsoft.com/office/officeart/2018/2/layout/IconCircleList"/>
-    <dgm:cxn modelId="{26B790CC-750D-411C-97BC-C5EA298263DD}" type="presParOf" srcId="{09F60D05-AD7F-4E17-B203-7964E02D9FD9}" destId="{AB08D2C9-06D6-403A-A4A0-DA79F0930825}" srcOrd="1" destOrd="0" presId="urn:microsoft.com/office/officeart/2018/2/layout/IconCircleList"/>
-    <dgm:cxn modelId="{F6BA91A3-ED23-41DB-B2C6-6CDAFF77933E}" type="presParOf" srcId="{09F60D05-AD7F-4E17-B203-7964E02D9FD9}" destId="{5ADA5FBA-D48A-4E2D-8BC4-CD709A4238EC}" srcOrd="2" destOrd="0" presId="urn:microsoft.com/office/officeart/2018/2/layout/IconCircleList"/>
-    <dgm:cxn modelId="{E37660F8-4B48-4C57-9EFE-88611CD154D2}" type="presParOf" srcId="{09F60D05-AD7F-4E17-B203-7964E02D9FD9}" destId="{9AADB1F2-4829-4772-8CCC-04C4CD89CA9E}" srcOrd="3" destOrd="0" presId="urn:microsoft.com/office/officeart/2018/2/layout/IconCircleList"/>
-    <dgm:cxn modelId="{0450F95F-B71B-4D89-9355-97E0C79B6F69}" type="presParOf" srcId="{EB79FE74-9451-4846-8FEC-9B76D51756D2}" destId="{19CFE6C4-6A6A-4526-9510-ED5BAD913EE6}" srcOrd="3" destOrd="0" presId="urn:microsoft.com/office/officeart/2018/2/layout/IconCircleList"/>
-    <dgm:cxn modelId="{09FD7223-2BAD-4EA5-8289-CFBAF478926E}" type="presParOf" srcId="{EB79FE74-9451-4846-8FEC-9B76D51756D2}" destId="{442155B4-8475-4EE2-B434-C3B1BD325CDE}" srcOrd="4" destOrd="0" presId="urn:microsoft.com/office/officeart/2018/2/layout/IconCircleList"/>
-    <dgm:cxn modelId="{7BD8E5C3-35A0-4A45-9AD2-7B7045585AC1}" type="presParOf" srcId="{442155B4-8475-4EE2-B434-C3B1BD325CDE}" destId="{603D870D-B803-4310-B6CC-07A9471B20F4}" srcOrd="0" destOrd="0" presId="urn:microsoft.com/office/officeart/2018/2/layout/IconCircleList"/>
-    <dgm:cxn modelId="{0C97E294-264D-464B-BAF8-D5A8F57C75EB}" type="presParOf" srcId="{442155B4-8475-4EE2-B434-C3B1BD325CDE}" destId="{02A7071A-1EEA-407C-A09D-AEDFCC88F489}" srcOrd="1" destOrd="0" presId="urn:microsoft.com/office/officeart/2018/2/layout/IconCircleList"/>
-    <dgm:cxn modelId="{533F57A3-71C3-4170-8551-35E7C5449D5F}" type="presParOf" srcId="{442155B4-8475-4EE2-B434-C3B1BD325CDE}" destId="{FE9A0B06-20F4-43B3-AC53-2D25653C2C7C}" srcOrd="2" destOrd="0" presId="urn:microsoft.com/office/officeart/2018/2/layout/IconCircleList"/>
-    <dgm:cxn modelId="{AD191846-C5F4-457A-98CD-449CD6BC0733}" type="presParOf" srcId="{442155B4-8475-4EE2-B434-C3B1BD325CDE}" destId="{89E0F0E8-5222-4A11-B59E-0AA1511CE924}" srcOrd="3" destOrd="0" presId="urn:microsoft.com/office/officeart/2018/2/layout/IconCircleList"/>
-    <dgm:cxn modelId="{3EA7C3D3-F970-4BCE-A951-26904BF21F17}" type="presParOf" srcId="{EB79FE74-9451-4846-8FEC-9B76D51756D2}" destId="{DE65D826-1E79-4F96-BCBE-099900D2231E}" srcOrd="5" destOrd="0" presId="urn:microsoft.com/office/officeart/2018/2/layout/IconCircleList"/>
-    <dgm:cxn modelId="{F713E938-A659-4EA0-ABF8-55ABB677D624}" type="presParOf" srcId="{EB79FE74-9451-4846-8FEC-9B76D51756D2}" destId="{0186B8BC-51EA-43AB-BF4E-F3D5FA25C11E}" srcOrd="6" destOrd="0" presId="urn:microsoft.com/office/officeart/2018/2/layout/IconCircleList"/>
-    <dgm:cxn modelId="{18C22972-231B-43A3-A972-410D4D66A3B6}" type="presParOf" srcId="{0186B8BC-51EA-43AB-BF4E-F3D5FA25C11E}" destId="{43650B07-F43D-4732-B001-9AA616EE2E4D}" srcOrd="0" destOrd="0" presId="urn:microsoft.com/office/officeart/2018/2/layout/IconCircleList"/>
-    <dgm:cxn modelId="{D217E35C-92A3-4BF2-8670-0CF33FF86271}" type="presParOf" srcId="{0186B8BC-51EA-43AB-BF4E-F3D5FA25C11E}" destId="{1F730F30-8855-4B1B-8AFC-5C5970188898}" srcOrd="1" destOrd="0" presId="urn:microsoft.com/office/officeart/2018/2/layout/IconCircleList"/>
-    <dgm:cxn modelId="{0D29FC40-3CDF-4863-B35E-750617F24444}" type="presParOf" srcId="{0186B8BC-51EA-43AB-BF4E-F3D5FA25C11E}" destId="{9124643F-B00D-42CA-8955-580BF867B45D}" srcOrd="2" destOrd="0" presId="urn:microsoft.com/office/officeart/2018/2/layout/IconCircleList"/>
-    <dgm:cxn modelId="{4B86B4FC-BB21-4D42-A4EB-C1450E624D98}" type="presParOf" srcId="{0186B8BC-51EA-43AB-BF4E-F3D5FA25C11E}" destId="{608C90BC-D97F-4135-987D-E9BC72AA950B}" srcOrd="3" destOrd="0" presId="urn:microsoft.com/office/officeart/2018/2/layout/IconCircleList"/>
-  </dgm:cxnLst>
-  <dgm:bg/>
-  <dgm:whole/>
-  <dgm:extLst>
-    <a:ext uri="http://schemas.microsoft.com/office/drawing/2008/diagram">
-      <dsp:dataModelExt xmlns:dsp="http://schemas.microsoft.com/office/drawing/2008/diagram" relId="rId7" minVer="http://schemas.openxmlformats.org/drawingml/2006/diagram"/>
-    </a:ext>
-  </dgm:extLst>
-</dgm:dataModel>
-</file>
-
 <file path=ppt/diagrams/drawing1.xml><?xml version="1.0" encoding="utf-8"?>
 <dsp:drawing xmlns:dgm="http://schemas.openxmlformats.org/drawingml/2006/diagram" xmlns:dsp="http://schemas.microsoft.com/office/drawing/2008/diagram" xmlns:a="http://schemas.openxmlformats.org/drawingml/2006/main">
   <dsp:spTree>
@@ -3234,827 +1999,7 @@
 </dsp:drawing>
 </file>
 
-<file path=ppt/diagrams/drawing2.xml><?xml version="1.0" encoding="utf-8"?>
-<dsp:drawing xmlns:dgm="http://schemas.openxmlformats.org/drawingml/2006/diagram" xmlns:dsp="http://schemas.microsoft.com/office/drawing/2008/diagram" xmlns:a="http://schemas.openxmlformats.org/drawingml/2006/main">
-  <dsp:spTree>
-    <dsp:nvGrpSpPr>
-      <dsp:cNvPr id="0" name=""/>
-      <dsp:cNvGrpSpPr/>
-    </dsp:nvGrpSpPr>
-    <dsp:grpSpPr/>
-    <dsp:sp modelId="{916D3799-5F36-4E68-878A-CD221522D71D}">
-      <dsp:nvSpPr>
-        <dsp:cNvPr id="0" name=""/>
-        <dsp:cNvSpPr/>
-      </dsp:nvSpPr>
-      <dsp:spPr>
-        <a:xfrm>
-          <a:off x="79255" y="704971"/>
-          <a:ext cx="772532" cy="772532"/>
-        </a:xfrm>
-        <a:prstGeom prst="ellipse">
-          <a:avLst/>
-        </a:prstGeom>
-        <a:solidFill>
-          <a:schemeClr val="accent5">
-            <a:hueOff val="0"/>
-            <a:satOff val="0"/>
-            <a:lumOff val="0"/>
-            <a:alphaOff val="0"/>
-          </a:schemeClr>
-        </a:solidFill>
-        <a:ln>
-          <a:noFill/>
-        </a:ln>
-        <a:effectLst/>
-      </dsp:spPr>
-      <dsp:style>
-        <a:lnRef idx="0">
-          <a:scrgbClr r="0" g="0" b="0"/>
-        </a:lnRef>
-        <a:fillRef idx="1">
-          <a:scrgbClr r="0" g="0" b="0"/>
-        </a:fillRef>
-        <a:effectRef idx="0">
-          <a:scrgbClr r="0" g="0" b="0"/>
-        </a:effectRef>
-        <a:fontRef idx="minor"/>
-      </dsp:style>
-    </dsp:sp>
-    <dsp:sp modelId="{63FB0D77-B17C-4534-B23B-3898B9DD83BE}">
-      <dsp:nvSpPr>
-        <dsp:cNvPr id="0" name=""/>
-        <dsp:cNvSpPr/>
-      </dsp:nvSpPr>
-      <dsp:spPr>
-        <a:xfrm>
-          <a:off x="241487" y="867203"/>
-          <a:ext cx="448069" cy="448069"/>
-        </a:xfrm>
-        <a:prstGeom prst="rect">
-          <a:avLst/>
-        </a:prstGeom>
-        <a:blipFill>
-          <a:blip xmlns:r="http://schemas.openxmlformats.org/officeDocument/2006/relationships" r:embed="rId1">
-            <a:extLst>
-              <a:ext uri="{28A0092B-C50C-407E-A947-70E740481C1C}">
-                <a14:useLocalDpi xmlns:a14="http://schemas.microsoft.com/office/drawing/2010/main" val="0"/>
-              </a:ext>
-              <a:ext uri="{96DAC541-7B7A-43D3-8B79-37D633B846F1}">
-                <asvg:svgBlip xmlns:asvg="http://schemas.microsoft.com/office/drawing/2016/SVG/main" r:embed="rId2"/>
-              </a:ext>
-            </a:extLst>
-          </a:blip>
-          <a:stretch>
-            <a:fillRect/>
-          </a:stretch>
-        </a:blipFill>
-        <a:ln w="12700" cap="flat" cmpd="sng" algn="ctr">
-          <a:noFill/>
-          <a:prstDash val="solid"/>
-          <a:miter lim="800000"/>
-        </a:ln>
-        <a:effectLst/>
-      </dsp:spPr>
-      <dsp:style>
-        <a:lnRef idx="2">
-          <a:scrgbClr r="0" g="0" b="0"/>
-        </a:lnRef>
-        <a:fillRef idx="1">
-          <a:scrgbClr r="0" g="0" b="0"/>
-        </a:fillRef>
-        <a:effectRef idx="0">
-          <a:scrgbClr r="0" g="0" b="0"/>
-        </a:effectRef>
-        <a:fontRef idx="minor">
-          <a:schemeClr val="lt1"/>
-        </a:fontRef>
-      </dsp:style>
-    </dsp:sp>
-    <dsp:sp modelId="{10848DB6-1CB6-4F12-B26E-2FBF68E9386E}">
-      <dsp:nvSpPr>
-        <dsp:cNvPr id="0" name=""/>
-        <dsp:cNvSpPr/>
-      </dsp:nvSpPr>
-      <dsp:spPr>
-        <a:xfrm>
-          <a:off x="1017330" y="704971"/>
-          <a:ext cx="1820970" cy="772532"/>
-        </a:xfrm>
-        <a:prstGeom prst="rect">
-          <a:avLst/>
-        </a:prstGeom>
-        <a:noFill/>
-        <a:ln>
-          <a:noFill/>
-        </a:ln>
-        <a:effectLst/>
-      </dsp:spPr>
-      <dsp:style>
-        <a:lnRef idx="0">
-          <a:scrgbClr r="0" g="0" b="0"/>
-        </a:lnRef>
-        <a:fillRef idx="0">
-          <a:scrgbClr r="0" g="0" b="0"/>
-        </a:fillRef>
-        <a:effectRef idx="0">
-          <a:scrgbClr r="0" g="0" b="0"/>
-        </a:effectRef>
-        <a:fontRef idx="minor"/>
-      </dsp:style>
-      <dsp:txBody>
-        <a:bodyPr spcFirstLastPara="0" vert="horz" wrap="square" lIns="0" tIns="0" rIns="0" bIns="0" numCol="1" spcCol="1270" anchor="ctr" anchorCtr="0">
-          <a:noAutofit/>
-        </a:bodyPr>
-        <a:lstStyle/>
-        <a:p>
-          <a:pPr marL="0" lvl="0" indent="0" algn="l" defTabSz="533400">
-            <a:lnSpc>
-              <a:spcPct val="100000"/>
-            </a:lnSpc>
-            <a:spcBef>
-              <a:spcPct val="0"/>
-            </a:spcBef>
-            <a:spcAft>
-              <a:spcPct val="35000"/>
-            </a:spcAft>
-            <a:buNone/>
-          </a:pPr>
-          <a:r>
-            <a:rPr lang="en-US" sz="1200" kern="1200"/>
-            <a:t>Text / Graphic: Instructions</a:t>
-          </a:r>
-        </a:p>
-      </dsp:txBody>
-      <dsp:txXfrm>
-        <a:off x="1017330" y="704971"/>
-        <a:ext cx="1820970" cy="772532"/>
-      </dsp:txXfrm>
-    </dsp:sp>
-    <dsp:sp modelId="{EA28ADAB-E12E-42D1-A25E-A3C823AB0392}">
-      <dsp:nvSpPr>
-        <dsp:cNvPr id="0" name=""/>
-        <dsp:cNvSpPr/>
-      </dsp:nvSpPr>
-      <dsp:spPr>
-        <a:xfrm>
-          <a:off x="3155591" y="704971"/>
-          <a:ext cx="772532" cy="772532"/>
-        </a:xfrm>
-        <a:prstGeom prst="ellipse">
-          <a:avLst/>
-        </a:prstGeom>
-        <a:solidFill>
-          <a:schemeClr val="accent5">
-            <a:hueOff val="-508449"/>
-            <a:satOff val="139"/>
-            <a:lumOff val="-2353"/>
-            <a:alphaOff val="0"/>
-          </a:schemeClr>
-        </a:solidFill>
-        <a:ln>
-          <a:noFill/>
-        </a:ln>
-        <a:effectLst/>
-      </dsp:spPr>
-      <dsp:style>
-        <a:lnRef idx="0">
-          <a:scrgbClr r="0" g="0" b="0"/>
-        </a:lnRef>
-        <a:fillRef idx="1">
-          <a:scrgbClr r="0" g="0" b="0"/>
-        </a:fillRef>
-        <a:effectRef idx="0">
-          <a:scrgbClr r="0" g="0" b="0"/>
-        </a:effectRef>
-        <a:fontRef idx="minor"/>
-      </dsp:style>
-    </dsp:sp>
-    <dsp:sp modelId="{AB08D2C9-06D6-403A-A4A0-DA79F0930825}">
-      <dsp:nvSpPr>
-        <dsp:cNvPr id="0" name=""/>
-        <dsp:cNvSpPr/>
-      </dsp:nvSpPr>
-      <dsp:spPr>
-        <a:xfrm>
-          <a:off x="3317823" y="867203"/>
-          <a:ext cx="448069" cy="448069"/>
-        </a:xfrm>
-        <a:prstGeom prst="rect">
-          <a:avLst/>
-        </a:prstGeom>
-        <a:blipFill>
-          <a:blip xmlns:r="http://schemas.openxmlformats.org/officeDocument/2006/relationships" r:embed="rId3">
-            <a:extLst>
-              <a:ext uri="{28A0092B-C50C-407E-A947-70E740481C1C}">
-                <a14:useLocalDpi xmlns:a14="http://schemas.microsoft.com/office/drawing/2010/main" val="0"/>
-              </a:ext>
-              <a:ext uri="{96DAC541-7B7A-43D3-8B79-37D633B846F1}">
-                <asvg:svgBlip xmlns:asvg="http://schemas.microsoft.com/office/drawing/2016/SVG/main" r:embed="rId4"/>
-              </a:ext>
-            </a:extLst>
-          </a:blip>
-          <a:stretch>
-            <a:fillRect/>
-          </a:stretch>
-        </a:blipFill>
-        <a:ln w="12700" cap="flat" cmpd="sng" algn="ctr">
-          <a:noFill/>
-          <a:prstDash val="solid"/>
-          <a:miter lim="800000"/>
-        </a:ln>
-        <a:effectLst/>
-      </dsp:spPr>
-      <dsp:style>
-        <a:lnRef idx="2">
-          <a:scrgbClr r="0" g="0" b="0"/>
-        </a:lnRef>
-        <a:fillRef idx="1">
-          <a:scrgbClr r="0" g="0" b="0"/>
-        </a:fillRef>
-        <a:effectRef idx="0">
-          <a:scrgbClr r="0" g="0" b="0"/>
-        </a:effectRef>
-        <a:fontRef idx="minor">
-          <a:schemeClr val="lt1"/>
-        </a:fontRef>
-      </dsp:style>
-    </dsp:sp>
-    <dsp:sp modelId="{9AADB1F2-4829-4772-8CCC-04C4CD89CA9E}">
-      <dsp:nvSpPr>
-        <dsp:cNvPr id="0" name=""/>
-        <dsp:cNvSpPr/>
-      </dsp:nvSpPr>
-      <dsp:spPr>
-        <a:xfrm>
-          <a:off x="4093666" y="704971"/>
-          <a:ext cx="1820970" cy="772532"/>
-        </a:xfrm>
-        <a:prstGeom prst="rect">
-          <a:avLst/>
-        </a:prstGeom>
-        <a:noFill/>
-        <a:ln>
-          <a:noFill/>
-        </a:ln>
-        <a:effectLst/>
-      </dsp:spPr>
-      <dsp:style>
-        <a:lnRef idx="0">
-          <a:scrgbClr r="0" g="0" b="0"/>
-        </a:lnRef>
-        <a:fillRef idx="0">
-          <a:scrgbClr r="0" g="0" b="0"/>
-        </a:fillRef>
-        <a:effectRef idx="0">
-          <a:scrgbClr r="0" g="0" b="0"/>
-        </a:effectRef>
-        <a:fontRef idx="minor"/>
-      </dsp:style>
-      <dsp:txBody>
-        <a:bodyPr spcFirstLastPara="0" vert="horz" wrap="square" lIns="0" tIns="0" rIns="0" bIns="0" numCol="1" spcCol="1270" anchor="ctr" anchorCtr="0">
-          <a:noAutofit/>
-        </a:bodyPr>
-        <a:lstStyle/>
-        <a:p>
-          <a:pPr marL="0" lvl="0" indent="0" algn="l" defTabSz="533400">
-            <a:lnSpc>
-              <a:spcPct val="100000"/>
-            </a:lnSpc>
-            <a:spcBef>
-              <a:spcPct val="0"/>
-            </a:spcBef>
-            <a:spcAft>
-              <a:spcPct val="35000"/>
-            </a:spcAft>
-            <a:buNone/>
-          </a:pPr>
-          <a:r>
-            <a:rPr lang="en-US" sz="1200" kern="1200"/>
-            <a:t>Slider: Ratings</a:t>
-          </a:r>
-        </a:p>
-      </dsp:txBody>
-      <dsp:txXfrm>
-        <a:off x="4093666" y="704971"/>
-        <a:ext cx="1820970" cy="772532"/>
-      </dsp:txXfrm>
-    </dsp:sp>
-    <dsp:sp modelId="{603D870D-B803-4310-B6CC-07A9471B20F4}">
-      <dsp:nvSpPr>
-        <dsp:cNvPr id="0" name=""/>
-        <dsp:cNvSpPr/>
-      </dsp:nvSpPr>
-      <dsp:spPr>
-        <a:xfrm>
-          <a:off x="79255" y="2082746"/>
-          <a:ext cx="772532" cy="772532"/>
-        </a:xfrm>
-        <a:prstGeom prst="ellipse">
-          <a:avLst/>
-        </a:prstGeom>
-        <a:solidFill>
-          <a:schemeClr val="accent5">
-            <a:hueOff val="-1016899"/>
-            <a:satOff val="279"/>
-            <a:lumOff val="-4705"/>
-            <a:alphaOff val="0"/>
-          </a:schemeClr>
-        </a:solidFill>
-        <a:ln>
-          <a:noFill/>
-        </a:ln>
-        <a:effectLst/>
-      </dsp:spPr>
-      <dsp:style>
-        <a:lnRef idx="0">
-          <a:scrgbClr r="0" g="0" b="0"/>
-        </a:lnRef>
-        <a:fillRef idx="1">
-          <a:scrgbClr r="0" g="0" b="0"/>
-        </a:fillRef>
-        <a:effectRef idx="0">
-          <a:scrgbClr r="0" g="0" b="0"/>
-        </a:effectRef>
-        <a:fontRef idx="minor"/>
-      </dsp:style>
-    </dsp:sp>
-    <dsp:sp modelId="{02A7071A-1EEA-407C-A09D-AEDFCC88F489}">
-      <dsp:nvSpPr>
-        <dsp:cNvPr id="0" name=""/>
-        <dsp:cNvSpPr/>
-      </dsp:nvSpPr>
-      <dsp:spPr>
-        <a:xfrm>
-          <a:off x="241487" y="2244978"/>
-          <a:ext cx="448069" cy="448069"/>
-        </a:xfrm>
-        <a:prstGeom prst="rect">
-          <a:avLst/>
-        </a:prstGeom>
-        <a:blipFill>
-          <a:blip xmlns:r="http://schemas.openxmlformats.org/officeDocument/2006/relationships" r:embed="rId5">
-            <a:extLst>
-              <a:ext uri="{28A0092B-C50C-407E-A947-70E740481C1C}">
-                <a14:useLocalDpi xmlns:a14="http://schemas.microsoft.com/office/drawing/2010/main" val="0"/>
-              </a:ext>
-              <a:ext uri="{96DAC541-7B7A-43D3-8B79-37D633B846F1}">
-                <asvg:svgBlip xmlns:asvg="http://schemas.microsoft.com/office/drawing/2016/SVG/main" r:embed="rId6"/>
-              </a:ext>
-            </a:extLst>
-          </a:blip>
-          <a:stretch>
-            <a:fillRect/>
-          </a:stretch>
-        </a:blipFill>
-        <a:ln w="12700" cap="flat" cmpd="sng" algn="ctr">
-          <a:noFill/>
-          <a:prstDash val="solid"/>
-          <a:miter lim="800000"/>
-        </a:ln>
-        <a:effectLst/>
-      </dsp:spPr>
-      <dsp:style>
-        <a:lnRef idx="2">
-          <a:scrgbClr r="0" g="0" b="0"/>
-        </a:lnRef>
-        <a:fillRef idx="1">
-          <a:scrgbClr r="0" g="0" b="0"/>
-        </a:fillRef>
-        <a:effectRef idx="0">
-          <a:scrgbClr r="0" g="0" b="0"/>
-        </a:effectRef>
-        <a:fontRef idx="minor">
-          <a:schemeClr val="lt1"/>
-        </a:fontRef>
-      </dsp:style>
-    </dsp:sp>
-    <dsp:sp modelId="{89E0F0E8-5222-4A11-B59E-0AA1511CE924}">
-      <dsp:nvSpPr>
-        <dsp:cNvPr id="0" name=""/>
-        <dsp:cNvSpPr/>
-      </dsp:nvSpPr>
-      <dsp:spPr>
-        <a:xfrm>
-          <a:off x="1017330" y="2082746"/>
-          <a:ext cx="1820970" cy="772532"/>
-        </a:xfrm>
-        <a:prstGeom prst="rect">
-          <a:avLst/>
-        </a:prstGeom>
-        <a:noFill/>
-        <a:ln>
-          <a:noFill/>
-        </a:ln>
-        <a:effectLst/>
-      </dsp:spPr>
-      <dsp:style>
-        <a:lnRef idx="0">
-          <a:scrgbClr r="0" g="0" b="0"/>
-        </a:lnRef>
-        <a:fillRef idx="0">
-          <a:scrgbClr r="0" g="0" b="0"/>
-        </a:fillRef>
-        <a:effectRef idx="0">
-          <a:scrgbClr r="0" g="0" b="0"/>
-        </a:effectRef>
-        <a:fontRef idx="minor"/>
-      </dsp:style>
-      <dsp:txBody>
-        <a:bodyPr spcFirstLastPara="0" vert="horz" wrap="square" lIns="0" tIns="0" rIns="0" bIns="0" numCol="1" spcCol="1270" anchor="ctr" anchorCtr="0">
-          <a:noAutofit/>
-        </a:bodyPr>
-        <a:lstStyle/>
-        <a:p>
-          <a:pPr marL="0" lvl="0" indent="0" algn="l" defTabSz="533400">
-            <a:lnSpc>
-              <a:spcPct val="100000"/>
-            </a:lnSpc>
-            <a:spcBef>
-              <a:spcPct val="0"/>
-            </a:spcBef>
-            <a:spcAft>
-              <a:spcPct val="35000"/>
-            </a:spcAft>
-            <a:buNone/>
-          </a:pPr>
-          <a:r>
-            <a:rPr lang="en-US" sz="1200" kern="1200"/>
-            <a:t>Rank order: Instead of rating choices, rank them</a:t>
-          </a:r>
-        </a:p>
-      </dsp:txBody>
-      <dsp:txXfrm>
-        <a:off x="1017330" y="2082746"/>
-        <a:ext cx="1820970" cy="772532"/>
-      </dsp:txXfrm>
-    </dsp:sp>
-    <dsp:sp modelId="{43650B07-F43D-4732-B001-9AA616EE2E4D}">
-      <dsp:nvSpPr>
-        <dsp:cNvPr id="0" name=""/>
-        <dsp:cNvSpPr/>
-      </dsp:nvSpPr>
-      <dsp:spPr>
-        <a:xfrm>
-          <a:off x="3155591" y="2082746"/>
-          <a:ext cx="772532" cy="772532"/>
-        </a:xfrm>
-        <a:prstGeom prst="ellipse">
-          <a:avLst/>
-        </a:prstGeom>
-        <a:solidFill>
-          <a:schemeClr val="accent5">
-            <a:hueOff val="-1525348"/>
-            <a:satOff val="418"/>
-            <a:lumOff val="-7058"/>
-            <a:alphaOff val="0"/>
-          </a:schemeClr>
-        </a:solidFill>
-        <a:ln>
-          <a:noFill/>
-        </a:ln>
-        <a:effectLst/>
-      </dsp:spPr>
-      <dsp:style>
-        <a:lnRef idx="0">
-          <a:scrgbClr r="0" g="0" b="0"/>
-        </a:lnRef>
-        <a:fillRef idx="1">
-          <a:scrgbClr r="0" g="0" b="0"/>
-        </a:fillRef>
-        <a:effectRef idx="0">
-          <a:scrgbClr r="0" g="0" b="0"/>
-        </a:effectRef>
-        <a:fontRef idx="minor"/>
-      </dsp:style>
-    </dsp:sp>
-    <dsp:sp modelId="{1F730F30-8855-4B1B-8AFC-5C5970188898}">
-      <dsp:nvSpPr>
-        <dsp:cNvPr id="0" name=""/>
-        <dsp:cNvSpPr/>
-      </dsp:nvSpPr>
-      <dsp:spPr>
-        <a:xfrm>
-          <a:off x="3317823" y="2244978"/>
-          <a:ext cx="448069" cy="448069"/>
-        </a:xfrm>
-        <a:prstGeom prst="rect">
-          <a:avLst/>
-        </a:prstGeom>
-        <a:blipFill>
-          <a:blip xmlns:r="http://schemas.openxmlformats.org/officeDocument/2006/relationships" r:embed="rId7">
-            <a:extLst>
-              <a:ext uri="{28A0092B-C50C-407E-A947-70E740481C1C}">
-                <a14:useLocalDpi xmlns:a14="http://schemas.microsoft.com/office/drawing/2010/main" val="0"/>
-              </a:ext>
-              <a:ext uri="{96DAC541-7B7A-43D3-8B79-37D633B846F1}">
-                <asvg:svgBlip xmlns:asvg="http://schemas.microsoft.com/office/drawing/2016/SVG/main" r:embed="rId8"/>
-              </a:ext>
-            </a:extLst>
-          </a:blip>
-          <a:stretch>
-            <a:fillRect/>
-          </a:stretch>
-        </a:blipFill>
-        <a:ln w="12700" cap="flat" cmpd="sng" algn="ctr">
-          <a:noFill/>
-          <a:prstDash val="solid"/>
-          <a:miter lim="800000"/>
-        </a:ln>
-        <a:effectLst/>
-      </dsp:spPr>
-      <dsp:style>
-        <a:lnRef idx="2">
-          <a:scrgbClr r="0" g="0" b="0"/>
-        </a:lnRef>
-        <a:fillRef idx="1">
-          <a:scrgbClr r="0" g="0" b="0"/>
-        </a:fillRef>
-        <a:effectRef idx="0">
-          <a:scrgbClr r="0" g="0" b="0"/>
-        </a:effectRef>
-        <a:fontRef idx="minor">
-          <a:schemeClr val="lt1"/>
-        </a:fontRef>
-      </dsp:style>
-    </dsp:sp>
-    <dsp:sp modelId="{608C90BC-D97F-4135-987D-E9BC72AA950B}">
-      <dsp:nvSpPr>
-        <dsp:cNvPr id="0" name=""/>
-        <dsp:cNvSpPr/>
-      </dsp:nvSpPr>
-      <dsp:spPr>
-        <a:xfrm>
-          <a:off x="4093666" y="2082746"/>
-          <a:ext cx="1820970" cy="772532"/>
-        </a:xfrm>
-        <a:prstGeom prst="rect">
-          <a:avLst/>
-        </a:prstGeom>
-        <a:noFill/>
-        <a:ln>
-          <a:noFill/>
-        </a:ln>
-        <a:effectLst/>
-      </dsp:spPr>
-      <dsp:style>
-        <a:lnRef idx="0">
-          <a:scrgbClr r="0" g="0" b="0"/>
-        </a:lnRef>
-        <a:fillRef idx="0">
-          <a:scrgbClr r="0" g="0" b="0"/>
-        </a:fillRef>
-        <a:effectRef idx="0">
-          <a:scrgbClr r="0" g="0" b="0"/>
-        </a:effectRef>
-        <a:fontRef idx="minor"/>
-      </dsp:style>
-      <dsp:txBody>
-        <a:bodyPr spcFirstLastPara="0" vert="horz" wrap="square" lIns="0" tIns="0" rIns="0" bIns="0" numCol="1" spcCol="1270" anchor="ctr" anchorCtr="0">
-          <a:noAutofit/>
-        </a:bodyPr>
-        <a:lstStyle/>
-        <a:p>
-          <a:pPr marL="0" lvl="0" indent="0" algn="l" defTabSz="533400">
-            <a:lnSpc>
-              <a:spcPct val="100000"/>
-            </a:lnSpc>
-            <a:spcBef>
-              <a:spcPct val="0"/>
-            </a:spcBef>
-            <a:spcAft>
-              <a:spcPct val="35000"/>
-            </a:spcAft>
-            <a:buNone/>
-          </a:pPr>
-          <a:r>
-            <a:rPr lang="en-US" sz="1200" kern="1200"/>
-            <a:t>Qualtrics not enough for you? Add your own (&amp; save as embedded data with JavaScript)</a:t>
-          </a:r>
-        </a:p>
-      </dsp:txBody>
-      <dsp:txXfrm>
-        <a:off x="4093666" y="2082746"/>
-        <a:ext cx="1820970" cy="772532"/>
-      </dsp:txXfrm>
-    </dsp:sp>
-  </dsp:spTree>
-</dsp:drawing>
-</file>
-
 <file path=ppt/diagrams/layout1.xml><?xml version="1.0" encoding="utf-8"?>
-<dgm:layoutDef xmlns:dgm="http://schemas.openxmlformats.org/drawingml/2006/diagram" xmlns:a="http://schemas.openxmlformats.org/drawingml/2006/main" uniqueId="urn:microsoft.com/office/officeart/2018/2/layout/IconCircleList">
-  <dgm:title val="Icon Circle List"/>
-  <dgm:desc val="Use to show non-sequential or grouped chunks of information accompanied by related visuals. Circular shapes can hold an icon or small picture and corresponding text box shows Level 1 text. Works best for icons or small pictures with medium-length descriptions."/>
-  <dgm:catLst>
-    <dgm:cat type="icon" pri="500"/>
-  </dgm:catLst>
-  <dgm:sampData useDef="1">
-    <dgm:dataModel>
-      <dgm:ptLst/>
-      <dgm:bg/>
-      <dgm:whole/>
-    </dgm:dataModel>
-  </dgm:sampData>
-  <dgm:styleData useDef="1">
-    <dgm:dataModel>
-      <dgm:ptLst/>
-      <dgm:bg/>
-      <dgm:whole/>
-    </dgm:dataModel>
-  </dgm:styleData>
-  <dgm:clrData useDef="1">
-    <dgm:dataModel>
-      <dgm:ptLst/>
-      <dgm:bg/>
-      <dgm:whole/>
-    </dgm:dataModel>
-  </dgm:clrData>
-  <dgm:layoutNode name="root">
-    <dgm:varLst>
-      <dgm:dir/>
-      <dgm:resizeHandles val="exact"/>
-    </dgm:varLst>
-    <dgm:alg type="sp"/>
-    <dgm:shape xmlns:r="http://schemas.openxmlformats.org/officeDocument/2006/relationships" r:blip="">
-      <dgm:adjLst/>
-    </dgm:shape>
-    <dgm:presOf/>
-    <dgm:choose name="Name0">
-      <dgm:if name="Name1" axis="ch" ptType="node" func="cnt" op="lte" val="3">
-        <dgm:constrLst>
-          <dgm:constr type="w" for="ch" forName="container" refType="w"/>
-          <dgm:constr type="h" for="ch" forName="container" refType="h" fact="0.4"/>
-        </dgm:constrLst>
-      </dgm:if>
-      <dgm:else name="Name2">
-        <dgm:constrLst>
-          <dgm:constr type="w" for="ch" forName="container" refType="w"/>
-          <dgm:constr type="h" for="ch" forName="container" refType="h"/>
-        </dgm:constrLst>
-      </dgm:else>
-    </dgm:choose>
-    <dgm:ruleLst>
-      <dgm:rule type="h" for="ch" forName="container" val="INF" fact="NaN" max="NaN"/>
-    </dgm:ruleLst>
-    <dgm:layoutNode name="container">
-      <dgm:varLst>
-        <dgm:dir/>
-        <dgm:resizeHandles val="exact"/>
-      </dgm:varLst>
-      <dgm:choose name="Name3">
-        <dgm:if name="Name4" axis="self" func="var" arg="dir" op="equ" val="norm">
-          <dgm:alg type="snake">
-            <dgm:param type="grDir" val="tL"/>
-            <dgm:param type="flowDir" val="row"/>
-            <dgm:param type="contDir" val="sameDir"/>
-          </dgm:alg>
-        </dgm:if>
-        <dgm:else name="Name5">
-          <dgm:alg type="snake">
-            <dgm:param type="grDir" val="tR"/>
-            <dgm:param type="flowDir" val="row"/>
-            <dgm:param type="contDir" val="sameDir"/>
-          </dgm:alg>
-        </dgm:else>
-      </dgm:choose>
-      <dgm:shape xmlns:r="http://schemas.openxmlformats.org/officeDocument/2006/relationships" r:blip="">
-        <dgm:adjLst/>
-      </dgm:shape>
-      <dgm:presOf/>
-      <dgm:constrLst>
-        <dgm:constr type="w" for="ch" forName="compNode" refType="w"/>
-        <dgm:constr type="h" for="ch" forName="compNode" refType="w" fact="0.28"/>
-        <dgm:constr type="w" for="ch" forName="sibTrans" refType="w" refFor="ch" refForName="compNode" fact="0.115"/>
-        <dgm:constr type="sp" refType="h" op="equ" fact="0.17"/>
-        <dgm:constr type="primFontSz" for="des" ptType="node" op="equ" val="24"/>
-        <dgm:constr type="h" for="des" forName="compNode" op="equ"/>
-        <dgm:constr type="h" for="des" forName="iconBgRect" op="equ"/>
-      </dgm:constrLst>
-      <dgm:ruleLst>
-        <dgm:rule type="w" for="ch" forName="compNode" val="60" fact="NaN" max="NaN"/>
-      </dgm:ruleLst>
-      <dgm:forEach name="Name6" axis="ch" ptType="node">
-        <dgm:layoutNode name="compNode">
-          <dgm:alg type="composite"/>
-          <dgm:shape xmlns:r="http://schemas.openxmlformats.org/officeDocument/2006/relationships" r:blip="">
-            <dgm:adjLst/>
-          </dgm:shape>
-          <dgm:presOf axis="self"/>
-          <dgm:constrLst>
-            <dgm:constr type="w" for="ch" forName="iconBgRect" refType="w" fact="0.28"/>
-            <dgm:constr type="h" for="ch" forName="iconBgRect" refType="w" refFor="ch" refForName="iconBgRect"/>
-            <dgm:constr type="t" for="ch" forName="iconBgRect"/>
-            <dgm:constr type="l" for="ch" forName="iconBgRect"/>
-            <dgm:constr type="w" for="ch" forName="iconRect" refType="w" refFor="ch" refForName="iconBgRect" fact="0.58"/>
-            <dgm:constr type="h" for="ch" forName="iconRect" refType="w" refFor="ch" refForName="iconRect"/>
-            <dgm:constr type="ctrX" for="ch" forName="iconRect" refType="ctrX" refFor="ch" refForName="iconBgRect"/>
-            <dgm:constr type="ctrY" for="ch" forName="iconRect" refType="ctrY" refFor="ch" refForName="iconBgRect"/>
-            <dgm:constr type="w" for="ch" forName="spaceRect" refType="w" fact="0.06"/>
-            <dgm:constr type="h" for="ch" forName="spaceRect" refType="h" refFor="ch" refForName="iconBgRect"/>
-            <dgm:constr type="t" for="ch" forName="spaceRect" refType="t" refFor="ch" refForName="iconBgRect"/>
-            <dgm:constr type="l" for="ch" forName="spaceRect" refType="r" refFor="ch" refForName="iconBgRect"/>
-            <dgm:constr type="h" for="ch" forName="textRect" refType="h" refFor="ch" refForName="iconBgRect"/>
-            <dgm:constr type="t" for="ch" forName="textRect" refType="t" refFor="ch" refForName="iconBgRect"/>
-            <dgm:constr type="l" for="ch" forName="textRect" refType="r" refFor="ch" refForName="spaceRect"/>
-          </dgm:constrLst>
-          <dgm:ruleLst/>
-          <dgm:layoutNode name="iconBgRect" styleLbl="bgShp">
-            <dgm:alg type="sp"/>
-            <dgm:shape xmlns:r="http://schemas.openxmlformats.org/officeDocument/2006/relationships" type="ellipse" r:blip="">
-              <dgm:adjLst/>
-            </dgm:shape>
-            <dgm:presOf/>
-            <dgm:constrLst/>
-            <dgm:ruleLst/>
-          </dgm:layoutNode>
-          <dgm:layoutNode name="iconRect" styleLbl="node1">
-            <dgm:alg type="sp"/>
-            <dgm:shape xmlns:r="http://schemas.openxmlformats.org/officeDocument/2006/relationships" type="rect" r:blip="" blipPhldr="1">
-              <dgm:adjLst/>
-            </dgm:shape>
-            <dgm:presOf/>
-            <dgm:constrLst/>
-            <dgm:ruleLst/>
-          </dgm:layoutNode>
-          <dgm:layoutNode name="spaceRect">
-            <dgm:alg type="sp"/>
-            <dgm:shape xmlns:r="http://schemas.openxmlformats.org/officeDocument/2006/relationships" r:blip="">
-              <dgm:adjLst/>
-            </dgm:shape>
-            <dgm:presOf/>
-            <dgm:constrLst/>
-            <dgm:ruleLst/>
-          </dgm:layoutNode>
-          <dgm:layoutNode name="textRect" styleLbl="revTx">
-            <dgm:varLst>
-              <dgm:chMax val="1"/>
-              <dgm:chPref val="1"/>
-            </dgm:varLst>
-            <dgm:choose name="Name7">
-              <dgm:if name="Name8" func="var" arg="dir" op="equ" val="norm">
-                <dgm:alg type="tx">
-                  <dgm:param type="txAnchorVert" val="mid"/>
-                  <dgm:param type="parTxLTRAlign" val="l"/>
-                  <dgm:param type="shpTxLTRAlignCh" val="l"/>
-                  <dgm:param type="parTxRTLAlign" val="l"/>
-                  <dgm:param type="shpTxRTLAlignCh" val="l"/>
-                </dgm:alg>
-              </dgm:if>
-              <dgm:else name="Name9">
-                <dgm:alg type="tx">
-                  <dgm:param type="txAnchorVert" val="mid"/>
-                  <dgm:param type="parTxLTRAlign" val="r"/>
-                  <dgm:param type="shpTxLTRAlignCh" val="r"/>
-                  <dgm:param type="parTxRTLAlign" val="r"/>
-                  <dgm:param type="shpTxRTLAlignCh" val="r"/>
-                </dgm:alg>
-              </dgm:else>
-            </dgm:choose>
-            <dgm:shape xmlns:r="http://schemas.openxmlformats.org/officeDocument/2006/relationships" type="rect" r:blip="">
-              <dgm:adjLst/>
-            </dgm:shape>
-            <dgm:presOf axis="self" ptType="node"/>
-            <dgm:constrLst>
-              <dgm:constr type="lMarg"/>
-              <dgm:constr type="rMarg"/>
-              <dgm:constr type="tMarg"/>
-              <dgm:constr type="bMarg"/>
-            </dgm:constrLst>
-            <dgm:ruleLst>
-              <dgm:rule type="primFontSz" val="11" fact="NaN" max="NaN"/>
-            </dgm:ruleLst>
-          </dgm:layoutNode>
-        </dgm:layoutNode>
-        <dgm:forEach name="Name10" axis="followSib" ptType="sibTrans" cnt="1">
-          <dgm:layoutNode name="sibTrans">
-            <dgm:alg type="sp"/>
-            <dgm:shape xmlns:r="http://schemas.openxmlformats.org/officeDocument/2006/relationships" type="rect" r:blip="" hideGeom="1">
-              <dgm:adjLst/>
-            </dgm:shape>
-            <dgm:presOf axis="self"/>
-            <dgm:constrLst/>
-            <dgm:ruleLst/>
-          </dgm:layoutNode>
-        </dgm:forEach>
-      </dgm:forEach>
-    </dgm:layoutNode>
-  </dgm:layoutNode>
-  <dgm:extLst>
-    <a:ext uri="{68A01E43-0DF5-4B5B-8FA6-DAF915123BFB}">
-      <dgm1612:lstStyle xmlns:dgm1612="http://schemas.microsoft.com/office/drawing/2016/12/diagram">
-        <a:lvl1pPr>
-          <a:lnSpc>
-            <a:spcPct val="100000"/>
-          </a:lnSpc>
-        </a:lvl1pPr>
-      </dgm1612:lstStyle>
-    </a:ext>
-  </dgm:extLst>
-</dgm:layoutDef>
-</file>
-
-<file path=ppt/diagrams/layout2.xml><?xml version="1.0" encoding="utf-8"?>
 <dgm:layoutDef xmlns:dgm="http://schemas.openxmlformats.org/drawingml/2006/diagram" xmlns:a="http://schemas.openxmlformats.org/drawingml/2006/main" uniqueId="urn:microsoft.com/office/officeart/2018/2/layout/IconCircleList">
   <dgm:title val="Icon Circle List"/>
   <dgm:desc val="Use to show non-sequential or grouped chunks of information accompanied by related visuals. Circular shapes can hold an icon or small picture and corresponding text box shows Level 1 text. Works best for icons or small pictures with medium-length descriptions."/>
@@ -5300,1040 +3245,6 @@
 </dgm:styleDef>
 </file>
 
-<file path=ppt/diagrams/quickStyle2.xml><?xml version="1.0" encoding="utf-8"?>
-<dgm:styleDef xmlns:dgm="http://schemas.openxmlformats.org/drawingml/2006/diagram" xmlns:a="http://schemas.openxmlformats.org/drawingml/2006/main" uniqueId="urn:microsoft.com/office/officeart/2005/8/quickstyle/simple1">
-  <dgm:title val=""/>
-  <dgm:desc val=""/>
-  <dgm:catLst>
-    <dgm:cat type="simple" pri="10100"/>
-  </dgm:catLst>
-  <dgm:scene3d>
-    <a:camera prst="orthographicFront"/>
-    <a:lightRig rig="threePt" dir="t"/>
-  </dgm:scene3d>
-  <dgm:styleLbl name="node0">
-    <dgm:scene3d>
-      <a:camera prst="orthographicFront"/>
-      <a:lightRig rig="threePt" dir="t"/>
-    </dgm:scene3d>
-    <dgm:sp3d/>
-    <dgm:txPr/>
-    <dgm:style>
-      <a:lnRef idx="2">
-        <a:scrgbClr r="0" g="0" b="0"/>
-      </a:lnRef>
-      <a:fillRef idx="1">
-        <a:scrgbClr r="0" g="0" b="0"/>
-      </a:fillRef>
-      <a:effectRef idx="0">
-        <a:scrgbClr r="0" g="0" b="0"/>
-      </a:effectRef>
-      <a:fontRef idx="minor">
-        <a:schemeClr val="lt1"/>
-      </a:fontRef>
-    </dgm:style>
-  </dgm:styleLbl>
-  <dgm:styleLbl name="lnNode1">
-    <dgm:scene3d>
-      <a:camera prst="orthographicFront"/>
-      <a:lightRig rig="threePt" dir="t"/>
-    </dgm:scene3d>
-    <dgm:sp3d/>
-    <dgm:txPr/>
-    <dgm:style>
-      <a:lnRef idx="2">
-        <a:scrgbClr r="0" g="0" b="0"/>
-      </a:lnRef>
-      <a:fillRef idx="1">
-        <a:scrgbClr r="0" g="0" b="0"/>
-      </a:fillRef>
-      <a:effectRef idx="0">
-        <a:scrgbClr r="0" g="0" b="0"/>
-      </a:effectRef>
-      <a:fontRef idx="minor">
-        <a:schemeClr val="lt1"/>
-      </a:fontRef>
-    </dgm:style>
-  </dgm:styleLbl>
-  <dgm:styleLbl name="vennNode1">
-    <dgm:scene3d>
-      <a:camera prst="orthographicFront"/>
-      <a:lightRig rig="threePt" dir="t"/>
-    </dgm:scene3d>
-    <dgm:sp3d/>
-    <dgm:txPr/>
-    <dgm:style>
-      <a:lnRef idx="2">
-        <a:scrgbClr r="0" g="0" b="0"/>
-      </a:lnRef>
-      <a:fillRef idx="1">
-        <a:scrgbClr r="0" g="0" b="0"/>
-      </a:fillRef>
-      <a:effectRef idx="0">
-        <a:scrgbClr r="0" g="0" b="0"/>
-      </a:effectRef>
-      <a:fontRef idx="minor">
-        <a:schemeClr val="tx1"/>
-      </a:fontRef>
-    </dgm:style>
-  </dgm:styleLbl>
-  <dgm:styleLbl name="alignNode1">
-    <dgm:scene3d>
-      <a:camera prst="orthographicFront"/>
-      <a:lightRig rig="threePt" dir="t"/>
-    </dgm:scene3d>
-    <dgm:sp3d/>
-    <dgm:txPr/>
-    <dgm:style>
-      <a:lnRef idx="2">
-        <a:scrgbClr r="0" g="0" b="0"/>
-      </a:lnRef>
-      <a:fillRef idx="1">
-        <a:scrgbClr r="0" g="0" b="0"/>
-      </a:fillRef>
-      <a:effectRef idx="0">
-        <a:scrgbClr r="0" g="0" b="0"/>
-      </a:effectRef>
-      <a:fontRef idx="minor">
-        <a:schemeClr val="lt1"/>
-      </a:fontRef>
-    </dgm:style>
-  </dgm:styleLbl>
-  <dgm:styleLbl name="node1">
-    <dgm:scene3d>
-      <a:camera prst="orthographicFront"/>
-      <a:lightRig rig="threePt" dir="t"/>
-    </dgm:scene3d>
-    <dgm:sp3d/>
-    <dgm:txPr/>
-    <dgm:style>
-      <a:lnRef idx="2">
-        <a:scrgbClr r="0" g="0" b="0"/>
-      </a:lnRef>
-      <a:fillRef idx="1">
-        <a:scrgbClr r="0" g="0" b="0"/>
-      </a:fillRef>
-      <a:effectRef idx="0">
-        <a:scrgbClr r="0" g="0" b="0"/>
-      </a:effectRef>
-      <a:fontRef idx="minor">
-        <a:schemeClr val="lt1"/>
-      </a:fontRef>
-    </dgm:style>
-  </dgm:styleLbl>
-  <dgm:styleLbl name="node2">
-    <dgm:scene3d>
-      <a:camera prst="orthographicFront"/>
-      <a:lightRig rig="threePt" dir="t"/>
-    </dgm:scene3d>
-    <dgm:sp3d/>
-    <dgm:txPr/>
-    <dgm:style>
-      <a:lnRef idx="2">
-        <a:scrgbClr r="0" g="0" b="0"/>
-      </a:lnRef>
-      <a:fillRef idx="1">
-        <a:scrgbClr r="0" g="0" b="0"/>
-      </a:fillRef>
-      <a:effectRef idx="0">
-        <a:scrgbClr r="0" g="0" b="0"/>
-      </a:effectRef>
-      <a:fontRef idx="minor">
-        <a:schemeClr val="lt1"/>
-      </a:fontRef>
-    </dgm:style>
-  </dgm:styleLbl>
-  <dgm:styleLbl name="node3">
-    <dgm:scene3d>
-      <a:camera prst="orthographicFront"/>
-      <a:lightRig rig="threePt" dir="t"/>
-    </dgm:scene3d>
-    <dgm:sp3d/>
-    <dgm:txPr/>
-    <dgm:style>
-      <a:lnRef idx="2">
-        <a:scrgbClr r="0" g="0" b="0"/>
-      </a:lnRef>
-      <a:fillRef idx="1">
-        <a:scrgbClr r="0" g="0" b="0"/>
-      </a:fillRef>
-      <a:effectRef idx="0">
-        <a:scrgbClr r="0" g="0" b="0"/>
-      </a:effectRef>
-      <a:fontRef idx="minor">
-        <a:schemeClr val="lt1"/>
-      </a:fontRef>
-    </dgm:style>
-  </dgm:styleLbl>
-  <dgm:styleLbl name="node4">
-    <dgm:scene3d>
-      <a:camera prst="orthographicFront"/>
-      <a:lightRig rig="threePt" dir="t"/>
-    </dgm:scene3d>
-    <dgm:sp3d/>
-    <dgm:txPr/>
-    <dgm:style>
-      <a:lnRef idx="2">
-        <a:scrgbClr r="0" g="0" b="0"/>
-      </a:lnRef>
-      <a:fillRef idx="1">
-        <a:scrgbClr r="0" g="0" b="0"/>
-      </a:fillRef>
-      <a:effectRef idx="0">
-        <a:scrgbClr r="0" g="0" b="0"/>
-      </a:effectRef>
-      <a:fontRef idx="minor">
-        <a:schemeClr val="lt1"/>
-      </a:fontRef>
-    </dgm:style>
-  </dgm:styleLbl>
-  <dgm:styleLbl name="fgImgPlace1">
-    <dgm:scene3d>
-      <a:camera prst="orthographicFront"/>
-      <a:lightRig rig="threePt" dir="t"/>
-    </dgm:scene3d>
-    <dgm:sp3d/>
-    <dgm:txPr/>
-    <dgm:style>
-      <a:lnRef idx="2">
-        <a:scrgbClr r="0" g="0" b="0"/>
-      </a:lnRef>
-      <a:fillRef idx="1">
-        <a:scrgbClr r="0" g="0" b="0"/>
-      </a:fillRef>
-      <a:effectRef idx="0">
-        <a:scrgbClr r="0" g="0" b="0"/>
-      </a:effectRef>
-      <a:fontRef idx="minor"/>
-    </dgm:style>
-  </dgm:styleLbl>
-  <dgm:styleLbl name="alignImgPlace1">
-    <dgm:scene3d>
-      <a:camera prst="orthographicFront"/>
-      <a:lightRig rig="threePt" dir="t"/>
-    </dgm:scene3d>
-    <dgm:sp3d/>
-    <dgm:txPr/>
-    <dgm:style>
-      <a:lnRef idx="2">
-        <a:scrgbClr r="0" g="0" b="0"/>
-      </a:lnRef>
-      <a:fillRef idx="1">
-        <a:scrgbClr r="0" g="0" b="0"/>
-      </a:fillRef>
-      <a:effectRef idx="0">
-        <a:scrgbClr r="0" g="0" b="0"/>
-      </a:effectRef>
-      <a:fontRef idx="minor"/>
-    </dgm:style>
-  </dgm:styleLbl>
-  <dgm:styleLbl name="bgImgPlace1">
-    <dgm:scene3d>
-      <a:camera prst="orthographicFront"/>
-      <a:lightRig rig="threePt" dir="t"/>
-    </dgm:scene3d>
-    <dgm:sp3d/>
-    <dgm:txPr/>
-    <dgm:style>
-      <a:lnRef idx="2">
-        <a:scrgbClr r="0" g="0" b="0"/>
-      </a:lnRef>
-      <a:fillRef idx="1">
-        <a:scrgbClr r="0" g="0" b="0"/>
-      </a:fillRef>
-      <a:effectRef idx="0">
-        <a:scrgbClr r="0" g="0" b="0"/>
-      </a:effectRef>
-      <a:fontRef idx="minor"/>
-    </dgm:style>
-  </dgm:styleLbl>
-  <dgm:styleLbl name="sibTrans2D1">
-    <dgm:scene3d>
-      <a:camera prst="orthographicFront"/>
-      <a:lightRig rig="threePt" dir="t"/>
-    </dgm:scene3d>
-    <dgm:sp3d/>
-    <dgm:txPr/>
-    <dgm:style>
-      <a:lnRef idx="0">
-        <a:scrgbClr r="0" g="0" b="0"/>
-      </a:lnRef>
-      <a:fillRef idx="1">
-        <a:scrgbClr r="0" g="0" b="0"/>
-      </a:fillRef>
-      <a:effectRef idx="0">
-        <a:scrgbClr r="0" g="0" b="0"/>
-      </a:effectRef>
-      <a:fontRef idx="minor">
-        <a:schemeClr val="lt1"/>
-      </a:fontRef>
-    </dgm:style>
-  </dgm:styleLbl>
-  <dgm:styleLbl name="fgSibTrans2D1">
-    <dgm:scene3d>
-      <a:camera prst="orthographicFront"/>
-      <a:lightRig rig="threePt" dir="t"/>
-    </dgm:scene3d>
-    <dgm:sp3d/>
-    <dgm:txPr/>
-    <dgm:style>
-      <a:lnRef idx="0">
-        <a:scrgbClr r="0" g="0" b="0"/>
-      </a:lnRef>
-      <a:fillRef idx="1">
-        <a:scrgbClr r="0" g="0" b="0"/>
-      </a:fillRef>
-      <a:effectRef idx="0">
-        <a:scrgbClr r="0" g="0" b="0"/>
-      </a:effectRef>
-      <a:fontRef idx="minor">
-        <a:schemeClr val="lt1"/>
-      </a:fontRef>
-    </dgm:style>
-  </dgm:styleLbl>
-  <dgm:styleLbl name="bgSibTrans2D1">
-    <dgm:scene3d>
-      <a:camera prst="orthographicFront"/>
-      <a:lightRig rig="threePt" dir="t"/>
-    </dgm:scene3d>
-    <dgm:sp3d/>
-    <dgm:txPr/>
-    <dgm:style>
-      <a:lnRef idx="0">
-        <a:scrgbClr r="0" g="0" b="0"/>
-      </a:lnRef>
-      <a:fillRef idx="1">
-        <a:scrgbClr r="0" g="0" b="0"/>
-      </a:fillRef>
-      <a:effectRef idx="0">
-        <a:scrgbClr r="0" g="0" b="0"/>
-      </a:effectRef>
-      <a:fontRef idx="minor">
-        <a:schemeClr val="lt1"/>
-      </a:fontRef>
-    </dgm:style>
-  </dgm:styleLbl>
-  <dgm:styleLbl name="sibTrans1D1">
-    <dgm:scene3d>
-      <a:camera prst="orthographicFront"/>
-      <a:lightRig rig="threePt" dir="t"/>
-    </dgm:scene3d>
-    <dgm:sp3d/>
-    <dgm:txPr/>
-    <dgm:style>
-      <a:lnRef idx="1">
-        <a:scrgbClr r="0" g="0" b="0"/>
-      </a:lnRef>
-      <a:fillRef idx="0">
-        <a:scrgbClr r="0" g="0" b="0"/>
-      </a:fillRef>
-      <a:effectRef idx="0">
-        <a:scrgbClr r="0" g="0" b="0"/>
-      </a:effectRef>
-      <a:fontRef idx="minor"/>
-    </dgm:style>
-  </dgm:styleLbl>
-  <dgm:styleLbl name="callout">
-    <dgm:scene3d>
-      <a:camera prst="orthographicFront"/>
-      <a:lightRig rig="threePt" dir="t"/>
-    </dgm:scene3d>
-    <dgm:sp3d/>
-    <dgm:txPr/>
-    <dgm:style>
-      <a:lnRef idx="2">
-        <a:scrgbClr r="0" g="0" b="0"/>
-      </a:lnRef>
-      <a:fillRef idx="1">
-        <a:scrgbClr r="0" g="0" b="0"/>
-      </a:fillRef>
-      <a:effectRef idx="0">
-        <a:scrgbClr r="0" g="0" b="0"/>
-      </a:effectRef>
-      <a:fontRef idx="minor"/>
-    </dgm:style>
-  </dgm:styleLbl>
-  <dgm:styleLbl name="asst0">
-    <dgm:scene3d>
-      <a:camera prst="orthographicFront"/>
-      <a:lightRig rig="threePt" dir="t"/>
-    </dgm:scene3d>
-    <dgm:sp3d/>
-    <dgm:txPr/>
-    <dgm:style>
-      <a:lnRef idx="2">
-        <a:scrgbClr r="0" g="0" b="0"/>
-      </a:lnRef>
-      <a:fillRef idx="1">
-        <a:scrgbClr r="0" g="0" b="0"/>
-      </a:fillRef>
-      <a:effectRef idx="0">
-        <a:scrgbClr r="0" g="0" b="0"/>
-      </a:effectRef>
-      <a:fontRef idx="minor">
-        <a:schemeClr val="lt1"/>
-      </a:fontRef>
-    </dgm:style>
-  </dgm:styleLbl>
-  <dgm:styleLbl name="asst1">
-    <dgm:scene3d>
-      <a:camera prst="orthographicFront"/>
-      <a:lightRig rig="threePt" dir="t"/>
-    </dgm:scene3d>
-    <dgm:sp3d/>
-    <dgm:txPr/>
-    <dgm:style>
-      <a:lnRef idx="2">
-        <a:scrgbClr r="0" g="0" b="0"/>
-      </a:lnRef>
-      <a:fillRef idx="1">
-        <a:scrgbClr r="0" g="0" b="0"/>
-      </a:fillRef>
-      <a:effectRef idx="0">
-        <a:scrgbClr r="0" g="0" b="0"/>
-      </a:effectRef>
-      <a:fontRef idx="minor">
-        <a:schemeClr val="lt1"/>
-      </a:fontRef>
-    </dgm:style>
-  </dgm:styleLbl>
-  <dgm:styleLbl name="asst2">
-    <dgm:scene3d>
-      <a:camera prst="orthographicFront"/>
-      <a:lightRig rig="threePt" dir="t"/>
-    </dgm:scene3d>
-    <dgm:sp3d/>
-    <dgm:txPr/>
-    <dgm:style>
-      <a:lnRef idx="2">
-        <a:scrgbClr r="0" g="0" b="0"/>
-      </a:lnRef>
-      <a:fillRef idx="1">
-        <a:scrgbClr r="0" g="0" b="0"/>
-      </a:fillRef>
-      <a:effectRef idx="0">
-        <a:scrgbClr r="0" g="0" b="0"/>
-      </a:effectRef>
-      <a:fontRef idx="minor">
-        <a:schemeClr val="lt1"/>
-      </a:fontRef>
-    </dgm:style>
-  </dgm:styleLbl>
-  <dgm:styleLbl name="asst3">
-    <dgm:scene3d>
-      <a:camera prst="orthographicFront"/>
-      <a:lightRig rig="threePt" dir="t"/>
-    </dgm:scene3d>
-    <dgm:sp3d/>
-    <dgm:txPr/>
-    <dgm:style>
-      <a:lnRef idx="2">
-        <a:scrgbClr r="0" g="0" b="0"/>
-      </a:lnRef>
-      <a:fillRef idx="1">
-        <a:scrgbClr r="0" g="0" b="0"/>
-      </a:fillRef>
-      <a:effectRef idx="0">
-        <a:scrgbClr r="0" g="0" b="0"/>
-      </a:effectRef>
-      <a:fontRef idx="minor">
-        <a:schemeClr val="lt1"/>
-      </a:fontRef>
-    </dgm:style>
-  </dgm:styleLbl>
-  <dgm:styleLbl name="asst4">
-    <dgm:scene3d>
-      <a:camera prst="orthographicFront"/>
-      <a:lightRig rig="threePt" dir="t"/>
-    </dgm:scene3d>
-    <dgm:sp3d/>
-    <dgm:txPr/>
-    <dgm:style>
-      <a:lnRef idx="2">
-        <a:scrgbClr r="0" g="0" b="0"/>
-      </a:lnRef>
-      <a:fillRef idx="1">
-        <a:scrgbClr r="0" g="0" b="0"/>
-      </a:fillRef>
-      <a:effectRef idx="0">
-        <a:scrgbClr r="0" g="0" b="0"/>
-      </a:effectRef>
-      <a:fontRef idx="minor">
-        <a:schemeClr val="lt1"/>
-      </a:fontRef>
-    </dgm:style>
-  </dgm:styleLbl>
-  <dgm:styleLbl name="parChTrans2D1">
-    <dgm:scene3d>
-      <a:camera prst="orthographicFront"/>
-      <a:lightRig rig="threePt" dir="t"/>
-    </dgm:scene3d>
-    <dgm:sp3d/>
-    <dgm:txPr/>
-    <dgm:style>
-      <a:lnRef idx="2">
-        <a:scrgbClr r="0" g="0" b="0"/>
-      </a:lnRef>
-      <a:fillRef idx="1">
-        <a:scrgbClr r="0" g="0" b="0"/>
-      </a:fillRef>
-      <a:effectRef idx="0">
-        <a:scrgbClr r="0" g="0" b="0"/>
-      </a:effectRef>
-      <a:fontRef idx="minor">
-        <a:schemeClr val="lt1"/>
-      </a:fontRef>
-    </dgm:style>
-  </dgm:styleLbl>
-  <dgm:styleLbl name="parChTrans2D2">
-    <dgm:scene3d>
-      <a:camera prst="orthographicFront"/>
-      <a:lightRig rig="threePt" dir="t"/>
-    </dgm:scene3d>
-    <dgm:sp3d/>
-    <dgm:txPr/>
-    <dgm:style>
-      <a:lnRef idx="2">
-        <a:scrgbClr r="0" g="0" b="0"/>
-      </a:lnRef>
-      <a:fillRef idx="1">
-        <a:scrgbClr r="0" g="0" b="0"/>
-      </a:fillRef>
-      <a:effectRef idx="0">
-        <a:scrgbClr r="0" g="0" b="0"/>
-      </a:effectRef>
-      <a:fontRef idx="minor">
-        <a:schemeClr val="lt1"/>
-      </a:fontRef>
-    </dgm:style>
-  </dgm:styleLbl>
-  <dgm:styleLbl name="parChTrans2D3">
-    <dgm:scene3d>
-      <a:camera prst="orthographicFront"/>
-      <a:lightRig rig="threePt" dir="t"/>
-    </dgm:scene3d>
-    <dgm:sp3d/>
-    <dgm:txPr/>
-    <dgm:style>
-      <a:lnRef idx="2">
-        <a:scrgbClr r="0" g="0" b="0"/>
-      </a:lnRef>
-      <a:fillRef idx="1">
-        <a:scrgbClr r="0" g="0" b="0"/>
-      </a:fillRef>
-      <a:effectRef idx="0">
-        <a:scrgbClr r="0" g="0" b="0"/>
-      </a:effectRef>
-      <a:fontRef idx="minor">
-        <a:schemeClr val="lt1"/>
-      </a:fontRef>
-    </dgm:style>
-  </dgm:styleLbl>
-  <dgm:styleLbl name="parChTrans2D4">
-    <dgm:scene3d>
-      <a:camera prst="orthographicFront"/>
-      <a:lightRig rig="threePt" dir="t"/>
-    </dgm:scene3d>
-    <dgm:sp3d/>
-    <dgm:txPr/>
-    <dgm:style>
-      <a:lnRef idx="2">
-        <a:scrgbClr r="0" g="0" b="0"/>
-      </a:lnRef>
-      <a:fillRef idx="1">
-        <a:scrgbClr r="0" g="0" b="0"/>
-      </a:fillRef>
-      <a:effectRef idx="0">
-        <a:scrgbClr r="0" g="0" b="0"/>
-      </a:effectRef>
-      <a:fontRef idx="minor">
-        <a:schemeClr val="lt1"/>
-      </a:fontRef>
-    </dgm:style>
-  </dgm:styleLbl>
-  <dgm:styleLbl name="parChTrans1D1">
-    <dgm:scene3d>
-      <a:camera prst="orthographicFront"/>
-      <a:lightRig rig="threePt" dir="t"/>
-    </dgm:scene3d>
-    <dgm:sp3d/>
-    <dgm:txPr/>
-    <dgm:style>
-      <a:lnRef idx="2">
-        <a:scrgbClr r="0" g="0" b="0"/>
-      </a:lnRef>
-      <a:fillRef idx="0">
-        <a:scrgbClr r="0" g="0" b="0"/>
-      </a:fillRef>
-      <a:effectRef idx="0">
-        <a:scrgbClr r="0" g="0" b="0"/>
-      </a:effectRef>
-      <a:fontRef idx="minor"/>
-    </dgm:style>
-  </dgm:styleLbl>
-  <dgm:styleLbl name="parChTrans1D2">
-    <dgm:scene3d>
-      <a:camera prst="orthographicFront"/>
-      <a:lightRig rig="threePt" dir="t"/>
-    </dgm:scene3d>
-    <dgm:sp3d/>
-    <dgm:txPr/>
-    <dgm:style>
-      <a:lnRef idx="2">
-        <a:scrgbClr r="0" g="0" b="0"/>
-      </a:lnRef>
-      <a:fillRef idx="0">
-        <a:scrgbClr r="0" g="0" b="0"/>
-      </a:fillRef>
-      <a:effectRef idx="0">
-        <a:scrgbClr r="0" g="0" b="0"/>
-      </a:effectRef>
-      <a:fontRef idx="minor"/>
-    </dgm:style>
-  </dgm:styleLbl>
-  <dgm:styleLbl name="parChTrans1D3">
-    <dgm:scene3d>
-      <a:camera prst="orthographicFront"/>
-      <a:lightRig rig="threePt" dir="t"/>
-    </dgm:scene3d>
-    <dgm:sp3d/>
-    <dgm:txPr/>
-    <dgm:style>
-      <a:lnRef idx="2">
-        <a:scrgbClr r="0" g="0" b="0"/>
-      </a:lnRef>
-      <a:fillRef idx="0">
-        <a:scrgbClr r="0" g="0" b="0"/>
-      </a:fillRef>
-      <a:effectRef idx="0">
-        <a:scrgbClr r="0" g="0" b="0"/>
-      </a:effectRef>
-      <a:fontRef idx="minor"/>
-    </dgm:style>
-  </dgm:styleLbl>
-  <dgm:styleLbl name="parChTrans1D4">
-    <dgm:scene3d>
-      <a:camera prst="orthographicFront"/>
-      <a:lightRig rig="threePt" dir="t"/>
-    </dgm:scene3d>
-    <dgm:sp3d/>
-    <dgm:txPr/>
-    <dgm:style>
-      <a:lnRef idx="2">
-        <a:scrgbClr r="0" g="0" b="0"/>
-      </a:lnRef>
-      <a:fillRef idx="0">
-        <a:scrgbClr r="0" g="0" b="0"/>
-      </a:fillRef>
-      <a:effectRef idx="0">
-        <a:scrgbClr r="0" g="0" b="0"/>
-      </a:effectRef>
-      <a:fontRef idx="minor"/>
-    </dgm:style>
-  </dgm:styleLbl>
-  <dgm:styleLbl name="fgAcc1">
-    <dgm:scene3d>
-      <a:camera prst="orthographicFront"/>
-      <a:lightRig rig="threePt" dir="t"/>
-    </dgm:scene3d>
-    <dgm:sp3d/>
-    <dgm:txPr/>
-    <dgm:style>
-      <a:lnRef idx="2">
-        <a:scrgbClr r="0" g="0" b="0"/>
-      </a:lnRef>
-      <a:fillRef idx="1">
-        <a:scrgbClr r="0" g="0" b="0"/>
-      </a:fillRef>
-      <a:effectRef idx="0">
-        <a:scrgbClr r="0" g="0" b="0"/>
-      </a:effectRef>
-      <a:fontRef idx="minor"/>
-    </dgm:style>
-  </dgm:styleLbl>
-  <dgm:styleLbl name="conFgAcc1">
-    <dgm:scene3d>
-      <a:camera prst="orthographicFront"/>
-      <a:lightRig rig="threePt" dir="t"/>
-    </dgm:scene3d>
-    <dgm:sp3d/>
-    <dgm:txPr/>
-    <dgm:style>
-      <a:lnRef idx="2">
-        <a:scrgbClr r="0" g="0" b="0"/>
-      </a:lnRef>
-      <a:fillRef idx="1">
-        <a:scrgbClr r="0" g="0" b="0"/>
-      </a:fillRef>
-      <a:effectRef idx="0">
-        <a:scrgbClr r="0" g="0" b="0"/>
-      </a:effectRef>
-      <a:fontRef idx="minor"/>
-    </dgm:style>
-  </dgm:styleLbl>
-  <dgm:styleLbl name="alignAcc1">
-    <dgm:scene3d>
-      <a:camera prst="orthographicFront"/>
-      <a:lightRig rig="threePt" dir="t"/>
-    </dgm:scene3d>
-    <dgm:sp3d/>
-    <dgm:txPr/>
-    <dgm:style>
-      <a:lnRef idx="2">
-        <a:scrgbClr r="0" g="0" b="0"/>
-      </a:lnRef>
-      <a:fillRef idx="1">
-        <a:scrgbClr r="0" g="0" b="0"/>
-      </a:fillRef>
-      <a:effectRef idx="0">
-        <a:scrgbClr r="0" g="0" b="0"/>
-      </a:effectRef>
-      <a:fontRef idx="minor"/>
-    </dgm:style>
-  </dgm:styleLbl>
-  <dgm:styleLbl name="trAlignAcc1">
-    <dgm:scene3d>
-      <a:camera prst="orthographicFront"/>
-      <a:lightRig rig="threePt" dir="t"/>
-    </dgm:scene3d>
-    <dgm:sp3d/>
-    <dgm:txPr/>
-    <dgm:style>
-      <a:lnRef idx="1">
-        <a:scrgbClr r="0" g="0" b="0"/>
-      </a:lnRef>
-      <a:fillRef idx="1">
-        <a:scrgbClr r="0" g="0" b="0"/>
-      </a:fillRef>
-      <a:effectRef idx="0">
-        <a:scrgbClr r="0" g="0" b="0"/>
-      </a:effectRef>
-      <a:fontRef idx="minor"/>
-    </dgm:style>
-  </dgm:styleLbl>
-  <dgm:styleLbl name="bgAcc1">
-    <dgm:scene3d>
-      <a:camera prst="orthographicFront"/>
-      <a:lightRig rig="threePt" dir="t"/>
-    </dgm:scene3d>
-    <dgm:sp3d/>
-    <dgm:txPr/>
-    <dgm:style>
-      <a:lnRef idx="2">
-        <a:scrgbClr r="0" g="0" b="0"/>
-      </a:lnRef>
-      <a:fillRef idx="1">
-        <a:scrgbClr r="0" g="0" b="0"/>
-      </a:fillRef>
-      <a:effectRef idx="0">
-        <a:scrgbClr r="0" g="0" b="0"/>
-      </a:effectRef>
-      <a:fontRef idx="minor"/>
-    </dgm:style>
-  </dgm:styleLbl>
-  <dgm:styleLbl name="solidFgAcc1">
-    <dgm:scene3d>
-      <a:camera prst="orthographicFront"/>
-      <a:lightRig rig="threePt" dir="t"/>
-    </dgm:scene3d>
-    <dgm:sp3d/>
-    <dgm:txPr/>
-    <dgm:style>
-      <a:lnRef idx="2">
-        <a:scrgbClr r="0" g="0" b="0"/>
-      </a:lnRef>
-      <a:fillRef idx="1">
-        <a:scrgbClr r="0" g="0" b="0"/>
-      </a:fillRef>
-      <a:effectRef idx="0">
-        <a:scrgbClr r="0" g="0" b="0"/>
-      </a:effectRef>
-      <a:fontRef idx="minor"/>
-    </dgm:style>
-  </dgm:styleLbl>
-  <dgm:styleLbl name="solidAlignAcc1">
-    <dgm:scene3d>
-      <a:camera prst="orthographicFront"/>
-      <a:lightRig rig="threePt" dir="t"/>
-    </dgm:scene3d>
-    <dgm:sp3d/>
-    <dgm:txPr/>
-    <dgm:style>
-      <a:lnRef idx="2">
-        <a:scrgbClr r="0" g="0" b="0"/>
-      </a:lnRef>
-      <a:fillRef idx="1">
-        <a:scrgbClr r="0" g="0" b="0"/>
-      </a:fillRef>
-      <a:effectRef idx="0">
-        <a:scrgbClr r="0" g="0" b="0"/>
-      </a:effectRef>
-      <a:fontRef idx="minor"/>
-    </dgm:style>
-  </dgm:styleLbl>
-  <dgm:styleLbl name="solidBgAcc1">
-    <dgm:scene3d>
-      <a:camera prst="orthographicFront"/>
-      <a:lightRig rig="threePt" dir="t"/>
-    </dgm:scene3d>
-    <dgm:sp3d/>
-    <dgm:txPr/>
-    <dgm:style>
-      <a:lnRef idx="2">
-        <a:scrgbClr r="0" g="0" b="0"/>
-      </a:lnRef>
-      <a:fillRef idx="1">
-        <a:scrgbClr r="0" g="0" b="0"/>
-      </a:fillRef>
-      <a:effectRef idx="0">
-        <a:scrgbClr r="0" g="0" b="0"/>
-      </a:effectRef>
-      <a:fontRef idx="minor"/>
-    </dgm:style>
-  </dgm:styleLbl>
-  <dgm:styleLbl name="fgAccFollowNode1">
-    <dgm:scene3d>
-      <a:camera prst="orthographicFront"/>
-      <a:lightRig rig="threePt" dir="t"/>
-    </dgm:scene3d>
-    <dgm:sp3d/>
-    <dgm:txPr/>
-    <dgm:style>
-      <a:lnRef idx="2">
-        <a:scrgbClr r="0" g="0" b="0"/>
-      </a:lnRef>
-      <a:fillRef idx="1">
-        <a:scrgbClr r="0" g="0" b="0"/>
-      </a:fillRef>
-      <a:effectRef idx="0">
-        <a:scrgbClr r="0" g="0" b="0"/>
-      </a:effectRef>
-      <a:fontRef idx="minor"/>
-    </dgm:style>
-  </dgm:styleLbl>
-  <dgm:styleLbl name="alignAccFollowNode1">
-    <dgm:scene3d>
-      <a:camera prst="orthographicFront"/>
-      <a:lightRig rig="threePt" dir="t"/>
-    </dgm:scene3d>
-    <dgm:sp3d/>
-    <dgm:txPr/>
-    <dgm:style>
-      <a:lnRef idx="2">
-        <a:scrgbClr r="0" g="0" b="0"/>
-      </a:lnRef>
-      <a:fillRef idx="1">
-        <a:scrgbClr r="0" g="0" b="0"/>
-      </a:fillRef>
-      <a:effectRef idx="0">
-        <a:scrgbClr r="0" g="0" b="0"/>
-      </a:effectRef>
-      <a:fontRef idx="minor"/>
-    </dgm:style>
-  </dgm:styleLbl>
-  <dgm:styleLbl name="bgAccFollowNode1">
-    <dgm:scene3d>
-      <a:camera prst="orthographicFront"/>
-      <a:lightRig rig="threePt" dir="t"/>
-    </dgm:scene3d>
-    <dgm:sp3d/>
-    <dgm:txPr/>
-    <dgm:style>
-      <a:lnRef idx="2">
-        <a:scrgbClr r="0" g="0" b="0"/>
-      </a:lnRef>
-      <a:fillRef idx="1">
-        <a:scrgbClr r="0" g="0" b="0"/>
-      </a:fillRef>
-      <a:effectRef idx="0">
-        <a:scrgbClr r="0" g="0" b="0"/>
-      </a:effectRef>
-      <a:fontRef idx="minor"/>
-    </dgm:style>
-  </dgm:styleLbl>
-  <dgm:styleLbl name="fgAcc0">
-    <dgm:scene3d>
-      <a:camera prst="orthographicFront"/>
-      <a:lightRig rig="threePt" dir="t"/>
-    </dgm:scene3d>
-    <dgm:sp3d/>
-    <dgm:txPr/>
-    <dgm:style>
-      <a:lnRef idx="2">
-        <a:scrgbClr r="0" g="0" b="0"/>
-      </a:lnRef>
-      <a:fillRef idx="1">
-        <a:scrgbClr r="0" g="0" b="0"/>
-      </a:fillRef>
-      <a:effectRef idx="0">
-        <a:scrgbClr r="0" g="0" b="0"/>
-      </a:effectRef>
-      <a:fontRef idx="minor"/>
-    </dgm:style>
-  </dgm:styleLbl>
-  <dgm:styleLbl name="fgAcc2">
-    <dgm:scene3d>
-      <a:camera prst="orthographicFront"/>
-      <a:lightRig rig="threePt" dir="t"/>
-    </dgm:scene3d>
-    <dgm:sp3d/>
-    <dgm:txPr/>
-    <dgm:style>
-      <a:lnRef idx="2">
-        <a:scrgbClr r="0" g="0" b="0"/>
-      </a:lnRef>
-      <a:fillRef idx="1">
-        <a:scrgbClr r="0" g="0" b="0"/>
-      </a:fillRef>
-      <a:effectRef idx="0">
-        <a:scrgbClr r="0" g="0" b="0"/>
-      </a:effectRef>
-      <a:fontRef idx="minor"/>
-    </dgm:style>
-  </dgm:styleLbl>
-  <dgm:styleLbl name="fgAcc3">
-    <dgm:scene3d>
-      <a:camera prst="orthographicFront"/>
-      <a:lightRig rig="threePt" dir="t"/>
-    </dgm:scene3d>
-    <dgm:sp3d/>
-    <dgm:txPr/>
-    <dgm:style>
-      <a:lnRef idx="2">
-        <a:scrgbClr r="0" g="0" b="0"/>
-      </a:lnRef>
-      <a:fillRef idx="1">
-        <a:scrgbClr r="0" g="0" b="0"/>
-      </a:fillRef>
-      <a:effectRef idx="0">
-        <a:scrgbClr r="0" g="0" b="0"/>
-      </a:effectRef>
-      <a:fontRef idx="minor"/>
-    </dgm:style>
-  </dgm:styleLbl>
-  <dgm:styleLbl name="fgAcc4">
-    <dgm:scene3d>
-      <a:camera prst="orthographicFront"/>
-      <a:lightRig rig="threePt" dir="t"/>
-    </dgm:scene3d>
-    <dgm:sp3d/>
-    <dgm:txPr/>
-    <dgm:style>
-      <a:lnRef idx="2">
-        <a:scrgbClr r="0" g="0" b="0"/>
-      </a:lnRef>
-      <a:fillRef idx="1">
-        <a:scrgbClr r="0" g="0" b="0"/>
-      </a:fillRef>
-      <a:effectRef idx="0">
-        <a:scrgbClr r="0" g="0" b="0"/>
-      </a:effectRef>
-      <a:fontRef idx="minor"/>
-    </dgm:style>
-  </dgm:styleLbl>
-  <dgm:styleLbl name="bgShp">
-    <dgm:scene3d>
-      <a:camera prst="orthographicFront"/>
-      <a:lightRig rig="threePt" dir="t"/>
-    </dgm:scene3d>
-    <dgm:sp3d/>
-    <dgm:txPr/>
-    <dgm:style>
-      <a:lnRef idx="0">
-        <a:scrgbClr r="0" g="0" b="0"/>
-      </a:lnRef>
-      <a:fillRef idx="1">
-        <a:scrgbClr r="0" g="0" b="0"/>
-      </a:fillRef>
-      <a:effectRef idx="0">
-        <a:scrgbClr r="0" g="0" b="0"/>
-      </a:effectRef>
-      <a:fontRef idx="minor"/>
-    </dgm:style>
-  </dgm:styleLbl>
-  <dgm:styleLbl name="dkBgShp">
-    <dgm:scene3d>
-      <a:camera prst="orthographicFront"/>
-      <a:lightRig rig="threePt" dir="t"/>
-    </dgm:scene3d>
-    <dgm:sp3d/>
-    <dgm:txPr/>
-    <dgm:style>
-      <a:lnRef idx="0">
-        <a:scrgbClr r="0" g="0" b="0"/>
-      </a:lnRef>
-      <a:fillRef idx="1">
-        <a:scrgbClr r="0" g="0" b="0"/>
-      </a:fillRef>
-      <a:effectRef idx="0">
-        <a:scrgbClr r="0" g="0" b="0"/>
-      </a:effectRef>
-      <a:fontRef idx="minor"/>
-    </dgm:style>
-  </dgm:styleLbl>
-  <dgm:styleLbl name="trBgShp">
-    <dgm:scene3d>
-      <a:camera prst="orthographicFront"/>
-      <a:lightRig rig="threePt" dir="t"/>
-    </dgm:scene3d>
-    <dgm:sp3d/>
-    <dgm:txPr/>
-    <dgm:style>
-      <a:lnRef idx="0">
-        <a:scrgbClr r="0" g="0" b="0"/>
-      </a:lnRef>
-      <a:fillRef idx="1">
-        <a:scrgbClr r="0" g="0" b="0"/>
-      </a:fillRef>
-      <a:effectRef idx="0">
-        <a:scrgbClr r="0" g="0" b="0"/>
-      </a:effectRef>
-      <a:fontRef idx="minor"/>
-    </dgm:style>
-  </dgm:styleLbl>
-  <dgm:styleLbl name="fgShp">
-    <dgm:scene3d>
-      <a:camera prst="orthographicFront"/>
-      <a:lightRig rig="threePt" dir="t"/>
-    </dgm:scene3d>
-    <dgm:sp3d/>
-    <dgm:txPr/>
-    <dgm:style>
-      <a:lnRef idx="2">
-        <a:scrgbClr r="0" g="0" b="0"/>
-      </a:lnRef>
-      <a:fillRef idx="1">
-        <a:scrgbClr r="0" g="0" b="0"/>
-      </a:fillRef>
-      <a:effectRef idx="0">
-        <a:scrgbClr r="0" g="0" b="0"/>
-      </a:effectRef>
-      <a:fontRef idx="minor"/>
-    </dgm:style>
-  </dgm:styleLbl>
-  <dgm:styleLbl name="revTx">
-    <dgm:scene3d>
-      <a:camera prst="orthographicFront"/>
-      <a:lightRig rig="threePt" dir="t"/>
-    </dgm:scene3d>
-    <dgm:sp3d/>
-    <dgm:txPr/>
-    <dgm:style>
-      <a:lnRef idx="0">
-        <a:scrgbClr r="0" g="0" b="0"/>
-      </a:lnRef>
-      <a:fillRef idx="0">
-        <a:scrgbClr r="0" g="0" b="0"/>
-      </a:fillRef>
-      <a:effectRef idx="0">
-        <a:scrgbClr r="0" g="0" b="0"/>
-      </a:effectRef>
-      <a:fontRef idx="minor"/>
-    </dgm:style>
-  </dgm:styleLbl>
-</dgm:styleDef>
-</file>
-
 <file path=ppt/slideLayouts/slideLayout1.xml><?xml version="1.0" encoding="utf-8"?>
 <p:sldLayout xmlns:a="http://schemas.openxmlformats.org/drawingml/2006/main" xmlns:r="http://schemas.openxmlformats.org/officeDocument/2006/relationships" xmlns:p="http://schemas.openxmlformats.org/presentationml/2006/main" type="title" preserve="1">
   <p:cSld name="Title Slide">
@@ -6490,7 +3401,7 @@
           <a:p>
             <a:fld id="{02AC24A9-CCB6-4F8D-B8DB-C2F3692CFA5A}" type="datetimeFigureOut">
               <a:rPr lang="en-US" smtClean="0"/>
-              <a:t>3/8/2022</a:t>
+              <a:t>3/27/2022</a:t>
             </a:fld>
             <a:endParaRPr lang="en-US" dirty="0"/>
           </a:p>
@@ -6860,7 +3771,7 @@
           <a:p>
             <a:fld id="{02AC24A9-CCB6-4F8D-B8DB-C2F3692CFA5A}" type="datetimeFigureOut">
               <a:rPr lang="en-US" smtClean="0"/>
-              <a:t>3/8/2022</a:t>
+              <a:t>3/27/2022</a:t>
             </a:fld>
             <a:endParaRPr lang="en-US"/>
           </a:p>
@@ -7069,7 +3980,7 @@
           <a:p>
             <a:fld id="{02AC24A9-CCB6-4F8D-B8DB-C2F3692CFA5A}" type="datetimeFigureOut">
               <a:rPr lang="en-US" smtClean="0"/>
-              <a:t>3/8/2022</a:t>
+              <a:t>3/27/2022</a:t>
             </a:fld>
             <a:endParaRPr lang="en-US"/>
           </a:p>
@@ -7539,7 +4450,7 @@
           <a:p>
             <a:fld id="{02AC24A9-CCB6-4F8D-B8DB-C2F3692CFA5A}" type="datetimeFigureOut">
               <a:rPr lang="en-US" smtClean="0"/>
-              <a:t>3/8/2022</a:t>
+              <a:t>3/27/2022</a:t>
             </a:fld>
             <a:endParaRPr lang="en-US"/>
           </a:p>
@@ -7993,7 +4904,7 @@
           <a:p>
             <a:fld id="{02AC24A9-CCB6-4F8D-B8DB-C2F3692CFA5A}" type="datetimeFigureOut">
               <a:rPr lang="en-US" smtClean="0"/>
-              <a:t>3/8/2022</a:t>
+              <a:t>3/27/2022</a:t>
             </a:fld>
             <a:endParaRPr lang="en-US"/>
           </a:p>
@@ -8525,7 +5436,7 @@
           <a:p>
             <a:fld id="{02AC24A9-CCB6-4F8D-B8DB-C2F3692CFA5A}" type="datetimeFigureOut">
               <a:rPr lang="en-US" smtClean="0"/>
-              <a:t>3/8/2022</a:t>
+              <a:t>3/27/2022</a:t>
             </a:fld>
             <a:endParaRPr lang="en-US"/>
           </a:p>
@@ -9224,7 +6135,7 @@
           <a:p>
             <a:fld id="{02AC24A9-CCB6-4F8D-B8DB-C2F3692CFA5A}" type="datetimeFigureOut">
               <a:rPr lang="en-US" smtClean="0"/>
-              <a:t>3/8/2022</a:t>
+              <a:t>3/27/2022</a:t>
             </a:fld>
             <a:endParaRPr lang="en-US"/>
           </a:p>
@@ -9553,7 +6464,7 @@
           <a:p>
             <a:fld id="{02AC24A9-CCB6-4F8D-B8DB-C2F3692CFA5A}" type="datetimeFigureOut">
               <a:rPr lang="en-US" smtClean="0"/>
-              <a:t>3/8/2022</a:t>
+              <a:t>3/27/2022</a:t>
             </a:fld>
             <a:endParaRPr lang="en-US"/>
           </a:p>
@@ -9666,7 +6577,7 @@
           <a:p>
             <a:fld id="{02AC24A9-CCB6-4F8D-B8DB-C2F3692CFA5A}" type="datetimeFigureOut">
               <a:rPr lang="en-US" smtClean="0"/>
-              <a:t>3/8/2022</a:t>
+              <a:t>3/27/2022</a:t>
             </a:fld>
             <a:endParaRPr lang="en-US"/>
           </a:p>
@@ -10161,7 +7072,7 @@
           <a:p>
             <a:fld id="{02AC24A9-CCB6-4F8D-B8DB-C2F3692CFA5A}" type="datetimeFigureOut">
               <a:rPr lang="en-US" smtClean="0"/>
-              <a:t>3/8/2022</a:t>
+              <a:t>3/27/2022</a:t>
             </a:fld>
             <a:endParaRPr lang="en-US" dirty="0"/>
           </a:p>
@@ -10638,7 +7549,7 @@
           <a:p>
             <a:fld id="{02AC24A9-CCB6-4F8D-B8DB-C2F3692CFA5A}" type="datetimeFigureOut">
               <a:rPr lang="en-US" smtClean="0"/>
-              <a:t>3/8/2022</a:t>
+              <a:t>3/27/2022</a:t>
             </a:fld>
             <a:endParaRPr lang="en-US"/>
           </a:p>
@@ -10911,7 +7822,7 @@
           <a:p>
             <a:fld id="{02AC24A9-CCB6-4F8D-B8DB-C2F3692CFA5A}" type="datetimeFigureOut">
               <a:rPr lang="en-US" smtClean="0"/>
-              <a:t>3/8/2022</a:t>
+              <a:t>3/27/2022</a:t>
             </a:fld>
             <a:endParaRPr lang="en-US"/>
           </a:p>
@@ -11698,128 +8609,6 @@
 <file path=ppt/slides/slide10.xml><?xml version="1.0" encoding="utf-8"?>
 <p:sld xmlns:a="http://schemas.openxmlformats.org/drawingml/2006/main" xmlns:r="http://schemas.openxmlformats.org/officeDocument/2006/relationships" xmlns:p="http://schemas.openxmlformats.org/presentationml/2006/main">
   <p:cSld>
-    <p:spTree>
-      <p:nvGrpSpPr>
-        <p:cNvPr id="1" name=""/>
-        <p:cNvGrpSpPr/>
-        <p:nvPr/>
-      </p:nvGrpSpPr>
-      <p:grpSpPr>
-        <a:xfrm>
-          <a:off x="0" y="0"/>
-          <a:ext cx="0" cy="0"/>
-          <a:chOff x="0" y="0"/>
-          <a:chExt cx="0" cy="0"/>
-        </a:xfrm>
-      </p:grpSpPr>
-      <p:sp>
-        <p:nvSpPr>
-          <p:cNvPr id="2" name="標題 1">
-            <a:extLst>
-              <a:ext uri="{FF2B5EF4-FFF2-40B4-BE49-F238E27FC236}">
-                <a16:creationId xmlns:a16="http://schemas.microsoft.com/office/drawing/2014/main" id="{0E5D8DE3-D7CA-4E40-9165-580363B9674A}"/>
-              </a:ext>
-            </a:extLst>
-          </p:cNvPr>
-          <p:cNvSpPr>
-            <a:spLocks noGrp="1"/>
-          </p:cNvSpPr>
-          <p:nvPr>
-            <p:ph type="title"/>
-          </p:nvPr>
-        </p:nvSpPr>
-        <p:spPr>
-          <a:xfrm>
-            <a:off x="841246" y="978619"/>
-            <a:ext cx="5991244" cy="1106424"/>
-          </a:xfrm>
-        </p:spPr>
-        <p:txBody>
-          <a:bodyPr>
-            <a:normAutofit/>
-          </a:bodyPr>
-          <a:lstStyle/>
-          <a:p>
-            <a:r>
-              <a:rPr lang="en-US" altLang="zh-TW" sz="3200"/>
-              <a:t>Q3: Text entry question type</a:t>
-            </a:r>
-            <a:endParaRPr lang="zh-TW" altLang="en-US" sz="3200"/>
-          </a:p>
-        </p:txBody>
-      </p:sp>
-      <p:pic>
-        <p:nvPicPr>
-          <p:cNvPr id="4" name="圖片 3">
-            <a:extLst>
-              <a:ext uri="{FF2B5EF4-FFF2-40B4-BE49-F238E27FC236}">
-                <a16:creationId xmlns:a16="http://schemas.microsoft.com/office/drawing/2014/main" id="{B15E11D7-9AA6-4DB2-A5FF-91C80491C938}"/>
-              </a:ext>
-            </a:extLst>
-          </p:cNvPr>
-          <p:cNvPicPr>
-            <a:picLocks noChangeAspect="1"/>
-          </p:cNvPicPr>
-          <p:nvPr/>
-        </p:nvPicPr>
-        <p:blipFill>
-          <a:blip r:embed="rId2"/>
-          <a:stretch>
-            <a:fillRect/>
-          </a:stretch>
-        </p:blipFill>
-        <p:spPr>
-          <a:xfrm>
-            <a:off x="7679814" y="925505"/>
-            <a:ext cx="4097657" cy="4906405"/>
-          </a:xfrm>
-          <a:prstGeom prst="rect">
-            <a:avLst/>
-          </a:prstGeom>
-        </p:spPr>
-      </p:pic>
-      <p:graphicFrame>
-        <p:nvGraphicFramePr>
-          <p:cNvPr id="6" name="內容版面配置區 2">
-            <a:extLst>
-              <a:ext uri="{FF2B5EF4-FFF2-40B4-BE49-F238E27FC236}">
-                <a16:creationId xmlns:a16="http://schemas.microsoft.com/office/drawing/2014/main" id="{CF3414D4-252D-460F-B24F-2F49F8AC03DA}"/>
-              </a:ext>
-            </a:extLst>
-          </p:cNvPr>
-          <p:cNvGraphicFramePr>
-            <a:graphicFrameLocks noGrp="1"/>
-          </p:cNvGraphicFramePr>
-          <p:nvPr>
-            <p:ph idx="1"/>
-          </p:nvPr>
-        </p:nvGraphicFramePr>
-        <p:xfrm>
-          <a:off x="841248" y="2252870"/>
-          <a:ext cx="5993892" cy="3560251"/>
-        </p:xfrm>
-        <a:graphic>
-          <a:graphicData uri="http://schemas.openxmlformats.org/drawingml/2006/diagram">
-            <dgm:relIds xmlns:dgm="http://schemas.openxmlformats.org/drawingml/2006/diagram" xmlns:r="http://schemas.openxmlformats.org/officeDocument/2006/relationships" r:dm="rId3" r:lo="rId4" r:qs="rId5" r:cs="rId6"/>
-          </a:graphicData>
-        </a:graphic>
-      </p:graphicFrame>
-    </p:spTree>
-    <p:extLst>
-      <p:ext uri="{BB962C8B-B14F-4D97-AF65-F5344CB8AC3E}">
-        <p14:creationId xmlns:p14="http://schemas.microsoft.com/office/powerpoint/2010/main" val="3894698036"/>
-      </p:ext>
-    </p:extLst>
-  </p:cSld>
-  <p:clrMapOvr>
-    <a:masterClrMapping/>
-  </p:clrMapOvr>
-</p:sld>
-</file>
-
-<file path=ppt/slides/slide11.xml><?xml version="1.0" encoding="utf-8"?>
-<p:sld xmlns:a="http://schemas.openxmlformats.org/drawingml/2006/main" xmlns:r="http://schemas.openxmlformats.org/officeDocument/2006/relationships" xmlns:p="http://schemas.openxmlformats.org/presentationml/2006/main">
-  <p:cSld>
     <p:bg>
       <p:bgPr>
         <a:solidFill>
@@ -12403,7 +9192,7 @@
 </p:sld>
 </file>
 
-<file path=ppt/slides/slide12.xml><?xml version="1.0" encoding="utf-8"?>
+<file path=ppt/slides/slide11.xml><?xml version="1.0" encoding="utf-8"?>
 <p:sld xmlns:a="http://schemas.openxmlformats.org/drawingml/2006/main" xmlns:r="http://schemas.openxmlformats.org/officeDocument/2006/relationships" xmlns:p="http://schemas.openxmlformats.org/presentationml/2006/main">
   <p:cSld>
     <p:bg>
@@ -12872,6 +9661,493 @@
 </p:sld>
 </file>
 
+<file path=ppt/slides/slide12.xml><?xml version="1.0" encoding="utf-8"?>
+<p:sld xmlns:a="http://schemas.openxmlformats.org/drawingml/2006/main" xmlns:r="http://schemas.openxmlformats.org/officeDocument/2006/relationships" xmlns:p="http://schemas.openxmlformats.org/presentationml/2006/main">
+  <p:cSld>
+    <p:spTree>
+      <p:nvGrpSpPr>
+        <p:cNvPr id="1" name=""/>
+        <p:cNvGrpSpPr/>
+        <p:nvPr/>
+      </p:nvGrpSpPr>
+      <p:grpSpPr>
+        <a:xfrm>
+          <a:off x="0" y="0"/>
+          <a:ext cx="0" cy="0"/>
+          <a:chOff x="0" y="0"/>
+          <a:chExt cx="0" cy="0"/>
+        </a:xfrm>
+      </p:grpSpPr>
+      <p:sp>
+        <p:nvSpPr>
+          <p:cNvPr id="2" name="標題 1">
+            <a:extLst>
+              <a:ext uri="{FF2B5EF4-FFF2-40B4-BE49-F238E27FC236}">
+                <a16:creationId xmlns:a16="http://schemas.microsoft.com/office/drawing/2014/main" id="{93048374-F638-4A45-B565-8E46C4C95AF1}"/>
+              </a:ext>
+            </a:extLst>
+          </p:cNvPr>
+          <p:cNvSpPr>
+            <a:spLocks noGrp="1"/>
+          </p:cNvSpPr>
+          <p:nvPr>
+            <p:ph type="title"/>
+          </p:nvPr>
+        </p:nvSpPr>
+        <p:spPr/>
+        <p:txBody>
+          <a:bodyPr/>
+          <a:lstStyle/>
+          <a:p>
+            <a:r>
+              <a:rPr lang="en-US" altLang="zh-TW" dirty="0"/>
+              <a:t>Q8block</a:t>
+            </a:r>
+            <a:endParaRPr lang="zh-TW" altLang="en-US" dirty="0"/>
+          </a:p>
+        </p:txBody>
+      </p:sp>
+      <p:pic>
+        <p:nvPicPr>
+          <p:cNvPr id="5" name="圖片 4">
+            <a:extLst>
+              <a:ext uri="{FF2B5EF4-FFF2-40B4-BE49-F238E27FC236}">
+                <a16:creationId xmlns:a16="http://schemas.microsoft.com/office/drawing/2014/main" id="{954F83E8-2E87-4CCC-96D7-9E295CE1A34D}"/>
+              </a:ext>
+            </a:extLst>
+          </p:cNvPr>
+          <p:cNvPicPr>
+            <a:picLocks noChangeAspect="1"/>
+          </p:cNvPicPr>
+          <p:nvPr/>
+        </p:nvPicPr>
+        <p:blipFill>
+          <a:blip r:embed="rId2"/>
+          <a:stretch>
+            <a:fillRect/>
+          </a:stretch>
+        </p:blipFill>
+        <p:spPr>
+          <a:xfrm>
+            <a:off x="505969" y="1728216"/>
+            <a:ext cx="6515100" cy="1409700"/>
+          </a:xfrm>
+          <a:prstGeom prst="rect">
+            <a:avLst/>
+          </a:prstGeom>
+        </p:spPr>
+      </p:pic>
+      <p:pic>
+        <p:nvPicPr>
+          <p:cNvPr id="7" name="圖片 6">
+            <a:extLst>
+              <a:ext uri="{FF2B5EF4-FFF2-40B4-BE49-F238E27FC236}">
+                <a16:creationId xmlns:a16="http://schemas.microsoft.com/office/drawing/2014/main" id="{0FD5FE11-A3AF-4C08-A572-F1CB83473959}"/>
+              </a:ext>
+            </a:extLst>
+          </p:cNvPr>
+          <p:cNvPicPr>
+            <a:picLocks noChangeAspect="1"/>
+          </p:cNvPicPr>
+          <p:nvPr/>
+        </p:nvPicPr>
+        <p:blipFill>
+          <a:blip r:embed="rId3"/>
+          <a:stretch>
+            <a:fillRect/>
+          </a:stretch>
+        </p:blipFill>
+        <p:spPr>
+          <a:xfrm>
+            <a:off x="5410799" y="3220022"/>
+            <a:ext cx="6391275" cy="1000125"/>
+          </a:xfrm>
+          <a:prstGeom prst="rect">
+            <a:avLst/>
+          </a:prstGeom>
+        </p:spPr>
+      </p:pic>
+      <p:pic>
+        <p:nvPicPr>
+          <p:cNvPr id="9" name="圖片 8">
+            <a:extLst>
+              <a:ext uri="{FF2B5EF4-FFF2-40B4-BE49-F238E27FC236}">
+                <a16:creationId xmlns:a16="http://schemas.microsoft.com/office/drawing/2014/main" id="{1C5FA961-89E6-4A48-BDD9-63403D220677}"/>
+              </a:ext>
+            </a:extLst>
+          </p:cNvPr>
+          <p:cNvPicPr>
+            <a:picLocks noChangeAspect="1"/>
+          </p:cNvPicPr>
+          <p:nvPr/>
+        </p:nvPicPr>
+        <p:blipFill>
+          <a:blip r:embed="rId4"/>
+          <a:stretch>
+            <a:fillRect/>
+          </a:stretch>
+        </p:blipFill>
+        <p:spPr>
+          <a:xfrm>
+            <a:off x="681226" y="4469022"/>
+            <a:ext cx="5345979" cy="2222486"/>
+          </a:xfrm>
+          <a:prstGeom prst="rect">
+            <a:avLst/>
+          </a:prstGeom>
+        </p:spPr>
+      </p:pic>
+      <p:sp>
+        <p:nvSpPr>
+          <p:cNvPr id="11" name="矩形 10">
+            <a:extLst>
+              <a:ext uri="{FF2B5EF4-FFF2-40B4-BE49-F238E27FC236}">
+                <a16:creationId xmlns:a16="http://schemas.microsoft.com/office/drawing/2014/main" id="{FE0AF7D3-92A6-4030-AF4D-ADEC8C25468A}"/>
+              </a:ext>
+            </a:extLst>
+          </p:cNvPr>
+          <p:cNvSpPr/>
+          <p:nvPr/>
+        </p:nvSpPr>
+        <p:spPr>
+          <a:xfrm>
+            <a:off x="618309" y="1863634"/>
+            <a:ext cx="1280160" cy="409303"/>
+          </a:xfrm>
+          <a:prstGeom prst="rect">
+            <a:avLst/>
+          </a:prstGeom>
+          <a:noFill/>
+          <a:ln w="9525" cap="flat" cmpd="sng" algn="ctr">
+            <a:solidFill>
+              <a:schemeClr val="accent1"/>
+            </a:solidFill>
+            <a:prstDash val="solid"/>
+            <a:round/>
+            <a:headEnd type="none" w="med" len="med"/>
+            <a:tailEnd type="none" w="med" len="med"/>
+          </a:ln>
+        </p:spPr>
+        <p:style>
+          <a:lnRef idx="0">
+            <a:scrgbClr r="0" g="0" b="0"/>
+          </a:lnRef>
+          <a:fillRef idx="0">
+            <a:scrgbClr r="0" g="0" b="0"/>
+          </a:fillRef>
+          <a:effectRef idx="0">
+            <a:scrgbClr r="0" g="0" b="0"/>
+          </a:effectRef>
+          <a:fontRef idx="minor">
+            <a:schemeClr val="accent1"/>
+          </a:fontRef>
+        </p:style>
+        <p:txBody>
+          <a:bodyPr rtlCol="0" anchor="ctr"/>
+          <a:lstStyle/>
+          <a:p>
+            <a:pPr algn="ctr"/>
+            <a:endParaRPr lang="zh-TW" altLang="en-US"/>
+          </a:p>
+        </p:txBody>
+      </p:sp>
+      <p:pic>
+        <p:nvPicPr>
+          <p:cNvPr id="15" name="圖片 14">
+            <a:extLst>
+              <a:ext uri="{FF2B5EF4-FFF2-40B4-BE49-F238E27FC236}">
+                <a16:creationId xmlns:a16="http://schemas.microsoft.com/office/drawing/2014/main" id="{12C5724A-9FE6-4407-B5CB-8816B5A0BD09}"/>
+              </a:ext>
+            </a:extLst>
+          </p:cNvPr>
+          <p:cNvPicPr>
+            <a:picLocks noChangeAspect="1"/>
+          </p:cNvPicPr>
+          <p:nvPr/>
+        </p:nvPicPr>
+        <p:blipFill>
+          <a:blip r:embed="rId5"/>
+          <a:stretch>
+            <a:fillRect/>
+          </a:stretch>
+        </p:blipFill>
+        <p:spPr>
+          <a:xfrm>
+            <a:off x="7449149" y="4345344"/>
+            <a:ext cx="4352925" cy="2276475"/>
+          </a:xfrm>
+          <a:prstGeom prst="rect">
+            <a:avLst/>
+          </a:prstGeom>
+        </p:spPr>
+      </p:pic>
+      <p:sp>
+        <p:nvSpPr>
+          <p:cNvPr id="16" name="矩形 15">
+            <a:extLst>
+              <a:ext uri="{FF2B5EF4-FFF2-40B4-BE49-F238E27FC236}">
+                <a16:creationId xmlns:a16="http://schemas.microsoft.com/office/drawing/2014/main" id="{D750BE35-C3AD-43FC-A2DE-F11B0323EA6C}"/>
+              </a:ext>
+            </a:extLst>
+          </p:cNvPr>
+          <p:cNvSpPr/>
+          <p:nvPr/>
+        </p:nvSpPr>
+        <p:spPr>
+          <a:xfrm>
+            <a:off x="6027205" y="3429000"/>
+            <a:ext cx="208132" cy="219891"/>
+          </a:xfrm>
+          <a:prstGeom prst="rect">
+            <a:avLst/>
+          </a:prstGeom>
+          <a:noFill/>
+          <a:ln w="9525" cap="flat" cmpd="sng" algn="ctr">
+            <a:solidFill>
+              <a:schemeClr val="accent6"/>
+            </a:solidFill>
+            <a:prstDash val="solid"/>
+            <a:round/>
+            <a:headEnd type="none" w="med" len="med"/>
+            <a:tailEnd type="none" w="med" len="med"/>
+          </a:ln>
+        </p:spPr>
+        <p:style>
+          <a:lnRef idx="0">
+            <a:scrgbClr r="0" g="0" b="0"/>
+          </a:lnRef>
+          <a:fillRef idx="0">
+            <a:scrgbClr r="0" g="0" b="0"/>
+          </a:fillRef>
+          <a:effectRef idx="0">
+            <a:scrgbClr r="0" g="0" b="0"/>
+          </a:effectRef>
+          <a:fontRef idx="minor">
+            <a:schemeClr val="accent6"/>
+          </a:fontRef>
+        </p:style>
+        <p:txBody>
+          <a:bodyPr rtlCol="0" anchor="ctr"/>
+          <a:lstStyle/>
+          <a:p>
+            <a:pPr algn="ctr"/>
+            <a:endParaRPr lang="zh-TW" altLang="en-US"/>
+          </a:p>
+        </p:txBody>
+      </p:sp>
+      <p:sp>
+        <p:nvSpPr>
+          <p:cNvPr id="17" name="矩形 16">
+            <a:extLst>
+              <a:ext uri="{FF2B5EF4-FFF2-40B4-BE49-F238E27FC236}">
+                <a16:creationId xmlns:a16="http://schemas.microsoft.com/office/drawing/2014/main" id="{4E6C72C9-5FE7-4380-9910-BF86850AE977}"/>
+              </a:ext>
+            </a:extLst>
+          </p:cNvPr>
+          <p:cNvSpPr/>
+          <p:nvPr/>
+        </p:nvSpPr>
+        <p:spPr>
+          <a:xfrm>
+            <a:off x="6027205" y="3730997"/>
+            <a:ext cx="208132" cy="219891"/>
+          </a:xfrm>
+          <a:prstGeom prst="rect">
+            <a:avLst/>
+          </a:prstGeom>
+          <a:noFill/>
+          <a:ln w="9525" cap="flat" cmpd="sng" algn="ctr">
+            <a:solidFill>
+              <a:schemeClr val="accent6"/>
+            </a:solidFill>
+            <a:prstDash val="solid"/>
+            <a:round/>
+            <a:headEnd type="none" w="med" len="med"/>
+            <a:tailEnd type="none" w="med" len="med"/>
+          </a:ln>
+        </p:spPr>
+        <p:style>
+          <a:lnRef idx="0">
+            <a:scrgbClr r="0" g="0" b="0"/>
+          </a:lnRef>
+          <a:fillRef idx="0">
+            <a:scrgbClr r="0" g="0" b="0"/>
+          </a:fillRef>
+          <a:effectRef idx="0">
+            <a:scrgbClr r="0" g="0" b="0"/>
+          </a:effectRef>
+          <a:fontRef idx="minor">
+            <a:schemeClr val="accent6"/>
+          </a:fontRef>
+        </p:style>
+        <p:txBody>
+          <a:bodyPr rtlCol="0" anchor="ctr"/>
+          <a:lstStyle/>
+          <a:p>
+            <a:pPr algn="ctr"/>
+            <a:endParaRPr lang="zh-TW" altLang="en-US"/>
+          </a:p>
+        </p:txBody>
+      </p:sp>
+      <p:sp>
+        <p:nvSpPr>
+          <p:cNvPr id="18" name="箭號: 彎曲 17">
+            <a:extLst>
+              <a:ext uri="{FF2B5EF4-FFF2-40B4-BE49-F238E27FC236}">
+                <a16:creationId xmlns:a16="http://schemas.microsoft.com/office/drawing/2014/main" id="{E3F6B35D-69BE-4283-BFFB-6340659CB247}"/>
+              </a:ext>
+            </a:extLst>
+          </p:cNvPr>
+          <p:cNvSpPr/>
+          <p:nvPr/>
+        </p:nvSpPr>
+        <p:spPr>
+          <a:xfrm rot="5400000" flipV="1">
+            <a:off x="4067702" y="2602223"/>
+            <a:ext cx="1082230" cy="2651368"/>
+          </a:xfrm>
+          <a:prstGeom prst="bentArrow">
+            <a:avLst/>
+          </a:prstGeom>
+        </p:spPr>
+        <p:style>
+          <a:lnRef idx="2">
+            <a:schemeClr val="accent1">
+              <a:shade val="50000"/>
+            </a:schemeClr>
+          </a:lnRef>
+          <a:fillRef idx="1">
+            <a:schemeClr val="accent1"/>
+          </a:fillRef>
+          <a:effectRef idx="0">
+            <a:schemeClr val="accent1"/>
+          </a:effectRef>
+          <a:fontRef idx="minor">
+            <a:schemeClr val="lt1"/>
+          </a:fontRef>
+        </p:style>
+        <p:txBody>
+          <a:bodyPr rtlCol="0" anchor="ctr"/>
+          <a:lstStyle/>
+          <a:p>
+            <a:pPr algn="ctr"/>
+            <a:endParaRPr lang="zh-TW" altLang="en-US">
+              <a:solidFill>
+                <a:schemeClr val="tx1"/>
+              </a:solidFill>
+            </a:endParaRPr>
+          </a:p>
+        </p:txBody>
+      </p:sp>
+      <p:sp>
+        <p:nvSpPr>
+          <p:cNvPr id="19" name="箭號: 彎曲 18">
+            <a:extLst>
+              <a:ext uri="{FF2B5EF4-FFF2-40B4-BE49-F238E27FC236}">
+                <a16:creationId xmlns:a16="http://schemas.microsoft.com/office/drawing/2014/main" id="{27F46584-32AA-47DA-A225-3E9C5C4A1EE9}"/>
+              </a:ext>
+            </a:extLst>
+          </p:cNvPr>
+          <p:cNvSpPr/>
+          <p:nvPr/>
+        </p:nvSpPr>
+        <p:spPr>
+          <a:xfrm rot="5400000">
+            <a:off x="7524209" y="2540582"/>
+            <a:ext cx="1082230" cy="3359132"/>
+          </a:xfrm>
+          <a:prstGeom prst="bentArrow">
+            <a:avLst/>
+          </a:prstGeom>
+        </p:spPr>
+        <p:style>
+          <a:lnRef idx="2">
+            <a:schemeClr val="accent1">
+              <a:shade val="50000"/>
+            </a:schemeClr>
+          </a:lnRef>
+          <a:fillRef idx="1">
+            <a:schemeClr val="accent1"/>
+          </a:fillRef>
+          <a:effectRef idx="0">
+            <a:schemeClr val="accent1"/>
+          </a:effectRef>
+          <a:fontRef idx="minor">
+            <a:schemeClr val="lt1"/>
+          </a:fontRef>
+        </p:style>
+        <p:txBody>
+          <a:bodyPr rtlCol="0" anchor="ctr"/>
+          <a:lstStyle/>
+          <a:p>
+            <a:pPr algn="ctr"/>
+            <a:endParaRPr lang="zh-TW" altLang="en-US">
+              <a:solidFill>
+                <a:schemeClr val="tx1"/>
+              </a:solidFill>
+            </a:endParaRPr>
+          </a:p>
+        </p:txBody>
+      </p:sp>
+      <p:sp>
+        <p:nvSpPr>
+          <p:cNvPr id="20" name="箭號: 向右 19">
+            <a:extLst>
+              <a:ext uri="{FF2B5EF4-FFF2-40B4-BE49-F238E27FC236}">
+                <a16:creationId xmlns:a16="http://schemas.microsoft.com/office/drawing/2014/main" id="{CE056CF3-2EDF-4881-86F2-59F6972769B2}"/>
+              </a:ext>
+            </a:extLst>
+          </p:cNvPr>
+          <p:cNvSpPr/>
+          <p:nvPr/>
+        </p:nvSpPr>
+        <p:spPr>
+          <a:xfrm rot="1502318">
+            <a:off x="6737548" y="2677015"/>
+            <a:ext cx="1355217" cy="461554"/>
+          </a:xfrm>
+          <a:prstGeom prst="rightArrow">
+            <a:avLst/>
+          </a:prstGeom>
+        </p:spPr>
+        <p:style>
+          <a:lnRef idx="2">
+            <a:schemeClr val="accent1">
+              <a:shade val="50000"/>
+            </a:schemeClr>
+          </a:lnRef>
+          <a:fillRef idx="1">
+            <a:schemeClr val="accent1"/>
+          </a:fillRef>
+          <a:effectRef idx="0">
+            <a:schemeClr val="accent1"/>
+          </a:effectRef>
+          <a:fontRef idx="minor">
+            <a:schemeClr val="lt1"/>
+          </a:fontRef>
+        </p:style>
+        <p:txBody>
+          <a:bodyPr rtlCol="0" anchor="ctr"/>
+          <a:lstStyle/>
+          <a:p>
+            <a:pPr algn="ctr"/>
+            <a:endParaRPr lang="zh-TW" altLang="en-US"/>
+          </a:p>
+        </p:txBody>
+      </p:sp>
+    </p:spTree>
+    <p:extLst>
+      <p:ext uri="{BB962C8B-B14F-4D97-AF65-F5344CB8AC3E}">
+        <p14:creationId xmlns:p14="http://schemas.microsoft.com/office/powerpoint/2010/main" val="1041253391"/>
+      </p:ext>
+    </p:extLst>
+  </p:cSld>
+  <p:clrMapOvr>
+    <a:masterClrMapping/>
+  </p:clrMapOvr>
+</p:sld>
+</file>
+
 <file path=ppt/slides/slide13.xml><?xml version="1.0" encoding="utf-8"?>
 <p:sld xmlns:a="http://schemas.openxmlformats.org/drawingml/2006/main" xmlns:r="http://schemas.openxmlformats.org/officeDocument/2006/relationships" xmlns:p="http://schemas.openxmlformats.org/presentationml/2006/main">
   <p:cSld>
@@ -12912,7 +10188,7 @@
           <a:p>
             <a:r>
               <a:rPr lang="en-US" altLang="zh-TW" dirty="0"/>
-              <a:t>Q8block</a:t>
+              <a:t>SCR1: Screening</a:t>
             </a:r>
             <a:endParaRPr lang="zh-TW" altLang="en-US" dirty="0"/>
           </a:p>
@@ -12920,10 +10196,10 @@
       </p:sp>
       <p:pic>
         <p:nvPicPr>
-          <p:cNvPr id="5" name="圖片 4">
-            <a:extLst>
-              <a:ext uri="{FF2B5EF4-FFF2-40B4-BE49-F238E27FC236}">
-                <a16:creationId xmlns:a16="http://schemas.microsoft.com/office/drawing/2014/main" id="{954F83E8-2E87-4CCC-96D7-9E295CE1A34D}"/>
+          <p:cNvPr id="4" name="圖片 3">
+            <a:extLst>
+              <a:ext uri="{FF2B5EF4-FFF2-40B4-BE49-F238E27FC236}">
+                <a16:creationId xmlns:a16="http://schemas.microsoft.com/office/drawing/2014/main" id="{77799411-9069-48CA-A73B-1D1DF906B356}"/>
               </a:ext>
             </a:extLst>
           </p:cNvPr>
@@ -12940,8 +10216,8 @@
         </p:blipFill>
         <p:spPr>
           <a:xfrm>
-            <a:off x="505969" y="1728216"/>
-            <a:ext cx="6515100" cy="1409700"/>
+            <a:off x="658091" y="2383986"/>
+            <a:ext cx="2438400" cy="2943225"/>
           </a:xfrm>
           <a:prstGeom prst="rect">
             <a:avLst/>
@@ -12950,10 +10226,10 @@
       </p:pic>
       <p:pic>
         <p:nvPicPr>
-          <p:cNvPr id="7" name="圖片 6">
-            <a:extLst>
-              <a:ext uri="{FF2B5EF4-FFF2-40B4-BE49-F238E27FC236}">
-                <a16:creationId xmlns:a16="http://schemas.microsoft.com/office/drawing/2014/main" id="{0FD5FE11-A3AF-4C08-A572-F1CB83473959}"/>
+          <p:cNvPr id="8" name="圖片 7">
+            <a:extLst>
+              <a:ext uri="{FF2B5EF4-FFF2-40B4-BE49-F238E27FC236}">
+                <a16:creationId xmlns:a16="http://schemas.microsoft.com/office/drawing/2014/main" id="{17322EA4-4154-4F7C-8388-BD03914342AD}"/>
               </a:ext>
             </a:extLst>
           </p:cNvPr>
@@ -12970,50 +10246,20 @@
         </p:blipFill>
         <p:spPr>
           <a:xfrm>
-            <a:off x="5410799" y="3220022"/>
-            <a:ext cx="6391275" cy="1000125"/>
+            <a:off x="4792942" y="1887598"/>
+            <a:ext cx="6762750" cy="2581275"/>
           </a:xfrm>
           <a:prstGeom prst="rect">
             <a:avLst/>
           </a:prstGeom>
         </p:spPr>
       </p:pic>
-      <p:pic>
-        <p:nvPicPr>
-          <p:cNvPr id="9" name="圖片 8">
-            <a:extLst>
-              <a:ext uri="{FF2B5EF4-FFF2-40B4-BE49-F238E27FC236}">
-                <a16:creationId xmlns:a16="http://schemas.microsoft.com/office/drawing/2014/main" id="{1C5FA961-89E6-4A48-BDD9-63403D220677}"/>
-              </a:ext>
-            </a:extLst>
-          </p:cNvPr>
-          <p:cNvPicPr>
-            <a:picLocks noChangeAspect="1"/>
-          </p:cNvPicPr>
-          <p:nvPr/>
-        </p:nvPicPr>
-        <p:blipFill>
-          <a:blip r:embed="rId4"/>
-          <a:stretch>
-            <a:fillRect/>
-          </a:stretch>
-        </p:blipFill>
-        <p:spPr>
-          <a:xfrm>
-            <a:off x="681226" y="4469022"/>
-            <a:ext cx="5345979" cy="2222486"/>
-          </a:xfrm>
-          <a:prstGeom prst="rect">
-            <a:avLst/>
-          </a:prstGeom>
-        </p:spPr>
-      </p:pic>
       <p:sp>
         <p:nvSpPr>
-          <p:cNvPr id="11" name="矩形 10">
-            <a:extLst>
-              <a:ext uri="{FF2B5EF4-FFF2-40B4-BE49-F238E27FC236}">
-                <a16:creationId xmlns:a16="http://schemas.microsoft.com/office/drawing/2014/main" id="{FE0AF7D3-92A6-4030-AF4D-ADEC8C25468A}"/>
+          <p:cNvPr id="10" name="矩形 9">
+            <a:extLst>
+              <a:ext uri="{FF2B5EF4-FFF2-40B4-BE49-F238E27FC236}">
+                <a16:creationId xmlns:a16="http://schemas.microsoft.com/office/drawing/2014/main" id="{2C5DD038-19C5-427D-A51C-2AAF4362F548}"/>
               </a:ext>
             </a:extLst>
           </p:cNvPr>
@@ -13022,8 +10268,8 @@
         </p:nvSpPr>
         <p:spPr>
           <a:xfrm>
-            <a:off x="618309" y="1863634"/>
-            <a:ext cx="1280160" cy="409303"/>
+            <a:off x="775855" y="3429000"/>
+            <a:ext cx="1274618" cy="426598"/>
           </a:xfrm>
           <a:prstGeom prst="rect">
             <a:avLst/>
@@ -13031,7 +10277,7 @@
           <a:noFill/>
           <a:ln w="9525" cap="flat" cmpd="sng" algn="ctr">
             <a:solidFill>
-              <a:schemeClr val="accent1"/>
+              <a:schemeClr val="dk1"/>
             </a:solidFill>
             <a:prstDash val="solid"/>
             <a:round/>
@@ -13050,7 +10296,7 @@
             <a:scrgbClr r="0" g="0" b="0"/>
           </a:effectRef>
           <a:fontRef idx="minor">
-            <a:schemeClr val="accent1"/>
+            <a:schemeClr val="dk1"/>
           </a:fontRef>
         </p:style>
         <p:txBody>
@@ -13062,42 +10308,12 @@
           </a:p>
         </p:txBody>
       </p:sp>
-      <p:pic>
-        <p:nvPicPr>
-          <p:cNvPr id="15" name="圖片 14">
-            <a:extLst>
-              <a:ext uri="{FF2B5EF4-FFF2-40B4-BE49-F238E27FC236}">
-                <a16:creationId xmlns:a16="http://schemas.microsoft.com/office/drawing/2014/main" id="{12C5724A-9FE6-4407-B5CB-8816B5A0BD09}"/>
-              </a:ext>
-            </a:extLst>
-          </p:cNvPr>
-          <p:cNvPicPr>
-            <a:picLocks noChangeAspect="1"/>
-          </p:cNvPicPr>
-          <p:nvPr/>
-        </p:nvPicPr>
-        <p:blipFill>
-          <a:blip r:embed="rId5"/>
-          <a:stretch>
-            <a:fillRect/>
-          </a:stretch>
-        </p:blipFill>
-        <p:spPr>
-          <a:xfrm>
-            <a:off x="7449149" y="4345344"/>
-            <a:ext cx="4352925" cy="2276475"/>
-          </a:xfrm>
-          <a:prstGeom prst="rect">
-            <a:avLst/>
-          </a:prstGeom>
-        </p:spPr>
-      </p:pic>
       <p:sp>
         <p:nvSpPr>
-          <p:cNvPr id="16" name="矩形 15">
-            <a:extLst>
-              <a:ext uri="{FF2B5EF4-FFF2-40B4-BE49-F238E27FC236}">
-                <a16:creationId xmlns:a16="http://schemas.microsoft.com/office/drawing/2014/main" id="{D750BE35-C3AD-43FC-A2DE-F11B0323EA6C}"/>
+          <p:cNvPr id="22" name="箭號: 向右 21">
+            <a:extLst>
+              <a:ext uri="{FF2B5EF4-FFF2-40B4-BE49-F238E27FC236}">
+                <a16:creationId xmlns:a16="http://schemas.microsoft.com/office/drawing/2014/main" id="{998124D8-E3D9-4D99-8B3A-A4843F478256}"/>
               </a:ext>
             </a:extLst>
           </p:cNvPr>
@@ -13105,119 +10321,11 @@
           <p:nvPr/>
         </p:nvSpPr>
         <p:spPr>
-          <a:xfrm>
-            <a:off x="6027205" y="3429000"/>
-            <a:ext cx="208132" cy="219891"/>
-          </a:xfrm>
-          <a:prstGeom prst="rect">
-            <a:avLst/>
-          </a:prstGeom>
-          <a:noFill/>
-          <a:ln w="9525" cap="flat" cmpd="sng" algn="ctr">
-            <a:solidFill>
-              <a:schemeClr val="accent6"/>
-            </a:solidFill>
-            <a:prstDash val="solid"/>
-            <a:round/>
-            <a:headEnd type="none" w="med" len="med"/>
-            <a:tailEnd type="none" w="med" len="med"/>
-          </a:ln>
-        </p:spPr>
-        <p:style>
-          <a:lnRef idx="0">
-            <a:scrgbClr r="0" g="0" b="0"/>
-          </a:lnRef>
-          <a:fillRef idx="0">
-            <a:scrgbClr r="0" g="0" b="0"/>
-          </a:fillRef>
-          <a:effectRef idx="0">
-            <a:scrgbClr r="0" g="0" b="0"/>
-          </a:effectRef>
-          <a:fontRef idx="minor">
-            <a:schemeClr val="accent6"/>
-          </a:fontRef>
-        </p:style>
-        <p:txBody>
-          <a:bodyPr rtlCol="0" anchor="ctr"/>
-          <a:lstStyle/>
-          <a:p>
-            <a:pPr algn="ctr"/>
-            <a:endParaRPr lang="zh-TW" altLang="en-US"/>
-          </a:p>
-        </p:txBody>
-      </p:sp>
-      <p:sp>
-        <p:nvSpPr>
-          <p:cNvPr id="17" name="矩形 16">
-            <a:extLst>
-              <a:ext uri="{FF2B5EF4-FFF2-40B4-BE49-F238E27FC236}">
-                <a16:creationId xmlns:a16="http://schemas.microsoft.com/office/drawing/2014/main" id="{4E6C72C9-5FE7-4380-9910-BF86850AE977}"/>
-              </a:ext>
-            </a:extLst>
-          </p:cNvPr>
-          <p:cNvSpPr/>
-          <p:nvPr/>
-        </p:nvSpPr>
-        <p:spPr>
-          <a:xfrm>
-            <a:off x="6027205" y="3730997"/>
-            <a:ext cx="208132" cy="219891"/>
-          </a:xfrm>
-          <a:prstGeom prst="rect">
-            <a:avLst/>
-          </a:prstGeom>
-          <a:noFill/>
-          <a:ln w="9525" cap="flat" cmpd="sng" algn="ctr">
-            <a:solidFill>
-              <a:schemeClr val="accent6"/>
-            </a:solidFill>
-            <a:prstDash val="solid"/>
-            <a:round/>
-            <a:headEnd type="none" w="med" len="med"/>
-            <a:tailEnd type="none" w="med" len="med"/>
-          </a:ln>
-        </p:spPr>
-        <p:style>
-          <a:lnRef idx="0">
-            <a:scrgbClr r="0" g="0" b="0"/>
-          </a:lnRef>
-          <a:fillRef idx="0">
-            <a:scrgbClr r="0" g="0" b="0"/>
-          </a:fillRef>
-          <a:effectRef idx="0">
-            <a:scrgbClr r="0" g="0" b="0"/>
-          </a:effectRef>
-          <a:fontRef idx="minor">
-            <a:schemeClr val="accent6"/>
-          </a:fontRef>
-        </p:style>
-        <p:txBody>
-          <a:bodyPr rtlCol="0" anchor="ctr"/>
-          <a:lstStyle/>
-          <a:p>
-            <a:pPr algn="ctr"/>
-            <a:endParaRPr lang="zh-TW" altLang="en-US"/>
-          </a:p>
-        </p:txBody>
-      </p:sp>
-      <p:sp>
-        <p:nvSpPr>
-          <p:cNvPr id="18" name="箭號: 彎曲 17">
-            <a:extLst>
-              <a:ext uri="{FF2B5EF4-FFF2-40B4-BE49-F238E27FC236}">
-                <a16:creationId xmlns:a16="http://schemas.microsoft.com/office/drawing/2014/main" id="{E3F6B35D-69BE-4283-BFFB-6340659CB247}"/>
-              </a:ext>
-            </a:extLst>
-          </p:cNvPr>
-          <p:cNvSpPr/>
-          <p:nvPr/>
-        </p:nvSpPr>
-        <p:spPr>
-          <a:xfrm rot="5400000" flipV="1">
-            <a:off x="4067702" y="2602223"/>
-            <a:ext cx="1082230" cy="2651368"/>
-          </a:xfrm>
-          <a:prstGeom prst="bentArrow">
+          <a:xfrm rot="21430688">
+            <a:off x="2178384" y="3307851"/>
+            <a:ext cx="2780038" cy="442450"/>
+          </a:xfrm>
+          <a:prstGeom prst="rightArrow">
             <a:avLst/>
           </a:prstGeom>
         </p:spPr>
@@ -13242,20 +10350,16 @@
           <a:lstStyle/>
           <a:p>
             <a:pPr algn="ctr"/>
-            <a:endParaRPr lang="zh-TW" altLang="en-US">
-              <a:solidFill>
-                <a:schemeClr val="tx1"/>
-              </a:solidFill>
-            </a:endParaRPr>
+            <a:endParaRPr lang="zh-TW" altLang="en-US"/>
           </a:p>
         </p:txBody>
       </p:sp>
       <p:sp>
         <p:nvSpPr>
-          <p:cNvPr id="19" name="箭號: 彎曲 18">
-            <a:extLst>
-              <a:ext uri="{FF2B5EF4-FFF2-40B4-BE49-F238E27FC236}">
-                <a16:creationId xmlns:a16="http://schemas.microsoft.com/office/drawing/2014/main" id="{27F46584-32AA-47DA-A225-3E9C5C4A1EE9}"/>
+          <p:cNvPr id="23" name="箭號: 向右 22">
+            <a:extLst>
+              <a:ext uri="{FF2B5EF4-FFF2-40B4-BE49-F238E27FC236}">
+                <a16:creationId xmlns:a16="http://schemas.microsoft.com/office/drawing/2014/main" id="{09A69350-6C38-4649-B261-A7F37D1A39A2}"/>
               </a:ext>
             </a:extLst>
           </p:cNvPr>
@@ -13263,11 +10367,11 @@
           <p:nvPr/>
         </p:nvSpPr>
         <p:spPr>
-          <a:xfrm rot="5400000">
-            <a:off x="7524209" y="2540582"/>
-            <a:ext cx="1082230" cy="3359132"/>
-          </a:xfrm>
-          <a:prstGeom prst="bentArrow">
+          <a:xfrm rot="1502318">
+            <a:off x="6737548" y="2677015"/>
+            <a:ext cx="1355217" cy="461554"/>
+          </a:xfrm>
+          <a:prstGeom prst="rightArrow">
             <a:avLst/>
           </a:prstGeom>
         </p:spPr>
@@ -13292,56 +10396,6 @@
           <a:lstStyle/>
           <a:p>
             <a:pPr algn="ctr"/>
-            <a:endParaRPr lang="zh-TW" altLang="en-US">
-              <a:solidFill>
-                <a:schemeClr val="tx1"/>
-              </a:solidFill>
-            </a:endParaRPr>
-          </a:p>
-        </p:txBody>
-      </p:sp>
-      <p:sp>
-        <p:nvSpPr>
-          <p:cNvPr id="20" name="箭號: 向右 19">
-            <a:extLst>
-              <a:ext uri="{FF2B5EF4-FFF2-40B4-BE49-F238E27FC236}">
-                <a16:creationId xmlns:a16="http://schemas.microsoft.com/office/drawing/2014/main" id="{CE056CF3-2EDF-4881-86F2-59F6972769B2}"/>
-              </a:ext>
-            </a:extLst>
-          </p:cNvPr>
-          <p:cNvSpPr/>
-          <p:nvPr/>
-        </p:nvSpPr>
-        <p:spPr>
-          <a:xfrm rot="1502318">
-            <a:off x="6737548" y="2677015"/>
-            <a:ext cx="1355217" cy="461554"/>
-          </a:xfrm>
-          <a:prstGeom prst="rightArrow">
-            <a:avLst/>
-          </a:prstGeom>
-        </p:spPr>
-        <p:style>
-          <a:lnRef idx="2">
-            <a:schemeClr val="accent1">
-              <a:shade val="50000"/>
-            </a:schemeClr>
-          </a:lnRef>
-          <a:fillRef idx="1">
-            <a:schemeClr val="accent1"/>
-          </a:fillRef>
-          <a:effectRef idx="0">
-            <a:schemeClr val="accent1"/>
-          </a:effectRef>
-          <a:fontRef idx="minor">
-            <a:schemeClr val="lt1"/>
-          </a:fontRef>
-        </p:style>
-        <p:txBody>
-          <a:bodyPr rtlCol="0" anchor="ctr"/>
-          <a:lstStyle/>
-          <a:p>
-            <a:pPr algn="ctr"/>
             <a:endParaRPr lang="zh-TW" altLang="en-US"/>
           </a:p>
         </p:txBody>
@@ -13349,7 +10403,7 @@
     </p:spTree>
     <p:extLst>
       <p:ext uri="{BB962C8B-B14F-4D97-AF65-F5344CB8AC3E}">
-        <p14:creationId xmlns:p14="http://schemas.microsoft.com/office/powerpoint/2010/main" val="1041253391"/>
+        <p14:creationId xmlns:p14="http://schemas.microsoft.com/office/powerpoint/2010/main" val="967732662"/>
       </p:ext>
     </p:extLst>
   </p:cSld>
@@ -13399,7 +10453,7 @@
           <a:p>
             <a:r>
               <a:rPr lang="en-US" altLang="zh-TW" dirty="0"/>
-              <a:t>SCR1: Screening</a:t>
+              <a:t>SCR2a-End: Scoring</a:t>
             </a:r>
             <a:endParaRPr lang="zh-TW" altLang="en-US" dirty="0"/>
           </a:p>
@@ -13407,10 +10461,10 @@
       </p:sp>
       <p:pic>
         <p:nvPicPr>
-          <p:cNvPr id="4" name="圖片 3">
-            <a:extLst>
-              <a:ext uri="{FF2B5EF4-FFF2-40B4-BE49-F238E27FC236}">
-                <a16:creationId xmlns:a16="http://schemas.microsoft.com/office/drawing/2014/main" id="{77799411-9069-48CA-A73B-1D1DF906B356}"/>
+          <p:cNvPr id="5" name="圖片 4">
+            <a:extLst>
+              <a:ext uri="{FF2B5EF4-FFF2-40B4-BE49-F238E27FC236}">
+                <a16:creationId xmlns:a16="http://schemas.microsoft.com/office/drawing/2014/main" id="{7F794FB7-3E67-4CE2-A175-9B363B1F21DC}"/>
               </a:ext>
             </a:extLst>
           </p:cNvPr>
@@ -13427,44 +10481,14 @@
         </p:blipFill>
         <p:spPr>
           <a:xfrm>
-            <a:off x="658091" y="2383986"/>
-            <a:ext cx="2438400" cy="2943225"/>
+            <a:off x="8247351" y="219075"/>
+            <a:ext cx="3552825" cy="6419850"/>
           </a:xfrm>
           <a:prstGeom prst="rect">
             <a:avLst/>
           </a:prstGeom>
         </p:spPr>
       </p:pic>
-      <p:pic>
-        <p:nvPicPr>
-          <p:cNvPr id="8" name="圖片 7">
-            <a:extLst>
-              <a:ext uri="{FF2B5EF4-FFF2-40B4-BE49-F238E27FC236}">
-                <a16:creationId xmlns:a16="http://schemas.microsoft.com/office/drawing/2014/main" id="{17322EA4-4154-4F7C-8388-BD03914342AD}"/>
-              </a:ext>
-            </a:extLst>
-          </p:cNvPr>
-          <p:cNvPicPr>
-            <a:picLocks noChangeAspect="1"/>
-          </p:cNvPicPr>
-          <p:nvPr/>
-        </p:nvPicPr>
-        <p:blipFill>
-          <a:blip r:embed="rId3"/>
-          <a:stretch>
-            <a:fillRect/>
-          </a:stretch>
-        </p:blipFill>
-        <p:spPr>
-          <a:xfrm>
-            <a:off x="4792942" y="1887598"/>
-            <a:ext cx="6762750" cy="2581275"/>
-          </a:xfrm>
-          <a:prstGeom prst="rect">
-            <a:avLst/>
-          </a:prstGeom>
-        </p:spPr>
-      </p:pic>
       <p:sp>
         <p:nvSpPr>
           <p:cNvPr id="10" name="矩形 9">
@@ -13479,8 +10503,8 @@
         </p:nvSpPr>
         <p:spPr>
           <a:xfrm>
-            <a:off x="775855" y="3429000"/>
-            <a:ext cx="1274618" cy="426598"/>
+            <a:off x="8433523" y="1728216"/>
+            <a:ext cx="357186" cy="405816"/>
           </a:xfrm>
           <a:prstGeom prst="rect">
             <a:avLst/>
@@ -13521,10 +10545,10 @@
       </p:sp>
       <p:sp>
         <p:nvSpPr>
-          <p:cNvPr id="22" name="箭號: 向右 21">
-            <a:extLst>
-              <a:ext uri="{FF2B5EF4-FFF2-40B4-BE49-F238E27FC236}">
-                <a16:creationId xmlns:a16="http://schemas.microsoft.com/office/drawing/2014/main" id="{998124D8-E3D9-4D99-8B3A-A4843F478256}"/>
+          <p:cNvPr id="11" name="矩形 10">
+            <a:extLst>
+              <a:ext uri="{FF2B5EF4-FFF2-40B4-BE49-F238E27FC236}">
+                <a16:creationId xmlns:a16="http://schemas.microsoft.com/office/drawing/2014/main" id="{63B13525-99DB-4D0E-9595-3A6815ED4928}"/>
               </a:ext>
             </a:extLst>
           </p:cNvPr>
@@ -13532,9 +10556,123 @@
           <p:nvPr/>
         </p:nvSpPr>
         <p:spPr>
-          <a:xfrm rot="21430688">
-            <a:off x="2178384" y="3307851"/>
-            <a:ext cx="2780038" cy="442450"/>
+          <a:xfrm>
+            <a:off x="9063904" y="4499125"/>
+            <a:ext cx="2219791" cy="630660"/>
+          </a:xfrm>
+          <a:prstGeom prst="rect">
+            <a:avLst/>
+          </a:prstGeom>
+          <a:noFill/>
+          <a:ln w="9525" cap="flat" cmpd="sng" algn="ctr">
+            <a:solidFill>
+              <a:schemeClr val="dk1"/>
+            </a:solidFill>
+            <a:prstDash val="solid"/>
+            <a:round/>
+            <a:headEnd type="none" w="med" len="med"/>
+            <a:tailEnd type="none" w="med" len="med"/>
+          </a:ln>
+        </p:spPr>
+        <p:style>
+          <a:lnRef idx="0">
+            <a:scrgbClr r="0" g="0" b="0"/>
+          </a:lnRef>
+          <a:fillRef idx="0">
+            <a:scrgbClr r="0" g="0" b="0"/>
+          </a:fillRef>
+          <a:effectRef idx="0">
+            <a:scrgbClr r="0" g="0" b="0"/>
+          </a:effectRef>
+          <a:fontRef idx="minor">
+            <a:schemeClr val="dk1"/>
+          </a:fontRef>
+        </p:style>
+        <p:txBody>
+          <a:bodyPr rtlCol="0" anchor="ctr"/>
+          <a:lstStyle/>
+          <a:p>
+            <a:pPr algn="ctr"/>
+            <a:endParaRPr lang="zh-TW" altLang="en-US"/>
+          </a:p>
+        </p:txBody>
+      </p:sp>
+      <p:pic>
+        <p:nvPicPr>
+          <p:cNvPr id="7" name="圖片 6">
+            <a:extLst>
+              <a:ext uri="{FF2B5EF4-FFF2-40B4-BE49-F238E27FC236}">
+                <a16:creationId xmlns:a16="http://schemas.microsoft.com/office/drawing/2014/main" id="{1F953C7C-7A14-4599-8F7D-306467D32509}"/>
+              </a:ext>
+            </a:extLst>
+          </p:cNvPr>
+          <p:cNvPicPr>
+            <a:picLocks noChangeAspect="1"/>
+          </p:cNvPicPr>
+          <p:nvPr/>
+        </p:nvPicPr>
+        <p:blipFill>
+          <a:blip r:embed="rId3"/>
+          <a:stretch>
+            <a:fillRect/>
+          </a:stretch>
+        </p:blipFill>
+        <p:spPr>
+          <a:xfrm>
+            <a:off x="5559170" y="3702558"/>
+            <a:ext cx="2171700" cy="962025"/>
+          </a:xfrm>
+          <a:prstGeom prst="rect">
+            <a:avLst/>
+          </a:prstGeom>
+        </p:spPr>
+      </p:pic>
+      <p:pic>
+        <p:nvPicPr>
+          <p:cNvPr id="12" name="圖片 11">
+            <a:extLst>
+              <a:ext uri="{FF2B5EF4-FFF2-40B4-BE49-F238E27FC236}">
+                <a16:creationId xmlns:a16="http://schemas.microsoft.com/office/drawing/2014/main" id="{AA83BC05-B556-4FDC-8331-9292615F315D}"/>
+              </a:ext>
+            </a:extLst>
+          </p:cNvPr>
+          <p:cNvPicPr>
+            <a:picLocks noChangeAspect="1"/>
+          </p:cNvPicPr>
+          <p:nvPr/>
+        </p:nvPicPr>
+        <p:blipFill>
+          <a:blip r:embed="rId4"/>
+          <a:stretch>
+            <a:fillRect/>
+          </a:stretch>
+        </p:blipFill>
+        <p:spPr>
+          <a:xfrm>
+            <a:off x="391824" y="2134032"/>
+            <a:ext cx="4518041" cy="3978149"/>
+          </a:xfrm>
+          <a:prstGeom prst="rect">
+            <a:avLst/>
+          </a:prstGeom>
+        </p:spPr>
+      </p:pic>
+      <p:sp>
+        <p:nvSpPr>
+          <p:cNvPr id="13" name="箭號: 向右 12">
+            <a:extLst>
+              <a:ext uri="{FF2B5EF4-FFF2-40B4-BE49-F238E27FC236}">
+                <a16:creationId xmlns:a16="http://schemas.microsoft.com/office/drawing/2014/main" id="{04FB2C5E-1DB1-4B75-8C64-F5E827F25B1A}"/>
+              </a:ext>
+            </a:extLst>
+          </p:cNvPr>
+          <p:cNvSpPr/>
+          <p:nvPr/>
+        </p:nvSpPr>
+        <p:spPr>
+          <a:xfrm rot="9526145">
+            <a:off x="7370863" y="3775685"/>
+            <a:ext cx="1175657" cy="311331"/>
           </a:xfrm>
           <a:prstGeom prst="rightArrow">
             <a:avLst/>
@@ -13567,10 +10705,10 @@
       </p:sp>
       <p:sp>
         <p:nvSpPr>
-          <p:cNvPr id="23" name="箭號: 向右 22">
-            <a:extLst>
-              <a:ext uri="{FF2B5EF4-FFF2-40B4-BE49-F238E27FC236}">
-                <a16:creationId xmlns:a16="http://schemas.microsoft.com/office/drawing/2014/main" id="{09A69350-6C38-4649-B261-A7F37D1A39A2}"/>
+          <p:cNvPr id="16" name="箭號: 向右 15">
+            <a:extLst>
+              <a:ext uri="{FF2B5EF4-FFF2-40B4-BE49-F238E27FC236}">
+                <a16:creationId xmlns:a16="http://schemas.microsoft.com/office/drawing/2014/main" id="{9F983C35-051D-4C32-9FAC-BCEB679EA2A9}"/>
               </a:ext>
             </a:extLst>
           </p:cNvPr>
@@ -13578,9 +10716,9 @@
           <p:nvPr/>
         </p:nvSpPr>
         <p:spPr>
-          <a:xfrm rot="1502318">
-            <a:off x="6737548" y="2677015"/>
-            <a:ext cx="1355217" cy="461554"/>
+          <a:xfrm rot="11968464">
+            <a:off x="4559104" y="3884312"/>
+            <a:ext cx="1175657" cy="311331"/>
           </a:xfrm>
           <a:prstGeom prst="rightArrow">
             <a:avLst/>
@@ -13614,7 +10752,7 @@
     </p:spTree>
     <p:extLst>
       <p:ext uri="{BB962C8B-B14F-4D97-AF65-F5344CB8AC3E}">
-        <p14:creationId xmlns:p14="http://schemas.microsoft.com/office/powerpoint/2010/main" val="967732662"/>
+        <p14:creationId xmlns:p14="http://schemas.microsoft.com/office/powerpoint/2010/main" val="3661020999"/>
       </p:ext>
     </p:extLst>
   </p:cSld>
@@ -13672,10 +10810,10 @@
       </p:sp>
       <p:pic>
         <p:nvPicPr>
-          <p:cNvPr id="5" name="圖片 4">
-            <a:extLst>
-              <a:ext uri="{FF2B5EF4-FFF2-40B4-BE49-F238E27FC236}">
-                <a16:creationId xmlns:a16="http://schemas.microsoft.com/office/drawing/2014/main" id="{7F794FB7-3E67-4CE2-A175-9B363B1F21DC}"/>
+          <p:cNvPr id="4" name="圖片 3">
+            <a:extLst>
+              <a:ext uri="{FF2B5EF4-FFF2-40B4-BE49-F238E27FC236}">
+                <a16:creationId xmlns:a16="http://schemas.microsoft.com/office/drawing/2014/main" id="{1317F280-FF36-4C58-BD64-447EFAE31C35}"/>
               </a:ext>
             </a:extLst>
           </p:cNvPr>
@@ -13692,14 +10830,74 @@
         </p:blipFill>
         <p:spPr>
           <a:xfrm>
-            <a:off x="8247351" y="219075"/>
-            <a:ext cx="3552825" cy="6419850"/>
+            <a:off x="908304" y="1694586"/>
+            <a:ext cx="4781550" cy="895350"/>
           </a:xfrm>
           <a:prstGeom prst="rect">
             <a:avLst/>
           </a:prstGeom>
         </p:spPr>
       </p:pic>
+      <p:pic>
+        <p:nvPicPr>
+          <p:cNvPr id="8" name="圖片 7">
+            <a:extLst>
+              <a:ext uri="{FF2B5EF4-FFF2-40B4-BE49-F238E27FC236}">
+                <a16:creationId xmlns:a16="http://schemas.microsoft.com/office/drawing/2014/main" id="{6DB60484-85B1-4032-A012-E1B588D40F07}"/>
+              </a:ext>
+            </a:extLst>
+          </p:cNvPr>
+          <p:cNvPicPr>
+            <a:picLocks noChangeAspect="1"/>
+          </p:cNvPicPr>
+          <p:nvPr/>
+        </p:nvPicPr>
+        <p:blipFill>
+          <a:blip r:embed="rId3"/>
+          <a:stretch>
+            <a:fillRect/>
+          </a:stretch>
+        </p:blipFill>
+        <p:spPr>
+          <a:xfrm>
+            <a:off x="3362325" y="2677390"/>
+            <a:ext cx="8829675" cy="1590675"/>
+          </a:xfrm>
+          <a:prstGeom prst="rect">
+            <a:avLst/>
+          </a:prstGeom>
+        </p:spPr>
+      </p:pic>
+      <p:pic>
+        <p:nvPicPr>
+          <p:cNvPr id="14" name="圖片 13">
+            <a:extLst>
+              <a:ext uri="{FF2B5EF4-FFF2-40B4-BE49-F238E27FC236}">
+                <a16:creationId xmlns:a16="http://schemas.microsoft.com/office/drawing/2014/main" id="{800D9226-8BF0-478B-A31E-265B287D0613}"/>
+              </a:ext>
+            </a:extLst>
+          </p:cNvPr>
+          <p:cNvPicPr>
+            <a:picLocks noChangeAspect="1"/>
+          </p:cNvPicPr>
+          <p:nvPr/>
+        </p:nvPicPr>
+        <p:blipFill>
+          <a:blip r:embed="rId4"/>
+          <a:stretch>
+            <a:fillRect/>
+          </a:stretch>
+        </p:blipFill>
+        <p:spPr>
+          <a:xfrm>
+            <a:off x="563649" y="4094474"/>
+            <a:ext cx="3933825" cy="2686050"/>
+          </a:xfrm>
+          <a:prstGeom prst="rect">
+            <a:avLst/>
+          </a:prstGeom>
+        </p:spPr>
+      </p:pic>
       <p:sp>
         <p:nvSpPr>
           <p:cNvPr id="10" name="矩形 9">
@@ -13714,8 +10912,8 @@
         </p:nvSpPr>
         <p:spPr>
           <a:xfrm>
-            <a:off x="8433523" y="1728216"/>
-            <a:ext cx="357186" cy="405816"/>
+            <a:off x="8431298" y="3756834"/>
+            <a:ext cx="773661" cy="405816"/>
           </a:xfrm>
           <a:prstGeom prst="rect">
             <a:avLst/>
@@ -13768,8 +10966,8 @@
         </p:nvSpPr>
         <p:spPr>
           <a:xfrm>
-            <a:off x="9063904" y="4499125"/>
-            <a:ext cx="2219791" cy="630660"/>
+            <a:off x="2530562" y="2159428"/>
+            <a:ext cx="2100690" cy="331223"/>
           </a:xfrm>
           <a:prstGeom prst="rect">
             <a:avLst/>
@@ -13808,66 +11006,6 @@
           </a:p>
         </p:txBody>
       </p:sp>
-      <p:pic>
-        <p:nvPicPr>
-          <p:cNvPr id="7" name="圖片 6">
-            <a:extLst>
-              <a:ext uri="{FF2B5EF4-FFF2-40B4-BE49-F238E27FC236}">
-                <a16:creationId xmlns:a16="http://schemas.microsoft.com/office/drawing/2014/main" id="{1F953C7C-7A14-4599-8F7D-306467D32509}"/>
-              </a:ext>
-            </a:extLst>
-          </p:cNvPr>
-          <p:cNvPicPr>
-            <a:picLocks noChangeAspect="1"/>
-          </p:cNvPicPr>
-          <p:nvPr/>
-        </p:nvPicPr>
-        <p:blipFill>
-          <a:blip r:embed="rId3"/>
-          <a:stretch>
-            <a:fillRect/>
-          </a:stretch>
-        </p:blipFill>
-        <p:spPr>
-          <a:xfrm>
-            <a:off x="5559170" y="3702558"/>
-            <a:ext cx="2171700" cy="962025"/>
-          </a:xfrm>
-          <a:prstGeom prst="rect">
-            <a:avLst/>
-          </a:prstGeom>
-        </p:spPr>
-      </p:pic>
-      <p:pic>
-        <p:nvPicPr>
-          <p:cNvPr id="12" name="圖片 11">
-            <a:extLst>
-              <a:ext uri="{FF2B5EF4-FFF2-40B4-BE49-F238E27FC236}">
-                <a16:creationId xmlns:a16="http://schemas.microsoft.com/office/drawing/2014/main" id="{AA83BC05-B556-4FDC-8331-9292615F315D}"/>
-              </a:ext>
-            </a:extLst>
-          </p:cNvPr>
-          <p:cNvPicPr>
-            <a:picLocks noChangeAspect="1"/>
-          </p:cNvPicPr>
-          <p:nvPr/>
-        </p:nvPicPr>
-        <p:blipFill>
-          <a:blip r:embed="rId4"/>
-          <a:stretch>
-            <a:fillRect/>
-          </a:stretch>
-        </p:blipFill>
-        <p:spPr>
-          <a:xfrm>
-            <a:off x="391824" y="2134032"/>
-            <a:ext cx="4518041" cy="3978149"/>
-          </a:xfrm>
-          <a:prstGeom prst="rect">
-            <a:avLst/>
-          </a:prstGeom>
-        </p:spPr>
-      </p:pic>
       <p:sp>
         <p:nvSpPr>
           <p:cNvPr id="13" name="箭號: 向右 12">
@@ -13881,8 +11019,8 @@
           <p:nvPr/>
         </p:nvSpPr>
         <p:spPr>
-          <a:xfrm rot="9526145">
-            <a:off x="7370863" y="3775685"/>
+          <a:xfrm rot="2659413">
+            <a:off x="5164257" y="2353345"/>
             <a:ext cx="1175657" cy="311331"/>
           </a:xfrm>
           <a:prstGeom prst="rightArrow">
@@ -13916,10 +11054,10 @@
       </p:sp>
       <p:sp>
         <p:nvSpPr>
-          <p:cNvPr id="16" name="箭號: 向右 15">
-            <a:extLst>
-              <a:ext uri="{FF2B5EF4-FFF2-40B4-BE49-F238E27FC236}">
-                <a16:creationId xmlns:a16="http://schemas.microsoft.com/office/drawing/2014/main" id="{9F983C35-051D-4C32-9FAC-BCEB679EA2A9}"/>
+          <p:cNvPr id="15" name="箭號: 彎曲 14">
+            <a:extLst>
+              <a:ext uri="{FF2B5EF4-FFF2-40B4-BE49-F238E27FC236}">
+                <a16:creationId xmlns:a16="http://schemas.microsoft.com/office/drawing/2014/main" id="{FE09C07E-52DE-45A6-B669-EA071553F8D1}"/>
               </a:ext>
             </a:extLst>
           </p:cNvPr>
@@ -13927,12 +11065,17 @@
           <p:nvPr/>
         </p:nvSpPr>
         <p:spPr>
-          <a:xfrm rot="11968464">
-            <a:off x="4559104" y="3884312"/>
-            <a:ext cx="1175657" cy="311331"/>
-          </a:xfrm>
-          <a:prstGeom prst="rightArrow">
-            <a:avLst/>
+          <a:xfrm rot="10800000">
+            <a:off x="4497474" y="4067912"/>
+            <a:ext cx="4566430" cy="1493085"/>
+          </a:xfrm>
+          <a:prstGeom prst="bentArrow">
+            <a:avLst>
+              <a:gd name="adj1" fmla="val 25000"/>
+              <a:gd name="adj2" fmla="val 25823"/>
+              <a:gd name="adj3" fmla="val 29527"/>
+              <a:gd name="adj4" fmla="val 46219"/>
+            </a:avLst>
           </a:prstGeom>
         </p:spPr>
         <p:style>
@@ -13956,14 +11099,54 @@
           <a:lstStyle/>
           <a:p>
             <a:pPr algn="ctr"/>
-            <a:endParaRPr lang="zh-TW" altLang="en-US"/>
+            <a:endParaRPr lang="zh-TW" altLang="en-US">
+              <a:solidFill>
+                <a:schemeClr val="tx1"/>
+              </a:solidFill>
+            </a:endParaRPr>
+          </a:p>
+        </p:txBody>
+      </p:sp>
+      <p:sp>
+        <p:nvSpPr>
+          <p:cNvPr id="17" name="文字方塊 16">
+            <a:extLst>
+              <a:ext uri="{FF2B5EF4-FFF2-40B4-BE49-F238E27FC236}">
+                <a16:creationId xmlns:a16="http://schemas.microsoft.com/office/drawing/2014/main" id="{D9EFAE5A-CE15-4E3E-9903-D3A44B3B7652}"/>
+              </a:ext>
+            </a:extLst>
+          </p:cNvPr>
+          <p:cNvSpPr txBox="1"/>
+          <p:nvPr/>
+        </p:nvSpPr>
+        <p:spPr>
+          <a:xfrm>
+            <a:off x="3397132" y="1875477"/>
+            <a:ext cx="1234119" cy="369332"/>
+          </a:xfrm>
+          <a:prstGeom prst="rect">
+            <a:avLst/>
+          </a:prstGeom>
+          <a:noFill/>
+        </p:spPr>
+        <p:txBody>
+          <a:bodyPr wrap="square" rtlCol="0">
+            <a:spAutoFit/>
+          </a:bodyPr>
+          <a:lstStyle/>
+          <a:p>
+            <a:r>
+              <a:rPr lang="en-US" altLang="zh-TW" dirty="0"/>
+              <a:t>Piped text</a:t>
+            </a:r>
+            <a:endParaRPr lang="zh-TW" altLang="en-US" dirty="0"/>
           </a:p>
         </p:txBody>
       </p:sp>
     </p:spTree>
     <p:extLst>
       <p:ext uri="{BB962C8B-B14F-4D97-AF65-F5344CB8AC3E}">
-        <p14:creationId xmlns:p14="http://schemas.microsoft.com/office/powerpoint/2010/main" val="3661020999"/>
+        <p14:creationId xmlns:p14="http://schemas.microsoft.com/office/powerpoint/2010/main" val="629713409"/>
       </p:ext>
     </p:extLst>
   </p:cSld>
@@ -14012,19 +11195,423 @@
           <a:lstStyle/>
           <a:p>
             <a:r>
+              <a:rPr lang="en-US" altLang="zh-TW" dirty="0" err="1"/>
+              <a:t>Maths</a:t>
+            </a:r>
+            <a:r>
               <a:rPr lang="en-US" altLang="zh-TW" dirty="0"/>
-              <a:t>SCR2a-End: Scoring</a:t>
+              <a:t>-instruct to time-3</a:t>
             </a:r>
             <a:endParaRPr lang="zh-TW" altLang="en-US" dirty="0"/>
           </a:p>
         </p:txBody>
       </p:sp>
+      <p:grpSp>
+        <p:nvGrpSpPr>
+          <p:cNvPr id="12" name="群組 11">
+            <a:extLst>
+              <a:ext uri="{FF2B5EF4-FFF2-40B4-BE49-F238E27FC236}">
+                <a16:creationId xmlns:a16="http://schemas.microsoft.com/office/drawing/2014/main" id="{098850FE-A665-4198-BE83-E6F7A1C8DCEB}"/>
+              </a:ext>
+            </a:extLst>
+          </p:cNvPr>
+          <p:cNvGrpSpPr/>
+          <p:nvPr/>
+        </p:nvGrpSpPr>
+        <p:grpSpPr>
+          <a:xfrm>
+            <a:off x="269507" y="1853185"/>
+            <a:ext cx="2312785" cy="3276600"/>
+            <a:chOff x="670560" y="2400300"/>
+            <a:chExt cx="2312785" cy="3276600"/>
+          </a:xfrm>
+        </p:grpSpPr>
+        <p:pic>
+          <p:nvPicPr>
+            <p:cNvPr id="5" name="圖片 4">
+              <a:extLst>
+                <a:ext uri="{FF2B5EF4-FFF2-40B4-BE49-F238E27FC236}">
+                  <a16:creationId xmlns:a16="http://schemas.microsoft.com/office/drawing/2014/main" id="{20273487-0AD9-4758-91E9-3FC056445ADC}"/>
+                </a:ext>
+              </a:extLst>
+            </p:cNvPr>
+            <p:cNvPicPr>
+              <a:picLocks noChangeAspect="1"/>
+            </p:cNvPicPr>
+            <p:nvPr/>
+          </p:nvPicPr>
+          <p:blipFill rotWithShape="1">
+            <a:blip r:embed="rId2"/>
+            <a:srcRect r="11704"/>
+            <a:stretch/>
+          </p:blipFill>
+          <p:spPr>
+            <a:xfrm>
+              <a:off x="670560" y="2400300"/>
+              <a:ext cx="2312785" cy="3276600"/>
+            </a:xfrm>
+            <a:prstGeom prst="rect">
+              <a:avLst/>
+            </a:prstGeom>
+          </p:spPr>
+        </p:pic>
+        <p:sp>
+          <p:nvSpPr>
+            <p:cNvPr id="6" name="矩形 5">
+              <a:extLst>
+                <a:ext uri="{FF2B5EF4-FFF2-40B4-BE49-F238E27FC236}">
+                  <a16:creationId xmlns:a16="http://schemas.microsoft.com/office/drawing/2014/main" id="{3DF62857-034A-4BB5-8057-129A7C573101}"/>
+                </a:ext>
+              </a:extLst>
+            </p:cNvPr>
+            <p:cNvSpPr/>
+            <p:nvPr/>
+          </p:nvSpPr>
+          <p:spPr>
+            <a:xfrm>
+              <a:off x="743771" y="3429000"/>
+              <a:ext cx="2207490" cy="394855"/>
+            </a:xfrm>
+            <a:prstGeom prst="rect">
+              <a:avLst/>
+            </a:prstGeom>
+            <a:noFill/>
+            <a:ln w="9525" cap="flat" cmpd="sng" algn="ctr">
+              <a:solidFill>
+                <a:schemeClr val="dk1"/>
+              </a:solidFill>
+              <a:prstDash val="solid"/>
+              <a:round/>
+              <a:headEnd type="none" w="med" len="med"/>
+              <a:tailEnd type="none" w="med" len="med"/>
+            </a:ln>
+          </p:spPr>
+          <p:style>
+            <a:lnRef idx="0">
+              <a:scrgbClr r="0" g="0" b="0"/>
+            </a:lnRef>
+            <a:fillRef idx="0">
+              <a:scrgbClr r="0" g="0" b="0"/>
+            </a:fillRef>
+            <a:effectRef idx="0">
+              <a:scrgbClr r="0" g="0" b="0"/>
+            </a:effectRef>
+            <a:fontRef idx="minor">
+              <a:schemeClr val="dk1"/>
+            </a:fontRef>
+          </p:style>
+          <p:txBody>
+            <a:bodyPr rtlCol="0" anchor="ctr"/>
+            <a:lstStyle/>
+            <a:p>
+              <a:pPr algn="ctr"/>
+              <a:endParaRPr lang="zh-TW" altLang="en-US"/>
+            </a:p>
+          </p:txBody>
+        </p:sp>
+      </p:grpSp>
+      <p:grpSp>
+        <p:nvGrpSpPr>
+          <p:cNvPr id="16" name="群組 15">
+            <a:extLst>
+              <a:ext uri="{FF2B5EF4-FFF2-40B4-BE49-F238E27FC236}">
+                <a16:creationId xmlns:a16="http://schemas.microsoft.com/office/drawing/2014/main" id="{272205B1-064E-4AF8-A373-5B8070B2C315}"/>
+              </a:ext>
+            </a:extLst>
+          </p:cNvPr>
+          <p:cNvGrpSpPr/>
+          <p:nvPr/>
+        </p:nvGrpSpPr>
+        <p:grpSpPr>
+          <a:xfrm>
+            <a:off x="1706728" y="4011741"/>
+            <a:ext cx="6372225" cy="2486025"/>
+            <a:chOff x="1706728" y="4011741"/>
+            <a:chExt cx="6372225" cy="2486025"/>
+          </a:xfrm>
+        </p:grpSpPr>
+        <p:pic>
+          <p:nvPicPr>
+            <p:cNvPr id="9" name="圖片 8">
+              <a:extLst>
+                <a:ext uri="{FF2B5EF4-FFF2-40B4-BE49-F238E27FC236}">
+                  <a16:creationId xmlns:a16="http://schemas.microsoft.com/office/drawing/2014/main" id="{0A01E87E-6EF6-49F2-9B19-EBFA192A9E0A}"/>
+                </a:ext>
+              </a:extLst>
+            </p:cNvPr>
+            <p:cNvPicPr>
+              <a:picLocks noChangeAspect="1"/>
+            </p:cNvPicPr>
+            <p:nvPr/>
+          </p:nvPicPr>
+          <p:blipFill>
+            <a:blip r:embed="rId3"/>
+            <a:stretch>
+              <a:fillRect/>
+            </a:stretch>
+          </p:blipFill>
+          <p:spPr>
+            <a:xfrm>
+              <a:off x="1706728" y="4011741"/>
+              <a:ext cx="6372225" cy="2486025"/>
+            </a:xfrm>
+            <a:prstGeom prst="rect">
+              <a:avLst/>
+            </a:prstGeom>
+          </p:spPr>
+        </p:pic>
+        <p:sp>
+          <p:nvSpPr>
+            <p:cNvPr id="19" name="矩形 18">
+              <a:extLst>
+                <a:ext uri="{FF2B5EF4-FFF2-40B4-BE49-F238E27FC236}">
+                  <a16:creationId xmlns:a16="http://schemas.microsoft.com/office/drawing/2014/main" id="{30909AA4-10BA-4630-868C-2506949ADE8A}"/>
+                </a:ext>
+              </a:extLst>
+            </p:cNvPr>
+            <p:cNvSpPr/>
+            <p:nvPr/>
+          </p:nvSpPr>
+          <p:spPr>
+            <a:xfrm>
+              <a:off x="3430823" y="5456642"/>
+              <a:ext cx="2151830" cy="394855"/>
+            </a:xfrm>
+            <a:prstGeom prst="rect">
+              <a:avLst/>
+            </a:prstGeom>
+            <a:noFill/>
+            <a:ln w="9525" cap="flat" cmpd="sng" algn="ctr">
+              <a:solidFill>
+                <a:schemeClr val="dk1"/>
+              </a:solidFill>
+              <a:prstDash val="solid"/>
+              <a:round/>
+              <a:headEnd type="none" w="med" len="med"/>
+              <a:tailEnd type="none" w="med" len="med"/>
+            </a:ln>
+          </p:spPr>
+          <p:style>
+            <a:lnRef idx="0">
+              <a:scrgbClr r="0" g="0" b="0"/>
+            </a:lnRef>
+            <a:fillRef idx="0">
+              <a:scrgbClr r="0" g="0" b="0"/>
+            </a:fillRef>
+            <a:effectRef idx="0">
+              <a:scrgbClr r="0" g="0" b="0"/>
+            </a:effectRef>
+            <a:fontRef idx="minor">
+              <a:schemeClr val="dk1"/>
+            </a:fontRef>
+          </p:style>
+          <p:txBody>
+            <a:bodyPr rtlCol="0" anchor="ctr"/>
+            <a:lstStyle/>
+            <a:p>
+              <a:pPr algn="ctr"/>
+              <a:endParaRPr lang="zh-TW" altLang="en-US"/>
+            </a:p>
+          </p:txBody>
+        </p:sp>
+      </p:grpSp>
       <p:pic>
         <p:nvPicPr>
-          <p:cNvPr id="4" name="圖片 3">
-            <a:extLst>
-              <a:ext uri="{FF2B5EF4-FFF2-40B4-BE49-F238E27FC236}">
-                <a16:creationId xmlns:a16="http://schemas.microsoft.com/office/drawing/2014/main" id="{1317F280-FF36-4C58-BD64-447EFAE31C35}"/>
+          <p:cNvPr id="21" name="圖片 20">
+            <a:extLst>
+              <a:ext uri="{FF2B5EF4-FFF2-40B4-BE49-F238E27FC236}">
+                <a16:creationId xmlns:a16="http://schemas.microsoft.com/office/drawing/2014/main" id="{74DC37BC-D8E9-4126-A62B-7951732DE31E}"/>
+              </a:ext>
+            </a:extLst>
+          </p:cNvPr>
+          <p:cNvPicPr>
+            <a:picLocks noChangeAspect="1"/>
+          </p:cNvPicPr>
+          <p:nvPr/>
+        </p:nvPicPr>
+        <p:blipFill>
+          <a:blip r:embed="rId4"/>
+          <a:stretch>
+            <a:fillRect/>
+          </a:stretch>
+        </p:blipFill>
+        <p:spPr>
+          <a:xfrm>
+            <a:off x="5054968" y="1533792"/>
+            <a:ext cx="6867525" cy="3200400"/>
+          </a:xfrm>
+          <a:prstGeom prst="rect">
+            <a:avLst/>
+          </a:prstGeom>
+        </p:spPr>
+      </p:pic>
+      <p:sp>
+        <p:nvSpPr>
+          <p:cNvPr id="18" name="箭號: 向右 17">
+            <a:extLst>
+              <a:ext uri="{FF2B5EF4-FFF2-40B4-BE49-F238E27FC236}">
+                <a16:creationId xmlns:a16="http://schemas.microsoft.com/office/drawing/2014/main" id="{94FB0216-36B3-4177-9AE3-26026D75DDA4}"/>
+              </a:ext>
+            </a:extLst>
+          </p:cNvPr>
+          <p:cNvSpPr/>
+          <p:nvPr/>
+        </p:nvSpPr>
+        <p:spPr>
+          <a:xfrm rot="2659413">
+            <a:off x="1962380" y="3947682"/>
+            <a:ext cx="1175657" cy="311331"/>
+          </a:xfrm>
+          <a:prstGeom prst="rightArrow">
+            <a:avLst/>
+          </a:prstGeom>
+        </p:spPr>
+        <p:style>
+          <a:lnRef idx="2">
+            <a:schemeClr val="accent1">
+              <a:shade val="50000"/>
+            </a:schemeClr>
+          </a:lnRef>
+          <a:fillRef idx="1">
+            <a:schemeClr val="accent1"/>
+          </a:fillRef>
+          <a:effectRef idx="0">
+            <a:schemeClr val="accent1"/>
+          </a:effectRef>
+          <a:fontRef idx="minor">
+            <a:schemeClr val="lt1"/>
+          </a:fontRef>
+        </p:style>
+        <p:txBody>
+          <a:bodyPr rtlCol="0" anchor="ctr"/>
+          <a:lstStyle/>
+          <a:p>
+            <a:pPr algn="ctr"/>
+            <a:endParaRPr lang="zh-TW" altLang="en-US"/>
+          </a:p>
+        </p:txBody>
+      </p:sp>
+      <p:sp>
+        <p:nvSpPr>
+          <p:cNvPr id="22" name="箭號: 向右 21">
+            <a:extLst>
+              <a:ext uri="{FF2B5EF4-FFF2-40B4-BE49-F238E27FC236}">
+                <a16:creationId xmlns:a16="http://schemas.microsoft.com/office/drawing/2014/main" id="{C332542A-D310-4B88-8CD5-09457AA0C88C}"/>
+              </a:ext>
+            </a:extLst>
+          </p:cNvPr>
+          <p:cNvSpPr/>
+          <p:nvPr/>
+        </p:nvSpPr>
+        <p:spPr>
+          <a:xfrm rot="19288761">
+            <a:off x="5239280" y="4459839"/>
+            <a:ext cx="1584438" cy="416272"/>
+          </a:xfrm>
+          <a:prstGeom prst="rightArrow">
+            <a:avLst/>
+          </a:prstGeom>
+        </p:spPr>
+        <p:style>
+          <a:lnRef idx="2">
+            <a:schemeClr val="accent1">
+              <a:shade val="50000"/>
+            </a:schemeClr>
+          </a:lnRef>
+          <a:fillRef idx="1">
+            <a:schemeClr val="accent1"/>
+          </a:fillRef>
+          <a:effectRef idx="0">
+            <a:schemeClr val="accent1"/>
+          </a:effectRef>
+          <a:fontRef idx="minor">
+            <a:schemeClr val="lt1"/>
+          </a:fontRef>
+        </p:style>
+        <p:txBody>
+          <a:bodyPr rtlCol="0" anchor="ctr"/>
+          <a:lstStyle/>
+          <a:p>
+            <a:pPr algn="ctr"/>
+            <a:endParaRPr lang="zh-TW" altLang="en-US"/>
+          </a:p>
+        </p:txBody>
+      </p:sp>
+    </p:spTree>
+    <p:extLst>
+      <p:ext uri="{BB962C8B-B14F-4D97-AF65-F5344CB8AC3E}">
+        <p14:creationId xmlns:p14="http://schemas.microsoft.com/office/powerpoint/2010/main" val="1153484920"/>
+      </p:ext>
+    </p:extLst>
+  </p:cSld>
+  <p:clrMapOvr>
+    <a:masterClrMapping/>
+  </p:clrMapOvr>
+</p:sld>
+</file>
+
+<file path=ppt/slides/slide17.xml><?xml version="1.0" encoding="utf-8"?>
+<p:sld xmlns:a="http://schemas.openxmlformats.org/drawingml/2006/main" xmlns:r="http://schemas.openxmlformats.org/officeDocument/2006/relationships" xmlns:p="http://schemas.openxmlformats.org/presentationml/2006/main">
+  <p:cSld>
+    <p:spTree>
+      <p:nvGrpSpPr>
+        <p:cNvPr id="1" name=""/>
+        <p:cNvGrpSpPr/>
+        <p:nvPr/>
+      </p:nvGrpSpPr>
+      <p:grpSpPr>
+        <a:xfrm>
+          <a:off x="0" y="0"/>
+          <a:ext cx="0" cy="0"/>
+          <a:chOff x="0" y="0"/>
+          <a:chExt cx="0" cy="0"/>
+        </a:xfrm>
+      </p:grpSpPr>
+      <p:sp>
+        <p:nvSpPr>
+          <p:cNvPr id="2" name="標題 1">
+            <a:extLst>
+              <a:ext uri="{FF2B5EF4-FFF2-40B4-BE49-F238E27FC236}">
+                <a16:creationId xmlns:a16="http://schemas.microsoft.com/office/drawing/2014/main" id="{93048374-F638-4A45-B565-8E46C4C95AF1}"/>
+              </a:ext>
+            </a:extLst>
+          </p:cNvPr>
+          <p:cNvSpPr>
+            <a:spLocks noGrp="1"/>
+          </p:cNvSpPr>
+          <p:nvPr>
+            <p:ph type="title"/>
+          </p:nvPr>
+        </p:nvSpPr>
+        <p:spPr/>
+        <p:txBody>
+          <a:bodyPr/>
+          <a:lstStyle/>
+          <a:p>
+            <a:r>
+              <a:rPr lang="en-US" altLang="zh-TW" dirty="0"/>
+              <a:t>Maths2-instruct to </a:t>
+            </a:r>
+            <a:r>
+              <a:rPr lang="en-US" altLang="zh-TW" b="0" i="0" dirty="0">
+                <a:solidFill>
+                  <a:srgbClr val="32363A"/>
+                </a:solidFill>
+                <a:effectLst/>
+                <a:latin typeface="72"/>
+              </a:rPr>
+              <a:t>-4120</a:t>
+            </a:r>
+            <a:endParaRPr lang="zh-TW" altLang="en-US" dirty="0"/>
+          </a:p>
+        </p:txBody>
+      </p:sp>
+      <p:pic>
+        <p:nvPicPr>
+          <p:cNvPr id="21" name="圖片 20">
+            <a:extLst>
+              <a:ext uri="{FF2B5EF4-FFF2-40B4-BE49-F238E27FC236}">
+                <a16:creationId xmlns:a16="http://schemas.microsoft.com/office/drawing/2014/main" id="{74DC37BC-D8E9-4126-A62B-7951732DE31E}"/>
               </a:ext>
             </a:extLst>
           </p:cNvPr>
@@ -14041,20 +11628,183 @@
         </p:blipFill>
         <p:spPr>
           <a:xfrm>
-            <a:off x="908304" y="1694586"/>
-            <a:ext cx="4781550" cy="895350"/>
+            <a:off x="2005261" y="2451463"/>
+            <a:ext cx="6867525" cy="3200400"/>
           </a:xfrm>
           <a:prstGeom prst="rect">
             <a:avLst/>
           </a:prstGeom>
         </p:spPr>
       </p:pic>
+    </p:spTree>
+    <p:extLst>
+      <p:ext uri="{BB962C8B-B14F-4D97-AF65-F5344CB8AC3E}">
+        <p14:creationId xmlns:p14="http://schemas.microsoft.com/office/powerpoint/2010/main" val="855072001"/>
+      </p:ext>
+    </p:extLst>
+  </p:cSld>
+  <p:clrMapOvr>
+    <a:masterClrMapping/>
+  </p:clrMapOvr>
+</p:sld>
+</file>
+
+<file path=ppt/slides/slide18.xml><?xml version="1.0" encoding="utf-8"?>
+<p:sld xmlns:a="http://schemas.openxmlformats.org/drawingml/2006/main" xmlns:r="http://schemas.openxmlformats.org/officeDocument/2006/relationships" xmlns:p="http://schemas.openxmlformats.org/presentationml/2006/main">
+  <p:cSld>
+    <p:spTree>
+      <p:nvGrpSpPr>
+        <p:cNvPr id="1" name=""/>
+        <p:cNvGrpSpPr/>
+        <p:nvPr/>
+      </p:nvGrpSpPr>
+      <p:grpSpPr>
+        <a:xfrm>
+          <a:off x="0" y="0"/>
+          <a:ext cx="0" cy="0"/>
+          <a:chOff x="0" y="0"/>
+          <a:chExt cx="0" cy="0"/>
+        </a:xfrm>
+      </p:grpSpPr>
+      <p:sp>
+        <p:nvSpPr>
+          <p:cNvPr id="2" name="標題 1">
+            <a:extLst>
+              <a:ext uri="{FF2B5EF4-FFF2-40B4-BE49-F238E27FC236}">
+                <a16:creationId xmlns:a16="http://schemas.microsoft.com/office/drawing/2014/main" id="{93048374-F638-4A45-B565-8E46C4C95AF1}"/>
+              </a:ext>
+            </a:extLst>
+          </p:cNvPr>
+          <p:cNvSpPr>
+            <a:spLocks noGrp="1"/>
+          </p:cNvSpPr>
+          <p:nvPr>
+            <p:ph type="title"/>
+          </p:nvPr>
+        </p:nvSpPr>
+        <p:spPr/>
+        <p:txBody>
+          <a:bodyPr/>
+          <a:lstStyle/>
+          <a:p>
+            <a:r>
+              <a:rPr lang="en-US" altLang="zh-TW" dirty="0"/>
+              <a:t>L&amp;M1</a:t>
+            </a:r>
+            <a:endParaRPr lang="zh-TW" altLang="en-US" dirty="0"/>
+          </a:p>
+        </p:txBody>
+      </p:sp>
+      <p:grpSp>
+        <p:nvGrpSpPr>
+          <p:cNvPr id="6" name="群組 5">
+            <a:extLst>
+              <a:ext uri="{FF2B5EF4-FFF2-40B4-BE49-F238E27FC236}">
+                <a16:creationId xmlns:a16="http://schemas.microsoft.com/office/drawing/2014/main" id="{D097D011-D374-4511-9D7F-2E9D31A7CC41}"/>
+              </a:ext>
+            </a:extLst>
+          </p:cNvPr>
+          <p:cNvGrpSpPr/>
+          <p:nvPr/>
+        </p:nvGrpSpPr>
+        <p:grpSpPr>
+          <a:xfrm>
+            <a:off x="269507" y="1853185"/>
+            <a:ext cx="2312785" cy="3276600"/>
+            <a:chOff x="670560" y="2400300"/>
+            <a:chExt cx="2312785" cy="3276600"/>
+          </a:xfrm>
+        </p:grpSpPr>
+        <p:pic>
+          <p:nvPicPr>
+            <p:cNvPr id="7" name="圖片 6">
+              <a:extLst>
+                <a:ext uri="{FF2B5EF4-FFF2-40B4-BE49-F238E27FC236}">
+                  <a16:creationId xmlns:a16="http://schemas.microsoft.com/office/drawing/2014/main" id="{5A4D44DB-AD93-4383-9B62-A4F3AE7ECACF}"/>
+                </a:ext>
+              </a:extLst>
+            </p:cNvPr>
+            <p:cNvPicPr>
+              <a:picLocks noChangeAspect="1"/>
+            </p:cNvPicPr>
+            <p:nvPr/>
+          </p:nvPicPr>
+          <p:blipFill rotWithShape="1">
+            <a:blip r:embed="rId2"/>
+            <a:srcRect r="11704"/>
+            <a:stretch/>
+          </p:blipFill>
+          <p:spPr>
+            <a:xfrm>
+              <a:off x="670560" y="2400300"/>
+              <a:ext cx="2312785" cy="3276600"/>
+            </a:xfrm>
+            <a:prstGeom prst="rect">
+              <a:avLst/>
+            </a:prstGeom>
+          </p:spPr>
+        </p:pic>
+        <p:sp>
+          <p:nvSpPr>
+            <p:cNvPr id="8" name="矩形 7">
+              <a:extLst>
+                <a:ext uri="{FF2B5EF4-FFF2-40B4-BE49-F238E27FC236}">
+                  <a16:creationId xmlns:a16="http://schemas.microsoft.com/office/drawing/2014/main" id="{A4BAB722-52C1-47E6-8E02-22936887A974}"/>
+                </a:ext>
+              </a:extLst>
+            </p:cNvPr>
+            <p:cNvSpPr/>
+            <p:nvPr/>
+          </p:nvSpPr>
+          <p:spPr>
+            <a:xfrm>
+              <a:off x="775855" y="3976115"/>
+              <a:ext cx="2207490" cy="394855"/>
+            </a:xfrm>
+            <a:prstGeom prst="rect">
+              <a:avLst/>
+            </a:prstGeom>
+            <a:noFill/>
+            <a:ln w="9525" cap="flat" cmpd="sng" algn="ctr">
+              <a:solidFill>
+                <a:schemeClr val="dk1"/>
+              </a:solidFill>
+              <a:prstDash val="solid"/>
+              <a:round/>
+              <a:headEnd type="none" w="med" len="med"/>
+              <a:tailEnd type="none" w="med" len="med"/>
+            </a:ln>
+          </p:spPr>
+          <p:style>
+            <a:lnRef idx="0">
+              <a:scrgbClr r="0" g="0" b="0"/>
+            </a:lnRef>
+            <a:fillRef idx="0">
+              <a:scrgbClr r="0" g="0" b="0"/>
+            </a:fillRef>
+            <a:effectRef idx="0">
+              <a:scrgbClr r="0" g="0" b="0"/>
+            </a:effectRef>
+            <a:fontRef idx="minor">
+              <a:schemeClr val="dk1"/>
+            </a:fontRef>
+          </p:style>
+          <p:txBody>
+            <a:bodyPr rtlCol="0" anchor="ctr"/>
+            <a:lstStyle/>
+            <a:p>
+              <a:pPr algn="ctr"/>
+              <a:endParaRPr lang="zh-TW" altLang="en-US" dirty="0"/>
+            </a:p>
+          </p:txBody>
+        </p:sp>
+      </p:grpSp>
       <p:pic>
         <p:nvPicPr>
-          <p:cNvPr id="8" name="圖片 7">
-            <a:extLst>
-              <a:ext uri="{FF2B5EF4-FFF2-40B4-BE49-F238E27FC236}">
-                <a16:creationId xmlns:a16="http://schemas.microsoft.com/office/drawing/2014/main" id="{6DB60484-85B1-4032-A012-E1B588D40F07}"/>
+          <p:cNvPr id="4" name="圖片 3">
+            <a:extLst>
+              <a:ext uri="{FF2B5EF4-FFF2-40B4-BE49-F238E27FC236}">
+                <a16:creationId xmlns:a16="http://schemas.microsoft.com/office/drawing/2014/main" id="{8B43FD18-3DE4-4397-A924-D7E66EFD45FB}"/>
               </a:ext>
             </a:extLst>
           </p:cNvPr>
@@ -14071,20 +11821,66 @@
         </p:blipFill>
         <p:spPr>
           <a:xfrm>
-            <a:off x="3362325" y="2677390"/>
-            <a:ext cx="8829675" cy="1590675"/>
+            <a:off x="822408" y="4572000"/>
+            <a:ext cx="4162425" cy="2133600"/>
           </a:xfrm>
           <a:prstGeom prst="rect">
             <a:avLst/>
           </a:prstGeom>
         </p:spPr>
       </p:pic>
+      <p:sp>
+        <p:nvSpPr>
+          <p:cNvPr id="9" name="箭號: 向右 8">
+            <a:extLst>
+              <a:ext uri="{FF2B5EF4-FFF2-40B4-BE49-F238E27FC236}">
+                <a16:creationId xmlns:a16="http://schemas.microsoft.com/office/drawing/2014/main" id="{231E0B4A-535F-40E1-BE98-47D5545A5335}"/>
+              </a:ext>
+            </a:extLst>
+          </p:cNvPr>
+          <p:cNvSpPr/>
+          <p:nvPr/>
+        </p:nvSpPr>
+        <p:spPr>
+          <a:xfrm rot="2659413">
+            <a:off x="1367371" y="4291365"/>
+            <a:ext cx="1175657" cy="311331"/>
+          </a:xfrm>
+          <a:prstGeom prst="rightArrow">
+            <a:avLst/>
+          </a:prstGeom>
+        </p:spPr>
+        <p:style>
+          <a:lnRef idx="2">
+            <a:schemeClr val="accent1">
+              <a:shade val="50000"/>
+            </a:schemeClr>
+          </a:lnRef>
+          <a:fillRef idx="1">
+            <a:schemeClr val="accent1"/>
+          </a:fillRef>
+          <a:effectRef idx="0">
+            <a:schemeClr val="accent1"/>
+          </a:effectRef>
+          <a:fontRef idx="minor">
+            <a:schemeClr val="lt1"/>
+          </a:fontRef>
+        </p:style>
+        <p:txBody>
+          <a:bodyPr rtlCol="0" anchor="ctr"/>
+          <a:lstStyle/>
+          <a:p>
+            <a:pPr algn="ctr"/>
+            <a:endParaRPr lang="zh-TW" altLang="en-US"/>
+          </a:p>
+        </p:txBody>
+      </p:sp>
       <p:pic>
         <p:nvPicPr>
-          <p:cNvPr id="14" name="圖片 13">
-            <a:extLst>
-              <a:ext uri="{FF2B5EF4-FFF2-40B4-BE49-F238E27FC236}">
-                <a16:creationId xmlns:a16="http://schemas.microsoft.com/office/drawing/2014/main" id="{800D9226-8BF0-478B-A31E-265B287D0613}"/>
+          <p:cNvPr id="10" name="圖片 9">
+            <a:extLst>
+              <a:ext uri="{FF2B5EF4-FFF2-40B4-BE49-F238E27FC236}">
+                <a16:creationId xmlns:a16="http://schemas.microsoft.com/office/drawing/2014/main" id="{22D17B37-9AC2-4190-8175-ECB59DA4C9AA}"/>
               </a:ext>
             </a:extLst>
           </p:cNvPr>
@@ -14101,20 +11897,50 @@
         </p:blipFill>
         <p:spPr>
           <a:xfrm>
-            <a:off x="563649" y="4094474"/>
-            <a:ext cx="3933825" cy="2686050"/>
+            <a:off x="4826368" y="241497"/>
+            <a:ext cx="7096125" cy="5724525"/>
           </a:xfrm>
           <a:prstGeom prst="rect">
             <a:avLst/>
           </a:prstGeom>
         </p:spPr>
       </p:pic>
+      <p:pic>
+        <p:nvPicPr>
+          <p:cNvPr id="13" name="圖片 12">
+            <a:extLst>
+              <a:ext uri="{FF2B5EF4-FFF2-40B4-BE49-F238E27FC236}">
+                <a16:creationId xmlns:a16="http://schemas.microsoft.com/office/drawing/2014/main" id="{8282A6C6-1DA2-4353-9654-9BD6BD88F9A1}"/>
+              </a:ext>
+            </a:extLst>
+          </p:cNvPr>
+          <p:cNvPicPr>
+            <a:picLocks noChangeAspect="1"/>
+          </p:cNvPicPr>
+          <p:nvPr/>
+        </p:nvPicPr>
+        <p:blipFill>
+          <a:blip r:embed="rId5"/>
+          <a:stretch>
+            <a:fillRect/>
+          </a:stretch>
+        </p:blipFill>
+        <p:spPr>
+          <a:xfrm>
+            <a:off x="5286590" y="6191978"/>
+            <a:ext cx="5286375" cy="485775"/>
+          </a:xfrm>
+          <a:prstGeom prst="rect">
+            <a:avLst/>
+          </a:prstGeom>
+        </p:spPr>
+      </p:pic>
       <p:sp>
         <p:nvSpPr>
-          <p:cNvPr id="10" name="矩形 9">
-            <a:extLst>
-              <a:ext uri="{FF2B5EF4-FFF2-40B4-BE49-F238E27FC236}">
-                <a16:creationId xmlns:a16="http://schemas.microsoft.com/office/drawing/2014/main" id="{2C5DD038-19C5-427D-A51C-2AAF4362F548}"/>
+          <p:cNvPr id="15" name="箭號: 向右 14">
+            <a:extLst>
+              <a:ext uri="{FF2B5EF4-FFF2-40B4-BE49-F238E27FC236}">
+                <a16:creationId xmlns:a16="http://schemas.microsoft.com/office/drawing/2014/main" id="{4F58D0CF-1CC0-48EE-9B5F-5DEDBBCD949E}"/>
               </a:ext>
             </a:extLst>
           </p:cNvPr>
@@ -14122,9 +11948,447 @@
           <p:nvPr/>
         </p:nvSpPr>
         <p:spPr>
+          <a:xfrm rot="3666952">
+            <a:off x="6758336" y="5561354"/>
+            <a:ext cx="1175657" cy="311331"/>
+          </a:xfrm>
+          <a:prstGeom prst="rightArrow">
+            <a:avLst/>
+          </a:prstGeom>
+        </p:spPr>
+        <p:style>
+          <a:lnRef idx="2">
+            <a:schemeClr val="accent1">
+              <a:shade val="50000"/>
+            </a:schemeClr>
+          </a:lnRef>
+          <a:fillRef idx="1">
+            <a:schemeClr val="accent1"/>
+          </a:fillRef>
+          <a:effectRef idx="0">
+            <a:schemeClr val="accent1"/>
+          </a:effectRef>
+          <a:fontRef idx="minor">
+            <a:schemeClr val="lt1"/>
+          </a:fontRef>
+        </p:style>
+        <p:txBody>
+          <a:bodyPr rtlCol="0" anchor="ctr"/>
+          <a:lstStyle/>
+          <a:p>
+            <a:pPr algn="ctr"/>
+            <a:endParaRPr lang="zh-TW" altLang="en-US"/>
+          </a:p>
+        </p:txBody>
+      </p:sp>
+      <p:pic>
+        <p:nvPicPr>
+          <p:cNvPr id="16" name="圖片 15">
+            <a:extLst>
+              <a:ext uri="{FF2B5EF4-FFF2-40B4-BE49-F238E27FC236}">
+                <a16:creationId xmlns:a16="http://schemas.microsoft.com/office/drawing/2014/main" id="{06223354-D776-456A-B249-BBC4FF6E8EF2}"/>
+              </a:ext>
+            </a:extLst>
+          </p:cNvPr>
+          <p:cNvPicPr>
+            <a:picLocks noChangeAspect="1"/>
+          </p:cNvPicPr>
+          <p:nvPr/>
+        </p:nvPicPr>
+        <p:blipFill>
+          <a:blip r:embed="rId6"/>
+          <a:stretch>
+            <a:fillRect/>
+          </a:stretch>
+        </p:blipFill>
+        <p:spPr>
           <a:xfrm>
-            <a:off x="8431298" y="3756834"/>
-            <a:ext cx="773661" cy="405816"/>
+            <a:off x="4619625" y="2257425"/>
+            <a:ext cx="2952750" cy="2343150"/>
+          </a:xfrm>
+          <a:prstGeom prst="rect">
+            <a:avLst/>
+          </a:prstGeom>
+        </p:spPr>
+      </p:pic>
+      <p:sp>
+        <p:nvSpPr>
+          <p:cNvPr id="12" name="箭號: 向右 11">
+            <a:extLst>
+              <a:ext uri="{FF2B5EF4-FFF2-40B4-BE49-F238E27FC236}">
+                <a16:creationId xmlns:a16="http://schemas.microsoft.com/office/drawing/2014/main" id="{8CD3617C-D55C-412C-9DF9-A201AC93C967}"/>
+              </a:ext>
+            </a:extLst>
+          </p:cNvPr>
+          <p:cNvSpPr/>
+          <p:nvPr/>
+        </p:nvSpPr>
+        <p:spPr>
+          <a:xfrm rot="19245661">
+            <a:off x="4140748" y="4757515"/>
+            <a:ext cx="1175657" cy="311331"/>
+          </a:xfrm>
+          <a:prstGeom prst="rightArrow">
+            <a:avLst/>
+          </a:prstGeom>
+        </p:spPr>
+        <p:style>
+          <a:lnRef idx="2">
+            <a:schemeClr val="accent1">
+              <a:shade val="50000"/>
+            </a:schemeClr>
+          </a:lnRef>
+          <a:fillRef idx="1">
+            <a:schemeClr val="accent1"/>
+          </a:fillRef>
+          <a:effectRef idx="0">
+            <a:schemeClr val="accent1"/>
+          </a:effectRef>
+          <a:fontRef idx="minor">
+            <a:schemeClr val="lt1"/>
+          </a:fontRef>
+        </p:style>
+        <p:txBody>
+          <a:bodyPr rtlCol="0" anchor="ctr"/>
+          <a:lstStyle/>
+          <a:p>
+            <a:pPr algn="ctr"/>
+            <a:endParaRPr lang="zh-TW" altLang="en-US"/>
+          </a:p>
+        </p:txBody>
+      </p:sp>
+    </p:spTree>
+    <p:extLst>
+      <p:ext uri="{BB962C8B-B14F-4D97-AF65-F5344CB8AC3E}">
+        <p14:creationId xmlns:p14="http://schemas.microsoft.com/office/powerpoint/2010/main" val="625256544"/>
+      </p:ext>
+    </p:extLst>
+  </p:cSld>
+  <p:clrMapOvr>
+    <a:masterClrMapping/>
+  </p:clrMapOvr>
+</p:sld>
+</file>
+
+<file path=ppt/slides/slide19.xml><?xml version="1.0" encoding="utf-8"?>
+<p:sld xmlns:a="http://schemas.openxmlformats.org/drawingml/2006/main" xmlns:r="http://schemas.openxmlformats.org/officeDocument/2006/relationships" xmlns:p="http://schemas.openxmlformats.org/presentationml/2006/main">
+  <p:cSld>
+    <p:spTree>
+      <p:nvGrpSpPr>
+        <p:cNvPr id="1" name=""/>
+        <p:cNvGrpSpPr/>
+        <p:nvPr/>
+      </p:nvGrpSpPr>
+      <p:grpSpPr>
+        <a:xfrm>
+          <a:off x="0" y="0"/>
+          <a:ext cx="0" cy="0"/>
+          <a:chOff x="0" y="0"/>
+          <a:chExt cx="0" cy="0"/>
+        </a:xfrm>
+      </p:grpSpPr>
+      <p:sp>
+        <p:nvSpPr>
+          <p:cNvPr id="2" name="標題 1">
+            <a:extLst>
+              <a:ext uri="{FF2B5EF4-FFF2-40B4-BE49-F238E27FC236}">
+                <a16:creationId xmlns:a16="http://schemas.microsoft.com/office/drawing/2014/main" id="{93048374-F638-4A45-B565-8E46C4C95AF1}"/>
+              </a:ext>
+            </a:extLst>
+          </p:cNvPr>
+          <p:cNvSpPr>
+            <a:spLocks noGrp="1"/>
+          </p:cNvSpPr>
+          <p:nvPr>
+            <p:ph type="title"/>
+          </p:nvPr>
+        </p:nvSpPr>
+        <p:spPr/>
+        <p:txBody>
+          <a:bodyPr/>
+          <a:lstStyle/>
+          <a:p>
+            <a:r>
+              <a:rPr lang="en-US" altLang="zh-TW" dirty="0"/>
+              <a:t>L&amp;M2</a:t>
+            </a:r>
+            <a:endParaRPr lang="zh-TW" altLang="en-US" dirty="0"/>
+          </a:p>
+        </p:txBody>
+      </p:sp>
+      <p:pic>
+        <p:nvPicPr>
+          <p:cNvPr id="16" name="圖片 15">
+            <a:extLst>
+              <a:ext uri="{FF2B5EF4-FFF2-40B4-BE49-F238E27FC236}">
+                <a16:creationId xmlns:a16="http://schemas.microsoft.com/office/drawing/2014/main" id="{06223354-D776-456A-B249-BBC4FF6E8EF2}"/>
+              </a:ext>
+            </a:extLst>
+          </p:cNvPr>
+          <p:cNvPicPr>
+            <a:picLocks noChangeAspect="1"/>
+          </p:cNvPicPr>
+          <p:nvPr/>
+        </p:nvPicPr>
+        <p:blipFill>
+          <a:blip r:embed="rId2"/>
+          <a:stretch>
+            <a:fillRect/>
+          </a:stretch>
+        </p:blipFill>
+        <p:spPr>
+          <a:xfrm>
+            <a:off x="177485" y="2257425"/>
+            <a:ext cx="2952750" cy="2343150"/>
+          </a:xfrm>
+          <a:prstGeom prst="rect">
+            <a:avLst/>
+          </a:prstGeom>
+        </p:spPr>
+      </p:pic>
+      <p:grpSp>
+        <p:nvGrpSpPr>
+          <p:cNvPr id="11" name="群組 10">
+            <a:extLst>
+              <a:ext uri="{FF2B5EF4-FFF2-40B4-BE49-F238E27FC236}">
+                <a16:creationId xmlns:a16="http://schemas.microsoft.com/office/drawing/2014/main" id="{385860AA-5048-40D2-B7AE-2B8E4B62DAD3}"/>
+              </a:ext>
+            </a:extLst>
+          </p:cNvPr>
+          <p:cNvGrpSpPr/>
+          <p:nvPr/>
+        </p:nvGrpSpPr>
+        <p:grpSpPr>
+          <a:xfrm>
+            <a:off x="3335235" y="0"/>
+            <a:ext cx="7315200" cy="5534025"/>
+            <a:chOff x="3335235" y="0"/>
+            <a:chExt cx="7315200" cy="5534025"/>
+          </a:xfrm>
+        </p:grpSpPr>
+        <p:pic>
+          <p:nvPicPr>
+            <p:cNvPr id="5" name="圖片 4">
+              <a:extLst>
+                <a:ext uri="{FF2B5EF4-FFF2-40B4-BE49-F238E27FC236}">
+                  <a16:creationId xmlns:a16="http://schemas.microsoft.com/office/drawing/2014/main" id="{EEF993FC-A146-47AC-937C-F4466A6B58FD}"/>
+                </a:ext>
+              </a:extLst>
+            </p:cNvPr>
+            <p:cNvPicPr>
+              <a:picLocks noChangeAspect="1"/>
+            </p:cNvPicPr>
+            <p:nvPr/>
+          </p:nvPicPr>
+          <p:blipFill>
+            <a:blip r:embed="rId3"/>
+            <a:stretch>
+              <a:fillRect/>
+            </a:stretch>
+          </p:blipFill>
+          <p:spPr>
+            <a:xfrm>
+              <a:off x="3335235" y="0"/>
+              <a:ext cx="7315200" cy="5534025"/>
+            </a:xfrm>
+            <a:prstGeom prst="rect">
+              <a:avLst/>
+            </a:prstGeom>
+          </p:spPr>
+        </p:pic>
+        <p:sp>
+          <p:nvSpPr>
+            <p:cNvPr id="19" name="矩形 18">
+              <a:extLst>
+                <a:ext uri="{FF2B5EF4-FFF2-40B4-BE49-F238E27FC236}">
+                  <a16:creationId xmlns:a16="http://schemas.microsoft.com/office/drawing/2014/main" id="{75A0B70F-8B82-4A7E-9A7D-75CB4E17805B}"/>
+                </a:ext>
+              </a:extLst>
+            </p:cNvPr>
+            <p:cNvSpPr/>
+            <p:nvPr/>
+          </p:nvSpPr>
+          <p:spPr>
+            <a:xfrm>
+              <a:off x="7539788" y="302714"/>
+              <a:ext cx="763701" cy="394855"/>
+            </a:xfrm>
+            <a:prstGeom prst="rect">
+              <a:avLst/>
+            </a:prstGeom>
+            <a:noFill/>
+            <a:ln w="9525" cap="flat" cmpd="sng" algn="ctr">
+              <a:solidFill>
+                <a:schemeClr val="dk1"/>
+              </a:solidFill>
+              <a:prstDash val="solid"/>
+              <a:round/>
+              <a:headEnd type="none" w="med" len="med"/>
+              <a:tailEnd type="none" w="med" len="med"/>
+            </a:ln>
+          </p:spPr>
+          <p:style>
+            <a:lnRef idx="0">
+              <a:scrgbClr r="0" g="0" b="0"/>
+            </a:lnRef>
+            <a:fillRef idx="0">
+              <a:scrgbClr r="0" g="0" b="0"/>
+            </a:fillRef>
+            <a:effectRef idx="0">
+              <a:scrgbClr r="0" g="0" b="0"/>
+            </a:effectRef>
+            <a:fontRef idx="minor">
+              <a:schemeClr val="dk1"/>
+            </a:fontRef>
+          </p:style>
+          <p:txBody>
+            <a:bodyPr rtlCol="0" anchor="ctr"/>
+            <a:lstStyle/>
+            <a:p>
+              <a:pPr algn="ctr"/>
+              <a:endParaRPr lang="zh-TW" altLang="en-US" dirty="0"/>
+            </a:p>
+          </p:txBody>
+        </p:sp>
+      </p:grpSp>
+      <p:pic>
+        <p:nvPicPr>
+          <p:cNvPr id="20" name="圖片 19">
+            <a:extLst>
+              <a:ext uri="{FF2B5EF4-FFF2-40B4-BE49-F238E27FC236}">
+                <a16:creationId xmlns:a16="http://schemas.microsoft.com/office/drawing/2014/main" id="{5F145DB6-6537-4A44-AC38-BE26D5F78812}"/>
+              </a:ext>
+            </a:extLst>
+          </p:cNvPr>
+          <p:cNvPicPr>
+            <a:picLocks noChangeAspect="1"/>
+          </p:cNvPicPr>
+          <p:nvPr/>
+        </p:nvPicPr>
+        <p:blipFill>
+          <a:blip r:embed="rId4"/>
+          <a:stretch>
+            <a:fillRect/>
+          </a:stretch>
+        </p:blipFill>
+        <p:spPr>
+          <a:xfrm>
+            <a:off x="1653860" y="6059986"/>
+            <a:ext cx="6715125" cy="495300"/>
+          </a:xfrm>
+          <a:prstGeom prst="rect">
+            <a:avLst/>
+          </a:prstGeom>
+        </p:spPr>
+      </p:pic>
+      <p:sp>
+        <p:nvSpPr>
+          <p:cNvPr id="17" name="箭號: 向右 16">
+            <a:extLst>
+              <a:ext uri="{FF2B5EF4-FFF2-40B4-BE49-F238E27FC236}">
+                <a16:creationId xmlns:a16="http://schemas.microsoft.com/office/drawing/2014/main" id="{918184B9-FB63-496F-8C23-737CC56B74D6}"/>
+              </a:ext>
+            </a:extLst>
+          </p:cNvPr>
+          <p:cNvSpPr/>
+          <p:nvPr/>
+        </p:nvSpPr>
+        <p:spPr>
+          <a:xfrm rot="19245661">
+            <a:off x="2443304" y="2310877"/>
+            <a:ext cx="1175657" cy="311331"/>
+          </a:xfrm>
+          <a:prstGeom prst="rightArrow">
+            <a:avLst/>
+          </a:prstGeom>
+        </p:spPr>
+        <p:style>
+          <a:lnRef idx="2">
+            <a:schemeClr val="accent1">
+              <a:shade val="50000"/>
+            </a:schemeClr>
+          </a:lnRef>
+          <a:fillRef idx="1">
+            <a:schemeClr val="accent1"/>
+          </a:fillRef>
+          <a:effectRef idx="0">
+            <a:schemeClr val="accent1"/>
+          </a:effectRef>
+          <a:fontRef idx="minor">
+            <a:schemeClr val="lt1"/>
+          </a:fontRef>
+        </p:style>
+        <p:txBody>
+          <a:bodyPr rtlCol="0" anchor="ctr"/>
+          <a:lstStyle/>
+          <a:p>
+            <a:pPr algn="ctr"/>
+            <a:endParaRPr lang="zh-TW" altLang="en-US"/>
+          </a:p>
+        </p:txBody>
+      </p:sp>
+      <p:sp>
+        <p:nvSpPr>
+          <p:cNvPr id="21" name="箭號: 向右 20">
+            <a:extLst>
+              <a:ext uri="{FF2B5EF4-FFF2-40B4-BE49-F238E27FC236}">
+                <a16:creationId xmlns:a16="http://schemas.microsoft.com/office/drawing/2014/main" id="{CF2F2245-46F4-4772-89F6-18F1A47E35E7}"/>
+              </a:ext>
+            </a:extLst>
+          </p:cNvPr>
+          <p:cNvSpPr/>
+          <p:nvPr/>
+        </p:nvSpPr>
+        <p:spPr>
+          <a:xfrm rot="6386932">
+            <a:off x="7715660" y="5581968"/>
+            <a:ext cx="1175657" cy="311331"/>
+          </a:xfrm>
+          <a:prstGeom prst="rightArrow">
+            <a:avLst/>
+          </a:prstGeom>
+        </p:spPr>
+        <p:style>
+          <a:lnRef idx="2">
+            <a:schemeClr val="accent1">
+              <a:shade val="50000"/>
+            </a:schemeClr>
+          </a:lnRef>
+          <a:fillRef idx="1">
+            <a:schemeClr val="accent1"/>
+          </a:fillRef>
+          <a:effectRef idx="0">
+            <a:schemeClr val="accent1"/>
+          </a:effectRef>
+          <a:fontRef idx="minor">
+            <a:schemeClr val="lt1"/>
+          </a:fontRef>
+        </p:style>
+        <p:txBody>
+          <a:bodyPr rtlCol="0" anchor="ctr"/>
+          <a:lstStyle/>
+          <a:p>
+            <a:pPr algn="ctr"/>
+            <a:endParaRPr lang="zh-TW" altLang="en-US"/>
+          </a:p>
+        </p:txBody>
+      </p:sp>
+      <p:sp>
+        <p:nvSpPr>
+          <p:cNvPr id="23" name="矩形 22">
+            <a:extLst>
+              <a:ext uri="{FF2B5EF4-FFF2-40B4-BE49-F238E27FC236}">
+                <a16:creationId xmlns:a16="http://schemas.microsoft.com/office/drawing/2014/main" id="{72C8282B-6624-4E5F-A293-4A92A6851361}"/>
+              </a:ext>
+            </a:extLst>
+          </p:cNvPr>
+          <p:cNvSpPr/>
+          <p:nvPr/>
+        </p:nvSpPr>
+        <p:spPr>
+          <a:xfrm>
+            <a:off x="1949114" y="6216069"/>
+            <a:ext cx="1635768" cy="394855"/>
           </a:xfrm>
           <a:prstGeom prst="rect">
             <a:avLst/>
@@ -14159,197 +12423,6 @@
           <a:lstStyle/>
           <a:p>
             <a:pPr algn="ctr"/>
-            <a:endParaRPr lang="zh-TW" altLang="en-US"/>
-          </a:p>
-        </p:txBody>
-      </p:sp>
-      <p:sp>
-        <p:nvSpPr>
-          <p:cNvPr id="11" name="矩形 10">
-            <a:extLst>
-              <a:ext uri="{FF2B5EF4-FFF2-40B4-BE49-F238E27FC236}">
-                <a16:creationId xmlns:a16="http://schemas.microsoft.com/office/drawing/2014/main" id="{63B13525-99DB-4D0E-9595-3A6815ED4928}"/>
-              </a:ext>
-            </a:extLst>
-          </p:cNvPr>
-          <p:cNvSpPr/>
-          <p:nvPr/>
-        </p:nvSpPr>
-        <p:spPr>
-          <a:xfrm>
-            <a:off x="2530562" y="2159428"/>
-            <a:ext cx="2100690" cy="331223"/>
-          </a:xfrm>
-          <a:prstGeom prst="rect">
-            <a:avLst/>
-          </a:prstGeom>
-          <a:noFill/>
-          <a:ln w="9525" cap="flat" cmpd="sng" algn="ctr">
-            <a:solidFill>
-              <a:schemeClr val="dk1"/>
-            </a:solidFill>
-            <a:prstDash val="solid"/>
-            <a:round/>
-            <a:headEnd type="none" w="med" len="med"/>
-            <a:tailEnd type="none" w="med" len="med"/>
-          </a:ln>
-        </p:spPr>
-        <p:style>
-          <a:lnRef idx="0">
-            <a:scrgbClr r="0" g="0" b="0"/>
-          </a:lnRef>
-          <a:fillRef idx="0">
-            <a:scrgbClr r="0" g="0" b="0"/>
-          </a:fillRef>
-          <a:effectRef idx="0">
-            <a:scrgbClr r="0" g="0" b="0"/>
-          </a:effectRef>
-          <a:fontRef idx="minor">
-            <a:schemeClr val="dk1"/>
-          </a:fontRef>
-        </p:style>
-        <p:txBody>
-          <a:bodyPr rtlCol="0" anchor="ctr"/>
-          <a:lstStyle/>
-          <a:p>
-            <a:pPr algn="ctr"/>
-            <a:endParaRPr lang="zh-TW" altLang="en-US"/>
-          </a:p>
-        </p:txBody>
-      </p:sp>
-      <p:sp>
-        <p:nvSpPr>
-          <p:cNvPr id="13" name="箭號: 向右 12">
-            <a:extLst>
-              <a:ext uri="{FF2B5EF4-FFF2-40B4-BE49-F238E27FC236}">
-                <a16:creationId xmlns:a16="http://schemas.microsoft.com/office/drawing/2014/main" id="{04FB2C5E-1DB1-4B75-8C64-F5E827F25B1A}"/>
-              </a:ext>
-            </a:extLst>
-          </p:cNvPr>
-          <p:cNvSpPr/>
-          <p:nvPr/>
-        </p:nvSpPr>
-        <p:spPr>
-          <a:xfrm rot="2659413">
-            <a:off x="5164257" y="2353345"/>
-            <a:ext cx="1175657" cy="311331"/>
-          </a:xfrm>
-          <a:prstGeom prst="rightArrow">
-            <a:avLst/>
-          </a:prstGeom>
-        </p:spPr>
-        <p:style>
-          <a:lnRef idx="2">
-            <a:schemeClr val="accent1">
-              <a:shade val="50000"/>
-            </a:schemeClr>
-          </a:lnRef>
-          <a:fillRef idx="1">
-            <a:schemeClr val="accent1"/>
-          </a:fillRef>
-          <a:effectRef idx="0">
-            <a:schemeClr val="accent1"/>
-          </a:effectRef>
-          <a:fontRef idx="minor">
-            <a:schemeClr val="lt1"/>
-          </a:fontRef>
-        </p:style>
-        <p:txBody>
-          <a:bodyPr rtlCol="0" anchor="ctr"/>
-          <a:lstStyle/>
-          <a:p>
-            <a:pPr algn="ctr"/>
-            <a:endParaRPr lang="zh-TW" altLang="en-US"/>
-          </a:p>
-        </p:txBody>
-      </p:sp>
-      <p:sp>
-        <p:nvSpPr>
-          <p:cNvPr id="15" name="箭號: 彎曲 14">
-            <a:extLst>
-              <a:ext uri="{FF2B5EF4-FFF2-40B4-BE49-F238E27FC236}">
-                <a16:creationId xmlns:a16="http://schemas.microsoft.com/office/drawing/2014/main" id="{FE09C07E-52DE-45A6-B669-EA071553F8D1}"/>
-              </a:ext>
-            </a:extLst>
-          </p:cNvPr>
-          <p:cNvSpPr/>
-          <p:nvPr/>
-        </p:nvSpPr>
-        <p:spPr>
-          <a:xfrm rot="10800000">
-            <a:off x="4497474" y="4067912"/>
-            <a:ext cx="4566430" cy="1493085"/>
-          </a:xfrm>
-          <a:prstGeom prst="bentArrow">
-            <a:avLst>
-              <a:gd name="adj1" fmla="val 25000"/>
-              <a:gd name="adj2" fmla="val 25823"/>
-              <a:gd name="adj3" fmla="val 29527"/>
-              <a:gd name="adj4" fmla="val 46219"/>
-            </a:avLst>
-          </a:prstGeom>
-        </p:spPr>
-        <p:style>
-          <a:lnRef idx="2">
-            <a:schemeClr val="accent1">
-              <a:shade val="50000"/>
-            </a:schemeClr>
-          </a:lnRef>
-          <a:fillRef idx="1">
-            <a:schemeClr val="accent1"/>
-          </a:fillRef>
-          <a:effectRef idx="0">
-            <a:schemeClr val="accent1"/>
-          </a:effectRef>
-          <a:fontRef idx="minor">
-            <a:schemeClr val="lt1"/>
-          </a:fontRef>
-        </p:style>
-        <p:txBody>
-          <a:bodyPr rtlCol="0" anchor="ctr"/>
-          <a:lstStyle/>
-          <a:p>
-            <a:pPr algn="ctr"/>
-            <a:endParaRPr lang="zh-TW" altLang="en-US">
-              <a:solidFill>
-                <a:schemeClr val="tx1"/>
-              </a:solidFill>
-            </a:endParaRPr>
-          </a:p>
-        </p:txBody>
-      </p:sp>
-      <p:sp>
-        <p:nvSpPr>
-          <p:cNvPr id="17" name="文字方塊 16">
-            <a:extLst>
-              <a:ext uri="{FF2B5EF4-FFF2-40B4-BE49-F238E27FC236}">
-                <a16:creationId xmlns:a16="http://schemas.microsoft.com/office/drawing/2014/main" id="{D9EFAE5A-CE15-4E3E-9903-D3A44B3B7652}"/>
-              </a:ext>
-            </a:extLst>
-          </p:cNvPr>
-          <p:cNvSpPr txBox="1"/>
-          <p:nvPr/>
-        </p:nvSpPr>
-        <p:spPr>
-          <a:xfrm>
-            <a:off x="3397132" y="1875477"/>
-            <a:ext cx="1234119" cy="369332"/>
-          </a:xfrm>
-          <a:prstGeom prst="rect">
-            <a:avLst/>
-          </a:prstGeom>
-          <a:noFill/>
-        </p:spPr>
-        <p:txBody>
-          <a:bodyPr wrap="square" rtlCol="0">
-            <a:spAutoFit/>
-          </a:bodyPr>
-          <a:lstStyle/>
-          <a:p>
-            <a:r>
-              <a:rPr lang="en-US" altLang="zh-TW" dirty="0"/>
-              <a:t>Piped text</a:t>
-            </a:r>
             <a:endParaRPr lang="zh-TW" altLang="en-US" dirty="0"/>
           </a:p>
         </p:txBody>
@@ -14357,7 +12430,7 @@
     </p:spTree>
     <p:extLst>
       <p:ext uri="{BB962C8B-B14F-4D97-AF65-F5344CB8AC3E}">
-        <p14:creationId xmlns:p14="http://schemas.microsoft.com/office/powerpoint/2010/main" val="629713409"/>
+        <p14:creationId xmlns:p14="http://schemas.microsoft.com/office/powerpoint/2010/main" val="1052621955"/>
       </p:ext>
     </p:extLst>
   </p:cSld>
@@ -15166,6 +13239,2235 @@
     <p:extLst>
       <p:ext uri="{BB962C8B-B14F-4D97-AF65-F5344CB8AC3E}">
         <p14:creationId xmlns:p14="http://schemas.microsoft.com/office/powerpoint/2010/main" val="1802202182"/>
+      </p:ext>
+    </p:extLst>
+  </p:cSld>
+  <p:clrMapOvr>
+    <a:masterClrMapping/>
+  </p:clrMapOvr>
+</p:sld>
+</file>
+
+<file path=ppt/slides/slide20.xml><?xml version="1.0" encoding="utf-8"?>
+<p:sld xmlns:a="http://schemas.openxmlformats.org/drawingml/2006/main" xmlns:r="http://schemas.openxmlformats.org/officeDocument/2006/relationships" xmlns:p="http://schemas.openxmlformats.org/presentationml/2006/main">
+  <p:cSld>
+    <p:spTree>
+      <p:nvGrpSpPr>
+        <p:cNvPr id="1" name=""/>
+        <p:cNvGrpSpPr/>
+        <p:nvPr/>
+      </p:nvGrpSpPr>
+      <p:grpSpPr>
+        <a:xfrm>
+          <a:off x="0" y="0"/>
+          <a:ext cx="0" cy="0"/>
+          <a:chOff x="0" y="0"/>
+          <a:chExt cx="0" cy="0"/>
+        </a:xfrm>
+      </p:grpSpPr>
+      <p:sp>
+        <p:nvSpPr>
+          <p:cNvPr id="2" name="標題 1">
+            <a:extLst>
+              <a:ext uri="{FF2B5EF4-FFF2-40B4-BE49-F238E27FC236}">
+                <a16:creationId xmlns:a16="http://schemas.microsoft.com/office/drawing/2014/main" id="{93048374-F638-4A45-B565-8E46C4C95AF1}"/>
+              </a:ext>
+            </a:extLst>
+          </p:cNvPr>
+          <p:cNvSpPr>
+            <a:spLocks noGrp="1"/>
+          </p:cNvSpPr>
+          <p:nvPr>
+            <p:ph type="title"/>
+          </p:nvPr>
+        </p:nvSpPr>
+        <p:spPr/>
+        <p:txBody>
+          <a:bodyPr/>
+          <a:lstStyle/>
+          <a:p>
+            <a:r>
+              <a:rPr lang="en-US" altLang="zh-TW" dirty="0"/>
+              <a:t>Cond1</a:t>
+            </a:r>
+            <a:endParaRPr lang="zh-TW" altLang="en-US" dirty="0"/>
+          </a:p>
+        </p:txBody>
+      </p:sp>
+      <p:pic>
+        <p:nvPicPr>
+          <p:cNvPr id="4" name="圖片 3">
+            <a:extLst>
+              <a:ext uri="{FF2B5EF4-FFF2-40B4-BE49-F238E27FC236}">
+                <a16:creationId xmlns:a16="http://schemas.microsoft.com/office/drawing/2014/main" id="{19239EFD-FB82-485E-98E7-DDEDD1627C9B}"/>
+              </a:ext>
+            </a:extLst>
+          </p:cNvPr>
+          <p:cNvPicPr>
+            <a:picLocks noChangeAspect="1"/>
+          </p:cNvPicPr>
+          <p:nvPr/>
+        </p:nvPicPr>
+        <p:blipFill>
+          <a:blip r:embed="rId2"/>
+          <a:stretch>
+            <a:fillRect/>
+          </a:stretch>
+        </p:blipFill>
+        <p:spPr>
+          <a:xfrm>
+            <a:off x="957262" y="2143125"/>
+            <a:ext cx="10277475" cy="2571750"/>
+          </a:xfrm>
+          <a:prstGeom prst="rect">
+            <a:avLst/>
+          </a:prstGeom>
+        </p:spPr>
+      </p:pic>
+    </p:spTree>
+    <p:extLst>
+      <p:ext uri="{BB962C8B-B14F-4D97-AF65-F5344CB8AC3E}">
+        <p14:creationId xmlns:p14="http://schemas.microsoft.com/office/powerpoint/2010/main" val="3457477268"/>
+      </p:ext>
+    </p:extLst>
+  </p:cSld>
+  <p:clrMapOvr>
+    <a:masterClrMapping/>
+  </p:clrMapOvr>
+</p:sld>
+</file>
+
+<file path=ppt/slides/slide21.xml><?xml version="1.0" encoding="utf-8"?>
+<p:sld xmlns:a="http://schemas.openxmlformats.org/drawingml/2006/main" xmlns:r="http://schemas.openxmlformats.org/officeDocument/2006/relationships" xmlns:p="http://schemas.openxmlformats.org/presentationml/2006/main">
+  <p:cSld>
+    <p:spTree>
+      <p:nvGrpSpPr>
+        <p:cNvPr id="1" name=""/>
+        <p:cNvGrpSpPr/>
+        <p:nvPr/>
+      </p:nvGrpSpPr>
+      <p:grpSpPr>
+        <a:xfrm>
+          <a:off x="0" y="0"/>
+          <a:ext cx="0" cy="0"/>
+          <a:chOff x="0" y="0"/>
+          <a:chExt cx="0" cy="0"/>
+        </a:xfrm>
+      </p:grpSpPr>
+      <p:sp>
+        <p:nvSpPr>
+          <p:cNvPr id="2" name="標題 1">
+            <a:extLst>
+              <a:ext uri="{FF2B5EF4-FFF2-40B4-BE49-F238E27FC236}">
+                <a16:creationId xmlns:a16="http://schemas.microsoft.com/office/drawing/2014/main" id="{93048374-F638-4A45-B565-8E46C4C95AF1}"/>
+              </a:ext>
+            </a:extLst>
+          </p:cNvPr>
+          <p:cNvSpPr>
+            <a:spLocks noGrp="1"/>
+          </p:cNvSpPr>
+          <p:nvPr>
+            <p:ph type="title"/>
+          </p:nvPr>
+        </p:nvSpPr>
+        <p:spPr/>
+        <p:txBody>
+          <a:bodyPr/>
+          <a:lstStyle/>
+          <a:p>
+            <a:r>
+              <a:rPr lang="en-US" altLang="zh-TW" dirty="0"/>
+              <a:t>Cond2</a:t>
+            </a:r>
+            <a:endParaRPr lang="zh-TW" altLang="en-US" dirty="0"/>
+          </a:p>
+        </p:txBody>
+      </p:sp>
+      <p:pic>
+        <p:nvPicPr>
+          <p:cNvPr id="25" name="圖片 24">
+            <a:extLst>
+              <a:ext uri="{FF2B5EF4-FFF2-40B4-BE49-F238E27FC236}">
+                <a16:creationId xmlns:a16="http://schemas.microsoft.com/office/drawing/2014/main" id="{756B1DBE-8DC3-4FCD-B324-7CEEE9AD50B7}"/>
+              </a:ext>
+            </a:extLst>
+          </p:cNvPr>
+          <p:cNvPicPr>
+            <a:picLocks noChangeAspect="1"/>
+          </p:cNvPicPr>
+          <p:nvPr/>
+        </p:nvPicPr>
+        <p:blipFill>
+          <a:blip r:embed="rId2"/>
+          <a:stretch>
+            <a:fillRect/>
+          </a:stretch>
+        </p:blipFill>
+        <p:spPr>
+          <a:xfrm>
+            <a:off x="206985" y="2211707"/>
+            <a:ext cx="10277475" cy="3638550"/>
+          </a:xfrm>
+          <a:prstGeom prst="rect">
+            <a:avLst/>
+          </a:prstGeom>
+        </p:spPr>
+      </p:pic>
+      <p:pic>
+        <p:nvPicPr>
+          <p:cNvPr id="9" name="圖片 8">
+            <a:extLst>
+              <a:ext uri="{FF2B5EF4-FFF2-40B4-BE49-F238E27FC236}">
+                <a16:creationId xmlns:a16="http://schemas.microsoft.com/office/drawing/2014/main" id="{F81D37BC-A1B7-4F70-AD09-6CD6A05D7FC2}"/>
+              </a:ext>
+            </a:extLst>
+          </p:cNvPr>
+          <p:cNvPicPr>
+            <a:picLocks noChangeAspect="1"/>
+          </p:cNvPicPr>
+          <p:nvPr/>
+        </p:nvPicPr>
+        <p:blipFill>
+          <a:blip r:embed="rId3"/>
+          <a:stretch>
+            <a:fillRect/>
+          </a:stretch>
+        </p:blipFill>
+        <p:spPr>
+          <a:xfrm>
+            <a:off x="4417036" y="556641"/>
+            <a:ext cx="4905375" cy="1171575"/>
+          </a:xfrm>
+          <a:prstGeom prst="rect">
+            <a:avLst/>
+          </a:prstGeom>
+        </p:spPr>
+      </p:pic>
+    </p:spTree>
+    <p:extLst>
+      <p:ext uri="{BB962C8B-B14F-4D97-AF65-F5344CB8AC3E}">
+        <p14:creationId xmlns:p14="http://schemas.microsoft.com/office/powerpoint/2010/main" val="1086123593"/>
+      </p:ext>
+    </p:extLst>
+  </p:cSld>
+  <p:clrMapOvr>
+    <a:masterClrMapping/>
+  </p:clrMapOvr>
+</p:sld>
+</file>
+
+<file path=ppt/slides/slide22.xml><?xml version="1.0" encoding="utf-8"?>
+<p:sld xmlns:a="http://schemas.openxmlformats.org/drawingml/2006/main" xmlns:r="http://schemas.openxmlformats.org/officeDocument/2006/relationships" xmlns:p="http://schemas.openxmlformats.org/presentationml/2006/main">
+  <p:cSld>
+    <p:spTree>
+      <p:nvGrpSpPr>
+        <p:cNvPr id="1" name=""/>
+        <p:cNvGrpSpPr/>
+        <p:nvPr/>
+      </p:nvGrpSpPr>
+      <p:grpSpPr>
+        <a:xfrm>
+          <a:off x="0" y="0"/>
+          <a:ext cx="0" cy="0"/>
+          <a:chOff x="0" y="0"/>
+          <a:chExt cx="0" cy="0"/>
+        </a:xfrm>
+      </p:grpSpPr>
+      <p:sp>
+        <p:nvSpPr>
+          <p:cNvPr id="2" name="標題 1">
+            <a:extLst>
+              <a:ext uri="{FF2B5EF4-FFF2-40B4-BE49-F238E27FC236}">
+                <a16:creationId xmlns:a16="http://schemas.microsoft.com/office/drawing/2014/main" id="{93048374-F638-4A45-B565-8E46C4C95AF1}"/>
+              </a:ext>
+            </a:extLst>
+          </p:cNvPr>
+          <p:cNvSpPr>
+            <a:spLocks noGrp="1"/>
+          </p:cNvSpPr>
+          <p:nvPr>
+            <p:ph type="title"/>
+          </p:nvPr>
+        </p:nvSpPr>
+        <p:spPr/>
+        <p:txBody>
+          <a:bodyPr/>
+          <a:lstStyle/>
+          <a:p>
+            <a:r>
+              <a:rPr lang="en-US" altLang="zh-TW" dirty="0"/>
+              <a:t>MTurk1</a:t>
+            </a:r>
+            <a:endParaRPr lang="zh-TW" altLang="en-US" dirty="0"/>
+          </a:p>
+        </p:txBody>
+      </p:sp>
+      <p:pic>
+        <p:nvPicPr>
+          <p:cNvPr id="5" name="圖片 4">
+            <a:extLst>
+              <a:ext uri="{FF2B5EF4-FFF2-40B4-BE49-F238E27FC236}">
+                <a16:creationId xmlns:a16="http://schemas.microsoft.com/office/drawing/2014/main" id="{D55D8CA6-26E7-46D2-AEA7-31FB922D4EB0}"/>
+              </a:ext>
+            </a:extLst>
+          </p:cNvPr>
+          <p:cNvPicPr>
+            <a:picLocks noChangeAspect="1"/>
+          </p:cNvPicPr>
+          <p:nvPr/>
+        </p:nvPicPr>
+        <p:blipFill>
+          <a:blip r:embed="rId2"/>
+          <a:stretch>
+            <a:fillRect/>
+          </a:stretch>
+        </p:blipFill>
+        <p:spPr>
+          <a:xfrm>
+            <a:off x="2335630" y="2207152"/>
+            <a:ext cx="5467350" cy="495300"/>
+          </a:xfrm>
+          <a:prstGeom prst="rect">
+            <a:avLst/>
+          </a:prstGeom>
+        </p:spPr>
+      </p:pic>
+      <p:pic>
+        <p:nvPicPr>
+          <p:cNvPr id="4" name="圖片 3">
+            <a:extLst>
+              <a:ext uri="{FF2B5EF4-FFF2-40B4-BE49-F238E27FC236}">
+                <a16:creationId xmlns:a16="http://schemas.microsoft.com/office/drawing/2014/main" id="{8600AD84-ED65-4CF3-B269-9780B42948D0}"/>
+              </a:ext>
+            </a:extLst>
+          </p:cNvPr>
+          <p:cNvPicPr>
+            <a:picLocks noChangeAspect="1"/>
+          </p:cNvPicPr>
+          <p:nvPr/>
+        </p:nvPicPr>
+        <p:blipFill>
+          <a:blip r:embed="rId3"/>
+          <a:stretch>
+            <a:fillRect/>
+          </a:stretch>
+        </p:blipFill>
+        <p:spPr>
+          <a:xfrm>
+            <a:off x="1115568" y="3181388"/>
+            <a:ext cx="7315200" cy="2019300"/>
+          </a:xfrm>
+          <a:prstGeom prst="rect">
+            <a:avLst/>
+          </a:prstGeom>
+        </p:spPr>
+      </p:pic>
+      <p:sp>
+        <p:nvSpPr>
+          <p:cNvPr id="8" name="箭號: 向右 7">
+            <a:extLst>
+              <a:ext uri="{FF2B5EF4-FFF2-40B4-BE49-F238E27FC236}">
+                <a16:creationId xmlns:a16="http://schemas.microsoft.com/office/drawing/2014/main" id="{4B5DE573-2862-4F6E-BDCA-60F8BB031B03}"/>
+              </a:ext>
+            </a:extLst>
+          </p:cNvPr>
+          <p:cNvSpPr/>
+          <p:nvPr/>
+        </p:nvSpPr>
+        <p:spPr>
+          <a:xfrm rot="14267467">
+            <a:off x="4674826" y="4615710"/>
+            <a:ext cx="1175657" cy="311331"/>
+          </a:xfrm>
+          <a:prstGeom prst="rightArrow">
+            <a:avLst/>
+          </a:prstGeom>
+        </p:spPr>
+        <p:style>
+          <a:lnRef idx="2">
+            <a:schemeClr val="accent1">
+              <a:shade val="50000"/>
+            </a:schemeClr>
+          </a:lnRef>
+          <a:fillRef idx="1">
+            <a:schemeClr val="accent1"/>
+          </a:fillRef>
+          <a:effectRef idx="0">
+            <a:schemeClr val="accent1"/>
+          </a:effectRef>
+          <a:fontRef idx="minor">
+            <a:schemeClr val="lt1"/>
+          </a:fontRef>
+        </p:style>
+        <p:txBody>
+          <a:bodyPr rtlCol="0" anchor="ctr"/>
+          <a:lstStyle/>
+          <a:p>
+            <a:pPr algn="ctr"/>
+            <a:endParaRPr lang="zh-TW" altLang="en-US"/>
+          </a:p>
+        </p:txBody>
+      </p:sp>
+      <p:sp>
+        <p:nvSpPr>
+          <p:cNvPr id="6" name="文字方塊 5">
+            <a:extLst>
+              <a:ext uri="{FF2B5EF4-FFF2-40B4-BE49-F238E27FC236}">
+                <a16:creationId xmlns:a16="http://schemas.microsoft.com/office/drawing/2014/main" id="{E70D74EF-EE35-4461-9D01-7EE07F19C0F2}"/>
+              </a:ext>
+            </a:extLst>
+          </p:cNvPr>
+          <p:cNvSpPr txBox="1"/>
+          <p:nvPr/>
+        </p:nvSpPr>
+        <p:spPr>
+          <a:xfrm>
+            <a:off x="5007429" y="5416731"/>
+            <a:ext cx="1915885" cy="646331"/>
+          </a:xfrm>
+          <a:prstGeom prst="rect">
+            <a:avLst/>
+          </a:prstGeom>
+          <a:noFill/>
+        </p:spPr>
+        <p:txBody>
+          <a:bodyPr wrap="square" rtlCol="0">
+            <a:spAutoFit/>
+          </a:bodyPr>
+          <a:lstStyle/>
+          <a:p>
+            <a:r>
+              <a:rPr lang="en-US" altLang="zh-TW" dirty="0"/>
+              <a:t>Add condition manually here</a:t>
+            </a:r>
+            <a:endParaRPr lang="zh-TW" altLang="en-US" dirty="0"/>
+          </a:p>
+        </p:txBody>
+      </p:sp>
+      <p:pic>
+        <p:nvPicPr>
+          <p:cNvPr id="10" name="圖片 9">
+            <a:extLst>
+              <a:ext uri="{FF2B5EF4-FFF2-40B4-BE49-F238E27FC236}">
+                <a16:creationId xmlns:a16="http://schemas.microsoft.com/office/drawing/2014/main" id="{D6E92F85-1D63-495C-B370-B954AF2954F1}"/>
+              </a:ext>
+            </a:extLst>
+          </p:cNvPr>
+          <p:cNvPicPr>
+            <a:picLocks noChangeAspect="1"/>
+          </p:cNvPicPr>
+          <p:nvPr/>
+        </p:nvPicPr>
+        <p:blipFill>
+          <a:blip r:embed="rId4"/>
+          <a:stretch>
+            <a:fillRect/>
+          </a:stretch>
+        </p:blipFill>
+        <p:spPr>
+          <a:xfrm>
+            <a:off x="4281487" y="3009900"/>
+            <a:ext cx="3629025" cy="838200"/>
+          </a:xfrm>
+          <a:prstGeom prst="rect">
+            <a:avLst/>
+          </a:prstGeom>
+        </p:spPr>
+      </p:pic>
+    </p:spTree>
+    <p:extLst>
+      <p:ext uri="{BB962C8B-B14F-4D97-AF65-F5344CB8AC3E}">
+        <p14:creationId xmlns:p14="http://schemas.microsoft.com/office/powerpoint/2010/main" val="3407232993"/>
+      </p:ext>
+    </p:extLst>
+  </p:cSld>
+  <p:clrMapOvr>
+    <a:masterClrMapping/>
+  </p:clrMapOvr>
+</p:sld>
+</file>
+
+<file path=ppt/slides/slide23.xml><?xml version="1.0" encoding="utf-8"?>
+<p:sld xmlns:a="http://schemas.openxmlformats.org/drawingml/2006/main" xmlns:r="http://schemas.openxmlformats.org/officeDocument/2006/relationships" xmlns:p="http://schemas.openxmlformats.org/presentationml/2006/main">
+  <p:cSld>
+    <p:spTree>
+      <p:nvGrpSpPr>
+        <p:cNvPr id="1" name=""/>
+        <p:cNvGrpSpPr/>
+        <p:nvPr/>
+      </p:nvGrpSpPr>
+      <p:grpSpPr>
+        <a:xfrm>
+          <a:off x="0" y="0"/>
+          <a:ext cx="0" cy="0"/>
+          <a:chOff x="0" y="0"/>
+          <a:chExt cx="0" cy="0"/>
+        </a:xfrm>
+      </p:grpSpPr>
+      <p:sp>
+        <p:nvSpPr>
+          <p:cNvPr id="2" name="標題 1">
+            <a:extLst>
+              <a:ext uri="{FF2B5EF4-FFF2-40B4-BE49-F238E27FC236}">
+                <a16:creationId xmlns:a16="http://schemas.microsoft.com/office/drawing/2014/main" id="{93048374-F638-4A45-B565-8E46C4C95AF1}"/>
+              </a:ext>
+            </a:extLst>
+          </p:cNvPr>
+          <p:cNvSpPr>
+            <a:spLocks noGrp="1"/>
+          </p:cNvSpPr>
+          <p:nvPr>
+            <p:ph type="title"/>
+          </p:nvPr>
+        </p:nvSpPr>
+        <p:spPr/>
+        <p:txBody>
+          <a:bodyPr/>
+          <a:lstStyle/>
+          <a:p>
+            <a:r>
+              <a:rPr lang="en-US" altLang="zh-TW" dirty="0"/>
+              <a:t>MTurk2</a:t>
+            </a:r>
+            <a:endParaRPr lang="zh-TW" altLang="en-US" dirty="0"/>
+          </a:p>
+        </p:txBody>
+      </p:sp>
+      <p:pic>
+        <p:nvPicPr>
+          <p:cNvPr id="10" name="圖片 9">
+            <a:extLst>
+              <a:ext uri="{FF2B5EF4-FFF2-40B4-BE49-F238E27FC236}">
+                <a16:creationId xmlns:a16="http://schemas.microsoft.com/office/drawing/2014/main" id="{D6E92F85-1D63-495C-B370-B954AF2954F1}"/>
+              </a:ext>
+            </a:extLst>
+          </p:cNvPr>
+          <p:cNvPicPr>
+            <a:picLocks noChangeAspect="1"/>
+          </p:cNvPicPr>
+          <p:nvPr/>
+        </p:nvPicPr>
+        <p:blipFill>
+          <a:blip r:embed="rId2"/>
+          <a:stretch>
+            <a:fillRect/>
+          </a:stretch>
+        </p:blipFill>
+        <p:spPr>
+          <a:xfrm>
+            <a:off x="704097" y="1485899"/>
+            <a:ext cx="3629025" cy="838200"/>
+          </a:xfrm>
+          <a:prstGeom prst="rect">
+            <a:avLst/>
+          </a:prstGeom>
+        </p:spPr>
+      </p:pic>
+      <p:pic>
+        <p:nvPicPr>
+          <p:cNvPr id="7" name="圖片 6">
+            <a:extLst>
+              <a:ext uri="{FF2B5EF4-FFF2-40B4-BE49-F238E27FC236}">
+                <a16:creationId xmlns:a16="http://schemas.microsoft.com/office/drawing/2014/main" id="{3A45AE84-0285-46B2-B58C-B6FDFF2FDDBA}"/>
+              </a:ext>
+            </a:extLst>
+          </p:cNvPr>
+          <p:cNvPicPr>
+            <a:picLocks noChangeAspect="1"/>
+          </p:cNvPicPr>
+          <p:nvPr/>
+        </p:nvPicPr>
+        <p:blipFill rotWithShape="1">
+          <a:blip r:embed="rId3"/>
+          <a:srcRect b="49672"/>
+          <a:stretch/>
+        </p:blipFill>
+        <p:spPr>
+          <a:xfrm>
+            <a:off x="4919861" y="2931689"/>
+            <a:ext cx="6800850" cy="3135086"/>
+          </a:xfrm>
+          <a:prstGeom prst="rect">
+            <a:avLst/>
+          </a:prstGeom>
+        </p:spPr>
+      </p:pic>
+      <p:pic>
+        <p:nvPicPr>
+          <p:cNvPr id="11" name="圖片 10">
+            <a:extLst>
+              <a:ext uri="{FF2B5EF4-FFF2-40B4-BE49-F238E27FC236}">
+                <a16:creationId xmlns:a16="http://schemas.microsoft.com/office/drawing/2014/main" id="{63C8B4B4-B607-468E-8F1D-646F5AD401F4}"/>
+              </a:ext>
+            </a:extLst>
+          </p:cNvPr>
+          <p:cNvPicPr>
+            <a:picLocks noChangeAspect="1"/>
+          </p:cNvPicPr>
+          <p:nvPr/>
+        </p:nvPicPr>
+        <p:blipFill>
+          <a:blip r:embed="rId4"/>
+          <a:stretch>
+            <a:fillRect/>
+          </a:stretch>
+        </p:blipFill>
+        <p:spPr>
+          <a:xfrm>
+            <a:off x="937084" y="3261358"/>
+            <a:ext cx="2686050" cy="2686050"/>
+          </a:xfrm>
+          <a:prstGeom prst="rect">
+            <a:avLst/>
+          </a:prstGeom>
+        </p:spPr>
+      </p:pic>
+      <p:sp>
+        <p:nvSpPr>
+          <p:cNvPr id="12" name="箭號: 向右 11">
+            <a:extLst>
+              <a:ext uri="{FF2B5EF4-FFF2-40B4-BE49-F238E27FC236}">
+                <a16:creationId xmlns:a16="http://schemas.microsoft.com/office/drawing/2014/main" id="{8BBC02DB-A305-4567-BCDF-AD5E53A63428}"/>
+              </a:ext>
+            </a:extLst>
+          </p:cNvPr>
+          <p:cNvSpPr/>
+          <p:nvPr/>
+        </p:nvSpPr>
+        <p:spPr>
+          <a:xfrm rot="6150506">
+            <a:off x="1692280" y="2776024"/>
+            <a:ext cx="1175657" cy="311331"/>
+          </a:xfrm>
+          <a:prstGeom prst="rightArrow">
+            <a:avLst/>
+          </a:prstGeom>
+        </p:spPr>
+        <p:style>
+          <a:lnRef idx="2">
+            <a:schemeClr val="accent1">
+              <a:shade val="50000"/>
+            </a:schemeClr>
+          </a:lnRef>
+          <a:fillRef idx="1">
+            <a:schemeClr val="accent1"/>
+          </a:fillRef>
+          <a:effectRef idx="0">
+            <a:schemeClr val="accent1"/>
+          </a:effectRef>
+          <a:fontRef idx="minor">
+            <a:schemeClr val="lt1"/>
+          </a:fontRef>
+        </p:style>
+        <p:txBody>
+          <a:bodyPr rtlCol="0" anchor="ctr"/>
+          <a:lstStyle/>
+          <a:p>
+            <a:pPr algn="ctr"/>
+            <a:endParaRPr lang="zh-TW" altLang="en-US"/>
+          </a:p>
+        </p:txBody>
+      </p:sp>
+      <p:sp>
+        <p:nvSpPr>
+          <p:cNvPr id="13" name="箭號: 向右 12">
+            <a:extLst>
+              <a:ext uri="{FF2B5EF4-FFF2-40B4-BE49-F238E27FC236}">
+                <a16:creationId xmlns:a16="http://schemas.microsoft.com/office/drawing/2014/main" id="{161C18EA-ECD8-4F55-B4B3-51BE50B25314}"/>
+              </a:ext>
+            </a:extLst>
+          </p:cNvPr>
+          <p:cNvSpPr/>
+          <p:nvPr/>
+        </p:nvSpPr>
+        <p:spPr>
+          <a:xfrm rot="219277">
+            <a:off x="2571450" y="4964357"/>
+            <a:ext cx="3090791" cy="476925"/>
+          </a:xfrm>
+          <a:prstGeom prst="rightArrow">
+            <a:avLst/>
+          </a:prstGeom>
+        </p:spPr>
+        <p:style>
+          <a:lnRef idx="2">
+            <a:schemeClr val="accent1">
+              <a:shade val="50000"/>
+            </a:schemeClr>
+          </a:lnRef>
+          <a:fillRef idx="1">
+            <a:schemeClr val="accent1"/>
+          </a:fillRef>
+          <a:effectRef idx="0">
+            <a:schemeClr val="accent1"/>
+          </a:effectRef>
+          <a:fontRef idx="minor">
+            <a:schemeClr val="lt1"/>
+          </a:fontRef>
+        </p:style>
+        <p:txBody>
+          <a:bodyPr rtlCol="0" anchor="ctr"/>
+          <a:lstStyle/>
+          <a:p>
+            <a:pPr algn="ctr"/>
+            <a:endParaRPr lang="zh-TW" altLang="en-US"/>
+          </a:p>
+        </p:txBody>
+      </p:sp>
+      <p:sp>
+        <p:nvSpPr>
+          <p:cNvPr id="14" name="箭號: 向右 13">
+            <a:extLst>
+              <a:ext uri="{FF2B5EF4-FFF2-40B4-BE49-F238E27FC236}">
+                <a16:creationId xmlns:a16="http://schemas.microsoft.com/office/drawing/2014/main" id="{1C319963-442A-423E-83A5-EF5A45AE5A26}"/>
+              </a:ext>
+            </a:extLst>
+          </p:cNvPr>
+          <p:cNvSpPr/>
+          <p:nvPr/>
+        </p:nvSpPr>
+        <p:spPr>
+          <a:xfrm rot="16200000">
+            <a:off x="8133573" y="2625761"/>
+            <a:ext cx="1350113" cy="476925"/>
+          </a:xfrm>
+          <a:prstGeom prst="rightArrow">
+            <a:avLst/>
+          </a:prstGeom>
+        </p:spPr>
+        <p:style>
+          <a:lnRef idx="2">
+            <a:schemeClr val="accent1">
+              <a:shade val="50000"/>
+            </a:schemeClr>
+          </a:lnRef>
+          <a:fillRef idx="1">
+            <a:schemeClr val="accent1"/>
+          </a:fillRef>
+          <a:effectRef idx="0">
+            <a:schemeClr val="accent1"/>
+          </a:effectRef>
+          <a:fontRef idx="minor">
+            <a:schemeClr val="lt1"/>
+          </a:fontRef>
+        </p:style>
+        <p:txBody>
+          <a:bodyPr rtlCol="0" anchor="ctr"/>
+          <a:lstStyle/>
+          <a:p>
+            <a:pPr algn="ctr"/>
+            <a:endParaRPr lang="zh-TW" altLang="en-US"/>
+          </a:p>
+        </p:txBody>
+      </p:sp>
+      <p:pic>
+        <p:nvPicPr>
+          <p:cNvPr id="16" name="圖片 15">
+            <a:extLst>
+              <a:ext uri="{FF2B5EF4-FFF2-40B4-BE49-F238E27FC236}">
+                <a16:creationId xmlns:a16="http://schemas.microsoft.com/office/drawing/2014/main" id="{511B6387-02DD-42AC-BEE8-4182F64E781E}"/>
+              </a:ext>
+            </a:extLst>
+          </p:cNvPr>
+          <p:cNvPicPr>
+            <a:picLocks noChangeAspect="1"/>
+          </p:cNvPicPr>
+          <p:nvPr/>
+        </p:nvPicPr>
+        <p:blipFill>
+          <a:blip r:embed="rId5"/>
+          <a:stretch>
+            <a:fillRect/>
+          </a:stretch>
+        </p:blipFill>
+        <p:spPr>
+          <a:xfrm>
+            <a:off x="4571810" y="340302"/>
+            <a:ext cx="7496951" cy="1618389"/>
+          </a:xfrm>
+          <a:prstGeom prst="rect">
+            <a:avLst/>
+          </a:prstGeom>
+        </p:spPr>
+      </p:pic>
+    </p:spTree>
+    <p:extLst>
+      <p:ext uri="{BB962C8B-B14F-4D97-AF65-F5344CB8AC3E}">
+        <p14:creationId xmlns:p14="http://schemas.microsoft.com/office/powerpoint/2010/main" val="2364918243"/>
+      </p:ext>
+    </p:extLst>
+  </p:cSld>
+  <p:clrMapOvr>
+    <a:masterClrMapping/>
+  </p:clrMapOvr>
+</p:sld>
+</file>
+
+<file path=ppt/slides/slide24.xml><?xml version="1.0" encoding="utf-8"?>
+<p:sld xmlns:a="http://schemas.openxmlformats.org/drawingml/2006/main" xmlns:r="http://schemas.openxmlformats.org/officeDocument/2006/relationships" xmlns:p="http://schemas.openxmlformats.org/presentationml/2006/main">
+  <p:cSld>
+    <p:spTree>
+      <p:nvGrpSpPr>
+        <p:cNvPr id="1" name=""/>
+        <p:cNvGrpSpPr/>
+        <p:nvPr/>
+      </p:nvGrpSpPr>
+      <p:grpSpPr>
+        <a:xfrm>
+          <a:off x="0" y="0"/>
+          <a:ext cx="0" cy="0"/>
+          <a:chOff x="0" y="0"/>
+          <a:chExt cx="0" cy="0"/>
+        </a:xfrm>
+      </p:grpSpPr>
+      <p:sp>
+        <p:nvSpPr>
+          <p:cNvPr id="2" name="標題 1">
+            <a:extLst>
+              <a:ext uri="{FF2B5EF4-FFF2-40B4-BE49-F238E27FC236}">
+                <a16:creationId xmlns:a16="http://schemas.microsoft.com/office/drawing/2014/main" id="{325F0D5C-653F-45AE-833E-53C864EA5B1C}"/>
+              </a:ext>
+            </a:extLst>
+          </p:cNvPr>
+          <p:cNvSpPr>
+            <a:spLocks noGrp="1"/>
+          </p:cNvSpPr>
+          <p:nvPr>
+            <p:ph type="title"/>
+          </p:nvPr>
+        </p:nvSpPr>
+        <p:spPr/>
+        <p:txBody>
+          <a:bodyPr/>
+          <a:lstStyle/>
+          <a:p>
+            <a:r>
+              <a:rPr lang="en-US" altLang="zh-TW" dirty="0"/>
+              <a:t>Export</a:t>
+            </a:r>
+            <a:endParaRPr lang="zh-TW" altLang="en-US" dirty="0"/>
+          </a:p>
+        </p:txBody>
+      </p:sp>
+      <p:pic>
+        <p:nvPicPr>
+          <p:cNvPr id="5" name="圖片 4">
+            <a:extLst>
+              <a:ext uri="{FF2B5EF4-FFF2-40B4-BE49-F238E27FC236}">
+                <a16:creationId xmlns:a16="http://schemas.microsoft.com/office/drawing/2014/main" id="{7443D300-F59B-48F7-8CAF-66D66563B977}"/>
+              </a:ext>
+            </a:extLst>
+          </p:cNvPr>
+          <p:cNvPicPr>
+            <a:picLocks noChangeAspect="1"/>
+          </p:cNvPicPr>
+          <p:nvPr/>
+        </p:nvPicPr>
+        <p:blipFill>
+          <a:blip r:embed="rId2"/>
+          <a:stretch>
+            <a:fillRect/>
+          </a:stretch>
+        </p:blipFill>
+        <p:spPr>
+          <a:xfrm>
+            <a:off x="528637" y="2239899"/>
+            <a:ext cx="6048375" cy="476250"/>
+          </a:xfrm>
+          <a:prstGeom prst="rect">
+            <a:avLst/>
+          </a:prstGeom>
+        </p:spPr>
+      </p:pic>
+      <p:pic>
+        <p:nvPicPr>
+          <p:cNvPr id="9" name="圖片 8">
+            <a:extLst>
+              <a:ext uri="{FF2B5EF4-FFF2-40B4-BE49-F238E27FC236}">
+                <a16:creationId xmlns:a16="http://schemas.microsoft.com/office/drawing/2014/main" id="{B7E185EA-778C-46E8-AA0E-3EEAC565764B}"/>
+              </a:ext>
+            </a:extLst>
+          </p:cNvPr>
+          <p:cNvPicPr>
+            <a:picLocks noChangeAspect="1"/>
+          </p:cNvPicPr>
+          <p:nvPr/>
+        </p:nvPicPr>
+        <p:blipFill>
+          <a:blip r:embed="rId3"/>
+          <a:stretch>
+            <a:fillRect/>
+          </a:stretch>
+        </p:blipFill>
+        <p:spPr>
+          <a:xfrm>
+            <a:off x="528637" y="3199257"/>
+            <a:ext cx="4791075" cy="2438400"/>
+          </a:xfrm>
+          <a:prstGeom prst="rect">
+            <a:avLst/>
+          </a:prstGeom>
+        </p:spPr>
+      </p:pic>
+      <p:pic>
+        <p:nvPicPr>
+          <p:cNvPr id="11" name="圖片 10">
+            <a:extLst>
+              <a:ext uri="{FF2B5EF4-FFF2-40B4-BE49-F238E27FC236}">
+                <a16:creationId xmlns:a16="http://schemas.microsoft.com/office/drawing/2014/main" id="{CEAC274F-5197-49D7-96BC-55917C342720}"/>
+              </a:ext>
+            </a:extLst>
+          </p:cNvPr>
+          <p:cNvPicPr>
+            <a:picLocks noChangeAspect="1"/>
+          </p:cNvPicPr>
+          <p:nvPr/>
+        </p:nvPicPr>
+        <p:blipFill>
+          <a:blip r:embed="rId4"/>
+          <a:stretch>
+            <a:fillRect/>
+          </a:stretch>
+        </p:blipFill>
+        <p:spPr>
+          <a:xfrm>
+            <a:off x="7453313" y="1138428"/>
+            <a:ext cx="4210050" cy="5334000"/>
+          </a:xfrm>
+          <a:prstGeom prst="rect">
+            <a:avLst/>
+          </a:prstGeom>
+        </p:spPr>
+      </p:pic>
+      <p:sp>
+        <p:nvSpPr>
+          <p:cNvPr id="12" name="箭號: 向右 11">
+            <a:extLst>
+              <a:ext uri="{FF2B5EF4-FFF2-40B4-BE49-F238E27FC236}">
+                <a16:creationId xmlns:a16="http://schemas.microsoft.com/office/drawing/2014/main" id="{AAD5A4D3-981B-4372-92D4-53C628604B86}"/>
+              </a:ext>
+            </a:extLst>
+          </p:cNvPr>
+          <p:cNvSpPr/>
+          <p:nvPr/>
+        </p:nvSpPr>
+        <p:spPr>
+          <a:xfrm rot="6150506">
+            <a:off x="1852879" y="3011244"/>
+            <a:ext cx="854371" cy="311331"/>
+          </a:xfrm>
+          <a:prstGeom prst="rightArrow">
+            <a:avLst/>
+          </a:prstGeom>
+        </p:spPr>
+        <p:style>
+          <a:lnRef idx="2">
+            <a:schemeClr val="accent1">
+              <a:shade val="50000"/>
+            </a:schemeClr>
+          </a:lnRef>
+          <a:fillRef idx="1">
+            <a:schemeClr val="accent1"/>
+          </a:fillRef>
+          <a:effectRef idx="0">
+            <a:schemeClr val="accent1"/>
+          </a:effectRef>
+          <a:fontRef idx="minor">
+            <a:schemeClr val="lt1"/>
+          </a:fontRef>
+        </p:style>
+        <p:txBody>
+          <a:bodyPr rtlCol="0" anchor="ctr"/>
+          <a:lstStyle/>
+          <a:p>
+            <a:pPr algn="ctr"/>
+            <a:endParaRPr lang="zh-TW" altLang="en-US"/>
+          </a:p>
+        </p:txBody>
+      </p:sp>
+      <p:sp>
+        <p:nvSpPr>
+          <p:cNvPr id="13" name="箭號: 向右 12">
+            <a:extLst>
+              <a:ext uri="{FF2B5EF4-FFF2-40B4-BE49-F238E27FC236}">
+                <a16:creationId xmlns:a16="http://schemas.microsoft.com/office/drawing/2014/main" id="{47E48F30-0B17-486E-965A-A30C64F4CBD3}"/>
+              </a:ext>
+            </a:extLst>
+          </p:cNvPr>
+          <p:cNvSpPr/>
+          <p:nvPr/>
+        </p:nvSpPr>
+        <p:spPr>
+          <a:xfrm rot="20550152">
+            <a:off x="5293705" y="3623999"/>
+            <a:ext cx="2185615" cy="476925"/>
+          </a:xfrm>
+          <a:prstGeom prst="rightArrow">
+            <a:avLst/>
+          </a:prstGeom>
+        </p:spPr>
+        <p:style>
+          <a:lnRef idx="2">
+            <a:schemeClr val="accent1">
+              <a:shade val="50000"/>
+            </a:schemeClr>
+          </a:lnRef>
+          <a:fillRef idx="1">
+            <a:schemeClr val="accent1"/>
+          </a:fillRef>
+          <a:effectRef idx="0">
+            <a:schemeClr val="accent1"/>
+          </a:effectRef>
+          <a:fontRef idx="minor">
+            <a:schemeClr val="lt1"/>
+          </a:fontRef>
+        </p:style>
+        <p:txBody>
+          <a:bodyPr rtlCol="0" anchor="ctr"/>
+          <a:lstStyle/>
+          <a:p>
+            <a:pPr algn="ctr"/>
+            <a:endParaRPr lang="zh-TW" altLang="en-US"/>
+          </a:p>
+        </p:txBody>
+      </p:sp>
+    </p:spTree>
+    <p:extLst>
+      <p:ext uri="{BB962C8B-B14F-4D97-AF65-F5344CB8AC3E}">
+        <p14:creationId xmlns:p14="http://schemas.microsoft.com/office/powerpoint/2010/main" val="3939644522"/>
+      </p:ext>
+    </p:extLst>
+  </p:cSld>
+  <p:clrMapOvr>
+    <a:masterClrMapping/>
+  </p:clrMapOvr>
+</p:sld>
+</file>
+
+<file path=ppt/slides/slide25.xml><?xml version="1.0" encoding="utf-8"?>
+<p:sld xmlns:a="http://schemas.openxmlformats.org/drawingml/2006/main" xmlns:r="http://schemas.openxmlformats.org/officeDocument/2006/relationships" xmlns:p="http://schemas.openxmlformats.org/presentationml/2006/main">
+  <p:cSld>
+    <p:spTree>
+      <p:nvGrpSpPr>
+        <p:cNvPr id="1" name=""/>
+        <p:cNvGrpSpPr/>
+        <p:nvPr/>
+      </p:nvGrpSpPr>
+      <p:grpSpPr>
+        <a:xfrm>
+          <a:off x="0" y="0"/>
+          <a:ext cx="0" cy="0"/>
+          <a:chOff x="0" y="0"/>
+          <a:chExt cx="0" cy="0"/>
+        </a:xfrm>
+      </p:grpSpPr>
+      <p:sp>
+        <p:nvSpPr>
+          <p:cNvPr id="2" name="標題 1">
+            <a:extLst>
+              <a:ext uri="{FF2B5EF4-FFF2-40B4-BE49-F238E27FC236}">
+                <a16:creationId xmlns:a16="http://schemas.microsoft.com/office/drawing/2014/main" id="{325F0D5C-653F-45AE-833E-53C864EA5B1C}"/>
+              </a:ext>
+            </a:extLst>
+          </p:cNvPr>
+          <p:cNvSpPr>
+            <a:spLocks noGrp="1"/>
+          </p:cNvSpPr>
+          <p:nvPr>
+            <p:ph type="title"/>
+          </p:nvPr>
+        </p:nvSpPr>
+        <p:spPr/>
+        <p:txBody>
+          <a:bodyPr/>
+          <a:lstStyle/>
+          <a:p>
+            <a:r>
+              <a:rPr lang="en-US" altLang="zh-TW" dirty="0"/>
+              <a:t>Export</a:t>
+            </a:r>
+            <a:endParaRPr lang="zh-TW" altLang="en-US" dirty="0"/>
+          </a:p>
+        </p:txBody>
+      </p:sp>
+      <p:pic>
+        <p:nvPicPr>
+          <p:cNvPr id="4" name="圖片 3">
+            <a:extLst>
+              <a:ext uri="{FF2B5EF4-FFF2-40B4-BE49-F238E27FC236}">
+                <a16:creationId xmlns:a16="http://schemas.microsoft.com/office/drawing/2014/main" id="{513D42E9-53AF-4A32-BDA1-FE2B356E4A29}"/>
+              </a:ext>
+            </a:extLst>
+          </p:cNvPr>
+          <p:cNvPicPr>
+            <a:picLocks noChangeAspect="1"/>
+          </p:cNvPicPr>
+          <p:nvPr/>
+        </p:nvPicPr>
+        <p:blipFill>
+          <a:blip r:embed="rId2"/>
+          <a:stretch>
+            <a:fillRect/>
+          </a:stretch>
+        </p:blipFill>
+        <p:spPr>
+          <a:xfrm>
+            <a:off x="4426968" y="0"/>
+            <a:ext cx="5262113" cy="6858000"/>
+          </a:xfrm>
+          <a:prstGeom prst="rect">
+            <a:avLst/>
+          </a:prstGeom>
+        </p:spPr>
+      </p:pic>
+    </p:spTree>
+    <p:extLst>
+      <p:ext uri="{BB962C8B-B14F-4D97-AF65-F5344CB8AC3E}">
+        <p14:creationId xmlns:p14="http://schemas.microsoft.com/office/powerpoint/2010/main" val="2623324145"/>
+      </p:ext>
+    </p:extLst>
+  </p:cSld>
+  <p:clrMapOvr>
+    <a:masterClrMapping/>
+  </p:clrMapOvr>
+</p:sld>
+</file>
+
+<file path=ppt/slides/slide26.xml><?xml version="1.0" encoding="utf-8"?>
+<p:sld xmlns:a="http://schemas.openxmlformats.org/drawingml/2006/main" xmlns:r="http://schemas.openxmlformats.org/officeDocument/2006/relationships" xmlns:p="http://schemas.openxmlformats.org/presentationml/2006/main">
+  <p:cSld>
+    <p:spTree>
+      <p:nvGrpSpPr>
+        <p:cNvPr id="1" name=""/>
+        <p:cNvGrpSpPr/>
+        <p:nvPr/>
+      </p:nvGrpSpPr>
+      <p:grpSpPr>
+        <a:xfrm>
+          <a:off x="0" y="0"/>
+          <a:ext cx="0" cy="0"/>
+          <a:chOff x="0" y="0"/>
+          <a:chExt cx="0" cy="0"/>
+        </a:xfrm>
+      </p:grpSpPr>
+      <p:sp>
+        <p:nvSpPr>
+          <p:cNvPr id="8" name="Rectangle 7">
+            <a:extLst>
+              <a:ext uri="{FF2B5EF4-FFF2-40B4-BE49-F238E27FC236}">
+                <a16:creationId xmlns:a16="http://schemas.microsoft.com/office/drawing/2014/main" id="{8D06CE56-3881-4ADA-8CEF-D18B02C242A3}"/>
+              </a:ext>
+              <a:ext uri="{C183D7F6-B498-43B3-948B-1728B52AA6E4}">
+                <adec:decorative xmlns:adec="http://schemas.microsoft.com/office/drawing/2017/decorative" val="1"/>
+              </a:ext>
+            </a:extLst>
+          </p:cNvPr>
+          <p:cNvSpPr>
+            <a:spLocks noGrp="1" noRot="1" noChangeAspect="1" noMove="1" noResize="1" noEditPoints="1" noAdjustHandles="1" noChangeArrowheads="1" noChangeShapeType="1" noTextEdit="1"/>
+          </p:cNvSpPr>
+          <p:nvPr>
+            <p:extLst>
+              <p:ext uri="{386F3935-93C4-4BCD-93E2-E3B085C9AB24}">
+                <p16:designElem xmlns:p16="http://schemas.microsoft.com/office/powerpoint/2015/main" val="1"/>
+              </p:ext>
+            </p:extLst>
+          </p:nvPr>
+        </p:nvSpPr>
+        <p:spPr>
+          <a:xfrm rot="5400000">
+            <a:off x="857544" y="346791"/>
+            <a:ext cx="146304" cy="704088"/>
+          </a:xfrm>
+          <a:prstGeom prst="rect">
+            <a:avLst/>
+          </a:prstGeom>
+          <a:solidFill>
+            <a:schemeClr val="accent1"/>
+          </a:solidFill>
+          <a:ln>
+            <a:noFill/>
+          </a:ln>
+        </p:spPr>
+        <p:style>
+          <a:lnRef idx="2">
+            <a:schemeClr val="accent1">
+              <a:shade val="50000"/>
+            </a:schemeClr>
+          </a:lnRef>
+          <a:fillRef idx="1">
+            <a:schemeClr val="accent1"/>
+          </a:fillRef>
+          <a:effectRef idx="0">
+            <a:schemeClr val="accent1"/>
+          </a:effectRef>
+          <a:fontRef idx="minor">
+            <a:schemeClr val="lt1"/>
+          </a:fontRef>
+        </p:style>
+        <p:txBody>
+          <a:bodyPr rtlCol="0" anchor="ctr"/>
+          <a:lstStyle/>
+          <a:p>
+            <a:pPr marL="0" marR="0" lvl="0" indent="0" algn="ctr" defTabSz="914400" rtl="0" eaLnBrk="1" fontAlgn="auto" latinLnBrk="0" hangingPunct="1">
+              <a:lnSpc>
+                <a:spcPct val="100000"/>
+              </a:lnSpc>
+              <a:spcBef>
+                <a:spcPts val="0"/>
+              </a:spcBef>
+              <a:spcAft>
+                <a:spcPts val="0"/>
+              </a:spcAft>
+              <a:buClrTx/>
+              <a:buSzTx/>
+              <a:buFontTx/>
+              <a:buNone/>
+              <a:tabLst/>
+              <a:defRPr/>
+            </a:pPr>
+            <a:endParaRPr kumimoji="0" lang="en-US" sz="1800" b="0" i="0" u="none" strike="noStrike" kern="1200" cap="none" spc="0" normalizeH="0" baseline="0" noProof="0">
+              <a:ln>
+                <a:noFill/>
+              </a:ln>
+              <a:solidFill>
+                <a:prstClr val="white"/>
+              </a:solidFill>
+              <a:effectLst/>
+              <a:uLnTx/>
+              <a:uFillTx/>
+              <a:latin typeface="Calibri" panose="020F0502020204030204"/>
+              <a:ea typeface="+mn-ea"/>
+              <a:cs typeface="+mn-cs"/>
+            </a:endParaRPr>
+          </a:p>
+        </p:txBody>
+      </p:sp>
+      <p:sp>
+        <p:nvSpPr>
+          <p:cNvPr id="10" name="Rectangle 9">
+            <a:extLst>
+              <a:ext uri="{FF2B5EF4-FFF2-40B4-BE49-F238E27FC236}">
+                <a16:creationId xmlns:a16="http://schemas.microsoft.com/office/drawing/2014/main" id="{79F3C543-62EC-4433-9C93-A2CD8764E9B4}"/>
+              </a:ext>
+              <a:ext uri="{C183D7F6-B498-43B3-948B-1728B52AA6E4}">
+                <adec:decorative xmlns:adec="http://schemas.microsoft.com/office/drawing/2017/decorative" val="1"/>
+              </a:ext>
+            </a:extLst>
+          </p:cNvPr>
+          <p:cNvSpPr>
+            <a:spLocks noGrp="1" noRot="1" noChangeAspect="1" noMove="1" noResize="1" noEditPoints="1" noAdjustHandles="1" noChangeArrowheads="1" noChangeShapeType="1" noTextEdit="1"/>
+          </p:cNvSpPr>
+          <p:nvPr>
+            <p:extLst>
+              <p:ext uri="{386F3935-93C4-4BCD-93E2-E3B085C9AB24}">
+                <p16:designElem xmlns:p16="http://schemas.microsoft.com/office/powerpoint/2015/main" val="1"/>
+              </p:ext>
+            </p:extLst>
+          </p:nvPr>
+        </p:nvSpPr>
+        <p:spPr>
+          <a:xfrm flipV="1">
+            <a:off x="578652" y="4501201"/>
+            <a:ext cx="11034696" cy="18288"/>
+          </a:xfrm>
+          <a:prstGeom prst="rect">
+            <a:avLst/>
+          </a:prstGeom>
+          <a:solidFill>
+            <a:schemeClr val="tx2">
+              <a:lumMod val="25000"/>
+              <a:lumOff val="75000"/>
+            </a:schemeClr>
+          </a:solidFill>
+          <a:ln w="3175">
+            <a:noFill/>
+          </a:ln>
+          <a:effectLst/>
+        </p:spPr>
+        <p:style>
+          <a:lnRef idx="2">
+            <a:schemeClr val="accent1">
+              <a:shade val="50000"/>
+            </a:schemeClr>
+          </a:lnRef>
+          <a:fillRef idx="1">
+            <a:schemeClr val="accent1"/>
+          </a:fillRef>
+          <a:effectRef idx="0">
+            <a:schemeClr val="accent1"/>
+          </a:effectRef>
+          <a:fontRef idx="minor">
+            <a:schemeClr val="lt1"/>
+          </a:fontRef>
+        </p:style>
+        <p:txBody>
+          <a:bodyPr rtlCol="0" anchor="ctr"/>
+          <a:lstStyle/>
+          <a:p>
+            <a:pPr marL="0" marR="0" lvl="0" indent="0" algn="ctr" defTabSz="914400" rtl="0" eaLnBrk="1" fontAlgn="auto" latinLnBrk="0" hangingPunct="1">
+              <a:lnSpc>
+                <a:spcPct val="100000"/>
+              </a:lnSpc>
+              <a:spcBef>
+                <a:spcPts val="0"/>
+              </a:spcBef>
+              <a:spcAft>
+                <a:spcPts val="0"/>
+              </a:spcAft>
+              <a:buClrTx/>
+              <a:buSzTx/>
+              <a:buFontTx/>
+              <a:buNone/>
+              <a:tabLst/>
+              <a:defRPr/>
+            </a:pPr>
+            <a:endParaRPr kumimoji="0" lang="en-US" sz="1800" b="0" i="0" u="none" strike="noStrike" kern="1200" cap="none" spc="0" normalizeH="0" baseline="0" noProof="0">
+              <a:ln>
+                <a:noFill/>
+              </a:ln>
+              <a:solidFill>
+                <a:prstClr val="white"/>
+              </a:solidFill>
+              <a:effectLst/>
+              <a:uLnTx/>
+              <a:uFillTx/>
+              <a:latin typeface="Calibri" panose="020F0502020204030204"/>
+              <a:ea typeface="+mn-ea"/>
+              <a:cs typeface="+mn-cs"/>
+            </a:endParaRPr>
+          </a:p>
+        </p:txBody>
+      </p:sp>
+      <p:sp useBgFill="1">
+        <p:nvSpPr>
+          <p:cNvPr id="12" name="Rectangle 11">
+            <a:extLst>
+              <a:ext uri="{FF2B5EF4-FFF2-40B4-BE49-F238E27FC236}">
+                <a16:creationId xmlns:a16="http://schemas.microsoft.com/office/drawing/2014/main" id="{FFD48BC7-DC40-47DE-87EE-9F4B6ECB9ABB}"/>
+              </a:ext>
+              <a:ext uri="{C183D7F6-B498-43B3-948B-1728B52AA6E4}">
+                <adec:decorative xmlns:adec="http://schemas.microsoft.com/office/drawing/2017/decorative" val="1"/>
+              </a:ext>
+            </a:extLst>
+          </p:cNvPr>
+          <p:cNvSpPr>
+            <a:spLocks noGrp="1" noRot="1" noChangeAspect="1" noMove="1" noResize="1" noEditPoints="1" noAdjustHandles="1" noChangeArrowheads="1" noChangeShapeType="1" noTextEdit="1"/>
+          </p:cNvSpPr>
+          <p:nvPr>
+            <p:extLst>
+              <p:ext uri="{386F3935-93C4-4BCD-93E2-E3B085C9AB24}">
+                <p16:designElem xmlns:p16="http://schemas.microsoft.com/office/powerpoint/2015/main" val="1"/>
+              </p:ext>
+            </p:extLst>
+          </p:nvPr>
+        </p:nvSpPr>
+        <p:spPr>
+          <a:xfrm>
+            <a:off x="0" y="0"/>
+            <a:ext cx="12192000" cy="6858000"/>
+          </a:xfrm>
+          <a:prstGeom prst="rect">
+            <a:avLst/>
+          </a:prstGeom>
+          <a:ln>
+            <a:noFill/>
+          </a:ln>
+        </p:spPr>
+        <p:style>
+          <a:lnRef idx="2">
+            <a:schemeClr val="accent1">
+              <a:shade val="50000"/>
+            </a:schemeClr>
+          </a:lnRef>
+          <a:fillRef idx="1">
+            <a:schemeClr val="accent1"/>
+          </a:fillRef>
+          <a:effectRef idx="0">
+            <a:schemeClr val="accent1"/>
+          </a:effectRef>
+          <a:fontRef idx="minor">
+            <a:schemeClr val="lt1"/>
+          </a:fontRef>
+        </p:style>
+        <p:txBody>
+          <a:bodyPr rtlCol="0" anchor="ctr"/>
+          <a:lstStyle/>
+          <a:p>
+            <a:pPr algn="ctr"/>
+            <a:endParaRPr lang="en-US"/>
+          </a:p>
+        </p:txBody>
+      </p:sp>
+      <p:sp useBgFill="1">
+        <p:nvSpPr>
+          <p:cNvPr id="14" name="Freeform: Shape 13">
+            <a:extLst>
+              <a:ext uri="{FF2B5EF4-FFF2-40B4-BE49-F238E27FC236}">
+                <a16:creationId xmlns:a16="http://schemas.microsoft.com/office/drawing/2014/main" id="{E502BBC7-2C76-46F3-BC24-5985BC13DB88}"/>
+              </a:ext>
+              <a:ext uri="{C183D7F6-B498-43B3-948B-1728B52AA6E4}">
+                <adec:decorative xmlns:adec="http://schemas.microsoft.com/office/drawing/2017/decorative" val="1"/>
+              </a:ext>
+            </a:extLst>
+          </p:cNvPr>
+          <p:cNvSpPr>
+            <a:spLocks noGrp="1" noRot="1" noChangeAspect="1" noMove="1" noResize="1" noEditPoints="1" noAdjustHandles="1" noChangeArrowheads="1" noChangeShapeType="1" noTextEdit="1"/>
+          </p:cNvSpPr>
+          <p:nvPr>
+            <p:extLst>
+              <p:ext uri="{386F3935-93C4-4BCD-93E2-E3B085C9AB24}">
+                <p16:designElem xmlns:p16="http://schemas.microsoft.com/office/powerpoint/2015/main" val="1"/>
+              </p:ext>
+            </p:extLst>
+          </p:nvPr>
+        </p:nvSpPr>
+        <p:spPr>
+          <a:xfrm>
+            <a:off x="1114425" y="0"/>
+            <a:ext cx="9963150" cy="6858000"/>
+          </a:xfrm>
+          <a:custGeom>
+            <a:avLst/>
+            <a:gdLst>
+              <a:gd name="connsiteX0" fmla="*/ 1595771 w 9963150"/>
+              <a:gd name="connsiteY0" fmla="*/ 0 h 6858000"/>
+              <a:gd name="connsiteX1" fmla="*/ 8367379 w 9963150"/>
+              <a:gd name="connsiteY1" fmla="*/ 0 h 6858000"/>
+              <a:gd name="connsiteX2" fmla="*/ 8504080 w 9963150"/>
+              <a:gd name="connsiteY2" fmla="*/ 130333 h 6858000"/>
+              <a:gd name="connsiteX3" fmla="*/ 9963150 w 9963150"/>
+              <a:gd name="connsiteY3" fmla="*/ 3652838 h 6858000"/>
+              <a:gd name="connsiteX4" fmla="*/ 8825600 w 9963150"/>
+              <a:gd name="connsiteY4" fmla="*/ 6821583 h 6858000"/>
+              <a:gd name="connsiteX5" fmla="*/ 8794055 w 9963150"/>
+              <a:gd name="connsiteY5" fmla="*/ 6858000 h 6858000"/>
+              <a:gd name="connsiteX6" fmla="*/ 1169096 w 9963150"/>
+              <a:gd name="connsiteY6" fmla="*/ 6858000 h 6858000"/>
+              <a:gd name="connsiteX7" fmla="*/ 1137550 w 9963150"/>
+              <a:gd name="connsiteY7" fmla="*/ 6821583 h 6858000"/>
+              <a:gd name="connsiteX8" fmla="*/ 0 w 9963150"/>
+              <a:gd name="connsiteY8" fmla="*/ 3652838 h 6858000"/>
+              <a:gd name="connsiteX9" fmla="*/ 1459070 w 9963150"/>
+              <a:gd name="connsiteY9" fmla="*/ 130333 h 6858000"/>
+            </a:gdLst>
+            <a:ahLst/>
+            <a:cxnLst>
+              <a:cxn ang="0">
+                <a:pos x="connsiteX0" y="connsiteY0"/>
+              </a:cxn>
+              <a:cxn ang="0">
+                <a:pos x="connsiteX1" y="connsiteY1"/>
+              </a:cxn>
+              <a:cxn ang="0">
+                <a:pos x="connsiteX2" y="connsiteY2"/>
+              </a:cxn>
+              <a:cxn ang="0">
+                <a:pos x="connsiteX3" y="connsiteY3"/>
+              </a:cxn>
+              <a:cxn ang="0">
+                <a:pos x="connsiteX4" y="connsiteY4"/>
+              </a:cxn>
+              <a:cxn ang="0">
+                <a:pos x="connsiteX5" y="connsiteY5"/>
+              </a:cxn>
+              <a:cxn ang="0">
+                <a:pos x="connsiteX6" y="connsiteY6"/>
+              </a:cxn>
+              <a:cxn ang="0">
+                <a:pos x="connsiteX7" y="connsiteY7"/>
+              </a:cxn>
+              <a:cxn ang="0">
+                <a:pos x="connsiteX8" y="connsiteY8"/>
+              </a:cxn>
+              <a:cxn ang="0">
+                <a:pos x="connsiteX9" y="connsiteY9"/>
+              </a:cxn>
+            </a:cxnLst>
+            <a:rect l="l" t="t" r="r" b="b"/>
+            <a:pathLst>
+              <a:path w="9963150" h="6858000">
+                <a:moveTo>
+                  <a:pt x="1595771" y="0"/>
+                </a:moveTo>
+                <a:lnTo>
+                  <a:pt x="8367379" y="0"/>
+                </a:lnTo>
+                <a:lnTo>
+                  <a:pt x="8504080" y="130333"/>
+                </a:lnTo>
+                <a:cubicBezTo>
+                  <a:pt x="9405568" y="1031820"/>
+                  <a:pt x="9963150" y="2277214"/>
+                  <a:pt x="9963150" y="3652838"/>
+                </a:cubicBezTo>
+                <a:cubicBezTo>
+                  <a:pt x="9963150" y="4856509"/>
+                  <a:pt x="9536251" y="5960473"/>
+                  <a:pt x="8825600" y="6821583"/>
+                </a:cubicBezTo>
+                <a:lnTo>
+                  <a:pt x="8794055" y="6858000"/>
+                </a:lnTo>
+                <a:lnTo>
+                  <a:pt x="1169096" y="6858000"/>
+                </a:lnTo>
+                <a:lnTo>
+                  <a:pt x="1137550" y="6821583"/>
+                </a:lnTo>
+                <a:cubicBezTo>
+                  <a:pt x="426899" y="5960473"/>
+                  <a:pt x="0" y="4856509"/>
+                  <a:pt x="0" y="3652838"/>
+                </a:cubicBezTo>
+                <a:cubicBezTo>
+                  <a:pt x="0" y="2277214"/>
+                  <a:pt x="557582" y="1031820"/>
+                  <a:pt x="1459070" y="130333"/>
+                </a:cubicBezTo>
+                <a:close/>
+              </a:path>
+            </a:pathLst>
+          </a:custGeom>
+          <a:ln w="9525">
+            <a:solidFill>
+              <a:schemeClr val="tx2">
+                <a:lumMod val="10000"/>
+                <a:lumOff val="90000"/>
+              </a:schemeClr>
+            </a:solidFill>
+          </a:ln>
+          <a:effectLst>
+            <a:outerShdw blurRad="63500" sx="102000" sy="102000" algn="ctr" rotWithShape="0">
+              <a:schemeClr val="bg1">
+                <a:lumMod val="85000"/>
+                <a:alpha val="20000"/>
+              </a:schemeClr>
+            </a:outerShdw>
+          </a:effectLst>
+        </p:spPr>
+        <p:style>
+          <a:lnRef idx="2">
+            <a:schemeClr val="accent1">
+              <a:shade val="50000"/>
+            </a:schemeClr>
+          </a:lnRef>
+          <a:fillRef idx="1">
+            <a:schemeClr val="accent1"/>
+          </a:fillRef>
+          <a:effectRef idx="0">
+            <a:schemeClr val="accent1"/>
+          </a:effectRef>
+          <a:fontRef idx="minor">
+            <a:schemeClr val="lt1"/>
+          </a:fontRef>
+        </p:style>
+        <p:txBody>
+          <a:bodyPr wrap="square" rtlCol="0" anchor="ctr">
+            <a:noAutofit/>
+          </a:bodyPr>
+          <a:lstStyle/>
+          <a:p>
+            <a:pPr marL="0" marR="0" lvl="0" indent="0" algn="ctr" defTabSz="914400" rtl="0" eaLnBrk="1" fontAlgn="auto" latinLnBrk="0" hangingPunct="1">
+              <a:lnSpc>
+                <a:spcPct val="100000"/>
+              </a:lnSpc>
+              <a:spcBef>
+                <a:spcPts val="0"/>
+              </a:spcBef>
+              <a:spcAft>
+                <a:spcPts val="0"/>
+              </a:spcAft>
+              <a:buClrTx/>
+              <a:buSzTx/>
+              <a:buFontTx/>
+              <a:buNone/>
+              <a:tabLst/>
+              <a:defRPr/>
+            </a:pPr>
+            <a:endParaRPr kumimoji="0" lang="en-US" sz="1800" b="0" i="0" u="none" strike="noStrike" kern="1200" cap="none" spc="0" normalizeH="0" baseline="0" noProof="0">
+              <a:ln>
+                <a:noFill/>
+              </a:ln>
+              <a:solidFill>
+                <a:prstClr val="white"/>
+              </a:solidFill>
+              <a:effectLst/>
+              <a:uLnTx/>
+              <a:uFillTx/>
+              <a:latin typeface="Calibri" panose="020F0502020204030204"/>
+              <a:ea typeface="+mn-ea"/>
+              <a:cs typeface="+mn-cs"/>
+            </a:endParaRPr>
+          </a:p>
+        </p:txBody>
+      </p:sp>
+      <p:sp useBgFill="1">
+        <p:nvSpPr>
+          <p:cNvPr id="16" name="Freeform: Shape 15">
+            <a:extLst>
+              <a:ext uri="{FF2B5EF4-FFF2-40B4-BE49-F238E27FC236}">
+                <a16:creationId xmlns:a16="http://schemas.microsoft.com/office/drawing/2014/main" id="{9C45F024-2468-4D8A-9E11-BB2B1E0A3B37}"/>
+              </a:ext>
+              <a:ext uri="{C183D7F6-B498-43B3-948B-1728B52AA6E4}">
+                <adec:decorative xmlns:adec="http://schemas.microsoft.com/office/drawing/2017/decorative" val="1"/>
+              </a:ext>
+            </a:extLst>
+          </p:cNvPr>
+          <p:cNvSpPr>
+            <a:spLocks noGrp="1" noRot="1" noChangeAspect="1" noMove="1" noResize="1" noEditPoints="1" noAdjustHandles="1" noChangeArrowheads="1" noChangeShapeType="1" noTextEdit="1"/>
+          </p:cNvSpPr>
+          <p:nvPr>
+            <p:extLst>
+              <p:ext uri="{386F3935-93C4-4BCD-93E2-E3B085C9AB24}">
+                <p16:designElem xmlns:p16="http://schemas.microsoft.com/office/powerpoint/2015/main" val="1"/>
+              </p:ext>
+            </p:extLst>
+          </p:nvPr>
+        </p:nvSpPr>
+        <p:spPr>
+          <a:xfrm>
+            <a:off x="1121664" y="0"/>
+            <a:ext cx="9948672" cy="6858000"/>
+          </a:xfrm>
+          <a:custGeom>
+            <a:avLst/>
+            <a:gdLst>
+              <a:gd name="connsiteX0" fmla="*/ 1595771 w 9963150"/>
+              <a:gd name="connsiteY0" fmla="*/ 0 h 6858000"/>
+              <a:gd name="connsiteX1" fmla="*/ 8367379 w 9963150"/>
+              <a:gd name="connsiteY1" fmla="*/ 0 h 6858000"/>
+              <a:gd name="connsiteX2" fmla="*/ 8504080 w 9963150"/>
+              <a:gd name="connsiteY2" fmla="*/ 130333 h 6858000"/>
+              <a:gd name="connsiteX3" fmla="*/ 9963150 w 9963150"/>
+              <a:gd name="connsiteY3" fmla="*/ 3652838 h 6858000"/>
+              <a:gd name="connsiteX4" fmla="*/ 8825600 w 9963150"/>
+              <a:gd name="connsiteY4" fmla="*/ 6821583 h 6858000"/>
+              <a:gd name="connsiteX5" fmla="*/ 8794055 w 9963150"/>
+              <a:gd name="connsiteY5" fmla="*/ 6858000 h 6858000"/>
+              <a:gd name="connsiteX6" fmla="*/ 1169096 w 9963150"/>
+              <a:gd name="connsiteY6" fmla="*/ 6858000 h 6858000"/>
+              <a:gd name="connsiteX7" fmla="*/ 1137550 w 9963150"/>
+              <a:gd name="connsiteY7" fmla="*/ 6821583 h 6858000"/>
+              <a:gd name="connsiteX8" fmla="*/ 0 w 9963150"/>
+              <a:gd name="connsiteY8" fmla="*/ 3652838 h 6858000"/>
+              <a:gd name="connsiteX9" fmla="*/ 1459070 w 9963150"/>
+              <a:gd name="connsiteY9" fmla="*/ 130333 h 6858000"/>
+            </a:gdLst>
+            <a:ahLst/>
+            <a:cxnLst>
+              <a:cxn ang="0">
+                <a:pos x="connsiteX0" y="connsiteY0"/>
+              </a:cxn>
+              <a:cxn ang="0">
+                <a:pos x="connsiteX1" y="connsiteY1"/>
+              </a:cxn>
+              <a:cxn ang="0">
+                <a:pos x="connsiteX2" y="connsiteY2"/>
+              </a:cxn>
+              <a:cxn ang="0">
+                <a:pos x="connsiteX3" y="connsiteY3"/>
+              </a:cxn>
+              <a:cxn ang="0">
+                <a:pos x="connsiteX4" y="connsiteY4"/>
+              </a:cxn>
+              <a:cxn ang="0">
+                <a:pos x="connsiteX5" y="connsiteY5"/>
+              </a:cxn>
+              <a:cxn ang="0">
+                <a:pos x="connsiteX6" y="connsiteY6"/>
+              </a:cxn>
+              <a:cxn ang="0">
+                <a:pos x="connsiteX7" y="connsiteY7"/>
+              </a:cxn>
+              <a:cxn ang="0">
+                <a:pos x="connsiteX8" y="connsiteY8"/>
+              </a:cxn>
+              <a:cxn ang="0">
+                <a:pos x="connsiteX9" y="connsiteY9"/>
+              </a:cxn>
+            </a:cxnLst>
+            <a:rect l="l" t="t" r="r" b="b"/>
+            <a:pathLst>
+              <a:path w="9963150" h="6858000">
+                <a:moveTo>
+                  <a:pt x="1595771" y="0"/>
+                </a:moveTo>
+                <a:lnTo>
+                  <a:pt x="8367379" y="0"/>
+                </a:lnTo>
+                <a:lnTo>
+                  <a:pt x="8504080" y="130333"/>
+                </a:lnTo>
+                <a:cubicBezTo>
+                  <a:pt x="9405568" y="1031820"/>
+                  <a:pt x="9963150" y="2277214"/>
+                  <a:pt x="9963150" y="3652838"/>
+                </a:cubicBezTo>
+                <a:cubicBezTo>
+                  <a:pt x="9963150" y="4856509"/>
+                  <a:pt x="9536251" y="5960473"/>
+                  <a:pt x="8825600" y="6821583"/>
+                </a:cubicBezTo>
+                <a:lnTo>
+                  <a:pt x="8794055" y="6858000"/>
+                </a:lnTo>
+                <a:lnTo>
+                  <a:pt x="1169096" y="6858000"/>
+                </a:lnTo>
+                <a:lnTo>
+                  <a:pt x="1137550" y="6821583"/>
+                </a:lnTo>
+                <a:cubicBezTo>
+                  <a:pt x="426899" y="5960473"/>
+                  <a:pt x="0" y="4856509"/>
+                  <a:pt x="0" y="3652838"/>
+                </a:cubicBezTo>
+                <a:cubicBezTo>
+                  <a:pt x="0" y="2277214"/>
+                  <a:pt x="557582" y="1031820"/>
+                  <a:pt x="1459070" y="130333"/>
+                </a:cubicBezTo>
+                <a:close/>
+              </a:path>
+            </a:pathLst>
+          </a:custGeom>
+          <a:ln w="9525">
+            <a:noFill/>
+          </a:ln>
+          <a:effectLst/>
+        </p:spPr>
+        <p:style>
+          <a:lnRef idx="2">
+            <a:schemeClr val="accent1">
+              <a:shade val="50000"/>
+            </a:schemeClr>
+          </a:lnRef>
+          <a:fillRef idx="1">
+            <a:schemeClr val="accent1"/>
+          </a:fillRef>
+          <a:effectRef idx="0">
+            <a:schemeClr val="accent1"/>
+          </a:effectRef>
+          <a:fontRef idx="minor">
+            <a:schemeClr val="lt1"/>
+          </a:fontRef>
+        </p:style>
+        <p:txBody>
+          <a:bodyPr wrap="square" rtlCol="0" anchor="ctr">
+            <a:noAutofit/>
+          </a:bodyPr>
+          <a:lstStyle/>
+          <a:p>
+            <a:pPr marL="0" marR="0" lvl="0" indent="0" algn="ctr" defTabSz="914400" rtl="0" eaLnBrk="1" fontAlgn="auto" latinLnBrk="0" hangingPunct="1">
+              <a:lnSpc>
+                <a:spcPct val="100000"/>
+              </a:lnSpc>
+              <a:spcBef>
+                <a:spcPts val="0"/>
+              </a:spcBef>
+              <a:spcAft>
+                <a:spcPts val="0"/>
+              </a:spcAft>
+              <a:buClrTx/>
+              <a:buSzTx/>
+              <a:buFontTx/>
+              <a:buNone/>
+              <a:tabLst/>
+              <a:defRPr/>
+            </a:pPr>
+            <a:endParaRPr kumimoji="0" lang="en-US" sz="1800" b="0" i="0" u="none" strike="noStrike" kern="1200" cap="none" spc="0" normalizeH="0" baseline="0" noProof="0">
+              <a:ln>
+                <a:noFill/>
+              </a:ln>
+              <a:solidFill>
+                <a:prstClr val="white"/>
+              </a:solidFill>
+              <a:effectLst/>
+              <a:uLnTx/>
+              <a:uFillTx/>
+              <a:latin typeface="Calibri" panose="020F0502020204030204"/>
+              <a:ea typeface="+mn-ea"/>
+              <a:cs typeface="+mn-cs"/>
+            </a:endParaRPr>
+          </a:p>
+        </p:txBody>
+      </p:sp>
+      <p:sp>
+        <p:nvSpPr>
+          <p:cNvPr id="2" name="標題 1">
+            <a:extLst>
+              <a:ext uri="{FF2B5EF4-FFF2-40B4-BE49-F238E27FC236}">
+                <a16:creationId xmlns:a16="http://schemas.microsoft.com/office/drawing/2014/main" id="{D57A47D9-3C2E-4200-B44B-3C63CB6C8D4E}"/>
+              </a:ext>
+            </a:extLst>
+          </p:cNvPr>
+          <p:cNvSpPr>
+            <a:spLocks noGrp="1"/>
+          </p:cNvSpPr>
+          <p:nvPr>
+            <p:ph type="title"/>
+          </p:nvPr>
+        </p:nvSpPr>
+        <p:spPr>
+          <a:xfrm>
+            <a:off x="1524003" y="1999615"/>
+            <a:ext cx="9144000" cy="2764028"/>
+          </a:xfrm>
+        </p:spPr>
+        <p:txBody>
+          <a:bodyPr vert="horz" lIns="91440" tIns="45720" rIns="91440" bIns="45720" rtlCol="0" anchor="ctr">
+            <a:normAutofit/>
+          </a:bodyPr>
+          <a:lstStyle/>
+          <a:p>
+            <a:pPr algn="ctr"/>
+            <a:r>
+              <a:rPr lang="en-US" altLang="zh-TW" sz="7200" dirty="0"/>
+              <a:t>Back to </a:t>
+            </a:r>
+            <a:r>
+              <a:rPr lang="en-US" altLang="zh-TW" sz="7200" dirty="0" err="1"/>
+              <a:t>MTurk</a:t>
+            </a:r>
+            <a:r>
+              <a:rPr lang="en-US" altLang="zh-TW" sz="7200" dirty="0"/>
+              <a:t>!</a:t>
+            </a:r>
+          </a:p>
+        </p:txBody>
+      </p:sp>
+      <p:sp>
+        <p:nvSpPr>
+          <p:cNvPr id="18" name="Rectangle 17">
+            <a:extLst>
+              <a:ext uri="{FF2B5EF4-FFF2-40B4-BE49-F238E27FC236}">
+                <a16:creationId xmlns:a16="http://schemas.microsoft.com/office/drawing/2014/main" id="{3629484E-3792-4B3D-89AD-7C8A1ED0E0D4}"/>
+              </a:ext>
+              <a:ext uri="{C183D7F6-B498-43B3-948B-1728B52AA6E4}">
+                <adec:decorative xmlns:adec="http://schemas.microsoft.com/office/drawing/2017/decorative" val="1"/>
+              </a:ext>
+            </a:extLst>
+          </p:cNvPr>
+          <p:cNvSpPr>
+            <a:spLocks noGrp="1" noRot="1" noChangeAspect="1" noMove="1" noResize="1" noEditPoints="1" noAdjustHandles="1" noChangeArrowheads="1" noChangeShapeType="1" noTextEdit="1"/>
+          </p:cNvSpPr>
+          <p:nvPr>
+            <p:extLst>
+              <p:ext uri="{386F3935-93C4-4BCD-93E2-E3B085C9AB24}">
+                <p16:designElem xmlns:p16="http://schemas.microsoft.com/office/powerpoint/2015/main" val="1"/>
+              </p:ext>
+            </p:extLst>
+          </p:nvPr>
+        </p:nvSpPr>
+        <p:spPr>
+          <a:xfrm>
+            <a:off x="3718560" y="5524786"/>
+            <a:ext cx="4754880" cy="27432"/>
+          </a:xfrm>
+          <a:prstGeom prst="rect">
+            <a:avLst/>
+          </a:prstGeom>
+          <a:solidFill>
+            <a:schemeClr val="accent1"/>
+          </a:solidFill>
+          <a:ln>
+            <a:noFill/>
+          </a:ln>
+        </p:spPr>
+        <p:style>
+          <a:lnRef idx="2">
+            <a:schemeClr val="accent1">
+              <a:shade val="50000"/>
+            </a:schemeClr>
+          </a:lnRef>
+          <a:fillRef idx="1">
+            <a:schemeClr val="accent1"/>
+          </a:fillRef>
+          <a:effectRef idx="0">
+            <a:schemeClr val="accent1"/>
+          </a:effectRef>
+          <a:fontRef idx="minor">
+            <a:schemeClr val="lt1"/>
+          </a:fontRef>
+        </p:style>
+        <p:txBody>
+          <a:bodyPr rtlCol="0" anchor="ctr"/>
+          <a:lstStyle/>
+          <a:p>
+            <a:pPr marL="0" marR="0" lvl="0" indent="0" algn="ctr" defTabSz="914400" rtl="0" eaLnBrk="1" fontAlgn="auto" latinLnBrk="0" hangingPunct="1">
+              <a:lnSpc>
+                <a:spcPct val="100000"/>
+              </a:lnSpc>
+              <a:spcBef>
+                <a:spcPts val="0"/>
+              </a:spcBef>
+              <a:spcAft>
+                <a:spcPts val="0"/>
+              </a:spcAft>
+              <a:buClrTx/>
+              <a:buSzTx/>
+              <a:buFontTx/>
+              <a:buNone/>
+              <a:tabLst/>
+              <a:defRPr/>
+            </a:pPr>
+            <a:endParaRPr kumimoji="0" lang="en-US" sz="1800" b="0" i="0" u="none" strike="noStrike" kern="1200" cap="none" spc="0" normalizeH="0" baseline="0" noProof="0">
+              <a:ln>
+                <a:noFill/>
+              </a:ln>
+              <a:solidFill>
+                <a:prstClr val="white"/>
+              </a:solidFill>
+              <a:effectLst/>
+              <a:uLnTx/>
+              <a:uFillTx/>
+              <a:latin typeface="Calibri" panose="020F0502020204030204"/>
+              <a:ea typeface="+mn-ea"/>
+              <a:cs typeface="+mn-cs"/>
+            </a:endParaRPr>
+          </a:p>
+        </p:txBody>
+      </p:sp>
+    </p:spTree>
+    <p:extLst>
+      <p:ext uri="{BB962C8B-B14F-4D97-AF65-F5344CB8AC3E}">
+        <p14:creationId xmlns:p14="http://schemas.microsoft.com/office/powerpoint/2010/main" val="3837060260"/>
+      </p:ext>
+    </p:extLst>
+  </p:cSld>
+  <p:clrMapOvr>
+    <a:masterClrMapping/>
+  </p:clrMapOvr>
+</p:sld>
+</file>
+
+<file path=ppt/slides/slide27.xml><?xml version="1.0" encoding="utf-8"?>
+<p:sld xmlns:a="http://schemas.openxmlformats.org/drawingml/2006/main" xmlns:r="http://schemas.openxmlformats.org/officeDocument/2006/relationships" xmlns:p="http://schemas.openxmlformats.org/presentationml/2006/main">
+  <p:cSld>
+    <p:spTree>
+      <p:nvGrpSpPr>
+        <p:cNvPr id="1" name=""/>
+        <p:cNvGrpSpPr/>
+        <p:nvPr/>
+      </p:nvGrpSpPr>
+      <p:grpSpPr>
+        <a:xfrm>
+          <a:off x="0" y="0"/>
+          <a:ext cx="0" cy="0"/>
+          <a:chOff x="0" y="0"/>
+          <a:chExt cx="0" cy="0"/>
+        </a:xfrm>
+      </p:grpSpPr>
+      <p:sp>
+        <p:nvSpPr>
+          <p:cNvPr id="2" name="標題 1">
+            <a:extLst>
+              <a:ext uri="{FF2B5EF4-FFF2-40B4-BE49-F238E27FC236}">
+                <a16:creationId xmlns:a16="http://schemas.microsoft.com/office/drawing/2014/main" id="{362D9E28-07F6-4499-BEE7-8207E340A34B}"/>
+              </a:ext>
+            </a:extLst>
+          </p:cNvPr>
+          <p:cNvSpPr>
+            <a:spLocks noGrp="1"/>
+          </p:cNvSpPr>
+          <p:nvPr>
+            <p:ph type="title"/>
+          </p:nvPr>
+        </p:nvSpPr>
+        <p:spPr/>
+        <p:txBody>
+          <a:bodyPr/>
+          <a:lstStyle/>
+          <a:p>
+            <a:r>
+              <a:rPr lang="en-US" altLang="zh-TW" dirty="0"/>
+              <a:t>Design Layout</a:t>
+            </a:r>
+            <a:endParaRPr lang="zh-TW" altLang="en-US" dirty="0"/>
+          </a:p>
+        </p:txBody>
+      </p:sp>
+      <p:sp>
+        <p:nvSpPr>
+          <p:cNvPr id="3" name="內容版面配置區 2">
+            <a:extLst>
+              <a:ext uri="{FF2B5EF4-FFF2-40B4-BE49-F238E27FC236}">
+                <a16:creationId xmlns:a16="http://schemas.microsoft.com/office/drawing/2014/main" id="{75679DA3-B161-45E9-99EC-244EDB701156}"/>
+              </a:ext>
+            </a:extLst>
+          </p:cNvPr>
+          <p:cNvSpPr>
+            <a:spLocks noGrp="1"/>
+          </p:cNvSpPr>
+          <p:nvPr>
+            <p:ph idx="1"/>
+          </p:nvPr>
+        </p:nvSpPr>
+        <p:spPr/>
+        <p:txBody>
+          <a:bodyPr/>
+          <a:lstStyle/>
+          <a:p>
+            <a:endParaRPr lang="zh-TW" altLang="en-US"/>
+          </a:p>
+        </p:txBody>
+      </p:sp>
+      <p:pic>
+        <p:nvPicPr>
+          <p:cNvPr id="5" name="圖片 4">
+            <a:extLst>
+              <a:ext uri="{FF2B5EF4-FFF2-40B4-BE49-F238E27FC236}">
+                <a16:creationId xmlns:a16="http://schemas.microsoft.com/office/drawing/2014/main" id="{2FEA009D-F0A6-4B47-B36B-B4280C1C1125}"/>
+              </a:ext>
+            </a:extLst>
+          </p:cNvPr>
+          <p:cNvPicPr>
+            <a:picLocks noChangeAspect="1"/>
+          </p:cNvPicPr>
+          <p:nvPr/>
+        </p:nvPicPr>
+        <p:blipFill>
+          <a:blip r:embed="rId2"/>
+          <a:stretch>
+            <a:fillRect/>
+          </a:stretch>
+        </p:blipFill>
+        <p:spPr>
+          <a:xfrm>
+            <a:off x="1250050" y="1931416"/>
+            <a:ext cx="9534525" cy="4629150"/>
+          </a:xfrm>
+          <a:prstGeom prst="rect">
+            <a:avLst/>
+          </a:prstGeom>
+        </p:spPr>
+      </p:pic>
+      <p:sp>
+        <p:nvSpPr>
+          <p:cNvPr id="6" name="矩形 5">
+            <a:extLst>
+              <a:ext uri="{FF2B5EF4-FFF2-40B4-BE49-F238E27FC236}">
+                <a16:creationId xmlns:a16="http://schemas.microsoft.com/office/drawing/2014/main" id="{311D183A-AADE-4F0C-876F-EF7E0F9E875D}"/>
+              </a:ext>
+            </a:extLst>
+          </p:cNvPr>
+          <p:cNvSpPr/>
+          <p:nvPr/>
+        </p:nvSpPr>
+        <p:spPr>
+          <a:xfrm>
+            <a:off x="4650710" y="4874623"/>
+            <a:ext cx="826982" cy="272143"/>
+          </a:xfrm>
+          <a:prstGeom prst="rect">
+            <a:avLst/>
+          </a:prstGeom>
+          <a:noFill/>
+          <a:ln w="9525" cap="flat" cmpd="sng" algn="ctr">
+            <a:solidFill>
+              <a:schemeClr val="dk1"/>
+            </a:solidFill>
+            <a:prstDash val="solid"/>
+            <a:round/>
+            <a:headEnd type="none" w="med" len="med"/>
+            <a:tailEnd type="none" w="med" len="med"/>
+          </a:ln>
+        </p:spPr>
+        <p:style>
+          <a:lnRef idx="0">
+            <a:scrgbClr r="0" g="0" b="0"/>
+          </a:lnRef>
+          <a:fillRef idx="0">
+            <a:scrgbClr r="0" g="0" b="0"/>
+          </a:fillRef>
+          <a:effectRef idx="0">
+            <a:scrgbClr r="0" g="0" b="0"/>
+          </a:effectRef>
+          <a:fontRef idx="minor">
+            <a:schemeClr val="dk1"/>
+          </a:fontRef>
+        </p:style>
+        <p:txBody>
+          <a:bodyPr rtlCol="0" anchor="ctr"/>
+          <a:lstStyle/>
+          <a:p>
+            <a:pPr algn="ctr"/>
+            <a:endParaRPr lang="zh-TW" altLang="en-US" dirty="0"/>
+          </a:p>
+        </p:txBody>
+      </p:sp>
+      <p:sp>
+        <p:nvSpPr>
+          <p:cNvPr id="7" name="矩形 6">
+            <a:extLst>
+              <a:ext uri="{FF2B5EF4-FFF2-40B4-BE49-F238E27FC236}">
+                <a16:creationId xmlns:a16="http://schemas.microsoft.com/office/drawing/2014/main" id="{6A10E0A7-5CCB-447B-B3EE-395259885CBC}"/>
+              </a:ext>
+            </a:extLst>
+          </p:cNvPr>
+          <p:cNvSpPr/>
+          <p:nvPr/>
+        </p:nvSpPr>
+        <p:spPr>
+          <a:xfrm>
+            <a:off x="4811818" y="5650558"/>
+            <a:ext cx="317530" cy="272143"/>
+          </a:xfrm>
+          <a:prstGeom prst="rect">
+            <a:avLst/>
+          </a:prstGeom>
+          <a:noFill/>
+          <a:ln w="9525" cap="flat" cmpd="sng" algn="ctr">
+            <a:solidFill>
+              <a:schemeClr val="dk1"/>
+            </a:solidFill>
+            <a:prstDash val="solid"/>
+            <a:round/>
+            <a:headEnd type="none" w="med" len="med"/>
+            <a:tailEnd type="none" w="med" len="med"/>
+          </a:ln>
+        </p:spPr>
+        <p:style>
+          <a:lnRef idx="0">
+            <a:scrgbClr r="0" g="0" b="0"/>
+          </a:lnRef>
+          <a:fillRef idx="0">
+            <a:scrgbClr r="0" g="0" b="0"/>
+          </a:fillRef>
+          <a:effectRef idx="0">
+            <a:scrgbClr r="0" g="0" b="0"/>
+          </a:effectRef>
+          <a:fontRef idx="minor">
+            <a:schemeClr val="dk1"/>
+          </a:fontRef>
+        </p:style>
+        <p:txBody>
+          <a:bodyPr rtlCol="0" anchor="ctr"/>
+          <a:lstStyle/>
+          <a:p>
+            <a:pPr algn="ctr"/>
+            <a:endParaRPr lang="zh-TW" altLang="en-US" dirty="0"/>
+          </a:p>
+        </p:txBody>
+      </p:sp>
+    </p:spTree>
+    <p:extLst>
+      <p:ext uri="{BB962C8B-B14F-4D97-AF65-F5344CB8AC3E}">
+        <p14:creationId xmlns:p14="http://schemas.microsoft.com/office/powerpoint/2010/main" val="2285337374"/>
+      </p:ext>
+    </p:extLst>
+  </p:cSld>
+  <p:clrMapOvr>
+    <a:masterClrMapping/>
+  </p:clrMapOvr>
+</p:sld>
+</file>
+
+<file path=ppt/slides/slide28.xml><?xml version="1.0" encoding="utf-8"?>
+<p:sld xmlns:a="http://schemas.openxmlformats.org/drawingml/2006/main" xmlns:r="http://schemas.openxmlformats.org/officeDocument/2006/relationships" xmlns:p="http://schemas.openxmlformats.org/presentationml/2006/main">
+  <p:cSld>
+    <p:spTree>
+      <p:nvGrpSpPr>
+        <p:cNvPr id="1" name=""/>
+        <p:cNvGrpSpPr/>
+        <p:nvPr/>
+      </p:nvGrpSpPr>
+      <p:grpSpPr>
+        <a:xfrm>
+          <a:off x="0" y="0"/>
+          <a:ext cx="0" cy="0"/>
+          <a:chOff x="0" y="0"/>
+          <a:chExt cx="0" cy="0"/>
+        </a:xfrm>
+      </p:grpSpPr>
+      <p:sp>
+        <p:nvSpPr>
+          <p:cNvPr id="2" name="標題 1">
+            <a:extLst>
+              <a:ext uri="{FF2B5EF4-FFF2-40B4-BE49-F238E27FC236}">
+                <a16:creationId xmlns:a16="http://schemas.microsoft.com/office/drawing/2014/main" id="{69026704-A0E2-448B-9FCC-02C403E2AE1B}"/>
+              </a:ext>
+            </a:extLst>
+          </p:cNvPr>
+          <p:cNvSpPr>
+            <a:spLocks noGrp="1"/>
+          </p:cNvSpPr>
+          <p:nvPr>
+            <p:ph type="title"/>
+          </p:nvPr>
+        </p:nvSpPr>
+        <p:spPr/>
+        <p:txBody>
+          <a:bodyPr/>
+          <a:lstStyle/>
+          <a:p>
+            <a:r>
+              <a:rPr lang="en-US" altLang="zh-TW" dirty="0"/>
+              <a:t>Preview!</a:t>
+            </a:r>
+            <a:endParaRPr lang="zh-TW" altLang="en-US" dirty="0"/>
+          </a:p>
+        </p:txBody>
+      </p:sp>
+      <p:sp>
+        <p:nvSpPr>
+          <p:cNvPr id="3" name="內容版面配置區 2">
+            <a:extLst>
+              <a:ext uri="{FF2B5EF4-FFF2-40B4-BE49-F238E27FC236}">
+                <a16:creationId xmlns:a16="http://schemas.microsoft.com/office/drawing/2014/main" id="{4689A8E4-098D-48C9-97D4-7259DD3B55BE}"/>
+              </a:ext>
+            </a:extLst>
+          </p:cNvPr>
+          <p:cNvSpPr>
+            <a:spLocks noGrp="1"/>
+          </p:cNvSpPr>
+          <p:nvPr>
+            <p:ph idx="1"/>
+          </p:nvPr>
+        </p:nvSpPr>
+        <p:spPr/>
+        <p:txBody>
+          <a:bodyPr/>
+          <a:lstStyle/>
+          <a:p>
+            <a:endParaRPr lang="zh-TW" altLang="en-US"/>
+          </a:p>
+        </p:txBody>
+      </p:sp>
+      <p:pic>
+        <p:nvPicPr>
+          <p:cNvPr id="5" name="圖片 4">
+            <a:extLst>
+              <a:ext uri="{FF2B5EF4-FFF2-40B4-BE49-F238E27FC236}">
+                <a16:creationId xmlns:a16="http://schemas.microsoft.com/office/drawing/2014/main" id="{974D38B9-031D-4519-A323-37B908F336EC}"/>
+              </a:ext>
+            </a:extLst>
+          </p:cNvPr>
+          <p:cNvPicPr>
+            <a:picLocks noChangeAspect="1"/>
+          </p:cNvPicPr>
+          <p:nvPr/>
+        </p:nvPicPr>
+        <p:blipFill>
+          <a:blip r:embed="rId2"/>
+          <a:stretch>
+            <a:fillRect/>
+          </a:stretch>
+        </p:blipFill>
+        <p:spPr>
+          <a:xfrm>
+            <a:off x="566737" y="1862274"/>
+            <a:ext cx="11058525" cy="3638550"/>
+          </a:xfrm>
+          <a:prstGeom prst="rect">
+            <a:avLst/>
+          </a:prstGeom>
+        </p:spPr>
+      </p:pic>
+    </p:spTree>
+    <p:extLst>
+      <p:ext uri="{BB962C8B-B14F-4D97-AF65-F5344CB8AC3E}">
+        <p14:creationId xmlns:p14="http://schemas.microsoft.com/office/powerpoint/2010/main" val="2456655249"/>
       </p:ext>
     </p:extLst>
   </p:cSld>

--- a/slides.pptx
+++ b/slides.pptx
@@ -6,33 +6,35 @@
   </p:sldMasterIdLst>
   <p:sldIdLst>
     <p:sldId id="256" r:id="rId2"/>
-    <p:sldId id="257" r:id="rId3"/>
-    <p:sldId id="258" r:id="rId4"/>
-    <p:sldId id="260" r:id="rId5"/>
-    <p:sldId id="261" r:id="rId6"/>
-    <p:sldId id="262" r:id="rId7"/>
-    <p:sldId id="263" r:id="rId8"/>
-    <p:sldId id="264" r:id="rId9"/>
-    <p:sldId id="267" r:id="rId10"/>
-    <p:sldId id="269" r:id="rId11"/>
-    <p:sldId id="270" r:id="rId12"/>
-    <p:sldId id="271" r:id="rId13"/>
-    <p:sldId id="272" r:id="rId14"/>
-    <p:sldId id="273" r:id="rId15"/>
-    <p:sldId id="274" r:id="rId16"/>
-    <p:sldId id="275" r:id="rId17"/>
-    <p:sldId id="276" r:id="rId18"/>
-    <p:sldId id="277" r:id="rId19"/>
-    <p:sldId id="278" r:id="rId20"/>
-    <p:sldId id="279" r:id="rId21"/>
-    <p:sldId id="280" r:id="rId22"/>
-    <p:sldId id="281" r:id="rId23"/>
-    <p:sldId id="282" r:id="rId24"/>
-    <p:sldId id="284" r:id="rId25"/>
-    <p:sldId id="285" r:id="rId26"/>
-    <p:sldId id="287" r:id="rId27"/>
-    <p:sldId id="286" r:id="rId28"/>
-    <p:sldId id="288" r:id="rId29"/>
+    <p:sldId id="291" r:id="rId3"/>
+    <p:sldId id="257" r:id="rId4"/>
+    <p:sldId id="258" r:id="rId5"/>
+    <p:sldId id="260" r:id="rId6"/>
+    <p:sldId id="261" r:id="rId7"/>
+    <p:sldId id="262" r:id="rId8"/>
+    <p:sldId id="263" r:id="rId9"/>
+    <p:sldId id="290" r:id="rId10"/>
+    <p:sldId id="264" r:id="rId11"/>
+    <p:sldId id="267" r:id="rId12"/>
+    <p:sldId id="269" r:id="rId13"/>
+    <p:sldId id="270" r:id="rId14"/>
+    <p:sldId id="271" r:id="rId15"/>
+    <p:sldId id="272" r:id="rId16"/>
+    <p:sldId id="273" r:id="rId17"/>
+    <p:sldId id="274" r:id="rId18"/>
+    <p:sldId id="275" r:id="rId19"/>
+    <p:sldId id="276" r:id="rId20"/>
+    <p:sldId id="277" r:id="rId21"/>
+    <p:sldId id="278" r:id="rId22"/>
+    <p:sldId id="279" r:id="rId23"/>
+    <p:sldId id="280" r:id="rId24"/>
+    <p:sldId id="281" r:id="rId25"/>
+    <p:sldId id="282" r:id="rId26"/>
+    <p:sldId id="284" r:id="rId27"/>
+    <p:sldId id="285" r:id="rId28"/>
+    <p:sldId id="287" r:id="rId29"/>
+    <p:sldId id="286" r:id="rId30"/>
+    <p:sldId id="288" r:id="rId31"/>
   </p:sldIdLst>
   <p:sldSz cx="12192000" cy="6858000"/>
   <p:notesSz cx="6858000" cy="9144000"/>
@@ -938,7 +940,7 @@
       </dgm:t>
     </dgm:pt>
     <dgm:pt modelId="{640A2598-162E-49A3-B305-4F79068004EF}">
-      <dgm:prSet/>
+      <dgm:prSet custT="1"/>
       <dgm:spPr/>
       <dgm:t>
         <a:bodyPr/>
@@ -950,7 +952,7 @@
             </a:lnSpc>
           </a:pPr>
           <a:r>
-            <a:rPr lang="en-US"/>
+            <a:rPr lang="en-US" sz="1800" dirty="0"/>
             <a:t>Text / Graphic: Instructions</a:t>
           </a:r>
         </a:p>
@@ -984,7 +986,7 @@
       </dgm:t>
     </dgm:pt>
     <dgm:pt modelId="{9ACC9DB1-C812-4CA0-8BB4-8C88A72450F8}">
-      <dgm:prSet/>
+      <dgm:prSet custT="1"/>
       <dgm:spPr/>
       <dgm:t>
         <a:bodyPr/>
@@ -996,8 +998,24 @@
             </a:lnSpc>
           </a:pPr>
           <a:r>
-            <a:rPr lang="en-US"/>
-            <a:t>Slider: Ratings</a:t>
+            <a:rPr lang="en-US" sz="1800" kern="1200" dirty="0">
+              <a:solidFill>
+                <a:srgbClr val="000000">
+                  <a:hueOff val="0"/>
+                  <a:satOff val="0"/>
+                  <a:lumOff val="0"/>
+                  <a:alphaOff val="0"/>
+                </a:srgbClr>
+              </a:solidFill>
+              <a:latin typeface="Avenir Next LT Pro"/>
+              <a:ea typeface="+mn-ea"/>
+              <a:cs typeface="+mn-cs"/>
+            </a:rPr>
+            <a:t>Slider</a:t>
+          </a:r>
+          <a:r>
+            <a:rPr lang="en-US" sz="1800" kern="1200" dirty="0"/>
+            <a:t>: Ratings</a:t>
           </a:r>
         </a:p>
       </dgm:t>
@@ -1030,7 +1048,7 @@
       </dgm:t>
     </dgm:pt>
     <dgm:pt modelId="{AE414197-E532-4FE2-AC96-30BA3FF16456}">
-      <dgm:prSet/>
+      <dgm:prSet custT="1"/>
       <dgm:spPr/>
       <dgm:t>
         <a:bodyPr/>
@@ -1042,7 +1060,7 @@
             </a:lnSpc>
           </a:pPr>
           <a:r>
-            <a:rPr lang="en-US"/>
+            <a:rPr lang="en-US" sz="1800" dirty="0"/>
             <a:t>Rank order: Instead of rating choices, rank them</a:t>
           </a:r>
         </a:p>
@@ -1076,7 +1094,7 @@
       </dgm:t>
     </dgm:pt>
     <dgm:pt modelId="{D0C79213-88DD-427A-8EE4-A2B828AED40F}">
-      <dgm:prSet/>
+      <dgm:prSet custT="1"/>
       <dgm:spPr/>
       <dgm:t>
         <a:bodyPr/>
@@ -1088,7 +1106,7 @@
             </a:lnSpc>
           </a:pPr>
           <a:r>
-            <a:rPr lang="en-US"/>
+            <a:rPr lang="en-US" sz="1800" dirty="0"/>
             <a:t>Qualtrics not enough for you? Add your own (&amp; save as embedded data with JavaScript)</a:t>
           </a:r>
         </a:p>
@@ -1525,7 +1543,7 @@
         </a:bodyPr>
         <a:lstStyle/>
         <a:p>
-          <a:pPr marL="0" lvl="0" indent="0" algn="l" defTabSz="533400">
+          <a:pPr marL="0" lvl="0" indent="0" algn="l" defTabSz="800100">
             <a:lnSpc>
               <a:spcPct val="100000"/>
             </a:lnSpc>
@@ -1538,7 +1556,7 @@
             <a:buNone/>
           </a:pPr>
           <a:r>
-            <a:rPr lang="en-US" sz="1200" kern="1200"/>
+            <a:rPr lang="en-US" sz="1800" kern="1200" dirty="0"/>
             <a:t>Text / Graphic: Instructions</a:t>
           </a:r>
         </a:p>
@@ -1674,7 +1692,7 @@
         </a:bodyPr>
         <a:lstStyle/>
         <a:p>
-          <a:pPr marL="0" lvl="0" indent="0" algn="l" defTabSz="533400">
+          <a:pPr marL="0" lvl="0" indent="0" algn="l" defTabSz="800100">
             <a:lnSpc>
               <a:spcPct val="100000"/>
             </a:lnSpc>
@@ -1687,8 +1705,24 @@
             <a:buNone/>
           </a:pPr>
           <a:r>
-            <a:rPr lang="en-US" sz="1200" kern="1200"/>
-            <a:t>Slider: Ratings</a:t>
+            <a:rPr lang="en-US" sz="1800" kern="1200" dirty="0">
+              <a:solidFill>
+                <a:srgbClr val="000000">
+                  <a:hueOff val="0"/>
+                  <a:satOff val="0"/>
+                  <a:lumOff val="0"/>
+                  <a:alphaOff val="0"/>
+                </a:srgbClr>
+              </a:solidFill>
+              <a:latin typeface="Avenir Next LT Pro"/>
+              <a:ea typeface="+mn-ea"/>
+              <a:cs typeface="+mn-cs"/>
+            </a:rPr>
+            <a:t>Slider</a:t>
+          </a:r>
+          <a:r>
+            <a:rPr lang="en-US" sz="1800" kern="1200" dirty="0"/>
+            <a:t>: Ratings</a:t>
           </a:r>
         </a:p>
       </dsp:txBody>
@@ -1823,7 +1857,7 @@
         </a:bodyPr>
         <a:lstStyle/>
         <a:p>
-          <a:pPr marL="0" lvl="0" indent="0" algn="l" defTabSz="533400">
+          <a:pPr marL="0" lvl="0" indent="0" algn="l" defTabSz="800100">
             <a:lnSpc>
               <a:spcPct val="100000"/>
             </a:lnSpc>
@@ -1836,7 +1870,7 @@
             <a:buNone/>
           </a:pPr>
           <a:r>
-            <a:rPr lang="en-US" sz="1200" kern="1200"/>
+            <a:rPr lang="en-US" sz="1800" kern="1200" dirty="0"/>
             <a:t>Rank order: Instead of rating choices, rank them</a:t>
           </a:r>
         </a:p>
@@ -1972,7 +2006,7 @@
         </a:bodyPr>
         <a:lstStyle/>
         <a:p>
-          <a:pPr marL="0" lvl="0" indent="0" algn="l" defTabSz="533400">
+          <a:pPr marL="0" lvl="0" indent="0" algn="l" defTabSz="800100">
             <a:lnSpc>
               <a:spcPct val="100000"/>
             </a:lnSpc>
@@ -1985,7 +2019,7 @@
             <a:buNone/>
           </a:pPr>
           <a:r>
-            <a:rPr lang="en-US" sz="1200" kern="1200"/>
+            <a:rPr lang="en-US" sz="1800" kern="1200" dirty="0"/>
             <a:t>Qualtrics not enough for you? Add your own (&amp; save as embedded data with JavaScript)</a:t>
           </a:r>
         </a:p>
@@ -3401,7 +3435,7 @@
           <a:p>
             <a:fld id="{02AC24A9-CCB6-4F8D-B8DB-C2F3692CFA5A}" type="datetimeFigureOut">
               <a:rPr lang="en-US" smtClean="0"/>
-              <a:t>3/27/2022</a:t>
+              <a:t>3/31/2022</a:t>
             </a:fld>
             <a:endParaRPr lang="en-US" dirty="0"/>
           </a:p>
@@ -3771,7 +3805,7 @@
           <a:p>
             <a:fld id="{02AC24A9-CCB6-4F8D-B8DB-C2F3692CFA5A}" type="datetimeFigureOut">
               <a:rPr lang="en-US" smtClean="0"/>
-              <a:t>3/27/2022</a:t>
+              <a:t>3/31/2022</a:t>
             </a:fld>
             <a:endParaRPr lang="en-US"/>
           </a:p>
@@ -3980,7 +4014,7 @@
           <a:p>
             <a:fld id="{02AC24A9-CCB6-4F8D-B8DB-C2F3692CFA5A}" type="datetimeFigureOut">
               <a:rPr lang="en-US" smtClean="0"/>
-              <a:t>3/27/2022</a:t>
+              <a:t>3/31/2022</a:t>
             </a:fld>
             <a:endParaRPr lang="en-US"/>
           </a:p>
@@ -4450,7 +4484,7 @@
           <a:p>
             <a:fld id="{02AC24A9-CCB6-4F8D-B8DB-C2F3692CFA5A}" type="datetimeFigureOut">
               <a:rPr lang="en-US" smtClean="0"/>
-              <a:t>3/27/2022</a:t>
+              <a:t>3/31/2022</a:t>
             </a:fld>
             <a:endParaRPr lang="en-US"/>
           </a:p>
@@ -4904,7 +4938,7 @@
           <a:p>
             <a:fld id="{02AC24A9-CCB6-4F8D-B8DB-C2F3692CFA5A}" type="datetimeFigureOut">
               <a:rPr lang="en-US" smtClean="0"/>
-              <a:t>3/27/2022</a:t>
+              <a:t>3/31/2022</a:t>
             </a:fld>
             <a:endParaRPr lang="en-US"/>
           </a:p>
@@ -5436,7 +5470,7 @@
           <a:p>
             <a:fld id="{02AC24A9-CCB6-4F8D-B8DB-C2F3692CFA5A}" type="datetimeFigureOut">
               <a:rPr lang="en-US" smtClean="0"/>
-              <a:t>3/27/2022</a:t>
+              <a:t>3/31/2022</a:t>
             </a:fld>
             <a:endParaRPr lang="en-US"/>
           </a:p>
@@ -6135,7 +6169,7 @@
           <a:p>
             <a:fld id="{02AC24A9-CCB6-4F8D-B8DB-C2F3692CFA5A}" type="datetimeFigureOut">
               <a:rPr lang="en-US" smtClean="0"/>
-              <a:t>3/27/2022</a:t>
+              <a:t>3/31/2022</a:t>
             </a:fld>
             <a:endParaRPr lang="en-US"/>
           </a:p>
@@ -6464,7 +6498,7 @@
           <a:p>
             <a:fld id="{02AC24A9-CCB6-4F8D-B8DB-C2F3692CFA5A}" type="datetimeFigureOut">
               <a:rPr lang="en-US" smtClean="0"/>
-              <a:t>3/27/2022</a:t>
+              <a:t>3/31/2022</a:t>
             </a:fld>
             <a:endParaRPr lang="en-US"/>
           </a:p>
@@ -6577,7 +6611,7 @@
           <a:p>
             <a:fld id="{02AC24A9-CCB6-4F8D-B8DB-C2F3692CFA5A}" type="datetimeFigureOut">
               <a:rPr lang="en-US" smtClean="0"/>
-              <a:t>3/27/2022</a:t>
+              <a:t>3/31/2022</a:t>
             </a:fld>
             <a:endParaRPr lang="en-US"/>
           </a:p>
@@ -7072,7 +7106,7 @@
           <a:p>
             <a:fld id="{02AC24A9-CCB6-4F8D-B8DB-C2F3692CFA5A}" type="datetimeFigureOut">
               <a:rPr lang="en-US" smtClean="0"/>
-              <a:t>3/27/2022</a:t>
+              <a:t>3/31/2022</a:t>
             </a:fld>
             <a:endParaRPr lang="en-US" dirty="0"/>
           </a:p>
@@ -7549,7 +7583,7 @@
           <a:p>
             <a:fld id="{02AC24A9-CCB6-4F8D-B8DB-C2F3692CFA5A}" type="datetimeFigureOut">
               <a:rPr lang="en-US" smtClean="0"/>
-              <a:t>3/27/2022</a:t>
+              <a:t>3/31/2022</a:t>
             </a:fld>
             <a:endParaRPr lang="en-US"/>
           </a:p>
@@ -7822,7 +7856,7 @@
           <a:p>
             <a:fld id="{02AC24A9-CCB6-4F8D-B8DB-C2F3692CFA5A}" type="datetimeFigureOut">
               <a:rPr lang="en-US" smtClean="0"/>
-              <a:t>3/27/2022</a:t>
+              <a:t>3/31/2022</a:t>
             </a:fld>
             <a:endParaRPr lang="en-US"/>
           </a:p>
@@ -8609,14 +8643,6 @@
 <file path=ppt/slides/slide10.xml><?xml version="1.0" encoding="utf-8"?>
 <p:sld xmlns:a="http://schemas.openxmlformats.org/drawingml/2006/main" xmlns:r="http://schemas.openxmlformats.org/officeDocument/2006/relationships" xmlns:p="http://schemas.openxmlformats.org/presentationml/2006/main">
   <p:cSld>
-    <p:bg>
-      <p:bgPr>
-        <a:solidFill>
-          <a:schemeClr val="bg1"/>
-        </a:solidFill>
-        <a:effectLst/>
-      </p:bgPr>
-    </p:bg>
     <p:spTree>
       <p:nvGrpSpPr>
         <p:cNvPr id="1" name=""/>
@@ -8633,10 +8659,10 @@
       </p:grpSpPr>
       <p:sp useBgFill="1">
         <p:nvSpPr>
-          <p:cNvPr id="23" name="Rectangle 22">
-            <a:extLst>
-              <a:ext uri="{FF2B5EF4-FFF2-40B4-BE49-F238E27FC236}">
-                <a16:creationId xmlns:a16="http://schemas.microsoft.com/office/drawing/2014/main" id="{385E1BDC-A9B0-4A87-82E3-F3187F69A802}"/>
+          <p:cNvPr id="13" name="Rectangle 12">
+            <a:extLst>
+              <a:ext uri="{FF2B5EF4-FFF2-40B4-BE49-F238E27FC236}">
+                <a16:creationId xmlns:a16="http://schemas.microsoft.com/office/drawing/2014/main" id="{115719BB-48A7-4AF4-BB91-DC82E0DF727D}"/>
               </a:ext>
               <a:ext uri="{C183D7F6-B498-43B3-948B-1728B52AA6E4}">
                 <adec:decorative xmlns:adec="http://schemas.microsoft.com/office/drawing/2017/decorative" val="1"/>
@@ -8693,10 +8719,10 @@
       </p:sp>
       <p:sp useBgFill="1">
         <p:nvSpPr>
-          <p:cNvPr id="25" name="Rectangle 24">
-            <a:extLst>
-              <a:ext uri="{FF2B5EF4-FFF2-40B4-BE49-F238E27FC236}">
-                <a16:creationId xmlns:a16="http://schemas.microsoft.com/office/drawing/2014/main" id="{0990C621-3B8B-4820-8328-D47EF7CE823C}"/>
+          <p:cNvPr id="15" name="Freeform: Shape 14">
+            <a:extLst>
+              <a:ext uri="{FF2B5EF4-FFF2-40B4-BE49-F238E27FC236}">
+                <a16:creationId xmlns:a16="http://schemas.microsoft.com/office/drawing/2014/main" id="{10973A55-5440-4A99-B526-B5812E46271E}"/>
               </a:ext>
               <a:ext uri="{C183D7F6-B498-43B3-948B-1728B52AA6E4}">
                 <adec:decorative xmlns:adec="http://schemas.microsoft.com/office/drawing/2017/decorative" val="1"/>
@@ -8716,13 +8742,84 @@
         </p:nvSpPr>
         <p:spPr>
           <a:xfrm>
-            <a:off x="554416" y="365125"/>
-            <a:ext cx="11167447" cy="2089317"/>
-          </a:xfrm>
-          <a:prstGeom prst="rect">
+            <a:off x="-1" y="0"/>
+            <a:ext cx="6096002" cy="6858000"/>
+          </a:xfrm>
+          <a:custGeom>
             <a:avLst/>
-          </a:prstGeom>
-          <a:ln w="12700">
+            <a:gdLst>
+              <a:gd name="connsiteX0" fmla="*/ 0 w 6096002"/>
+              <a:gd name="connsiteY0" fmla="*/ 0 h 6858000"/>
+              <a:gd name="connsiteX1" fmla="*/ 4885967 w 6096002"/>
+              <a:gd name="connsiteY1" fmla="*/ 0 h 6858000"/>
+              <a:gd name="connsiteX2" fmla="*/ 4946007 w 6096002"/>
+              <a:gd name="connsiteY2" fmla="*/ 69271 h 6858000"/>
+              <a:gd name="connsiteX3" fmla="*/ 6096002 w 6096002"/>
+              <a:gd name="connsiteY3" fmla="*/ 3429000 h 6858000"/>
+              <a:gd name="connsiteX4" fmla="*/ 4946007 w 6096002"/>
+              <a:gd name="connsiteY4" fmla="*/ 6788730 h 6858000"/>
+              <a:gd name="connsiteX5" fmla="*/ 4885967 w 6096002"/>
+              <a:gd name="connsiteY5" fmla="*/ 6858000 h 6858000"/>
+              <a:gd name="connsiteX6" fmla="*/ 0 w 6096002"/>
+              <a:gd name="connsiteY6" fmla="*/ 6858000 h 6858000"/>
+            </a:gdLst>
+            <a:ahLst/>
+            <a:cxnLst>
+              <a:cxn ang="0">
+                <a:pos x="connsiteX0" y="connsiteY0"/>
+              </a:cxn>
+              <a:cxn ang="0">
+                <a:pos x="connsiteX1" y="connsiteY1"/>
+              </a:cxn>
+              <a:cxn ang="0">
+                <a:pos x="connsiteX2" y="connsiteY2"/>
+              </a:cxn>
+              <a:cxn ang="0">
+                <a:pos x="connsiteX3" y="connsiteY3"/>
+              </a:cxn>
+              <a:cxn ang="0">
+                <a:pos x="connsiteX4" y="connsiteY4"/>
+              </a:cxn>
+              <a:cxn ang="0">
+                <a:pos x="connsiteX5" y="connsiteY5"/>
+              </a:cxn>
+              <a:cxn ang="0">
+                <a:pos x="connsiteX6" y="connsiteY6"/>
+              </a:cxn>
+            </a:cxnLst>
+            <a:rect l="l" t="t" r="r" b="b"/>
+            <a:pathLst>
+              <a:path w="6096002" h="6858000">
+                <a:moveTo>
+                  <a:pt x="0" y="0"/>
+                </a:moveTo>
+                <a:lnTo>
+                  <a:pt x="4885967" y="0"/>
+                </a:lnTo>
+                <a:lnTo>
+                  <a:pt x="4946007" y="69271"/>
+                </a:lnTo>
+                <a:cubicBezTo>
+                  <a:pt x="5656533" y="929100"/>
+                  <a:pt x="6096002" y="2116944"/>
+                  <a:pt x="6096002" y="3429000"/>
+                </a:cubicBezTo>
+                <a:cubicBezTo>
+                  <a:pt x="6096002" y="4741056"/>
+                  <a:pt x="5656533" y="5928900"/>
+                  <a:pt x="4946007" y="6788730"/>
+                </a:cubicBezTo>
+                <a:lnTo>
+                  <a:pt x="4885967" y="6858000"/>
+                </a:lnTo>
+                <a:lnTo>
+                  <a:pt x="0" y="6858000"/>
+                </a:lnTo>
+                <a:close/>
+              </a:path>
+            </a:pathLst>
+          </a:custGeom>
+          <a:ln w="9525">
             <a:solidFill>
               <a:schemeClr val="tx2">
                 <a:lumMod val="10000"/>
@@ -8731,8 +8828,8 @@
             </a:solidFill>
           </a:ln>
           <a:effectLst>
-            <a:outerShdw blurRad="50800" dist="38100" dir="2700000" algn="tl" rotWithShape="0">
-              <a:schemeClr val="bg2">
+            <a:outerShdw blurRad="50800" dist="38100" algn="l" rotWithShape="0">
+              <a:schemeClr val="bg1">
                 <a:lumMod val="85000"/>
                 <a:alpha val="30000"/>
               </a:schemeClr>
@@ -8756,7 +8853,9 @@
           </a:fontRef>
         </p:style>
         <p:txBody>
-          <a:bodyPr rtlCol="0" anchor="ctr"/>
+          <a:bodyPr wrap="square" rtlCol="0" anchor="ctr">
+            <a:noAutofit/>
+          </a:bodyPr>
           <a:lstStyle/>
           <a:p>
             <a:pPr marL="0" marR="0" lvl="0" indent="0" algn="ctr" defTabSz="914400" rtl="0" eaLnBrk="1" fontAlgn="auto" latinLnBrk="0" hangingPunct="1">
@@ -8793,6 +8892,1218 @@
           </a:p>
         </p:txBody>
       </p:sp>
+      <p:sp useBgFill="1">
+        <p:nvSpPr>
+          <p:cNvPr id="17" name="Freeform: Shape 16">
+            <a:extLst>
+              <a:ext uri="{FF2B5EF4-FFF2-40B4-BE49-F238E27FC236}">
+                <a16:creationId xmlns:a16="http://schemas.microsoft.com/office/drawing/2014/main" id="{A9682493-588A-4D52-98F6-FBBD80C07ECB}"/>
+              </a:ext>
+              <a:ext uri="{C183D7F6-B498-43B3-948B-1728B52AA6E4}">
+                <adec:decorative xmlns:adec="http://schemas.microsoft.com/office/drawing/2017/decorative" val="1"/>
+              </a:ext>
+            </a:extLst>
+          </p:cNvPr>
+          <p:cNvSpPr>
+            <a:spLocks noGrp="1" noRot="1" noChangeAspect="1" noMove="1" noResize="1" noEditPoints="1" noAdjustHandles="1" noChangeArrowheads="1" noChangeShapeType="1" noTextEdit="1"/>
+          </p:cNvSpPr>
+          <p:nvPr>
+            <p:extLst>
+              <p:ext uri="{386F3935-93C4-4BCD-93E2-E3B085C9AB24}">
+                <p16:designElem xmlns:p16="http://schemas.microsoft.com/office/powerpoint/2015/main" val="1"/>
+              </p:ext>
+            </p:extLst>
+          </p:nvPr>
+        </p:nvSpPr>
+        <p:spPr>
+          <a:xfrm>
+            <a:off x="0" y="0"/>
+            <a:ext cx="6085370" cy="6858000"/>
+          </a:xfrm>
+          <a:custGeom>
+            <a:avLst/>
+            <a:gdLst>
+              <a:gd name="connsiteX0" fmla="*/ 0 w 6085370"/>
+              <a:gd name="connsiteY0" fmla="*/ 0 h 6858000"/>
+              <a:gd name="connsiteX1" fmla="*/ 4875335 w 6085370"/>
+              <a:gd name="connsiteY1" fmla="*/ 0 h 6858000"/>
+              <a:gd name="connsiteX2" fmla="*/ 4935375 w 6085370"/>
+              <a:gd name="connsiteY2" fmla="*/ 69271 h 6858000"/>
+              <a:gd name="connsiteX3" fmla="*/ 6085370 w 6085370"/>
+              <a:gd name="connsiteY3" fmla="*/ 3429000 h 6858000"/>
+              <a:gd name="connsiteX4" fmla="*/ 4935375 w 6085370"/>
+              <a:gd name="connsiteY4" fmla="*/ 6788730 h 6858000"/>
+              <a:gd name="connsiteX5" fmla="*/ 4875335 w 6085370"/>
+              <a:gd name="connsiteY5" fmla="*/ 6858000 h 6858000"/>
+              <a:gd name="connsiteX6" fmla="*/ 0 w 6085370"/>
+              <a:gd name="connsiteY6" fmla="*/ 6858000 h 6858000"/>
+            </a:gdLst>
+            <a:ahLst/>
+            <a:cxnLst>
+              <a:cxn ang="0">
+                <a:pos x="connsiteX0" y="connsiteY0"/>
+              </a:cxn>
+              <a:cxn ang="0">
+                <a:pos x="connsiteX1" y="connsiteY1"/>
+              </a:cxn>
+              <a:cxn ang="0">
+                <a:pos x="connsiteX2" y="connsiteY2"/>
+              </a:cxn>
+              <a:cxn ang="0">
+                <a:pos x="connsiteX3" y="connsiteY3"/>
+              </a:cxn>
+              <a:cxn ang="0">
+                <a:pos x="connsiteX4" y="connsiteY4"/>
+              </a:cxn>
+              <a:cxn ang="0">
+                <a:pos x="connsiteX5" y="connsiteY5"/>
+              </a:cxn>
+              <a:cxn ang="0">
+                <a:pos x="connsiteX6" y="connsiteY6"/>
+              </a:cxn>
+            </a:cxnLst>
+            <a:rect l="l" t="t" r="r" b="b"/>
+            <a:pathLst>
+              <a:path w="6085370" h="6858000">
+                <a:moveTo>
+                  <a:pt x="0" y="0"/>
+                </a:moveTo>
+                <a:lnTo>
+                  <a:pt x="4875335" y="0"/>
+                </a:lnTo>
+                <a:lnTo>
+                  <a:pt x="4935375" y="69271"/>
+                </a:lnTo>
+                <a:cubicBezTo>
+                  <a:pt x="5645901" y="929100"/>
+                  <a:pt x="6085370" y="2116944"/>
+                  <a:pt x="6085370" y="3429000"/>
+                </a:cubicBezTo>
+                <a:cubicBezTo>
+                  <a:pt x="6085370" y="4741056"/>
+                  <a:pt x="5645901" y="5928900"/>
+                  <a:pt x="4935375" y="6788730"/>
+                </a:cubicBezTo>
+                <a:lnTo>
+                  <a:pt x="4875335" y="6858000"/>
+                </a:lnTo>
+                <a:lnTo>
+                  <a:pt x="0" y="6858000"/>
+                </a:lnTo>
+                <a:close/>
+              </a:path>
+            </a:pathLst>
+          </a:custGeom>
+          <a:ln w="9525">
+            <a:noFill/>
+          </a:ln>
+          <a:effectLst/>
+        </p:spPr>
+        <p:style>
+          <a:lnRef idx="2">
+            <a:schemeClr val="accent1">
+              <a:shade val="50000"/>
+            </a:schemeClr>
+          </a:lnRef>
+          <a:fillRef idx="1">
+            <a:schemeClr val="accent1"/>
+          </a:fillRef>
+          <a:effectRef idx="0">
+            <a:schemeClr val="accent1"/>
+          </a:effectRef>
+          <a:fontRef idx="minor">
+            <a:schemeClr val="lt1"/>
+          </a:fontRef>
+        </p:style>
+        <p:txBody>
+          <a:bodyPr wrap="square" rtlCol="0" anchor="ctr">
+            <a:noAutofit/>
+          </a:bodyPr>
+          <a:lstStyle/>
+          <a:p>
+            <a:pPr marL="0" marR="0" lvl="0" indent="0" algn="ctr" defTabSz="914400" rtl="0" eaLnBrk="1" fontAlgn="auto" latinLnBrk="0" hangingPunct="1">
+              <a:lnSpc>
+                <a:spcPct val="100000"/>
+              </a:lnSpc>
+              <a:spcBef>
+                <a:spcPts val="0"/>
+              </a:spcBef>
+              <a:spcAft>
+                <a:spcPts val="0"/>
+              </a:spcAft>
+              <a:buClrTx/>
+              <a:buSzTx/>
+              <a:buFontTx/>
+              <a:buNone/>
+              <a:tabLst/>
+              <a:defRPr/>
+            </a:pPr>
+            <a:endParaRPr kumimoji="0" lang="en-US" sz="1800" b="0" i="0" u="none" strike="noStrike" kern="1200" cap="none" spc="0" normalizeH="0" baseline="0" noProof="0">
+              <a:ln>
+                <a:noFill/>
+              </a:ln>
+              <a:solidFill>
+                <a:prstClr val="white"/>
+              </a:solidFill>
+              <a:effectLst/>
+              <a:uLnTx/>
+              <a:uFillTx/>
+              <a:latin typeface="Calibri" panose="020F0502020204030204"/>
+              <a:ea typeface="+mn-ea"/>
+              <a:cs typeface="+mn-cs"/>
+            </a:endParaRPr>
+          </a:p>
+        </p:txBody>
+      </p:sp>
+      <p:sp>
+        <p:nvSpPr>
+          <p:cNvPr id="2" name="標題 1">
+            <a:extLst>
+              <a:ext uri="{FF2B5EF4-FFF2-40B4-BE49-F238E27FC236}">
+                <a16:creationId xmlns:a16="http://schemas.microsoft.com/office/drawing/2014/main" id="{3BB560C3-C9BD-4617-B54B-6E716152B1C4}"/>
+              </a:ext>
+            </a:extLst>
+          </p:cNvPr>
+          <p:cNvSpPr>
+            <a:spLocks noGrp="1"/>
+          </p:cNvSpPr>
+          <p:nvPr>
+            <p:ph type="title"/>
+          </p:nvPr>
+        </p:nvSpPr>
+        <p:spPr>
+          <a:xfrm>
+            <a:off x="438913" y="859536"/>
+            <a:ext cx="4832802" cy="1170432"/>
+          </a:xfrm>
+        </p:spPr>
+        <p:txBody>
+          <a:bodyPr anchor="b">
+            <a:normAutofit/>
+          </a:bodyPr>
+          <a:lstStyle/>
+          <a:p>
+            <a:r>
+              <a:rPr lang="en-US" altLang="zh-TW" sz="3400" dirty="0"/>
+              <a:t>Q2: Intro</a:t>
+            </a:r>
+            <a:endParaRPr lang="zh-TW" altLang="en-US" sz="3400" dirty="0"/>
+          </a:p>
+        </p:txBody>
+      </p:sp>
+      <p:sp>
+        <p:nvSpPr>
+          <p:cNvPr id="19" name="Rectangle 18">
+            <a:extLst>
+              <a:ext uri="{FF2B5EF4-FFF2-40B4-BE49-F238E27FC236}">
+                <a16:creationId xmlns:a16="http://schemas.microsoft.com/office/drawing/2014/main" id="{FBEC5A7A-ADE4-48D9-B89C-2BA1C9110632}"/>
+              </a:ext>
+              <a:ext uri="{C183D7F6-B498-43B3-948B-1728B52AA6E4}">
+                <adec:decorative xmlns:adec="http://schemas.microsoft.com/office/drawing/2017/decorative" val="1"/>
+              </a:ext>
+            </a:extLst>
+          </p:cNvPr>
+          <p:cNvSpPr>
+            <a:spLocks noGrp="1" noRot="1" noChangeAspect="1" noMove="1" noResize="1" noEditPoints="1" noAdjustHandles="1" noChangeArrowheads="1" noChangeShapeType="1" noTextEdit="1"/>
+          </p:cNvSpPr>
+          <p:nvPr>
+            <p:extLst>
+              <p:ext uri="{386F3935-93C4-4BCD-93E2-E3B085C9AB24}">
+                <p16:designElem xmlns:p16="http://schemas.microsoft.com/office/powerpoint/2015/main" val="1"/>
+              </p:ext>
+            </p:extLst>
+          </p:nvPr>
+        </p:nvSpPr>
+        <p:spPr>
+          <a:xfrm rot="5400000">
+            <a:off x="703236" y="363389"/>
+            <a:ext cx="73152" cy="548640"/>
+          </a:xfrm>
+          <a:prstGeom prst="rect">
+            <a:avLst/>
+          </a:prstGeom>
+          <a:solidFill>
+            <a:schemeClr val="accent1"/>
+          </a:solidFill>
+          <a:ln>
+            <a:noFill/>
+          </a:ln>
+        </p:spPr>
+        <p:style>
+          <a:lnRef idx="2">
+            <a:schemeClr val="accent1">
+              <a:shade val="50000"/>
+            </a:schemeClr>
+          </a:lnRef>
+          <a:fillRef idx="1">
+            <a:schemeClr val="accent1"/>
+          </a:fillRef>
+          <a:effectRef idx="0">
+            <a:schemeClr val="accent1"/>
+          </a:effectRef>
+          <a:fontRef idx="minor">
+            <a:schemeClr val="lt1"/>
+          </a:fontRef>
+        </p:style>
+        <p:txBody>
+          <a:bodyPr rtlCol="0" anchor="ctr"/>
+          <a:lstStyle/>
+          <a:p>
+            <a:pPr marL="0" marR="0" lvl="0" indent="0" algn="ctr" defTabSz="914400" rtl="0" eaLnBrk="1" fontAlgn="auto" latinLnBrk="0" hangingPunct="1">
+              <a:lnSpc>
+                <a:spcPct val="100000"/>
+              </a:lnSpc>
+              <a:spcBef>
+                <a:spcPts val="0"/>
+              </a:spcBef>
+              <a:spcAft>
+                <a:spcPts val="0"/>
+              </a:spcAft>
+              <a:buClrTx/>
+              <a:buSzTx/>
+              <a:buFontTx/>
+              <a:buNone/>
+              <a:tabLst/>
+              <a:defRPr/>
+            </a:pPr>
+            <a:endParaRPr kumimoji="0" lang="en-US" sz="1800" b="0" i="0" u="none" strike="noStrike" kern="1200" cap="none" spc="0" normalizeH="0" baseline="0" noProof="0">
+              <a:ln>
+                <a:noFill/>
+              </a:ln>
+              <a:solidFill>
+                <a:prstClr val="white"/>
+              </a:solidFill>
+              <a:effectLst/>
+              <a:uLnTx/>
+              <a:uFillTx/>
+              <a:latin typeface="Calibri" panose="020F0502020204030204"/>
+              <a:ea typeface="+mn-ea"/>
+              <a:cs typeface="+mn-cs"/>
+            </a:endParaRPr>
+          </a:p>
+        </p:txBody>
+      </p:sp>
+      <p:sp>
+        <p:nvSpPr>
+          <p:cNvPr id="21" name="Rectangle 20">
+            <a:extLst>
+              <a:ext uri="{FF2B5EF4-FFF2-40B4-BE49-F238E27FC236}">
+                <a16:creationId xmlns:a16="http://schemas.microsoft.com/office/drawing/2014/main" id="{82095FCE-EF05-4443-B97A-85DEE3A5CA17}"/>
+              </a:ext>
+              <a:ext uri="{C183D7F6-B498-43B3-948B-1728B52AA6E4}">
+                <adec:decorative xmlns:adec="http://schemas.microsoft.com/office/drawing/2017/decorative" val="1"/>
+              </a:ext>
+            </a:extLst>
+          </p:cNvPr>
+          <p:cNvSpPr>
+            <a:spLocks noGrp="1" noRot="1" noChangeAspect="1" noMove="1" noResize="1" noEditPoints="1" noAdjustHandles="1" noChangeArrowheads="1" noChangeShapeType="1" noTextEdit="1"/>
+          </p:cNvSpPr>
+          <p:nvPr>
+            <p:extLst>
+              <p:ext uri="{386F3935-93C4-4BCD-93E2-E3B085C9AB24}">
+                <p16:designElem xmlns:p16="http://schemas.microsoft.com/office/powerpoint/2015/main" val="1"/>
+              </p:ext>
+            </p:extLst>
+          </p:nvPr>
+        </p:nvSpPr>
+        <p:spPr>
+          <a:xfrm>
+            <a:off x="465492" y="2185062"/>
+            <a:ext cx="4937760" cy="18288"/>
+          </a:xfrm>
+          <a:prstGeom prst="rect">
+            <a:avLst/>
+          </a:prstGeom>
+          <a:solidFill>
+            <a:schemeClr val="tx2">
+              <a:lumMod val="25000"/>
+              <a:lumOff val="75000"/>
+            </a:schemeClr>
+          </a:solidFill>
+          <a:ln w="3175">
+            <a:noFill/>
+          </a:ln>
+          <a:effectLst/>
+        </p:spPr>
+        <p:style>
+          <a:lnRef idx="2">
+            <a:schemeClr val="accent1">
+              <a:shade val="50000"/>
+            </a:schemeClr>
+          </a:lnRef>
+          <a:fillRef idx="1">
+            <a:schemeClr val="accent1"/>
+          </a:fillRef>
+          <a:effectRef idx="0">
+            <a:schemeClr val="accent1"/>
+          </a:effectRef>
+          <a:fontRef idx="minor">
+            <a:schemeClr val="lt1"/>
+          </a:fontRef>
+        </p:style>
+        <p:txBody>
+          <a:bodyPr rtlCol="0" anchor="ctr"/>
+          <a:lstStyle/>
+          <a:p>
+            <a:pPr marL="0" marR="0" lvl="0" indent="0" algn="ctr" defTabSz="914400" rtl="0" eaLnBrk="1" fontAlgn="auto" latinLnBrk="0" hangingPunct="1">
+              <a:lnSpc>
+                <a:spcPct val="100000"/>
+              </a:lnSpc>
+              <a:spcBef>
+                <a:spcPts val="0"/>
+              </a:spcBef>
+              <a:spcAft>
+                <a:spcPts val="0"/>
+              </a:spcAft>
+              <a:buClrTx/>
+              <a:buSzTx/>
+              <a:buFontTx/>
+              <a:buNone/>
+              <a:tabLst/>
+              <a:defRPr/>
+            </a:pPr>
+            <a:endParaRPr kumimoji="0" lang="en-US" sz="1800" b="0" i="0" u="none" strike="noStrike" kern="1200" cap="none" spc="0" normalizeH="0" baseline="0" noProof="0">
+              <a:ln>
+                <a:noFill/>
+              </a:ln>
+              <a:solidFill>
+                <a:prstClr val="white"/>
+              </a:solidFill>
+              <a:effectLst/>
+              <a:uLnTx/>
+              <a:uFillTx/>
+              <a:latin typeface="Calibri" panose="020F0502020204030204"/>
+              <a:ea typeface="+mn-ea"/>
+              <a:cs typeface="+mn-cs"/>
+            </a:endParaRPr>
+          </a:p>
+        </p:txBody>
+      </p:sp>
+      <p:sp>
+        <p:nvSpPr>
+          <p:cNvPr id="3" name="內容版面配置區 2">
+            <a:extLst>
+              <a:ext uri="{FF2B5EF4-FFF2-40B4-BE49-F238E27FC236}">
+                <a16:creationId xmlns:a16="http://schemas.microsoft.com/office/drawing/2014/main" id="{655153D6-7392-4190-A2AD-4AEF6E406272}"/>
+              </a:ext>
+            </a:extLst>
+          </p:cNvPr>
+          <p:cNvSpPr>
+            <a:spLocks noGrp="1"/>
+          </p:cNvSpPr>
+          <p:nvPr>
+            <p:ph idx="1"/>
+          </p:nvPr>
+        </p:nvSpPr>
+        <p:spPr>
+          <a:xfrm>
+            <a:off x="438912" y="2512611"/>
+            <a:ext cx="4832803" cy="3664351"/>
+          </a:xfrm>
+        </p:spPr>
+        <p:txBody>
+          <a:bodyPr>
+            <a:normAutofit/>
+          </a:bodyPr>
+          <a:lstStyle/>
+          <a:p>
+            <a:r>
+              <a:rPr lang="en-US" altLang="zh-TW" sz="1800" dirty="0"/>
+              <a:t>1 question = 1 trial</a:t>
+            </a:r>
+          </a:p>
+          <a:p>
+            <a:r>
+              <a:rPr lang="en-US" altLang="zh-TW" sz="1800" dirty="0"/>
+              <a:t>1 question type = 1 trial type (input type)</a:t>
+            </a:r>
+          </a:p>
+          <a:p>
+            <a:r>
+              <a:rPr lang="en-US" altLang="zh-TW" sz="1800" dirty="0"/>
+              <a:t>This question is a forced-choice task, so multiple choice is used</a:t>
+            </a:r>
+          </a:p>
+          <a:p>
+            <a:r>
+              <a:rPr lang="en-US" altLang="zh-TW" sz="1800" dirty="0"/>
+              <a:t>‘Force response’ = participants can’t skip the question</a:t>
+            </a:r>
+            <a:endParaRPr lang="zh-TW" altLang="en-US" sz="1800" dirty="0"/>
+          </a:p>
+        </p:txBody>
+      </p:sp>
+      <p:pic>
+        <p:nvPicPr>
+          <p:cNvPr id="6" name="圖片 5">
+            <a:extLst>
+              <a:ext uri="{FF2B5EF4-FFF2-40B4-BE49-F238E27FC236}">
+                <a16:creationId xmlns:a16="http://schemas.microsoft.com/office/drawing/2014/main" id="{37E83727-3629-45DE-8E75-F396E2948227}"/>
+              </a:ext>
+            </a:extLst>
+          </p:cNvPr>
+          <p:cNvPicPr>
+            <a:picLocks noChangeAspect="1"/>
+          </p:cNvPicPr>
+          <p:nvPr/>
+        </p:nvPicPr>
+        <p:blipFill>
+          <a:blip r:embed="rId2"/>
+          <a:stretch>
+            <a:fillRect/>
+          </a:stretch>
+        </p:blipFill>
+        <p:spPr>
+          <a:xfrm>
+            <a:off x="7120570" y="3149931"/>
+            <a:ext cx="3824264" cy="2743200"/>
+          </a:xfrm>
+          <a:prstGeom prst="rect">
+            <a:avLst/>
+          </a:prstGeom>
+        </p:spPr>
+      </p:pic>
+      <p:pic>
+        <p:nvPicPr>
+          <p:cNvPr id="8" name="圖片 7">
+            <a:extLst>
+              <a:ext uri="{FF2B5EF4-FFF2-40B4-BE49-F238E27FC236}">
+                <a16:creationId xmlns:a16="http://schemas.microsoft.com/office/drawing/2014/main" id="{844F8C7B-AFA5-49A5-A2A7-B6B01967ECF5}"/>
+              </a:ext>
+            </a:extLst>
+          </p:cNvPr>
+          <p:cNvPicPr>
+            <a:picLocks noChangeAspect="1"/>
+          </p:cNvPicPr>
+          <p:nvPr/>
+        </p:nvPicPr>
+        <p:blipFill>
+          <a:blip r:embed="rId3"/>
+          <a:stretch>
+            <a:fillRect/>
+          </a:stretch>
+        </p:blipFill>
+        <p:spPr>
+          <a:xfrm>
+            <a:off x="6463238" y="554738"/>
+            <a:ext cx="5138928" cy="2040456"/>
+          </a:xfrm>
+          <a:prstGeom prst="rect">
+            <a:avLst/>
+          </a:prstGeom>
+        </p:spPr>
+      </p:pic>
+    </p:spTree>
+    <p:extLst>
+      <p:ext uri="{BB962C8B-B14F-4D97-AF65-F5344CB8AC3E}">
+        <p14:creationId xmlns:p14="http://schemas.microsoft.com/office/powerpoint/2010/main" val="1911590532"/>
+      </p:ext>
+    </p:extLst>
+  </p:cSld>
+  <p:clrMapOvr>
+    <a:masterClrMapping/>
+  </p:clrMapOvr>
+</p:sld>
+</file>
+
+<file path=ppt/slides/slide11.xml><?xml version="1.0" encoding="utf-8"?>
+<p:sld xmlns:a="http://schemas.openxmlformats.org/drawingml/2006/main" xmlns:r="http://schemas.openxmlformats.org/officeDocument/2006/relationships" xmlns:p="http://schemas.openxmlformats.org/presentationml/2006/main">
+  <p:cSld>
+    <p:bg>
+      <p:bgPr>
+        <a:gradFill>
+          <a:gsLst>
+            <a:gs pos="23000">
+              <a:schemeClr val="accent1">
+                <a:lumMod val="5000"/>
+                <a:lumOff val="95000"/>
+              </a:schemeClr>
+            </a:gs>
+            <a:gs pos="46000">
+              <a:schemeClr val="accent1">
+                <a:lumMod val="45000"/>
+                <a:lumOff val="55000"/>
+              </a:schemeClr>
+            </a:gs>
+            <a:gs pos="67000">
+              <a:schemeClr val="accent1">
+                <a:lumMod val="45000"/>
+                <a:lumOff val="55000"/>
+              </a:schemeClr>
+            </a:gs>
+            <a:gs pos="89000">
+              <a:schemeClr val="accent1">
+                <a:lumMod val="30000"/>
+                <a:lumOff val="70000"/>
+              </a:schemeClr>
+            </a:gs>
+          </a:gsLst>
+          <a:lin ang="5400000" scaled="1"/>
+        </a:gradFill>
+        <a:effectLst/>
+      </p:bgPr>
+    </p:bg>
+    <p:spTree>
+      <p:nvGrpSpPr>
+        <p:cNvPr id="1" name=""/>
+        <p:cNvGrpSpPr/>
+        <p:nvPr/>
+      </p:nvGrpSpPr>
+      <p:grpSpPr>
+        <a:xfrm>
+          <a:off x="0" y="0"/>
+          <a:ext cx="0" cy="0"/>
+          <a:chOff x="0" y="0"/>
+          <a:chExt cx="0" cy="0"/>
+        </a:xfrm>
+      </p:grpSpPr>
+      <p:sp useBgFill="1">
+        <p:nvSpPr>
+          <p:cNvPr id="19" name="Rectangle 10">
+            <a:extLst>
+              <a:ext uri="{FF2B5EF4-FFF2-40B4-BE49-F238E27FC236}">
+                <a16:creationId xmlns:a16="http://schemas.microsoft.com/office/drawing/2014/main" id="{2C9A9DA9-7DC8-488B-A882-123947B0F3D9}"/>
+              </a:ext>
+              <a:ext uri="{C183D7F6-B498-43B3-948B-1728B52AA6E4}">
+                <adec:decorative xmlns:adec="http://schemas.microsoft.com/office/drawing/2017/decorative" val="1"/>
+              </a:ext>
+            </a:extLst>
+          </p:cNvPr>
+          <p:cNvSpPr>
+            <a:spLocks noGrp="1" noRot="1" noChangeAspect="1" noMove="1" noResize="1" noEditPoints="1" noAdjustHandles="1" noChangeArrowheads="1" noChangeShapeType="1" noTextEdit="1"/>
+          </p:cNvSpPr>
+          <p:nvPr>
+            <p:extLst>
+              <p:ext uri="{386F3935-93C4-4BCD-93E2-E3B085C9AB24}">
+                <p16:designElem xmlns:p16="http://schemas.microsoft.com/office/powerpoint/2015/main" val="1"/>
+              </p:ext>
+            </p:extLst>
+          </p:nvPr>
+        </p:nvSpPr>
+        <p:spPr>
+          <a:xfrm>
+            <a:off x="0" y="0"/>
+            <a:ext cx="12192000" cy="6858000"/>
+          </a:xfrm>
+          <a:prstGeom prst="rect">
+            <a:avLst/>
+          </a:prstGeom>
+          <a:ln>
+            <a:noFill/>
+          </a:ln>
+        </p:spPr>
+        <p:style>
+          <a:lnRef idx="2">
+            <a:schemeClr val="accent1">
+              <a:shade val="50000"/>
+            </a:schemeClr>
+          </a:lnRef>
+          <a:fillRef idx="1">
+            <a:schemeClr val="accent1"/>
+          </a:fillRef>
+          <a:effectRef idx="0">
+            <a:schemeClr val="accent1"/>
+          </a:effectRef>
+          <a:fontRef idx="minor">
+            <a:schemeClr val="lt1"/>
+          </a:fontRef>
+        </p:style>
+        <p:txBody>
+          <a:bodyPr rtlCol="0" anchor="ctr"/>
+          <a:lstStyle/>
+          <a:p>
+            <a:pPr algn="ctr"/>
+            <a:endParaRPr lang="en-US"/>
+          </a:p>
+        </p:txBody>
+      </p:sp>
+      <p:sp useBgFill="1">
+        <p:nvSpPr>
+          <p:cNvPr id="20" name="Rectangle 12">
+            <a:extLst>
+              <a:ext uri="{FF2B5EF4-FFF2-40B4-BE49-F238E27FC236}">
+                <a16:creationId xmlns:a16="http://schemas.microsoft.com/office/drawing/2014/main" id="{57F6BDD4-E066-4008-8011-6CC31AEB4556}"/>
+              </a:ext>
+              <a:ext uri="{C183D7F6-B498-43B3-948B-1728B52AA6E4}">
+                <adec:decorative xmlns:adec="http://schemas.microsoft.com/office/drawing/2017/decorative" val="1"/>
+              </a:ext>
+            </a:extLst>
+          </p:cNvPr>
+          <p:cNvSpPr>
+            <a:spLocks noGrp="1" noRot="1" noChangeAspect="1" noMove="1" noResize="1" noEditPoints="1" noAdjustHandles="1" noChangeArrowheads="1" noChangeShapeType="1" noTextEdit="1"/>
+          </p:cNvSpPr>
+          <p:nvPr>
+            <p:extLst>
+              <p:ext uri="{386F3935-93C4-4BCD-93E2-E3B085C9AB24}">
+                <p16:designElem xmlns:p16="http://schemas.microsoft.com/office/powerpoint/2015/main" val="1"/>
+              </p:ext>
+            </p:extLst>
+          </p:nvPr>
+        </p:nvSpPr>
+        <p:spPr>
+          <a:xfrm>
+            <a:off x="409575" y="633619"/>
+            <a:ext cx="6838569" cy="5495925"/>
+          </a:xfrm>
+          <a:prstGeom prst="rect">
+            <a:avLst/>
+          </a:prstGeom>
+          <a:ln w="9525">
+            <a:solidFill>
+              <a:schemeClr val="tx2">
+                <a:lumMod val="10000"/>
+                <a:lumOff val="90000"/>
+              </a:schemeClr>
+            </a:solidFill>
+          </a:ln>
+          <a:effectLst>
+            <a:outerShdw blurRad="50800" dist="38100" dir="2700000" algn="tl" rotWithShape="0">
+              <a:schemeClr val="bg1">
+                <a:lumMod val="85000"/>
+                <a:alpha val="30000"/>
+              </a:schemeClr>
+            </a:outerShdw>
+          </a:effectLst>
+        </p:spPr>
+        <p:style>
+          <a:lnRef idx="2">
+            <a:schemeClr val="accent1">
+              <a:shade val="50000"/>
+            </a:schemeClr>
+          </a:lnRef>
+          <a:fillRef idx="1">
+            <a:schemeClr val="accent1"/>
+          </a:fillRef>
+          <a:effectRef idx="0">
+            <a:schemeClr val="accent1"/>
+          </a:effectRef>
+          <a:fontRef idx="minor">
+            <a:schemeClr val="lt1"/>
+          </a:fontRef>
+        </p:style>
+        <p:txBody>
+          <a:bodyPr rtlCol="0" anchor="ctr"/>
+          <a:lstStyle/>
+          <a:p>
+            <a:pPr marL="0" marR="0" lvl="0" indent="0" algn="ctr" defTabSz="914400" rtl="0" eaLnBrk="1" fontAlgn="auto" latinLnBrk="0" hangingPunct="1">
+              <a:lnSpc>
+                <a:spcPct val="100000"/>
+              </a:lnSpc>
+              <a:spcBef>
+                <a:spcPts val="0"/>
+              </a:spcBef>
+              <a:spcAft>
+                <a:spcPts val="0"/>
+              </a:spcAft>
+              <a:buClrTx/>
+              <a:buSzTx/>
+              <a:buFontTx/>
+              <a:buNone/>
+              <a:tabLst/>
+              <a:defRPr/>
+            </a:pPr>
+            <a:endParaRPr kumimoji="0" lang="en-US" sz="1800" b="0" i="0" u="none" strike="noStrike" kern="1200" cap="none" spc="0" normalizeH="0" baseline="0" noProof="0">
+              <a:ln>
+                <a:noFill/>
+              </a:ln>
+              <a:solidFill>
+                <a:prstClr val="white"/>
+              </a:solidFill>
+              <a:effectLst/>
+              <a:uLnTx/>
+              <a:uFillTx/>
+              <a:latin typeface="Calibri" panose="020F0502020204030204"/>
+              <a:ea typeface="+mn-ea"/>
+              <a:cs typeface="+mn-cs"/>
+            </a:endParaRPr>
+          </a:p>
+        </p:txBody>
+      </p:sp>
+      <p:sp>
+        <p:nvSpPr>
+          <p:cNvPr id="2" name="標題 1">
+            <a:extLst>
+              <a:ext uri="{FF2B5EF4-FFF2-40B4-BE49-F238E27FC236}">
+                <a16:creationId xmlns:a16="http://schemas.microsoft.com/office/drawing/2014/main" id="{0E5D8DE3-D7CA-4E40-9165-580363B9674A}"/>
+              </a:ext>
+            </a:extLst>
+          </p:cNvPr>
+          <p:cNvSpPr>
+            <a:spLocks noGrp="1"/>
+          </p:cNvSpPr>
+          <p:nvPr>
+            <p:ph type="title"/>
+          </p:nvPr>
+        </p:nvSpPr>
+        <p:spPr>
+          <a:xfrm>
+            <a:off x="841246" y="978619"/>
+            <a:ext cx="5991244" cy="1106424"/>
+          </a:xfrm>
+        </p:spPr>
+        <p:txBody>
+          <a:bodyPr>
+            <a:normAutofit/>
+          </a:bodyPr>
+          <a:lstStyle/>
+          <a:p>
+            <a:r>
+              <a:rPr lang="en-US" altLang="zh-TW" sz="3200" dirty="0"/>
+              <a:t>Q3/Q4: Question type</a:t>
+            </a:r>
+            <a:endParaRPr lang="zh-TW" altLang="en-US" sz="3200" dirty="0"/>
+          </a:p>
+        </p:txBody>
+      </p:sp>
+      <p:sp>
+        <p:nvSpPr>
+          <p:cNvPr id="21" name="Rectangle 14">
+            <a:extLst>
+              <a:ext uri="{FF2B5EF4-FFF2-40B4-BE49-F238E27FC236}">
+                <a16:creationId xmlns:a16="http://schemas.microsoft.com/office/drawing/2014/main" id="{2711A8FB-68FC-45FC-B01E-38F809E2D439}"/>
+              </a:ext>
+              <a:ext uri="{C183D7F6-B498-43B3-948B-1728B52AA6E4}">
+                <adec:decorative xmlns:adec="http://schemas.microsoft.com/office/drawing/2017/decorative" val="1"/>
+              </a:ext>
+            </a:extLst>
+          </p:cNvPr>
+          <p:cNvSpPr>
+            <a:spLocks noGrp="1" noRot="1" noChangeAspect="1" noMove="1" noResize="1" noEditPoints="1" noAdjustHandles="1" noChangeArrowheads="1" noChangeShapeType="1" noTextEdit="1"/>
+          </p:cNvSpPr>
+          <p:nvPr>
+            <p:extLst>
+              <p:ext uri="{386F3935-93C4-4BCD-93E2-E3B085C9AB24}">
+                <p16:designElem xmlns:p16="http://schemas.microsoft.com/office/powerpoint/2015/main" val="1"/>
+              </p:ext>
+            </p:extLst>
+          </p:nvPr>
+        </p:nvSpPr>
+        <p:spPr>
+          <a:xfrm>
+            <a:off x="345567" y="1171300"/>
+            <a:ext cx="128016" cy="704088"/>
+          </a:xfrm>
+          <a:prstGeom prst="rect">
+            <a:avLst/>
+          </a:prstGeom>
+          <a:solidFill>
+            <a:schemeClr val="accent1"/>
+          </a:solidFill>
+          <a:ln>
+            <a:noFill/>
+          </a:ln>
+        </p:spPr>
+        <p:style>
+          <a:lnRef idx="2">
+            <a:schemeClr val="accent1">
+              <a:shade val="50000"/>
+            </a:schemeClr>
+          </a:lnRef>
+          <a:fillRef idx="1">
+            <a:schemeClr val="accent1"/>
+          </a:fillRef>
+          <a:effectRef idx="0">
+            <a:schemeClr val="accent1"/>
+          </a:effectRef>
+          <a:fontRef idx="minor">
+            <a:schemeClr val="lt1"/>
+          </a:fontRef>
+        </p:style>
+        <p:txBody>
+          <a:bodyPr rtlCol="0" anchor="ctr"/>
+          <a:lstStyle/>
+          <a:p>
+            <a:pPr marL="0" marR="0" lvl="0" indent="0" algn="ctr" defTabSz="914400" rtl="0" eaLnBrk="1" fontAlgn="auto" latinLnBrk="0" hangingPunct="1">
+              <a:lnSpc>
+                <a:spcPct val="100000"/>
+              </a:lnSpc>
+              <a:spcBef>
+                <a:spcPts val="0"/>
+              </a:spcBef>
+              <a:spcAft>
+                <a:spcPts val="0"/>
+              </a:spcAft>
+              <a:buClrTx/>
+              <a:buSzTx/>
+              <a:buFontTx/>
+              <a:buNone/>
+              <a:tabLst/>
+              <a:defRPr/>
+            </a:pPr>
+            <a:endParaRPr kumimoji="0" lang="en-US" sz="1800" b="0" i="0" u="none" strike="noStrike" kern="1200" cap="none" spc="0" normalizeH="0" baseline="0" noProof="0">
+              <a:ln>
+                <a:noFill/>
+              </a:ln>
+              <a:solidFill>
+                <a:prstClr val="white"/>
+              </a:solidFill>
+              <a:effectLst/>
+              <a:uLnTx/>
+              <a:uFillTx/>
+              <a:latin typeface="Calibri" panose="020F0502020204030204"/>
+              <a:ea typeface="+mn-ea"/>
+              <a:cs typeface="+mn-cs"/>
+            </a:endParaRPr>
+          </a:p>
+        </p:txBody>
+      </p:sp>
+      <p:sp>
+        <p:nvSpPr>
+          <p:cNvPr id="22" name="Rectangle 16">
+            <a:extLst>
+              <a:ext uri="{FF2B5EF4-FFF2-40B4-BE49-F238E27FC236}">
+                <a16:creationId xmlns:a16="http://schemas.microsoft.com/office/drawing/2014/main" id="{2A865FE3-5FC9-4049-87CF-30019C46C0F5}"/>
+              </a:ext>
+              <a:ext uri="{C183D7F6-B498-43B3-948B-1728B52AA6E4}">
+                <adec:decorative xmlns:adec="http://schemas.microsoft.com/office/drawing/2017/decorative" val="1"/>
+              </a:ext>
+            </a:extLst>
+          </p:cNvPr>
+          <p:cNvSpPr>
+            <a:spLocks noGrp="1" noRot="1" noChangeAspect="1" noMove="1" noResize="1" noEditPoints="1" noAdjustHandles="1" noChangeArrowheads="1" noChangeShapeType="1" noTextEdit="1"/>
+          </p:cNvSpPr>
+          <p:nvPr>
+            <p:extLst>
+              <p:ext uri="{386F3935-93C4-4BCD-93E2-E3B085C9AB24}">
+                <p16:designElem xmlns:p16="http://schemas.microsoft.com/office/powerpoint/2015/main" val="1"/>
+              </p:ext>
+            </p:extLst>
+          </p:nvPr>
+        </p:nvSpPr>
+        <p:spPr>
+          <a:xfrm>
+            <a:off x="877458" y="2093976"/>
+            <a:ext cx="5846683" cy="9144"/>
+          </a:xfrm>
+          <a:prstGeom prst="rect">
+            <a:avLst/>
+          </a:prstGeom>
+          <a:solidFill>
+            <a:schemeClr val="tx2">
+              <a:lumMod val="25000"/>
+              <a:lumOff val="75000"/>
+            </a:schemeClr>
+          </a:solidFill>
+          <a:ln w="3175">
+            <a:noFill/>
+          </a:ln>
+          <a:effectLst/>
+        </p:spPr>
+        <p:style>
+          <a:lnRef idx="2">
+            <a:schemeClr val="accent1">
+              <a:shade val="50000"/>
+            </a:schemeClr>
+          </a:lnRef>
+          <a:fillRef idx="1">
+            <a:schemeClr val="accent1"/>
+          </a:fillRef>
+          <a:effectRef idx="0">
+            <a:schemeClr val="accent1"/>
+          </a:effectRef>
+          <a:fontRef idx="minor">
+            <a:schemeClr val="lt1"/>
+          </a:fontRef>
+        </p:style>
+        <p:txBody>
+          <a:bodyPr rtlCol="0" anchor="ctr"/>
+          <a:lstStyle/>
+          <a:p>
+            <a:pPr marL="0" marR="0" lvl="0" indent="0" algn="ctr" defTabSz="914400" rtl="0" eaLnBrk="1" fontAlgn="auto" latinLnBrk="0" hangingPunct="1">
+              <a:lnSpc>
+                <a:spcPct val="100000"/>
+              </a:lnSpc>
+              <a:spcBef>
+                <a:spcPts val="0"/>
+              </a:spcBef>
+              <a:spcAft>
+                <a:spcPts val="0"/>
+              </a:spcAft>
+              <a:buClrTx/>
+              <a:buSzTx/>
+              <a:buFontTx/>
+              <a:buNone/>
+              <a:tabLst/>
+              <a:defRPr/>
+            </a:pPr>
+            <a:endParaRPr kumimoji="0" lang="en-US" sz="1800" b="0" i="0" u="none" strike="noStrike" kern="1200" cap="none" spc="0" normalizeH="0" baseline="0" noProof="0">
+              <a:ln>
+                <a:noFill/>
+              </a:ln>
+              <a:solidFill>
+                <a:prstClr val="white"/>
+              </a:solidFill>
+              <a:effectLst/>
+              <a:uLnTx/>
+              <a:uFillTx/>
+              <a:latin typeface="Calibri" panose="020F0502020204030204"/>
+              <a:ea typeface="+mn-ea"/>
+              <a:cs typeface="+mn-cs"/>
+            </a:endParaRPr>
+          </a:p>
+        </p:txBody>
+      </p:sp>
+      <p:pic>
+        <p:nvPicPr>
+          <p:cNvPr id="4" name="圖片 3">
+            <a:extLst>
+              <a:ext uri="{FF2B5EF4-FFF2-40B4-BE49-F238E27FC236}">
+                <a16:creationId xmlns:a16="http://schemas.microsoft.com/office/drawing/2014/main" id="{B15E11D7-9AA6-4DB2-A5FF-91C80491C938}"/>
+              </a:ext>
+            </a:extLst>
+          </p:cNvPr>
+          <p:cNvPicPr>
+            <a:picLocks noChangeAspect="1"/>
+          </p:cNvPicPr>
+          <p:nvPr/>
+        </p:nvPicPr>
+        <p:blipFill>
+          <a:blip r:embed="rId2"/>
+          <a:stretch>
+            <a:fillRect/>
+          </a:stretch>
+        </p:blipFill>
+        <p:spPr>
+          <a:xfrm>
+            <a:off x="7679814" y="925505"/>
+            <a:ext cx="4097657" cy="4906405"/>
+          </a:xfrm>
+          <a:prstGeom prst="rect">
+            <a:avLst/>
+          </a:prstGeom>
+        </p:spPr>
+      </p:pic>
+      <p:graphicFrame>
+        <p:nvGraphicFramePr>
+          <p:cNvPr id="6" name="內容版面配置區 2">
+            <a:extLst>
+              <a:ext uri="{FF2B5EF4-FFF2-40B4-BE49-F238E27FC236}">
+                <a16:creationId xmlns:a16="http://schemas.microsoft.com/office/drawing/2014/main" id="{CF3414D4-252D-460F-B24F-2F49F8AC03DA}"/>
+              </a:ext>
+            </a:extLst>
+          </p:cNvPr>
+          <p:cNvGraphicFramePr>
+            <a:graphicFrameLocks noGrp="1"/>
+          </p:cNvGraphicFramePr>
+          <p:nvPr>
+            <p:ph idx="1"/>
+            <p:extLst>
+              <p:ext uri="{D42A27DB-BD31-4B8C-83A1-F6EECF244321}">
+                <p14:modId xmlns:p14="http://schemas.microsoft.com/office/powerpoint/2010/main" val="3878610397"/>
+              </p:ext>
+            </p:extLst>
+          </p:nvPr>
+        </p:nvGraphicFramePr>
+        <p:xfrm>
+          <a:off x="841248" y="2252870"/>
+          <a:ext cx="5993892" cy="3560251"/>
+        </p:xfrm>
+        <a:graphic>
+          <a:graphicData uri="http://schemas.openxmlformats.org/drawingml/2006/diagram">
+            <dgm:relIds xmlns:dgm="http://schemas.openxmlformats.org/drawingml/2006/diagram" xmlns:r="http://schemas.openxmlformats.org/officeDocument/2006/relationships" r:dm="rId3" r:lo="rId4" r:qs="rId5" r:cs="rId6"/>
+          </a:graphicData>
+        </a:graphic>
+      </p:graphicFrame>
+    </p:spTree>
+    <p:extLst>
+      <p:ext uri="{BB962C8B-B14F-4D97-AF65-F5344CB8AC3E}">
+        <p14:creationId xmlns:p14="http://schemas.microsoft.com/office/powerpoint/2010/main" val="2162635553"/>
+      </p:ext>
+    </p:extLst>
+  </p:cSld>
+  <p:clrMapOvr>
+    <a:masterClrMapping/>
+  </p:clrMapOvr>
+</p:sld>
+</file>
+
+<file path=ppt/slides/slide12.xml><?xml version="1.0" encoding="utf-8"?>
+<p:sld xmlns:a="http://schemas.openxmlformats.org/drawingml/2006/main" xmlns:r="http://schemas.openxmlformats.org/officeDocument/2006/relationships" xmlns:p="http://schemas.openxmlformats.org/presentationml/2006/main">
+  <p:cSld>
+    <p:bg>
+      <p:bgPr>
+        <a:solidFill>
+          <a:schemeClr val="bg1"/>
+        </a:solidFill>
+        <a:effectLst/>
+      </p:bgPr>
+    </p:bg>
+    <p:spTree>
+      <p:nvGrpSpPr>
+        <p:cNvPr id="1" name=""/>
+        <p:cNvGrpSpPr/>
+        <p:nvPr/>
+      </p:nvGrpSpPr>
+      <p:grpSpPr>
+        <a:xfrm>
+          <a:off x="0" y="0"/>
+          <a:ext cx="0" cy="0"/>
+          <a:chOff x="0" y="0"/>
+          <a:chExt cx="0" cy="0"/>
+        </a:xfrm>
+      </p:grpSpPr>
+      <p:sp useBgFill="1">
+        <p:nvSpPr>
+          <p:cNvPr id="23" name="Rectangle 22">
+            <a:extLst>
+              <a:ext uri="{FF2B5EF4-FFF2-40B4-BE49-F238E27FC236}">
+                <a16:creationId xmlns:a16="http://schemas.microsoft.com/office/drawing/2014/main" id="{385E1BDC-A9B0-4A87-82E3-F3187F69A802}"/>
+              </a:ext>
+              <a:ext uri="{C183D7F6-B498-43B3-948B-1728B52AA6E4}">
+                <adec:decorative xmlns:adec="http://schemas.microsoft.com/office/drawing/2017/decorative" val="1"/>
+              </a:ext>
+            </a:extLst>
+          </p:cNvPr>
+          <p:cNvSpPr>
+            <a:spLocks noGrp="1" noRot="1" noChangeAspect="1" noMove="1" noResize="1" noEditPoints="1" noAdjustHandles="1" noChangeArrowheads="1" noChangeShapeType="1" noTextEdit="1"/>
+          </p:cNvSpPr>
+          <p:nvPr>
+            <p:extLst>
+              <p:ext uri="{386F3935-93C4-4BCD-93E2-E3B085C9AB24}">
+                <p16:designElem xmlns:p16="http://schemas.microsoft.com/office/powerpoint/2015/main" val="1"/>
+              </p:ext>
+            </p:extLst>
+          </p:nvPr>
+        </p:nvSpPr>
+        <p:spPr>
+          <a:xfrm>
+            <a:off x="0" y="0"/>
+            <a:ext cx="12192000" cy="6858000"/>
+          </a:xfrm>
+          <a:prstGeom prst="rect">
+            <a:avLst/>
+          </a:prstGeom>
+          <a:ln>
+            <a:noFill/>
+          </a:ln>
+        </p:spPr>
+        <p:style>
+          <a:lnRef idx="2">
+            <a:schemeClr val="accent1">
+              <a:shade val="50000"/>
+            </a:schemeClr>
+          </a:lnRef>
+          <a:fillRef idx="1">
+            <a:schemeClr val="accent1"/>
+          </a:fillRef>
+          <a:effectRef idx="0">
+            <a:schemeClr val="accent1"/>
+          </a:effectRef>
+          <a:fontRef idx="minor">
+            <a:schemeClr val="lt1"/>
+          </a:fontRef>
+        </p:style>
+        <p:txBody>
+          <a:bodyPr rtlCol="0" anchor="ctr"/>
+          <a:lstStyle/>
+          <a:p>
+            <a:pPr algn="ctr"/>
+            <a:endParaRPr lang="en-US"/>
+          </a:p>
+        </p:txBody>
+      </p:sp>
+      <p:sp useBgFill="1">
+        <p:nvSpPr>
+          <p:cNvPr id="25" name="Rectangle 24">
+            <a:extLst>
+              <a:ext uri="{FF2B5EF4-FFF2-40B4-BE49-F238E27FC236}">
+                <a16:creationId xmlns:a16="http://schemas.microsoft.com/office/drawing/2014/main" id="{0990C621-3B8B-4820-8328-D47EF7CE823C}"/>
+              </a:ext>
+              <a:ext uri="{C183D7F6-B498-43B3-948B-1728B52AA6E4}">
+                <adec:decorative xmlns:adec="http://schemas.microsoft.com/office/drawing/2017/decorative" val="1"/>
+              </a:ext>
+            </a:extLst>
+          </p:cNvPr>
+          <p:cNvSpPr>
+            <a:spLocks noGrp="1" noRot="1" noChangeAspect="1" noMove="1" noResize="1" noEditPoints="1" noAdjustHandles="1" noChangeArrowheads="1" noChangeShapeType="1" noTextEdit="1"/>
+          </p:cNvSpPr>
+          <p:nvPr>
+            <p:extLst>
+              <p:ext uri="{386F3935-93C4-4BCD-93E2-E3B085C9AB24}">
+                <p16:designElem xmlns:p16="http://schemas.microsoft.com/office/powerpoint/2015/main" val="1"/>
+              </p:ext>
+            </p:extLst>
+          </p:nvPr>
+        </p:nvSpPr>
+        <p:spPr>
+          <a:xfrm>
+            <a:off x="554416" y="365125"/>
+            <a:ext cx="11167447" cy="2089317"/>
+          </a:xfrm>
+          <a:prstGeom prst="rect">
+            <a:avLst/>
+          </a:prstGeom>
+          <a:ln w="12700">
+            <a:solidFill>
+              <a:schemeClr val="tx2">
+                <a:lumMod val="10000"/>
+                <a:lumOff val="90000"/>
+              </a:schemeClr>
+            </a:solidFill>
+          </a:ln>
+          <a:effectLst>
+            <a:outerShdw blurRad="50800" dist="38100" dir="2700000" algn="tl" rotWithShape="0">
+              <a:schemeClr val="bg2">
+                <a:lumMod val="85000"/>
+                <a:alpha val="30000"/>
+              </a:schemeClr>
+            </a:outerShdw>
+          </a:effectLst>
+        </p:spPr>
+        <p:style>
+          <a:lnRef idx="2">
+            <a:schemeClr val="accent1">
+              <a:shade val="50000"/>
+            </a:schemeClr>
+          </a:lnRef>
+          <a:fillRef idx="1">
+            <a:schemeClr val="accent1"/>
+          </a:fillRef>
+          <a:effectRef idx="0">
+            <a:schemeClr val="accent1"/>
+          </a:effectRef>
+          <a:fontRef idx="minor">
+            <a:schemeClr val="lt1"/>
+          </a:fontRef>
+        </p:style>
+        <p:txBody>
+          <a:bodyPr rtlCol="0" anchor="ctr"/>
+          <a:lstStyle/>
+          <a:p>
+            <a:pPr marL="0" marR="0" lvl="0" indent="0" algn="ctr" defTabSz="914400" rtl="0" eaLnBrk="1" fontAlgn="auto" latinLnBrk="0" hangingPunct="1">
+              <a:lnSpc>
+                <a:spcPct val="100000"/>
+              </a:lnSpc>
+              <a:spcBef>
+                <a:spcPts val="0"/>
+              </a:spcBef>
+              <a:spcAft>
+                <a:spcPts val="0"/>
+              </a:spcAft>
+              <a:buClrTx/>
+              <a:buSzTx/>
+              <a:buFontTx/>
+              <a:buNone/>
+              <a:tabLst/>
+              <a:defRPr/>
+            </a:pPr>
+            <a:endParaRPr kumimoji="0" lang="en-US" sz="1800" b="0" i="0" u="none" strike="noStrike" kern="1200" cap="none" spc="0" normalizeH="0" baseline="0" noProof="0">
+              <a:ln>
+                <a:noFill/>
+              </a:ln>
+              <a:solidFill>
+                <a:prstClr val="white"/>
+              </a:solidFill>
+              <a:effectLst/>
+              <a:uLnTx/>
+              <a:uFillTx/>
+              <a:latin typeface="Calibri" panose="020F0502020204030204"/>
+              <a:ea typeface="+mn-ea"/>
+              <a:cs typeface="+mn-cs"/>
+            </a:endParaRPr>
+          </a:p>
+        </p:txBody>
+      </p:sp>
       <p:sp>
         <p:nvSpPr>
           <p:cNvPr id="2" name="標題 1">
@@ -9192,7 +10503,7 @@
 </p:sld>
 </file>
 
-<file path=ppt/slides/slide11.xml><?xml version="1.0" encoding="utf-8"?>
+<file path=ppt/slides/slide13.xml><?xml version="1.0" encoding="utf-8"?>
 <p:sld xmlns:a="http://schemas.openxmlformats.org/drawingml/2006/main" xmlns:r="http://schemas.openxmlformats.org/officeDocument/2006/relationships" xmlns:p="http://schemas.openxmlformats.org/presentationml/2006/main">
   <p:cSld>
     <p:bg>
@@ -9661,758 +10972,6 @@
 </p:sld>
 </file>
 
-<file path=ppt/slides/slide12.xml><?xml version="1.0" encoding="utf-8"?>
-<p:sld xmlns:a="http://schemas.openxmlformats.org/drawingml/2006/main" xmlns:r="http://schemas.openxmlformats.org/officeDocument/2006/relationships" xmlns:p="http://schemas.openxmlformats.org/presentationml/2006/main">
-  <p:cSld>
-    <p:spTree>
-      <p:nvGrpSpPr>
-        <p:cNvPr id="1" name=""/>
-        <p:cNvGrpSpPr/>
-        <p:nvPr/>
-      </p:nvGrpSpPr>
-      <p:grpSpPr>
-        <a:xfrm>
-          <a:off x="0" y="0"/>
-          <a:ext cx="0" cy="0"/>
-          <a:chOff x="0" y="0"/>
-          <a:chExt cx="0" cy="0"/>
-        </a:xfrm>
-      </p:grpSpPr>
-      <p:sp>
-        <p:nvSpPr>
-          <p:cNvPr id="2" name="標題 1">
-            <a:extLst>
-              <a:ext uri="{FF2B5EF4-FFF2-40B4-BE49-F238E27FC236}">
-                <a16:creationId xmlns:a16="http://schemas.microsoft.com/office/drawing/2014/main" id="{93048374-F638-4A45-B565-8E46C4C95AF1}"/>
-              </a:ext>
-            </a:extLst>
-          </p:cNvPr>
-          <p:cNvSpPr>
-            <a:spLocks noGrp="1"/>
-          </p:cNvSpPr>
-          <p:nvPr>
-            <p:ph type="title"/>
-          </p:nvPr>
-        </p:nvSpPr>
-        <p:spPr/>
-        <p:txBody>
-          <a:bodyPr/>
-          <a:lstStyle/>
-          <a:p>
-            <a:r>
-              <a:rPr lang="en-US" altLang="zh-TW" dirty="0"/>
-              <a:t>Q8block</a:t>
-            </a:r>
-            <a:endParaRPr lang="zh-TW" altLang="en-US" dirty="0"/>
-          </a:p>
-        </p:txBody>
-      </p:sp>
-      <p:pic>
-        <p:nvPicPr>
-          <p:cNvPr id="5" name="圖片 4">
-            <a:extLst>
-              <a:ext uri="{FF2B5EF4-FFF2-40B4-BE49-F238E27FC236}">
-                <a16:creationId xmlns:a16="http://schemas.microsoft.com/office/drawing/2014/main" id="{954F83E8-2E87-4CCC-96D7-9E295CE1A34D}"/>
-              </a:ext>
-            </a:extLst>
-          </p:cNvPr>
-          <p:cNvPicPr>
-            <a:picLocks noChangeAspect="1"/>
-          </p:cNvPicPr>
-          <p:nvPr/>
-        </p:nvPicPr>
-        <p:blipFill>
-          <a:blip r:embed="rId2"/>
-          <a:stretch>
-            <a:fillRect/>
-          </a:stretch>
-        </p:blipFill>
-        <p:spPr>
-          <a:xfrm>
-            <a:off x="505969" y="1728216"/>
-            <a:ext cx="6515100" cy="1409700"/>
-          </a:xfrm>
-          <a:prstGeom prst="rect">
-            <a:avLst/>
-          </a:prstGeom>
-        </p:spPr>
-      </p:pic>
-      <p:pic>
-        <p:nvPicPr>
-          <p:cNvPr id="7" name="圖片 6">
-            <a:extLst>
-              <a:ext uri="{FF2B5EF4-FFF2-40B4-BE49-F238E27FC236}">
-                <a16:creationId xmlns:a16="http://schemas.microsoft.com/office/drawing/2014/main" id="{0FD5FE11-A3AF-4C08-A572-F1CB83473959}"/>
-              </a:ext>
-            </a:extLst>
-          </p:cNvPr>
-          <p:cNvPicPr>
-            <a:picLocks noChangeAspect="1"/>
-          </p:cNvPicPr>
-          <p:nvPr/>
-        </p:nvPicPr>
-        <p:blipFill>
-          <a:blip r:embed="rId3"/>
-          <a:stretch>
-            <a:fillRect/>
-          </a:stretch>
-        </p:blipFill>
-        <p:spPr>
-          <a:xfrm>
-            <a:off x="5410799" y="3220022"/>
-            <a:ext cx="6391275" cy="1000125"/>
-          </a:xfrm>
-          <a:prstGeom prst="rect">
-            <a:avLst/>
-          </a:prstGeom>
-        </p:spPr>
-      </p:pic>
-      <p:pic>
-        <p:nvPicPr>
-          <p:cNvPr id="9" name="圖片 8">
-            <a:extLst>
-              <a:ext uri="{FF2B5EF4-FFF2-40B4-BE49-F238E27FC236}">
-                <a16:creationId xmlns:a16="http://schemas.microsoft.com/office/drawing/2014/main" id="{1C5FA961-89E6-4A48-BDD9-63403D220677}"/>
-              </a:ext>
-            </a:extLst>
-          </p:cNvPr>
-          <p:cNvPicPr>
-            <a:picLocks noChangeAspect="1"/>
-          </p:cNvPicPr>
-          <p:nvPr/>
-        </p:nvPicPr>
-        <p:blipFill>
-          <a:blip r:embed="rId4"/>
-          <a:stretch>
-            <a:fillRect/>
-          </a:stretch>
-        </p:blipFill>
-        <p:spPr>
-          <a:xfrm>
-            <a:off x="681226" y="4469022"/>
-            <a:ext cx="5345979" cy="2222486"/>
-          </a:xfrm>
-          <a:prstGeom prst="rect">
-            <a:avLst/>
-          </a:prstGeom>
-        </p:spPr>
-      </p:pic>
-      <p:sp>
-        <p:nvSpPr>
-          <p:cNvPr id="11" name="矩形 10">
-            <a:extLst>
-              <a:ext uri="{FF2B5EF4-FFF2-40B4-BE49-F238E27FC236}">
-                <a16:creationId xmlns:a16="http://schemas.microsoft.com/office/drawing/2014/main" id="{FE0AF7D3-92A6-4030-AF4D-ADEC8C25468A}"/>
-              </a:ext>
-            </a:extLst>
-          </p:cNvPr>
-          <p:cNvSpPr/>
-          <p:nvPr/>
-        </p:nvSpPr>
-        <p:spPr>
-          <a:xfrm>
-            <a:off x="618309" y="1863634"/>
-            <a:ext cx="1280160" cy="409303"/>
-          </a:xfrm>
-          <a:prstGeom prst="rect">
-            <a:avLst/>
-          </a:prstGeom>
-          <a:noFill/>
-          <a:ln w="9525" cap="flat" cmpd="sng" algn="ctr">
-            <a:solidFill>
-              <a:schemeClr val="accent1"/>
-            </a:solidFill>
-            <a:prstDash val="solid"/>
-            <a:round/>
-            <a:headEnd type="none" w="med" len="med"/>
-            <a:tailEnd type="none" w="med" len="med"/>
-          </a:ln>
-        </p:spPr>
-        <p:style>
-          <a:lnRef idx="0">
-            <a:scrgbClr r="0" g="0" b="0"/>
-          </a:lnRef>
-          <a:fillRef idx="0">
-            <a:scrgbClr r="0" g="0" b="0"/>
-          </a:fillRef>
-          <a:effectRef idx="0">
-            <a:scrgbClr r="0" g="0" b="0"/>
-          </a:effectRef>
-          <a:fontRef idx="minor">
-            <a:schemeClr val="accent1"/>
-          </a:fontRef>
-        </p:style>
-        <p:txBody>
-          <a:bodyPr rtlCol="0" anchor="ctr"/>
-          <a:lstStyle/>
-          <a:p>
-            <a:pPr algn="ctr"/>
-            <a:endParaRPr lang="zh-TW" altLang="en-US"/>
-          </a:p>
-        </p:txBody>
-      </p:sp>
-      <p:pic>
-        <p:nvPicPr>
-          <p:cNvPr id="15" name="圖片 14">
-            <a:extLst>
-              <a:ext uri="{FF2B5EF4-FFF2-40B4-BE49-F238E27FC236}">
-                <a16:creationId xmlns:a16="http://schemas.microsoft.com/office/drawing/2014/main" id="{12C5724A-9FE6-4407-B5CB-8816B5A0BD09}"/>
-              </a:ext>
-            </a:extLst>
-          </p:cNvPr>
-          <p:cNvPicPr>
-            <a:picLocks noChangeAspect="1"/>
-          </p:cNvPicPr>
-          <p:nvPr/>
-        </p:nvPicPr>
-        <p:blipFill>
-          <a:blip r:embed="rId5"/>
-          <a:stretch>
-            <a:fillRect/>
-          </a:stretch>
-        </p:blipFill>
-        <p:spPr>
-          <a:xfrm>
-            <a:off x="7449149" y="4345344"/>
-            <a:ext cx="4352925" cy="2276475"/>
-          </a:xfrm>
-          <a:prstGeom prst="rect">
-            <a:avLst/>
-          </a:prstGeom>
-        </p:spPr>
-      </p:pic>
-      <p:sp>
-        <p:nvSpPr>
-          <p:cNvPr id="16" name="矩形 15">
-            <a:extLst>
-              <a:ext uri="{FF2B5EF4-FFF2-40B4-BE49-F238E27FC236}">
-                <a16:creationId xmlns:a16="http://schemas.microsoft.com/office/drawing/2014/main" id="{D750BE35-C3AD-43FC-A2DE-F11B0323EA6C}"/>
-              </a:ext>
-            </a:extLst>
-          </p:cNvPr>
-          <p:cNvSpPr/>
-          <p:nvPr/>
-        </p:nvSpPr>
-        <p:spPr>
-          <a:xfrm>
-            <a:off x="6027205" y="3429000"/>
-            <a:ext cx="208132" cy="219891"/>
-          </a:xfrm>
-          <a:prstGeom prst="rect">
-            <a:avLst/>
-          </a:prstGeom>
-          <a:noFill/>
-          <a:ln w="9525" cap="flat" cmpd="sng" algn="ctr">
-            <a:solidFill>
-              <a:schemeClr val="accent6"/>
-            </a:solidFill>
-            <a:prstDash val="solid"/>
-            <a:round/>
-            <a:headEnd type="none" w="med" len="med"/>
-            <a:tailEnd type="none" w="med" len="med"/>
-          </a:ln>
-        </p:spPr>
-        <p:style>
-          <a:lnRef idx="0">
-            <a:scrgbClr r="0" g="0" b="0"/>
-          </a:lnRef>
-          <a:fillRef idx="0">
-            <a:scrgbClr r="0" g="0" b="0"/>
-          </a:fillRef>
-          <a:effectRef idx="0">
-            <a:scrgbClr r="0" g="0" b="0"/>
-          </a:effectRef>
-          <a:fontRef idx="minor">
-            <a:schemeClr val="accent6"/>
-          </a:fontRef>
-        </p:style>
-        <p:txBody>
-          <a:bodyPr rtlCol="0" anchor="ctr"/>
-          <a:lstStyle/>
-          <a:p>
-            <a:pPr algn="ctr"/>
-            <a:endParaRPr lang="zh-TW" altLang="en-US"/>
-          </a:p>
-        </p:txBody>
-      </p:sp>
-      <p:sp>
-        <p:nvSpPr>
-          <p:cNvPr id="17" name="矩形 16">
-            <a:extLst>
-              <a:ext uri="{FF2B5EF4-FFF2-40B4-BE49-F238E27FC236}">
-                <a16:creationId xmlns:a16="http://schemas.microsoft.com/office/drawing/2014/main" id="{4E6C72C9-5FE7-4380-9910-BF86850AE977}"/>
-              </a:ext>
-            </a:extLst>
-          </p:cNvPr>
-          <p:cNvSpPr/>
-          <p:nvPr/>
-        </p:nvSpPr>
-        <p:spPr>
-          <a:xfrm>
-            <a:off x="6027205" y="3730997"/>
-            <a:ext cx="208132" cy="219891"/>
-          </a:xfrm>
-          <a:prstGeom prst="rect">
-            <a:avLst/>
-          </a:prstGeom>
-          <a:noFill/>
-          <a:ln w="9525" cap="flat" cmpd="sng" algn="ctr">
-            <a:solidFill>
-              <a:schemeClr val="accent6"/>
-            </a:solidFill>
-            <a:prstDash val="solid"/>
-            <a:round/>
-            <a:headEnd type="none" w="med" len="med"/>
-            <a:tailEnd type="none" w="med" len="med"/>
-          </a:ln>
-        </p:spPr>
-        <p:style>
-          <a:lnRef idx="0">
-            <a:scrgbClr r="0" g="0" b="0"/>
-          </a:lnRef>
-          <a:fillRef idx="0">
-            <a:scrgbClr r="0" g="0" b="0"/>
-          </a:fillRef>
-          <a:effectRef idx="0">
-            <a:scrgbClr r="0" g="0" b="0"/>
-          </a:effectRef>
-          <a:fontRef idx="minor">
-            <a:schemeClr val="accent6"/>
-          </a:fontRef>
-        </p:style>
-        <p:txBody>
-          <a:bodyPr rtlCol="0" anchor="ctr"/>
-          <a:lstStyle/>
-          <a:p>
-            <a:pPr algn="ctr"/>
-            <a:endParaRPr lang="zh-TW" altLang="en-US"/>
-          </a:p>
-        </p:txBody>
-      </p:sp>
-      <p:sp>
-        <p:nvSpPr>
-          <p:cNvPr id="18" name="箭號: 彎曲 17">
-            <a:extLst>
-              <a:ext uri="{FF2B5EF4-FFF2-40B4-BE49-F238E27FC236}">
-                <a16:creationId xmlns:a16="http://schemas.microsoft.com/office/drawing/2014/main" id="{E3F6B35D-69BE-4283-BFFB-6340659CB247}"/>
-              </a:ext>
-            </a:extLst>
-          </p:cNvPr>
-          <p:cNvSpPr/>
-          <p:nvPr/>
-        </p:nvSpPr>
-        <p:spPr>
-          <a:xfrm rot="5400000" flipV="1">
-            <a:off x="4067702" y="2602223"/>
-            <a:ext cx="1082230" cy="2651368"/>
-          </a:xfrm>
-          <a:prstGeom prst="bentArrow">
-            <a:avLst/>
-          </a:prstGeom>
-        </p:spPr>
-        <p:style>
-          <a:lnRef idx="2">
-            <a:schemeClr val="accent1">
-              <a:shade val="50000"/>
-            </a:schemeClr>
-          </a:lnRef>
-          <a:fillRef idx="1">
-            <a:schemeClr val="accent1"/>
-          </a:fillRef>
-          <a:effectRef idx="0">
-            <a:schemeClr val="accent1"/>
-          </a:effectRef>
-          <a:fontRef idx="minor">
-            <a:schemeClr val="lt1"/>
-          </a:fontRef>
-        </p:style>
-        <p:txBody>
-          <a:bodyPr rtlCol="0" anchor="ctr"/>
-          <a:lstStyle/>
-          <a:p>
-            <a:pPr algn="ctr"/>
-            <a:endParaRPr lang="zh-TW" altLang="en-US">
-              <a:solidFill>
-                <a:schemeClr val="tx1"/>
-              </a:solidFill>
-            </a:endParaRPr>
-          </a:p>
-        </p:txBody>
-      </p:sp>
-      <p:sp>
-        <p:nvSpPr>
-          <p:cNvPr id="19" name="箭號: 彎曲 18">
-            <a:extLst>
-              <a:ext uri="{FF2B5EF4-FFF2-40B4-BE49-F238E27FC236}">
-                <a16:creationId xmlns:a16="http://schemas.microsoft.com/office/drawing/2014/main" id="{27F46584-32AA-47DA-A225-3E9C5C4A1EE9}"/>
-              </a:ext>
-            </a:extLst>
-          </p:cNvPr>
-          <p:cNvSpPr/>
-          <p:nvPr/>
-        </p:nvSpPr>
-        <p:spPr>
-          <a:xfrm rot="5400000">
-            <a:off x="7524209" y="2540582"/>
-            <a:ext cx="1082230" cy="3359132"/>
-          </a:xfrm>
-          <a:prstGeom prst="bentArrow">
-            <a:avLst/>
-          </a:prstGeom>
-        </p:spPr>
-        <p:style>
-          <a:lnRef idx="2">
-            <a:schemeClr val="accent1">
-              <a:shade val="50000"/>
-            </a:schemeClr>
-          </a:lnRef>
-          <a:fillRef idx="1">
-            <a:schemeClr val="accent1"/>
-          </a:fillRef>
-          <a:effectRef idx="0">
-            <a:schemeClr val="accent1"/>
-          </a:effectRef>
-          <a:fontRef idx="minor">
-            <a:schemeClr val="lt1"/>
-          </a:fontRef>
-        </p:style>
-        <p:txBody>
-          <a:bodyPr rtlCol="0" anchor="ctr"/>
-          <a:lstStyle/>
-          <a:p>
-            <a:pPr algn="ctr"/>
-            <a:endParaRPr lang="zh-TW" altLang="en-US">
-              <a:solidFill>
-                <a:schemeClr val="tx1"/>
-              </a:solidFill>
-            </a:endParaRPr>
-          </a:p>
-        </p:txBody>
-      </p:sp>
-      <p:sp>
-        <p:nvSpPr>
-          <p:cNvPr id="20" name="箭號: 向右 19">
-            <a:extLst>
-              <a:ext uri="{FF2B5EF4-FFF2-40B4-BE49-F238E27FC236}">
-                <a16:creationId xmlns:a16="http://schemas.microsoft.com/office/drawing/2014/main" id="{CE056CF3-2EDF-4881-86F2-59F6972769B2}"/>
-              </a:ext>
-            </a:extLst>
-          </p:cNvPr>
-          <p:cNvSpPr/>
-          <p:nvPr/>
-        </p:nvSpPr>
-        <p:spPr>
-          <a:xfrm rot="1502318">
-            <a:off x="6737548" y="2677015"/>
-            <a:ext cx="1355217" cy="461554"/>
-          </a:xfrm>
-          <a:prstGeom prst="rightArrow">
-            <a:avLst/>
-          </a:prstGeom>
-        </p:spPr>
-        <p:style>
-          <a:lnRef idx="2">
-            <a:schemeClr val="accent1">
-              <a:shade val="50000"/>
-            </a:schemeClr>
-          </a:lnRef>
-          <a:fillRef idx="1">
-            <a:schemeClr val="accent1"/>
-          </a:fillRef>
-          <a:effectRef idx="0">
-            <a:schemeClr val="accent1"/>
-          </a:effectRef>
-          <a:fontRef idx="minor">
-            <a:schemeClr val="lt1"/>
-          </a:fontRef>
-        </p:style>
-        <p:txBody>
-          <a:bodyPr rtlCol="0" anchor="ctr"/>
-          <a:lstStyle/>
-          <a:p>
-            <a:pPr algn="ctr"/>
-            <a:endParaRPr lang="zh-TW" altLang="en-US"/>
-          </a:p>
-        </p:txBody>
-      </p:sp>
-    </p:spTree>
-    <p:extLst>
-      <p:ext uri="{BB962C8B-B14F-4D97-AF65-F5344CB8AC3E}">
-        <p14:creationId xmlns:p14="http://schemas.microsoft.com/office/powerpoint/2010/main" val="1041253391"/>
-      </p:ext>
-    </p:extLst>
-  </p:cSld>
-  <p:clrMapOvr>
-    <a:masterClrMapping/>
-  </p:clrMapOvr>
-</p:sld>
-</file>
-
-<file path=ppt/slides/slide13.xml><?xml version="1.0" encoding="utf-8"?>
-<p:sld xmlns:a="http://schemas.openxmlformats.org/drawingml/2006/main" xmlns:r="http://schemas.openxmlformats.org/officeDocument/2006/relationships" xmlns:p="http://schemas.openxmlformats.org/presentationml/2006/main">
-  <p:cSld>
-    <p:spTree>
-      <p:nvGrpSpPr>
-        <p:cNvPr id="1" name=""/>
-        <p:cNvGrpSpPr/>
-        <p:nvPr/>
-      </p:nvGrpSpPr>
-      <p:grpSpPr>
-        <a:xfrm>
-          <a:off x="0" y="0"/>
-          <a:ext cx="0" cy="0"/>
-          <a:chOff x="0" y="0"/>
-          <a:chExt cx="0" cy="0"/>
-        </a:xfrm>
-      </p:grpSpPr>
-      <p:sp>
-        <p:nvSpPr>
-          <p:cNvPr id="2" name="標題 1">
-            <a:extLst>
-              <a:ext uri="{FF2B5EF4-FFF2-40B4-BE49-F238E27FC236}">
-                <a16:creationId xmlns:a16="http://schemas.microsoft.com/office/drawing/2014/main" id="{93048374-F638-4A45-B565-8E46C4C95AF1}"/>
-              </a:ext>
-            </a:extLst>
-          </p:cNvPr>
-          <p:cNvSpPr>
-            <a:spLocks noGrp="1"/>
-          </p:cNvSpPr>
-          <p:nvPr>
-            <p:ph type="title"/>
-          </p:nvPr>
-        </p:nvSpPr>
-        <p:spPr/>
-        <p:txBody>
-          <a:bodyPr/>
-          <a:lstStyle/>
-          <a:p>
-            <a:r>
-              <a:rPr lang="en-US" altLang="zh-TW" dirty="0"/>
-              <a:t>SCR1: Screening</a:t>
-            </a:r>
-            <a:endParaRPr lang="zh-TW" altLang="en-US" dirty="0"/>
-          </a:p>
-        </p:txBody>
-      </p:sp>
-      <p:pic>
-        <p:nvPicPr>
-          <p:cNvPr id="4" name="圖片 3">
-            <a:extLst>
-              <a:ext uri="{FF2B5EF4-FFF2-40B4-BE49-F238E27FC236}">
-                <a16:creationId xmlns:a16="http://schemas.microsoft.com/office/drawing/2014/main" id="{77799411-9069-48CA-A73B-1D1DF906B356}"/>
-              </a:ext>
-            </a:extLst>
-          </p:cNvPr>
-          <p:cNvPicPr>
-            <a:picLocks noChangeAspect="1"/>
-          </p:cNvPicPr>
-          <p:nvPr/>
-        </p:nvPicPr>
-        <p:blipFill>
-          <a:blip r:embed="rId2"/>
-          <a:stretch>
-            <a:fillRect/>
-          </a:stretch>
-        </p:blipFill>
-        <p:spPr>
-          <a:xfrm>
-            <a:off x="658091" y="2383986"/>
-            <a:ext cx="2438400" cy="2943225"/>
-          </a:xfrm>
-          <a:prstGeom prst="rect">
-            <a:avLst/>
-          </a:prstGeom>
-        </p:spPr>
-      </p:pic>
-      <p:pic>
-        <p:nvPicPr>
-          <p:cNvPr id="8" name="圖片 7">
-            <a:extLst>
-              <a:ext uri="{FF2B5EF4-FFF2-40B4-BE49-F238E27FC236}">
-                <a16:creationId xmlns:a16="http://schemas.microsoft.com/office/drawing/2014/main" id="{17322EA4-4154-4F7C-8388-BD03914342AD}"/>
-              </a:ext>
-            </a:extLst>
-          </p:cNvPr>
-          <p:cNvPicPr>
-            <a:picLocks noChangeAspect="1"/>
-          </p:cNvPicPr>
-          <p:nvPr/>
-        </p:nvPicPr>
-        <p:blipFill>
-          <a:blip r:embed="rId3"/>
-          <a:stretch>
-            <a:fillRect/>
-          </a:stretch>
-        </p:blipFill>
-        <p:spPr>
-          <a:xfrm>
-            <a:off x="4792942" y="1887598"/>
-            <a:ext cx="6762750" cy="2581275"/>
-          </a:xfrm>
-          <a:prstGeom prst="rect">
-            <a:avLst/>
-          </a:prstGeom>
-        </p:spPr>
-      </p:pic>
-      <p:sp>
-        <p:nvSpPr>
-          <p:cNvPr id="10" name="矩形 9">
-            <a:extLst>
-              <a:ext uri="{FF2B5EF4-FFF2-40B4-BE49-F238E27FC236}">
-                <a16:creationId xmlns:a16="http://schemas.microsoft.com/office/drawing/2014/main" id="{2C5DD038-19C5-427D-A51C-2AAF4362F548}"/>
-              </a:ext>
-            </a:extLst>
-          </p:cNvPr>
-          <p:cNvSpPr/>
-          <p:nvPr/>
-        </p:nvSpPr>
-        <p:spPr>
-          <a:xfrm>
-            <a:off x="775855" y="3429000"/>
-            <a:ext cx="1274618" cy="426598"/>
-          </a:xfrm>
-          <a:prstGeom prst="rect">
-            <a:avLst/>
-          </a:prstGeom>
-          <a:noFill/>
-          <a:ln w="9525" cap="flat" cmpd="sng" algn="ctr">
-            <a:solidFill>
-              <a:schemeClr val="dk1"/>
-            </a:solidFill>
-            <a:prstDash val="solid"/>
-            <a:round/>
-            <a:headEnd type="none" w="med" len="med"/>
-            <a:tailEnd type="none" w="med" len="med"/>
-          </a:ln>
-        </p:spPr>
-        <p:style>
-          <a:lnRef idx="0">
-            <a:scrgbClr r="0" g="0" b="0"/>
-          </a:lnRef>
-          <a:fillRef idx="0">
-            <a:scrgbClr r="0" g="0" b="0"/>
-          </a:fillRef>
-          <a:effectRef idx="0">
-            <a:scrgbClr r="0" g="0" b="0"/>
-          </a:effectRef>
-          <a:fontRef idx="minor">
-            <a:schemeClr val="dk1"/>
-          </a:fontRef>
-        </p:style>
-        <p:txBody>
-          <a:bodyPr rtlCol="0" anchor="ctr"/>
-          <a:lstStyle/>
-          <a:p>
-            <a:pPr algn="ctr"/>
-            <a:endParaRPr lang="zh-TW" altLang="en-US"/>
-          </a:p>
-        </p:txBody>
-      </p:sp>
-      <p:sp>
-        <p:nvSpPr>
-          <p:cNvPr id="22" name="箭號: 向右 21">
-            <a:extLst>
-              <a:ext uri="{FF2B5EF4-FFF2-40B4-BE49-F238E27FC236}">
-                <a16:creationId xmlns:a16="http://schemas.microsoft.com/office/drawing/2014/main" id="{998124D8-E3D9-4D99-8B3A-A4843F478256}"/>
-              </a:ext>
-            </a:extLst>
-          </p:cNvPr>
-          <p:cNvSpPr/>
-          <p:nvPr/>
-        </p:nvSpPr>
-        <p:spPr>
-          <a:xfrm rot="21430688">
-            <a:off x="2178384" y="3307851"/>
-            <a:ext cx="2780038" cy="442450"/>
-          </a:xfrm>
-          <a:prstGeom prst="rightArrow">
-            <a:avLst/>
-          </a:prstGeom>
-        </p:spPr>
-        <p:style>
-          <a:lnRef idx="2">
-            <a:schemeClr val="accent1">
-              <a:shade val="50000"/>
-            </a:schemeClr>
-          </a:lnRef>
-          <a:fillRef idx="1">
-            <a:schemeClr val="accent1"/>
-          </a:fillRef>
-          <a:effectRef idx="0">
-            <a:schemeClr val="accent1"/>
-          </a:effectRef>
-          <a:fontRef idx="minor">
-            <a:schemeClr val="lt1"/>
-          </a:fontRef>
-        </p:style>
-        <p:txBody>
-          <a:bodyPr rtlCol="0" anchor="ctr"/>
-          <a:lstStyle/>
-          <a:p>
-            <a:pPr algn="ctr"/>
-            <a:endParaRPr lang="zh-TW" altLang="en-US"/>
-          </a:p>
-        </p:txBody>
-      </p:sp>
-      <p:sp>
-        <p:nvSpPr>
-          <p:cNvPr id="23" name="箭號: 向右 22">
-            <a:extLst>
-              <a:ext uri="{FF2B5EF4-FFF2-40B4-BE49-F238E27FC236}">
-                <a16:creationId xmlns:a16="http://schemas.microsoft.com/office/drawing/2014/main" id="{09A69350-6C38-4649-B261-A7F37D1A39A2}"/>
-              </a:ext>
-            </a:extLst>
-          </p:cNvPr>
-          <p:cNvSpPr/>
-          <p:nvPr/>
-        </p:nvSpPr>
-        <p:spPr>
-          <a:xfrm rot="1502318">
-            <a:off x="6737548" y="2677015"/>
-            <a:ext cx="1355217" cy="461554"/>
-          </a:xfrm>
-          <a:prstGeom prst="rightArrow">
-            <a:avLst/>
-          </a:prstGeom>
-        </p:spPr>
-        <p:style>
-          <a:lnRef idx="2">
-            <a:schemeClr val="accent1">
-              <a:shade val="50000"/>
-            </a:schemeClr>
-          </a:lnRef>
-          <a:fillRef idx="1">
-            <a:schemeClr val="accent1"/>
-          </a:fillRef>
-          <a:effectRef idx="0">
-            <a:schemeClr val="accent1"/>
-          </a:effectRef>
-          <a:fontRef idx="minor">
-            <a:schemeClr val="lt1"/>
-          </a:fontRef>
-        </p:style>
-        <p:txBody>
-          <a:bodyPr rtlCol="0" anchor="ctr"/>
-          <a:lstStyle/>
-          <a:p>
-            <a:pPr algn="ctr"/>
-            <a:endParaRPr lang="zh-TW" altLang="en-US"/>
-          </a:p>
-        </p:txBody>
-      </p:sp>
-    </p:spTree>
-    <p:extLst>
-      <p:ext uri="{BB962C8B-B14F-4D97-AF65-F5344CB8AC3E}">
-        <p14:creationId xmlns:p14="http://schemas.microsoft.com/office/powerpoint/2010/main" val="967732662"/>
-      </p:ext>
-    </p:extLst>
-  </p:cSld>
-  <p:clrMapOvr>
-    <a:masterClrMapping/>
-  </p:clrMapOvr>
-</p:sld>
-</file>
-
 <file path=ppt/slides/slide14.xml><?xml version="1.0" encoding="utf-8"?>
 <p:sld xmlns:a="http://schemas.openxmlformats.org/drawingml/2006/main" xmlns:r="http://schemas.openxmlformats.org/officeDocument/2006/relationships" xmlns:p="http://schemas.openxmlformats.org/presentationml/2006/main">
   <p:cSld>
@@ -10453,7 +11012,7 @@
           <a:p>
             <a:r>
               <a:rPr lang="en-US" altLang="zh-TW" dirty="0"/>
-              <a:t>SCR2a-End: Scoring</a:t>
+              <a:t>Q8block</a:t>
             </a:r>
             <a:endParaRPr lang="zh-TW" altLang="en-US" dirty="0"/>
           </a:p>
@@ -10464,7 +11023,7 @@
           <p:cNvPr id="5" name="圖片 4">
             <a:extLst>
               <a:ext uri="{FF2B5EF4-FFF2-40B4-BE49-F238E27FC236}">
-                <a16:creationId xmlns:a16="http://schemas.microsoft.com/office/drawing/2014/main" id="{7F794FB7-3E67-4CE2-A175-9B363B1F21DC}"/>
+                <a16:creationId xmlns:a16="http://schemas.microsoft.com/office/drawing/2014/main" id="{954F83E8-2E87-4CCC-96D7-9E295CE1A34D}"/>
               </a:ext>
             </a:extLst>
           </p:cNvPr>
@@ -10481,20 +11040,80 @@
         </p:blipFill>
         <p:spPr>
           <a:xfrm>
-            <a:off x="8247351" y="219075"/>
-            <a:ext cx="3552825" cy="6419850"/>
+            <a:off x="505969" y="1728216"/>
+            <a:ext cx="6515100" cy="1409700"/>
           </a:xfrm>
           <a:prstGeom prst="rect">
             <a:avLst/>
           </a:prstGeom>
         </p:spPr>
       </p:pic>
+      <p:pic>
+        <p:nvPicPr>
+          <p:cNvPr id="7" name="圖片 6">
+            <a:extLst>
+              <a:ext uri="{FF2B5EF4-FFF2-40B4-BE49-F238E27FC236}">
+                <a16:creationId xmlns:a16="http://schemas.microsoft.com/office/drawing/2014/main" id="{0FD5FE11-A3AF-4C08-A572-F1CB83473959}"/>
+              </a:ext>
+            </a:extLst>
+          </p:cNvPr>
+          <p:cNvPicPr>
+            <a:picLocks noChangeAspect="1"/>
+          </p:cNvPicPr>
+          <p:nvPr/>
+        </p:nvPicPr>
+        <p:blipFill>
+          <a:blip r:embed="rId3"/>
+          <a:stretch>
+            <a:fillRect/>
+          </a:stretch>
+        </p:blipFill>
+        <p:spPr>
+          <a:xfrm>
+            <a:off x="5410799" y="3220022"/>
+            <a:ext cx="6391275" cy="1000125"/>
+          </a:xfrm>
+          <a:prstGeom prst="rect">
+            <a:avLst/>
+          </a:prstGeom>
+        </p:spPr>
+      </p:pic>
+      <p:pic>
+        <p:nvPicPr>
+          <p:cNvPr id="9" name="圖片 8">
+            <a:extLst>
+              <a:ext uri="{FF2B5EF4-FFF2-40B4-BE49-F238E27FC236}">
+                <a16:creationId xmlns:a16="http://schemas.microsoft.com/office/drawing/2014/main" id="{1C5FA961-89E6-4A48-BDD9-63403D220677}"/>
+              </a:ext>
+            </a:extLst>
+          </p:cNvPr>
+          <p:cNvPicPr>
+            <a:picLocks noChangeAspect="1"/>
+          </p:cNvPicPr>
+          <p:nvPr/>
+        </p:nvPicPr>
+        <p:blipFill>
+          <a:blip r:embed="rId4"/>
+          <a:stretch>
+            <a:fillRect/>
+          </a:stretch>
+        </p:blipFill>
+        <p:spPr>
+          <a:xfrm>
+            <a:off x="681226" y="4469022"/>
+            <a:ext cx="5345979" cy="2222486"/>
+          </a:xfrm>
+          <a:prstGeom prst="rect">
+            <a:avLst/>
+          </a:prstGeom>
+        </p:spPr>
+      </p:pic>
       <p:sp>
         <p:nvSpPr>
-          <p:cNvPr id="10" name="矩形 9">
-            <a:extLst>
-              <a:ext uri="{FF2B5EF4-FFF2-40B4-BE49-F238E27FC236}">
-                <a16:creationId xmlns:a16="http://schemas.microsoft.com/office/drawing/2014/main" id="{2C5DD038-19C5-427D-A51C-2AAF4362F548}"/>
+          <p:cNvPr id="11" name="矩形 10">
+            <a:extLst>
+              <a:ext uri="{FF2B5EF4-FFF2-40B4-BE49-F238E27FC236}">
+                <a16:creationId xmlns:a16="http://schemas.microsoft.com/office/drawing/2014/main" id="{FE0AF7D3-92A6-4030-AF4D-ADEC8C25468A}"/>
               </a:ext>
             </a:extLst>
           </p:cNvPr>
@@ -10503,8 +11122,8 @@
         </p:nvSpPr>
         <p:spPr>
           <a:xfrm>
-            <a:off x="8433523" y="1728216"/>
-            <a:ext cx="357186" cy="405816"/>
+            <a:off x="618309" y="1863634"/>
+            <a:ext cx="1280160" cy="409303"/>
           </a:xfrm>
           <a:prstGeom prst="rect">
             <a:avLst/>
@@ -10512,7 +11131,7 @@
           <a:noFill/>
           <a:ln w="9525" cap="flat" cmpd="sng" algn="ctr">
             <a:solidFill>
-              <a:schemeClr val="dk1"/>
+              <a:schemeClr val="accent1"/>
             </a:solidFill>
             <a:prstDash val="solid"/>
             <a:round/>
@@ -10531,7 +11150,7 @@
             <a:scrgbClr r="0" g="0" b="0"/>
           </a:effectRef>
           <a:fontRef idx="minor">
-            <a:schemeClr val="dk1"/>
+            <a:schemeClr val="accent1"/>
           </a:fontRef>
         </p:style>
         <p:txBody>
@@ -10543,12 +11162,42 @@
           </a:p>
         </p:txBody>
       </p:sp>
+      <p:pic>
+        <p:nvPicPr>
+          <p:cNvPr id="15" name="圖片 14">
+            <a:extLst>
+              <a:ext uri="{FF2B5EF4-FFF2-40B4-BE49-F238E27FC236}">
+                <a16:creationId xmlns:a16="http://schemas.microsoft.com/office/drawing/2014/main" id="{12C5724A-9FE6-4407-B5CB-8816B5A0BD09}"/>
+              </a:ext>
+            </a:extLst>
+          </p:cNvPr>
+          <p:cNvPicPr>
+            <a:picLocks noChangeAspect="1"/>
+          </p:cNvPicPr>
+          <p:nvPr/>
+        </p:nvPicPr>
+        <p:blipFill>
+          <a:blip r:embed="rId5"/>
+          <a:stretch>
+            <a:fillRect/>
+          </a:stretch>
+        </p:blipFill>
+        <p:spPr>
+          <a:xfrm>
+            <a:off x="7449149" y="4345344"/>
+            <a:ext cx="4352925" cy="2276475"/>
+          </a:xfrm>
+          <a:prstGeom prst="rect">
+            <a:avLst/>
+          </a:prstGeom>
+        </p:spPr>
+      </p:pic>
       <p:sp>
         <p:nvSpPr>
-          <p:cNvPr id="11" name="矩形 10">
-            <a:extLst>
-              <a:ext uri="{FF2B5EF4-FFF2-40B4-BE49-F238E27FC236}">
-                <a16:creationId xmlns:a16="http://schemas.microsoft.com/office/drawing/2014/main" id="{63B13525-99DB-4D0E-9595-3A6815ED4928}"/>
+          <p:cNvPr id="16" name="矩形 15">
+            <a:extLst>
+              <a:ext uri="{FF2B5EF4-FFF2-40B4-BE49-F238E27FC236}">
+                <a16:creationId xmlns:a16="http://schemas.microsoft.com/office/drawing/2014/main" id="{D750BE35-C3AD-43FC-A2DE-F11B0323EA6C}"/>
               </a:ext>
             </a:extLst>
           </p:cNvPr>
@@ -10557,8 +11206,8 @@
         </p:nvSpPr>
         <p:spPr>
           <a:xfrm>
-            <a:off x="9063904" y="4499125"/>
-            <a:ext cx="2219791" cy="630660"/>
+            <a:off x="6027205" y="3429000"/>
+            <a:ext cx="208132" cy="219891"/>
           </a:xfrm>
           <a:prstGeom prst="rect">
             <a:avLst/>
@@ -10566,7 +11215,7 @@
           <a:noFill/>
           <a:ln w="9525" cap="flat" cmpd="sng" algn="ctr">
             <a:solidFill>
-              <a:schemeClr val="dk1"/>
+              <a:schemeClr val="accent6"/>
             </a:solidFill>
             <a:prstDash val="solid"/>
             <a:round/>
@@ -10585,7 +11234,7 @@
             <a:scrgbClr r="0" g="0" b="0"/>
           </a:effectRef>
           <a:fontRef idx="minor">
-            <a:schemeClr val="dk1"/>
+            <a:schemeClr val="accent6"/>
           </a:fontRef>
         </p:style>
         <p:txBody>
@@ -10597,72 +11246,66 @@
           </a:p>
         </p:txBody>
       </p:sp>
-      <p:pic>
-        <p:nvPicPr>
-          <p:cNvPr id="7" name="圖片 6">
-            <a:extLst>
-              <a:ext uri="{FF2B5EF4-FFF2-40B4-BE49-F238E27FC236}">
-                <a16:creationId xmlns:a16="http://schemas.microsoft.com/office/drawing/2014/main" id="{1F953C7C-7A14-4599-8F7D-306467D32509}"/>
-              </a:ext>
-            </a:extLst>
-          </p:cNvPr>
-          <p:cNvPicPr>
-            <a:picLocks noChangeAspect="1"/>
-          </p:cNvPicPr>
+      <p:sp>
+        <p:nvSpPr>
+          <p:cNvPr id="17" name="矩形 16">
+            <a:extLst>
+              <a:ext uri="{FF2B5EF4-FFF2-40B4-BE49-F238E27FC236}">
+                <a16:creationId xmlns:a16="http://schemas.microsoft.com/office/drawing/2014/main" id="{4E6C72C9-5FE7-4380-9910-BF86850AE977}"/>
+              </a:ext>
+            </a:extLst>
+          </p:cNvPr>
+          <p:cNvSpPr/>
           <p:nvPr/>
-        </p:nvPicPr>
-        <p:blipFill>
-          <a:blip r:embed="rId3"/>
-          <a:stretch>
-            <a:fillRect/>
-          </a:stretch>
-        </p:blipFill>
+        </p:nvSpPr>
         <p:spPr>
           <a:xfrm>
-            <a:off x="5559170" y="3702558"/>
-            <a:ext cx="2171700" cy="962025"/>
+            <a:off x="6027205" y="3730997"/>
+            <a:ext cx="208132" cy="219891"/>
           </a:xfrm>
           <a:prstGeom prst="rect">
             <a:avLst/>
           </a:prstGeom>
-        </p:spPr>
-      </p:pic>
-      <p:pic>
-        <p:nvPicPr>
-          <p:cNvPr id="12" name="圖片 11">
-            <a:extLst>
-              <a:ext uri="{FF2B5EF4-FFF2-40B4-BE49-F238E27FC236}">
-                <a16:creationId xmlns:a16="http://schemas.microsoft.com/office/drawing/2014/main" id="{AA83BC05-B556-4FDC-8331-9292615F315D}"/>
-              </a:ext>
-            </a:extLst>
-          </p:cNvPr>
-          <p:cNvPicPr>
-            <a:picLocks noChangeAspect="1"/>
-          </p:cNvPicPr>
-          <p:nvPr/>
-        </p:nvPicPr>
-        <p:blipFill>
-          <a:blip r:embed="rId4"/>
-          <a:stretch>
-            <a:fillRect/>
-          </a:stretch>
-        </p:blipFill>
-        <p:spPr>
-          <a:xfrm>
-            <a:off x="391824" y="2134032"/>
-            <a:ext cx="4518041" cy="3978149"/>
-          </a:xfrm>
-          <a:prstGeom prst="rect">
-            <a:avLst/>
-          </a:prstGeom>
-        </p:spPr>
-      </p:pic>
+          <a:noFill/>
+          <a:ln w="9525" cap="flat" cmpd="sng" algn="ctr">
+            <a:solidFill>
+              <a:schemeClr val="accent6"/>
+            </a:solidFill>
+            <a:prstDash val="solid"/>
+            <a:round/>
+            <a:headEnd type="none" w="med" len="med"/>
+            <a:tailEnd type="none" w="med" len="med"/>
+          </a:ln>
+        </p:spPr>
+        <p:style>
+          <a:lnRef idx="0">
+            <a:scrgbClr r="0" g="0" b="0"/>
+          </a:lnRef>
+          <a:fillRef idx="0">
+            <a:scrgbClr r="0" g="0" b="0"/>
+          </a:fillRef>
+          <a:effectRef idx="0">
+            <a:scrgbClr r="0" g="0" b="0"/>
+          </a:effectRef>
+          <a:fontRef idx="minor">
+            <a:schemeClr val="accent6"/>
+          </a:fontRef>
+        </p:style>
+        <p:txBody>
+          <a:bodyPr rtlCol="0" anchor="ctr"/>
+          <a:lstStyle/>
+          <a:p>
+            <a:pPr algn="ctr"/>
+            <a:endParaRPr lang="zh-TW" altLang="en-US"/>
+          </a:p>
+        </p:txBody>
+      </p:sp>
       <p:sp>
         <p:nvSpPr>
-          <p:cNvPr id="13" name="箭號: 向右 12">
-            <a:extLst>
-              <a:ext uri="{FF2B5EF4-FFF2-40B4-BE49-F238E27FC236}">
-                <a16:creationId xmlns:a16="http://schemas.microsoft.com/office/drawing/2014/main" id="{04FB2C5E-1DB1-4B75-8C64-F5E827F25B1A}"/>
+          <p:cNvPr id="18" name="箭號: 彎曲 17">
+            <a:extLst>
+              <a:ext uri="{FF2B5EF4-FFF2-40B4-BE49-F238E27FC236}">
+                <a16:creationId xmlns:a16="http://schemas.microsoft.com/office/drawing/2014/main" id="{E3F6B35D-69BE-4283-BFFB-6340659CB247}"/>
               </a:ext>
             </a:extLst>
           </p:cNvPr>
@@ -10670,11 +11313,11 @@
           <p:nvPr/>
         </p:nvSpPr>
         <p:spPr>
-          <a:xfrm rot="9526145">
-            <a:off x="7370863" y="3775685"/>
-            <a:ext cx="1175657" cy="311331"/>
-          </a:xfrm>
-          <a:prstGeom prst="rightArrow">
+          <a:xfrm rot="5400000" flipV="1">
+            <a:off x="4067702" y="2602223"/>
+            <a:ext cx="1082230" cy="2651368"/>
+          </a:xfrm>
+          <a:prstGeom prst="bentArrow">
             <a:avLst/>
           </a:prstGeom>
         </p:spPr>
@@ -10699,16 +11342,20 @@
           <a:lstStyle/>
           <a:p>
             <a:pPr algn="ctr"/>
-            <a:endParaRPr lang="zh-TW" altLang="en-US"/>
+            <a:endParaRPr lang="zh-TW" altLang="en-US">
+              <a:solidFill>
+                <a:schemeClr val="tx1"/>
+              </a:solidFill>
+            </a:endParaRPr>
           </a:p>
         </p:txBody>
       </p:sp>
       <p:sp>
         <p:nvSpPr>
-          <p:cNvPr id="16" name="箭號: 向右 15">
-            <a:extLst>
-              <a:ext uri="{FF2B5EF4-FFF2-40B4-BE49-F238E27FC236}">
-                <a16:creationId xmlns:a16="http://schemas.microsoft.com/office/drawing/2014/main" id="{9F983C35-051D-4C32-9FAC-BCEB679EA2A9}"/>
+          <p:cNvPr id="19" name="箭號: 彎曲 18">
+            <a:extLst>
+              <a:ext uri="{FF2B5EF4-FFF2-40B4-BE49-F238E27FC236}">
+                <a16:creationId xmlns:a16="http://schemas.microsoft.com/office/drawing/2014/main" id="{27F46584-32AA-47DA-A225-3E9C5C4A1EE9}"/>
               </a:ext>
             </a:extLst>
           </p:cNvPr>
@@ -10716,11 +11363,11 @@
           <p:nvPr/>
         </p:nvSpPr>
         <p:spPr>
-          <a:xfrm rot="11968464">
-            <a:off x="4559104" y="3884312"/>
-            <a:ext cx="1175657" cy="311331"/>
-          </a:xfrm>
-          <a:prstGeom prst="rightArrow">
+          <a:xfrm rot="5400000">
+            <a:off x="7524209" y="2540582"/>
+            <a:ext cx="1082230" cy="3359132"/>
+          </a:xfrm>
+          <a:prstGeom prst="bentArrow">
             <a:avLst/>
           </a:prstGeom>
         </p:spPr>
@@ -10745,6 +11392,56 @@
           <a:lstStyle/>
           <a:p>
             <a:pPr algn="ctr"/>
+            <a:endParaRPr lang="zh-TW" altLang="en-US">
+              <a:solidFill>
+                <a:schemeClr val="tx1"/>
+              </a:solidFill>
+            </a:endParaRPr>
+          </a:p>
+        </p:txBody>
+      </p:sp>
+      <p:sp>
+        <p:nvSpPr>
+          <p:cNvPr id="20" name="箭號: 向右 19">
+            <a:extLst>
+              <a:ext uri="{FF2B5EF4-FFF2-40B4-BE49-F238E27FC236}">
+                <a16:creationId xmlns:a16="http://schemas.microsoft.com/office/drawing/2014/main" id="{CE056CF3-2EDF-4881-86F2-59F6972769B2}"/>
+              </a:ext>
+            </a:extLst>
+          </p:cNvPr>
+          <p:cNvSpPr/>
+          <p:nvPr/>
+        </p:nvSpPr>
+        <p:spPr>
+          <a:xfrm rot="1502318">
+            <a:off x="6737548" y="2677015"/>
+            <a:ext cx="1355217" cy="461554"/>
+          </a:xfrm>
+          <a:prstGeom prst="rightArrow">
+            <a:avLst/>
+          </a:prstGeom>
+        </p:spPr>
+        <p:style>
+          <a:lnRef idx="2">
+            <a:schemeClr val="accent1">
+              <a:shade val="50000"/>
+            </a:schemeClr>
+          </a:lnRef>
+          <a:fillRef idx="1">
+            <a:schemeClr val="accent1"/>
+          </a:fillRef>
+          <a:effectRef idx="0">
+            <a:schemeClr val="accent1"/>
+          </a:effectRef>
+          <a:fontRef idx="minor">
+            <a:schemeClr val="lt1"/>
+          </a:fontRef>
+        </p:style>
+        <p:txBody>
+          <a:bodyPr rtlCol="0" anchor="ctr"/>
+          <a:lstStyle/>
+          <a:p>
+            <a:pPr algn="ctr"/>
             <a:endParaRPr lang="zh-TW" altLang="en-US"/>
           </a:p>
         </p:txBody>
@@ -10752,7 +11449,7 @@
     </p:spTree>
     <p:extLst>
       <p:ext uri="{BB962C8B-B14F-4D97-AF65-F5344CB8AC3E}">
-        <p14:creationId xmlns:p14="http://schemas.microsoft.com/office/powerpoint/2010/main" val="3661020999"/>
+        <p14:creationId xmlns:p14="http://schemas.microsoft.com/office/powerpoint/2010/main" val="1041253391"/>
       </p:ext>
     </p:extLst>
   </p:cSld>
@@ -10802,7 +11499,7 @@
           <a:p>
             <a:r>
               <a:rPr lang="en-US" altLang="zh-TW" dirty="0"/>
-              <a:t>SCR2a-End: Scoring</a:t>
+              <a:t>SCR1: Screening</a:t>
             </a:r>
             <a:endParaRPr lang="zh-TW" altLang="en-US" dirty="0"/>
           </a:p>
@@ -10813,7 +11510,7 @@
           <p:cNvPr id="4" name="圖片 3">
             <a:extLst>
               <a:ext uri="{FF2B5EF4-FFF2-40B4-BE49-F238E27FC236}">
-                <a16:creationId xmlns:a16="http://schemas.microsoft.com/office/drawing/2014/main" id="{1317F280-FF36-4C58-BD64-447EFAE31C35}"/>
+                <a16:creationId xmlns:a16="http://schemas.microsoft.com/office/drawing/2014/main" id="{77799411-9069-48CA-A73B-1D1DF906B356}"/>
               </a:ext>
             </a:extLst>
           </p:cNvPr>
@@ -10830,8 +11527,8 @@
         </p:blipFill>
         <p:spPr>
           <a:xfrm>
-            <a:off x="908304" y="1694586"/>
-            <a:ext cx="4781550" cy="895350"/>
+            <a:off x="658091" y="2383986"/>
+            <a:ext cx="2438400" cy="2943225"/>
           </a:xfrm>
           <a:prstGeom prst="rect">
             <a:avLst/>
@@ -10843,7 +11540,7 @@
           <p:cNvPr id="8" name="圖片 7">
             <a:extLst>
               <a:ext uri="{FF2B5EF4-FFF2-40B4-BE49-F238E27FC236}">
-                <a16:creationId xmlns:a16="http://schemas.microsoft.com/office/drawing/2014/main" id="{6DB60484-85B1-4032-A012-E1B588D40F07}"/>
+                <a16:creationId xmlns:a16="http://schemas.microsoft.com/office/drawing/2014/main" id="{17322EA4-4154-4F7C-8388-BD03914342AD}"/>
               </a:ext>
             </a:extLst>
           </p:cNvPr>
@@ -10860,44 +11557,14 @@
         </p:blipFill>
         <p:spPr>
           <a:xfrm>
-            <a:off x="3362325" y="2677390"/>
-            <a:ext cx="8829675" cy="1590675"/>
+            <a:off x="4792942" y="1887598"/>
+            <a:ext cx="6762750" cy="2581275"/>
           </a:xfrm>
           <a:prstGeom prst="rect">
             <a:avLst/>
           </a:prstGeom>
         </p:spPr>
       </p:pic>
-      <p:pic>
-        <p:nvPicPr>
-          <p:cNvPr id="14" name="圖片 13">
-            <a:extLst>
-              <a:ext uri="{FF2B5EF4-FFF2-40B4-BE49-F238E27FC236}">
-                <a16:creationId xmlns:a16="http://schemas.microsoft.com/office/drawing/2014/main" id="{800D9226-8BF0-478B-A31E-265B287D0613}"/>
-              </a:ext>
-            </a:extLst>
-          </p:cNvPr>
-          <p:cNvPicPr>
-            <a:picLocks noChangeAspect="1"/>
-          </p:cNvPicPr>
-          <p:nvPr/>
-        </p:nvPicPr>
-        <p:blipFill>
-          <a:blip r:embed="rId4"/>
-          <a:stretch>
-            <a:fillRect/>
-          </a:stretch>
-        </p:blipFill>
-        <p:spPr>
-          <a:xfrm>
-            <a:off x="563649" y="4094474"/>
-            <a:ext cx="3933825" cy="2686050"/>
-          </a:xfrm>
-          <a:prstGeom prst="rect">
-            <a:avLst/>
-          </a:prstGeom>
-        </p:spPr>
-      </p:pic>
       <p:sp>
         <p:nvSpPr>
           <p:cNvPr id="10" name="矩形 9">
@@ -10912,8 +11579,8 @@
         </p:nvSpPr>
         <p:spPr>
           <a:xfrm>
-            <a:off x="8431298" y="3756834"/>
-            <a:ext cx="773661" cy="405816"/>
+            <a:off x="775855" y="3429000"/>
+            <a:ext cx="1274618" cy="426598"/>
           </a:xfrm>
           <a:prstGeom prst="rect">
             <a:avLst/>
@@ -10954,10 +11621,10 @@
       </p:sp>
       <p:sp>
         <p:nvSpPr>
-          <p:cNvPr id="11" name="矩形 10">
-            <a:extLst>
-              <a:ext uri="{FF2B5EF4-FFF2-40B4-BE49-F238E27FC236}">
-                <a16:creationId xmlns:a16="http://schemas.microsoft.com/office/drawing/2014/main" id="{63B13525-99DB-4D0E-9595-3A6815ED4928}"/>
+          <p:cNvPr id="22" name="箭號: 向右 21">
+            <a:extLst>
+              <a:ext uri="{FF2B5EF4-FFF2-40B4-BE49-F238E27FC236}">
+                <a16:creationId xmlns:a16="http://schemas.microsoft.com/office/drawing/2014/main" id="{998124D8-E3D9-4D99-8B3A-A4843F478256}"/>
               </a:ext>
             </a:extLst>
           </p:cNvPr>
@@ -10965,63 +11632,9 @@
           <p:nvPr/>
         </p:nvSpPr>
         <p:spPr>
-          <a:xfrm>
-            <a:off x="2530562" y="2159428"/>
-            <a:ext cx="2100690" cy="331223"/>
-          </a:xfrm>
-          <a:prstGeom prst="rect">
-            <a:avLst/>
-          </a:prstGeom>
-          <a:noFill/>
-          <a:ln w="9525" cap="flat" cmpd="sng" algn="ctr">
-            <a:solidFill>
-              <a:schemeClr val="dk1"/>
-            </a:solidFill>
-            <a:prstDash val="solid"/>
-            <a:round/>
-            <a:headEnd type="none" w="med" len="med"/>
-            <a:tailEnd type="none" w="med" len="med"/>
-          </a:ln>
-        </p:spPr>
-        <p:style>
-          <a:lnRef idx="0">
-            <a:scrgbClr r="0" g="0" b="0"/>
-          </a:lnRef>
-          <a:fillRef idx="0">
-            <a:scrgbClr r="0" g="0" b="0"/>
-          </a:fillRef>
-          <a:effectRef idx="0">
-            <a:scrgbClr r="0" g="0" b="0"/>
-          </a:effectRef>
-          <a:fontRef idx="minor">
-            <a:schemeClr val="dk1"/>
-          </a:fontRef>
-        </p:style>
-        <p:txBody>
-          <a:bodyPr rtlCol="0" anchor="ctr"/>
-          <a:lstStyle/>
-          <a:p>
-            <a:pPr algn="ctr"/>
-            <a:endParaRPr lang="zh-TW" altLang="en-US"/>
-          </a:p>
-        </p:txBody>
-      </p:sp>
-      <p:sp>
-        <p:nvSpPr>
-          <p:cNvPr id="13" name="箭號: 向右 12">
-            <a:extLst>
-              <a:ext uri="{FF2B5EF4-FFF2-40B4-BE49-F238E27FC236}">
-                <a16:creationId xmlns:a16="http://schemas.microsoft.com/office/drawing/2014/main" id="{04FB2C5E-1DB1-4B75-8C64-F5E827F25B1A}"/>
-              </a:ext>
-            </a:extLst>
-          </p:cNvPr>
-          <p:cNvSpPr/>
-          <p:nvPr/>
-        </p:nvSpPr>
-        <p:spPr>
-          <a:xfrm rot="2659413">
-            <a:off x="5164257" y="2353345"/>
-            <a:ext cx="1175657" cy="311331"/>
+          <a:xfrm rot="21430688">
+            <a:off x="2178384" y="3307851"/>
+            <a:ext cx="2780038" cy="442450"/>
           </a:xfrm>
           <a:prstGeom prst="rightArrow">
             <a:avLst/>
@@ -11054,10 +11667,10 @@
       </p:sp>
       <p:sp>
         <p:nvSpPr>
-          <p:cNvPr id="15" name="箭號: 彎曲 14">
-            <a:extLst>
-              <a:ext uri="{FF2B5EF4-FFF2-40B4-BE49-F238E27FC236}">
-                <a16:creationId xmlns:a16="http://schemas.microsoft.com/office/drawing/2014/main" id="{FE09C07E-52DE-45A6-B669-EA071553F8D1}"/>
+          <p:cNvPr id="23" name="箭號: 向右 22">
+            <a:extLst>
+              <a:ext uri="{FF2B5EF4-FFF2-40B4-BE49-F238E27FC236}">
+                <a16:creationId xmlns:a16="http://schemas.microsoft.com/office/drawing/2014/main" id="{09A69350-6C38-4649-B261-A7F37D1A39A2}"/>
               </a:ext>
             </a:extLst>
           </p:cNvPr>
@@ -11065,17 +11678,12 @@
           <p:nvPr/>
         </p:nvSpPr>
         <p:spPr>
-          <a:xfrm rot="10800000">
-            <a:off x="4497474" y="4067912"/>
-            <a:ext cx="4566430" cy="1493085"/>
-          </a:xfrm>
-          <a:prstGeom prst="bentArrow">
-            <a:avLst>
-              <a:gd name="adj1" fmla="val 25000"/>
-              <a:gd name="adj2" fmla="val 25823"/>
-              <a:gd name="adj3" fmla="val 29527"/>
-              <a:gd name="adj4" fmla="val 46219"/>
-            </a:avLst>
+          <a:xfrm rot="1502318">
+            <a:off x="6737548" y="2677015"/>
+            <a:ext cx="1355217" cy="461554"/>
+          </a:xfrm>
+          <a:prstGeom prst="rightArrow">
+            <a:avLst/>
           </a:prstGeom>
         </p:spPr>
         <p:style>
@@ -11099,6 +11707,709 @@
           <a:lstStyle/>
           <a:p>
             <a:pPr algn="ctr"/>
+            <a:endParaRPr lang="zh-TW" altLang="en-US"/>
+          </a:p>
+        </p:txBody>
+      </p:sp>
+    </p:spTree>
+    <p:extLst>
+      <p:ext uri="{BB962C8B-B14F-4D97-AF65-F5344CB8AC3E}">
+        <p14:creationId xmlns:p14="http://schemas.microsoft.com/office/powerpoint/2010/main" val="967732662"/>
+      </p:ext>
+    </p:extLst>
+  </p:cSld>
+  <p:clrMapOvr>
+    <a:masterClrMapping/>
+  </p:clrMapOvr>
+</p:sld>
+</file>
+
+<file path=ppt/slides/slide16.xml><?xml version="1.0" encoding="utf-8"?>
+<p:sld xmlns:a="http://schemas.openxmlformats.org/drawingml/2006/main" xmlns:r="http://schemas.openxmlformats.org/officeDocument/2006/relationships" xmlns:p="http://schemas.openxmlformats.org/presentationml/2006/main">
+  <p:cSld>
+    <p:spTree>
+      <p:nvGrpSpPr>
+        <p:cNvPr id="1" name=""/>
+        <p:cNvGrpSpPr/>
+        <p:nvPr/>
+      </p:nvGrpSpPr>
+      <p:grpSpPr>
+        <a:xfrm>
+          <a:off x="0" y="0"/>
+          <a:ext cx="0" cy="0"/>
+          <a:chOff x="0" y="0"/>
+          <a:chExt cx="0" cy="0"/>
+        </a:xfrm>
+      </p:grpSpPr>
+      <p:sp>
+        <p:nvSpPr>
+          <p:cNvPr id="2" name="標題 1">
+            <a:extLst>
+              <a:ext uri="{FF2B5EF4-FFF2-40B4-BE49-F238E27FC236}">
+                <a16:creationId xmlns:a16="http://schemas.microsoft.com/office/drawing/2014/main" id="{93048374-F638-4A45-B565-8E46C4C95AF1}"/>
+              </a:ext>
+            </a:extLst>
+          </p:cNvPr>
+          <p:cNvSpPr>
+            <a:spLocks noGrp="1"/>
+          </p:cNvSpPr>
+          <p:nvPr>
+            <p:ph type="title"/>
+          </p:nvPr>
+        </p:nvSpPr>
+        <p:spPr/>
+        <p:txBody>
+          <a:bodyPr/>
+          <a:lstStyle/>
+          <a:p>
+            <a:r>
+              <a:rPr lang="en-US" altLang="zh-TW" dirty="0"/>
+              <a:t>SCR2a-End: Scoring</a:t>
+            </a:r>
+            <a:endParaRPr lang="zh-TW" altLang="en-US" dirty="0"/>
+          </a:p>
+        </p:txBody>
+      </p:sp>
+      <p:pic>
+        <p:nvPicPr>
+          <p:cNvPr id="5" name="圖片 4">
+            <a:extLst>
+              <a:ext uri="{FF2B5EF4-FFF2-40B4-BE49-F238E27FC236}">
+                <a16:creationId xmlns:a16="http://schemas.microsoft.com/office/drawing/2014/main" id="{7F794FB7-3E67-4CE2-A175-9B363B1F21DC}"/>
+              </a:ext>
+            </a:extLst>
+          </p:cNvPr>
+          <p:cNvPicPr>
+            <a:picLocks noChangeAspect="1"/>
+          </p:cNvPicPr>
+          <p:nvPr/>
+        </p:nvPicPr>
+        <p:blipFill>
+          <a:blip r:embed="rId2"/>
+          <a:stretch>
+            <a:fillRect/>
+          </a:stretch>
+        </p:blipFill>
+        <p:spPr>
+          <a:xfrm>
+            <a:off x="8247351" y="219075"/>
+            <a:ext cx="3552825" cy="6419850"/>
+          </a:xfrm>
+          <a:prstGeom prst="rect">
+            <a:avLst/>
+          </a:prstGeom>
+        </p:spPr>
+      </p:pic>
+      <p:sp>
+        <p:nvSpPr>
+          <p:cNvPr id="10" name="矩形 9">
+            <a:extLst>
+              <a:ext uri="{FF2B5EF4-FFF2-40B4-BE49-F238E27FC236}">
+                <a16:creationId xmlns:a16="http://schemas.microsoft.com/office/drawing/2014/main" id="{2C5DD038-19C5-427D-A51C-2AAF4362F548}"/>
+              </a:ext>
+            </a:extLst>
+          </p:cNvPr>
+          <p:cNvSpPr/>
+          <p:nvPr/>
+        </p:nvSpPr>
+        <p:spPr>
+          <a:xfrm>
+            <a:off x="8433523" y="1728216"/>
+            <a:ext cx="357186" cy="405816"/>
+          </a:xfrm>
+          <a:prstGeom prst="rect">
+            <a:avLst/>
+          </a:prstGeom>
+          <a:noFill/>
+          <a:ln w="9525" cap="flat" cmpd="sng" algn="ctr">
+            <a:solidFill>
+              <a:schemeClr val="dk1"/>
+            </a:solidFill>
+            <a:prstDash val="solid"/>
+            <a:round/>
+            <a:headEnd type="none" w="med" len="med"/>
+            <a:tailEnd type="none" w="med" len="med"/>
+          </a:ln>
+        </p:spPr>
+        <p:style>
+          <a:lnRef idx="0">
+            <a:scrgbClr r="0" g="0" b="0"/>
+          </a:lnRef>
+          <a:fillRef idx="0">
+            <a:scrgbClr r="0" g="0" b="0"/>
+          </a:fillRef>
+          <a:effectRef idx="0">
+            <a:scrgbClr r="0" g="0" b="0"/>
+          </a:effectRef>
+          <a:fontRef idx="minor">
+            <a:schemeClr val="dk1"/>
+          </a:fontRef>
+        </p:style>
+        <p:txBody>
+          <a:bodyPr rtlCol="0" anchor="ctr"/>
+          <a:lstStyle/>
+          <a:p>
+            <a:pPr algn="ctr"/>
+            <a:endParaRPr lang="zh-TW" altLang="en-US"/>
+          </a:p>
+        </p:txBody>
+      </p:sp>
+      <p:sp>
+        <p:nvSpPr>
+          <p:cNvPr id="11" name="矩形 10">
+            <a:extLst>
+              <a:ext uri="{FF2B5EF4-FFF2-40B4-BE49-F238E27FC236}">
+                <a16:creationId xmlns:a16="http://schemas.microsoft.com/office/drawing/2014/main" id="{63B13525-99DB-4D0E-9595-3A6815ED4928}"/>
+              </a:ext>
+            </a:extLst>
+          </p:cNvPr>
+          <p:cNvSpPr/>
+          <p:nvPr/>
+        </p:nvSpPr>
+        <p:spPr>
+          <a:xfrm>
+            <a:off x="9063904" y="4499125"/>
+            <a:ext cx="2219791" cy="630660"/>
+          </a:xfrm>
+          <a:prstGeom prst="rect">
+            <a:avLst/>
+          </a:prstGeom>
+          <a:noFill/>
+          <a:ln w="9525" cap="flat" cmpd="sng" algn="ctr">
+            <a:solidFill>
+              <a:schemeClr val="dk1"/>
+            </a:solidFill>
+            <a:prstDash val="solid"/>
+            <a:round/>
+            <a:headEnd type="none" w="med" len="med"/>
+            <a:tailEnd type="none" w="med" len="med"/>
+          </a:ln>
+        </p:spPr>
+        <p:style>
+          <a:lnRef idx="0">
+            <a:scrgbClr r="0" g="0" b="0"/>
+          </a:lnRef>
+          <a:fillRef idx="0">
+            <a:scrgbClr r="0" g="0" b="0"/>
+          </a:fillRef>
+          <a:effectRef idx="0">
+            <a:scrgbClr r="0" g="0" b="0"/>
+          </a:effectRef>
+          <a:fontRef idx="minor">
+            <a:schemeClr val="dk1"/>
+          </a:fontRef>
+        </p:style>
+        <p:txBody>
+          <a:bodyPr rtlCol="0" anchor="ctr"/>
+          <a:lstStyle/>
+          <a:p>
+            <a:pPr algn="ctr"/>
+            <a:endParaRPr lang="zh-TW" altLang="en-US"/>
+          </a:p>
+        </p:txBody>
+      </p:sp>
+      <p:pic>
+        <p:nvPicPr>
+          <p:cNvPr id="7" name="圖片 6">
+            <a:extLst>
+              <a:ext uri="{FF2B5EF4-FFF2-40B4-BE49-F238E27FC236}">
+                <a16:creationId xmlns:a16="http://schemas.microsoft.com/office/drawing/2014/main" id="{1F953C7C-7A14-4599-8F7D-306467D32509}"/>
+              </a:ext>
+            </a:extLst>
+          </p:cNvPr>
+          <p:cNvPicPr>
+            <a:picLocks noChangeAspect="1"/>
+          </p:cNvPicPr>
+          <p:nvPr/>
+        </p:nvPicPr>
+        <p:blipFill>
+          <a:blip r:embed="rId3"/>
+          <a:stretch>
+            <a:fillRect/>
+          </a:stretch>
+        </p:blipFill>
+        <p:spPr>
+          <a:xfrm>
+            <a:off x="5559170" y="3702558"/>
+            <a:ext cx="2171700" cy="962025"/>
+          </a:xfrm>
+          <a:prstGeom prst="rect">
+            <a:avLst/>
+          </a:prstGeom>
+        </p:spPr>
+      </p:pic>
+      <p:pic>
+        <p:nvPicPr>
+          <p:cNvPr id="12" name="圖片 11">
+            <a:extLst>
+              <a:ext uri="{FF2B5EF4-FFF2-40B4-BE49-F238E27FC236}">
+                <a16:creationId xmlns:a16="http://schemas.microsoft.com/office/drawing/2014/main" id="{AA83BC05-B556-4FDC-8331-9292615F315D}"/>
+              </a:ext>
+            </a:extLst>
+          </p:cNvPr>
+          <p:cNvPicPr>
+            <a:picLocks noChangeAspect="1"/>
+          </p:cNvPicPr>
+          <p:nvPr/>
+        </p:nvPicPr>
+        <p:blipFill>
+          <a:blip r:embed="rId4"/>
+          <a:stretch>
+            <a:fillRect/>
+          </a:stretch>
+        </p:blipFill>
+        <p:spPr>
+          <a:xfrm>
+            <a:off x="391824" y="2134032"/>
+            <a:ext cx="4518041" cy="3978149"/>
+          </a:xfrm>
+          <a:prstGeom prst="rect">
+            <a:avLst/>
+          </a:prstGeom>
+        </p:spPr>
+      </p:pic>
+      <p:sp>
+        <p:nvSpPr>
+          <p:cNvPr id="13" name="箭號: 向右 12">
+            <a:extLst>
+              <a:ext uri="{FF2B5EF4-FFF2-40B4-BE49-F238E27FC236}">
+                <a16:creationId xmlns:a16="http://schemas.microsoft.com/office/drawing/2014/main" id="{04FB2C5E-1DB1-4B75-8C64-F5E827F25B1A}"/>
+              </a:ext>
+            </a:extLst>
+          </p:cNvPr>
+          <p:cNvSpPr/>
+          <p:nvPr/>
+        </p:nvSpPr>
+        <p:spPr>
+          <a:xfrm rot="9526145">
+            <a:off x="7370863" y="3775685"/>
+            <a:ext cx="1175657" cy="311331"/>
+          </a:xfrm>
+          <a:prstGeom prst="rightArrow">
+            <a:avLst/>
+          </a:prstGeom>
+        </p:spPr>
+        <p:style>
+          <a:lnRef idx="2">
+            <a:schemeClr val="accent1">
+              <a:shade val="50000"/>
+            </a:schemeClr>
+          </a:lnRef>
+          <a:fillRef idx="1">
+            <a:schemeClr val="accent1"/>
+          </a:fillRef>
+          <a:effectRef idx="0">
+            <a:schemeClr val="accent1"/>
+          </a:effectRef>
+          <a:fontRef idx="minor">
+            <a:schemeClr val="lt1"/>
+          </a:fontRef>
+        </p:style>
+        <p:txBody>
+          <a:bodyPr rtlCol="0" anchor="ctr"/>
+          <a:lstStyle/>
+          <a:p>
+            <a:pPr algn="ctr"/>
+            <a:endParaRPr lang="zh-TW" altLang="en-US"/>
+          </a:p>
+        </p:txBody>
+      </p:sp>
+      <p:sp>
+        <p:nvSpPr>
+          <p:cNvPr id="16" name="箭號: 向右 15">
+            <a:extLst>
+              <a:ext uri="{FF2B5EF4-FFF2-40B4-BE49-F238E27FC236}">
+                <a16:creationId xmlns:a16="http://schemas.microsoft.com/office/drawing/2014/main" id="{9F983C35-051D-4C32-9FAC-BCEB679EA2A9}"/>
+              </a:ext>
+            </a:extLst>
+          </p:cNvPr>
+          <p:cNvSpPr/>
+          <p:nvPr/>
+        </p:nvSpPr>
+        <p:spPr>
+          <a:xfrm rot="11968464">
+            <a:off x="4559104" y="3884312"/>
+            <a:ext cx="1175657" cy="311331"/>
+          </a:xfrm>
+          <a:prstGeom prst="rightArrow">
+            <a:avLst/>
+          </a:prstGeom>
+        </p:spPr>
+        <p:style>
+          <a:lnRef idx="2">
+            <a:schemeClr val="accent1">
+              <a:shade val="50000"/>
+            </a:schemeClr>
+          </a:lnRef>
+          <a:fillRef idx="1">
+            <a:schemeClr val="accent1"/>
+          </a:fillRef>
+          <a:effectRef idx="0">
+            <a:schemeClr val="accent1"/>
+          </a:effectRef>
+          <a:fontRef idx="minor">
+            <a:schemeClr val="lt1"/>
+          </a:fontRef>
+        </p:style>
+        <p:txBody>
+          <a:bodyPr rtlCol="0" anchor="ctr"/>
+          <a:lstStyle/>
+          <a:p>
+            <a:pPr algn="ctr"/>
+            <a:endParaRPr lang="zh-TW" altLang="en-US"/>
+          </a:p>
+        </p:txBody>
+      </p:sp>
+    </p:spTree>
+    <p:extLst>
+      <p:ext uri="{BB962C8B-B14F-4D97-AF65-F5344CB8AC3E}">
+        <p14:creationId xmlns:p14="http://schemas.microsoft.com/office/powerpoint/2010/main" val="3661020999"/>
+      </p:ext>
+    </p:extLst>
+  </p:cSld>
+  <p:clrMapOvr>
+    <a:masterClrMapping/>
+  </p:clrMapOvr>
+</p:sld>
+</file>
+
+<file path=ppt/slides/slide17.xml><?xml version="1.0" encoding="utf-8"?>
+<p:sld xmlns:a="http://schemas.openxmlformats.org/drawingml/2006/main" xmlns:r="http://schemas.openxmlformats.org/officeDocument/2006/relationships" xmlns:p="http://schemas.openxmlformats.org/presentationml/2006/main">
+  <p:cSld>
+    <p:spTree>
+      <p:nvGrpSpPr>
+        <p:cNvPr id="1" name=""/>
+        <p:cNvGrpSpPr/>
+        <p:nvPr/>
+      </p:nvGrpSpPr>
+      <p:grpSpPr>
+        <a:xfrm>
+          <a:off x="0" y="0"/>
+          <a:ext cx="0" cy="0"/>
+          <a:chOff x="0" y="0"/>
+          <a:chExt cx="0" cy="0"/>
+        </a:xfrm>
+      </p:grpSpPr>
+      <p:sp>
+        <p:nvSpPr>
+          <p:cNvPr id="2" name="標題 1">
+            <a:extLst>
+              <a:ext uri="{FF2B5EF4-FFF2-40B4-BE49-F238E27FC236}">
+                <a16:creationId xmlns:a16="http://schemas.microsoft.com/office/drawing/2014/main" id="{93048374-F638-4A45-B565-8E46C4C95AF1}"/>
+              </a:ext>
+            </a:extLst>
+          </p:cNvPr>
+          <p:cNvSpPr>
+            <a:spLocks noGrp="1"/>
+          </p:cNvSpPr>
+          <p:nvPr>
+            <p:ph type="title"/>
+          </p:nvPr>
+        </p:nvSpPr>
+        <p:spPr/>
+        <p:txBody>
+          <a:bodyPr/>
+          <a:lstStyle/>
+          <a:p>
+            <a:r>
+              <a:rPr lang="en-US" altLang="zh-TW" dirty="0"/>
+              <a:t>SCR2a-End: Scoring</a:t>
+            </a:r>
+            <a:endParaRPr lang="zh-TW" altLang="en-US" dirty="0"/>
+          </a:p>
+        </p:txBody>
+      </p:sp>
+      <p:pic>
+        <p:nvPicPr>
+          <p:cNvPr id="4" name="圖片 3">
+            <a:extLst>
+              <a:ext uri="{FF2B5EF4-FFF2-40B4-BE49-F238E27FC236}">
+                <a16:creationId xmlns:a16="http://schemas.microsoft.com/office/drawing/2014/main" id="{1317F280-FF36-4C58-BD64-447EFAE31C35}"/>
+              </a:ext>
+            </a:extLst>
+          </p:cNvPr>
+          <p:cNvPicPr>
+            <a:picLocks noChangeAspect="1"/>
+          </p:cNvPicPr>
+          <p:nvPr/>
+        </p:nvPicPr>
+        <p:blipFill>
+          <a:blip r:embed="rId2"/>
+          <a:stretch>
+            <a:fillRect/>
+          </a:stretch>
+        </p:blipFill>
+        <p:spPr>
+          <a:xfrm>
+            <a:off x="908304" y="1694586"/>
+            <a:ext cx="4781550" cy="895350"/>
+          </a:xfrm>
+          <a:prstGeom prst="rect">
+            <a:avLst/>
+          </a:prstGeom>
+        </p:spPr>
+      </p:pic>
+      <p:pic>
+        <p:nvPicPr>
+          <p:cNvPr id="8" name="圖片 7">
+            <a:extLst>
+              <a:ext uri="{FF2B5EF4-FFF2-40B4-BE49-F238E27FC236}">
+                <a16:creationId xmlns:a16="http://schemas.microsoft.com/office/drawing/2014/main" id="{6DB60484-85B1-4032-A012-E1B588D40F07}"/>
+              </a:ext>
+            </a:extLst>
+          </p:cNvPr>
+          <p:cNvPicPr>
+            <a:picLocks noChangeAspect="1"/>
+          </p:cNvPicPr>
+          <p:nvPr/>
+        </p:nvPicPr>
+        <p:blipFill>
+          <a:blip r:embed="rId3"/>
+          <a:stretch>
+            <a:fillRect/>
+          </a:stretch>
+        </p:blipFill>
+        <p:spPr>
+          <a:xfrm>
+            <a:off x="3362325" y="2677390"/>
+            <a:ext cx="8829675" cy="1590675"/>
+          </a:xfrm>
+          <a:prstGeom prst="rect">
+            <a:avLst/>
+          </a:prstGeom>
+        </p:spPr>
+      </p:pic>
+      <p:pic>
+        <p:nvPicPr>
+          <p:cNvPr id="14" name="圖片 13">
+            <a:extLst>
+              <a:ext uri="{FF2B5EF4-FFF2-40B4-BE49-F238E27FC236}">
+                <a16:creationId xmlns:a16="http://schemas.microsoft.com/office/drawing/2014/main" id="{800D9226-8BF0-478B-A31E-265B287D0613}"/>
+              </a:ext>
+            </a:extLst>
+          </p:cNvPr>
+          <p:cNvPicPr>
+            <a:picLocks noChangeAspect="1"/>
+          </p:cNvPicPr>
+          <p:nvPr/>
+        </p:nvPicPr>
+        <p:blipFill>
+          <a:blip r:embed="rId4"/>
+          <a:stretch>
+            <a:fillRect/>
+          </a:stretch>
+        </p:blipFill>
+        <p:spPr>
+          <a:xfrm>
+            <a:off x="563649" y="4094474"/>
+            <a:ext cx="3933825" cy="2686050"/>
+          </a:xfrm>
+          <a:prstGeom prst="rect">
+            <a:avLst/>
+          </a:prstGeom>
+        </p:spPr>
+      </p:pic>
+      <p:sp>
+        <p:nvSpPr>
+          <p:cNvPr id="10" name="矩形 9">
+            <a:extLst>
+              <a:ext uri="{FF2B5EF4-FFF2-40B4-BE49-F238E27FC236}">
+                <a16:creationId xmlns:a16="http://schemas.microsoft.com/office/drawing/2014/main" id="{2C5DD038-19C5-427D-A51C-2AAF4362F548}"/>
+              </a:ext>
+            </a:extLst>
+          </p:cNvPr>
+          <p:cNvSpPr/>
+          <p:nvPr/>
+        </p:nvSpPr>
+        <p:spPr>
+          <a:xfrm>
+            <a:off x="8431298" y="3756834"/>
+            <a:ext cx="773661" cy="405816"/>
+          </a:xfrm>
+          <a:prstGeom prst="rect">
+            <a:avLst/>
+          </a:prstGeom>
+          <a:noFill/>
+          <a:ln w="9525" cap="flat" cmpd="sng" algn="ctr">
+            <a:solidFill>
+              <a:schemeClr val="dk1"/>
+            </a:solidFill>
+            <a:prstDash val="solid"/>
+            <a:round/>
+            <a:headEnd type="none" w="med" len="med"/>
+            <a:tailEnd type="none" w="med" len="med"/>
+          </a:ln>
+        </p:spPr>
+        <p:style>
+          <a:lnRef idx="0">
+            <a:scrgbClr r="0" g="0" b="0"/>
+          </a:lnRef>
+          <a:fillRef idx="0">
+            <a:scrgbClr r="0" g="0" b="0"/>
+          </a:fillRef>
+          <a:effectRef idx="0">
+            <a:scrgbClr r="0" g="0" b="0"/>
+          </a:effectRef>
+          <a:fontRef idx="minor">
+            <a:schemeClr val="dk1"/>
+          </a:fontRef>
+        </p:style>
+        <p:txBody>
+          <a:bodyPr rtlCol="0" anchor="ctr"/>
+          <a:lstStyle/>
+          <a:p>
+            <a:pPr algn="ctr"/>
+            <a:endParaRPr lang="zh-TW" altLang="en-US"/>
+          </a:p>
+        </p:txBody>
+      </p:sp>
+      <p:sp>
+        <p:nvSpPr>
+          <p:cNvPr id="11" name="矩形 10">
+            <a:extLst>
+              <a:ext uri="{FF2B5EF4-FFF2-40B4-BE49-F238E27FC236}">
+                <a16:creationId xmlns:a16="http://schemas.microsoft.com/office/drawing/2014/main" id="{63B13525-99DB-4D0E-9595-3A6815ED4928}"/>
+              </a:ext>
+            </a:extLst>
+          </p:cNvPr>
+          <p:cNvSpPr/>
+          <p:nvPr/>
+        </p:nvSpPr>
+        <p:spPr>
+          <a:xfrm>
+            <a:off x="2530562" y="2159428"/>
+            <a:ext cx="2100690" cy="331223"/>
+          </a:xfrm>
+          <a:prstGeom prst="rect">
+            <a:avLst/>
+          </a:prstGeom>
+          <a:noFill/>
+          <a:ln w="9525" cap="flat" cmpd="sng" algn="ctr">
+            <a:solidFill>
+              <a:schemeClr val="dk1"/>
+            </a:solidFill>
+            <a:prstDash val="solid"/>
+            <a:round/>
+            <a:headEnd type="none" w="med" len="med"/>
+            <a:tailEnd type="none" w="med" len="med"/>
+          </a:ln>
+        </p:spPr>
+        <p:style>
+          <a:lnRef idx="0">
+            <a:scrgbClr r="0" g="0" b="0"/>
+          </a:lnRef>
+          <a:fillRef idx="0">
+            <a:scrgbClr r="0" g="0" b="0"/>
+          </a:fillRef>
+          <a:effectRef idx="0">
+            <a:scrgbClr r="0" g="0" b="0"/>
+          </a:effectRef>
+          <a:fontRef idx="minor">
+            <a:schemeClr val="dk1"/>
+          </a:fontRef>
+        </p:style>
+        <p:txBody>
+          <a:bodyPr rtlCol="0" anchor="ctr"/>
+          <a:lstStyle/>
+          <a:p>
+            <a:pPr algn="ctr"/>
+            <a:endParaRPr lang="zh-TW" altLang="en-US"/>
+          </a:p>
+        </p:txBody>
+      </p:sp>
+      <p:sp>
+        <p:nvSpPr>
+          <p:cNvPr id="13" name="箭號: 向右 12">
+            <a:extLst>
+              <a:ext uri="{FF2B5EF4-FFF2-40B4-BE49-F238E27FC236}">
+                <a16:creationId xmlns:a16="http://schemas.microsoft.com/office/drawing/2014/main" id="{04FB2C5E-1DB1-4B75-8C64-F5E827F25B1A}"/>
+              </a:ext>
+            </a:extLst>
+          </p:cNvPr>
+          <p:cNvSpPr/>
+          <p:nvPr/>
+        </p:nvSpPr>
+        <p:spPr>
+          <a:xfrm rot="2659413">
+            <a:off x="5164257" y="2353345"/>
+            <a:ext cx="1175657" cy="311331"/>
+          </a:xfrm>
+          <a:prstGeom prst="rightArrow">
+            <a:avLst/>
+          </a:prstGeom>
+        </p:spPr>
+        <p:style>
+          <a:lnRef idx="2">
+            <a:schemeClr val="accent1">
+              <a:shade val="50000"/>
+            </a:schemeClr>
+          </a:lnRef>
+          <a:fillRef idx="1">
+            <a:schemeClr val="accent1"/>
+          </a:fillRef>
+          <a:effectRef idx="0">
+            <a:schemeClr val="accent1"/>
+          </a:effectRef>
+          <a:fontRef idx="minor">
+            <a:schemeClr val="lt1"/>
+          </a:fontRef>
+        </p:style>
+        <p:txBody>
+          <a:bodyPr rtlCol="0" anchor="ctr"/>
+          <a:lstStyle/>
+          <a:p>
+            <a:pPr algn="ctr"/>
+            <a:endParaRPr lang="zh-TW" altLang="en-US"/>
+          </a:p>
+        </p:txBody>
+      </p:sp>
+      <p:sp>
+        <p:nvSpPr>
+          <p:cNvPr id="15" name="箭號: 彎曲 14">
+            <a:extLst>
+              <a:ext uri="{FF2B5EF4-FFF2-40B4-BE49-F238E27FC236}">
+                <a16:creationId xmlns:a16="http://schemas.microsoft.com/office/drawing/2014/main" id="{FE09C07E-52DE-45A6-B669-EA071553F8D1}"/>
+              </a:ext>
+            </a:extLst>
+          </p:cNvPr>
+          <p:cNvSpPr/>
+          <p:nvPr/>
+        </p:nvSpPr>
+        <p:spPr>
+          <a:xfrm rot="10800000">
+            <a:off x="4497474" y="4067912"/>
+            <a:ext cx="4566430" cy="1493085"/>
+          </a:xfrm>
+          <a:prstGeom prst="bentArrow">
+            <a:avLst>
+              <a:gd name="adj1" fmla="val 25000"/>
+              <a:gd name="adj2" fmla="val 25823"/>
+              <a:gd name="adj3" fmla="val 29527"/>
+              <a:gd name="adj4" fmla="val 46219"/>
+            </a:avLst>
+          </a:prstGeom>
+        </p:spPr>
+        <p:style>
+          <a:lnRef idx="2">
+            <a:schemeClr val="accent1">
+              <a:shade val="50000"/>
+            </a:schemeClr>
+          </a:lnRef>
+          <a:fillRef idx="1">
+            <a:schemeClr val="accent1"/>
+          </a:fillRef>
+          <a:effectRef idx="0">
+            <a:schemeClr val="accent1"/>
+          </a:effectRef>
+          <a:fontRef idx="minor">
+            <a:schemeClr val="lt1"/>
+          </a:fontRef>
+        </p:style>
+        <p:txBody>
+          <a:bodyPr rtlCol="0" anchor="ctr"/>
+          <a:lstStyle/>
+          <a:p>
+            <a:pPr algn="ctr"/>
             <a:endParaRPr lang="zh-TW" altLang="en-US">
               <a:solidFill>
                 <a:schemeClr val="tx1"/>
@@ -11156,7 +12467,7 @@
 </p:sld>
 </file>
 
-<file path=ppt/slides/slide16.xml><?xml version="1.0" encoding="utf-8"?>
+<file path=ppt/slides/slide18.xml><?xml version="1.0" encoding="utf-8"?>
 <p:sld xmlns:a="http://schemas.openxmlformats.org/drawingml/2006/main" xmlns:r="http://schemas.openxmlformats.org/officeDocument/2006/relationships" xmlns:p="http://schemas.openxmlformats.org/presentationml/2006/main">
   <p:cSld>
     <p:spTree>
@@ -11550,7 +12861,7 @@
 </p:sld>
 </file>
 
-<file path=ppt/slides/slide17.xml><?xml version="1.0" encoding="utf-8"?>
+<file path=ppt/slides/slide19.xml><?xml version="1.0" encoding="utf-8"?>
 <p:sld xmlns:a="http://schemas.openxmlformats.org/drawingml/2006/main" xmlns:r="http://schemas.openxmlformats.org/officeDocument/2006/relationships" xmlns:p="http://schemas.openxmlformats.org/presentationml/2006/main">
   <p:cSld>
     <p:spTree>
@@ -11606,36 +12917,6 @@
           </a:p>
         </p:txBody>
       </p:sp>
-      <p:pic>
-        <p:nvPicPr>
-          <p:cNvPr id="21" name="圖片 20">
-            <a:extLst>
-              <a:ext uri="{FF2B5EF4-FFF2-40B4-BE49-F238E27FC236}">
-                <a16:creationId xmlns:a16="http://schemas.microsoft.com/office/drawing/2014/main" id="{74DC37BC-D8E9-4126-A62B-7951732DE31E}"/>
-              </a:ext>
-            </a:extLst>
-          </p:cNvPr>
-          <p:cNvPicPr>
-            <a:picLocks noChangeAspect="1"/>
-          </p:cNvPicPr>
-          <p:nvPr/>
-        </p:nvPicPr>
-        <p:blipFill>
-          <a:blip r:embed="rId2"/>
-          <a:stretch>
-            <a:fillRect/>
-          </a:stretch>
-        </p:blipFill>
-        <p:spPr>
-          <a:xfrm>
-            <a:off x="2005261" y="2451463"/>
-            <a:ext cx="6867525" cy="3200400"/>
-          </a:xfrm>
-          <a:prstGeom prst="rect">
-            <a:avLst/>
-          </a:prstGeom>
-        </p:spPr>
-      </p:pic>
     </p:spTree>
     <p:extLst>
       <p:ext uri="{BB962C8B-B14F-4D97-AF65-F5344CB8AC3E}">
@@ -11649,7 +12930,184 @@
 </p:sld>
 </file>
 
-<file path=ppt/slides/slide18.xml><?xml version="1.0" encoding="utf-8"?>
+<file path=ppt/slides/slide2.xml><?xml version="1.0" encoding="utf-8"?>
+<p:sld xmlns:a="http://schemas.openxmlformats.org/drawingml/2006/main" xmlns:r="http://schemas.openxmlformats.org/officeDocument/2006/relationships" xmlns:p="http://schemas.openxmlformats.org/presentationml/2006/main">
+  <p:cSld>
+    <p:spTree>
+      <p:nvGrpSpPr>
+        <p:cNvPr id="1" name=""/>
+        <p:cNvGrpSpPr/>
+        <p:nvPr/>
+      </p:nvGrpSpPr>
+      <p:grpSpPr>
+        <a:xfrm>
+          <a:off x="0" y="0"/>
+          <a:ext cx="0" cy="0"/>
+          <a:chOff x="0" y="0"/>
+          <a:chExt cx="0" cy="0"/>
+        </a:xfrm>
+      </p:grpSpPr>
+      <p:sp>
+        <p:nvSpPr>
+          <p:cNvPr id="2" name="標題 1">
+            <a:extLst>
+              <a:ext uri="{FF2B5EF4-FFF2-40B4-BE49-F238E27FC236}">
+                <a16:creationId xmlns:a16="http://schemas.microsoft.com/office/drawing/2014/main" id="{2C8FC297-3A1F-4C2D-87F1-48F7E114EA7F}"/>
+              </a:ext>
+            </a:extLst>
+          </p:cNvPr>
+          <p:cNvSpPr>
+            <a:spLocks noGrp="1"/>
+          </p:cNvSpPr>
+          <p:nvPr>
+            <p:ph type="title"/>
+          </p:nvPr>
+        </p:nvSpPr>
+        <p:spPr/>
+        <p:txBody>
+          <a:bodyPr/>
+          <a:lstStyle/>
+          <a:p>
+            <a:r>
+              <a:rPr lang="en-US" altLang="zh-TW" dirty="0"/>
+              <a:t>TOC</a:t>
+            </a:r>
+            <a:endParaRPr lang="zh-HK" altLang="en-US" dirty="0"/>
+          </a:p>
+        </p:txBody>
+      </p:sp>
+      <p:sp>
+        <p:nvSpPr>
+          <p:cNvPr id="3" name="內容版面配置區 2">
+            <a:extLst>
+              <a:ext uri="{FF2B5EF4-FFF2-40B4-BE49-F238E27FC236}">
+                <a16:creationId xmlns:a16="http://schemas.microsoft.com/office/drawing/2014/main" id="{3956F909-E1D2-469E-8A65-B9493C241E12}"/>
+              </a:ext>
+            </a:extLst>
+          </p:cNvPr>
+          <p:cNvSpPr>
+            <a:spLocks noGrp="1"/>
+          </p:cNvSpPr>
+          <p:nvPr>
+            <p:ph idx="1"/>
+          </p:nvPr>
+        </p:nvSpPr>
+        <p:spPr>
+          <a:xfrm>
+            <a:off x="544068" y="1954148"/>
+            <a:ext cx="10168128" cy="4355211"/>
+          </a:xfrm>
+        </p:spPr>
+        <p:txBody>
+          <a:bodyPr>
+            <a:normAutofit fontScale="92500" lnSpcReduction="10000"/>
+          </a:bodyPr>
+          <a:lstStyle/>
+          <a:p>
+            <a:pPr marL="514350" indent="-514350">
+              <a:buFont typeface="+mj-lt"/>
+              <a:buAutoNum type="arabicPeriod"/>
+            </a:pPr>
+            <a:r>
+              <a:rPr lang="en-US" altLang="zh-HK" dirty="0"/>
+              <a:t>Question types &amp; trial types</a:t>
+            </a:r>
+          </a:p>
+          <a:p>
+            <a:pPr marL="514350" indent="-514350">
+              <a:buFont typeface="+mj-lt"/>
+              <a:buAutoNum type="arabicPeriod"/>
+            </a:pPr>
+            <a:r>
+              <a:rPr lang="en-US" altLang="zh-HK" dirty="0"/>
+              <a:t>Choice order randomization</a:t>
+            </a:r>
+          </a:p>
+          <a:p>
+            <a:pPr marL="514350" indent="-514350">
+              <a:buFont typeface="+mj-lt"/>
+              <a:buAutoNum type="arabicPeriod"/>
+            </a:pPr>
+            <a:r>
+              <a:rPr lang="en-US" altLang="zh-HK" dirty="0"/>
+              <a:t>Multimedia elements</a:t>
+            </a:r>
+          </a:p>
+          <a:p>
+            <a:pPr marL="514350" indent="-514350">
+              <a:buFont typeface="+mj-lt"/>
+              <a:buAutoNum type="arabicPeriod"/>
+            </a:pPr>
+            <a:r>
+              <a:rPr lang="en-US" altLang="zh-HK" dirty="0"/>
+              <a:t>Screening tasks</a:t>
+            </a:r>
+          </a:p>
+          <a:p>
+            <a:pPr marL="514350" indent="-514350">
+              <a:buFont typeface="+mj-lt"/>
+              <a:buAutoNum type="arabicPeriod"/>
+            </a:pPr>
+            <a:r>
+              <a:rPr lang="en-US" altLang="zh-HK" dirty="0" err="1"/>
+              <a:t>Randomising</a:t>
+            </a:r>
+            <a:r>
+              <a:rPr lang="en-US" altLang="zh-HK" dirty="0"/>
+              <a:t> presentation order of questions</a:t>
+            </a:r>
+          </a:p>
+          <a:p>
+            <a:pPr marL="514350" indent="-514350">
+              <a:buFont typeface="+mj-lt"/>
+              <a:buAutoNum type="arabicPeriod"/>
+            </a:pPr>
+            <a:r>
+              <a:rPr lang="en-US" altLang="zh-HK" dirty="0"/>
+              <a:t>Creating questions out of the same template: </a:t>
+            </a:r>
+            <a:r>
+              <a:rPr lang="en-US" altLang="zh-TW" dirty="0"/>
+              <a:t>Loop &amp; Merge</a:t>
+            </a:r>
+          </a:p>
+          <a:p>
+            <a:pPr marL="514350" indent="-514350">
+              <a:buFont typeface="+mj-lt"/>
+              <a:buAutoNum type="arabicPeriod"/>
+            </a:pPr>
+            <a:r>
+              <a:rPr lang="en-US" altLang="zh-TW" dirty="0"/>
+              <a:t>Conditions: Qualtrics-defined and externally-defined</a:t>
+            </a:r>
+          </a:p>
+          <a:p>
+            <a:pPr marL="514350" indent="-514350">
+              <a:buFont typeface="+mj-lt"/>
+              <a:buAutoNum type="arabicPeriod"/>
+            </a:pPr>
+            <a:r>
+              <a:rPr lang="en-US" altLang="zh-TW" dirty="0"/>
+              <a:t>Exporting results</a:t>
+            </a:r>
+            <a:endParaRPr lang="zh-HK" altLang="en-US" dirty="0"/>
+          </a:p>
+        </p:txBody>
+      </p:sp>
+    </p:spTree>
+    <p:extLst>
+      <p:ext uri="{BB962C8B-B14F-4D97-AF65-F5344CB8AC3E}">
+        <p14:creationId xmlns:p14="http://schemas.microsoft.com/office/powerpoint/2010/main" val="565174832"/>
+      </p:ext>
+    </p:extLst>
+  </p:cSld>
+  <p:clrMapOvr>
+    <a:masterClrMapping/>
+  </p:clrMapOvr>
+</p:sld>
+</file>
+
+<file path=ppt/slides/slide20.xml><?xml version="1.0" encoding="utf-8"?>
 <p:sld xmlns:a="http://schemas.openxmlformats.org/drawingml/2006/main" xmlns:r="http://schemas.openxmlformats.org/officeDocument/2006/relationships" xmlns:p="http://schemas.openxmlformats.org/presentationml/2006/main">
   <p:cSld>
     <p:spTree>
@@ -11981,36 +13439,6 @@
           </a:p>
         </p:txBody>
       </p:sp>
-      <p:pic>
-        <p:nvPicPr>
-          <p:cNvPr id="16" name="圖片 15">
-            <a:extLst>
-              <a:ext uri="{FF2B5EF4-FFF2-40B4-BE49-F238E27FC236}">
-                <a16:creationId xmlns:a16="http://schemas.microsoft.com/office/drawing/2014/main" id="{06223354-D776-456A-B249-BBC4FF6E8EF2}"/>
-              </a:ext>
-            </a:extLst>
-          </p:cNvPr>
-          <p:cNvPicPr>
-            <a:picLocks noChangeAspect="1"/>
-          </p:cNvPicPr>
-          <p:nvPr/>
-        </p:nvPicPr>
-        <p:blipFill>
-          <a:blip r:embed="rId6"/>
-          <a:stretch>
-            <a:fillRect/>
-          </a:stretch>
-        </p:blipFill>
-        <p:spPr>
-          <a:xfrm>
-            <a:off x="4619625" y="2257425"/>
-            <a:ext cx="2952750" cy="2343150"/>
-          </a:xfrm>
-          <a:prstGeom prst="rect">
-            <a:avLst/>
-          </a:prstGeom>
-        </p:spPr>
-      </p:pic>
       <p:sp>
         <p:nvSpPr>
           <p:cNvPr id="12" name="箭號: 向右 11">
@@ -12070,7 +13498,7 @@
 </p:sld>
 </file>
 
-<file path=ppt/slides/slide19.xml><?xml version="1.0" encoding="utf-8"?>
+<file path=ppt/slides/slide21.xml><?xml version="1.0" encoding="utf-8"?>
 <p:sld xmlns:a="http://schemas.openxmlformats.org/drawingml/2006/main" xmlns:r="http://schemas.openxmlformats.org/officeDocument/2006/relationships" xmlns:p="http://schemas.openxmlformats.org/presentationml/2006/main">
   <p:cSld>
     <p:spTree>
@@ -12440,7 +13868,1062 @@
 </p:sld>
 </file>
 
-<file path=ppt/slides/slide2.xml><?xml version="1.0" encoding="utf-8"?>
+<file path=ppt/slides/slide22.xml><?xml version="1.0" encoding="utf-8"?>
+<p:sld xmlns:a="http://schemas.openxmlformats.org/drawingml/2006/main" xmlns:r="http://schemas.openxmlformats.org/officeDocument/2006/relationships" xmlns:p="http://schemas.openxmlformats.org/presentationml/2006/main">
+  <p:cSld>
+    <p:spTree>
+      <p:nvGrpSpPr>
+        <p:cNvPr id="1" name=""/>
+        <p:cNvGrpSpPr/>
+        <p:nvPr/>
+      </p:nvGrpSpPr>
+      <p:grpSpPr>
+        <a:xfrm>
+          <a:off x="0" y="0"/>
+          <a:ext cx="0" cy="0"/>
+          <a:chOff x="0" y="0"/>
+          <a:chExt cx="0" cy="0"/>
+        </a:xfrm>
+      </p:grpSpPr>
+      <p:sp>
+        <p:nvSpPr>
+          <p:cNvPr id="2" name="標題 1">
+            <a:extLst>
+              <a:ext uri="{FF2B5EF4-FFF2-40B4-BE49-F238E27FC236}">
+                <a16:creationId xmlns:a16="http://schemas.microsoft.com/office/drawing/2014/main" id="{93048374-F638-4A45-B565-8E46C4C95AF1}"/>
+              </a:ext>
+            </a:extLst>
+          </p:cNvPr>
+          <p:cNvSpPr>
+            <a:spLocks noGrp="1"/>
+          </p:cNvSpPr>
+          <p:nvPr>
+            <p:ph type="title"/>
+          </p:nvPr>
+        </p:nvSpPr>
+        <p:spPr/>
+        <p:txBody>
+          <a:bodyPr/>
+          <a:lstStyle/>
+          <a:p>
+            <a:r>
+              <a:rPr lang="en-US" altLang="zh-TW" dirty="0"/>
+              <a:t>Cond1</a:t>
+            </a:r>
+            <a:endParaRPr lang="zh-TW" altLang="en-US" dirty="0"/>
+          </a:p>
+        </p:txBody>
+      </p:sp>
+      <p:pic>
+        <p:nvPicPr>
+          <p:cNvPr id="4" name="圖片 3">
+            <a:extLst>
+              <a:ext uri="{FF2B5EF4-FFF2-40B4-BE49-F238E27FC236}">
+                <a16:creationId xmlns:a16="http://schemas.microsoft.com/office/drawing/2014/main" id="{19239EFD-FB82-485E-98E7-DDEDD1627C9B}"/>
+              </a:ext>
+            </a:extLst>
+          </p:cNvPr>
+          <p:cNvPicPr>
+            <a:picLocks noChangeAspect="1"/>
+          </p:cNvPicPr>
+          <p:nvPr/>
+        </p:nvPicPr>
+        <p:blipFill>
+          <a:blip r:embed="rId2"/>
+          <a:stretch>
+            <a:fillRect/>
+          </a:stretch>
+        </p:blipFill>
+        <p:spPr>
+          <a:xfrm>
+            <a:off x="957262" y="2143125"/>
+            <a:ext cx="10277475" cy="2571750"/>
+          </a:xfrm>
+          <a:prstGeom prst="rect">
+            <a:avLst/>
+          </a:prstGeom>
+        </p:spPr>
+      </p:pic>
+    </p:spTree>
+    <p:extLst>
+      <p:ext uri="{BB962C8B-B14F-4D97-AF65-F5344CB8AC3E}">
+        <p14:creationId xmlns:p14="http://schemas.microsoft.com/office/powerpoint/2010/main" val="3457477268"/>
+      </p:ext>
+    </p:extLst>
+  </p:cSld>
+  <p:clrMapOvr>
+    <a:masterClrMapping/>
+  </p:clrMapOvr>
+</p:sld>
+</file>
+
+<file path=ppt/slides/slide23.xml><?xml version="1.0" encoding="utf-8"?>
+<p:sld xmlns:a="http://schemas.openxmlformats.org/drawingml/2006/main" xmlns:r="http://schemas.openxmlformats.org/officeDocument/2006/relationships" xmlns:p="http://schemas.openxmlformats.org/presentationml/2006/main">
+  <p:cSld>
+    <p:spTree>
+      <p:nvGrpSpPr>
+        <p:cNvPr id="1" name=""/>
+        <p:cNvGrpSpPr/>
+        <p:nvPr/>
+      </p:nvGrpSpPr>
+      <p:grpSpPr>
+        <a:xfrm>
+          <a:off x="0" y="0"/>
+          <a:ext cx="0" cy="0"/>
+          <a:chOff x="0" y="0"/>
+          <a:chExt cx="0" cy="0"/>
+        </a:xfrm>
+      </p:grpSpPr>
+      <p:sp>
+        <p:nvSpPr>
+          <p:cNvPr id="2" name="標題 1">
+            <a:extLst>
+              <a:ext uri="{FF2B5EF4-FFF2-40B4-BE49-F238E27FC236}">
+                <a16:creationId xmlns:a16="http://schemas.microsoft.com/office/drawing/2014/main" id="{93048374-F638-4A45-B565-8E46C4C95AF1}"/>
+              </a:ext>
+            </a:extLst>
+          </p:cNvPr>
+          <p:cNvSpPr>
+            <a:spLocks noGrp="1"/>
+          </p:cNvSpPr>
+          <p:nvPr>
+            <p:ph type="title"/>
+          </p:nvPr>
+        </p:nvSpPr>
+        <p:spPr/>
+        <p:txBody>
+          <a:bodyPr/>
+          <a:lstStyle/>
+          <a:p>
+            <a:r>
+              <a:rPr lang="en-US" altLang="zh-TW" dirty="0"/>
+              <a:t>Cond2</a:t>
+            </a:r>
+            <a:endParaRPr lang="zh-TW" altLang="en-US" dirty="0"/>
+          </a:p>
+        </p:txBody>
+      </p:sp>
+      <p:pic>
+        <p:nvPicPr>
+          <p:cNvPr id="25" name="圖片 24">
+            <a:extLst>
+              <a:ext uri="{FF2B5EF4-FFF2-40B4-BE49-F238E27FC236}">
+                <a16:creationId xmlns:a16="http://schemas.microsoft.com/office/drawing/2014/main" id="{756B1DBE-8DC3-4FCD-B324-7CEEE9AD50B7}"/>
+              </a:ext>
+            </a:extLst>
+          </p:cNvPr>
+          <p:cNvPicPr>
+            <a:picLocks noChangeAspect="1"/>
+          </p:cNvPicPr>
+          <p:nvPr/>
+        </p:nvPicPr>
+        <p:blipFill>
+          <a:blip r:embed="rId2"/>
+          <a:stretch>
+            <a:fillRect/>
+          </a:stretch>
+        </p:blipFill>
+        <p:spPr>
+          <a:xfrm>
+            <a:off x="206985" y="2211707"/>
+            <a:ext cx="10277475" cy="3638550"/>
+          </a:xfrm>
+          <a:prstGeom prst="rect">
+            <a:avLst/>
+          </a:prstGeom>
+        </p:spPr>
+      </p:pic>
+      <p:pic>
+        <p:nvPicPr>
+          <p:cNvPr id="9" name="圖片 8">
+            <a:extLst>
+              <a:ext uri="{FF2B5EF4-FFF2-40B4-BE49-F238E27FC236}">
+                <a16:creationId xmlns:a16="http://schemas.microsoft.com/office/drawing/2014/main" id="{F81D37BC-A1B7-4F70-AD09-6CD6A05D7FC2}"/>
+              </a:ext>
+            </a:extLst>
+          </p:cNvPr>
+          <p:cNvPicPr>
+            <a:picLocks noChangeAspect="1"/>
+          </p:cNvPicPr>
+          <p:nvPr/>
+        </p:nvPicPr>
+        <p:blipFill>
+          <a:blip r:embed="rId3"/>
+          <a:stretch>
+            <a:fillRect/>
+          </a:stretch>
+        </p:blipFill>
+        <p:spPr>
+          <a:xfrm>
+            <a:off x="4417036" y="556641"/>
+            <a:ext cx="4905375" cy="1171575"/>
+          </a:xfrm>
+          <a:prstGeom prst="rect">
+            <a:avLst/>
+          </a:prstGeom>
+        </p:spPr>
+      </p:pic>
+    </p:spTree>
+    <p:extLst>
+      <p:ext uri="{BB962C8B-B14F-4D97-AF65-F5344CB8AC3E}">
+        <p14:creationId xmlns:p14="http://schemas.microsoft.com/office/powerpoint/2010/main" val="1086123593"/>
+      </p:ext>
+    </p:extLst>
+  </p:cSld>
+  <p:clrMapOvr>
+    <a:masterClrMapping/>
+  </p:clrMapOvr>
+</p:sld>
+</file>
+
+<file path=ppt/slides/slide24.xml><?xml version="1.0" encoding="utf-8"?>
+<p:sld xmlns:a="http://schemas.openxmlformats.org/drawingml/2006/main" xmlns:r="http://schemas.openxmlformats.org/officeDocument/2006/relationships" xmlns:p="http://schemas.openxmlformats.org/presentationml/2006/main">
+  <p:cSld>
+    <p:spTree>
+      <p:nvGrpSpPr>
+        <p:cNvPr id="1" name=""/>
+        <p:cNvGrpSpPr/>
+        <p:nvPr/>
+      </p:nvGrpSpPr>
+      <p:grpSpPr>
+        <a:xfrm>
+          <a:off x="0" y="0"/>
+          <a:ext cx="0" cy="0"/>
+          <a:chOff x="0" y="0"/>
+          <a:chExt cx="0" cy="0"/>
+        </a:xfrm>
+      </p:grpSpPr>
+      <p:sp>
+        <p:nvSpPr>
+          <p:cNvPr id="2" name="標題 1">
+            <a:extLst>
+              <a:ext uri="{FF2B5EF4-FFF2-40B4-BE49-F238E27FC236}">
+                <a16:creationId xmlns:a16="http://schemas.microsoft.com/office/drawing/2014/main" id="{93048374-F638-4A45-B565-8E46C4C95AF1}"/>
+              </a:ext>
+            </a:extLst>
+          </p:cNvPr>
+          <p:cNvSpPr>
+            <a:spLocks noGrp="1"/>
+          </p:cNvSpPr>
+          <p:nvPr>
+            <p:ph type="title"/>
+          </p:nvPr>
+        </p:nvSpPr>
+        <p:spPr/>
+        <p:txBody>
+          <a:bodyPr/>
+          <a:lstStyle/>
+          <a:p>
+            <a:r>
+              <a:rPr lang="en-US" altLang="zh-TW" dirty="0"/>
+              <a:t>MTurk1</a:t>
+            </a:r>
+            <a:endParaRPr lang="zh-TW" altLang="en-US" dirty="0"/>
+          </a:p>
+        </p:txBody>
+      </p:sp>
+      <p:pic>
+        <p:nvPicPr>
+          <p:cNvPr id="5" name="圖片 4">
+            <a:extLst>
+              <a:ext uri="{FF2B5EF4-FFF2-40B4-BE49-F238E27FC236}">
+                <a16:creationId xmlns:a16="http://schemas.microsoft.com/office/drawing/2014/main" id="{D55D8CA6-26E7-46D2-AEA7-31FB922D4EB0}"/>
+              </a:ext>
+            </a:extLst>
+          </p:cNvPr>
+          <p:cNvPicPr>
+            <a:picLocks noChangeAspect="1"/>
+          </p:cNvPicPr>
+          <p:nvPr/>
+        </p:nvPicPr>
+        <p:blipFill>
+          <a:blip r:embed="rId2"/>
+          <a:stretch>
+            <a:fillRect/>
+          </a:stretch>
+        </p:blipFill>
+        <p:spPr>
+          <a:xfrm>
+            <a:off x="2335630" y="2207152"/>
+            <a:ext cx="5467350" cy="495300"/>
+          </a:xfrm>
+          <a:prstGeom prst="rect">
+            <a:avLst/>
+          </a:prstGeom>
+        </p:spPr>
+      </p:pic>
+      <p:pic>
+        <p:nvPicPr>
+          <p:cNvPr id="4" name="圖片 3">
+            <a:extLst>
+              <a:ext uri="{FF2B5EF4-FFF2-40B4-BE49-F238E27FC236}">
+                <a16:creationId xmlns:a16="http://schemas.microsoft.com/office/drawing/2014/main" id="{8600AD84-ED65-4CF3-B269-9780B42948D0}"/>
+              </a:ext>
+            </a:extLst>
+          </p:cNvPr>
+          <p:cNvPicPr>
+            <a:picLocks noChangeAspect="1"/>
+          </p:cNvPicPr>
+          <p:nvPr/>
+        </p:nvPicPr>
+        <p:blipFill>
+          <a:blip r:embed="rId3"/>
+          <a:stretch>
+            <a:fillRect/>
+          </a:stretch>
+        </p:blipFill>
+        <p:spPr>
+          <a:xfrm>
+            <a:off x="1115568" y="3181388"/>
+            <a:ext cx="7315200" cy="2019300"/>
+          </a:xfrm>
+          <a:prstGeom prst="rect">
+            <a:avLst/>
+          </a:prstGeom>
+        </p:spPr>
+      </p:pic>
+      <p:sp>
+        <p:nvSpPr>
+          <p:cNvPr id="8" name="箭號: 向右 7">
+            <a:extLst>
+              <a:ext uri="{FF2B5EF4-FFF2-40B4-BE49-F238E27FC236}">
+                <a16:creationId xmlns:a16="http://schemas.microsoft.com/office/drawing/2014/main" id="{4B5DE573-2862-4F6E-BDCA-60F8BB031B03}"/>
+              </a:ext>
+            </a:extLst>
+          </p:cNvPr>
+          <p:cNvSpPr/>
+          <p:nvPr/>
+        </p:nvSpPr>
+        <p:spPr>
+          <a:xfrm rot="14267467">
+            <a:off x="4674826" y="4615710"/>
+            <a:ext cx="1175657" cy="311331"/>
+          </a:xfrm>
+          <a:prstGeom prst="rightArrow">
+            <a:avLst/>
+          </a:prstGeom>
+        </p:spPr>
+        <p:style>
+          <a:lnRef idx="2">
+            <a:schemeClr val="accent1">
+              <a:shade val="50000"/>
+            </a:schemeClr>
+          </a:lnRef>
+          <a:fillRef idx="1">
+            <a:schemeClr val="accent1"/>
+          </a:fillRef>
+          <a:effectRef idx="0">
+            <a:schemeClr val="accent1"/>
+          </a:effectRef>
+          <a:fontRef idx="minor">
+            <a:schemeClr val="lt1"/>
+          </a:fontRef>
+        </p:style>
+        <p:txBody>
+          <a:bodyPr rtlCol="0" anchor="ctr"/>
+          <a:lstStyle/>
+          <a:p>
+            <a:pPr algn="ctr"/>
+            <a:endParaRPr lang="zh-TW" altLang="en-US"/>
+          </a:p>
+        </p:txBody>
+      </p:sp>
+      <p:sp>
+        <p:nvSpPr>
+          <p:cNvPr id="6" name="文字方塊 5">
+            <a:extLst>
+              <a:ext uri="{FF2B5EF4-FFF2-40B4-BE49-F238E27FC236}">
+                <a16:creationId xmlns:a16="http://schemas.microsoft.com/office/drawing/2014/main" id="{E70D74EF-EE35-4461-9D01-7EE07F19C0F2}"/>
+              </a:ext>
+            </a:extLst>
+          </p:cNvPr>
+          <p:cNvSpPr txBox="1"/>
+          <p:nvPr/>
+        </p:nvSpPr>
+        <p:spPr>
+          <a:xfrm>
+            <a:off x="5007429" y="5416731"/>
+            <a:ext cx="1915885" cy="646331"/>
+          </a:xfrm>
+          <a:prstGeom prst="rect">
+            <a:avLst/>
+          </a:prstGeom>
+          <a:noFill/>
+        </p:spPr>
+        <p:txBody>
+          <a:bodyPr wrap="square" rtlCol="0">
+            <a:spAutoFit/>
+          </a:bodyPr>
+          <a:lstStyle/>
+          <a:p>
+            <a:r>
+              <a:rPr lang="en-US" altLang="zh-TW" dirty="0"/>
+              <a:t>Add condition manually here</a:t>
+            </a:r>
+            <a:endParaRPr lang="zh-TW" altLang="en-US" dirty="0"/>
+          </a:p>
+        </p:txBody>
+      </p:sp>
+    </p:spTree>
+    <p:extLst>
+      <p:ext uri="{BB962C8B-B14F-4D97-AF65-F5344CB8AC3E}">
+        <p14:creationId xmlns:p14="http://schemas.microsoft.com/office/powerpoint/2010/main" val="3407232993"/>
+      </p:ext>
+    </p:extLst>
+  </p:cSld>
+  <p:clrMapOvr>
+    <a:masterClrMapping/>
+  </p:clrMapOvr>
+</p:sld>
+</file>
+
+<file path=ppt/slides/slide25.xml><?xml version="1.0" encoding="utf-8"?>
+<p:sld xmlns:a="http://schemas.openxmlformats.org/drawingml/2006/main" xmlns:r="http://schemas.openxmlformats.org/officeDocument/2006/relationships" xmlns:p="http://schemas.openxmlformats.org/presentationml/2006/main">
+  <p:cSld>
+    <p:spTree>
+      <p:nvGrpSpPr>
+        <p:cNvPr id="1" name=""/>
+        <p:cNvGrpSpPr/>
+        <p:nvPr/>
+      </p:nvGrpSpPr>
+      <p:grpSpPr>
+        <a:xfrm>
+          <a:off x="0" y="0"/>
+          <a:ext cx="0" cy="0"/>
+          <a:chOff x="0" y="0"/>
+          <a:chExt cx="0" cy="0"/>
+        </a:xfrm>
+      </p:grpSpPr>
+      <p:sp>
+        <p:nvSpPr>
+          <p:cNvPr id="2" name="標題 1">
+            <a:extLst>
+              <a:ext uri="{FF2B5EF4-FFF2-40B4-BE49-F238E27FC236}">
+                <a16:creationId xmlns:a16="http://schemas.microsoft.com/office/drawing/2014/main" id="{93048374-F638-4A45-B565-8E46C4C95AF1}"/>
+              </a:ext>
+            </a:extLst>
+          </p:cNvPr>
+          <p:cNvSpPr>
+            <a:spLocks noGrp="1"/>
+          </p:cNvSpPr>
+          <p:nvPr>
+            <p:ph type="title"/>
+          </p:nvPr>
+        </p:nvSpPr>
+        <p:spPr/>
+        <p:txBody>
+          <a:bodyPr/>
+          <a:lstStyle/>
+          <a:p>
+            <a:r>
+              <a:rPr lang="en-US" altLang="zh-TW" dirty="0"/>
+              <a:t>MTurk2</a:t>
+            </a:r>
+            <a:endParaRPr lang="zh-TW" altLang="en-US" dirty="0"/>
+          </a:p>
+        </p:txBody>
+      </p:sp>
+      <p:pic>
+        <p:nvPicPr>
+          <p:cNvPr id="10" name="圖片 9">
+            <a:extLst>
+              <a:ext uri="{FF2B5EF4-FFF2-40B4-BE49-F238E27FC236}">
+                <a16:creationId xmlns:a16="http://schemas.microsoft.com/office/drawing/2014/main" id="{D6E92F85-1D63-495C-B370-B954AF2954F1}"/>
+              </a:ext>
+            </a:extLst>
+          </p:cNvPr>
+          <p:cNvPicPr>
+            <a:picLocks noChangeAspect="1"/>
+          </p:cNvPicPr>
+          <p:nvPr/>
+        </p:nvPicPr>
+        <p:blipFill>
+          <a:blip r:embed="rId2"/>
+          <a:stretch>
+            <a:fillRect/>
+          </a:stretch>
+        </p:blipFill>
+        <p:spPr>
+          <a:xfrm>
+            <a:off x="704097" y="1485899"/>
+            <a:ext cx="3629025" cy="838200"/>
+          </a:xfrm>
+          <a:prstGeom prst="rect">
+            <a:avLst/>
+          </a:prstGeom>
+        </p:spPr>
+      </p:pic>
+      <p:pic>
+        <p:nvPicPr>
+          <p:cNvPr id="7" name="圖片 6">
+            <a:extLst>
+              <a:ext uri="{FF2B5EF4-FFF2-40B4-BE49-F238E27FC236}">
+                <a16:creationId xmlns:a16="http://schemas.microsoft.com/office/drawing/2014/main" id="{3A45AE84-0285-46B2-B58C-B6FDFF2FDDBA}"/>
+              </a:ext>
+            </a:extLst>
+          </p:cNvPr>
+          <p:cNvPicPr>
+            <a:picLocks noChangeAspect="1"/>
+          </p:cNvPicPr>
+          <p:nvPr/>
+        </p:nvPicPr>
+        <p:blipFill rotWithShape="1">
+          <a:blip r:embed="rId3"/>
+          <a:srcRect b="49672"/>
+          <a:stretch/>
+        </p:blipFill>
+        <p:spPr>
+          <a:xfrm>
+            <a:off x="4919861" y="2931689"/>
+            <a:ext cx="6800850" cy="3135086"/>
+          </a:xfrm>
+          <a:prstGeom prst="rect">
+            <a:avLst/>
+          </a:prstGeom>
+        </p:spPr>
+      </p:pic>
+      <p:pic>
+        <p:nvPicPr>
+          <p:cNvPr id="11" name="圖片 10">
+            <a:extLst>
+              <a:ext uri="{FF2B5EF4-FFF2-40B4-BE49-F238E27FC236}">
+                <a16:creationId xmlns:a16="http://schemas.microsoft.com/office/drawing/2014/main" id="{63C8B4B4-B607-468E-8F1D-646F5AD401F4}"/>
+              </a:ext>
+            </a:extLst>
+          </p:cNvPr>
+          <p:cNvPicPr>
+            <a:picLocks noChangeAspect="1"/>
+          </p:cNvPicPr>
+          <p:nvPr/>
+        </p:nvPicPr>
+        <p:blipFill>
+          <a:blip r:embed="rId4"/>
+          <a:stretch>
+            <a:fillRect/>
+          </a:stretch>
+        </p:blipFill>
+        <p:spPr>
+          <a:xfrm>
+            <a:off x="937084" y="3261358"/>
+            <a:ext cx="2686050" cy="2686050"/>
+          </a:xfrm>
+          <a:prstGeom prst="rect">
+            <a:avLst/>
+          </a:prstGeom>
+        </p:spPr>
+      </p:pic>
+      <p:sp>
+        <p:nvSpPr>
+          <p:cNvPr id="12" name="箭號: 向右 11">
+            <a:extLst>
+              <a:ext uri="{FF2B5EF4-FFF2-40B4-BE49-F238E27FC236}">
+                <a16:creationId xmlns:a16="http://schemas.microsoft.com/office/drawing/2014/main" id="{8BBC02DB-A305-4567-BCDF-AD5E53A63428}"/>
+              </a:ext>
+            </a:extLst>
+          </p:cNvPr>
+          <p:cNvSpPr/>
+          <p:nvPr/>
+        </p:nvSpPr>
+        <p:spPr>
+          <a:xfrm rot="6150506">
+            <a:off x="1692280" y="2776024"/>
+            <a:ext cx="1175657" cy="311331"/>
+          </a:xfrm>
+          <a:prstGeom prst="rightArrow">
+            <a:avLst/>
+          </a:prstGeom>
+        </p:spPr>
+        <p:style>
+          <a:lnRef idx="2">
+            <a:schemeClr val="accent1">
+              <a:shade val="50000"/>
+            </a:schemeClr>
+          </a:lnRef>
+          <a:fillRef idx="1">
+            <a:schemeClr val="accent1"/>
+          </a:fillRef>
+          <a:effectRef idx="0">
+            <a:schemeClr val="accent1"/>
+          </a:effectRef>
+          <a:fontRef idx="minor">
+            <a:schemeClr val="lt1"/>
+          </a:fontRef>
+        </p:style>
+        <p:txBody>
+          <a:bodyPr rtlCol="0" anchor="ctr"/>
+          <a:lstStyle/>
+          <a:p>
+            <a:pPr algn="ctr"/>
+            <a:endParaRPr lang="zh-TW" altLang="en-US"/>
+          </a:p>
+        </p:txBody>
+      </p:sp>
+      <p:sp>
+        <p:nvSpPr>
+          <p:cNvPr id="13" name="箭號: 向右 12">
+            <a:extLst>
+              <a:ext uri="{FF2B5EF4-FFF2-40B4-BE49-F238E27FC236}">
+                <a16:creationId xmlns:a16="http://schemas.microsoft.com/office/drawing/2014/main" id="{161C18EA-ECD8-4F55-B4B3-51BE50B25314}"/>
+              </a:ext>
+            </a:extLst>
+          </p:cNvPr>
+          <p:cNvSpPr/>
+          <p:nvPr/>
+        </p:nvSpPr>
+        <p:spPr>
+          <a:xfrm rot="219277">
+            <a:off x="2571450" y="4964357"/>
+            <a:ext cx="3090791" cy="476925"/>
+          </a:xfrm>
+          <a:prstGeom prst="rightArrow">
+            <a:avLst/>
+          </a:prstGeom>
+        </p:spPr>
+        <p:style>
+          <a:lnRef idx="2">
+            <a:schemeClr val="accent1">
+              <a:shade val="50000"/>
+            </a:schemeClr>
+          </a:lnRef>
+          <a:fillRef idx="1">
+            <a:schemeClr val="accent1"/>
+          </a:fillRef>
+          <a:effectRef idx="0">
+            <a:schemeClr val="accent1"/>
+          </a:effectRef>
+          <a:fontRef idx="minor">
+            <a:schemeClr val="lt1"/>
+          </a:fontRef>
+        </p:style>
+        <p:txBody>
+          <a:bodyPr rtlCol="0" anchor="ctr"/>
+          <a:lstStyle/>
+          <a:p>
+            <a:pPr algn="ctr"/>
+            <a:endParaRPr lang="zh-TW" altLang="en-US"/>
+          </a:p>
+        </p:txBody>
+      </p:sp>
+      <p:sp>
+        <p:nvSpPr>
+          <p:cNvPr id="14" name="箭號: 向右 13">
+            <a:extLst>
+              <a:ext uri="{FF2B5EF4-FFF2-40B4-BE49-F238E27FC236}">
+                <a16:creationId xmlns:a16="http://schemas.microsoft.com/office/drawing/2014/main" id="{1C319963-442A-423E-83A5-EF5A45AE5A26}"/>
+              </a:ext>
+            </a:extLst>
+          </p:cNvPr>
+          <p:cNvSpPr/>
+          <p:nvPr/>
+        </p:nvSpPr>
+        <p:spPr>
+          <a:xfrm rot="16200000">
+            <a:off x="8133573" y="2625761"/>
+            <a:ext cx="1350113" cy="476925"/>
+          </a:xfrm>
+          <a:prstGeom prst="rightArrow">
+            <a:avLst/>
+          </a:prstGeom>
+        </p:spPr>
+        <p:style>
+          <a:lnRef idx="2">
+            <a:schemeClr val="accent1">
+              <a:shade val="50000"/>
+            </a:schemeClr>
+          </a:lnRef>
+          <a:fillRef idx="1">
+            <a:schemeClr val="accent1"/>
+          </a:fillRef>
+          <a:effectRef idx="0">
+            <a:schemeClr val="accent1"/>
+          </a:effectRef>
+          <a:fontRef idx="minor">
+            <a:schemeClr val="lt1"/>
+          </a:fontRef>
+        </p:style>
+        <p:txBody>
+          <a:bodyPr rtlCol="0" anchor="ctr"/>
+          <a:lstStyle/>
+          <a:p>
+            <a:pPr algn="ctr"/>
+            <a:endParaRPr lang="zh-TW" altLang="en-US"/>
+          </a:p>
+        </p:txBody>
+      </p:sp>
+      <p:pic>
+        <p:nvPicPr>
+          <p:cNvPr id="16" name="圖片 15">
+            <a:extLst>
+              <a:ext uri="{FF2B5EF4-FFF2-40B4-BE49-F238E27FC236}">
+                <a16:creationId xmlns:a16="http://schemas.microsoft.com/office/drawing/2014/main" id="{511B6387-02DD-42AC-BEE8-4182F64E781E}"/>
+              </a:ext>
+            </a:extLst>
+          </p:cNvPr>
+          <p:cNvPicPr>
+            <a:picLocks noChangeAspect="1"/>
+          </p:cNvPicPr>
+          <p:nvPr/>
+        </p:nvPicPr>
+        <p:blipFill>
+          <a:blip r:embed="rId5"/>
+          <a:stretch>
+            <a:fillRect/>
+          </a:stretch>
+        </p:blipFill>
+        <p:spPr>
+          <a:xfrm>
+            <a:off x="4571810" y="340302"/>
+            <a:ext cx="7496951" cy="1618389"/>
+          </a:xfrm>
+          <a:prstGeom prst="rect">
+            <a:avLst/>
+          </a:prstGeom>
+        </p:spPr>
+      </p:pic>
+    </p:spTree>
+    <p:extLst>
+      <p:ext uri="{BB962C8B-B14F-4D97-AF65-F5344CB8AC3E}">
+        <p14:creationId xmlns:p14="http://schemas.microsoft.com/office/powerpoint/2010/main" val="2364918243"/>
+      </p:ext>
+    </p:extLst>
+  </p:cSld>
+  <p:clrMapOvr>
+    <a:masterClrMapping/>
+  </p:clrMapOvr>
+</p:sld>
+</file>
+
+<file path=ppt/slides/slide26.xml><?xml version="1.0" encoding="utf-8"?>
+<p:sld xmlns:a="http://schemas.openxmlformats.org/drawingml/2006/main" xmlns:r="http://schemas.openxmlformats.org/officeDocument/2006/relationships" xmlns:p="http://schemas.openxmlformats.org/presentationml/2006/main">
+  <p:cSld>
+    <p:spTree>
+      <p:nvGrpSpPr>
+        <p:cNvPr id="1" name=""/>
+        <p:cNvGrpSpPr/>
+        <p:nvPr/>
+      </p:nvGrpSpPr>
+      <p:grpSpPr>
+        <a:xfrm>
+          <a:off x="0" y="0"/>
+          <a:ext cx="0" cy="0"/>
+          <a:chOff x="0" y="0"/>
+          <a:chExt cx="0" cy="0"/>
+        </a:xfrm>
+      </p:grpSpPr>
+      <p:sp>
+        <p:nvSpPr>
+          <p:cNvPr id="2" name="標題 1">
+            <a:extLst>
+              <a:ext uri="{FF2B5EF4-FFF2-40B4-BE49-F238E27FC236}">
+                <a16:creationId xmlns:a16="http://schemas.microsoft.com/office/drawing/2014/main" id="{325F0D5C-653F-45AE-833E-53C864EA5B1C}"/>
+              </a:ext>
+            </a:extLst>
+          </p:cNvPr>
+          <p:cNvSpPr>
+            <a:spLocks noGrp="1"/>
+          </p:cNvSpPr>
+          <p:nvPr>
+            <p:ph type="title"/>
+          </p:nvPr>
+        </p:nvSpPr>
+        <p:spPr/>
+        <p:txBody>
+          <a:bodyPr/>
+          <a:lstStyle/>
+          <a:p>
+            <a:r>
+              <a:rPr lang="en-US" altLang="zh-TW" dirty="0"/>
+              <a:t>Export</a:t>
+            </a:r>
+            <a:endParaRPr lang="zh-TW" altLang="en-US" dirty="0"/>
+          </a:p>
+        </p:txBody>
+      </p:sp>
+      <p:pic>
+        <p:nvPicPr>
+          <p:cNvPr id="5" name="圖片 4">
+            <a:extLst>
+              <a:ext uri="{FF2B5EF4-FFF2-40B4-BE49-F238E27FC236}">
+                <a16:creationId xmlns:a16="http://schemas.microsoft.com/office/drawing/2014/main" id="{7443D300-F59B-48F7-8CAF-66D66563B977}"/>
+              </a:ext>
+            </a:extLst>
+          </p:cNvPr>
+          <p:cNvPicPr>
+            <a:picLocks noChangeAspect="1"/>
+          </p:cNvPicPr>
+          <p:nvPr/>
+        </p:nvPicPr>
+        <p:blipFill>
+          <a:blip r:embed="rId2"/>
+          <a:stretch>
+            <a:fillRect/>
+          </a:stretch>
+        </p:blipFill>
+        <p:spPr>
+          <a:xfrm>
+            <a:off x="528637" y="2239899"/>
+            <a:ext cx="6048375" cy="476250"/>
+          </a:xfrm>
+          <a:prstGeom prst="rect">
+            <a:avLst/>
+          </a:prstGeom>
+        </p:spPr>
+      </p:pic>
+      <p:pic>
+        <p:nvPicPr>
+          <p:cNvPr id="9" name="圖片 8">
+            <a:extLst>
+              <a:ext uri="{FF2B5EF4-FFF2-40B4-BE49-F238E27FC236}">
+                <a16:creationId xmlns:a16="http://schemas.microsoft.com/office/drawing/2014/main" id="{B7E185EA-778C-46E8-AA0E-3EEAC565764B}"/>
+              </a:ext>
+            </a:extLst>
+          </p:cNvPr>
+          <p:cNvPicPr>
+            <a:picLocks noChangeAspect="1"/>
+          </p:cNvPicPr>
+          <p:nvPr/>
+        </p:nvPicPr>
+        <p:blipFill>
+          <a:blip r:embed="rId3"/>
+          <a:stretch>
+            <a:fillRect/>
+          </a:stretch>
+        </p:blipFill>
+        <p:spPr>
+          <a:xfrm>
+            <a:off x="528637" y="3199257"/>
+            <a:ext cx="4791075" cy="2438400"/>
+          </a:xfrm>
+          <a:prstGeom prst="rect">
+            <a:avLst/>
+          </a:prstGeom>
+        </p:spPr>
+      </p:pic>
+      <p:pic>
+        <p:nvPicPr>
+          <p:cNvPr id="11" name="圖片 10">
+            <a:extLst>
+              <a:ext uri="{FF2B5EF4-FFF2-40B4-BE49-F238E27FC236}">
+                <a16:creationId xmlns:a16="http://schemas.microsoft.com/office/drawing/2014/main" id="{CEAC274F-5197-49D7-96BC-55917C342720}"/>
+              </a:ext>
+            </a:extLst>
+          </p:cNvPr>
+          <p:cNvPicPr>
+            <a:picLocks noChangeAspect="1"/>
+          </p:cNvPicPr>
+          <p:nvPr/>
+        </p:nvPicPr>
+        <p:blipFill>
+          <a:blip r:embed="rId4"/>
+          <a:stretch>
+            <a:fillRect/>
+          </a:stretch>
+        </p:blipFill>
+        <p:spPr>
+          <a:xfrm>
+            <a:off x="7453313" y="1138428"/>
+            <a:ext cx="4210050" cy="5334000"/>
+          </a:xfrm>
+          <a:prstGeom prst="rect">
+            <a:avLst/>
+          </a:prstGeom>
+        </p:spPr>
+      </p:pic>
+      <p:sp>
+        <p:nvSpPr>
+          <p:cNvPr id="12" name="箭號: 向右 11">
+            <a:extLst>
+              <a:ext uri="{FF2B5EF4-FFF2-40B4-BE49-F238E27FC236}">
+                <a16:creationId xmlns:a16="http://schemas.microsoft.com/office/drawing/2014/main" id="{AAD5A4D3-981B-4372-92D4-53C628604B86}"/>
+              </a:ext>
+            </a:extLst>
+          </p:cNvPr>
+          <p:cNvSpPr/>
+          <p:nvPr/>
+        </p:nvSpPr>
+        <p:spPr>
+          <a:xfrm rot="6150506">
+            <a:off x="1852879" y="3011244"/>
+            <a:ext cx="854371" cy="311331"/>
+          </a:xfrm>
+          <a:prstGeom prst="rightArrow">
+            <a:avLst/>
+          </a:prstGeom>
+        </p:spPr>
+        <p:style>
+          <a:lnRef idx="2">
+            <a:schemeClr val="accent1">
+              <a:shade val="50000"/>
+            </a:schemeClr>
+          </a:lnRef>
+          <a:fillRef idx="1">
+            <a:schemeClr val="accent1"/>
+          </a:fillRef>
+          <a:effectRef idx="0">
+            <a:schemeClr val="accent1"/>
+          </a:effectRef>
+          <a:fontRef idx="minor">
+            <a:schemeClr val="lt1"/>
+          </a:fontRef>
+        </p:style>
+        <p:txBody>
+          <a:bodyPr rtlCol="0" anchor="ctr"/>
+          <a:lstStyle/>
+          <a:p>
+            <a:pPr algn="ctr"/>
+            <a:endParaRPr lang="zh-TW" altLang="en-US"/>
+          </a:p>
+        </p:txBody>
+      </p:sp>
+      <p:sp>
+        <p:nvSpPr>
+          <p:cNvPr id="13" name="箭號: 向右 12">
+            <a:extLst>
+              <a:ext uri="{FF2B5EF4-FFF2-40B4-BE49-F238E27FC236}">
+                <a16:creationId xmlns:a16="http://schemas.microsoft.com/office/drawing/2014/main" id="{47E48F30-0B17-486E-965A-A30C64F4CBD3}"/>
+              </a:ext>
+            </a:extLst>
+          </p:cNvPr>
+          <p:cNvSpPr/>
+          <p:nvPr/>
+        </p:nvSpPr>
+        <p:spPr>
+          <a:xfrm rot="20550152">
+            <a:off x="5293705" y="3623999"/>
+            <a:ext cx="2185615" cy="476925"/>
+          </a:xfrm>
+          <a:prstGeom prst="rightArrow">
+            <a:avLst/>
+          </a:prstGeom>
+        </p:spPr>
+        <p:style>
+          <a:lnRef idx="2">
+            <a:schemeClr val="accent1">
+              <a:shade val="50000"/>
+            </a:schemeClr>
+          </a:lnRef>
+          <a:fillRef idx="1">
+            <a:schemeClr val="accent1"/>
+          </a:fillRef>
+          <a:effectRef idx="0">
+            <a:schemeClr val="accent1"/>
+          </a:effectRef>
+          <a:fontRef idx="minor">
+            <a:schemeClr val="lt1"/>
+          </a:fontRef>
+        </p:style>
+        <p:txBody>
+          <a:bodyPr rtlCol="0" anchor="ctr"/>
+          <a:lstStyle/>
+          <a:p>
+            <a:pPr algn="ctr"/>
+            <a:endParaRPr lang="zh-TW" altLang="en-US"/>
+          </a:p>
+        </p:txBody>
+      </p:sp>
+    </p:spTree>
+    <p:extLst>
+      <p:ext uri="{BB962C8B-B14F-4D97-AF65-F5344CB8AC3E}">
+        <p14:creationId xmlns:p14="http://schemas.microsoft.com/office/powerpoint/2010/main" val="3939644522"/>
+      </p:ext>
+    </p:extLst>
+  </p:cSld>
+  <p:clrMapOvr>
+    <a:masterClrMapping/>
+  </p:clrMapOvr>
+</p:sld>
+</file>
+
+<file path=ppt/slides/slide27.xml><?xml version="1.0" encoding="utf-8"?>
+<p:sld xmlns:a="http://schemas.openxmlformats.org/drawingml/2006/main" xmlns:r="http://schemas.openxmlformats.org/officeDocument/2006/relationships" xmlns:p="http://schemas.openxmlformats.org/presentationml/2006/main">
+  <p:cSld>
+    <p:spTree>
+      <p:nvGrpSpPr>
+        <p:cNvPr id="1" name=""/>
+        <p:cNvGrpSpPr/>
+        <p:nvPr/>
+      </p:nvGrpSpPr>
+      <p:grpSpPr>
+        <a:xfrm>
+          <a:off x="0" y="0"/>
+          <a:ext cx="0" cy="0"/>
+          <a:chOff x="0" y="0"/>
+          <a:chExt cx="0" cy="0"/>
+        </a:xfrm>
+      </p:grpSpPr>
+      <p:sp>
+        <p:nvSpPr>
+          <p:cNvPr id="2" name="標題 1">
+            <a:extLst>
+              <a:ext uri="{FF2B5EF4-FFF2-40B4-BE49-F238E27FC236}">
+                <a16:creationId xmlns:a16="http://schemas.microsoft.com/office/drawing/2014/main" id="{325F0D5C-653F-45AE-833E-53C864EA5B1C}"/>
+              </a:ext>
+            </a:extLst>
+          </p:cNvPr>
+          <p:cNvSpPr>
+            <a:spLocks noGrp="1"/>
+          </p:cNvSpPr>
+          <p:nvPr>
+            <p:ph type="title"/>
+          </p:nvPr>
+        </p:nvSpPr>
+        <p:spPr/>
+        <p:txBody>
+          <a:bodyPr/>
+          <a:lstStyle/>
+          <a:p>
+            <a:r>
+              <a:rPr lang="en-US" altLang="zh-TW" dirty="0"/>
+              <a:t>Export</a:t>
+            </a:r>
+            <a:endParaRPr lang="zh-TW" altLang="en-US" dirty="0"/>
+          </a:p>
+        </p:txBody>
+      </p:sp>
+      <p:pic>
+        <p:nvPicPr>
+          <p:cNvPr id="4" name="圖片 3">
+            <a:extLst>
+              <a:ext uri="{FF2B5EF4-FFF2-40B4-BE49-F238E27FC236}">
+                <a16:creationId xmlns:a16="http://schemas.microsoft.com/office/drawing/2014/main" id="{513D42E9-53AF-4A32-BDA1-FE2B356E4A29}"/>
+              </a:ext>
+            </a:extLst>
+          </p:cNvPr>
+          <p:cNvPicPr>
+            <a:picLocks noChangeAspect="1"/>
+          </p:cNvPicPr>
+          <p:nvPr/>
+        </p:nvPicPr>
+        <p:blipFill>
+          <a:blip r:embed="rId2"/>
+          <a:stretch>
+            <a:fillRect/>
+          </a:stretch>
+        </p:blipFill>
+        <p:spPr>
+          <a:xfrm>
+            <a:off x="4426968" y="0"/>
+            <a:ext cx="5262113" cy="6858000"/>
+          </a:xfrm>
+          <a:prstGeom prst="rect">
+            <a:avLst/>
+          </a:prstGeom>
+        </p:spPr>
+      </p:pic>
+    </p:spTree>
+    <p:extLst>
+      <p:ext uri="{BB962C8B-B14F-4D97-AF65-F5344CB8AC3E}">
+        <p14:creationId xmlns:p14="http://schemas.microsoft.com/office/powerpoint/2010/main" val="2623324145"/>
+      </p:ext>
+    </p:extLst>
+  </p:cSld>
+  <p:clrMapOvr>
+    <a:masterClrMapping/>
+  </p:clrMapOvr>
+</p:sld>
+</file>
+
+<file path=ppt/slides/slide28.xml><?xml version="1.0" encoding="utf-8"?>
 <p:sld xmlns:a="http://schemas.openxmlformats.org/drawingml/2006/main" xmlns:r="http://schemas.openxmlformats.org/officeDocument/2006/relationships" xmlns:p="http://schemas.openxmlformats.org/presentationml/2006/main">
   <p:cSld>
     <p:spTree>
@@ -13130,7 +15613,7 @@
             <a:pPr algn="ctr"/>
             <a:r>
               <a:rPr lang="en-US" altLang="zh-TW" sz="7200" dirty="0"/>
-              <a:t>Let’s start with </a:t>
+              <a:t>Back to </a:t>
             </a:r>
             <a:r>
               <a:rPr lang="en-US" altLang="zh-TW" sz="7200" dirty="0" err="1"/>
@@ -13238,7 +15721,7 @@
     </p:spTree>
     <p:extLst>
       <p:ext uri="{BB962C8B-B14F-4D97-AF65-F5344CB8AC3E}">
-        <p14:creationId xmlns:p14="http://schemas.microsoft.com/office/powerpoint/2010/main" val="1802202182"/>
+        <p14:creationId xmlns:p14="http://schemas.microsoft.com/office/powerpoint/2010/main" val="3837060260"/>
       </p:ext>
     </p:extLst>
   </p:cSld>
@@ -13248,7 +15731,7 @@
 </p:sld>
 </file>
 
-<file path=ppt/slides/slide20.xml><?xml version="1.0" encoding="utf-8"?>
+<file path=ppt/slides/slide29.xml><?xml version="1.0" encoding="utf-8"?>
 <p:sld xmlns:a="http://schemas.openxmlformats.org/drawingml/2006/main" xmlns:r="http://schemas.openxmlformats.org/officeDocument/2006/relationships" xmlns:p="http://schemas.openxmlformats.org/presentationml/2006/main">
   <p:cSld>
     <p:spTree>
@@ -13270,7 +15753,7 @@
           <p:cNvPr id="2" name="標題 1">
             <a:extLst>
               <a:ext uri="{FF2B5EF4-FFF2-40B4-BE49-F238E27FC236}">
-                <a16:creationId xmlns:a16="http://schemas.microsoft.com/office/drawing/2014/main" id="{93048374-F638-4A45-B565-8E46C4C95AF1}"/>
+                <a16:creationId xmlns:a16="http://schemas.microsoft.com/office/drawing/2014/main" id="{362D9E28-07F6-4499-BEE7-8207E340A34B}"/>
               </a:ext>
             </a:extLst>
           </p:cNvPr>
@@ -13288,18 +15771,43 @@
           <a:p>
             <a:r>
               <a:rPr lang="en-US" altLang="zh-TW" dirty="0"/>
-              <a:t>Cond1</a:t>
+              <a:t>Design Layout</a:t>
             </a:r>
             <a:endParaRPr lang="zh-TW" altLang="en-US" dirty="0"/>
           </a:p>
         </p:txBody>
       </p:sp>
+      <p:sp>
+        <p:nvSpPr>
+          <p:cNvPr id="3" name="內容版面配置區 2">
+            <a:extLst>
+              <a:ext uri="{FF2B5EF4-FFF2-40B4-BE49-F238E27FC236}">
+                <a16:creationId xmlns:a16="http://schemas.microsoft.com/office/drawing/2014/main" id="{75679DA3-B161-45E9-99EC-244EDB701156}"/>
+              </a:ext>
+            </a:extLst>
+          </p:cNvPr>
+          <p:cNvSpPr>
+            <a:spLocks noGrp="1"/>
+          </p:cNvSpPr>
+          <p:nvPr>
+            <p:ph idx="1"/>
+          </p:nvPr>
+        </p:nvSpPr>
+        <p:spPr/>
+        <p:txBody>
+          <a:bodyPr/>
+          <a:lstStyle/>
+          <a:p>
+            <a:endParaRPr lang="zh-TW" altLang="en-US"/>
+          </a:p>
+        </p:txBody>
+      </p:sp>
       <p:pic>
         <p:nvPicPr>
-          <p:cNvPr id="4" name="圖片 3">
-            <a:extLst>
-              <a:ext uri="{FF2B5EF4-FFF2-40B4-BE49-F238E27FC236}">
-                <a16:creationId xmlns:a16="http://schemas.microsoft.com/office/drawing/2014/main" id="{19239EFD-FB82-485E-98E7-DDEDD1627C9B}"/>
+          <p:cNvPr id="5" name="圖片 4">
+            <a:extLst>
+              <a:ext uri="{FF2B5EF4-FFF2-40B4-BE49-F238E27FC236}">
+                <a16:creationId xmlns:a16="http://schemas.microsoft.com/office/drawing/2014/main" id="{2FEA009D-F0A6-4B47-B36B-B4280C1C1125}"/>
               </a:ext>
             </a:extLst>
           </p:cNvPr>
@@ -13316,18 +15824,126 @@
         </p:blipFill>
         <p:spPr>
           <a:xfrm>
-            <a:off x="957262" y="2143125"/>
-            <a:ext cx="10277475" cy="2571750"/>
+            <a:off x="1250050" y="1931416"/>
+            <a:ext cx="9534525" cy="4629150"/>
           </a:xfrm>
           <a:prstGeom prst="rect">
             <a:avLst/>
           </a:prstGeom>
         </p:spPr>
       </p:pic>
+      <p:sp>
+        <p:nvSpPr>
+          <p:cNvPr id="6" name="矩形 5">
+            <a:extLst>
+              <a:ext uri="{FF2B5EF4-FFF2-40B4-BE49-F238E27FC236}">
+                <a16:creationId xmlns:a16="http://schemas.microsoft.com/office/drawing/2014/main" id="{311D183A-AADE-4F0C-876F-EF7E0F9E875D}"/>
+              </a:ext>
+            </a:extLst>
+          </p:cNvPr>
+          <p:cNvSpPr/>
+          <p:nvPr/>
+        </p:nvSpPr>
+        <p:spPr>
+          <a:xfrm>
+            <a:off x="4650710" y="4874623"/>
+            <a:ext cx="826982" cy="272143"/>
+          </a:xfrm>
+          <a:prstGeom prst="rect">
+            <a:avLst/>
+          </a:prstGeom>
+          <a:noFill/>
+          <a:ln w="9525" cap="flat" cmpd="sng" algn="ctr">
+            <a:solidFill>
+              <a:schemeClr val="dk1"/>
+            </a:solidFill>
+            <a:prstDash val="solid"/>
+            <a:round/>
+            <a:headEnd type="none" w="med" len="med"/>
+            <a:tailEnd type="none" w="med" len="med"/>
+          </a:ln>
+        </p:spPr>
+        <p:style>
+          <a:lnRef idx="0">
+            <a:scrgbClr r="0" g="0" b="0"/>
+          </a:lnRef>
+          <a:fillRef idx="0">
+            <a:scrgbClr r="0" g="0" b="0"/>
+          </a:fillRef>
+          <a:effectRef idx="0">
+            <a:scrgbClr r="0" g="0" b="0"/>
+          </a:effectRef>
+          <a:fontRef idx="minor">
+            <a:schemeClr val="dk1"/>
+          </a:fontRef>
+        </p:style>
+        <p:txBody>
+          <a:bodyPr rtlCol="0" anchor="ctr"/>
+          <a:lstStyle/>
+          <a:p>
+            <a:pPr algn="ctr"/>
+            <a:endParaRPr lang="zh-TW" altLang="en-US" dirty="0"/>
+          </a:p>
+        </p:txBody>
+      </p:sp>
+      <p:sp>
+        <p:nvSpPr>
+          <p:cNvPr id="7" name="矩形 6">
+            <a:extLst>
+              <a:ext uri="{FF2B5EF4-FFF2-40B4-BE49-F238E27FC236}">
+                <a16:creationId xmlns:a16="http://schemas.microsoft.com/office/drawing/2014/main" id="{6A10E0A7-5CCB-447B-B3EE-395259885CBC}"/>
+              </a:ext>
+            </a:extLst>
+          </p:cNvPr>
+          <p:cNvSpPr/>
+          <p:nvPr/>
+        </p:nvSpPr>
+        <p:spPr>
+          <a:xfrm>
+            <a:off x="4811818" y="5650558"/>
+            <a:ext cx="317530" cy="272143"/>
+          </a:xfrm>
+          <a:prstGeom prst="rect">
+            <a:avLst/>
+          </a:prstGeom>
+          <a:noFill/>
+          <a:ln w="9525" cap="flat" cmpd="sng" algn="ctr">
+            <a:solidFill>
+              <a:schemeClr val="dk1"/>
+            </a:solidFill>
+            <a:prstDash val="solid"/>
+            <a:round/>
+            <a:headEnd type="none" w="med" len="med"/>
+            <a:tailEnd type="none" w="med" len="med"/>
+          </a:ln>
+        </p:spPr>
+        <p:style>
+          <a:lnRef idx="0">
+            <a:scrgbClr r="0" g="0" b="0"/>
+          </a:lnRef>
+          <a:fillRef idx="0">
+            <a:scrgbClr r="0" g="0" b="0"/>
+          </a:fillRef>
+          <a:effectRef idx="0">
+            <a:scrgbClr r="0" g="0" b="0"/>
+          </a:effectRef>
+          <a:fontRef idx="minor">
+            <a:schemeClr val="dk1"/>
+          </a:fontRef>
+        </p:style>
+        <p:txBody>
+          <a:bodyPr rtlCol="0" anchor="ctr"/>
+          <a:lstStyle/>
+          <a:p>
+            <a:pPr algn="ctr"/>
+            <a:endParaRPr lang="zh-TW" altLang="en-US" dirty="0"/>
+          </a:p>
+        </p:txBody>
+      </p:sp>
     </p:spTree>
     <p:extLst>
       <p:ext uri="{BB962C8B-B14F-4D97-AF65-F5344CB8AC3E}">
-        <p14:creationId xmlns:p14="http://schemas.microsoft.com/office/powerpoint/2010/main" val="3457477268"/>
+        <p14:creationId xmlns:p14="http://schemas.microsoft.com/office/powerpoint/2010/main" val="2285337374"/>
       </p:ext>
     </p:extLst>
   </p:cSld>
@@ -13337,1003 +15953,7 @@
 </p:sld>
 </file>
 
-<file path=ppt/slides/slide21.xml><?xml version="1.0" encoding="utf-8"?>
-<p:sld xmlns:a="http://schemas.openxmlformats.org/drawingml/2006/main" xmlns:r="http://schemas.openxmlformats.org/officeDocument/2006/relationships" xmlns:p="http://schemas.openxmlformats.org/presentationml/2006/main">
-  <p:cSld>
-    <p:spTree>
-      <p:nvGrpSpPr>
-        <p:cNvPr id="1" name=""/>
-        <p:cNvGrpSpPr/>
-        <p:nvPr/>
-      </p:nvGrpSpPr>
-      <p:grpSpPr>
-        <a:xfrm>
-          <a:off x="0" y="0"/>
-          <a:ext cx="0" cy="0"/>
-          <a:chOff x="0" y="0"/>
-          <a:chExt cx="0" cy="0"/>
-        </a:xfrm>
-      </p:grpSpPr>
-      <p:sp>
-        <p:nvSpPr>
-          <p:cNvPr id="2" name="標題 1">
-            <a:extLst>
-              <a:ext uri="{FF2B5EF4-FFF2-40B4-BE49-F238E27FC236}">
-                <a16:creationId xmlns:a16="http://schemas.microsoft.com/office/drawing/2014/main" id="{93048374-F638-4A45-B565-8E46C4C95AF1}"/>
-              </a:ext>
-            </a:extLst>
-          </p:cNvPr>
-          <p:cNvSpPr>
-            <a:spLocks noGrp="1"/>
-          </p:cNvSpPr>
-          <p:nvPr>
-            <p:ph type="title"/>
-          </p:nvPr>
-        </p:nvSpPr>
-        <p:spPr/>
-        <p:txBody>
-          <a:bodyPr/>
-          <a:lstStyle/>
-          <a:p>
-            <a:r>
-              <a:rPr lang="en-US" altLang="zh-TW" dirty="0"/>
-              <a:t>Cond2</a:t>
-            </a:r>
-            <a:endParaRPr lang="zh-TW" altLang="en-US" dirty="0"/>
-          </a:p>
-        </p:txBody>
-      </p:sp>
-      <p:pic>
-        <p:nvPicPr>
-          <p:cNvPr id="25" name="圖片 24">
-            <a:extLst>
-              <a:ext uri="{FF2B5EF4-FFF2-40B4-BE49-F238E27FC236}">
-                <a16:creationId xmlns:a16="http://schemas.microsoft.com/office/drawing/2014/main" id="{756B1DBE-8DC3-4FCD-B324-7CEEE9AD50B7}"/>
-              </a:ext>
-            </a:extLst>
-          </p:cNvPr>
-          <p:cNvPicPr>
-            <a:picLocks noChangeAspect="1"/>
-          </p:cNvPicPr>
-          <p:nvPr/>
-        </p:nvPicPr>
-        <p:blipFill>
-          <a:blip r:embed="rId2"/>
-          <a:stretch>
-            <a:fillRect/>
-          </a:stretch>
-        </p:blipFill>
-        <p:spPr>
-          <a:xfrm>
-            <a:off x="206985" y="2211707"/>
-            <a:ext cx="10277475" cy="3638550"/>
-          </a:xfrm>
-          <a:prstGeom prst="rect">
-            <a:avLst/>
-          </a:prstGeom>
-        </p:spPr>
-      </p:pic>
-      <p:pic>
-        <p:nvPicPr>
-          <p:cNvPr id="9" name="圖片 8">
-            <a:extLst>
-              <a:ext uri="{FF2B5EF4-FFF2-40B4-BE49-F238E27FC236}">
-                <a16:creationId xmlns:a16="http://schemas.microsoft.com/office/drawing/2014/main" id="{F81D37BC-A1B7-4F70-AD09-6CD6A05D7FC2}"/>
-              </a:ext>
-            </a:extLst>
-          </p:cNvPr>
-          <p:cNvPicPr>
-            <a:picLocks noChangeAspect="1"/>
-          </p:cNvPicPr>
-          <p:nvPr/>
-        </p:nvPicPr>
-        <p:blipFill>
-          <a:blip r:embed="rId3"/>
-          <a:stretch>
-            <a:fillRect/>
-          </a:stretch>
-        </p:blipFill>
-        <p:spPr>
-          <a:xfrm>
-            <a:off x="4417036" y="556641"/>
-            <a:ext cx="4905375" cy="1171575"/>
-          </a:xfrm>
-          <a:prstGeom prst="rect">
-            <a:avLst/>
-          </a:prstGeom>
-        </p:spPr>
-      </p:pic>
-    </p:spTree>
-    <p:extLst>
-      <p:ext uri="{BB962C8B-B14F-4D97-AF65-F5344CB8AC3E}">
-        <p14:creationId xmlns:p14="http://schemas.microsoft.com/office/powerpoint/2010/main" val="1086123593"/>
-      </p:ext>
-    </p:extLst>
-  </p:cSld>
-  <p:clrMapOvr>
-    <a:masterClrMapping/>
-  </p:clrMapOvr>
-</p:sld>
-</file>
-
-<file path=ppt/slides/slide22.xml><?xml version="1.0" encoding="utf-8"?>
-<p:sld xmlns:a="http://schemas.openxmlformats.org/drawingml/2006/main" xmlns:r="http://schemas.openxmlformats.org/officeDocument/2006/relationships" xmlns:p="http://schemas.openxmlformats.org/presentationml/2006/main">
-  <p:cSld>
-    <p:spTree>
-      <p:nvGrpSpPr>
-        <p:cNvPr id="1" name=""/>
-        <p:cNvGrpSpPr/>
-        <p:nvPr/>
-      </p:nvGrpSpPr>
-      <p:grpSpPr>
-        <a:xfrm>
-          <a:off x="0" y="0"/>
-          <a:ext cx="0" cy="0"/>
-          <a:chOff x="0" y="0"/>
-          <a:chExt cx="0" cy="0"/>
-        </a:xfrm>
-      </p:grpSpPr>
-      <p:sp>
-        <p:nvSpPr>
-          <p:cNvPr id="2" name="標題 1">
-            <a:extLst>
-              <a:ext uri="{FF2B5EF4-FFF2-40B4-BE49-F238E27FC236}">
-                <a16:creationId xmlns:a16="http://schemas.microsoft.com/office/drawing/2014/main" id="{93048374-F638-4A45-B565-8E46C4C95AF1}"/>
-              </a:ext>
-            </a:extLst>
-          </p:cNvPr>
-          <p:cNvSpPr>
-            <a:spLocks noGrp="1"/>
-          </p:cNvSpPr>
-          <p:nvPr>
-            <p:ph type="title"/>
-          </p:nvPr>
-        </p:nvSpPr>
-        <p:spPr/>
-        <p:txBody>
-          <a:bodyPr/>
-          <a:lstStyle/>
-          <a:p>
-            <a:r>
-              <a:rPr lang="en-US" altLang="zh-TW" dirty="0"/>
-              <a:t>MTurk1</a:t>
-            </a:r>
-            <a:endParaRPr lang="zh-TW" altLang="en-US" dirty="0"/>
-          </a:p>
-        </p:txBody>
-      </p:sp>
-      <p:pic>
-        <p:nvPicPr>
-          <p:cNvPr id="5" name="圖片 4">
-            <a:extLst>
-              <a:ext uri="{FF2B5EF4-FFF2-40B4-BE49-F238E27FC236}">
-                <a16:creationId xmlns:a16="http://schemas.microsoft.com/office/drawing/2014/main" id="{D55D8CA6-26E7-46D2-AEA7-31FB922D4EB0}"/>
-              </a:ext>
-            </a:extLst>
-          </p:cNvPr>
-          <p:cNvPicPr>
-            <a:picLocks noChangeAspect="1"/>
-          </p:cNvPicPr>
-          <p:nvPr/>
-        </p:nvPicPr>
-        <p:blipFill>
-          <a:blip r:embed="rId2"/>
-          <a:stretch>
-            <a:fillRect/>
-          </a:stretch>
-        </p:blipFill>
-        <p:spPr>
-          <a:xfrm>
-            <a:off x="2335630" y="2207152"/>
-            <a:ext cx="5467350" cy="495300"/>
-          </a:xfrm>
-          <a:prstGeom prst="rect">
-            <a:avLst/>
-          </a:prstGeom>
-        </p:spPr>
-      </p:pic>
-      <p:pic>
-        <p:nvPicPr>
-          <p:cNvPr id="4" name="圖片 3">
-            <a:extLst>
-              <a:ext uri="{FF2B5EF4-FFF2-40B4-BE49-F238E27FC236}">
-                <a16:creationId xmlns:a16="http://schemas.microsoft.com/office/drawing/2014/main" id="{8600AD84-ED65-4CF3-B269-9780B42948D0}"/>
-              </a:ext>
-            </a:extLst>
-          </p:cNvPr>
-          <p:cNvPicPr>
-            <a:picLocks noChangeAspect="1"/>
-          </p:cNvPicPr>
-          <p:nvPr/>
-        </p:nvPicPr>
-        <p:blipFill>
-          <a:blip r:embed="rId3"/>
-          <a:stretch>
-            <a:fillRect/>
-          </a:stretch>
-        </p:blipFill>
-        <p:spPr>
-          <a:xfrm>
-            <a:off x="1115568" y="3181388"/>
-            <a:ext cx="7315200" cy="2019300"/>
-          </a:xfrm>
-          <a:prstGeom prst="rect">
-            <a:avLst/>
-          </a:prstGeom>
-        </p:spPr>
-      </p:pic>
-      <p:sp>
-        <p:nvSpPr>
-          <p:cNvPr id="8" name="箭號: 向右 7">
-            <a:extLst>
-              <a:ext uri="{FF2B5EF4-FFF2-40B4-BE49-F238E27FC236}">
-                <a16:creationId xmlns:a16="http://schemas.microsoft.com/office/drawing/2014/main" id="{4B5DE573-2862-4F6E-BDCA-60F8BB031B03}"/>
-              </a:ext>
-            </a:extLst>
-          </p:cNvPr>
-          <p:cNvSpPr/>
-          <p:nvPr/>
-        </p:nvSpPr>
-        <p:spPr>
-          <a:xfrm rot="14267467">
-            <a:off x="4674826" y="4615710"/>
-            <a:ext cx="1175657" cy="311331"/>
-          </a:xfrm>
-          <a:prstGeom prst="rightArrow">
-            <a:avLst/>
-          </a:prstGeom>
-        </p:spPr>
-        <p:style>
-          <a:lnRef idx="2">
-            <a:schemeClr val="accent1">
-              <a:shade val="50000"/>
-            </a:schemeClr>
-          </a:lnRef>
-          <a:fillRef idx="1">
-            <a:schemeClr val="accent1"/>
-          </a:fillRef>
-          <a:effectRef idx="0">
-            <a:schemeClr val="accent1"/>
-          </a:effectRef>
-          <a:fontRef idx="minor">
-            <a:schemeClr val="lt1"/>
-          </a:fontRef>
-        </p:style>
-        <p:txBody>
-          <a:bodyPr rtlCol="0" anchor="ctr"/>
-          <a:lstStyle/>
-          <a:p>
-            <a:pPr algn="ctr"/>
-            <a:endParaRPr lang="zh-TW" altLang="en-US"/>
-          </a:p>
-        </p:txBody>
-      </p:sp>
-      <p:sp>
-        <p:nvSpPr>
-          <p:cNvPr id="6" name="文字方塊 5">
-            <a:extLst>
-              <a:ext uri="{FF2B5EF4-FFF2-40B4-BE49-F238E27FC236}">
-                <a16:creationId xmlns:a16="http://schemas.microsoft.com/office/drawing/2014/main" id="{E70D74EF-EE35-4461-9D01-7EE07F19C0F2}"/>
-              </a:ext>
-            </a:extLst>
-          </p:cNvPr>
-          <p:cNvSpPr txBox="1"/>
-          <p:nvPr/>
-        </p:nvSpPr>
-        <p:spPr>
-          <a:xfrm>
-            <a:off x="5007429" y="5416731"/>
-            <a:ext cx="1915885" cy="646331"/>
-          </a:xfrm>
-          <a:prstGeom prst="rect">
-            <a:avLst/>
-          </a:prstGeom>
-          <a:noFill/>
-        </p:spPr>
-        <p:txBody>
-          <a:bodyPr wrap="square" rtlCol="0">
-            <a:spAutoFit/>
-          </a:bodyPr>
-          <a:lstStyle/>
-          <a:p>
-            <a:r>
-              <a:rPr lang="en-US" altLang="zh-TW" dirty="0"/>
-              <a:t>Add condition manually here</a:t>
-            </a:r>
-            <a:endParaRPr lang="zh-TW" altLang="en-US" dirty="0"/>
-          </a:p>
-        </p:txBody>
-      </p:sp>
-      <p:pic>
-        <p:nvPicPr>
-          <p:cNvPr id="10" name="圖片 9">
-            <a:extLst>
-              <a:ext uri="{FF2B5EF4-FFF2-40B4-BE49-F238E27FC236}">
-                <a16:creationId xmlns:a16="http://schemas.microsoft.com/office/drawing/2014/main" id="{D6E92F85-1D63-495C-B370-B954AF2954F1}"/>
-              </a:ext>
-            </a:extLst>
-          </p:cNvPr>
-          <p:cNvPicPr>
-            <a:picLocks noChangeAspect="1"/>
-          </p:cNvPicPr>
-          <p:nvPr/>
-        </p:nvPicPr>
-        <p:blipFill>
-          <a:blip r:embed="rId4"/>
-          <a:stretch>
-            <a:fillRect/>
-          </a:stretch>
-        </p:blipFill>
-        <p:spPr>
-          <a:xfrm>
-            <a:off x="4281487" y="3009900"/>
-            <a:ext cx="3629025" cy="838200"/>
-          </a:xfrm>
-          <a:prstGeom prst="rect">
-            <a:avLst/>
-          </a:prstGeom>
-        </p:spPr>
-      </p:pic>
-    </p:spTree>
-    <p:extLst>
-      <p:ext uri="{BB962C8B-B14F-4D97-AF65-F5344CB8AC3E}">
-        <p14:creationId xmlns:p14="http://schemas.microsoft.com/office/powerpoint/2010/main" val="3407232993"/>
-      </p:ext>
-    </p:extLst>
-  </p:cSld>
-  <p:clrMapOvr>
-    <a:masterClrMapping/>
-  </p:clrMapOvr>
-</p:sld>
-</file>
-
-<file path=ppt/slides/slide23.xml><?xml version="1.0" encoding="utf-8"?>
-<p:sld xmlns:a="http://schemas.openxmlformats.org/drawingml/2006/main" xmlns:r="http://schemas.openxmlformats.org/officeDocument/2006/relationships" xmlns:p="http://schemas.openxmlformats.org/presentationml/2006/main">
-  <p:cSld>
-    <p:spTree>
-      <p:nvGrpSpPr>
-        <p:cNvPr id="1" name=""/>
-        <p:cNvGrpSpPr/>
-        <p:nvPr/>
-      </p:nvGrpSpPr>
-      <p:grpSpPr>
-        <a:xfrm>
-          <a:off x="0" y="0"/>
-          <a:ext cx="0" cy="0"/>
-          <a:chOff x="0" y="0"/>
-          <a:chExt cx="0" cy="0"/>
-        </a:xfrm>
-      </p:grpSpPr>
-      <p:sp>
-        <p:nvSpPr>
-          <p:cNvPr id="2" name="標題 1">
-            <a:extLst>
-              <a:ext uri="{FF2B5EF4-FFF2-40B4-BE49-F238E27FC236}">
-                <a16:creationId xmlns:a16="http://schemas.microsoft.com/office/drawing/2014/main" id="{93048374-F638-4A45-B565-8E46C4C95AF1}"/>
-              </a:ext>
-            </a:extLst>
-          </p:cNvPr>
-          <p:cNvSpPr>
-            <a:spLocks noGrp="1"/>
-          </p:cNvSpPr>
-          <p:nvPr>
-            <p:ph type="title"/>
-          </p:nvPr>
-        </p:nvSpPr>
-        <p:spPr/>
-        <p:txBody>
-          <a:bodyPr/>
-          <a:lstStyle/>
-          <a:p>
-            <a:r>
-              <a:rPr lang="en-US" altLang="zh-TW" dirty="0"/>
-              <a:t>MTurk2</a:t>
-            </a:r>
-            <a:endParaRPr lang="zh-TW" altLang="en-US" dirty="0"/>
-          </a:p>
-        </p:txBody>
-      </p:sp>
-      <p:pic>
-        <p:nvPicPr>
-          <p:cNvPr id="10" name="圖片 9">
-            <a:extLst>
-              <a:ext uri="{FF2B5EF4-FFF2-40B4-BE49-F238E27FC236}">
-                <a16:creationId xmlns:a16="http://schemas.microsoft.com/office/drawing/2014/main" id="{D6E92F85-1D63-495C-B370-B954AF2954F1}"/>
-              </a:ext>
-            </a:extLst>
-          </p:cNvPr>
-          <p:cNvPicPr>
-            <a:picLocks noChangeAspect="1"/>
-          </p:cNvPicPr>
-          <p:nvPr/>
-        </p:nvPicPr>
-        <p:blipFill>
-          <a:blip r:embed="rId2"/>
-          <a:stretch>
-            <a:fillRect/>
-          </a:stretch>
-        </p:blipFill>
-        <p:spPr>
-          <a:xfrm>
-            <a:off x="704097" y="1485899"/>
-            <a:ext cx="3629025" cy="838200"/>
-          </a:xfrm>
-          <a:prstGeom prst="rect">
-            <a:avLst/>
-          </a:prstGeom>
-        </p:spPr>
-      </p:pic>
-      <p:pic>
-        <p:nvPicPr>
-          <p:cNvPr id="7" name="圖片 6">
-            <a:extLst>
-              <a:ext uri="{FF2B5EF4-FFF2-40B4-BE49-F238E27FC236}">
-                <a16:creationId xmlns:a16="http://schemas.microsoft.com/office/drawing/2014/main" id="{3A45AE84-0285-46B2-B58C-B6FDFF2FDDBA}"/>
-              </a:ext>
-            </a:extLst>
-          </p:cNvPr>
-          <p:cNvPicPr>
-            <a:picLocks noChangeAspect="1"/>
-          </p:cNvPicPr>
-          <p:nvPr/>
-        </p:nvPicPr>
-        <p:blipFill rotWithShape="1">
-          <a:blip r:embed="rId3"/>
-          <a:srcRect b="49672"/>
-          <a:stretch/>
-        </p:blipFill>
-        <p:spPr>
-          <a:xfrm>
-            <a:off x="4919861" y="2931689"/>
-            <a:ext cx="6800850" cy="3135086"/>
-          </a:xfrm>
-          <a:prstGeom prst="rect">
-            <a:avLst/>
-          </a:prstGeom>
-        </p:spPr>
-      </p:pic>
-      <p:pic>
-        <p:nvPicPr>
-          <p:cNvPr id="11" name="圖片 10">
-            <a:extLst>
-              <a:ext uri="{FF2B5EF4-FFF2-40B4-BE49-F238E27FC236}">
-                <a16:creationId xmlns:a16="http://schemas.microsoft.com/office/drawing/2014/main" id="{63C8B4B4-B607-468E-8F1D-646F5AD401F4}"/>
-              </a:ext>
-            </a:extLst>
-          </p:cNvPr>
-          <p:cNvPicPr>
-            <a:picLocks noChangeAspect="1"/>
-          </p:cNvPicPr>
-          <p:nvPr/>
-        </p:nvPicPr>
-        <p:blipFill>
-          <a:blip r:embed="rId4"/>
-          <a:stretch>
-            <a:fillRect/>
-          </a:stretch>
-        </p:blipFill>
-        <p:spPr>
-          <a:xfrm>
-            <a:off x="937084" y="3261358"/>
-            <a:ext cx="2686050" cy="2686050"/>
-          </a:xfrm>
-          <a:prstGeom prst="rect">
-            <a:avLst/>
-          </a:prstGeom>
-        </p:spPr>
-      </p:pic>
-      <p:sp>
-        <p:nvSpPr>
-          <p:cNvPr id="12" name="箭號: 向右 11">
-            <a:extLst>
-              <a:ext uri="{FF2B5EF4-FFF2-40B4-BE49-F238E27FC236}">
-                <a16:creationId xmlns:a16="http://schemas.microsoft.com/office/drawing/2014/main" id="{8BBC02DB-A305-4567-BCDF-AD5E53A63428}"/>
-              </a:ext>
-            </a:extLst>
-          </p:cNvPr>
-          <p:cNvSpPr/>
-          <p:nvPr/>
-        </p:nvSpPr>
-        <p:spPr>
-          <a:xfrm rot="6150506">
-            <a:off x="1692280" y="2776024"/>
-            <a:ext cx="1175657" cy="311331"/>
-          </a:xfrm>
-          <a:prstGeom prst="rightArrow">
-            <a:avLst/>
-          </a:prstGeom>
-        </p:spPr>
-        <p:style>
-          <a:lnRef idx="2">
-            <a:schemeClr val="accent1">
-              <a:shade val="50000"/>
-            </a:schemeClr>
-          </a:lnRef>
-          <a:fillRef idx="1">
-            <a:schemeClr val="accent1"/>
-          </a:fillRef>
-          <a:effectRef idx="0">
-            <a:schemeClr val="accent1"/>
-          </a:effectRef>
-          <a:fontRef idx="minor">
-            <a:schemeClr val="lt1"/>
-          </a:fontRef>
-        </p:style>
-        <p:txBody>
-          <a:bodyPr rtlCol="0" anchor="ctr"/>
-          <a:lstStyle/>
-          <a:p>
-            <a:pPr algn="ctr"/>
-            <a:endParaRPr lang="zh-TW" altLang="en-US"/>
-          </a:p>
-        </p:txBody>
-      </p:sp>
-      <p:sp>
-        <p:nvSpPr>
-          <p:cNvPr id="13" name="箭號: 向右 12">
-            <a:extLst>
-              <a:ext uri="{FF2B5EF4-FFF2-40B4-BE49-F238E27FC236}">
-                <a16:creationId xmlns:a16="http://schemas.microsoft.com/office/drawing/2014/main" id="{161C18EA-ECD8-4F55-B4B3-51BE50B25314}"/>
-              </a:ext>
-            </a:extLst>
-          </p:cNvPr>
-          <p:cNvSpPr/>
-          <p:nvPr/>
-        </p:nvSpPr>
-        <p:spPr>
-          <a:xfrm rot="219277">
-            <a:off x="2571450" y="4964357"/>
-            <a:ext cx="3090791" cy="476925"/>
-          </a:xfrm>
-          <a:prstGeom prst="rightArrow">
-            <a:avLst/>
-          </a:prstGeom>
-        </p:spPr>
-        <p:style>
-          <a:lnRef idx="2">
-            <a:schemeClr val="accent1">
-              <a:shade val="50000"/>
-            </a:schemeClr>
-          </a:lnRef>
-          <a:fillRef idx="1">
-            <a:schemeClr val="accent1"/>
-          </a:fillRef>
-          <a:effectRef idx="0">
-            <a:schemeClr val="accent1"/>
-          </a:effectRef>
-          <a:fontRef idx="minor">
-            <a:schemeClr val="lt1"/>
-          </a:fontRef>
-        </p:style>
-        <p:txBody>
-          <a:bodyPr rtlCol="0" anchor="ctr"/>
-          <a:lstStyle/>
-          <a:p>
-            <a:pPr algn="ctr"/>
-            <a:endParaRPr lang="zh-TW" altLang="en-US"/>
-          </a:p>
-        </p:txBody>
-      </p:sp>
-      <p:sp>
-        <p:nvSpPr>
-          <p:cNvPr id="14" name="箭號: 向右 13">
-            <a:extLst>
-              <a:ext uri="{FF2B5EF4-FFF2-40B4-BE49-F238E27FC236}">
-                <a16:creationId xmlns:a16="http://schemas.microsoft.com/office/drawing/2014/main" id="{1C319963-442A-423E-83A5-EF5A45AE5A26}"/>
-              </a:ext>
-            </a:extLst>
-          </p:cNvPr>
-          <p:cNvSpPr/>
-          <p:nvPr/>
-        </p:nvSpPr>
-        <p:spPr>
-          <a:xfrm rot="16200000">
-            <a:off x="8133573" y="2625761"/>
-            <a:ext cx="1350113" cy="476925"/>
-          </a:xfrm>
-          <a:prstGeom prst="rightArrow">
-            <a:avLst/>
-          </a:prstGeom>
-        </p:spPr>
-        <p:style>
-          <a:lnRef idx="2">
-            <a:schemeClr val="accent1">
-              <a:shade val="50000"/>
-            </a:schemeClr>
-          </a:lnRef>
-          <a:fillRef idx="1">
-            <a:schemeClr val="accent1"/>
-          </a:fillRef>
-          <a:effectRef idx="0">
-            <a:schemeClr val="accent1"/>
-          </a:effectRef>
-          <a:fontRef idx="minor">
-            <a:schemeClr val="lt1"/>
-          </a:fontRef>
-        </p:style>
-        <p:txBody>
-          <a:bodyPr rtlCol="0" anchor="ctr"/>
-          <a:lstStyle/>
-          <a:p>
-            <a:pPr algn="ctr"/>
-            <a:endParaRPr lang="zh-TW" altLang="en-US"/>
-          </a:p>
-        </p:txBody>
-      </p:sp>
-      <p:pic>
-        <p:nvPicPr>
-          <p:cNvPr id="16" name="圖片 15">
-            <a:extLst>
-              <a:ext uri="{FF2B5EF4-FFF2-40B4-BE49-F238E27FC236}">
-                <a16:creationId xmlns:a16="http://schemas.microsoft.com/office/drawing/2014/main" id="{511B6387-02DD-42AC-BEE8-4182F64E781E}"/>
-              </a:ext>
-            </a:extLst>
-          </p:cNvPr>
-          <p:cNvPicPr>
-            <a:picLocks noChangeAspect="1"/>
-          </p:cNvPicPr>
-          <p:nvPr/>
-        </p:nvPicPr>
-        <p:blipFill>
-          <a:blip r:embed="rId5"/>
-          <a:stretch>
-            <a:fillRect/>
-          </a:stretch>
-        </p:blipFill>
-        <p:spPr>
-          <a:xfrm>
-            <a:off x="4571810" y="340302"/>
-            <a:ext cx="7496951" cy="1618389"/>
-          </a:xfrm>
-          <a:prstGeom prst="rect">
-            <a:avLst/>
-          </a:prstGeom>
-        </p:spPr>
-      </p:pic>
-    </p:spTree>
-    <p:extLst>
-      <p:ext uri="{BB962C8B-B14F-4D97-AF65-F5344CB8AC3E}">
-        <p14:creationId xmlns:p14="http://schemas.microsoft.com/office/powerpoint/2010/main" val="2364918243"/>
-      </p:ext>
-    </p:extLst>
-  </p:cSld>
-  <p:clrMapOvr>
-    <a:masterClrMapping/>
-  </p:clrMapOvr>
-</p:sld>
-</file>
-
-<file path=ppt/slides/slide24.xml><?xml version="1.0" encoding="utf-8"?>
-<p:sld xmlns:a="http://schemas.openxmlformats.org/drawingml/2006/main" xmlns:r="http://schemas.openxmlformats.org/officeDocument/2006/relationships" xmlns:p="http://schemas.openxmlformats.org/presentationml/2006/main">
-  <p:cSld>
-    <p:spTree>
-      <p:nvGrpSpPr>
-        <p:cNvPr id="1" name=""/>
-        <p:cNvGrpSpPr/>
-        <p:nvPr/>
-      </p:nvGrpSpPr>
-      <p:grpSpPr>
-        <a:xfrm>
-          <a:off x="0" y="0"/>
-          <a:ext cx="0" cy="0"/>
-          <a:chOff x="0" y="0"/>
-          <a:chExt cx="0" cy="0"/>
-        </a:xfrm>
-      </p:grpSpPr>
-      <p:sp>
-        <p:nvSpPr>
-          <p:cNvPr id="2" name="標題 1">
-            <a:extLst>
-              <a:ext uri="{FF2B5EF4-FFF2-40B4-BE49-F238E27FC236}">
-                <a16:creationId xmlns:a16="http://schemas.microsoft.com/office/drawing/2014/main" id="{325F0D5C-653F-45AE-833E-53C864EA5B1C}"/>
-              </a:ext>
-            </a:extLst>
-          </p:cNvPr>
-          <p:cNvSpPr>
-            <a:spLocks noGrp="1"/>
-          </p:cNvSpPr>
-          <p:nvPr>
-            <p:ph type="title"/>
-          </p:nvPr>
-        </p:nvSpPr>
-        <p:spPr/>
-        <p:txBody>
-          <a:bodyPr/>
-          <a:lstStyle/>
-          <a:p>
-            <a:r>
-              <a:rPr lang="en-US" altLang="zh-TW" dirty="0"/>
-              <a:t>Export</a:t>
-            </a:r>
-            <a:endParaRPr lang="zh-TW" altLang="en-US" dirty="0"/>
-          </a:p>
-        </p:txBody>
-      </p:sp>
-      <p:pic>
-        <p:nvPicPr>
-          <p:cNvPr id="5" name="圖片 4">
-            <a:extLst>
-              <a:ext uri="{FF2B5EF4-FFF2-40B4-BE49-F238E27FC236}">
-                <a16:creationId xmlns:a16="http://schemas.microsoft.com/office/drawing/2014/main" id="{7443D300-F59B-48F7-8CAF-66D66563B977}"/>
-              </a:ext>
-            </a:extLst>
-          </p:cNvPr>
-          <p:cNvPicPr>
-            <a:picLocks noChangeAspect="1"/>
-          </p:cNvPicPr>
-          <p:nvPr/>
-        </p:nvPicPr>
-        <p:blipFill>
-          <a:blip r:embed="rId2"/>
-          <a:stretch>
-            <a:fillRect/>
-          </a:stretch>
-        </p:blipFill>
-        <p:spPr>
-          <a:xfrm>
-            <a:off x="528637" y="2239899"/>
-            <a:ext cx="6048375" cy="476250"/>
-          </a:xfrm>
-          <a:prstGeom prst="rect">
-            <a:avLst/>
-          </a:prstGeom>
-        </p:spPr>
-      </p:pic>
-      <p:pic>
-        <p:nvPicPr>
-          <p:cNvPr id="9" name="圖片 8">
-            <a:extLst>
-              <a:ext uri="{FF2B5EF4-FFF2-40B4-BE49-F238E27FC236}">
-                <a16:creationId xmlns:a16="http://schemas.microsoft.com/office/drawing/2014/main" id="{B7E185EA-778C-46E8-AA0E-3EEAC565764B}"/>
-              </a:ext>
-            </a:extLst>
-          </p:cNvPr>
-          <p:cNvPicPr>
-            <a:picLocks noChangeAspect="1"/>
-          </p:cNvPicPr>
-          <p:nvPr/>
-        </p:nvPicPr>
-        <p:blipFill>
-          <a:blip r:embed="rId3"/>
-          <a:stretch>
-            <a:fillRect/>
-          </a:stretch>
-        </p:blipFill>
-        <p:spPr>
-          <a:xfrm>
-            <a:off x="528637" y="3199257"/>
-            <a:ext cx="4791075" cy="2438400"/>
-          </a:xfrm>
-          <a:prstGeom prst="rect">
-            <a:avLst/>
-          </a:prstGeom>
-        </p:spPr>
-      </p:pic>
-      <p:pic>
-        <p:nvPicPr>
-          <p:cNvPr id="11" name="圖片 10">
-            <a:extLst>
-              <a:ext uri="{FF2B5EF4-FFF2-40B4-BE49-F238E27FC236}">
-                <a16:creationId xmlns:a16="http://schemas.microsoft.com/office/drawing/2014/main" id="{CEAC274F-5197-49D7-96BC-55917C342720}"/>
-              </a:ext>
-            </a:extLst>
-          </p:cNvPr>
-          <p:cNvPicPr>
-            <a:picLocks noChangeAspect="1"/>
-          </p:cNvPicPr>
-          <p:nvPr/>
-        </p:nvPicPr>
-        <p:blipFill>
-          <a:blip r:embed="rId4"/>
-          <a:stretch>
-            <a:fillRect/>
-          </a:stretch>
-        </p:blipFill>
-        <p:spPr>
-          <a:xfrm>
-            <a:off x="7453313" y="1138428"/>
-            <a:ext cx="4210050" cy="5334000"/>
-          </a:xfrm>
-          <a:prstGeom prst="rect">
-            <a:avLst/>
-          </a:prstGeom>
-        </p:spPr>
-      </p:pic>
-      <p:sp>
-        <p:nvSpPr>
-          <p:cNvPr id="12" name="箭號: 向右 11">
-            <a:extLst>
-              <a:ext uri="{FF2B5EF4-FFF2-40B4-BE49-F238E27FC236}">
-                <a16:creationId xmlns:a16="http://schemas.microsoft.com/office/drawing/2014/main" id="{AAD5A4D3-981B-4372-92D4-53C628604B86}"/>
-              </a:ext>
-            </a:extLst>
-          </p:cNvPr>
-          <p:cNvSpPr/>
-          <p:nvPr/>
-        </p:nvSpPr>
-        <p:spPr>
-          <a:xfrm rot="6150506">
-            <a:off x="1852879" y="3011244"/>
-            <a:ext cx="854371" cy="311331"/>
-          </a:xfrm>
-          <a:prstGeom prst="rightArrow">
-            <a:avLst/>
-          </a:prstGeom>
-        </p:spPr>
-        <p:style>
-          <a:lnRef idx="2">
-            <a:schemeClr val="accent1">
-              <a:shade val="50000"/>
-            </a:schemeClr>
-          </a:lnRef>
-          <a:fillRef idx="1">
-            <a:schemeClr val="accent1"/>
-          </a:fillRef>
-          <a:effectRef idx="0">
-            <a:schemeClr val="accent1"/>
-          </a:effectRef>
-          <a:fontRef idx="minor">
-            <a:schemeClr val="lt1"/>
-          </a:fontRef>
-        </p:style>
-        <p:txBody>
-          <a:bodyPr rtlCol="0" anchor="ctr"/>
-          <a:lstStyle/>
-          <a:p>
-            <a:pPr algn="ctr"/>
-            <a:endParaRPr lang="zh-TW" altLang="en-US"/>
-          </a:p>
-        </p:txBody>
-      </p:sp>
-      <p:sp>
-        <p:nvSpPr>
-          <p:cNvPr id="13" name="箭號: 向右 12">
-            <a:extLst>
-              <a:ext uri="{FF2B5EF4-FFF2-40B4-BE49-F238E27FC236}">
-                <a16:creationId xmlns:a16="http://schemas.microsoft.com/office/drawing/2014/main" id="{47E48F30-0B17-486E-965A-A30C64F4CBD3}"/>
-              </a:ext>
-            </a:extLst>
-          </p:cNvPr>
-          <p:cNvSpPr/>
-          <p:nvPr/>
-        </p:nvSpPr>
-        <p:spPr>
-          <a:xfrm rot="20550152">
-            <a:off x="5293705" y="3623999"/>
-            <a:ext cx="2185615" cy="476925"/>
-          </a:xfrm>
-          <a:prstGeom prst="rightArrow">
-            <a:avLst/>
-          </a:prstGeom>
-        </p:spPr>
-        <p:style>
-          <a:lnRef idx="2">
-            <a:schemeClr val="accent1">
-              <a:shade val="50000"/>
-            </a:schemeClr>
-          </a:lnRef>
-          <a:fillRef idx="1">
-            <a:schemeClr val="accent1"/>
-          </a:fillRef>
-          <a:effectRef idx="0">
-            <a:schemeClr val="accent1"/>
-          </a:effectRef>
-          <a:fontRef idx="minor">
-            <a:schemeClr val="lt1"/>
-          </a:fontRef>
-        </p:style>
-        <p:txBody>
-          <a:bodyPr rtlCol="0" anchor="ctr"/>
-          <a:lstStyle/>
-          <a:p>
-            <a:pPr algn="ctr"/>
-            <a:endParaRPr lang="zh-TW" altLang="en-US"/>
-          </a:p>
-        </p:txBody>
-      </p:sp>
-    </p:spTree>
-    <p:extLst>
-      <p:ext uri="{BB962C8B-B14F-4D97-AF65-F5344CB8AC3E}">
-        <p14:creationId xmlns:p14="http://schemas.microsoft.com/office/powerpoint/2010/main" val="3939644522"/>
-      </p:ext>
-    </p:extLst>
-  </p:cSld>
-  <p:clrMapOvr>
-    <a:masterClrMapping/>
-  </p:clrMapOvr>
-</p:sld>
-</file>
-
-<file path=ppt/slides/slide25.xml><?xml version="1.0" encoding="utf-8"?>
-<p:sld xmlns:a="http://schemas.openxmlformats.org/drawingml/2006/main" xmlns:r="http://schemas.openxmlformats.org/officeDocument/2006/relationships" xmlns:p="http://schemas.openxmlformats.org/presentationml/2006/main">
-  <p:cSld>
-    <p:spTree>
-      <p:nvGrpSpPr>
-        <p:cNvPr id="1" name=""/>
-        <p:cNvGrpSpPr/>
-        <p:nvPr/>
-      </p:nvGrpSpPr>
-      <p:grpSpPr>
-        <a:xfrm>
-          <a:off x="0" y="0"/>
-          <a:ext cx="0" cy="0"/>
-          <a:chOff x="0" y="0"/>
-          <a:chExt cx="0" cy="0"/>
-        </a:xfrm>
-      </p:grpSpPr>
-      <p:sp>
-        <p:nvSpPr>
-          <p:cNvPr id="2" name="標題 1">
-            <a:extLst>
-              <a:ext uri="{FF2B5EF4-FFF2-40B4-BE49-F238E27FC236}">
-                <a16:creationId xmlns:a16="http://schemas.microsoft.com/office/drawing/2014/main" id="{325F0D5C-653F-45AE-833E-53C864EA5B1C}"/>
-              </a:ext>
-            </a:extLst>
-          </p:cNvPr>
-          <p:cNvSpPr>
-            <a:spLocks noGrp="1"/>
-          </p:cNvSpPr>
-          <p:nvPr>
-            <p:ph type="title"/>
-          </p:nvPr>
-        </p:nvSpPr>
-        <p:spPr/>
-        <p:txBody>
-          <a:bodyPr/>
-          <a:lstStyle/>
-          <a:p>
-            <a:r>
-              <a:rPr lang="en-US" altLang="zh-TW" dirty="0"/>
-              <a:t>Export</a:t>
-            </a:r>
-            <a:endParaRPr lang="zh-TW" altLang="en-US" dirty="0"/>
-          </a:p>
-        </p:txBody>
-      </p:sp>
-      <p:pic>
-        <p:nvPicPr>
-          <p:cNvPr id="4" name="圖片 3">
-            <a:extLst>
-              <a:ext uri="{FF2B5EF4-FFF2-40B4-BE49-F238E27FC236}">
-                <a16:creationId xmlns:a16="http://schemas.microsoft.com/office/drawing/2014/main" id="{513D42E9-53AF-4A32-BDA1-FE2B356E4A29}"/>
-              </a:ext>
-            </a:extLst>
-          </p:cNvPr>
-          <p:cNvPicPr>
-            <a:picLocks noChangeAspect="1"/>
-          </p:cNvPicPr>
-          <p:nvPr/>
-        </p:nvPicPr>
-        <p:blipFill>
-          <a:blip r:embed="rId2"/>
-          <a:stretch>
-            <a:fillRect/>
-          </a:stretch>
-        </p:blipFill>
-        <p:spPr>
-          <a:xfrm>
-            <a:off x="4426968" y="0"/>
-            <a:ext cx="5262113" cy="6858000"/>
-          </a:xfrm>
-          <a:prstGeom prst="rect">
-            <a:avLst/>
-          </a:prstGeom>
-        </p:spPr>
-      </p:pic>
-    </p:spTree>
-    <p:extLst>
-      <p:ext uri="{BB962C8B-B14F-4D97-AF65-F5344CB8AC3E}">
-        <p14:creationId xmlns:p14="http://schemas.microsoft.com/office/powerpoint/2010/main" val="2623324145"/>
-      </p:ext>
-    </p:extLst>
-  </p:cSld>
-  <p:clrMapOvr>
-    <a:masterClrMapping/>
-  </p:clrMapOvr>
-</p:sld>
-</file>
-
-<file path=ppt/slides/slide26.xml><?xml version="1.0" encoding="utf-8"?>
+<file path=ppt/slides/slide3.xml><?xml version="1.0" encoding="utf-8"?>
 <p:sld xmlns:a="http://schemas.openxmlformats.org/drawingml/2006/main" xmlns:r="http://schemas.openxmlformats.org/officeDocument/2006/relationships" xmlns:p="http://schemas.openxmlformats.org/presentationml/2006/main">
   <p:cSld>
     <p:spTree>
@@ -15023,7 +16643,7 @@
             <a:pPr algn="ctr"/>
             <a:r>
               <a:rPr lang="en-US" altLang="zh-TW" sz="7200" dirty="0"/>
-              <a:t>Back to </a:t>
+              <a:t>Let’s start with </a:t>
             </a:r>
             <a:r>
               <a:rPr lang="en-US" altLang="zh-TW" sz="7200" dirty="0" err="1"/>
@@ -15131,7 +16751,7 @@
     </p:spTree>
     <p:extLst>
       <p:ext uri="{BB962C8B-B14F-4D97-AF65-F5344CB8AC3E}">
-        <p14:creationId xmlns:p14="http://schemas.microsoft.com/office/powerpoint/2010/main" val="3837060260"/>
+        <p14:creationId xmlns:p14="http://schemas.microsoft.com/office/powerpoint/2010/main" val="1802202182"/>
       </p:ext>
     </p:extLst>
   </p:cSld>
@@ -15141,7 +16761,7 @@
 </p:sld>
 </file>
 
-<file path=ppt/slides/slide27.xml><?xml version="1.0" encoding="utf-8"?>
+<file path=ppt/slides/slide30.xml><?xml version="1.0" encoding="utf-8"?>
 <p:sld xmlns:a="http://schemas.openxmlformats.org/drawingml/2006/main" xmlns:r="http://schemas.openxmlformats.org/officeDocument/2006/relationships" xmlns:p="http://schemas.openxmlformats.org/presentationml/2006/main">
   <p:cSld>
     <p:spTree>
@@ -15163,228 +16783,6 @@
           <p:cNvPr id="2" name="標題 1">
             <a:extLst>
               <a:ext uri="{FF2B5EF4-FFF2-40B4-BE49-F238E27FC236}">
-                <a16:creationId xmlns:a16="http://schemas.microsoft.com/office/drawing/2014/main" id="{362D9E28-07F6-4499-BEE7-8207E340A34B}"/>
-              </a:ext>
-            </a:extLst>
-          </p:cNvPr>
-          <p:cNvSpPr>
-            <a:spLocks noGrp="1"/>
-          </p:cNvSpPr>
-          <p:nvPr>
-            <p:ph type="title"/>
-          </p:nvPr>
-        </p:nvSpPr>
-        <p:spPr/>
-        <p:txBody>
-          <a:bodyPr/>
-          <a:lstStyle/>
-          <a:p>
-            <a:r>
-              <a:rPr lang="en-US" altLang="zh-TW" dirty="0"/>
-              <a:t>Design Layout</a:t>
-            </a:r>
-            <a:endParaRPr lang="zh-TW" altLang="en-US" dirty="0"/>
-          </a:p>
-        </p:txBody>
-      </p:sp>
-      <p:sp>
-        <p:nvSpPr>
-          <p:cNvPr id="3" name="內容版面配置區 2">
-            <a:extLst>
-              <a:ext uri="{FF2B5EF4-FFF2-40B4-BE49-F238E27FC236}">
-                <a16:creationId xmlns:a16="http://schemas.microsoft.com/office/drawing/2014/main" id="{75679DA3-B161-45E9-99EC-244EDB701156}"/>
-              </a:ext>
-            </a:extLst>
-          </p:cNvPr>
-          <p:cNvSpPr>
-            <a:spLocks noGrp="1"/>
-          </p:cNvSpPr>
-          <p:nvPr>
-            <p:ph idx="1"/>
-          </p:nvPr>
-        </p:nvSpPr>
-        <p:spPr/>
-        <p:txBody>
-          <a:bodyPr/>
-          <a:lstStyle/>
-          <a:p>
-            <a:endParaRPr lang="zh-TW" altLang="en-US"/>
-          </a:p>
-        </p:txBody>
-      </p:sp>
-      <p:pic>
-        <p:nvPicPr>
-          <p:cNvPr id="5" name="圖片 4">
-            <a:extLst>
-              <a:ext uri="{FF2B5EF4-FFF2-40B4-BE49-F238E27FC236}">
-                <a16:creationId xmlns:a16="http://schemas.microsoft.com/office/drawing/2014/main" id="{2FEA009D-F0A6-4B47-B36B-B4280C1C1125}"/>
-              </a:ext>
-            </a:extLst>
-          </p:cNvPr>
-          <p:cNvPicPr>
-            <a:picLocks noChangeAspect="1"/>
-          </p:cNvPicPr>
-          <p:nvPr/>
-        </p:nvPicPr>
-        <p:blipFill>
-          <a:blip r:embed="rId2"/>
-          <a:stretch>
-            <a:fillRect/>
-          </a:stretch>
-        </p:blipFill>
-        <p:spPr>
-          <a:xfrm>
-            <a:off x="1250050" y="1931416"/>
-            <a:ext cx="9534525" cy="4629150"/>
-          </a:xfrm>
-          <a:prstGeom prst="rect">
-            <a:avLst/>
-          </a:prstGeom>
-        </p:spPr>
-      </p:pic>
-      <p:sp>
-        <p:nvSpPr>
-          <p:cNvPr id="6" name="矩形 5">
-            <a:extLst>
-              <a:ext uri="{FF2B5EF4-FFF2-40B4-BE49-F238E27FC236}">
-                <a16:creationId xmlns:a16="http://schemas.microsoft.com/office/drawing/2014/main" id="{311D183A-AADE-4F0C-876F-EF7E0F9E875D}"/>
-              </a:ext>
-            </a:extLst>
-          </p:cNvPr>
-          <p:cNvSpPr/>
-          <p:nvPr/>
-        </p:nvSpPr>
-        <p:spPr>
-          <a:xfrm>
-            <a:off x="4650710" y="4874623"/>
-            <a:ext cx="826982" cy="272143"/>
-          </a:xfrm>
-          <a:prstGeom prst="rect">
-            <a:avLst/>
-          </a:prstGeom>
-          <a:noFill/>
-          <a:ln w="9525" cap="flat" cmpd="sng" algn="ctr">
-            <a:solidFill>
-              <a:schemeClr val="dk1"/>
-            </a:solidFill>
-            <a:prstDash val="solid"/>
-            <a:round/>
-            <a:headEnd type="none" w="med" len="med"/>
-            <a:tailEnd type="none" w="med" len="med"/>
-          </a:ln>
-        </p:spPr>
-        <p:style>
-          <a:lnRef idx="0">
-            <a:scrgbClr r="0" g="0" b="0"/>
-          </a:lnRef>
-          <a:fillRef idx="0">
-            <a:scrgbClr r="0" g="0" b="0"/>
-          </a:fillRef>
-          <a:effectRef idx="0">
-            <a:scrgbClr r="0" g="0" b="0"/>
-          </a:effectRef>
-          <a:fontRef idx="minor">
-            <a:schemeClr val="dk1"/>
-          </a:fontRef>
-        </p:style>
-        <p:txBody>
-          <a:bodyPr rtlCol="0" anchor="ctr"/>
-          <a:lstStyle/>
-          <a:p>
-            <a:pPr algn="ctr"/>
-            <a:endParaRPr lang="zh-TW" altLang="en-US" dirty="0"/>
-          </a:p>
-        </p:txBody>
-      </p:sp>
-      <p:sp>
-        <p:nvSpPr>
-          <p:cNvPr id="7" name="矩形 6">
-            <a:extLst>
-              <a:ext uri="{FF2B5EF4-FFF2-40B4-BE49-F238E27FC236}">
-                <a16:creationId xmlns:a16="http://schemas.microsoft.com/office/drawing/2014/main" id="{6A10E0A7-5CCB-447B-B3EE-395259885CBC}"/>
-              </a:ext>
-            </a:extLst>
-          </p:cNvPr>
-          <p:cNvSpPr/>
-          <p:nvPr/>
-        </p:nvSpPr>
-        <p:spPr>
-          <a:xfrm>
-            <a:off x="4811818" y="5650558"/>
-            <a:ext cx="317530" cy="272143"/>
-          </a:xfrm>
-          <a:prstGeom prst="rect">
-            <a:avLst/>
-          </a:prstGeom>
-          <a:noFill/>
-          <a:ln w="9525" cap="flat" cmpd="sng" algn="ctr">
-            <a:solidFill>
-              <a:schemeClr val="dk1"/>
-            </a:solidFill>
-            <a:prstDash val="solid"/>
-            <a:round/>
-            <a:headEnd type="none" w="med" len="med"/>
-            <a:tailEnd type="none" w="med" len="med"/>
-          </a:ln>
-        </p:spPr>
-        <p:style>
-          <a:lnRef idx="0">
-            <a:scrgbClr r="0" g="0" b="0"/>
-          </a:lnRef>
-          <a:fillRef idx="0">
-            <a:scrgbClr r="0" g="0" b="0"/>
-          </a:fillRef>
-          <a:effectRef idx="0">
-            <a:scrgbClr r="0" g="0" b="0"/>
-          </a:effectRef>
-          <a:fontRef idx="minor">
-            <a:schemeClr val="dk1"/>
-          </a:fontRef>
-        </p:style>
-        <p:txBody>
-          <a:bodyPr rtlCol="0" anchor="ctr"/>
-          <a:lstStyle/>
-          <a:p>
-            <a:pPr algn="ctr"/>
-            <a:endParaRPr lang="zh-TW" altLang="en-US" dirty="0"/>
-          </a:p>
-        </p:txBody>
-      </p:sp>
-    </p:spTree>
-    <p:extLst>
-      <p:ext uri="{BB962C8B-B14F-4D97-AF65-F5344CB8AC3E}">
-        <p14:creationId xmlns:p14="http://schemas.microsoft.com/office/powerpoint/2010/main" val="2285337374"/>
-      </p:ext>
-    </p:extLst>
-  </p:cSld>
-  <p:clrMapOvr>
-    <a:masterClrMapping/>
-  </p:clrMapOvr>
-</p:sld>
-</file>
-
-<file path=ppt/slides/slide28.xml><?xml version="1.0" encoding="utf-8"?>
-<p:sld xmlns:a="http://schemas.openxmlformats.org/drawingml/2006/main" xmlns:r="http://schemas.openxmlformats.org/officeDocument/2006/relationships" xmlns:p="http://schemas.openxmlformats.org/presentationml/2006/main">
-  <p:cSld>
-    <p:spTree>
-      <p:nvGrpSpPr>
-        <p:cNvPr id="1" name=""/>
-        <p:cNvGrpSpPr/>
-        <p:nvPr/>
-      </p:nvGrpSpPr>
-      <p:grpSpPr>
-        <a:xfrm>
-          <a:off x="0" y="0"/>
-          <a:ext cx="0" cy="0"/>
-          <a:chOff x="0" y="0"/>
-          <a:chExt cx="0" cy="0"/>
-        </a:xfrm>
-      </p:grpSpPr>
-      <p:sp>
-        <p:nvSpPr>
-          <p:cNvPr id="2" name="標題 1">
-            <a:extLst>
-              <a:ext uri="{FF2B5EF4-FFF2-40B4-BE49-F238E27FC236}">
                 <a16:creationId xmlns:a16="http://schemas.microsoft.com/office/drawing/2014/main" id="{69026704-A0E2-448B-9FCC-02C403E2AE1B}"/>
               </a:ext>
             </a:extLst>
@@ -15477,7 +16875,7 @@
 </p:sld>
 </file>
 
-<file path=ppt/slides/slide3.xml><?xml version="1.0" encoding="utf-8"?>
+<file path=ppt/slides/slide4.xml><?xml version="1.0" encoding="utf-8"?>
 <p:sld xmlns:a="http://schemas.openxmlformats.org/drawingml/2006/main" xmlns:r="http://schemas.openxmlformats.org/officeDocument/2006/relationships" xmlns:p="http://schemas.openxmlformats.org/presentationml/2006/main">
   <p:cSld>
     <p:spTree>
@@ -16212,7 +17610,7 @@
 </p:sld>
 </file>
 
-<file path=ppt/slides/slide4.xml><?xml version="1.0" encoding="utf-8"?>
+<file path=ppt/slides/slide5.xml><?xml version="1.0" encoding="utf-8"?>
 <p:sld xmlns:a="http://schemas.openxmlformats.org/drawingml/2006/main" xmlns:r="http://schemas.openxmlformats.org/officeDocument/2006/relationships" xmlns:p="http://schemas.openxmlformats.org/presentationml/2006/main">
   <p:cSld>
     <p:spTree>
@@ -16699,163 +18097,6 @@
 </p:sld>
 </file>
 
-<file path=ppt/slides/slide5.xml><?xml version="1.0" encoding="utf-8"?>
-<p:sld xmlns:a="http://schemas.openxmlformats.org/drawingml/2006/main" xmlns:r="http://schemas.openxmlformats.org/officeDocument/2006/relationships" xmlns:p="http://schemas.openxmlformats.org/presentationml/2006/main">
-  <p:cSld>
-    <p:spTree>
-      <p:nvGrpSpPr>
-        <p:cNvPr id="1" name=""/>
-        <p:cNvGrpSpPr/>
-        <p:nvPr/>
-      </p:nvGrpSpPr>
-      <p:grpSpPr>
-        <a:xfrm>
-          <a:off x="0" y="0"/>
-          <a:ext cx="0" cy="0"/>
-          <a:chOff x="0" y="0"/>
-          <a:chExt cx="0" cy="0"/>
-        </a:xfrm>
-      </p:grpSpPr>
-      <p:sp>
-        <p:nvSpPr>
-          <p:cNvPr id="2" name="標題 1">
-            <a:extLst>
-              <a:ext uri="{FF2B5EF4-FFF2-40B4-BE49-F238E27FC236}">
-                <a16:creationId xmlns:a16="http://schemas.microsoft.com/office/drawing/2014/main" id="{3BB560C3-C9BD-4617-B54B-6E716152B1C4}"/>
-              </a:ext>
-            </a:extLst>
-          </p:cNvPr>
-          <p:cNvSpPr>
-            <a:spLocks noGrp="1"/>
-          </p:cNvSpPr>
-          <p:nvPr>
-            <p:ph type="title"/>
-          </p:nvPr>
-        </p:nvSpPr>
-        <p:spPr>
-          <a:xfrm>
-            <a:off x="1046746" y="259629"/>
-            <a:ext cx="3537285" cy="1645920"/>
-          </a:xfrm>
-        </p:spPr>
-        <p:txBody>
-          <a:bodyPr>
-            <a:normAutofit/>
-          </a:bodyPr>
-          <a:lstStyle/>
-          <a:p>
-            <a:r>
-              <a:rPr lang="en-US" altLang="zh-TW" sz="3200" dirty="0"/>
-              <a:t>Survey Link template in </a:t>
-            </a:r>
-            <a:r>
-              <a:rPr lang="en-US" altLang="zh-TW" sz="3200" dirty="0" err="1"/>
-              <a:t>MTurk</a:t>
-            </a:r>
-            <a:r>
-              <a:rPr lang="en-US" altLang="zh-TW" sz="3200" dirty="0"/>
-              <a:t> Sandbox</a:t>
-            </a:r>
-            <a:endParaRPr lang="zh-TW" altLang="en-US" sz="3200" dirty="0"/>
-          </a:p>
-        </p:txBody>
-      </p:sp>
-      <p:sp>
-        <p:nvSpPr>
-          <p:cNvPr id="3" name="內容版面配置區 2">
-            <a:extLst>
-              <a:ext uri="{FF2B5EF4-FFF2-40B4-BE49-F238E27FC236}">
-                <a16:creationId xmlns:a16="http://schemas.microsoft.com/office/drawing/2014/main" id="{655153D6-7392-4190-A2AD-4AEF6E406272}"/>
-              </a:ext>
-            </a:extLst>
-          </p:cNvPr>
-          <p:cNvSpPr>
-            <a:spLocks noGrp="1"/>
-          </p:cNvSpPr>
-          <p:nvPr>
-            <p:ph idx="1"/>
-          </p:nvPr>
-        </p:nvSpPr>
-        <p:spPr>
-          <a:xfrm>
-            <a:off x="5397345" y="478033"/>
-            <a:ext cx="6002636" cy="1645920"/>
-          </a:xfrm>
-        </p:spPr>
-        <p:txBody>
-          <a:bodyPr anchor="ctr">
-            <a:normAutofit/>
-          </a:bodyPr>
-          <a:lstStyle/>
-          <a:p>
-            <a:r>
-              <a:rPr lang="en-US" altLang="zh-TW" sz="1800" dirty="0"/>
-              <a:t>Give reward (fairly!), number of respondents</a:t>
-            </a:r>
-          </a:p>
-          <a:p>
-            <a:r>
-              <a:rPr lang="en-US" altLang="zh-TW" sz="1800" dirty="0"/>
-              <a:t>Time allotted (be generous; usually they’re slower than you)</a:t>
-            </a:r>
-          </a:p>
-          <a:p>
-            <a:r>
-              <a:rPr lang="en-US" altLang="zh-TW" sz="1800" dirty="0"/>
-              <a:t>Auto-approve time (as short as possible)</a:t>
-            </a:r>
-          </a:p>
-          <a:p>
-            <a:pPr marL="0" indent="0">
-              <a:buNone/>
-            </a:pPr>
-            <a:endParaRPr lang="zh-TW" altLang="en-US" sz="1800" dirty="0"/>
-          </a:p>
-        </p:txBody>
-      </p:sp>
-      <p:pic>
-        <p:nvPicPr>
-          <p:cNvPr id="5" name="圖片 4">
-            <a:extLst>
-              <a:ext uri="{FF2B5EF4-FFF2-40B4-BE49-F238E27FC236}">
-                <a16:creationId xmlns:a16="http://schemas.microsoft.com/office/drawing/2014/main" id="{EE073386-C7EF-4FC3-930B-A2A24B42B643}"/>
-              </a:ext>
-            </a:extLst>
-          </p:cNvPr>
-          <p:cNvPicPr>
-            <a:picLocks noChangeAspect="1"/>
-          </p:cNvPicPr>
-          <p:nvPr/>
-        </p:nvPicPr>
-        <p:blipFill>
-          <a:blip r:embed="rId2"/>
-          <a:stretch>
-            <a:fillRect/>
-          </a:stretch>
-        </p:blipFill>
-        <p:spPr>
-          <a:xfrm>
-            <a:off x="1659445" y="2315103"/>
-            <a:ext cx="8873109" cy="4283268"/>
-          </a:xfrm>
-          <a:prstGeom prst="rect">
-            <a:avLst/>
-          </a:prstGeom>
-        </p:spPr>
-      </p:pic>
-    </p:spTree>
-    <p:extLst>
-      <p:ext uri="{BB962C8B-B14F-4D97-AF65-F5344CB8AC3E}">
-        <p14:creationId xmlns:p14="http://schemas.microsoft.com/office/powerpoint/2010/main" val="4184796230"/>
-      </p:ext>
-    </p:extLst>
-  </p:cSld>
-  <p:clrMapOvr>
-    <a:masterClrMapping/>
-  </p:clrMapOvr>
-</p:sld>
-</file>
-
 <file path=ppt/slides/slide6.xml><?xml version="1.0" encoding="utf-8"?>
 <p:sld xmlns:a="http://schemas.openxmlformats.org/drawingml/2006/main" xmlns:r="http://schemas.openxmlformats.org/officeDocument/2006/relationships" xmlns:p="http://schemas.openxmlformats.org/presentationml/2006/main">
   <p:cSld>
@@ -16935,6 +18176,163 @@
         </p:nvSpPr>
         <p:spPr>
           <a:xfrm>
+            <a:off x="5397345" y="478033"/>
+            <a:ext cx="6002636" cy="1645920"/>
+          </a:xfrm>
+        </p:spPr>
+        <p:txBody>
+          <a:bodyPr anchor="ctr">
+            <a:normAutofit/>
+          </a:bodyPr>
+          <a:lstStyle/>
+          <a:p>
+            <a:r>
+              <a:rPr lang="en-US" altLang="zh-TW" sz="1800" dirty="0"/>
+              <a:t>Give reward (fairly!), number of respondents</a:t>
+            </a:r>
+          </a:p>
+          <a:p>
+            <a:r>
+              <a:rPr lang="en-US" altLang="zh-TW" sz="1800" dirty="0"/>
+              <a:t>Time allotted (be generous; usually they’re slower than you)</a:t>
+            </a:r>
+          </a:p>
+          <a:p>
+            <a:r>
+              <a:rPr lang="en-US" altLang="zh-TW" sz="1800" dirty="0"/>
+              <a:t>Auto-approve time (as short as possible)</a:t>
+            </a:r>
+          </a:p>
+          <a:p>
+            <a:pPr marL="0" indent="0">
+              <a:buNone/>
+            </a:pPr>
+            <a:endParaRPr lang="zh-TW" altLang="en-US" sz="1800" dirty="0"/>
+          </a:p>
+        </p:txBody>
+      </p:sp>
+      <p:pic>
+        <p:nvPicPr>
+          <p:cNvPr id="5" name="圖片 4">
+            <a:extLst>
+              <a:ext uri="{FF2B5EF4-FFF2-40B4-BE49-F238E27FC236}">
+                <a16:creationId xmlns:a16="http://schemas.microsoft.com/office/drawing/2014/main" id="{EE073386-C7EF-4FC3-930B-A2A24B42B643}"/>
+              </a:ext>
+            </a:extLst>
+          </p:cNvPr>
+          <p:cNvPicPr>
+            <a:picLocks noChangeAspect="1"/>
+          </p:cNvPicPr>
+          <p:nvPr/>
+        </p:nvPicPr>
+        <p:blipFill>
+          <a:blip r:embed="rId2"/>
+          <a:stretch>
+            <a:fillRect/>
+          </a:stretch>
+        </p:blipFill>
+        <p:spPr>
+          <a:xfrm>
+            <a:off x="1659445" y="2315103"/>
+            <a:ext cx="8873109" cy="4283268"/>
+          </a:xfrm>
+          <a:prstGeom prst="rect">
+            <a:avLst/>
+          </a:prstGeom>
+        </p:spPr>
+      </p:pic>
+    </p:spTree>
+    <p:extLst>
+      <p:ext uri="{BB962C8B-B14F-4D97-AF65-F5344CB8AC3E}">
+        <p14:creationId xmlns:p14="http://schemas.microsoft.com/office/powerpoint/2010/main" val="4184796230"/>
+      </p:ext>
+    </p:extLst>
+  </p:cSld>
+  <p:clrMapOvr>
+    <a:masterClrMapping/>
+  </p:clrMapOvr>
+</p:sld>
+</file>
+
+<file path=ppt/slides/slide7.xml><?xml version="1.0" encoding="utf-8"?>
+<p:sld xmlns:a="http://schemas.openxmlformats.org/drawingml/2006/main" xmlns:r="http://schemas.openxmlformats.org/officeDocument/2006/relationships" xmlns:p="http://schemas.openxmlformats.org/presentationml/2006/main">
+  <p:cSld>
+    <p:spTree>
+      <p:nvGrpSpPr>
+        <p:cNvPr id="1" name=""/>
+        <p:cNvGrpSpPr/>
+        <p:nvPr/>
+      </p:nvGrpSpPr>
+      <p:grpSpPr>
+        <a:xfrm>
+          <a:off x="0" y="0"/>
+          <a:ext cx="0" cy="0"/>
+          <a:chOff x="0" y="0"/>
+          <a:chExt cx="0" cy="0"/>
+        </a:xfrm>
+      </p:grpSpPr>
+      <p:sp>
+        <p:nvSpPr>
+          <p:cNvPr id="2" name="標題 1">
+            <a:extLst>
+              <a:ext uri="{FF2B5EF4-FFF2-40B4-BE49-F238E27FC236}">
+                <a16:creationId xmlns:a16="http://schemas.microsoft.com/office/drawing/2014/main" id="{3BB560C3-C9BD-4617-B54B-6E716152B1C4}"/>
+              </a:ext>
+            </a:extLst>
+          </p:cNvPr>
+          <p:cNvSpPr>
+            <a:spLocks noGrp="1"/>
+          </p:cNvSpPr>
+          <p:nvPr>
+            <p:ph type="title"/>
+          </p:nvPr>
+        </p:nvSpPr>
+        <p:spPr>
+          <a:xfrm>
+            <a:off x="1046746" y="259629"/>
+            <a:ext cx="3537285" cy="1645920"/>
+          </a:xfrm>
+        </p:spPr>
+        <p:txBody>
+          <a:bodyPr>
+            <a:normAutofit/>
+          </a:bodyPr>
+          <a:lstStyle/>
+          <a:p>
+            <a:r>
+              <a:rPr lang="en-US" altLang="zh-TW" sz="3200" dirty="0"/>
+              <a:t>Survey Link template in </a:t>
+            </a:r>
+            <a:r>
+              <a:rPr lang="en-US" altLang="zh-TW" sz="3200" dirty="0" err="1"/>
+              <a:t>MTurk</a:t>
+            </a:r>
+            <a:r>
+              <a:rPr lang="en-US" altLang="zh-TW" sz="3200" dirty="0"/>
+              <a:t> Sandbox</a:t>
+            </a:r>
+            <a:endParaRPr lang="zh-TW" altLang="en-US" sz="3200" dirty="0"/>
+          </a:p>
+        </p:txBody>
+      </p:sp>
+      <p:sp>
+        <p:nvSpPr>
+          <p:cNvPr id="3" name="內容版面配置區 2">
+            <a:extLst>
+              <a:ext uri="{FF2B5EF4-FFF2-40B4-BE49-F238E27FC236}">
+                <a16:creationId xmlns:a16="http://schemas.microsoft.com/office/drawing/2014/main" id="{655153D6-7392-4190-A2AD-4AEF6E406272}"/>
+              </a:ext>
+            </a:extLst>
+          </p:cNvPr>
+          <p:cNvSpPr>
+            <a:spLocks noGrp="1"/>
+          </p:cNvSpPr>
+          <p:nvPr>
+            <p:ph idx="1"/>
+          </p:nvPr>
+        </p:nvSpPr>
+        <p:spPr>
+          <a:xfrm>
             <a:off x="5369636" y="259629"/>
             <a:ext cx="6002636" cy="1645920"/>
           </a:xfrm>
@@ -16996,7 +18394,7 @@
 </p:sld>
 </file>
 
-<file path=ppt/slides/slide7.xml><?xml version="1.0" encoding="utf-8"?>
+<file path=ppt/slides/slide8.xml><?xml version="1.0" encoding="utf-8"?>
 <p:sld xmlns:a="http://schemas.openxmlformats.org/drawingml/2006/main" xmlns:r="http://schemas.openxmlformats.org/officeDocument/2006/relationships" xmlns:p="http://schemas.openxmlformats.org/presentationml/2006/main">
   <p:cSld>
     <p:spTree>
@@ -17888,7 +19286,7 @@
 </p:sld>
 </file>
 
-<file path=ppt/slides/slide8.xml><?xml version="1.0" encoding="utf-8"?>
+<file path=ppt/slides/slide9.xml><?xml version="1.0" encoding="utf-8"?>
 <p:sld xmlns:a="http://schemas.openxmlformats.org/drawingml/2006/main" xmlns:r="http://schemas.openxmlformats.org/officeDocument/2006/relationships" xmlns:p="http://schemas.openxmlformats.org/presentationml/2006/main">
   <p:cSld>
     <p:spTree>
@@ -17905,410 +19303,12 @@
           <a:chExt cx="0" cy="0"/>
         </a:xfrm>
       </p:grpSpPr>
-      <p:sp useBgFill="1">
-        <p:nvSpPr>
-          <p:cNvPr id="13" name="Rectangle 12">
-            <a:extLst>
-              <a:ext uri="{FF2B5EF4-FFF2-40B4-BE49-F238E27FC236}">
-                <a16:creationId xmlns:a16="http://schemas.microsoft.com/office/drawing/2014/main" id="{115719BB-48A7-4AF4-BB91-DC82E0DF727D}"/>
-              </a:ext>
-              <a:ext uri="{C183D7F6-B498-43B3-948B-1728B52AA6E4}">
-                <adec:decorative xmlns:adec="http://schemas.microsoft.com/office/drawing/2017/decorative" val="1"/>
-              </a:ext>
-            </a:extLst>
-          </p:cNvPr>
-          <p:cNvSpPr>
-            <a:spLocks noGrp="1" noRot="1" noChangeAspect="1" noMove="1" noResize="1" noEditPoints="1" noAdjustHandles="1" noChangeArrowheads="1" noChangeShapeType="1" noTextEdit="1"/>
-          </p:cNvSpPr>
-          <p:nvPr>
-            <p:extLst>
-              <p:ext uri="{386F3935-93C4-4BCD-93E2-E3B085C9AB24}">
-                <p16:designElem xmlns:p16="http://schemas.microsoft.com/office/powerpoint/2015/main" val="1"/>
-              </p:ext>
-            </p:extLst>
-          </p:nvPr>
-        </p:nvSpPr>
-        <p:spPr>
-          <a:xfrm>
-            <a:off x="0" y="0"/>
-            <a:ext cx="12192000" cy="6858000"/>
-          </a:xfrm>
-          <a:prstGeom prst="rect">
-            <a:avLst/>
-          </a:prstGeom>
-          <a:ln>
-            <a:noFill/>
-          </a:ln>
-        </p:spPr>
-        <p:style>
-          <a:lnRef idx="2">
-            <a:schemeClr val="accent1">
-              <a:shade val="50000"/>
-            </a:schemeClr>
-          </a:lnRef>
-          <a:fillRef idx="1">
-            <a:schemeClr val="accent1"/>
-          </a:fillRef>
-          <a:effectRef idx="0">
-            <a:schemeClr val="accent1"/>
-          </a:effectRef>
-          <a:fontRef idx="minor">
-            <a:schemeClr val="lt1"/>
-          </a:fontRef>
-        </p:style>
-        <p:txBody>
-          <a:bodyPr rtlCol="0" anchor="ctr"/>
-          <a:lstStyle/>
-          <a:p>
-            <a:pPr algn="ctr"/>
-            <a:endParaRPr lang="en-US"/>
-          </a:p>
-        </p:txBody>
-      </p:sp>
-      <p:sp useBgFill="1">
-        <p:nvSpPr>
-          <p:cNvPr id="15" name="Freeform: Shape 14">
-            <a:extLst>
-              <a:ext uri="{FF2B5EF4-FFF2-40B4-BE49-F238E27FC236}">
-                <a16:creationId xmlns:a16="http://schemas.microsoft.com/office/drawing/2014/main" id="{10973A55-5440-4A99-B526-B5812E46271E}"/>
-              </a:ext>
-              <a:ext uri="{C183D7F6-B498-43B3-948B-1728B52AA6E4}">
-                <adec:decorative xmlns:adec="http://schemas.microsoft.com/office/drawing/2017/decorative" val="1"/>
-              </a:ext>
-            </a:extLst>
-          </p:cNvPr>
-          <p:cNvSpPr>
-            <a:spLocks noGrp="1" noRot="1" noChangeAspect="1" noMove="1" noResize="1" noEditPoints="1" noAdjustHandles="1" noChangeArrowheads="1" noChangeShapeType="1" noTextEdit="1"/>
-          </p:cNvSpPr>
-          <p:nvPr>
-            <p:extLst>
-              <p:ext uri="{386F3935-93C4-4BCD-93E2-E3B085C9AB24}">
-                <p16:designElem xmlns:p16="http://schemas.microsoft.com/office/powerpoint/2015/main" val="1"/>
-              </p:ext>
-            </p:extLst>
-          </p:nvPr>
-        </p:nvSpPr>
-        <p:spPr>
-          <a:xfrm>
-            <a:off x="-1" y="0"/>
-            <a:ext cx="6096002" cy="6858000"/>
-          </a:xfrm>
-          <a:custGeom>
-            <a:avLst/>
-            <a:gdLst>
-              <a:gd name="connsiteX0" fmla="*/ 0 w 6096002"/>
-              <a:gd name="connsiteY0" fmla="*/ 0 h 6858000"/>
-              <a:gd name="connsiteX1" fmla="*/ 4885967 w 6096002"/>
-              <a:gd name="connsiteY1" fmla="*/ 0 h 6858000"/>
-              <a:gd name="connsiteX2" fmla="*/ 4946007 w 6096002"/>
-              <a:gd name="connsiteY2" fmla="*/ 69271 h 6858000"/>
-              <a:gd name="connsiteX3" fmla="*/ 6096002 w 6096002"/>
-              <a:gd name="connsiteY3" fmla="*/ 3429000 h 6858000"/>
-              <a:gd name="connsiteX4" fmla="*/ 4946007 w 6096002"/>
-              <a:gd name="connsiteY4" fmla="*/ 6788730 h 6858000"/>
-              <a:gd name="connsiteX5" fmla="*/ 4885967 w 6096002"/>
-              <a:gd name="connsiteY5" fmla="*/ 6858000 h 6858000"/>
-              <a:gd name="connsiteX6" fmla="*/ 0 w 6096002"/>
-              <a:gd name="connsiteY6" fmla="*/ 6858000 h 6858000"/>
-            </a:gdLst>
-            <a:ahLst/>
-            <a:cxnLst>
-              <a:cxn ang="0">
-                <a:pos x="connsiteX0" y="connsiteY0"/>
-              </a:cxn>
-              <a:cxn ang="0">
-                <a:pos x="connsiteX1" y="connsiteY1"/>
-              </a:cxn>
-              <a:cxn ang="0">
-                <a:pos x="connsiteX2" y="connsiteY2"/>
-              </a:cxn>
-              <a:cxn ang="0">
-                <a:pos x="connsiteX3" y="connsiteY3"/>
-              </a:cxn>
-              <a:cxn ang="0">
-                <a:pos x="connsiteX4" y="connsiteY4"/>
-              </a:cxn>
-              <a:cxn ang="0">
-                <a:pos x="connsiteX5" y="connsiteY5"/>
-              </a:cxn>
-              <a:cxn ang="0">
-                <a:pos x="connsiteX6" y="connsiteY6"/>
-              </a:cxn>
-            </a:cxnLst>
-            <a:rect l="l" t="t" r="r" b="b"/>
-            <a:pathLst>
-              <a:path w="6096002" h="6858000">
-                <a:moveTo>
-                  <a:pt x="0" y="0"/>
-                </a:moveTo>
-                <a:lnTo>
-                  <a:pt x="4885967" y="0"/>
-                </a:lnTo>
-                <a:lnTo>
-                  <a:pt x="4946007" y="69271"/>
-                </a:lnTo>
-                <a:cubicBezTo>
-                  <a:pt x="5656533" y="929100"/>
-                  <a:pt x="6096002" y="2116944"/>
-                  <a:pt x="6096002" y="3429000"/>
-                </a:cubicBezTo>
-                <a:cubicBezTo>
-                  <a:pt x="6096002" y="4741056"/>
-                  <a:pt x="5656533" y="5928900"/>
-                  <a:pt x="4946007" y="6788730"/>
-                </a:cubicBezTo>
-                <a:lnTo>
-                  <a:pt x="4885967" y="6858000"/>
-                </a:lnTo>
-                <a:lnTo>
-                  <a:pt x="0" y="6858000"/>
-                </a:lnTo>
-                <a:close/>
-              </a:path>
-            </a:pathLst>
-          </a:custGeom>
-          <a:ln w="9525">
-            <a:solidFill>
-              <a:schemeClr val="tx2">
-                <a:lumMod val="10000"/>
-                <a:lumOff val="90000"/>
-              </a:schemeClr>
-            </a:solidFill>
-          </a:ln>
-          <a:effectLst>
-            <a:outerShdw blurRad="50800" dist="38100" algn="l" rotWithShape="0">
-              <a:schemeClr val="bg1">
-                <a:lumMod val="85000"/>
-                <a:alpha val="30000"/>
-              </a:schemeClr>
-            </a:outerShdw>
-          </a:effectLst>
-        </p:spPr>
-        <p:style>
-          <a:lnRef idx="2">
-            <a:schemeClr val="accent1">
-              <a:shade val="50000"/>
-            </a:schemeClr>
-          </a:lnRef>
-          <a:fillRef idx="1">
-            <a:schemeClr val="accent1"/>
-          </a:fillRef>
-          <a:effectRef idx="0">
-            <a:schemeClr val="accent1"/>
-          </a:effectRef>
-          <a:fontRef idx="minor">
-            <a:schemeClr val="lt1"/>
-          </a:fontRef>
-        </p:style>
-        <p:txBody>
-          <a:bodyPr wrap="square" rtlCol="0" anchor="ctr">
-            <a:noAutofit/>
-          </a:bodyPr>
-          <a:lstStyle/>
-          <a:p>
-            <a:pPr marL="0" marR="0" lvl="0" indent="0" algn="ctr" defTabSz="914400" rtl="0" eaLnBrk="1" fontAlgn="auto" latinLnBrk="0" hangingPunct="1">
-              <a:lnSpc>
-                <a:spcPct val="100000"/>
-              </a:lnSpc>
-              <a:spcBef>
-                <a:spcPts val="0"/>
-              </a:spcBef>
-              <a:spcAft>
-                <a:spcPts val="0"/>
-              </a:spcAft>
-              <a:buClrTx/>
-              <a:buSzTx/>
-              <a:buFontTx/>
-              <a:buNone/>
-              <a:tabLst/>
-              <a:defRPr/>
-            </a:pPr>
-            <a:endParaRPr kumimoji="0" lang="en-US" sz="1800" b="0" i="0" u="none" strike="noStrike" kern="1200" cap="none" spc="0" normalizeH="0" baseline="0" noProof="0">
-              <a:ln>
-                <a:noFill/>
-              </a:ln>
-              <a:solidFill>
-                <a:prstClr val="white"/>
-              </a:solidFill>
-              <a:effectLst/>
-              <a:uLnTx/>
-              <a:uFillTx/>
-              <a:latin typeface="Calibri" panose="020F0502020204030204"/>
-              <a:ea typeface="+mn-ea"/>
-              <a:cs typeface="+mn-cs"/>
-            </a:endParaRPr>
-          </a:p>
-        </p:txBody>
-      </p:sp>
-      <p:sp useBgFill="1">
-        <p:nvSpPr>
-          <p:cNvPr id="17" name="Freeform: Shape 16">
-            <a:extLst>
-              <a:ext uri="{FF2B5EF4-FFF2-40B4-BE49-F238E27FC236}">
-                <a16:creationId xmlns:a16="http://schemas.microsoft.com/office/drawing/2014/main" id="{A9682493-588A-4D52-98F6-FBBD80C07ECB}"/>
-              </a:ext>
-              <a:ext uri="{C183D7F6-B498-43B3-948B-1728B52AA6E4}">
-                <adec:decorative xmlns:adec="http://schemas.microsoft.com/office/drawing/2017/decorative" val="1"/>
-              </a:ext>
-            </a:extLst>
-          </p:cNvPr>
-          <p:cNvSpPr>
-            <a:spLocks noGrp="1" noRot="1" noChangeAspect="1" noMove="1" noResize="1" noEditPoints="1" noAdjustHandles="1" noChangeArrowheads="1" noChangeShapeType="1" noTextEdit="1"/>
-          </p:cNvSpPr>
-          <p:nvPr>
-            <p:extLst>
-              <p:ext uri="{386F3935-93C4-4BCD-93E2-E3B085C9AB24}">
-                <p16:designElem xmlns:p16="http://schemas.microsoft.com/office/powerpoint/2015/main" val="1"/>
-              </p:ext>
-            </p:extLst>
-          </p:nvPr>
-        </p:nvSpPr>
-        <p:spPr>
-          <a:xfrm>
-            <a:off x="0" y="0"/>
-            <a:ext cx="6085370" cy="6858000"/>
-          </a:xfrm>
-          <a:custGeom>
-            <a:avLst/>
-            <a:gdLst>
-              <a:gd name="connsiteX0" fmla="*/ 0 w 6085370"/>
-              <a:gd name="connsiteY0" fmla="*/ 0 h 6858000"/>
-              <a:gd name="connsiteX1" fmla="*/ 4875335 w 6085370"/>
-              <a:gd name="connsiteY1" fmla="*/ 0 h 6858000"/>
-              <a:gd name="connsiteX2" fmla="*/ 4935375 w 6085370"/>
-              <a:gd name="connsiteY2" fmla="*/ 69271 h 6858000"/>
-              <a:gd name="connsiteX3" fmla="*/ 6085370 w 6085370"/>
-              <a:gd name="connsiteY3" fmla="*/ 3429000 h 6858000"/>
-              <a:gd name="connsiteX4" fmla="*/ 4935375 w 6085370"/>
-              <a:gd name="connsiteY4" fmla="*/ 6788730 h 6858000"/>
-              <a:gd name="connsiteX5" fmla="*/ 4875335 w 6085370"/>
-              <a:gd name="connsiteY5" fmla="*/ 6858000 h 6858000"/>
-              <a:gd name="connsiteX6" fmla="*/ 0 w 6085370"/>
-              <a:gd name="connsiteY6" fmla="*/ 6858000 h 6858000"/>
-            </a:gdLst>
-            <a:ahLst/>
-            <a:cxnLst>
-              <a:cxn ang="0">
-                <a:pos x="connsiteX0" y="connsiteY0"/>
-              </a:cxn>
-              <a:cxn ang="0">
-                <a:pos x="connsiteX1" y="connsiteY1"/>
-              </a:cxn>
-              <a:cxn ang="0">
-                <a:pos x="connsiteX2" y="connsiteY2"/>
-              </a:cxn>
-              <a:cxn ang="0">
-                <a:pos x="connsiteX3" y="connsiteY3"/>
-              </a:cxn>
-              <a:cxn ang="0">
-                <a:pos x="connsiteX4" y="connsiteY4"/>
-              </a:cxn>
-              <a:cxn ang="0">
-                <a:pos x="connsiteX5" y="connsiteY5"/>
-              </a:cxn>
-              <a:cxn ang="0">
-                <a:pos x="connsiteX6" y="connsiteY6"/>
-              </a:cxn>
-            </a:cxnLst>
-            <a:rect l="l" t="t" r="r" b="b"/>
-            <a:pathLst>
-              <a:path w="6085370" h="6858000">
-                <a:moveTo>
-                  <a:pt x="0" y="0"/>
-                </a:moveTo>
-                <a:lnTo>
-                  <a:pt x="4875335" y="0"/>
-                </a:lnTo>
-                <a:lnTo>
-                  <a:pt x="4935375" y="69271"/>
-                </a:lnTo>
-                <a:cubicBezTo>
-                  <a:pt x="5645901" y="929100"/>
-                  <a:pt x="6085370" y="2116944"/>
-                  <a:pt x="6085370" y="3429000"/>
-                </a:cubicBezTo>
-                <a:cubicBezTo>
-                  <a:pt x="6085370" y="4741056"/>
-                  <a:pt x="5645901" y="5928900"/>
-                  <a:pt x="4935375" y="6788730"/>
-                </a:cubicBezTo>
-                <a:lnTo>
-                  <a:pt x="4875335" y="6858000"/>
-                </a:lnTo>
-                <a:lnTo>
-                  <a:pt x="0" y="6858000"/>
-                </a:lnTo>
-                <a:close/>
-              </a:path>
-            </a:pathLst>
-          </a:custGeom>
-          <a:ln w="9525">
-            <a:noFill/>
-          </a:ln>
-          <a:effectLst/>
-        </p:spPr>
-        <p:style>
-          <a:lnRef idx="2">
-            <a:schemeClr val="accent1">
-              <a:shade val="50000"/>
-            </a:schemeClr>
-          </a:lnRef>
-          <a:fillRef idx="1">
-            <a:schemeClr val="accent1"/>
-          </a:fillRef>
-          <a:effectRef idx="0">
-            <a:schemeClr val="accent1"/>
-          </a:effectRef>
-          <a:fontRef idx="minor">
-            <a:schemeClr val="lt1"/>
-          </a:fontRef>
-        </p:style>
-        <p:txBody>
-          <a:bodyPr wrap="square" rtlCol="0" anchor="ctr">
-            <a:noAutofit/>
-          </a:bodyPr>
-          <a:lstStyle/>
-          <a:p>
-            <a:pPr marL="0" marR="0" lvl="0" indent="0" algn="ctr" defTabSz="914400" rtl="0" eaLnBrk="1" fontAlgn="auto" latinLnBrk="0" hangingPunct="1">
-              <a:lnSpc>
-                <a:spcPct val="100000"/>
-              </a:lnSpc>
-              <a:spcBef>
-                <a:spcPts val="0"/>
-              </a:spcBef>
-              <a:spcAft>
-                <a:spcPts val="0"/>
-              </a:spcAft>
-              <a:buClrTx/>
-              <a:buSzTx/>
-              <a:buFontTx/>
-              <a:buNone/>
-              <a:tabLst/>
-              <a:defRPr/>
-            </a:pPr>
-            <a:endParaRPr kumimoji="0" lang="en-US" sz="1800" b="0" i="0" u="none" strike="noStrike" kern="1200" cap="none" spc="0" normalizeH="0" baseline="0" noProof="0">
-              <a:ln>
-                <a:noFill/>
-              </a:ln>
-              <a:solidFill>
-                <a:prstClr val="white"/>
-              </a:solidFill>
-              <a:effectLst/>
-              <a:uLnTx/>
-              <a:uFillTx/>
-              <a:latin typeface="Calibri" panose="020F0502020204030204"/>
-              <a:ea typeface="+mn-ea"/>
-              <a:cs typeface="+mn-cs"/>
-            </a:endParaRPr>
-          </a:p>
-        </p:txBody>
-      </p:sp>
       <p:sp>
         <p:nvSpPr>
           <p:cNvPr id="2" name="標題 1">
             <a:extLst>
               <a:ext uri="{FF2B5EF4-FFF2-40B4-BE49-F238E27FC236}">
-                <a16:creationId xmlns:a16="http://schemas.microsoft.com/office/drawing/2014/main" id="{3BB560C3-C9BD-4617-B54B-6E716152B1C4}"/>
+                <a16:creationId xmlns:a16="http://schemas.microsoft.com/office/drawing/2014/main" id="{382BB73E-29D3-49EC-83C3-18224DC4D70E}"/>
               </a:ext>
             </a:extLst>
           </p:cNvPr>
@@ -18319,220 +19319,21 @@
             <p:ph type="title"/>
           </p:nvPr>
         </p:nvSpPr>
-        <p:spPr>
-          <a:xfrm>
-            <a:off x="438913" y="859536"/>
-            <a:ext cx="4832802" cy="1170432"/>
-          </a:xfrm>
-        </p:spPr>
-        <p:txBody>
-          <a:bodyPr anchor="b">
-            <a:normAutofit/>
-          </a:bodyPr>
+        <p:spPr/>
+        <p:txBody>
+          <a:bodyPr/>
           <a:lstStyle/>
           <a:p>
-            <a:r>
-              <a:rPr lang="en-US" altLang="zh-TW" sz="3400" dirty="0"/>
-              <a:t>Q2: Intro</a:t>
-            </a:r>
-            <a:endParaRPr lang="zh-TW" altLang="en-US" sz="3400" dirty="0"/>
+            <a:endParaRPr lang="zh-HK" altLang="en-US" dirty="0"/>
           </a:p>
         </p:txBody>
       </p:sp>
       <p:sp>
         <p:nvSpPr>
-          <p:cNvPr id="19" name="Rectangle 18">
-            <a:extLst>
-              <a:ext uri="{FF2B5EF4-FFF2-40B4-BE49-F238E27FC236}">
-                <a16:creationId xmlns:a16="http://schemas.microsoft.com/office/drawing/2014/main" id="{FBEC5A7A-ADE4-48D9-B89C-2BA1C9110632}"/>
-              </a:ext>
-              <a:ext uri="{C183D7F6-B498-43B3-948B-1728B52AA6E4}">
-                <adec:decorative xmlns:adec="http://schemas.microsoft.com/office/drawing/2017/decorative" val="1"/>
-              </a:ext>
-            </a:extLst>
-          </p:cNvPr>
-          <p:cNvSpPr>
-            <a:spLocks noGrp="1" noRot="1" noChangeAspect="1" noMove="1" noResize="1" noEditPoints="1" noAdjustHandles="1" noChangeArrowheads="1" noChangeShapeType="1" noTextEdit="1"/>
-          </p:cNvSpPr>
-          <p:nvPr>
-            <p:extLst>
-              <p:ext uri="{386F3935-93C4-4BCD-93E2-E3B085C9AB24}">
-                <p16:designElem xmlns:p16="http://schemas.microsoft.com/office/powerpoint/2015/main" val="1"/>
-              </p:ext>
-            </p:extLst>
-          </p:nvPr>
-        </p:nvSpPr>
-        <p:spPr>
-          <a:xfrm rot="5400000">
-            <a:off x="703236" y="363389"/>
-            <a:ext cx="73152" cy="548640"/>
-          </a:xfrm>
-          <a:prstGeom prst="rect">
-            <a:avLst/>
-          </a:prstGeom>
-          <a:solidFill>
-            <a:schemeClr val="accent1"/>
-          </a:solidFill>
-          <a:ln>
-            <a:noFill/>
-          </a:ln>
-        </p:spPr>
-        <p:style>
-          <a:lnRef idx="2">
-            <a:schemeClr val="accent1">
-              <a:shade val="50000"/>
-            </a:schemeClr>
-          </a:lnRef>
-          <a:fillRef idx="1">
-            <a:schemeClr val="accent1"/>
-          </a:fillRef>
-          <a:effectRef idx="0">
-            <a:schemeClr val="accent1"/>
-          </a:effectRef>
-          <a:fontRef idx="minor">
-            <a:schemeClr val="lt1"/>
-          </a:fontRef>
-        </p:style>
-        <p:txBody>
-          <a:bodyPr rtlCol="0" anchor="ctr"/>
-          <a:lstStyle/>
-          <a:p>
-            <a:pPr marL="0" marR="0" lvl="0" indent="0" algn="ctr" defTabSz="914400" rtl="0" eaLnBrk="1" fontAlgn="auto" latinLnBrk="0" hangingPunct="1">
-              <a:lnSpc>
-                <a:spcPct val="100000"/>
-              </a:lnSpc>
-              <a:spcBef>
-                <a:spcPts val="0"/>
-              </a:spcBef>
-              <a:spcAft>
-                <a:spcPts val="0"/>
-              </a:spcAft>
-              <a:buClrTx/>
-              <a:buSzTx/>
-              <a:buFontTx/>
-              <a:buNone/>
-              <a:tabLst/>
-              <a:defRPr/>
-            </a:pPr>
-            <a:endParaRPr kumimoji="0" lang="en-US" sz="1800" b="0" i="0" u="none" strike="noStrike" kern="1200" cap="none" spc="0" normalizeH="0" baseline="0" noProof="0">
-              <a:ln>
-                <a:noFill/>
-              </a:ln>
-              <a:solidFill>
-                <a:prstClr val="white"/>
-              </a:solidFill>
-              <a:effectLst/>
-              <a:uLnTx/>
-              <a:uFillTx/>
-              <a:latin typeface="Calibri" panose="020F0502020204030204"/>
-              <a:ea typeface="+mn-ea"/>
-              <a:cs typeface="+mn-cs"/>
-            </a:endParaRPr>
-          </a:p>
-        </p:txBody>
-      </p:sp>
-      <p:sp>
-        <p:nvSpPr>
-          <p:cNvPr id="21" name="Rectangle 20">
-            <a:extLst>
-              <a:ext uri="{FF2B5EF4-FFF2-40B4-BE49-F238E27FC236}">
-                <a16:creationId xmlns:a16="http://schemas.microsoft.com/office/drawing/2014/main" id="{82095FCE-EF05-4443-B97A-85DEE3A5CA17}"/>
-              </a:ext>
-              <a:ext uri="{C183D7F6-B498-43B3-948B-1728B52AA6E4}">
-                <adec:decorative xmlns:adec="http://schemas.microsoft.com/office/drawing/2017/decorative" val="1"/>
-              </a:ext>
-            </a:extLst>
-          </p:cNvPr>
-          <p:cNvSpPr>
-            <a:spLocks noGrp="1" noRot="1" noChangeAspect="1" noMove="1" noResize="1" noEditPoints="1" noAdjustHandles="1" noChangeArrowheads="1" noChangeShapeType="1" noTextEdit="1"/>
-          </p:cNvSpPr>
-          <p:nvPr>
-            <p:extLst>
-              <p:ext uri="{386F3935-93C4-4BCD-93E2-E3B085C9AB24}">
-                <p16:designElem xmlns:p16="http://schemas.microsoft.com/office/powerpoint/2015/main" val="1"/>
-              </p:ext>
-            </p:extLst>
-          </p:nvPr>
-        </p:nvSpPr>
-        <p:spPr>
-          <a:xfrm>
-            <a:off x="465492" y="2185062"/>
-            <a:ext cx="4937760" cy="18288"/>
-          </a:xfrm>
-          <a:prstGeom prst="rect">
-            <a:avLst/>
-          </a:prstGeom>
-          <a:solidFill>
-            <a:schemeClr val="tx2">
-              <a:lumMod val="25000"/>
-              <a:lumOff val="75000"/>
-            </a:schemeClr>
-          </a:solidFill>
-          <a:ln w="3175">
-            <a:noFill/>
-          </a:ln>
-          <a:effectLst/>
-        </p:spPr>
-        <p:style>
-          <a:lnRef idx="2">
-            <a:schemeClr val="accent1">
-              <a:shade val="50000"/>
-            </a:schemeClr>
-          </a:lnRef>
-          <a:fillRef idx="1">
-            <a:schemeClr val="accent1"/>
-          </a:fillRef>
-          <a:effectRef idx="0">
-            <a:schemeClr val="accent1"/>
-          </a:effectRef>
-          <a:fontRef idx="minor">
-            <a:schemeClr val="lt1"/>
-          </a:fontRef>
-        </p:style>
-        <p:txBody>
-          <a:bodyPr rtlCol="0" anchor="ctr"/>
-          <a:lstStyle/>
-          <a:p>
-            <a:pPr marL="0" marR="0" lvl="0" indent="0" algn="ctr" defTabSz="914400" rtl="0" eaLnBrk="1" fontAlgn="auto" latinLnBrk="0" hangingPunct="1">
-              <a:lnSpc>
-                <a:spcPct val="100000"/>
-              </a:lnSpc>
-              <a:spcBef>
-                <a:spcPts val="0"/>
-              </a:spcBef>
-              <a:spcAft>
-                <a:spcPts val="0"/>
-              </a:spcAft>
-              <a:buClrTx/>
-              <a:buSzTx/>
-              <a:buFontTx/>
-              <a:buNone/>
-              <a:tabLst/>
-              <a:defRPr/>
-            </a:pPr>
-            <a:endParaRPr kumimoji="0" lang="en-US" sz="1800" b="0" i="0" u="none" strike="noStrike" kern="1200" cap="none" spc="0" normalizeH="0" baseline="0" noProof="0">
-              <a:ln>
-                <a:noFill/>
-              </a:ln>
-              <a:solidFill>
-                <a:prstClr val="white"/>
-              </a:solidFill>
-              <a:effectLst/>
-              <a:uLnTx/>
-              <a:uFillTx/>
-              <a:latin typeface="Calibri" panose="020F0502020204030204"/>
-              <a:ea typeface="+mn-ea"/>
-              <a:cs typeface="+mn-cs"/>
-            </a:endParaRPr>
-          </a:p>
-        </p:txBody>
-      </p:sp>
-      <p:sp>
-        <p:nvSpPr>
           <p:cNvPr id="3" name="內容版面配置區 2">
             <a:extLst>
               <a:ext uri="{FF2B5EF4-FFF2-40B4-BE49-F238E27FC236}">
-                <a16:creationId xmlns:a16="http://schemas.microsoft.com/office/drawing/2014/main" id="{655153D6-7392-4190-A2AD-4AEF6E406272}"/>
+                <a16:creationId xmlns:a16="http://schemas.microsoft.com/office/drawing/2014/main" id="{F75E2BC0-B1B9-49ED-B5D5-093E19A82337}"/>
               </a:ext>
             </a:extLst>
           </p:cNvPr>
@@ -18543,619 +19344,19 @@
             <p:ph idx="1"/>
           </p:nvPr>
         </p:nvSpPr>
-        <p:spPr>
-          <a:xfrm>
-            <a:off x="438912" y="2512611"/>
-            <a:ext cx="4832803" cy="3664351"/>
-          </a:xfrm>
-        </p:spPr>
-        <p:txBody>
-          <a:bodyPr>
-            <a:normAutofit/>
-          </a:bodyPr>
+        <p:spPr/>
+        <p:txBody>
+          <a:bodyPr/>
           <a:lstStyle/>
           <a:p>
-            <a:r>
-              <a:rPr lang="en-US" altLang="zh-TW" sz="1800" dirty="0"/>
-              <a:t>1 question = 1 trial</a:t>
-            </a:r>
-          </a:p>
-          <a:p>
-            <a:r>
-              <a:rPr lang="en-US" altLang="zh-TW" sz="1800" dirty="0"/>
-              <a:t>1 question type = 1 trial type (input type)</a:t>
-            </a:r>
-          </a:p>
-          <a:p>
-            <a:r>
-              <a:rPr lang="en-US" altLang="zh-TW" sz="1800" dirty="0"/>
-              <a:t>This question is a forced-choice task, so multiple choice is used</a:t>
-            </a:r>
-          </a:p>
-          <a:p>
-            <a:r>
-              <a:rPr lang="en-US" altLang="zh-TW" sz="1800" dirty="0"/>
-              <a:t>‘Force response’ = participants can’t skip the question</a:t>
-            </a:r>
-            <a:endParaRPr lang="zh-TW" altLang="en-US" sz="1800" dirty="0"/>
-          </a:p>
-        </p:txBody>
-      </p:sp>
-      <p:pic>
-        <p:nvPicPr>
-          <p:cNvPr id="6" name="圖片 5">
-            <a:extLst>
-              <a:ext uri="{FF2B5EF4-FFF2-40B4-BE49-F238E27FC236}">
-                <a16:creationId xmlns:a16="http://schemas.microsoft.com/office/drawing/2014/main" id="{37E83727-3629-45DE-8E75-F396E2948227}"/>
-              </a:ext>
-            </a:extLst>
-          </p:cNvPr>
-          <p:cNvPicPr>
-            <a:picLocks noChangeAspect="1"/>
-          </p:cNvPicPr>
-          <p:nvPr/>
-        </p:nvPicPr>
-        <p:blipFill>
-          <a:blip r:embed="rId2"/>
-          <a:stretch>
-            <a:fillRect/>
-          </a:stretch>
-        </p:blipFill>
-        <p:spPr>
-          <a:xfrm>
-            <a:off x="7120570" y="3149931"/>
-            <a:ext cx="3824264" cy="2743200"/>
-          </a:xfrm>
-          <a:prstGeom prst="rect">
-            <a:avLst/>
-          </a:prstGeom>
-        </p:spPr>
-      </p:pic>
-      <p:pic>
-        <p:nvPicPr>
-          <p:cNvPr id="8" name="圖片 7">
-            <a:extLst>
-              <a:ext uri="{FF2B5EF4-FFF2-40B4-BE49-F238E27FC236}">
-                <a16:creationId xmlns:a16="http://schemas.microsoft.com/office/drawing/2014/main" id="{844F8C7B-AFA5-49A5-A2A7-B6B01967ECF5}"/>
-              </a:ext>
-            </a:extLst>
-          </p:cNvPr>
-          <p:cNvPicPr>
-            <a:picLocks noChangeAspect="1"/>
-          </p:cNvPicPr>
-          <p:nvPr/>
-        </p:nvPicPr>
-        <p:blipFill>
-          <a:blip r:embed="rId3"/>
-          <a:stretch>
-            <a:fillRect/>
-          </a:stretch>
-        </p:blipFill>
-        <p:spPr>
-          <a:xfrm>
-            <a:off x="6463238" y="554738"/>
-            <a:ext cx="5138928" cy="2040456"/>
-          </a:xfrm>
-          <a:prstGeom prst="rect">
-            <a:avLst/>
-          </a:prstGeom>
-        </p:spPr>
-      </p:pic>
+            <a:endParaRPr lang="zh-HK" altLang="en-US"/>
+          </a:p>
+        </p:txBody>
+      </p:sp>
     </p:spTree>
     <p:extLst>
       <p:ext uri="{BB962C8B-B14F-4D97-AF65-F5344CB8AC3E}">
-        <p14:creationId xmlns:p14="http://schemas.microsoft.com/office/powerpoint/2010/main" val="1911590532"/>
-      </p:ext>
-    </p:extLst>
-  </p:cSld>
-  <p:clrMapOvr>
-    <a:masterClrMapping/>
-  </p:clrMapOvr>
-</p:sld>
-</file>
-
-<file path=ppt/slides/slide9.xml><?xml version="1.0" encoding="utf-8"?>
-<p:sld xmlns:a="http://schemas.openxmlformats.org/drawingml/2006/main" xmlns:r="http://schemas.openxmlformats.org/officeDocument/2006/relationships" xmlns:p="http://schemas.openxmlformats.org/presentationml/2006/main">
-  <p:cSld>
-    <p:bg>
-      <p:bgPr>
-        <a:gradFill>
-          <a:gsLst>
-            <a:gs pos="23000">
-              <a:schemeClr val="accent1">
-                <a:lumMod val="5000"/>
-                <a:lumOff val="95000"/>
-              </a:schemeClr>
-            </a:gs>
-            <a:gs pos="46000">
-              <a:schemeClr val="accent1">
-                <a:lumMod val="45000"/>
-                <a:lumOff val="55000"/>
-              </a:schemeClr>
-            </a:gs>
-            <a:gs pos="67000">
-              <a:schemeClr val="accent1">
-                <a:lumMod val="45000"/>
-                <a:lumOff val="55000"/>
-              </a:schemeClr>
-            </a:gs>
-            <a:gs pos="89000">
-              <a:schemeClr val="accent1">
-                <a:lumMod val="30000"/>
-                <a:lumOff val="70000"/>
-              </a:schemeClr>
-            </a:gs>
-          </a:gsLst>
-          <a:lin ang="5400000" scaled="1"/>
-        </a:gradFill>
-        <a:effectLst/>
-      </p:bgPr>
-    </p:bg>
-    <p:spTree>
-      <p:nvGrpSpPr>
-        <p:cNvPr id="1" name=""/>
-        <p:cNvGrpSpPr/>
-        <p:nvPr/>
-      </p:nvGrpSpPr>
-      <p:grpSpPr>
-        <a:xfrm>
-          <a:off x="0" y="0"/>
-          <a:ext cx="0" cy="0"/>
-          <a:chOff x="0" y="0"/>
-          <a:chExt cx="0" cy="0"/>
-        </a:xfrm>
-      </p:grpSpPr>
-      <p:sp useBgFill="1">
-        <p:nvSpPr>
-          <p:cNvPr id="19" name="Rectangle 10">
-            <a:extLst>
-              <a:ext uri="{FF2B5EF4-FFF2-40B4-BE49-F238E27FC236}">
-                <a16:creationId xmlns:a16="http://schemas.microsoft.com/office/drawing/2014/main" id="{2C9A9DA9-7DC8-488B-A882-123947B0F3D9}"/>
-              </a:ext>
-              <a:ext uri="{C183D7F6-B498-43B3-948B-1728B52AA6E4}">
-                <adec:decorative xmlns:adec="http://schemas.microsoft.com/office/drawing/2017/decorative" val="1"/>
-              </a:ext>
-            </a:extLst>
-          </p:cNvPr>
-          <p:cNvSpPr>
-            <a:spLocks noGrp="1" noRot="1" noChangeAspect="1" noMove="1" noResize="1" noEditPoints="1" noAdjustHandles="1" noChangeArrowheads="1" noChangeShapeType="1" noTextEdit="1"/>
-          </p:cNvSpPr>
-          <p:nvPr>
-            <p:extLst>
-              <p:ext uri="{386F3935-93C4-4BCD-93E2-E3B085C9AB24}">
-                <p16:designElem xmlns:p16="http://schemas.microsoft.com/office/powerpoint/2015/main" val="1"/>
-              </p:ext>
-            </p:extLst>
-          </p:nvPr>
-        </p:nvSpPr>
-        <p:spPr>
-          <a:xfrm>
-            <a:off x="0" y="0"/>
-            <a:ext cx="12192000" cy="6858000"/>
-          </a:xfrm>
-          <a:prstGeom prst="rect">
-            <a:avLst/>
-          </a:prstGeom>
-          <a:ln>
-            <a:noFill/>
-          </a:ln>
-        </p:spPr>
-        <p:style>
-          <a:lnRef idx="2">
-            <a:schemeClr val="accent1">
-              <a:shade val="50000"/>
-            </a:schemeClr>
-          </a:lnRef>
-          <a:fillRef idx="1">
-            <a:schemeClr val="accent1"/>
-          </a:fillRef>
-          <a:effectRef idx="0">
-            <a:schemeClr val="accent1"/>
-          </a:effectRef>
-          <a:fontRef idx="minor">
-            <a:schemeClr val="lt1"/>
-          </a:fontRef>
-        </p:style>
-        <p:txBody>
-          <a:bodyPr rtlCol="0" anchor="ctr"/>
-          <a:lstStyle/>
-          <a:p>
-            <a:pPr algn="ctr"/>
-            <a:endParaRPr lang="en-US"/>
-          </a:p>
-        </p:txBody>
-      </p:sp>
-      <p:sp useBgFill="1">
-        <p:nvSpPr>
-          <p:cNvPr id="20" name="Rectangle 12">
-            <a:extLst>
-              <a:ext uri="{FF2B5EF4-FFF2-40B4-BE49-F238E27FC236}">
-                <a16:creationId xmlns:a16="http://schemas.microsoft.com/office/drawing/2014/main" id="{57F6BDD4-E066-4008-8011-6CC31AEB4556}"/>
-              </a:ext>
-              <a:ext uri="{C183D7F6-B498-43B3-948B-1728B52AA6E4}">
-                <adec:decorative xmlns:adec="http://schemas.microsoft.com/office/drawing/2017/decorative" val="1"/>
-              </a:ext>
-            </a:extLst>
-          </p:cNvPr>
-          <p:cNvSpPr>
-            <a:spLocks noGrp="1" noRot="1" noChangeAspect="1" noMove="1" noResize="1" noEditPoints="1" noAdjustHandles="1" noChangeArrowheads="1" noChangeShapeType="1" noTextEdit="1"/>
-          </p:cNvSpPr>
-          <p:nvPr>
-            <p:extLst>
-              <p:ext uri="{386F3935-93C4-4BCD-93E2-E3B085C9AB24}">
-                <p16:designElem xmlns:p16="http://schemas.microsoft.com/office/powerpoint/2015/main" val="1"/>
-              </p:ext>
-            </p:extLst>
-          </p:nvPr>
-        </p:nvSpPr>
-        <p:spPr>
-          <a:xfrm>
-            <a:off x="409575" y="633619"/>
-            <a:ext cx="6838569" cy="5495925"/>
-          </a:xfrm>
-          <a:prstGeom prst="rect">
-            <a:avLst/>
-          </a:prstGeom>
-          <a:ln w="9525">
-            <a:solidFill>
-              <a:schemeClr val="tx2">
-                <a:lumMod val="10000"/>
-                <a:lumOff val="90000"/>
-              </a:schemeClr>
-            </a:solidFill>
-          </a:ln>
-          <a:effectLst>
-            <a:outerShdw blurRad="50800" dist="38100" dir="2700000" algn="tl" rotWithShape="0">
-              <a:schemeClr val="bg1">
-                <a:lumMod val="85000"/>
-                <a:alpha val="30000"/>
-              </a:schemeClr>
-            </a:outerShdw>
-          </a:effectLst>
-        </p:spPr>
-        <p:style>
-          <a:lnRef idx="2">
-            <a:schemeClr val="accent1">
-              <a:shade val="50000"/>
-            </a:schemeClr>
-          </a:lnRef>
-          <a:fillRef idx="1">
-            <a:schemeClr val="accent1"/>
-          </a:fillRef>
-          <a:effectRef idx="0">
-            <a:schemeClr val="accent1"/>
-          </a:effectRef>
-          <a:fontRef idx="minor">
-            <a:schemeClr val="lt1"/>
-          </a:fontRef>
-        </p:style>
-        <p:txBody>
-          <a:bodyPr rtlCol="0" anchor="ctr"/>
-          <a:lstStyle/>
-          <a:p>
-            <a:pPr marL="0" marR="0" lvl="0" indent="0" algn="ctr" defTabSz="914400" rtl="0" eaLnBrk="1" fontAlgn="auto" latinLnBrk="0" hangingPunct="1">
-              <a:lnSpc>
-                <a:spcPct val="100000"/>
-              </a:lnSpc>
-              <a:spcBef>
-                <a:spcPts val="0"/>
-              </a:spcBef>
-              <a:spcAft>
-                <a:spcPts val="0"/>
-              </a:spcAft>
-              <a:buClrTx/>
-              <a:buSzTx/>
-              <a:buFontTx/>
-              <a:buNone/>
-              <a:tabLst/>
-              <a:defRPr/>
-            </a:pPr>
-            <a:endParaRPr kumimoji="0" lang="en-US" sz="1800" b="0" i="0" u="none" strike="noStrike" kern="1200" cap="none" spc="0" normalizeH="0" baseline="0" noProof="0">
-              <a:ln>
-                <a:noFill/>
-              </a:ln>
-              <a:solidFill>
-                <a:prstClr val="white"/>
-              </a:solidFill>
-              <a:effectLst/>
-              <a:uLnTx/>
-              <a:uFillTx/>
-              <a:latin typeface="Calibri" panose="020F0502020204030204"/>
-              <a:ea typeface="+mn-ea"/>
-              <a:cs typeface="+mn-cs"/>
-            </a:endParaRPr>
-          </a:p>
-        </p:txBody>
-      </p:sp>
-      <p:sp>
-        <p:nvSpPr>
-          <p:cNvPr id="2" name="標題 1">
-            <a:extLst>
-              <a:ext uri="{FF2B5EF4-FFF2-40B4-BE49-F238E27FC236}">
-                <a16:creationId xmlns:a16="http://schemas.microsoft.com/office/drawing/2014/main" id="{0E5D8DE3-D7CA-4E40-9165-580363B9674A}"/>
-              </a:ext>
-            </a:extLst>
-          </p:cNvPr>
-          <p:cNvSpPr>
-            <a:spLocks noGrp="1"/>
-          </p:cNvSpPr>
-          <p:nvPr>
-            <p:ph type="title"/>
-          </p:nvPr>
-        </p:nvSpPr>
-        <p:spPr>
-          <a:xfrm>
-            <a:off x="841246" y="978619"/>
-            <a:ext cx="5991244" cy="1106424"/>
-          </a:xfrm>
-        </p:spPr>
-        <p:txBody>
-          <a:bodyPr>
-            <a:normAutofit/>
-          </a:bodyPr>
-          <a:lstStyle/>
-          <a:p>
-            <a:r>
-              <a:rPr lang="en-US" altLang="zh-TW" sz="3200" dirty="0"/>
-              <a:t>Q3/Q4: Question type</a:t>
-            </a:r>
-            <a:endParaRPr lang="zh-TW" altLang="en-US" sz="3200" dirty="0"/>
-          </a:p>
-        </p:txBody>
-      </p:sp>
-      <p:sp>
-        <p:nvSpPr>
-          <p:cNvPr id="21" name="Rectangle 14">
-            <a:extLst>
-              <a:ext uri="{FF2B5EF4-FFF2-40B4-BE49-F238E27FC236}">
-                <a16:creationId xmlns:a16="http://schemas.microsoft.com/office/drawing/2014/main" id="{2711A8FB-68FC-45FC-B01E-38F809E2D439}"/>
-              </a:ext>
-              <a:ext uri="{C183D7F6-B498-43B3-948B-1728B52AA6E4}">
-                <adec:decorative xmlns:adec="http://schemas.microsoft.com/office/drawing/2017/decorative" val="1"/>
-              </a:ext>
-            </a:extLst>
-          </p:cNvPr>
-          <p:cNvSpPr>
-            <a:spLocks noGrp="1" noRot="1" noChangeAspect="1" noMove="1" noResize="1" noEditPoints="1" noAdjustHandles="1" noChangeArrowheads="1" noChangeShapeType="1" noTextEdit="1"/>
-          </p:cNvSpPr>
-          <p:nvPr>
-            <p:extLst>
-              <p:ext uri="{386F3935-93C4-4BCD-93E2-E3B085C9AB24}">
-                <p16:designElem xmlns:p16="http://schemas.microsoft.com/office/powerpoint/2015/main" val="1"/>
-              </p:ext>
-            </p:extLst>
-          </p:nvPr>
-        </p:nvSpPr>
-        <p:spPr>
-          <a:xfrm>
-            <a:off x="345567" y="1171300"/>
-            <a:ext cx="128016" cy="704088"/>
-          </a:xfrm>
-          <a:prstGeom prst="rect">
-            <a:avLst/>
-          </a:prstGeom>
-          <a:solidFill>
-            <a:schemeClr val="accent1"/>
-          </a:solidFill>
-          <a:ln>
-            <a:noFill/>
-          </a:ln>
-        </p:spPr>
-        <p:style>
-          <a:lnRef idx="2">
-            <a:schemeClr val="accent1">
-              <a:shade val="50000"/>
-            </a:schemeClr>
-          </a:lnRef>
-          <a:fillRef idx="1">
-            <a:schemeClr val="accent1"/>
-          </a:fillRef>
-          <a:effectRef idx="0">
-            <a:schemeClr val="accent1"/>
-          </a:effectRef>
-          <a:fontRef idx="minor">
-            <a:schemeClr val="lt1"/>
-          </a:fontRef>
-        </p:style>
-        <p:txBody>
-          <a:bodyPr rtlCol="0" anchor="ctr"/>
-          <a:lstStyle/>
-          <a:p>
-            <a:pPr marL="0" marR="0" lvl="0" indent="0" algn="ctr" defTabSz="914400" rtl="0" eaLnBrk="1" fontAlgn="auto" latinLnBrk="0" hangingPunct="1">
-              <a:lnSpc>
-                <a:spcPct val="100000"/>
-              </a:lnSpc>
-              <a:spcBef>
-                <a:spcPts val="0"/>
-              </a:spcBef>
-              <a:spcAft>
-                <a:spcPts val="0"/>
-              </a:spcAft>
-              <a:buClrTx/>
-              <a:buSzTx/>
-              <a:buFontTx/>
-              <a:buNone/>
-              <a:tabLst/>
-              <a:defRPr/>
-            </a:pPr>
-            <a:endParaRPr kumimoji="0" lang="en-US" sz="1800" b="0" i="0" u="none" strike="noStrike" kern="1200" cap="none" spc="0" normalizeH="0" baseline="0" noProof="0">
-              <a:ln>
-                <a:noFill/>
-              </a:ln>
-              <a:solidFill>
-                <a:prstClr val="white"/>
-              </a:solidFill>
-              <a:effectLst/>
-              <a:uLnTx/>
-              <a:uFillTx/>
-              <a:latin typeface="Calibri" panose="020F0502020204030204"/>
-              <a:ea typeface="+mn-ea"/>
-              <a:cs typeface="+mn-cs"/>
-            </a:endParaRPr>
-          </a:p>
-        </p:txBody>
-      </p:sp>
-      <p:sp>
-        <p:nvSpPr>
-          <p:cNvPr id="22" name="Rectangle 16">
-            <a:extLst>
-              <a:ext uri="{FF2B5EF4-FFF2-40B4-BE49-F238E27FC236}">
-                <a16:creationId xmlns:a16="http://schemas.microsoft.com/office/drawing/2014/main" id="{2A865FE3-5FC9-4049-87CF-30019C46C0F5}"/>
-              </a:ext>
-              <a:ext uri="{C183D7F6-B498-43B3-948B-1728B52AA6E4}">
-                <adec:decorative xmlns:adec="http://schemas.microsoft.com/office/drawing/2017/decorative" val="1"/>
-              </a:ext>
-            </a:extLst>
-          </p:cNvPr>
-          <p:cNvSpPr>
-            <a:spLocks noGrp="1" noRot="1" noChangeAspect="1" noMove="1" noResize="1" noEditPoints="1" noAdjustHandles="1" noChangeArrowheads="1" noChangeShapeType="1" noTextEdit="1"/>
-          </p:cNvSpPr>
-          <p:nvPr>
-            <p:extLst>
-              <p:ext uri="{386F3935-93C4-4BCD-93E2-E3B085C9AB24}">
-                <p16:designElem xmlns:p16="http://schemas.microsoft.com/office/powerpoint/2015/main" val="1"/>
-              </p:ext>
-            </p:extLst>
-          </p:nvPr>
-        </p:nvSpPr>
-        <p:spPr>
-          <a:xfrm>
-            <a:off x="877458" y="2093976"/>
-            <a:ext cx="5846683" cy="9144"/>
-          </a:xfrm>
-          <a:prstGeom prst="rect">
-            <a:avLst/>
-          </a:prstGeom>
-          <a:solidFill>
-            <a:schemeClr val="tx2">
-              <a:lumMod val="25000"/>
-              <a:lumOff val="75000"/>
-            </a:schemeClr>
-          </a:solidFill>
-          <a:ln w="3175">
-            <a:noFill/>
-          </a:ln>
-          <a:effectLst/>
-        </p:spPr>
-        <p:style>
-          <a:lnRef idx="2">
-            <a:schemeClr val="accent1">
-              <a:shade val="50000"/>
-            </a:schemeClr>
-          </a:lnRef>
-          <a:fillRef idx="1">
-            <a:schemeClr val="accent1"/>
-          </a:fillRef>
-          <a:effectRef idx="0">
-            <a:schemeClr val="accent1"/>
-          </a:effectRef>
-          <a:fontRef idx="minor">
-            <a:schemeClr val="lt1"/>
-          </a:fontRef>
-        </p:style>
-        <p:txBody>
-          <a:bodyPr rtlCol="0" anchor="ctr"/>
-          <a:lstStyle/>
-          <a:p>
-            <a:pPr marL="0" marR="0" lvl="0" indent="0" algn="ctr" defTabSz="914400" rtl="0" eaLnBrk="1" fontAlgn="auto" latinLnBrk="0" hangingPunct="1">
-              <a:lnSpc>
-                <a:spcPct val="100000"/>
-              </a:lnSpc>
-              <a:spcBef>
-                <a:spcPts val="0"/>
-              </a:spcBef>
-              <a:spcAft>
-                <a:spcPts val="0"/>
-              </a:spcAft>
-              <a:buClrTx/>
-              <a:buSzTx/>
-              <a:buFontTx/>
-              <a:buNone/>
-              <a:tabLst/>
-              <a:defRPr/>
-            </a:pPr>
-            <a:endParaRPr kumimoji="0" lang="en-US" sz="1800" b="0" i="0" u="none" strike="noStrike" kern="1200" cap="none" spc="0" normalizeH="0" baseline="0" noProof="0">
-              <a:ln>
-                <a:noFill/>
-              </a:ln>
-              <a:solidFill>
-                <a:prstClr val="white"/>
-              </a:solidFill>
-              <a:effectLst/>
-              <a:uLnTx/>
-              <a:uFillTx/>
-              <a:latin typeface="Calibri" panose="020F0502020204030204"/>
-              <a:ea typeface="+mn-ea"/>
-              <a:cs typeface="+mn-cs"/>
-            </a:endParaRPr>
-          </a:p>
-        </p:txBody>
-      </p:sp>
-      <p:pic>
-        <p:nvPicPr>
-          <p:cNvPr id="4" name="圖片 3">
-            <a:extLst>
-              <a:ext uri="{FF2B5EF4-FFF2-40B4-BE49-F238E27FC236}">
-                <a16:creationId xmlns:a16="http://schemas.microsoft.com/office/drawing/2014/main" id="{B15E11D7-9AA6-4DB2-A5FF-91C80491C938}"/>
-              </a:ext>
-            </a:extLst>
-          </p:cNvPr>
-          <p:cNvPicPr>
-            <a:picLocks noChangeAspect="1"/>
-          </p:cNvPicPr>
-          <p:nvPr/>
-        </p:nvPicPr>
-        <p:blipFill>
-          <a:blip r:embed="rId2"/>
-          <a:stretch>
-            <a:fillRect/>
-          </a:stretch>
-        </p:blipFill>
-        <p:spPr>
-          <a:xfrm>
-            <a:off x="7679814" y="925505"/>
-            <a:ext cx="4097657" cy="4906405"/>
-          </a:xfrm>
-          <a:prstGeom prst="rect">
-            <a:avLst/>
-          </a:prstGeom>
-        </p:spPr>
-      </p:pic>
-      <p:graphicFrame>
-        <p:nvGraphicFramePr>
-          <p:cNvPr id="6" name="內容版面配置區 2">
-            <a:extLst>
-              <a:ext uri="{FF2B5EF4-FFF2-40B4-BE49-F238E27FC236}">
-                <a16:creationId xmlns:a16="http://schemas.microsoft.com/office/drawing/2014/main" id="{CF3414D4-252D-460F-B24F-2F49F8AC03DA}"/>
-              </a:ext>
-            </a:extLst>
-          </p:cNvPr>
-          <p:cNvGraphicFramePr>
-            <a:graphicFrameLocks noGrp="1"/>
-          </p:cNvGraphicFramePr>
-          <p:nvPr>
-            <p:ph idx="1"/>
-            <p:extLst>
-              <p:ext uri="{D42A27DB-BD31-4B8C-83A1-F6EECF244321}">
-                <p14:modId xmlns:p14="http://schemas.microsoft.com/office/powerpoint/2010/main" val="529306354"/>
-              </p:ext>
-            </p:extLst>
-          </p:nvPr>
-        </p:nvGraphicFramePr>
-        <p:xfrm>
-          <a:off x="841248" y="2252870"/>
-          <a:ext cx="5993892" cy="3560251"/>
-        </p:xfrm>
-        <a:graphic>
-          <a:graphicData uri="http://schemas.openxmlformats.org/drawingml/2006/diagram">
-            <dgm:relIds xmlns:dgm="http://schemas.openxmlformats.org/drawingml/2006/diagram" xmlns:r="http://schemas.openxmlformats.org/officeDocument/2006/relationships" r:dm="rId3" r:lo="rId4" r:qs="rId5" r:cs="rId6"/>
-          </a:graphicData>
-        </a:graphic>
-      </p:graphicFrame>
-    </p:spTree>
-    <p:extLst>
-      <p:ext uri="{BB962C8B-B14F-4D97-AF65-F5344CB8AC3E}">
-        <p14:creationId xmlns:p14="http://schemas.microsoft.com/office/powerpoint/2010/main" val="2162635553"/>
+        <p14:creationId xmlns:p14="http://schemas.microsoft.com/office/powerpoint/2010/main" val="2335066798"/>
       </p:ext>
     </p:extLst>
   </p:cSld>

--- a/slides.pptx
+++ b/slides.pptx
@@ -13,12 +13,12 @@
     <p:sldId id="261" r:id="rId7"/>
     <p:sldId id="262" r:id="rId8"/>
     <p:sldId id="263" r:id="rId9"/>
-    <p:sldId id="290" r:id="rId10"/>
-    <p:sldId id="264" r:id="rId11"/>
-    <p:sldId id="267" r:id="rId12"/>
-    <p:sldId id="269" r:id="rId13"/>
-    <p:sldId id="270" r:id="rId14"/>
-    <p:sldId id="271" r:id="rId15"/>
+    <p:sldId id="264" r:id="rId10"/>
+    <p:sldId id="267" r:id="rId11"/>
+    <p:sldId id="269" r:id="rId12"/>
+    <p:sldId id="270" r:id="rId13"/>
+    <p:sldId id="271" r:id="rId14"/>
+    <p:sldId id="292" r:id="rId15"/>
     <p:sldId id="272" r:id="rId16"/>
     <p:sldId id="273" r:id="rId17"/>
     <p:sldId id="274" r:id="rId18"/>
@@ -3435,7 +3435,7 @@
           <a:p>
             <a:fld id="{02AC24A9-CCB6-4F8D-B8DB-C2F3692CFA5A}" type="datetimeFigureOut">
               <a:rPr lang="en-US" smtClean="0"/>
-              <a:t>3/31/2022</a:t>
+              <a:t>4/6/2022</a:t>
             </a:fld>
             <a:endParaRPr lang="en-US" dirty="0"/>
           </a:p>
@@ -3805,7 +3805,7 @@
           <a:p>
             <a:fld id="{02AC24A9-CCB6-4F8D-B8DB-C2F3692CFA5A}" type="datetimeFigureOut">
               <a:rPr lang="en-US" smtClean="0"/>
-              <a:t>3/31/2022</a:t>
+              <a:t>4/6/2022</a:t>
             </a:fld>
             <a:endParaRPr lang="en-US"/>
           </a:p>
@@ -4014,7 +4014,7 @@
           <a:p>
             <a:fld id="{02AC24A9-CCB6-4F8D-B8DB-C2F3692CFA5A}" type="datetimeFigureOut">
               <a:rPr lang="en-US" smtClean="0"/>
-              <a:t>3/31/2022</a:t>
+              <a:t>4/6/2022</a:t>
             </a:fld>
             <a:endParaRPr lang="en-US"/>
           </a:p>
@@ -4484,7 +4484,7 @@
           <a:p>
             <a:fld id="{02AC24A9-CCB6-4F8D-B8DB-C2F3692CFA5A}" type="datetimeFigureOut">
               <a:rPr lang="en-US" smtClean="0"/>
-              <a:t>3/31/2022</a:t>
+              <a:t>4/6/2022</a:t>
             </a:fld>
             <a:endParaRPr lang="en-US"/>
           </a:p>
@@ -4938,7 +4938,7 @@
           <a:p>
             <a:fld id="{02AC24A9-CCB6-4F8D-B8DB-C2F3692CFA5A}" type="datetimeFigureOut">
               <a:rPr lang="en-US" smtClean="0"/>
-              <a:t>3/31/2022</a:t>
+              <a:t>4/6/2022</a:t>
             </a:fld>
             <a:endParaRPr lang="en-US"/>
           </a:p>
@@ -5470,7 +5470,7 @@
           <a:p>
             <a:fld id="{02AC24A9-CCB6-4F8D-B8DB-C2F3692CFA5A}" type="datetimeFigureOut">
               <a:rPr lang="en-US" smtClean="0"/>
-              <a:t>3/31/2022</a:t>
+              <a:t>4/6/2022</a:t>
             </a:fld>
             <a:endParaRPr lang="en-US"/>
           </a:p>
@@ -6169,7 +6169,7 @@
           <a:p>
             <a:fld id="{02AC24A9-CCB6-4F8D-B8DB-C2F3692CFA5A}" type="datetimeFigureOut">
               <a:rPr lang="en-US" smtClean="0"/>
-              <a:t>3/31/2022</a:t>
+              <a:t>4/6/2022</a:t>
             </a:fld>
             <a:endParaRPr lang="en-US"/>
           </a:p>
@@ -6498,7 +6498,7 @@
           <a:p>
             <a:fld id="{02AC24A9-CCB6-4F8D-B8DB-C2F3692CFA5A}" type="datetimeFigureOut">
               <a:rPr lang="en-US" smtClean="0"/>
-              <a:t>3/31/2022</a:t>
+              <a:t>4/6/2022</a:t>
             </a:fld>
             <a:endParaRPr lang="en-US"/>
           </a:p>
@@ -6611,7 +6611,7 @@
           <a:p>
             <a:fld id="{02AC24A9-CCB6-4F8D-B8DB-C2F3692CFA5A}" type="datetimeFigureOut">
               <a:rPr lang="en-US" smtClean="0"/>
-              <a:t>3/31/2022</a:t>
+              <a:t>4/6/2022</a:t>
             </a:fld>
             <a:endParaRPr lang="en-US"/>
           </a:p>
@@ -7106,7 +7106,7 @@
           <a:p>
             <a:fld id="{02AC24A9-CCB6-4F8D-B8DB-C2F3692CFA5A}" type="datetimeFigureOut">
               <a:rPr lang="en-US" smtClean="0"/>
-              <a:t>3/31/2022</a:t>
+              <a:t>4/6/2022</a:t>
             </a:fld>
             <a:endParaRPr lang="en-US" dirty="0"/>
           </a:p>
@@ -7583,7 +7583,7 @@
           <a:p>
             <a:fld id="{02AC24A9-CCB6-4F8D-B8DB-C2F3692CFA5A}" type="datetimeFigureOut">
               <a:rPr lang="en-US" smtClean="0"/>
-              <a:t>3/31/2022</a:t>
+              <a:t>4/6/2022</a:t>
             </a:fld>
             <a:endParaRPr lang="en-US"/>
           </a:p>
@@ -7856,7 +7856,7 @@
           <a:p>
             <a:fld id="{02AC24A9-CCB6-4F8D-B8DB-C2F3692CFA5A}" type="datetimeFigureOut">
               <a:rPr lang="en-US" smtClean="0"/>
-              <a:t>3/31/2022</a:t>
+              <a:t>4/6/2022</a:t>
             </a:fld>
             <a:endParaRPr lang="en-US"/>
           </a:p>
@@ -8643,772 +8643,6 @@
 <file path=ppt/slides/slide10.xml><?xml version="1.0" encoding="utf-8"?>
 <p:sld xmlns:a="http://schemas.openxmlformats.org/drawingml/2006/main" xmlns:r="http://schemas.openxmlformats.org/officeDocument/2006/relationships" xmlns:p="http://schemas.openxmlformats.org/presentationml/2006/main">
   <p:cSld>
-    <p:spTree>
-      <p:nvGrpSpPr>
-        <p:cNvPr id="1" name=""/>
-        <p:cNvGrpSpPr/>
-        <p:nvPr/>
-      </p:nvGrpSpPr>
-      <p:grpSpPr>
-        <a:xfrm>
-          <a:off x="0" y="0"/>
-          <a:ext cx="0" cy="0"/>
-          <a:chOff x="0" y="0"/>
-          <a:chExt cx="0" cy="0"/>
-        </a:xfrm>
-      </p:grpSpPr>
-      <p:sp useBgFill="1">
-        <p:nvSpPr>
-          <p:cNvPr id="13" name="Rectangle 12">
-            <a:extLst>
-              <a:ext uri="{FF2B5EF4-FFF2-40B4-BE49-F238E27FC236}">
-                <a16:creationId xmlns:a16="http://schemas.microsoft.com/office/drawing/2014/main" id="{115719BB-48A7-4AF4-BB91-DC82E0DF727D}"/>
-              </a:ext>
-              <a:ext uri="{C183D7F6-B498-43B3-948B-1728B52AA6E4}">
-                <adec:decorative xmlns:adec="http://schemas.microsoft.com/office/drawing/2017/decorative" val="1"/>
-              </a:ext>
-            </a:extLst>
-          </p:cNvPr>
-          <p:cNvSpPr>
-            <a:spLocks noGrp="1" noRot="1" noChangeAspect="1" noMove="1" noResize="1" noEditPoints="1" noAdjustHandles="1" noChangeArrowheads="1" noChangeShapeType="1" noTextEdit="1"/>
-          </p:cNvSpPr>
-          <p:nvPr>
-            <p:extLst>
-              <p:ext uri="{386F3935-93C4-4BCD-93E2-E3B085C9AB24}">
-                <p16:designElem xmlns:p16="http://schemas.microsoft.com/office/powerpoint/2015/main" val="1"/>
-              </p:ext>
-            </p:extLst>
-          </p:nvPr>
-        </p:nvSpPr>
-        <p:spPr>
-          <a:xfrm>
-            <a:off x="0" y="0"/>
-            <a:ext cx="12192000" cy="6858000"/>
-          </a:xfrm>
-          <a:prstGeom prst="rect">
-            <a:avLst/>
-          </a:prstGeom>
-          <a:ln>
-            <a:noFill/>
-          </a:ln>
-        </p:spPr>
-        <p:style>
-          <a:lnRef idx="2">
-            <a:schemeClr val="accent1">
-              <a:shade val="50000"/>
-            </a:schemeClr>
-          </a:lnRef>
-          <a:fillRef idx="1">
-            <a:schemeClr val="accent1"/>
-          </a:fillRef>
-          <a:effectRef idx="0">
-            <a:schemeClr val="accent1"/>
-          </a:effectRef>
-          <a:fontRef idx="minor">
-            <a:schemeClr val="lt1"/>
-          </a:fontRef>
-        </p:style>
-        <p:txBody>
-          <a:bodyPr rtlCol="0" anchor="ctr"/>
-          <a:lstStyle/>
-          <a:p>
-            <a:pPr algn="ctr"/>
-            <a:endParaRPr lang="en-US"/>
-          </a:p>
-        </p:txBody>
-      </p:sp>
-      <p:sp useBgFill="1">
-        <p:nvSpPr>
-          <p:cNvPr id="15" name="Freeform: Shape 14">
-            <a:extLst>
-              <a:ext uri="{FF2B5EF4-FFF2-40B4-BE49-F238E27FC236}">
-                <a16:creationId xmlns:a16="http://schemas.microsoft.com/office/drawing/2014/main" id="{10973A55-5440-4A99-B526-B5812E46271E}"/>
-              </a:ext>
-              <a:ext uri="{C183D7F6-B498-43B3-948B-1728B52AA6E4}">
-                <adec:decorative xmlns:adec="http://schemas.microsoft.com/office/drawing/2017/decorative" val="1"/>
-              </a:ext>
-            </a:extLst>
-          </p:cNvPr>
-          <p:cNvSpPr>
-            <a:spLocks noGrp="1" noRot="1" noChangeAspect="1" noMove="1" noResize="1" noEditPoints="1" noAdjustHandles="1" noChangeArrowheads="1" noChangeShapeType="1" noTextEdit="1"/>
-          </p:cNvSpPr>
-          <p:nvPr>
-            <p:extLst>
-              <p:ext uri="{386F3935-93C4-4BCD-93E2-E3B085C9AB24}">
-                <p16:designElem xmlns:p16="http://schemas.microsoft.com/office/powerpoint/2015/main" val="1"/>
-              </p:ext>
-            </p:extLst>
-          </p:nvPr>
-        </p:nvSpPr>
-        <p:spPr>
-          <a:xfrm>
-            <a:off x="-1" y="0"/>
-            <a:ext cx="6096002" cy="6858000"/>
-          </a:xfrm>
-          <a:custGeom>
-            <a:avLst/>
-            <a:gdLst>
-              <a:gd name="connsiteX0" fmla="*/ 0 w 6096002"/>
-              <a:gd name="connsiteY0" fmla="*/ 0 h 6858000"/>
-              <a:gd name="connsiteX1" fmla="*/ 4885967 w 6096002"/>
-              <a:gd name="connsiteY1" fmla="*/ 0 h 6858000"/>
-              <a:gd name="connsiteX2" fmla="*/ 4946007 w 6096002"/>
-              <a:gd name="connsiteY2" fmla="*/ 69271 h 6858000"/>
-              <a:gd name="connsiteX3" fmla="*/ 6096002 w 6096002"/>
-              <a:gd name="connsiteY3" fmla="*/ 3429000 h 6858000"/>
-              <a:gd name="connsiteX4" fmla="*/ 4946007 w 6096002"/>
-              <a:gd name="connsiteY4" fmla="*/ 6788730 h 6858000"/>
-              <a:gd name="connsiteX5" fmla="*/ 4885967 w 6096002"/>
-              <a:gd name="connsiteY5" fmla="*/ 6858000 h 6858000"/>
-              <a:gd name="connsiteX6" fmla="*/ 0 w 6096002"/>
-              <a:gd name="connsiteY6" fmla="*/ 6858000 h 6858000"/>
-            </a:gdLst>
-            <a:ahLst/>
-            <a:cxnLst>
-              <a:cxn ang="0">
-                <a:pos x="connsiteX0" y="connsiteY0"/>
-              </a:cxn>
-              <a:cxn ang="0">
-                <a:pos x="connsiteX1" y="connsiteY1"/>
-              </a:cxn>
-              <a:cxn ang="0">
-                <a:pos x="connsiteX2" y="connsiteY2"/>
-              </a:cxn>
-              <a:cxn ang="0">
-                <a:pos x="connsiteX3" y="connsiteY3"/>
-              </a:cxn>
-              <a:cxn ang="0">
-                <a:pos x="connsiteX4" y="connsiteY4"/>
-              </a:cxn>
-              <a:cxn ang="0">
-                <a:pos x="connsiteX5" y="connsiteY5"/>
-              </a:cxn>
-              <a:cxn ang="0">
-                <a:pos x="connsiteX6" y="connsiteY6"/>
-              </a:cxn>
-            </a:cxnLst>
-            <a:rect l="l" t="t" r="r" b="b"/>
-            <a:pathLst>
-              <a:path w="6096002" h="6858000">
-                <a:moveTo>
-                  <a:pt x="0" y="0"/>
-                </a:moveTo>
-                <a:lnTo>
-                  <a:pt x="4885967" y="0"/>
-                </a:lnTo>
-                <a:lnTo>
-                  <a:pt x="4946007" y="69271"/>
-                </a:lnTo>
-                <a:cubicBezTo>
-                  <a:pt x="5656533" y="929100"/>
-                  <a:pt x="6096002" y="2116944"/>
-                  <a:pt x="6096002" y="3429000"/>
-                </a:cubicBezTo>
-                <a:cubicBezTo>
-                  <a:pt x="6096002" y="4741056"/>
-                  <a:pt x="5656533" y="5928900"/>
-                  <a:pt x="4946007" y="6788730"/>
-                </a:cubicBezTo>
-                <a:lnTo>
-                  <a:pt x="4885967" y="6858000"/>
-                </a:lnTo>
-                <a:lnTo>
-                  <a:pt x="0" y="6858000"/>
-                </a:lnTo>
-                <a:close/>
-              </a:path>
-            </a:pathLst>
-          </a:custGeom>
-          <a:ln w="9525">
-            <a:solidFill>
-              <a:schemeClr val="tx2">
-                <a:lumMod val="10000"/>
-                <a:lumOff val="90000"/>
-              </a:schemeClr>
-            </a:solidFill>
-          </a:ln>
-          <a:effectLst>
-            <a:outerShdw blurRad="50800" dist="38100" algn="l" rotWithShape="0">
-              <a:schemeClr val="bg1">
-                <a:lumMod val="85000"/>
-                <a:alpha val="30000"/>
-              </a:schemeClr>
-            </a:outerShdw>
-          </a:effectLst>
-        </p:spPr>
-        <p:style>
-          <a:lnRef idx="2">
-            <a:schemeClr val="accent1">
-              <a:shade val="50000"/>
-            </a:schemeClr>
-          </a:lnRef>
-          <a:fillRef idx="1">
-            <a:schemeClr val="accent1"/>
-          </a:fillRef>
-          <a:effectRef idx="0">
-            <a:schemeClr val="accent1"/>
-          </a:effectRef>
-          <a:fontRef idx="minor">
-            <a:schemeClr val="lt1"/>
-          </a:fontRef>
-        </p:style>
-        <p:txBody>
-          <a:bodyPr wrap="square" rtlCol="0" anchor="ctr">
-            <a:noAutofit/>
-          </a:bodyPr>
-          <a:lstStyle/>
-          <a:p>
-            <a:pPr marL="0" marR="0" lvl="0" indent="0" algn="ctr" defTabSz="914400" rtl="0" eaLnBrk="1" fontAlgn="auto" latinLnBrk="0" hangingPunct="1">
-              <a:lnSpc>
-                <a:spcPct val="100000"/>
-              </a:lnSpc>
-              <a:spcBef>
-                <a:spcPts val="0"/>
-              </a:spcBef>
-              <a:spcAft>
-                <a:spcPts val="0"/>
-              </a:spcAft>
-              <a:buClrTx/>
-              <a:buSzTx/>
-              <a:buFontTx/>
-              <a:buNone/>
-              <a:tabLst/>
-              <a:defRPr/>
-            </a:pPr>
-            <a:endParaRPr kumimoji="0" lang="en-US" sz="1800" b="0" i="0" u="none" strike="noStrike" kern="1200" cap="none" spc="0" normalizeH="0" baseline="0" noProof="0">
-              <a:ln>
-                <a:noFill/>
-              </a:ln>
-              <a:solidFill>
-                <a:prstClr val="white"/>
-              </a:solidFill>
-              <a:effectLst/>
-              <a:uLnTx/>
-              <a:uFillTx/>
-              <a:latin typeface="Calibri" panose="020F0502020204030204"/>
-              <a:ea typeface="+mn-ea"/>
-              <a:cs typeface="+mn-cs"/>
-            </a:endParaRPr>
-          </a:p>
-        </p:txBody>
-      </p:sp>
-      <p:sp useBgFill="1">
-        <p:nvSpPr>
-          <p:cNvPr id="17" name="Freeform: Shape 16">
-            <a:extLst>
-              <a:ext uri="{FF2B5EF4-FFF2-40B4-BE49-F238E27FC236}">
-                <a16:creationId xmlns:a16="http://schemas.microsoft.com/office/drawing/2014/main" id="{A9682493-588A-4D52-98F6-FBBD80C07ECB}"/>
-              </a:ext>
-              <a:ext uri="{C183D7F6-B498-43B3-948B-1728B52AA6E4}">
-                <adec:decorative xmlns:adec="http://schemas.microsoft.com/office/drawing/2017/decorative" val="1"/>
-              </a:ext>
-            </a:extLst>
-          </p:cNvPr>
-          <p:cNvSpPr>
-            <a:spLocks noGrp="1" noRot="1" noChangeAspect="1" noMove="1" noResize="1" noEditPoints="1" noAdjustHandles="1" noChangeArrowheads="1" noChangeShapeType="1" noTextEdit="1"/>
-          </p:cNvSpPr>
-          <p:nvPr>
-            <p:extLst>
-              <p:ext uri="{386F3935-93C4-4BCD-93E2-E3B085C9AB24}">
-                <p16:designElem xmlns:p16="http://schemas.microsoft.com/office/powerpoint/2015/main" val="1"/>
-              </p:ext>
-            </p:extLst>
-          </p:nvPr>
-        </p:nvSpPr>
-        <p:spPr>
-          <a:xfrm>
-            <a:off x="0" y="0"/>
-            <a:ext cx="6085370" cy="6858000"/>
-          </a:xfrm>
-          <a:custGeom>
-            <a:avLst/>
-            <a:gdLst>
-              <a:gd name="connsiteX0" fmla="*/ 0 w 6085370"/>
-              <a:gd name="connsiteY0" fmla="*/ 0 h 6858000"/>
-              <a:gd name="connsiteX1" fmla="*/ 4875335 w 6085370"/>
-              <a:gd name="connsiteY1" fmla="*/ 0 h 6858000"/>
-              <a:gd name="connsiteX2" fmla="*/ 4935375 w 6085370"/>
-              <a:gd name="connsiteY2" fmla="*/ 69271 h 6858000"/>
-              <a:gd name="connsiteX3" fmla="*/ 6085370 w 6085370"/>
-              <a:gd name="connsiteY3" fmla="*/ 3429000 h 6858000"/>
-              <a:gd name="connsiteX4" fmla="*/ 4935375 w 6085370"/>
-              <a:gd name="connsiteY4" fmla="*/ 6788730 h 6858000"/>
-              <a:gd name="connsiteX5" fmla="*/ 4875335 w 6085370"/>
-              <a:gd name="connsiteY5" fmla="*/ 6858000 h 6858000"/>
-              <a:gd name="connsiteX6" fmla="*/ 0 w 6085370"/>
-              <a:gd name="connsiteY6" fmla="*/ 6858000 h 6858000"/>
-            </a:gdLst>
-            <a:ahLst/>
-            <a:cxnLst>
-              <a:cxn ang="0">
-                <a:pos x="connsiteX0" y="connsiteY0"/>
-              </a:cxn>
-              <a:cxn ang="0">
-                <a:pos x="connsiteX1" y="connsiteY1"/>
-              </a:cxn>
-              <a:cxn ang="0">
-                <a:pos x="connsiteX2" y="connsiteY2"/>
-              </a:cxn>
-              <a:cxn ang="0">
-                <a:pos x="connsiteX3" y="connsiteY3"/>
-              </a:cxn>
-              <a:cxn ang="0">
-                <a:pos x="connsiteX4" y="connsiteY4"/>
-              </a:cxn>
-              <a:cxn ang="0">
-                <a:pos x="connsiteX5" y="connsiteY5"/>
-              </a:cxn>
-              <a:cxn ang="0">
-                <a:pos x="connsiteX6" y="connsiteY6"/>
-              </a:cxn>
-            </a:cxnLst>
-            <a:rect l="l" t="t" r="r" b="b"/>
-            <a:pathLst>
-              <a:path w="6085370" h="6858000">
-                <a:moveTo>
-                  <a:pt x="0" y="0"/>
-                </a:moveTo>
-                <a:lnTo>
-                  <a:pt x="4875335" y="0"/>
-                </a:lnTo>
-                <a:lnTo>
-                  <a:pt x="4935375" y="69271"/>
-                </a:lnTo>
-                <a:cubicBezTo>
-                  <a:pt x="5645901" y="929100"/>
-                  <a:pt x="6085370" y="2116944"/>
-                  <a:pt x="6085370" y="3429000"/>
-                </a:cubicBezTo>
-                <a:cubicBezTo>
-                  <a:pt x="6085370" y="4741056"/>
-                  <a:pt x="5645901" y="5928900"/>
-                  <a:pt x="4935375" y="6788730"/>
-                </a:cubicBezTo>
-                <a:lnTo>
-                  <a:pt x="4875335" y="6858000"/>
-                </a:lnTo>
-                <a:lnTo>
-                  <a:pt x="0" y="6858000"/>
-                </a:lnTo>
-                <a:close/>
-              </a:path>
-            </a:pathLst>
-          </a:custGeom>
-          <a:ln w="9525">
-            <a:noFill/>
-          </a:ln>
-          <a:effectLst/>
-        </p:spPr>
-        <p:style>
-          <a:lnRef idx="2">
-            <a:schemeClr val="accent1">
-              <a:shade val="50000"/>
-            </a:schemeClr>
-          </a:lnRef>
-          <a:fillRef idx="1">
-            <a:schemeClr val="accent1"/>
-          </a:fillRef>
-          <a:effectRef idx="0">
-            <a:schemeClr val="accent1"/>
-          </a:effectRef>
-          <a:fontRef idx="minor">
-            <a:schemeClr val="lt1"/>
-          </a:fontRef>
-        </p:style>
-        <p:txBody>
-          <a:bodyPr wrap="square" rtlCol="0" anchor="ctr">
-            <a:noAutofit/>
-          </a:bodyPr>
-          <a:lstStyle/>
-          <a:p>
-            <a:pPr marL="0" marR="0" lvl="0" indent="0" algn="ctr" defTabSz="914400" rtl="0" eaLnBrk="1" fontAlgn="auto" latinLnBrk="0" hangingPunct="1">
-              <a:lnSpc>
-                <a:spcPct val="100000"/>
-              </a:lnSpc>
-              <a:spcBef>
-                <a:spcPts val="0"/>
-              </a:spcBef>
-              <a:spcAft>
-                <a:spcPts val="0"/>
-              </a:spcAft>
-              <a:buClrTx/>
-              <a:buSzTx/>
-              <a:buFontTx/>
-              <a:buNone/>
-              <a:tabLst/>
-              <a:defRPr/>
-            </a:pPr>
-            <a:endParaRPr kumimoji="0" lang="en-US" sz="1800" b="0" i="0" u="none" strike="noStrike" kern="1200" cap="none" spc="0" normalizeH="0" baseline="0" noProof="0">
-              <a:ln>
-                <a:noFill/>
-              </a:ln>
-              <a:solidFill>
-                <a:prstClr val="white"/>
-              </a:solidFill>
-              <a:effectLst/>
-              <a:uLnTx/>
-              <a:uFillTx/>
-              <a:latin typeface="Calibri" panose="020F0502020204030204"/>
-              <a:ea typeface="+mn-ea"/>
-              <a:cs typeface="+mn-cs"/>
-            </a:endParaRPr>
-          </a:p>
-        </p:txBody>
-      </p:sp>
-      <p:sp>
-        <p:nvSpPr>
-          <p:cNvPr id="2" name="標題 1">
-            <a:extLst>
-              <a:ext uri="{FF2B5EF4-FFF2-40B4-BE49-F238E27FC236}">
-                <a16:creationId xmlns:a16="http://schemas.microsoft.com/office/drawing/2014/main" id="{3BB560C3-C9BD-4617-B54B-6E716152B1C4}"/>
-              </a:ext>
-            </a:extLst>
-          </p:cNvPr>
-          <p:cNvSpPr>
-            <a:spLocks noGrp="1"/>
-          </p:cNvSpPr>
-          <p:nvPr>
-            <p:ph type="title"/>
-          </p:nvPr>
-        </p:nvSpPr>
-        <p:spPr>
-          <a:xfrm>
-            <a:off x="438913" y="859536"/>
-            <a:ext cx="4832802" cy="1170432"/>
-          </a:xfrm>
-        </p:spPr>
-        <p:txBody>
-          <a:bodyPr anchor="b">
-            <a:normAutofit/>
-          </a:bodyPr>
-          <a:lstStyle/>
-          <a:p>
-            <a:r>
-              <a:rPr lang="en-US" altLang="zh-TW" sz="3400" dirty="0"/>
-              <a:t>Q2: Intro</a:t>
-            </a:r>
-            <a:endParaRPr lang="zh-TW" altLang="en-US" sz="3400" dirty="0"/>
-          </a:p>
-        </p:txBody>
-      </p:sp>
-      <p:sp>
-        <p:nvSpPr>
-          <p:cNvPr id="19" name="Rectangle 18">
-            <a:extLst>
-              <a:ext uri="{FF2B5EF4-FFF2-40B4-BE49-F238E27FC236}">
-                <a16:creationId xmlns:a16="http://schemas.microsoft.com/office/drawing/2014/main" id="{FBEC5A7A-ADE4-48D9-B89C-2BA1C9110632}"/>
-              </a:ext>
-              <a:ext uri="{C183D7F6-B498-43B3-948B-1728B52AA6E4}">
-                <adec:decorative xmlns:adec="http://schemas.microsoft.com/office/drawing/2017/decorative" val="1"/>
-              </a:ext>
-            </a:extLst>
-          </p:cNvPr>
-          <p:cNvSpPr>
-            <a:spLocks noGrp="1" noRot="1" noChangeAspect="1" noMove="1" noResize="1" noEditPoints="1" noAdjustHandles="1" noChangeArrowheads="1" noChangeShapeType="1" noTextEdit="1"/>
-          </p:cNvSpPr>
-          <p:nvPr>
-            <p:extLst>
-              <p:ext uri="{386F3935-93C4-4BCD-93E2-E3B085C9AB24}">
-                <p16:designElem xmlns:p16="http://schemas.microsoft.com/office/powerpoint/2015/main" val="1"/>
-              </p:ext>
-            </p:extLst>
-          </p:nvPr>
-        </p:nvSpPr>
-        <p:spPr>
-          <a:xfrm rot="5400000">
-            <a:off x="703236" y="363389"/>
-            <a:ext cx="73152" cy="548640"/>
-          </a:xfrm>
-          <a:prstGeom prst="rect">
-            <a:avLst/>
-          </a:prstGeom>
-          <a:solidFill>
-            <a:schemeClr val="accent1"/>
-          </a:solidFill>
-          <a:ln>
-            <a:noFill/>
-          </a:ln>
-        </p:spPr>
-        <p:style>
-          <a:lnRef idx="2">
-            <a:schemeClr val="accent1">
-              <a:shade val="50000"/>
-            </a:schemeClr>
-          </a:lnRef>
-          <a:fillRef idx="1">
-            <a:schemeClr val="accent1"/>
-          </a:fillRef>
-          <a:effectRef idx="0">
-            <a:schemeClr val="accent1"/>
-          </a:effectRef>
-          <a:fontRef idx="minor">
-            <a:schemeClr val="lt1"/>
-          </a:fontRef>
-        </p:style>
-        <p:txBody>
-          <a:bodyPr rtlCol="0" anchor="ctr"/>
-          <a:lstStyle/>
-          <a:p>
-            <a:pPr marL="0" marR="0" lvl="0" indent="0" algn="ctr" defTabSz="914400" rtl="0" eaLnBrk="1" fontAlgn="auto" latinLnBrk="0" hangingPunct="1">
-              <a:lnSpc>
-                <a:spcPct val="100000"/>
-              </a:lnSpc>
-              <a:spcBef>
-                <a:spcPts val="0"/>
-              </a:spcBef>
-              <a:spcAft>
-                <a:spcPts val="0"/>
-              </a:spcAft>
-              <a:buClrTx/>
-              <a:buSzTx/>
-              <a:buFontTx/>
-              <a:buNone/>
-              <a:tabLst/>
-              <a:defRPr/>
-            </a:pPr>
-            <a:endParaRPr kumimoji="0" lang="en-US" sz="1800" b="0" i="0" u="none" strike="noStrike" kern="1200" cap="none" spc="0" normalizeH="0" baseline="0" noProof="0">
-              <a:ln>
-                <a:noFill/>
-              </a:ln>
-              <a:solidFill>
-                <a:prstClr val="white"/>
-              </a:solidFill>
-              <a:effectLst/>
-              <a:uLnTx/>
-              <a:uFillTx/>
-              <a:latin typeface="Calibri" panose="020F0502020204030204"/>
-              <a:ea typeface="+mn-ea"/>
-              <a:cs typeface="+mn-cs"/>
-            </a:endParaRPr>
-          </a:p>
-        </p:txBody>
-      </p:sp>
-      <p:sp>
-        <p:nvSpPr>
-          <p:cNvPr id="21" name="Rectangle 20">
-            <a:extLst>
-              <a:ext uri="{FF2B5EF4-FFF2-40B4-BE49-F238E27FC236}">
-                <a16:creationId xmlns:a16="http://schemas.microsoft.com/office/drawing/2014/main" id="{82095FCE-EF05-4443-B97A-85DEE3A5CA17}"/>
-              </a:ext>
-              <a:ext uri="{C183D7F6-B498-43B3-948B-1728B52AA6E4}">
-                <adec:decorative xmlns:adec="http://schemas.microsoft.com/office/drawing/2017/decorative" val="1"/>
-              </a:ext>
-            </a:extLst>
-          </p:cNvPr>
-          <p:cNvSpPr>
-            <a:spLocks noGrp="1" noRot="1" noChangeAspect="1" noMove="1" noResize="1" noEditPoints="1" noAdjustHandles="1" noChangeArrowheads="1" noChangeShapeType="1" noTextEdit="1"/>
-          </p:cNvSpPr>
-          <p:nvPr>
-            <p:extLst>
-              <p:ext uri="{386F3935-93C4-4BCD-93E2-E3B085C9AB24}">
-                <p16:designElem xmlns:p16="http://schemas.microsoft.com/office/powerpoint/2015/main" val="1"/>
-              </p:ext>
-            </p:extLst>
-          </p:nvPr>
-        </p:nvSpPr>
-        <p:spPr>
-          <a:xfrm>
-            <a:off x="465492" y="2185062"/>
-            <a:ext cx="4937760" cy="18288"/>
-          </a:xfrm>
-          <a:prstGeom prst="rect">
-            <a:avLst/>
-          </a:prstGeom>
-          <a:solidFill>
-            <a:schemeClr val="tx2">
-              <a:lumMod val="25000"/>
-              <a:lumOff val="75000"/>
-            </a:schemeClr>
-          </a:solidFill>
-          <a:ln w="3175">
-            <a:noFill/>
-          </a:ln>
-          <a:effectLst/>
-        </p:spPr>
-        <p:style>
-          <a:lnRef idx="2">
-            <a:schemeClr val="accent1">
-              <a:shade val="50000"/>
-            </a:schemeClr>
-          </a:lnRef>
-          <a:fillRef idx="1">
-            <a:schemeClr val="accent1"/>
-          </a:fillRef>
-          <a:effectRef idx="0">
-            <a:schemeClr val="accent1"/>
-          </a:effectRef>
-          <a:fontRef idx="minor">
-            <a:schemeClr val="lt1"/>
-          </a:fontRef>
-        </p:style>
-        <p:txBody>
-          <a:bodyPr rtlCol="0" anchor="ctr"/>
-          <a:lstStyle/>
-          <a:p>
-            <a:pPr marL="0" marR="0" lvl="0" indent="0" algn="ctr" defTabSz="914400" rtl="0" eaLnBrk="1" fontAlgn="auto" latinLnBrk="0" hangingPunct="1">
-              <a:lnSpc>
-                <a:spcPct val="100000"/>
-              </a:lnSpc>
-              <a:spcBef>
-                <a:spcPts val="0"/>
-              </a:spcBef>
-              <a:spcAft>
-                <a:spcPts val="0"/>
-              </a:spcAft>
-              <a:buClrTx/>
-              <a:buSzTx/>
-              <a:buFontTx/>
-              <a:buNone/>
-              <a:tabLst/>
-              <a:defRPr/>
-            </a:pPr>
-            <a:endParaRPr kumimoji="0" lang="en-US" sz="1800" b="0" i="0" u="none" strike="noStrike" kern="1200" cap="none" spc="0" normalizeH="0" baseline="0" noProof="0">
-              <a:ln>
-                <a:noFill/>
-              </a:ln>
-              <a:solidFill>
-                <a:prstClr val="white"/>
-              </a:solidFill>
-              <a:effectLst/>
-              <a:uLnTx/>
-              <a:uFillTx/>
-              <a:latin typeface="Calibri" panose="020F0502020204030204"/>
-              <a:ea typeface="+mn-ea"/>
-              <a:cs typeface="+mn-cs"/>
-            </a:endParaRPr>
-          </a:p>
-        </p:txBody>
-      </p:sp>
-      <p:sp>
-        <p:nvSpPr>
-          <p:cNvPr id="3" name="內容版面配置區 2">
-            <a:extLst>
-              <a:ext uri="{FF2B5EF4-FFF2-40B4-BE49-F238E27FC236}">
-                <a16:creationId xmlns:a16="http://schemas.microsoft.com/office/drawing/2014/main" id="{655153D6-7392-4190-A2AD-4AEF6E406272}"/>
-              </a:ext>
-            </a:extLst>
-          </p:cNvPr>
-          <p:cNvSpPr>
-            <a:spLocks noGrp="1"/>
-          </p:cNvSpPr>
-          <p:nvPr>
-            <p:ph idx="1"/>
-          </p:nvPr>
-        </p:nvSpPr>
-        <p:spPr>
-          <a:xfrm>
-            <a:off x="438912" y="2512611"/>
-            <a:ext cx="4832803" cy="3664351"/>
-          </a:xfrm>
-        </p:spPr>
-        <p:txBody>
-          <a:bodyPr>
-            <a:normAutofit/>
-          </a:bodyPr>
-          <a:lstStyle/>
-          <a:p>
-            <a:r>
-              <a:rPr lang="en-US" altLang="zh-TW" sz="1800" dirty="0"/>
-              <a:t>1 question = 1 trial</a:t>
-            </a:r>
-          </a:p>
-          <a:p>
-            <a:r>
-              <a:rPr lang="en-US" altLang="zh-TW" sz="1800" dirty="0"/>
-              <a:t>1 question type = 1 trial type (input type)</a:t>
-            </a:r>
-          </a:p>
-          <a:p>
-            <a:r>
-              <a:rPr lang="en-US" altLang="zh-TW" sz="1800" dirty="0"/>
-              <a:t>This question is a forced-choice task, so multiple choice is used</a:t>
-            </a:r>
-          </a:p>
-          <a:p>
-            <a:r>
-              <a:rPr lang="en-US" altLang="zh-TW" sz="1800" dirty="0"/>
-              <a:t>‘Force response’ = participants can’t skip the question</a:t>
-            </a:r>
-            <a:endParaRPr lang="zh-TW" altLang="en-US" sz="1800" dirty="0"/>
-          </a:p>
-        </p:txBody>
-      </p:sp>
-      <p:pic>
-        <p:nvPicPr>
-          <p:cNvPr id="6" name="圖片 5">
-            <a:extLst>
-              <a:ext uri="{FF2B5EF4-FFF2-40B4-BE49-F238E27FC236}">
-                <a16:creationId xmlns:a16="http://schemas.microsoft.com/office/drawing/2014/main" id="{37E83727-3629-45DE-8E75-F396E2948227}"/>
-              </a:ext>
-            </a:extLst>
-          </p:cNvPr>
-          <p:cNvPicPr>
-            <a:picLocks noChangeAspect="1"/>
-          </p:cNvPicPr>
-          <p:nvPr/>
-        </p:nvPicPr>
-        <p:blipFill>
-          <a:blip r:embed="rId2"/>
-          <a:stretch>
-            <a:fillRect/>
-          </a:stretch>
-        </p:blipFill>
-        <p:spPr>
-          <a:xfrm>
-            <a:off x="7120570" y="3149931"/>
-            <a:ext cx="3824264" cy="2743200"/>
-          </a:xfrm>
-          <a:prstGeom prst="rect">
-            <a:avLst/>
-          </a:prstGeom>
-        </p:spPr>
-      </p:pic>
-      <p:pic>
-        <p:nvPicPr>
-          <p:cNvPr id="8" name="圖片 7">
-            <a:extLst>
-              <a:ext uri="{FF2B5EF4-FFF2-40B4-BE49-F238E27FC236}">
-                <a16:creationId xmlns:a16="http://schemas.microsoft.com/office/drawing/2014/main" id="{844F8C7B-AFA5-49A5-A2A7-B6B01967ECF5}"/>
-              </a:ext>
-            </a:extLst>
-          </p:cNvPr>
-          <p:cNvPicPr>
-            <a:picLocks noChangeAspect="1"/>
-          </p:cNvPicPr>
-          <p:nvPr/>
-        </p:nvPicPr>
-        <p:blipFill>
-          <a:blip r:embed="rId3"/>
-          <a:stretch>
-            <a:fillRect/>
-          </a:stretch>
-        </p:blipFill>
-        <p:spPr>
-          <a:xfrm>
-            <a:off x="6463238" y="554738"/>
-            <a:ext cx="5138928" cy="2040456"/>
-          </a:xfrm>
-          <a:prstGeom prst="rect">
-            <a:avLst/>
-          </a:prstGeom>
-        </p:spPr>
-      </p:pic>
-    </p:spTree>
-    <p:extLst>
-      <p:ext uri="{BB962C8B-B14F-4D97-AF65-F5344CB8AC3E}">
-        <p14:creationId xmlns:p14="http://schemas.microsoft.com/office/powerpoint/2010/main" val="1911590532"/>
-      </p:ext>
-    </p:extLst>
-  </p:cSld>
-  <p:clrMapOvr>
-    <a:masterClrMapping/>
-  </p:clrMapOvr>
-</p:sld>
-</file>
-
-<file path=ppt/slides/slide11.xml><?xml version="1.0" encoding="utf-8"?>
-<p:sld xmlns:a="http://schemas.openxmlformats.org/drawingml/2006/main" xmlns:r="http://schemas.openxmlformats.org/officeDocument/2006/relationships" xmlns:p="http://schemas.openxmlformats.org/presentationml/2006/main">
-  <p:cSld>
     <p:bg>
       <p:bgPr>
         <a:gradFill>
@@ -9917,7 +9151,7 @@
 </p:sld>
 </file>
 
-<file path=ppt/slides/slide12.xml><?xml version="1.0" encoding="utf-8"?>
+<file path=ppt/slides/slide11.xml><?xml version="1.0" encoding="utf-8"?>
 <p:sld xmlns:a="http://schemas.openxmlformats.org/drawingml/2006/main" xmlns:r="http://schemas.openxmlformats.org/officeDocument/2006/relationships" xmlns:p="http://schemas.openxmlformats.org/presentationml/2006/main">
   <p:cSld>
     <p:bg>
@@ -10503,7 +9737,7 @@
 </p:sld>
 </file>
 
-<file path=ppt/slides/slide13.xml><?xml version="1.0" encoding="utf-8"?>
+<file path=ppt/slides/slide12.xml><?xml version="1.0" encoding="utf-8"?>
 <p:sld xmlns:a="http://schemas.openxmlformats.org/drawingml/2006/main" xmlns:r="http://schemas.openxmlformats.org/officeDocument/2006/relationships" xmlns:p="http://schemas.openxmlformats.org/presentationml/2006/main">
   <p:cSld>
     <p:bg>
@@ -10972,6 +10206,493 @@
 </p:sld>
 </file>
 
+<file path=ppt/slides/slide13.xml><?xml version="1.0" encoding="utf-8"?>
+<p:sld xmlns:a="http://schemas.openxmlformats.org/drawingml/2006/main" xmlns:r="http://schemas.openxmlformats.org/officeDocument/2006/relationships" xmlns:p="http://schemas.openxmlformats.org/presentationml/2006/main">
+  <p:cSld>
+    <p:spTree>
+      <p:nvGrpSpPr>
+        <p:cNvPr id="1" name=""/>
+        <p:cNvGrpSpPr/>
+        <p:nvPr/>
+      </p:nvGrpSpPr>
+      <p:grpSpPr>
+        <a:xfrm>
+          <a:off x="0" y="0"/>
+          <a:ext cx="0" cy="0"/>
+          <a:chOff x="0" y="0"/>
+          <a:chExt cx="0" cy="0"/>
+        </a:xfrm>
+      </p:grpSpPr>
+      <p:sp>
+        <p:nvSpPr>
+          <p:cNvPr id="2" name="標題 1">
+            <a:extLst>
+              <a:ext uri="{FF2B5EF4-FFF2-40B4-BE49-F238E27FC236}">
+                <a16:creationId xmlns:a16="http://schemas.microsoft.com/office/drawing/2014/main" id="{93048374-F638-4A45-B565-8E46C4C95AF1}"/>
+              </a:ext>
+            </a:extLst>
+          </p:cNvPr>
+          <p:cNvSpPr>
+            <a:spLocks noGrp="1"/>
+          </p:cNvSpPr>
+          <p:nvPr>
+            <p:ph type="title"/>
+          </p:nvPr>
+        </p:nvSpPr>
+        <p:spPr/>
+        <p:txBody>
+          <a:bodyPr/>
+          <a:lstStyle/>
+          <a:p>
+            <a:r>
+              <a:rPr lang="en-US" altLang="zh-TW" dirty="0"/>
+              <a:t>Q7mult</a:t>
+            </a:r>
+            <a:endParaRPr lang="zh-TW" altLang="en-US" dirty="0"/>
+          </a:p>
+        </p:txBody>
+      </p:sp>
+      <p:pic>
+        <p:nvPicPr>
+          <p:cNvPr id="5" name="圖片 4">
+            <a:extLst>
+              <a:ext uri="{FF2B5EF4-FFF2-40B4-BE49-F238E27FC236}">
+                <a16:creationId xmlns:a16="http://schemas.microsoft.com/office/drawing/2014/main" id="{954F83E8-2E87-4CCC-96D7-9E295CE1A34D}"/>
+              </a:ext>
+            </a:extLst>
+          </p:cNvPr>
+          <p:cNvPicPr>
+            <a:picLocks noChangeAspect="1"/>
+          </p:cNvPicPr>
+          <p:nvPr/>
+        </p:nvPicPr>
+        <p:blipFill>
+          <a:blip r:embed="rId2"/>
+          <a:stretch>
+            <a:fillRect/>
+          </a:stretch>
+        </p:blipFill>
+        <p:spPr>
+          <a:xfrm>
+            <a:off x="505969" y="1728216"/>
+            <a:ext cx="6515100" cy="1409700"/>
+          </a:xfrm>
+          <a:prstGeom prst="rect">
+            <a:avLst/>
+          </a:prstGeom>
+        </p:spPr>
+      </p:pic>
+      <p:pic>
+        <p:nvPicPr>
+          <p:cNvPr id="7" name="圖片 6">
+            <a:extLst>
+              <a:ext uri="{FF2B5EF4-FFF2-40B4-BE49-F238E27FC236}">
+                <a16:creationId xmlns:a16="http://schemas.microsoft.com/office/drawing/2014/main" id="{0FD5FE11-A3AF-4C08-A572-F1CB83473959}"/>
+              </a:ext>
+            </a:extLst>
+          </p:cNvPr>
+          <p:cNvPicPr>
+            <a:picLocks noChangeAspect="1"/>
+          </p:cNvPicPr>
+          <p:nvPr/>
+        </p:nvPicPr>
+        <p:blipFill>
+          <a:blip r:embed="rId3"/>
+          <a:stretch>
+            <a:fillRect/>
+          </a:stretch>
+        </p:blipFill>
+        <p:spPr>
+          <a:xfrm>
+            <a:off x="5410799" y="3220022"/>
+            <a:ext cx="6391275" cy="1000125"/>
+          </a:xfrm>
+          <a:prstGeom prst="rect">
+            <a:avLst/>
+          </a:prstGeom>
+        </p:spPr>
+      </p:pic>
+      <p:pic>
+        <p:nvPicPr>
+          <p:cNvPr id="9" name="圖片 8">
+            <a:extLst>
+              <a:ext uri="{FF2B5EF4-FFF2-40B4-BE49-F238E27FC236}">
+                <a16:creationId xmlns:a16="http://schemas.microsoft.com/office/drawing/2014/main" id="{1C5FA961-89E6-4A48-BDD9-63403D220677}"/>
+              </a:ext>
+            </a:extLst>
+          </p:cNvPr>
+          <p:cNvPicPr>
+            <a:picLocks noChangeAspect="1"/>
+          </p:cNvPicPr>
+          <p:nvPr/>
+        </p:nvPicPr>
+        <p:blipFill>
+          <a:blip r:embed="rId4"/>
+          <a:stretch>
+            <a:fillRect/>
+          </a:stretch>
+        </p:blipFill>
+        <p:spPr>
+          <a:xfrm>
+            <a:off x="681226" y="4469022"/>
+            <a:ext cx="5345979" cy="2222486"/>
+          </a:xfrm>
+          <a:prstGeom prst="rect">
+            <a:avLst/>
+          </a:prstGeom>
+        </p:spPr>
+      </p:pic>
+      <p:sp>
+        <p:nvSpPr>
+          <p:cNvPr id="11" name="矩形 10">
+            <a:extLst>
+              <a:ext uri="{FF2B5EF4-FFF2-40B4-BE49-F238E27FC236}">
+                <a16:creationId xmlns:a16="http://schemas.microsoft.com/office/drawing/2014/main" id="{FE0AF7D3-92A6-4030-AF4D-ADEC8C25468A}"/>
+              </a:ext>
+            </a:extLst>
+          </p:cNvPr>
+          <p:cNvSpPr/>
+          <p:nvPr/>
+        </p:nvSpPr>
+        <p:spPr>
+          <a:xfrm>
+            <a:off x="618309" y="1863634"/>
+            <a:ext cx="1280160" cy="409303"/>
+          </a:xfrm>
+          <a:prstGeom prst="rect">
+            <a:avLst/>
+          </a:prstGeom>
+          <a:noFill/>
+          <a:ln w="9525" cap="flat" cmpd="sng" algn="ctr">
+            <a:solidFill>
+              <a:schemeClr val="accent1"/>
+            </a:solidFill>
+            <a:prstDash val="solid"/>
+            <a:round/>
+            <a:headEnd type="none" w="med" len="med"/>
+            <a:tailEnd type="none" w="med" len="med"/>
+          </a:ln>
+        </p:spPr>
+        <p:style>
+          <a:lnRef idx="0">
+            <a:scrgbClr r="0" g="0" b="0"/>
+          </a:lnRef>
+          <a:fillRef idx="0">
+            <a:scrgbClr r="0" g="0" b="0"/>
+          </a:fillRef>
+          <a:effectRef idx="0">
+            <a:scrgbClr r="0" g="0" b="0"/>
+          </a:effectRef>
+          <a:fontRef idx="minor">
+            <a:schemeClr val="accent1"/>
+          </a:fontRef>
+        </p:style>
+        <p:txBody>
+          <a:bodyPr rtlCol="0" anchor="ctr"/>
+          <a:lstStyle/>
+          <a:p>
+            <a:pPr algn="ctr"/>
+            <a:endParaRPr lang="zh-TW" altLang="en-US"/>
+          </a:p>
+        </p:txBody>
+      </p:sp>
+      <p:pic>
+        <p:nvPicPr>
+          <p:cNvPr id="15" name="圖片 14">
+            <a:extLst>
+              <a:ext uri="{FF2B5EF4-FFF2-40B4-BE49-F238E27FC236}">
+                <a16:creationId xmlns:a16="http://schemas.microsoft.com/office/drawing/2014/main" id="{12C5724A-9FE6-4407-B5CB-8816B5A0BD09}"/>
+              </a:ext>
+            </a:extLst>
+          </p:cNvPr>
+          <p:cNvPicPr>
+            <a:picLocks noChangeAspect="1"/>
+          </p:cNvPicPr>
+          <p:nvPr/>
+        </p:nvPicPr>
+        <p:blipFill>
+          <a:blip r:embed="rId5"/>
+          <a:stretch>
+            <a:fillRect/>
+          </a:stretch>
+        </p:blipFill>
+        <p:spPr>
+          <a:xfrm>
+            <a:off x="7449149" y="4345344"/>
+            <a:ext cx="4352925" cy="2276475"/>
+          </a:xfrm>
+          <a:prstGeom prst="rect">
+            <a:avLst/>
+          </a:prstGeom>
+        </p:spPr>
+      </p:pic>
+      <p:sp>
+        <p:nvSpPr>
+          <p:cNvPr id="16" name="矩形 15">
+            <a:extLst>
+              <a:ext uri="{FF2B5EF4-FFF2-40B4-BE49-F238E27FC236}">
+                <a16:creationId xmlns:a16="http://schemas.microsoft.com/office/drawing/2014/main" id="{D750BE35-C3AD-43FC-A2DE-F11B0323EA6C}"/>
+              </a:ext>
+            </a:extLst>
+          </p:cNvPr>
+          <p:cNvSpPr/>
+          <p:nvPr/>
+        </p:nvSpPr>
+        <p:spPr>
+          <a:xfrm>
+            <a:off x="6027205" y="3429000"/>
+            <a:ext cx="208132" cy="219891"/>
+          </a:xfrm>
+          <a:prstGeom prst="rect">
+            <a:avLst/>
+          </a:prstGeom>
+          <a:noFill/>
+          <a:ln w="9525" cap="flat" cmpd="sng" algn="ctr">
+            <a:solidFill>
+              <a:schemeClr val="accent6"/>
+            </a:solidFill>
+            <a:prstDash val="solid"/>
+            <a:round/>
+            <a:headEnd type="none" w="med" len="med"/>
+            <a:tailEnd type="none" w="med" len="med"/>
+          </a:ln>
+        </p:spPr>
+        <p:style>
+          <a:lnRef idx="0">
+            <a:scrgbClr r="0" g="0" b="0"/>
+          </a:lnRef>
+          <a:fillRef idx="0">
+            <a:scrgbClr r="0" g="0" b="0"/>
+          </a:fillRef>
+          <a:effectRef idx="0">
+            <a:scrgbClr r="0" g="0" b="0"/>
+          </a:effectRef>
+          <a:fontRef idx="minor">
+            <a:schemeClr val="accent6"/>
+          </a:fontRef>
+        </p:style>
+        <p:txBody>
+          <a:bodyPr rtlCol="0" anchor="ctr"/>
+          <a:lstStyle/>
+          <a:p>
+            <a:pPr algn="ctr"/>
+            <a:endParaRPr lang="zh-TW" altLang="en-US"/>
+          </a:p>
+        </p:txBody>
+      </p:sp>
+      <p:sp>
+        <p:nvSpPr>
+          <p:cNvPr id="17" name="矩形 16">
+            <a:extLst>
+              <a:ext uri="{FF2B5EF4-FFF2-40B4-BE49-F238E27FC236}">
+                <a16:creationId xmlns:a16="http://schemas.microsoft.com/office/drawing/2014/main" id="{4E6C72C9-5FE7-4380-9910-BF86850AE977}"/>
+              </a:ext>
+            </a:extLst>
+          </p:cNvPr>
+          <p:cNvSpPr/>
+          <p:nvPr/>
+        </p:nvSpPr>
+        <p:spPr>
+          <a:xfrm>
+            <a:off x="6027205" y="3730997"/>
+            <a:ext cx="208132" cy="219891"/>
+          </a:xfrm>
+          <a:prstGeom prst="rect">
+            <a:avLst/>
+          </a:prstGeom>
+          <a:noFill/>
+          <a:ln w="9525" cap="flat" cmpd="sng" algn="ctr">
+            <a:solidFill>
+              <a:schemeClr val="accent6"/>
+            </a:solidFill>
+            <a:prstDash val="solid"/>
+            <a:round/>
+            <a:headEnd type="none" w="med" len="med"/>
+            <a:tailEnd type="none" w="med" len="med"/>
+          </a:ln>
+        </p:spPr>
+        <p:style>
+          <a:lnRef idx="0">
+            <a:scrgbClr r="0" g="0" b="0"/>
+          </a:lnRef>
+          <a:fillRef idx="0">
+            <a:scrgbClr r="0" g="0" b="0"/>
+          </a:fillRef>
+          <a:effectRef idx="0">
+            <a:scrgbClr r="0" g="0" b="0"/>
+          </a:effectRef>
+          <a:fontRef idx="minor">
+            <a:schemeClr val="accent6"/>
+          </a:fontRef>
+        </p:style>
+        <p:txBody>
+          <a:bodyPr rtlCol="0" anchor="ctr"/>
+          <a:lstStyle/>
+          <a:p>
+            <a:pPr algn="ctr"/>
+            <a:endParaRPr lang="zh-TW" altLang="en-US"/>
+          </a:p>
+        </p:txBody>
+      </p:sp>
+      <p:sp>
+        <p:nvSpPr>
+          <p:cNvPr id="18" name="箭號: 彎曲 17">
+            <a:extLst>
+              <a:ext uri="{FF2B5EF4-FFF2-40B4-BE49-F238E27FC236}">
+                <a16:creationId xmlns:a16="http://schemas.microsoft.com/office/drawing/2014/main" id="{E3F6B35D-69BE-4283-BFFB-6340659CB247}"/>
+              </a:ext>
+            </a:extLst>
+          </p:cNvPr>
+          <p:cNvSpPr/>
+          <p:nvPr/>
+        </p:nvSpPr>
+        <p:spPr>
+          <a:xfrm rot="5400000" flipV="1">
+            <a:off x="4067702" y="2602223"/>
+            <a:ext cx="1082230" cy="2651368"/>
+          </a:xfrm>
+          <a:prstGeom prst="bentArrow">
+            <a:avLst/>
+          </a:prstGeom>
+        </p:spPr>
+        <p:style>
+          <a:lnRef idx="2">
+            <a:schemeClr val="accent1">
+              <a:shade val="50000"/>
+            </a:schemeClr>
+          </a:lnRef>
+          <a:fillRef idx="1">
+            <a:schemeClr val="accent1"/>
+          </a:fillRef>
+          <a:effectRef idx="0">
+            <a:schemeClr val="accent1"/>
+          </a:effectRef>
+          <a:fontRef idx="minor">
+            <a:schemeClr val="lt1"/>
+          </a:fontRef>
+        </p:style>
+        <p:txBody>
+          <a:bodyPr rtlCol="0" anchor="ctr"/>
+          <a:lstStyle/>
+          <a:p>
+            <a:pPr algn="ctr"/>
+            <a:endParaRPr lang="zh-TW" altLang="en-US">
+              <a:solidFill>
+                <a:schemeClr val="tx1"/>
+              </a:solidFill>
+            </a:endParaRPr>
+          </a:p>
+        </p:txBody>
+      </p:sp>
+      <p:sp>
+        <p:nvSpPr>
+          <p:cNvPr id="19" name="箭號: 彎曲 18">
+            <a:extLst>
+              <a:ext uri="{FF2B5EF4-FFF2-40B4-BE49-F238E27FC236}">
+                <a16:creationId xmlns:a16="http://schemas.microsoft.com/office/drawing/2014/main" id="{27F46584-32AA-47DA-A225-3E9C5C4A1EE9}"/>
+              </a:ext>
+            </a:extLst>
+          </p:cNvPr>
+          <p:cNvSpPr/>
+          <p:nvPr/>
+        </p:nvSpPr>
+        <p:spPr>
+          <a:xfrm rot="5400000">
+            <a:off x="7524209" y="2540582"/>
+            <a:ext cx="1082230" cy="3359132"/>
+          </a:xfrm>
+          <a:prstGeom prst="bentArrow">
+            <a:avLst/>
+          </a:prstGeom>
+        </p:spPr>
+        <p:style>
+          <a:lnRef idx="2">
+            <a:schemeClr val="accent1">
+              <a:shade val="50000"/>
+            </a:schemeClr>
+          </a:lnRef>
+          <a:fillRef idx="1">
+            <a:schemeClr val="accent1"/>
+          </a:fillRef>
+          <a:effectRef idx="0">
+            <a:schemeClr val="accent1"/>
+          </a:effectRef>
+          <a:fontRef idx="minor">
+            <a:schemeClr val="lt1"/>
+          </a:fontRef>
+        </p:style>
+        <p:txBody>
+          <a:bodyPr rtlCol="0" anchor="ctr"/>
+          <a:lstStyle/>
+          <a:p>
+            <a:pPr algn="ctr"/>
+            <a:endParaRPr lang="zh-TW" altLang="en-US">
+              <a:solidFill>
+                <a:schemeClr val="tx1"/>
+              </a:solidFill>
+            </a:endParaRPr>
+          </a:p>
+        </p:txBody>
+      </p:sp>
+      <p:sp>
+        <p:nvSpPr>
+          <p:cNvPr id="20" name="箭號: 向右 19">
+            <a:extLst>
+              <a:ext uri="{FF2B5EF4-FFF2-40B4-BE49-F238E27FC236}">
+                <a16:creationId xmlns:a16="http://schemas.microsoft.com/office/drawing/2014/main" id="{CE056CF3-2EDF-4881-86F2-59F6972769B2}"/>
+              </a:ext>
+            </a:extLst>
+          </p:cNvPr>
+          <p:cNvSpPr/>
+          <p:nvPr/>
+        </p:nvSpPr>
+        <p:spPr>
+          <a:xfrm rot="1502318">
+            <a:off x="6737548" y="2677015"/>
+            <a:ext cx="1355217" cy="461554"/>
+          </a:xfrm>
+          <a:prstGeom prst="rightArrow">
+            <a:avLst/>
+          </a:prstGeom>
+        </p:spPr>
+        <p:style>
+          <a:lnRef idx="2">
+            <a:schemeClr val="accent1">
+              <a:shade val="50000"/>
+            </a:schemeClr>
+          </a:lnRef>
+          <a:fillRef idx="1">
+            <a:schemeClr val="accent1"/>
+          </a:fillRef>
+          <a:effectRef idx="0">
+            <a:schemeClr val="accent1"/>
+          </a:effectRef>
+          <a:fontRef idx="minor">
+            <a:schemeClr val="lt1"/>
+          </a:fontRef>
+        </p:style>
+        <p:txBody>
+          <a:bodyPr rtlCol="0" anchor="ctr"/>
+          <a:lstStyle/>
+          <a:p>
+            <a:pPr algn="ctr"/>
+            <a:endParaRPr lang="zh-TW" altLang="en-US"/>
+          </a:p>
+        </p:txBody>
+      </p:sp>
+    </p:spTree>
+    <p:extLst>
+      <p:ext uri="{BB962C8B-B14F-4D97-AF65-F5344CB8AC3E}">
+        <p14:creationId xmlns:p14="http://schemas.microsoft.com/office/powerpoint/2010/main" val="1041253391"/>
+      </p:ext>
+    </p:extLst>
+  </p:cSld>
+  <p:clrMapOvr>
+    <a:masterClrMapping/>
+  </p:clrMapOvr>
+</p:sld>
+</file>
+
 <file path=ppt/slides/slide14.xml><?xml version="1.0" encoding="utf-8"?>
 <p:sld xmlns:a="http://schemas.openxmlformats.org/drawingml/2006/main" xmlns:r="http://schemas.openxmlformats.org/officeDocument/2006/relationships" xmlns:p="http://schemas.openxmlformats.org/presentationml/2006/main">
   <p:cSld>
@@ -10989,41 +10710,12 @@
           <a:chExt cx="0" cy="0"/>
         </a:xfrm>
       </p:grpSpPr>
-      <p:sp>
-        <p:nvSpPr>
-          <p:cNvPr id="2" name="標題 1">
-            <a:extLst>
-              <a:ext uri="{FF2B5EF4-FFF2-40B4-BE49-F238E27FC236}">
-                <a16:creationId xmlns:a16="http://schemas.microsoft.com/office/drawing/2014/main" id="{93048374-F638-4A45-B565-8E46C4C95AF1}"/>
-              </a:ext>
-            </a:extLst>
-          </p:cNvPr>
-          <p:cNvSpPr>
-            <a:spLocks noGrp="1"/>
-          </p:cNvSpPr>
-          <p:nvPr>
-            <p:ph type="title"/>
-          </p:nvPr>
-        </p:nvSpPr>
-        <p:spPr/>
-        <p:txBody>
-          <a:bodyPr/>
-          <a:lstStyle/>
-          <a:p>
-            <a:r>
-              <a:rPr lang="en-US" altLang="zh-TW" dirty="0"/>
-              <a:t>Q8block</a:t>
-            </a:r>
-            <a:endParaRPr lang="zh-TW" altLang="en-US" dirty="0"/>
-          </a:p>
-        </p:txBody>
-      </p:sp>
       <p:pic>
         <p:nvPicPr>
-          <p:cNvPr id="5" name="圖片 4">
-            <a:extLst>
-              <a:ext uri="{FF2B5EF4-FFF2-40B4-BE49-F238E27FC236}">
-                <a16:creationId xmlns:a16="http://schemas.microsoft.com/office/drawing/2014/main" id="{954F83E8-2E87-4CCC-96D7-9E295CE1A34D}"/>
+          <p:cNvPr id="4" name="圖片 3">
+            <a:extLst>
+              <a:ext uri="{FF2B5EF4-FFF2-40B4-BE49-F238E27FC236}">
+                <a16:creationId xmlns:a16="http://schemas.microsoft.com/office/drawing/2014/main" id="{77F64525-FF37-4F00-B0A3-052EABA30D7C}"/>
               </a:ext>
             </a:extLst>
           </p:cNvPr>
@@ -11040,74 +10732,43 @@
         </p:blipFill>
         <p:spPr>
           <a:xfrm>
-            <a:off x="505969" y="1728216"/>
-            <a:ext cx="6515100" cy="1409700"/>
+            <a:off x="3190194" y="2068285"/>
+            <a:ext cx="4810125" cy="4362450"/>
           </a:xfrm>
           <a:prstGeom prst="rect">
             <a:avLst/>
           </a:prstGeom>
         </p:spPr>
       </p:pic>
-      <p:pic>
-        <p:nvPicPr>
-          <p:cNvPr id="7" name="圖片 6">
-            <a:extLst>
-              <a:ext uri="{FF2B5EF4-FFF2-40B4-BE49-F238E27FC236}">
-                <a16:creationId xmlns:a16="http://schemas.microsoft.com/office/drawing/2014/main" id="{0FD5FE11-A3AF-4C08-A572-F1CB83473959}"/>
-              </a:ext>
-            </a:extLst>
-          </p:cNvPr>
-          <p:cNvPicPr>
-            <a:picLocks noChangeAspect="1"/>
-          </p:cNvPicPr>
-          <p:nvPr/>
-        </p:nvPicPr>
-        <p:blipFill>
-          <a:blip r:embed="rId3"/>
-          <a:stretch>
-            <a:fillRect/>
-          </a:stretch>
-        </p:blipFill>
-        <p:spPr>
-          <a:xfrm>
-            <a:off x="5410799" y="3220022"/>
-            <a:ext cx="6391275" cy="1000125"/>
-          </a:xfrm>
-          <a:prstGeom prst="rect">
-            <a:avLst/>
-          </a:prstGeom>
-        </p:spPr>
-      </p:pic>
-      <p:pic>
-        <p:nvPicPr>
-          <p:cNvPr id="9" name="圖片 8">
-            <a:extLst>
-              <a:ext uri="{FF2B5EF4-FFF2-40B4-BE49-F238E27FC236}">
-                <a16:creationId xmlns:a16="http://schemas.microsoft.com/office/drawing/2014/main" id="{1C5FA961-89E6-4A48-BDD9-63403D220677}"/>
-              </a:ext>
-            </a:extLst>
-          </p:cNvPr>
-          <p:cNvPicPr>
-            <a:picLocks noChangeAspect="1"/>
-          </p:cNvPicPr>
-          <p:nvPr/>
-        </p:nvPicPr>
-        <p:blipFill>
-          <a:blip r:embed="rId4"/>
-          <a:stretch>
-            <a:fillRect/>
-          </a:stretch>
-        </p:blipFill>
-        <p:spPr>
-          <a:xfrm>
-            <a:off x="681226" y="4469022"/>
-            <a:ext cx="5345979" cy="2222486"/>
-          </a:xfrm>
-          <a:prstGeom prst="rect">
-            <a:avLst/>
-          </a:prstGeom>
-        </p:spPr>
-      </p:pic>
+      <p:sp>
+        <p:nvSpPr>
+          <p:cNvPr id="2" name="標題 1">
+            <a:extLst>
+              <a:ext uri="{FF2B5EF4-FFF2-40B4-BE49-F238E27FC236}">
+                <a16:creationId xmlns:a16="http://schemas.microsoft.com/office/drawing/2014/main" id="{93048374-F638-4A45-B565-8E46C4C95AF1}"/>
+              </a:ext>
+            </a:extLst>
+          </p:cNvPr>
+          <p:cNvSpPr>
+            <a:spLocks noGrp="1"/>
+          </p:cNvSpPr>
+          <p:nvPr>
+            <p:ph type="title"/>
+          </p:nvPr>
+        </p:nvSpPr>
+        <p:spPr/>
+        <p:txBody>
+          <a:bodyPr/>
+          <a:lstStyle/>
+          <a:p>
+            <a:r>
+              <a:rPr lang="en-US" altLang="zh-TW" dirty="0"/>
+              <a:t>Q8block</a:t>
+            </a:r>
+            <a:endParaRPr lang="zh-TW" altLang="en-US" dirty="0"/>
+          </a:p>
+        </p:txBody>
+      </p:sp>
       <p:sp>
         <p:nvSpPr>
           <p:cNvPr id="11" name="矩形 10">
@@ -11122,8 +10783,8 @@
         </p:nvSpPr>
         <p:spPr>
           <a:xfrm>
-            <a:off x="618309" y="1863634"/>
-            <a:ext cx="1280160" cy="409303"/>
+            <a:off x="5481174" y="5921831"/>
+            <a:ext cx="614826" cy="278674"/>
           </a:xfrm>
           <a:prstGeom prst="rect">
             <a:avLst/>
@@ -11162,294 +10823,10 @@
           </a:p>
         </p:txBody>
       </p:sp>
-      <p:pic>
-        <p:nvPicPr>
-          <p:cNvPr id="15" name="圖片 14">
-            <a:extLst>
-              <a:ext uri="{FF2B5EF4-FFF2-40B4-BE49-F238E27FC236}">
-                <a16:creationId xmlns:a16="http://schemas.microsoft.com/office/drawing/2014/main" id="{12C5724A-9FE6-4407-B5CB-8816B5A0BD09}"/>
-              </a:ext>
-            </a:extLst>
-          </p:cNvPr>
-          <p:cNvPicPr>
-            <a:picLocks noChangeAspect="1"/>
-          </p:cNvPicPr>
-          <p:nvPr/>
-        </p:nvPicPr>
-        <p:blipFill>
-          <a:blip r:embed="rId5"/>
-          <a:stretch>
-            <a:fillRect/>
-          </a:stretch>
-        </p:blipFill>
-        <p:spPr>
-          <a:xfrm>
-            <a:off x="7449149" y="4345344"/>
-            <a:ext cx="4352925" cy="2276475"/>
-          </a:xfrm>
-          <a:prstGeom prst="rect">
-            <a:avLst/>
-          </a:prstGeom>
-        </p:spPr>
-      </p:pic>
-      <p:sp>
-        <p:nvSpPr>
-          <p:cNvPr id="16" name="矩形 15">
-            <a:extLst>
-              <a:ext uri="{FF2B5EF4-FFF2-40B4-BE49-F238E27FC236}">
-                <a16:creationId xmlns:a16="http://schemas.microsoft.com/office/drawing/2014/main" id="{D750BE35-C3AD-43FC-A2DE-F11B0323EA6C}"/>
-              </a:ext>
-            </a:extLst>
-          </p:cNvPr>
-          <p:cNvSpPr/>
-          <p:nvPr/>
-        </p:nvSpPr>
-        <p:spPr>
-          <a:xfrm>
-            <a:off x="6027205" y="3429000"/>
-            <a:ext cx="208132" cy="219891"/>
-          </a:xfrm>
-          <a:prstGeom prst="rect">
-            <a:avLst/>
-          </a:prstGeom>
-          <a:noFill/>
-          <a:ln w="9525" cap="flat" cmpd="sng" algn="ctr">
-            <a:solidFill>
-              <a:schemeClr val="accent6"/>
-            </a:solidFill>
-            <a:prstDash val="solid"/>
-            <a:round/>
-            <a:headEnd type="none" w="med" len="med"/>
-            <a:tailEnd type="none" w="med" len="med"/>
-          </a:ln>
-        </p:spPr>
-        <p:style>
-          <a:lnRef idx="0">
-            <a:scrgbClr r="0" g="0" b="0"/>
-          </a:lnRef>
-          <a:fillRef idx="0">
-            <a:scrgbClr r="0" g="0" b="0"/>
-          </a:fillRef>
-          <a:effectRef idx="0">
-            <a:scrgbClr r="0" g="0" b="0"/>
-          </a:effectRef>
-          <a:fontRef idx="minor">
-            <a:schemeClr val="accent6"/>
-          </a:fontRef>
-        </p:style>
-        <p:txBody>
-          <a:bodyPr rtlCol="0" anchor="ctr"/>
-          <a:lstStyle/>
-          <a:p>
-            <a:pPr algn="ctr"/>
-            <a:endParaRPr lang="zh-TW" altLang="en-US"/>
-          </a:p>
-        </p:txBody>
-      </p:sp>
-      <p:sp>
-        <p:nvSpPr>
-          <p:cNvPr id="17" name="矩形 16">
-            <a:extLst>
-              <a:ext uri="{FF2B5EF4-FFF2-40B4-BE49-F238E27FC236}">
-                <a16:creationId xmlns:a16="http://schemas.microsoft.com/office/drawing/2014/main" id="{4E6C72C9-5FE7-4380-9910-BF86850AE977}"/>
-              </a:ext>
-            </a:extLst>
-          </p:cNvPr>
-          <p:cNvSpPr/>
-          <p:nvPr/>
-        </p:nvSpPr>
-        <p:spPr>
-          <a:xfrm>
-            <a:off x="6027205" y="3730997"/>
-            <a:ext cx="208132" cy="219891"/>
-          </a:xfrm>
-          <a:prstGeom prst="rect">
-            <a:avLst/>
-          </a:prstGeom>
-          <a:noFill/>
-          <a:ln w="9525" cap="flat" cmpd="sng" algn="ctr">
-            <a:solidFill>
-              <a:schemeClr val="accent6"/>
-            </a:solidFill>
-            <a:prstDash val="solid"/>
-            <a:round/>
-            <a:headEnd type="none" w="med" len="med"/>
-            <a:tailEnd type="none" w="med" len="med"/>
-          </a:ln>
-        </p:spPr>
-        <p:style>
-          <a:lnRef idx="0">
-            <a:scrgbClr r="0" g="0" b="0"/>
-          </a:lnRef>
-          <a:fillRef idx="0">
-            <a:scrgbClr r="0" g="0" b="0"/>
-          </a:fillRef>
-          <a:effectRef idx="0">
-            <a:scrgbClr r="0" g="0" b="0"/>
-          </a:effectRef>
-          <a:fontRef idx="minor">
-            <a:schemeClr val="accent6"/>
-          </a:fontRef>
-        </p:style>
-        <p:txBody>
-          <a:bodyPr rtlCol="0" anchor="ctr"/>
-          <a:lstStyle/>
-          <a:p>
-            <a:pPr algn="ctr"/>
-            <a:endParaRPr lang="zh-TW" altLang="en-US"/>
-          </a:p>
-        </p:txBody>
-      </p:sp>
-      <p:sp>
-        <p:nvSpPr>
-          <p:cNvPr id="18" name="箭號: 彎曲 17">
-            <a:extLst>
-              <a:ext uri="{FF2B5EF4-FFF2-40B4-BE49-F238E27FC236}">
-                <a16:creationId xmlns:a16="http://schemas.microsoft.com/office/drawing/2014/main" id="{E3F6B35D-69BE-4283-BFFB-6340659CB247}"/>
-              </a:ext>
-            </a:extLst>
-          </p:cNvPr>
-          <p:cNvSpPr/>
-          <p:nvPr/>
-        </p:nvSpPr>
-        <p:spPr>
-          <a:xfrm rot="5400000" flipV="1">
-            <a:off x="4067702" y="2602223"/>
-            <a:ext cx="1082230" cy="2651368"/>
-          </a:xfrm>
-          <a:prstGeom prst="bentArrow">
-            <a:avLst/>
-          </a:prstGeom>
-        </p:spPr>
-        <p:style>
-          <a:lnRef idx="2">
-            <a:schemeClr val="accent1">
-              <a:shade val="50000"/>
-            </a:schemeClr>
-          </a:lnRef>
-          <a:fillRef idx="1">
-            <a:schemeClr val="accent1"/>
-          </a:fillRef>
-          <a:effectRef idx="0">
-            <a:schemeClr val="accent1"/>
-          </a:effectRef>
-          <a:fontRef idx="minor">
-            <a:schemeClr val="lt1"/>
-          </a:fontRef>
-        </p:style>
-        <p:txBody>
-          <a:bodyPr rtlCol="0" anchor="ctr"/>
-          <a:lstStyle/>
-          <a:p>
-            <a:pPr algn="ctr"/>
-            <a:endParaRPr lang="zh-TW" altLang="en-US">
-              <a:solidFill>
-                <a:schemeClr val="tx1"/>
-              </a:solidFill>
-            </a:endParaRPr>
-          </a:p>
-        </p:txBody>
-      </p:sp>
-      <p:sp>
-        <p:nvSpPr>
-          <p:cNvPr id="19" name="箭號: 彎曲 18">
-            <a:extLst>
-              <a:ext uri="{FF2B5EF4-FFF2-40B4-BE49-F238E27FC236}">
-                <a16:creationId xmlns:a16="http://schemas.microsoft.com/office/drawing/2014/main" id="{27F46584-32AA-47DA-A225-3E9C5C4A1EE9}"/>
-              </a:ext>
-            </a:extLst>
-          </p:cNvPr>
-          <p:cNvSpPr/>
-          <p:nvPr/>
-        </p:nvSpPr>
-        <p:spPr>
-          <a:xfrm rot="5400000">
-            <a:off x="7524209" y="2540582"/>
-            <a:ext cx="1082230" cy="3359132"/>
-          </a:xfrm>
-          <a:prstGeom prst="bentArrow">
-            <a:avLst/>
-          </a:prstGeom>
-        </p:spPr>
-        <p:style>
-          <a:lnRef idx="2">
-            <a:schemeClr val="accent1">
-              <a:shade val="50000"/>
-            </a:schemeClr>
-          </a:lnRef>
-          <a:fillRef idx="1">
-            <a:schemeClr val="accent1"/>
-          </a:fillRef>
-          <a:effectRef idx="0">
-            <a:schemeClr val="accent1"/>
-          </a:effectRef>
-          <a:fontRef idx="minor">
-            <a:schemeClr val="lt1"/>
-          </a:fontRef>
-        </p:style>
-        <p:txBody>
-          <a:bodyPr rtlCol="0" anchor="ctr"/>
-          <a:lstStyle/>
-          <a:p>
-            <a:pPr algn="ctr"/>
-            <a:endParaRPr lang="zh-TW" altLang="en-US">
-              <a:solidFill>
-                <a:schemeClr val="tx1"/>
-              </a:solidFill>
-            </a:endParaRPr>
-          </a:p>
-        </p:txBody>
-      </p:sp>
-      <p:sp>
-        <p:nvSpPr>
-          <p:cNvPr id="20" name="箭號: 向右 19">
-            <a:extLst>
-              <a:ext uri="{FF2B5EF4-FFF2-40B4-BE49-F238E27FC236}">
-                <a16:creationId xmlns:a16="http://schemas.microsoft.com/office/drawing/2014/main" id="{CE056CF3-2EDF-4881-86F2-59F6972769B2}"/>
-              </a:ext>
-            </a:extLst>
-          </p:cNvPr>
-          <p:cNvSpPr/>
-          <p:nvPr/>
-        </p:nvSpPr>
-        <p:spPr>
-          <a:xfrm rot="1502318">
-            <a:off x="6737548" y="2677015"/>
-            <a:ext cx="1355217" cy="461554"/>
-          </a:xfrm>
-          <a:prstGeom prst="rightArrow">
-            <a:avLst/>
-          </a:prstGeom>
-        </p:spPr>
-        <p:style>
-          <a:lnRef idx="2">
-            <a:schemeClr val="accent1">
-              <a:shade val="50000"/>
-            </a:schemeClr>
-          </a:lnRef>
-          <a:fillRef idx="1">
-            <a:schemeClr val="accent1"/>
-          </a:fillRef>
-          <a:effectRef idx="0">
-            <a:schemeClr val="accent1"/>
-          </a:effectRef>
-          <a:fontRef idx="minor">
-            <a:schemeClr val="lt1"/>
-          </a:fontRef>
-        </p:style>
-        <p:txBody>
-          <a:bodyPr rtlCol="0" anchor="ctr"/>
-          <a:lstStyle/>
-          <a:p>
-            <a:pPr algn="ctr"/>
-            <a:endParaRPr lang="zh-TW" altLang="en-US"/>
-          </a:p>
-        </p:txBody>
-      </p:sp>
     </p:spTree>
     <p:extLst>
       <p:ext uri="{BB962C8B-B14F-4D97-AF65-F5344CB8AC3E}">
-        <p14:creationId xmlns:p14="http://schemas.microsoft.com/office/powerpoint/2010/main" val="1041253391"/>
+        <p14:creationId xmlns:p14="http://schemas.microsoft.com/office/powerpoint/2010/main" val="1469021"/>
       </p:ext>
     </p:extLst>
   </p:cSld>
@@ -12451,6 +11828,90 @@
               <a:t>Piped text</a:t>
             </a:r>
             <a:endParaRPr lang="zh-TW" altLang="en-US" dirty="0"/>
+          </a:p>
+        </p:txBody>
+      </p:sp>
+      <p:pic>
+        <p:nvPicPr>
+          <p:cNvPr id="5" name="圖片 4">
+            <a:extLst>
+              <a:ext uri="{FF2B5EF4-FFF2-40B4-BE49-F238E27FC236}">
+                <a16:creationId xmlns:a16="http://schemas.microsoft.com/office/drawing/2014/main" id="{0A362329-74D2-4688-B230-8C6F628D9461}"/>
+              </a:ext>
+            </a:extLst>
+          </p:cNvPr>
+          <p:cNvPicPr>
+            <a:picLocks noChangeAspect="1"/>
+          </p:cNvPicPr>
+          <p:nvPr/>
+        </p:nvPicPr>
+        <p:blipFill>
+          <a:blip r:embed="rId5"/>
+          <a:stretch>
+            <a:fillRect/>
+          </a:stretch>
+        </p:blipFill>
+        <p:spPr>
+          <a:xfrm>
+            <a:off x="1890362" y="90412"/>
+            <a:ext cx="8782050" cy="590550"/>
+          </a:xfrm>
+          <a:prstGeom prst="rect">
+            <a:avLst/>
+          </a:prstGeom>
+        </p:spPr>
+      </p:pic>
+      <p:sp>
+        <p:nvSpPr>
+          <p:cNvPr id="16" name="矩形 15">
+            <a:extLst>
+              <a:ext uri="{FF2B5EF4-FFF2-40B4-BE49-F238E27FC236}">
+                <a16:creationId xmlns:a16="http://schemas.microsoft.com/office/drawing/2014/main" id="{9DDC43C2-4668-4C5D-B730-DA733C8CC3EE}"/>
+              </a:ext>
+            </a:extLst>
+          </p:cNvPr>
+          <p:cNvSpPr/>
+          <p:nvPr/>
+        </p:nvSpPr>
+        <p:spPr>
+          <a:xfrm>
+            <a:off x="8269357" y="401379"/>
+            <a:ext cx="799250" cy="302774"/>
+          </a:xfrm>
+          <a:prstGeom prst="rect">
+            <a:avLst/>
+          </a:prstGeom>
+          <a:noFill/>
+          <a:ln w="9525" cap="flat" cmpd="sng" algn="ctr">
+            <a:solidFill>
+              <a:schemeClr val="dk1"/>
+            </a:solidFill>
+            <a:prstDash val="solid"/>
+            <a:round/>
+            <a:headEnd type="none" w="med" len="med"/>
+            <a:tailEnd type="none" w="med" len="med"/>
+          </a:ln>
+        </p:spPr>
+        <p:style>
+          <a:lnRef idx="0">
+            <a:scrgbClr r="0" g="0" b="0"/>
+          </a:lnRef>
+          <a:fillRef idx="0">
+            <a:scrgbClr r="0" g="0" b="0"/>
+          </a:fillRef>
+          <a:effectRef idx="0">
+            <a:scrgbClr r="0" g="0" b="0"/>
+          </a:effectRef>
+          <a:fontRef idx="minor">
+            <a:schemeClr val="dk1"/>
+          </a:fontRef>
+        </p:style>
+        <p:txBody>
+          <a:bodyPr rtlCol="0" anchor="ctr"/>
+          <a:lstStyle/>
+          <a:p>
+            <a:pPr algn="ctr"/>
+            <a:endParaRPr lang="zh-TW" altLang="en-US"/>
           </a:p>
         </p:txBody>
       </p:sp>
@@ -12917,6 +12378,36 @@
           </a:p>
         </p:txBody>
       </p:sp>
+      <p:pic>
+        <p:nvPicPr>
+          <p:cNvPr id="4" name="圖片 3">
+            <a:extLst>
+              <a:ext uri="{FF2B5EF4-FFF2-40B4-BE49-F238E27FC236}">
+                <a16:creationId xmlns:a16="http://schemas.microsoft.com/office/drawing/2014/main" id="{5C7473B5-0039-4403-84D8-2FA909701651}"/>
+              </a:ext>
+            </a:extLst>
+          </p:cNvPr>
+          <p:cNvPicPr>
+            <a:picLocks noChangeAspect="1"/>
+          </p:cNvPicPr>
+          <p:nvPr/>
+        </p:nvPicPr>
+        <p:blipFill>
+          <a:blip r:embed="rId2"/>
+          <a:stretch>
+            <a:fillRect/>
+          </a:stretch>
+        </p:blipFill>
+        <p:spPr>
+          <a:xfrm>
+            <a:off x="2652712" y="1762125"/>
+            <a:ext cx="6886575" cy="3333750"/>
+          </a:xfrm>
+          <a:prstGeom prst="rect">
+            <a:avLst/>
+          </a:prstGeom>
+        </p:spPr>
+      </p:pic>
     </p:spTree>
     <p:extLst>
       <p:ext uri="{BB962C8B-B14F-4D97-AF65-F5344CB8AC3E}">
@@ -19303,12 +18794,410 @@
           <a:chExt cx="0" cy="0"/>
         </a:xfrm>
       </p:grpSpPr>
+      <p:sp useBgFill="1">
+        <p:nvSpPr>
+          <p:cNvPr id="13" name="Rectangle 12">
+            <a:extLst>
+              <a:ext uri="{FF2B5EF4-FFF2-40B4-BE49-F238E27FC236}">
+                <a16:creationId xmlns:a16="http://schemas.microsoft.com/office/drawing/2014/main" id="{115719BB-48A7-4AF4-BB91-DC82E0DF727D}"/>
+              </a:ext>
+              <a:ext uri="{C183D7F6-B498-43B3-948B-1728B52AA6E4}">
+                <adec:decorative xmlns:adec="http://schemas.microsoft.com/office/drawing/2017/decorative" val="1"/>
+              </a:ext>
+            </a:extLst>
+          </p:cNvPr>
+          <p:cNvSpPr>
+            <a:spLocks noGrp="1" noRot="1" noChangeAspect="1" noMove="1" noResize="1" noEditPoints="1" noAdjustHandles="1" noChangeArrowheads="1" noChangeShapeType="1" noTextEdit="1"/>
+          </p:cNvSpPr>
+          <p:nvPr>
+            <p:extLst>
+              <p:ext uri="{386F3935-93C4-4BCD-93E2-E3B085C9AB24}">
+                <p16:designElem xmlns:p16="http://schemas.microsoft.com/office/powerpoint/2015/main" val="1"/>
+              </p:ext>
+            </p:extLst>
+          </p:nvPr>
+        </p:nvSpPr>
+        <p:spPr>
+          <a:xfrm>
+            <a:off x="0" y="0"/>
+            <a:ext cx="12192000" cy="6858000"/>
+          </a:xfrm>
+          <a:prstGeom prst="rect">
+            <a:avLst/>
+          </a:prstGeom>
+          <a:ln>
+            <a:noFill/>
+          </a:ln>
+        </p:spPr>
+        <p:style>
+          <a:lnRef idx="2">
+            <a:schemeClr val="accent1">
+              <a:shade val="50000"/>
+            </a:schemeClr>
+          </a:lnRef>
+          <a:fillRef idx="1">
+            <a:schemeClr val="accent1"/>
+          </a:fillRef>
+          <a:effectRef idx="0">
+            <a:schemeClr val="accent1"/>
+          </a:effectRef>
+          <a:fontRef idx="minor">
+            <a:schemeClr val="lt1"/>
+          </a:fontRef>
+        </p:style>
+        <p:txBody>
+          <a:bodyPr rtlCol="0" anchor="ctr"/>
+          <a:lstStyle/>
+          <a:p>
+            <a:pPr algn="ctr"/>
+            <a:endParaRPr lang="en-US"/>
+          </a:p>
+        </p:txBody>
+      </p:sp>
+      <p:sp useBgFill="1">
+        <p:nvSpPr>
+          <p:cNvPr id="15" name="Freeform: Shape 14">
+            <a:extLst>
+              <a:ext uri="{FF2B5EF4-FFF2-40B4-BE49-F238E27FC236}">
+                <a16:creationId xmlns:a16="http://schemas.microsoft.com/office/drawing/2014/main" id="{10973A55-5440-4A99-B526-B5812E46271E}"/>
+              </a:ext>
+              <a:ext uri="{C183D7F6-B498-43B3-948B-1728B52AA6E4}">
+                <adec:decorative xmlns:adec="http://schemas.microsoft.com/office/drawing/2017/decorative" val="1"/>
+              </a:ext>
+            </a:extLst>
+          </p:cNvPr>
+          <p:cNvSpPr>
+            <a:spLocks noGrp="1" noRot="1" noChangeAspect="1" noMove="1" noResize="1" noEditPoints="1" noAdjustHandles="1" noChangeArrowheads="1" noChangeShapeType="1" noTextEdit="1"/>
+          </p:cNvSpPr>
+          <p:nvPr>
+            <p:extLst>
+              <p:ext uri="{386F3935-93C4-4BCD-93E2-E3B085C9AB24}">
+                <p16:designElem xmlns:p16="http://schemas.microsoft.com/office/powerpoint/2015/main" val="1"/>
+              </p:ext>
+            </p:extLst>
+          </p:nvPr>
+        </p:nvSpPr>
+        <p:spPr>
+          <a:xfrm>
+            <a:off x="-1" y="0"/>
+            <a:ext cx="6096002" cy="6858000"/>
+          </a:xfrm>
+          <a:custGeom>
+            <a:avLst/>
+            <a:gdLst>
+              <a:gd name="connsiteX0" fmla="*/ 0 w 6096002"/>
+              <a:gd name="connsiteY0" fmla="*/ 0 h 6858000"/>
+              <a:gd name="connsiteX1" fmla="*/ 4885967 w 6096002"/>
+              <a:gd name="connsiteY1" fmla="*/ 0 h 6858000"/>
+              <a:gd name="connsiteX2" fmla="*/ 4946007 w 6096002"/>
+              <a:gd name="connsiteY2" fmla="*/ 69271 h 6858000"/>
+              <a:gd name="connsiteX3" fmla="*/ 6096002 w 6096002"/>
+              <a:gd name="connsiteY3" fmla="*/ 3429000 h 6858000"/>
+              <a:gd name="connsiteX4" fmla="*/ 4946007 w 6096002"/>
+              <a:gd name="connsiteY4" fmla="*/ 6788730 h 6858000"/>
+              <a:gd name="connsiteX5" fmla="*/ 4885967 w 6096002"/>
+              <a:gd name="connsiteY5" fmla="*/ 6858000 h 6858000"/>
+              <a:gd name="connsiteX6" fmla="*/ 0 w 6096002"/>
+              <a:gd name="connsiteY6" fmla="*/ 6858000 h 6858000"/>
+            </a:gdLst>
+            <a:ahLst/>
+            <a:cxnLst>
+              <a:cxn ang="0">
+                <a:pos x="connsiteX0" y="connsiteY0"/>
+              </a:cxn>
+              <a:cxn ang="0">
+                <a:pos x="connsiteX1" y="connsiteY1"/>
+              </a:cxn>
+              <a:cxn ang="0">
+                <a:pos x="connsiteX2" y="connsiteY2"/>
+              </a:cxn>
+              <a:cxn ang="0">
+                <a:pos x="connsiteX3" y="connsiteY3"/>
+              </a:cxn>
+              <a:cxn ang="0">
+                <a:pos x="connsiteX4" y="connsiteY4"/>
+              </a:cxn>
+              <a:cxn ang="0">
+                <a:pos x="connsiteX5" y="connsiteY5"/>
+              </a:cxn>
+              <a:cxn ang="0">
+                <a:pos x="connsiteX6" y="connsiteY6"/>
+              </a:cxn>
+            </a:cxnLst>
+            <a:rect l="l" t="t" r="r" b="b"/>
+            <a:pathLst>
+              <a:path w="6096002" h="6858000">
+                <a:moveTo>
+                  <a:pt x="0" y="0"/>
+                </a:moveTo>
+                <a:lnTo>
+                  <a:pt x="4885967" y="0"/>
+                </a:lnTo>
+                <a:lnTo>
+                  <a:pt x="4946007" y="69271"/>
+                </a:lnTo>
+                <a:cubicBezTo>
+                  <a:pt x="5656533" y="929100"/>
+                  <a:pt x="6096002" y="2116944"/>
+                  <a:pt x="6096002" y="3429000"/>
+                </a:cubicBezTo>
+                <a:cubicBezTo>
+                  <a:pt x="6096002" y="4741056"/>
+                  <a:pt x="5656533" y="5928900"/>
+                  <a:pt x="4946007" y="6788730"/>
+                </a:cubicBezTo>
+                <a:lnTo>
+                  <a:pt x="4885967" y="6858000"/>
+                </a:lnTo>
+                <a:lnTo>
+                  <a:pt x="0" y="6858000"/>
+                </a:lnTo>
+                <a:close/>
+              </a:path>
+            </a:pathLst>
+          </a:custGeom>
+          <a:ln w="9525">
+            <a:solidFill>
+              <a:schemeClr val="tx2">
+                <a:lumMod val="10000"/>
+                <a:lumOff val="90000"/>
+              </a:schemeClr>
+            </a:solidFill>
+          </a:ln>
+          <a:effectLst>
+            <a:outerShdw blurRad="50800" dist="38100" algn="l" rotWithShape="0">
+              <a:schemeClr val="bg1">
+                <a:lumMod val="85000"/>
+                <a:alpha val="30000"/>
+              </a:schemeClr>
+            </a:outerShdw>
+          </a:effectLst>
+        </p:spPr>
+        <p:style>
+          <a:lnRef idx="2">
+            <a:schemeClr val="accent1">
+              <a:shade val="50000"/>
+            </a:schemeClr>
+          </a:lnRef>
+          <a:fillRef idx="1">
+            <a:schemeClr val="accent1"/>
+          </a:fillRef>
+          <a:effectRef idx="0">
+            <a:schemeClr val="accent1"/>
+          </a:effectRef>
+          <a:fontRef idx="minor">
+            <a:schemeClr val="lt1"/>
+          </a:fontRef>
+        </p:style>
+        <p:txBody>
+          <a:bodyPr wrap="square" rtlCol="0" anchor="ctr">
+            <a:noAutofit/>
+          </a:bodyPr>
+          <a:lstStyle/>
+          <a:p>
+            <a:pPr marL="0" marR="0" lvl="0" indent="0" algn="ctr" defTabSz="914400" rtl="0" eaLnBrk="1" fontAlgn="auto" latinLnBrk="0" hangingPunct="1">
+              <a:lnSpc>
+                <a:spcPct val="100000"/>
+              </a:lnSpc>
+              <a:spcBef>
+                <a:spcPts val="0"/>
+              </a:spcBef>
+              <a:spcAft>
+                <a:spcPts val="0"/>
+              </a:spcAft>
+              <a:buClrTx/>
+              <a:buSzTx/>
+              <a:buFontTx/>
+              <a:buNone/>
+              <a:tabLst/>
+              <a:defRPr/>
+            </a:pPr>
+            <a:endParaRPr kumimoji="0" lang="en-US" sz="1800" b="0" i="0" u="none" strike="noStrike" kern="1200" cap="none" spc="0" normalizeH="0" baseline="0" noProof="0">
+              <a:ln>
+                <a:noFill/>
+              </a:ln>
+              <a:solidFill>
+                <a:prstClr val="white"/>
+              </a:solidFill>
+              <a:effectLst/>
+              <a:uLnTx/>
+              <a:uFillTx/>
+              <a:latin typeface="Calibri" panose="020F0502020204030204"/>
+              <a:ea typeface="+mn-ea"/>
+              <a:cs typeface="+mn-cs"/>
+            </a:endParaRPr>
+          </a:p>
+        </p:txBody>
+      </p:sp>
+      <p:sp useBgFill="1">
+        <p:nvSpPr>
+          <p:cNvPr id="17" name="Freeform: Shape 16">
+            <a:extLst>
+              <a:ext uri="{FF2B5EF4-FFF2-40B4-BE49-F238E27FC236}">
+                <a16:creationId xmlns:a16="http://schemas.microsoft.com/office/drawing/2014/main" id="{A9682493-588A-4D52-98F6-FBBD80C07ECB}"/>
+              </a:ext>
+              <a:ext uri="{C183D7F6-B498-43B3-948B-1728B52AA6E4}">
+                <adec:decorative xmlns:adec="http://schemas.microsoft.com/office/drawing/2017/decorative" val="1"/>
+              </a:ext>
+            </a:extLst>
+          </p:cNvPr>
+          <p:cNvSpPr>
+            <a:spLocks noGrp="1" noRot="1" noChangeAspect="1" noMove="1" noResize="1" noEditPoints="1" noAdjustHandles="1" noChangeArrowheads="1" noChangeShapeType="1" noTextEdit="1"/>
+          </p:cNvSpPr>
+          <p:nvPr>
+            <p:extLst>
+              <p:ext uri="{386F3935-93C4-4BCD-93E2-E3B085C9AB24}">
+                <p16:designElem xmlns:p16="http://schemas.microsoft.com/office/powerpoint/2015/main" val="1"/>
+              </p:ext>
+            </p:extLst>
+          </p:nvPr>
+        </p:nvSpPr>
+        <p:spPr>
+          <a:xfrm>
+            <a:off x="0" y="0"/>
+            <a:ext cx="6085370" cy="6858000"/>
+          </a:xfrm>
+          <a:custGeom>
+            <a:avLst/>
+            <a:gdLst>
+              <a:gd name="connsiteX0" fmla="*/ 0 w 6085370"/>
+              <a:gd name="connsiteY0" fmla="*/ 0 h 6858000"/>
+              <a:gd name="connsiteX1" fmla="*/ 4875335 w 6085370"/>
+              <a:gd name="connsiteY1" fmla="*/ 0 h 6858000"/>
+              <a:gd name="connsiteX2" fmla="*/ 4935375 w 6085370"/>
+              <a:gd name="connsiteY2" fmla="*/ 69271 h 6858000"/>
+              <a:gd name="connsiteX3" fmla="*/ 6085370 w 6085370"/>
+              <a:gd name="connsiteY3" fmla="*/ 3429000 h 6858000"/>
+              <a:gd name="connsiteX4" fmla="*/ 4935375 w 6085370"/>
+              <a:gd name="connsiteY4" fmla="*/ 6788730 h 6858000"/>
+              <a:gd name="connsiteX5" fmla="*/ 4875335 w 6085370"/>
+              <a:gd name="connsiteY5" fmla="*/ 6858000 h 6858000"/>
+              <a:gd name="connsiteX6" fmla="*/ 0 w 6085370"/>
+              <a:gd name="connsiteY6" fmla="*/ 6858000 h 6858000"/>
+            </a:gdLst>
+            <a:ahLst/>
+            <a:cxnLst>
+              <a:cxn ang="0">
+                <a:pos x="connsiteX0" y="connsiteY0"/>
+              </a:cxn>
+              <a:cxn ang="0">
+                <a:pos x="connsiteX1" y="connsiteY1"/>
+              </a:cxn>
+              <a:cxn ang="0">
+                <a:pos x="connsiteX2" y="connsiteY2"/>
+              </a:cxn>
+              <a:cxn ang="0">
+                <a:pos x="connsiteX3" y="connsiteY3"/>
+              </a:cxn>
+              <a:cxn ang="0">
+                <a:pos x="connsiteX4" y="connsiteY4"/>
+              </a:cxn>
+              <a:cxn ang="0">
+                <a:pos x="connsiteX5" y="connsiteY5"/>
+              </a:cxn>
+              <a:cxn ang="0">
+                <a:pos x="connsiteX6" y="connsiteY6"/>
+              </a:cxn>
+            </a:cxnLst>
+            <a:rect l="l" t="t" r="r" b="b"/>
+            <a:pathLst>
+              <a:path w="6085370" h="6858000">
+                <a:moveTo>
+                  <a:pt x="0" y="0"/>
+                </a:moveTo>
+                <a:lnTo>
+                  <a:pt x="4875335" y="0"/>
+                </a:lnTo>
+                <a:lnTo>
+                  <a:pt x="4935375" y="69271"/>
+                </a:lnTo>
+                <a:cubicBezTo>
+                  <a:pt x="5645901" y="929100"/>
+                  <a:pt x="6085370" y="2116944"/>
+                  <a:pt x="6085370" y="3429000"/>
+                </a:cubicBezTo>
+                <a:cubicBezTo>
+                  <a:pt x="6085370" y="4741056"/>
+                  <a:pt x="5645901" y="5928900"/>
+                  <a:pt x="4935375" y="6788730"/>
+                </a:cubicBezTo>
+                <a:lnTo>
+                  <a:pt x="4875335" y="6858000"/>
+                </a:lnTo>
+                <a:lnTo>
+                  <a:pt x="0" y="6858000"/>
+                </a:lnTo>
+                <a:close/>
+              </a:path>
+            </a:pathLst>
+          </a:custGeom>
+          <a:ln w="9525">
+            <a:noFill/>
+          </a:ln>
+          <a:effectLst/>
+        </p:spPr>
+        <p:style>
+          <a:lnRef idx="2">
+            <a:schemeClr val="accent1">
+              <a:shade val="50000"/>
+            </a:schemeClr>
+          </a:lnRef>
+          <a:fillRef idx="1">
+            <a:schemeClr val="accent1"/>
+          </a:fillRef>
+          <a:effectRef idx="0">
+            <a:schemeClr val="accent1"/>
+          </a:effectRef>
+          <a:fontRef idx="minor">
+            <a:schemeClr val="lt1"/>
+          </a:fontRef>
+        </p:style>
+        <p:txBody>
+          <a:bodyPr wrap="square" rtlCol="0" anchor="ctr">
+            <a:noAutofit/>
+          </a:bodyPr>
+          <a:lstStyle/>
+          <a:p>
+            <a:pPr marL="0" marR="0" lvl="0" indent="0" algn="ctr" defTabSz="914400" rtl="0" eaLnBrk="1" fontAlgn="auto" latinLnBrk="0" hangingPunct="1">
+              <a:lnSpc>
+                <a:spcPct val="100000"/>
+              </a:lnSpc>
+              <a:spcBef>
+                <a:spcPts val="0"/>
+              </a:spcBef>
+              <a:spcAft>
+                <a:spcPts val="0"/>
+              </a:spcAft>
+              <a:buClrTx/>
+              <a:buSzTx/>
+              <a:buFontTx/>
+              <a:buNone/>
+              <a:tabLst/>
+              <a:defRPr/>
+            </a:pPr>
+            <a:endParaRPr kumimoji="0" lang="en-US" sz="1800" b="0" i="0" u="none" strike="noStrike" kern="1200" cap="none" spc="0" normalizeH="0" baseline="0" noProof="0">
+              <a:ln>
+                <a:noFill/>
+              </a:ln>
+              <a:solidFill>
+                <a:prstClr val="white"/>
+              </a:solidFill>
+              <a:effectLst/>
+              <a:uLnTx/>
+              <a:uFillTx/>
+              <a:latin typeface="Calibri" panose="020F0502020204030204"/>
+              <a:ea typeface="+mn-ea"/>
+              <a:cs typeface="+mn-cs"/>
+            </a:endParaRPr>
+          </a:p>
+        </p:txBody>
+      </p:sp>
       <p:sp>
         <p:nvSpPr>
           <p:cNvPr id="2" name="標題 1">
             <a:extLst>
               <a:ext uri="{FF2B5EF4-FFF2-40B4-BE49-F238E27FC236}">
-                <a16:creationId xmlns:a16="http://schemas.microsoft.com/office/drawing/2014/main" id="{382BB73E-29D3-49EC-83C3-18224DC4D70E}"/>
+                <a16:creationId xmlns:a16="http://schemas.microsoft.com/office/drawing/2014/main" id="{3BB560C3-C9BD-4617-B54B-6E716152B1C4}"/>
               </a:ext>
             </a:extLst>
           </p:cNvPr>
@@ -19319,21 +19208,220 @@
             <p:ph type="title"/>
           </p:nvPr>
         </p:nvSpPr>
-        <p:spPr/>
-        <p:txBody>
-          <a:bodyPr/>
+        <p:spPr>
+          <a:xfrm>
+            <a:off x="438913" y="859536"/>
+            <a:ext cx="4832802" cy="1170432"/>
+          </a:xfrm>
+        </p:spPr>
+        <p:txBody>
+          <a:bodyPr anchor="b">
+            <a:normAutofit/>
+          </a:bodyPr>
           <a:lstStyle/>
           <a:p>
-            <a:endParaRPr lang="zh-HK" altLang="en-US" dirty="0"/>
+            <a:r>
+              <a:rPr lang="en-US" altLang="zh-TW" sz="3400" dirty="0"/>
+              <a:t>Q2: Intro</a:t>
+            </a:r>
+            <a:endParaRPr lang="zh-TW" altLang="en-US" sz="3400" dirty="0"/>
           </a:p>
         </p:txBody>
       </p:sp>
       <p:sp>
         <p:nvSpPr>
+          <p:cNvPr id="19" name="Rectangle 18">
+            <a:extLst>
+              <a:ext uri="{FF2B5EF4-FFF2-40B4-BE49-F238E27FC236}">
+                <a16:creationId xmlns:a16="http://schemas.microsoft.com/office/drawing/2014/main" id="{FBEC5A7A-ADE4-48D9-B89C-2BA1C9110632}"/>
+              </a:ext>
+              <a:ext uri="{C183D7F6-B498-43B3-948B-1728B52AA6E4}">
+                <adec:decorative xmlns:adec="http://schemas.microsoft.com/office/drawing/2017/decorative" val="1"/>
+              </a:ext>
+            </a:extLst>
+          </p:cNvPr>
+          <p:cNvSpPr>
+            <a:spLocks noGrp="1" noRot="1" noChangeAspect="1" noMove="1" noResize="1" noEditPoints="1" noAdjustHandles="1" noChangeArrowheads="1" noChangeShapeType="1" noTextEdit="1"/>
+          </p:cNvSpPr>
+          <p:nvPr>
+            <p:extLst>
+              <p:ext uri="{386F3935-93C4-4BCD-93E2-E3B085C9AB24}">
+                <p16:designElem xmlns:p16="http://schemas.microsoft.com/office/powerpoint/2015/main" val="1"/>
+              </p:ext>
+            </p:extLst>
+          </p:nvPr>
+        </p:nvSpPr>
+        <p:spPr>
+          <a:xfrm rot="5400000">
+            <a:off x="703236" y="363389"/>
+            <a:ext cx="73152" cy="548640"/>
+          </a:xfrm>
+          <a:prstGeom prst="rect">
+            <a:avLst/>
+          </a:prstGeom>
+          <a:solidFill>
+            <a:schemeClr val="accent1"/>
+          </a:solidFill>
+          <a:ln>
+            <a:noFill/>
+          </a:ln>
+        </p:spPr>
+        <p:style>
+          <a:lnRef idx="2">
+            <a:schemeClr val="accent1">
+              <a:shade val="50000"/>
+            </a:schemeClr>
+          </a:lnRef>
+          <a:fillRef idx="1">
+            <a:schemeClr val="accent1"/>
+          </a:fillRef>
+          <a:effectRef idx="0">
+            <a:schemeClr val="accent1"/>
+          </a:effectRef>
+          <a:fontRef idx="minor">
+            <a:schemeClr val="lt1"/>
+          </a:fontRef>
+        </p:style>
+        <p:txBody>
+          <a:bodyPr rtlCol="0" anchor="ctr"/>
+          <a:lstStyle/>
+          <a:p>
+            <a:pPr marL="0" marR="0" lvl="0" indent="0" algn="ctr" defTabSz="914400" rtl="0" eaLnBrk="1" fontAlgn="auto" latinLnBrk="0" hangingPunct="1">
+              <a:lnSpc>
+                <a:spcPct val="100000"/>
+              </a:lnSpc>
+              <a:spcBef>
+                <a:spcPts val="0"/>
+              </a:spcBef>
+              <a:spcAft>
+                <a:spcPts val="0"/>
+              </a:spcAft>
+              <a:buClrTx/>
+              <a:buSzTx/>
+              <a:buFontTx/>
+              <a:buNone/>
+              <a:tabLst/>
+              <a:defRPr/>
+            </a:pPr>
+            <a:endParaRPr kumimoji="0" lang="en-US" sz="1800" b="0" i="0" u="none" strike="noStrike" kern="1200" cap="none" spc="0" normalizeH="0" baseline="0" noProof="0">
+              <a:ln>
+                <a:noFill/>
+              </a:ln>
+              <a:solidFill>
+                <a:prstClr val="white"/>
+              </a:solidFill>
+              <a:effectLst/>
+              <a:uLnTx/>
+              <a:uFillTx/>
+              <a:latin typeface="Calibri" panose="020F0502020204030204"/>
+              <a:ea typeface="+mn-ea"/>
+              <a:cs typeface="+mn-cs"/>
+            </a:endParaRPr>
+          </a:p>
+        </p:txBody>
+      </p:sp>
+      <p:sp>
+        <p:nvSpPr>
+          <p:cNvPr id="21" name="Rectangle 20">
+            <a:extLst>
+              <a:ext uri="{FF2B5EF4-FFF2-40B4-BE49-F238E27FC236}">
+                <a16:creationId xmlns:a16="http://schemas.microsoft.com/office/drawing/2014/main" id="{82095FCE-EF05-4443-B97A-85DEE3A5CA17}"/>
+              </a:ext>
+              <a:ext uri="{C183D7F6-B498-43B3-948B-1728B52AA6E4}">
+                <adec:decorative xmlns:adec="http://schemas.microsoft.com/office/drawing/2017/decorative" val="1"/>
+              </a:ext>
+            </a:extLst>
+          </p:cNvPr>
+          <p:cNvSpPr>
+            <a:spLocks noGrp="1" noRot="1" noChangeAspect="1" noMove="1" noResize="1" noEditPoints="1" noAdjustHandles="1" noChangeArrowheads="1" noChangeShapeType="1" noTextEdit="1"/>
+          </p:cNvSpPr>
+          <p:nvPr>
+            <p:extLst>
+              <p:ext uri="{386F3935-93C4-4BCD-93E2-E3B085C9AB24}">
+                <p16:designElem xmlns:p16="http://schemas.microsoft.com/office/powerpoint/2015/main" val="1"/>
+              </p:ext>
+            </p:extLst>
+          </p:nvPr>
+        </p:nvSpPr>
+        <p:spPr>
+          <a:xfrm>
+            <a:off x="465492" y="2185062"/>
+            <a:ext cx="4937760" cy="18288"/>
+          </a:xfrm>
+          <a:prstGeom prst="rect">
+            <a:avLst/>
+          </a:prstGeom>
+          <a:solidFill>
+            <a:schemeClr val="tx2">
+              <a:lumMod val="25000"/>
+              <a:lumOff val="75000"/>
+            </a:schemeClr>
+          </a:solidFill>
+          <a:ln w="3175">
+            <a:noFill/>
+          </a:ln>
+          <a:effectLst/>
+        </p:spPr>
+        <p:style>
+          <a:lnRef idx="2">
+            <a:schemeClr val="accent1">
+              <a:shade val="50000"/>
+            </a:schemeClr>
+          </a:lnRef>
+          <a:fillRef idx="1">
+            <a:schemeClr val="accent1"/>
+          </a:fillRef>
+          <a:effectRef idx="0">
+            <a:schemeClr val="accent1"/>
+          </a:effectRef>
+          <a:fontRef idx="minor">
+            <a:schemeClr val="lt1"/>
+          </a:fontRef>
+        </p:style>
+        <p:txBody>
+          <a:bodyPr rtlCol="0" anchor="ctr"/>
+          <a:lstStyle/>
+          <a:p>
+            <a:pPr marL="0" marR="0" lvl="0" indent="0" algn="ctr" defTabSz="914400" rtl="0" eaLnBrk="1" fontAlgn="auto" latinLnBrk="0" hangingPunct="1">
+              <a:lnSpc>
+                <a:spcPct val="100000"/>
+              </a:lnSpc>
+              <a:spcBef>
+                <a:spcPts val="0"/>
+              </a:spcBef>
+              <a:spcAft>
+                <a:spcPts val="0"/>
+              </a:spcAft>
+              <a:buClrTx/>
+              <a:buSzTx/>
+              <a:buFontTx/>
+              <a:buNone/>
+              <a:tabLst/>
+              <a:defRPr/>
+            </a:pPr>
+            <a:endParaRPr kumimoji="0" lang="en-US" sz="1800" b="0" i="0" u="none" strike="noStrike" kern="1200" cap="none" spc="0" normalizeH="0" baseline="0" noProof="0">
+              <a:ln>
+                <a:noFill/>
+              </a:ln>
+              <a:solidFill>
+                <a:prstClr val="white"/>
+              </a:solidFill>
+              <a:effectLst/>
+              <a:uLnTx/>
+              <a:uFillTx/>
+              <a:latin typeface="Calibri" panose="020F0502020204030204"/>
+              <a:ea typeface="+mn-ea"/>
+              <a:cs typeface="+mn-cs"/>
+            </a:endParaRPr>
+          </a:p>
+        </p:txBody>
+      </p:sp>
+      <p:sp>
+        <p:nvSpPr>
           <p:cNvPr id="3" name="內容版面配置區 2">
             <a:extLst>
               <a:ext uri="{FF2B5EF4-FFF2-40B4-BE49-F238E27FC236}">
-                <a16:creationId xmlns:a16="http://schemas.microsoft.com/office/drawing/2014/main" id="{F75E2BC0-B1B9-49ED-B5D5-093E19A82337}"/>
+                <a16:creationId xmlns:a16="http://schemas.microsoft.com/office/drawing/2014/main" id="{655153D6-7392-4190-A2AD-4AEF6E406272}"/>
               </a:ext>
             </a:extLst>
           </p:cNvPr>
@@ -19344,19 +19432,108 @@
             <p:ph idx="1"/>
           </p:nvPr>
         </p:nvSpPr>
-        <p:spPr/>
-        <p:txBody>
-          <a:bodyPr/>
+        <p:spPr>
+          <a:xfrm>
+            <a:off x="438912" y="2512611"/>
+            <a:ext cx="4832803" cy="3664351"/>
+          </a:xfrm>
+        </p:spPr>
+        <p:txBody>
+          <a:bodyPr>
+            <a:normAutofit/>
+          </a:bodyPr>
           <a:lstStyle/>
           <a:p>
-            <a:endParaRPr lang="zh-HK" altLang="en-US"/>
-          </a:p>
-        </p:txBody>
-      </p:sp>
+            <a:r>
+              <a:rPr lang="en-US" altLang="zh-TW" sz="1800" dirty="0"/>
+              <a:t>1 question = 1 trial</a:t>
+            </a:r>
+          </a:p>
+          <a:p>
+            <a:r>
+              <a:rPr lang="en-US" altLang="zh-TW" sz="1800" dirty="0"/>
+              <a:t>1 question type = 1 trial type (input type)</a:t>
+            </a:r>
+          </a:p>
+          <a:p>
+            <a:r>
+              <a:rPr lang="en-US" altLang="zh-TW" sz="1800" dirty="0"/>
+              <a:t>This question is a forced-choice task, so multiple choice is used</a:t>
+            </a:r>
+          </a:p>
+          <a:p>
+            <a:r>
+              <a:rPr lang="en-US" altLang="zh-TW" sz="1800" dirty="0"/>
+              <a:t>‘Force response’ = participants can’t skip the question</a:t>
+            </a:r>
+            <a:endParaRPr lang="zh-TW" altLang="en-US" sz="1800" dirty="0"/>
+          </a:p>
+        </p:txBody>
+      </p:sp>
+      <p:pic>
+        <p:nvPicPr>
+          <p:cNvPr id="6" name="圖片 5">
+            <a:extLst>
+              <a:ext uri="{FF2B5EF4-FFF2-40B4-BE49-F238E27FC236}">
+                <a16:creationId xmlns:a16="http://schemas.microsoft.com/office/drawing/2014/main" id="{37E83727-3629-45DE-8E75-F396E2948227}"/>
+              </a:ext>
+            </a:extLst>
+          </p:cNvPr>
+          <p:cNvPicPr>
+            <a:picLocks noChangeAspect="1"/>
+          </p:cNvPicPr>
+          <p:nvPr/>
+        </p:nvPicPr>
+        <p:blipFill>
+          <a:blip r:embed="rId2"/>
+          <a:stretch>
+            <a:fillRect/>
+          </a:stretch>
+        </p:blipFill>
+        <p:spPr>
+          <a:xfrm>
+            <a:off x="7120570" y="3149931"/>
+            <a:ext cx="3824264" cy="2743200"/>
+          </a:xfrm>
+          <a:prstGeom prst="rect">
+            <a:avLst/>
+          </a:prstGeom>
+        </p:spPr>
+      </p:pic>
+      <p:pic>
+        <p:nvPicPr>
+          <p:cNvPr id="8" name="圖片 7">
+            <a:extLst>
+              <a:ext uri="{FF2B5EF4-FFF2-40B4-BE49-F238E27FC236}">
+                <a16:creationId xmlns:a16="http://schemas.microsoft.com/office/drawing/2014/main" id="{844F8C7B-AFA5-49A5-A2A7-B6B01967ECF5}"/>
+              </a:ext>
+            </a:extLst>
+          </p:cNvPr>
+          <p:cNvPicPr>
+            <a:picLocks noChangeAspect="1"/>
+          </p:cNvPicPr>
+          <p:nvPr/>
+        </p:nvPicPr>
+        <p:blipFill>
+          <a:blip r:embed="rId3"/>
+          <a:stretch>
+            <a:fillRect/>
+          </a:stretch>
+        </p:blipFill>
+        <p:spPr>
+          <a:xfrm>
+            <a:off x="6463238" y="554738"/>
+            <a:ext cx="5138928" cy="2040456"/>
+          </a:xfrm>
+          <a:prstGeom prst="rect">
+            <a:avLst/>
+          </a:prstGeom>
+        </p:spPr>
+      </p:pic>
     </p:spTree>
     <p:extLst>
       <p:ext uri="{BB962C8B-B14F-4D97-AF65-F5344CB8AC3E}">
-        <p14:creationId xmlns:p14="http://schemas.microsoft.com/office/powerpoint/2010/main" val="2335066798"/>
+        <p14:creationId xmlns:p14="http://schemas.microsoft.com/office/powerpoint/2010/main" val="1911590532"/>
       </p:ext>
     </p:extLst>
   </p:cSld>
